--- a/Assets/Sound/PPT Data/Sound Example.pptx
+++ b/Assets/Sound/PPT Data/Sound Example.pptx
@@ -2,28 +2,23 @@
 <file path=ppt/presentation.xml><?xml version="1.0" encoding="utf-8"?>
 <p:presentation xmlns:a="http://schemas.openxmlformats.org/drawingml/2006/main" xmlns:r="http://schemas.openxmlformats.org/officeDocument/2006/relationships" xmlns:p="http://schemas.openxmlformats.org/presentationml/2006/main" xmlns:p14="http://schemas.microsoft.com/office/powerpoint/2010/main" saveSubsetFonts="1" firstSlideNum="0">
   <p:sldMasterIdLst>
-    <p:sldMasterId id="2147486376" r:id="rId12"/>
+    <p:sldMasterId id="2147486387" r:id="rId12"/>
   </p:sldMasterIdLst>
   <p:notesMasterIdLst>
     <p:notesMasterId r:id="rId14"/>
   </p:notesMasterIdLst>
   <p:sldIdLst>
     <p:sldId id="287" r:id="rId16"/>
-    <p:sldId id="300" r:id="rId18"/>
-    <p:sldId id="312" r:id="rId19"/>
-    <p:sldId id="304" r:id="rId20"/>
-    <p:sldId id="301" r:id="rId21"/>
-    <p:sldId id="302" r:id="rId22"/>
-    <p:sldId id="305" r:id="rId23"/>
-    <p:sldId id="307" r:id="rId24"/>
-    <p:sldId id="308" r:id="rId25"/>
-    <p:sldId id="309" r:id="rId27"/>
-    <p:sldId id="313" r:id="rId29"/>
-    <p:sldId id="310" r:id="rId31"/>
-    <p:sldId id="314" r:id="rId33"/>
-    <p:sldId id="311" r:id="rId34"/>
-    <p:sldId id="315" r:id="rId35"/>
-    <p:sldId id="316" r:id="rId36"/>
+    <p:sldId id="304" r:id="rId18"/>
+    <p:sldId id="300" r:id="rId19"/>
+    <p:sldId id="312" r:id="rId20"/>
+    <p:sldId id="301" r:id="rId22"/>
+    <p:sldId id="302" r:id="rId24"/>
+    <p:sldId id="305" r:id="rId26"/>
+    <p:sldId id="307" r:id="rId28"/>
+    <p:sldId id="308" r:id="rId30"/>
+    <p:sldId id="309" r:id="rId32"/>
+    <p:sldId id="313" r:id="rId34"/>
   </p:sldIdLst>
   <p:sldSz cx="12192000" cy="6858000"/>
   <p:notesSz cx="6858000" cy="9144000"/>
@@ -908,716 +903,6 @@
 </p:notes>
 </file>
 
-<file path=ppt/notesSlides/notesSlide12.xml><?xml version="1.0" encoding="utf-8"?>
-<p:notes xmlns:a="http://schemas.openxmlformats.org/drawingml/2006/main" xmlns:r="http://schemas.openxmlformats.org/officeDocument/2006/relationships" xmlns:p="http://schemas.openxmlformats.org/presentationml/2006/main">
-  <p:cSld>
-    <p:spTree>
-      <p:nvGrpSpPr>
-        <p:cNvPr id="1" name=""/>
-        <p:cNvGrpSpPr/>
-        <p:nvPr/>
-      </p:nvGrpSpPr>
-      <p:grpSpPr>
-        <a:xfrm>
-          <a:off x="0" y="0"/>
-          <a:ext cx="0" cy="0"/>
-          <a:chOff x="0" y="0"/>
-          <a:chExt cx="0" cy="0"/>
-        </a:xfrm>
-      </p:grpSpPr>
-      <p:sp>
-        <p:nvSpPr>
-          <p:cNvPr id="2" name="슬라이드 이미지 개체 틀 3"/>
-          <p:cNvSpPr>
-            <a:spLocks noChangeAspect="1"/>
-          </p:cNvSpPr>
-          <p:nvPr>
-            <p:ph type="sldImg" idx="2"/>
-          </p:nvPr>
-        </p:nvSpPr>
-        <p:spPr>
-          <a:xfrm rot="0">
-            <a:off x="685800" y="1143000"/>
-            <a:ext cx="5491480" cy="3091180"/>
-          </a:xfrm>
-          <a:prstGeom prst="rect"/>
-          <a:noFill/>
-          <a:ln w="12700" cap="flat" cmpd="sng">
-            <a:solidFill>
-              <a:srgbClr val="000000">
-                <a:alpha val="100000"/>
-              </a:srgbClr>
-            </a:solidFill>
-            <a:prstDash val="solid"/>
-          </a:ln>
-        </p:spPr>
-        <p:txBody>
-          <a:bodyPr wrap="square" lIns="91440" tIns="45720" rIns="91440" bIns="45720" numCol="1" vert="horz" anchor="ctr">
-            <a:noAutofit/>
-          </a:bodyPr>
-          <a:lstStyle/>
-          <a:p>
-            <a:pPr marL="0" indent="0" latinLnBrk="0">
-              <a:buFontTx/>
-              <a:buNone/>
-            </a:pPr>
-          </a:p>
-        </p:txBody>
-      </p:sp>
-      <p:sp>
-        <p:nvSpPr>
-          <p:cNvPr id="3" name="슬라이드 노트 개체 틀 4"/>
-          <p:cNvSpPr txBox="1">
-            <a:spLocks/>
-          </p:cNvSpPr>
-          <p:nvPr>
-            <p:ph type="body" idx="3"/>
-          </p:nvPr>
-        </p:nvSpPr>
-        <p:spPr>
-          <a:xfrm rot="0">
-            <a:off x="685800" y="4400550"/>
-            <a:ext cx="5491480" cy="3605530"/>
-          </a:xfrm>
-          <a:prstGeom prst="rect"/>
-        </p:spPr>
-        <p:txBody>
-          <a:bodyPr wrap="square" lIns="91440" tIns="45720" rIns="91440" bIns="45720" numCol="1" vert="horz" anchor="t">
-            <a:noAutofit/>
-          </a:bodyPr>
-          <a:lstStyle/>
-          <a:p>
-            <a:pPr marL="0" indent="0" latinLnBrk="0">
-              <a:buFontTx/>
-              <a:buNone/>
-            </a:pPr>
-          </a:p>
-        </p:txBody>
-      </p:sp>
-      <p:sp>
-        <p:nvSpPr>
-          <p:cNvPr id="4" name="슬라이드 번호 개체 틀 6"/>
-          <p:cNvSpPr txBox="1">
-            <a:spLocks/>
-          </p:cNvSpPr>
-          <p:nvPr>
-            <p:ph type="sldNum" idx="5"/>
-          </p:nvPr>
-        </p:nvSpPr>
-        <p:spPr>
-          <a:xfrm rot="0">
-            <a:off x="3884930" y="8685530"/>
-            <a:ext cx="2976880" cy="463550"/>
-          </a:xfrm>
-          <a:prstGeom prst="rect"/>
-        </p:spPr>
-        <p:txBody>
-          <a:bodyPr wrap="square" lIns="91440" tIns="45720" rIns="91440" bIns="45720" numCol="1" vert="horz" anchor="b">
-            <a:noAutofit/>
-          </a:bodyPr>
-          <a:lstStyle>
-            <a:lvl1pPr marL="0" indent="0" algn="r" latinLnBrk="0">
-              <a:buFontTx/>
-              <a:buNone/>
-              <a:defRPr lang="en-GB" altLang="en-US" sz="1200"/>
-            </a:lvl1pPr>
-          </a:lstStyle>
-          <a:p>
-            <a:pPr marL="0" indent="0" latinLnBrk="0">
-              <a:buFontTx/>
-              <a:buNone/>
-            </a:pPr>
-            <a:fld id="{B9320F77-B9A0-41C5-862A-B4B631284C64}" type="slidenum">
-              <a:rPr lang="ko-KR" altLang="en-US"/>
-              <a:t>‹#›</a:t>
-            </a:fld>
-          </a:p>
-        </p:txBody>
-      </p:sp>
-    </p:spTree>
-  </p:cSld>
-  <p:clrMapOvr>
-    <a:masterClrMapping/>
-  </p:clrMapOvr>
-  <mc:AlternateContent xmlns:mc="http://schemas.openxmlformats.org/markup-compatibility/2006">
-    <mc:Choice xmlns:p14="http://schemas.microsoft.com/office/powerpoint/2010/main" Requires="p14">
-      <p:transition spd="slow" p14:dur="0"/>
-    </mc:Choice>
-    <mc:Fallback>
-      <p:transition spd="slow"/>
-    </mc:Fallback>
-  </mc:AlternateContent>
-</p:notes>
-</file>
-
-<file path=ppt/notesSlides/notesSlide13.xml><?xml version="1.0" encoding="utf-8"?>
-<p:notes xmlns:a="http://schemas.openxmlformats.org/drawingml/2006/main" xmlns:r="http://schemas.openxmlformats.org/officeDocument/2006/relationships" xmlns:p="http://schemas.openxmlformats.org/presentationml/2006/main">
-  <p:cSld>
-    <p:spTree>
-      <p:nvGrpSpPr>
-        <p:cNvPr id="1" name=""/>
-        <p:cNvGrpSpPr/>
-        <p:nvPr/>
-      </p:nvGrpSpPr>
-      <p:grpSpPr>
-        <a:xfrm>
-          <a:off x="0" y="0"/>
-          <a:ext cx="0" cy="0"/>
-          <a:chOff x="0" y="0"/>
-          <a:chExt cx="0" cy="0"/>
-        </a:xfrm>
-      </p:grpSpPr>
-      <p:sp>
-        <p:nvSpPr>
-          <p:cNvPr id="2" name="슬라이드 이미지 개체 틀 3"/>
-          <p:cNvSpPr>
-            <a:spLocks noChangeAspect="1"/>
-          </p:cNvSpPr>
-          <p:nvPr>
-            <p:ph type="sldImg" idx="2"/>
-          </p:nvPr>
-        </p:nvSpPr>
-        <p:spPr>
-          <a:xfrm rot="0">
-            <a:off x="685800" y="1143000"/>
-            <a:ext cx="5492115" cy="3091815"/>
-          </a:xfrm>
-          <a:prstGeom prst="rect"/>
-          <a:noFill/>
-          <a:ln w="12700" cap="flat" cmpd="sng">
-            <a:solidFill>
-              <a:srgbClr val="000000">
-                <a:alpha val="100000"/>
-              </a:srgbClr>
-            </a:solidFill>
-            <a:prstDash val="solid"/>
-          </a:ln>
-        </p:spPr>
-        <p:txBody>
-          <a:bodyPr wrap="square" lIns="91440" tIns="45720" rIns="91440" bIns="45720" numCol="1" vert="horz" anchor="ctr">
-            <a:noAutofit/>
-          </a:bodyPr>
-          <a:lstStyle/>
-          <a:p>
-            <a:pPr marL="0" indent="0" latinLnBrk="0">
-              <a:buFontTx/>
-              <a:buNone/>
-            </a:pPr>
-          </a:p>
-        </p:txBody>
-      </p:sp>
-      <p:sp>
-        <p:nvSpPr>
-          <p:cNvPr id="3" name="슬라이드 노트 개체 틀 4"/>
-          <p:cNvSpPr txBox="1">
-            <a:spLocks/>
-          </p:cNvSpPr>
-          <p:nvPr>
-            <p:ph type="body" idx="3"/>
-          </p:nvPr>
-        </p:nvSpPr>
-        <p:spPr>
-          <a:xfrm rot="0">
-            <a:off x="685800" y="4400550"/>
-            <a:ext cx="5492115" cy="3606165"/>
-          </a:xfrm>
-          <a:prstGeom prst="rect"/>
-        </p:spPr>
-        <p:txBody>
-          <a:bodyPr wrap="square" lIns="91440" tIns="45720" rIns="91440" bIns="45720" numCol="1" vert="horz" anchor="t">
-            <a:noAutofit/>
-          </a:bodyPr>
-          <a:lstStyle/>
-          <a:p>
-            <a:pPr marL="0" indent="0" latinLnBrk="0">
-              <a:buFontTx/>
-              <a:buNone/>
-            </a:pPr>
-          </a:p>
-        </p:txBody>
-      </p:sp>
-      <p:sp>
-        <p:nvSpPr>
-          <p:cNvPr id="4" name="슬라이드 번호 개체 틀 6"/>
-          <p:cNvSpPr txBox="1">
-            <a:spLocks/>
-          </p:cNvSpPr>
-          <p:nvPr>
-            <p:ph type="sldNum" idx="5"/>
-          </p:nvPr>
-        </p:nvSpPr>
-        <p:spPr>
-          <a:xfrm rot="0">
-            <a:off x="3884930" y="8685530"/>
-            <a:ext cx="2977515" cy="464185"/>
-          </a:xfrm>
-          <a:prstGeom prst="rect"/>
-        </p:spPr>
-        <p:txBody>
-          <a:bodyPr wrap="square" lIns="91440" tIns="45720" rIns="91440" bIns="45720" numCol="1" vert="horz" anchor="b">
-            <a:noAutofit/>
-          </a:bodyPr>
-          <a:lstStyle>
-            <a:lvl1pPr marL="0" indent="0" algn="r" latinLnBrk="0">
-              <a:buFontTx/>
-              <a:buNone/>
-              <a:defRPr lang="en-GB" altLang="en-US" sz="1200"/>
-            </a:lvl1pPr>
-          </a:lstStyle>
-          <a:p>
-            <a:pPr marL="0" indent="0" latinLnBrk="0">
-              <a:buFontTx/>
-              <a:buNone/>
-            </a:pPr>
-            <a:fld id="{B9320F77-B9A0-41C5-862A-B4B631284C64}" type="slidenum">
-              <a:rPr lang="ko-KR" altLang="en-US"/>
-              <a:t>‹#›</a:t>
-            </a:fld>
-          </a:p>
-        </p:txBody>
-      </p:sp>
-    </p:spTree>
-  </p:cSld>
-  <p:clrMapOvr>
-    <a:masterClrMapping/>
-  </p:clrMapOvr>
-  <mc:AlternateContent xmlns:mc="http://schemas.openxmlformats.org/markup-compatibility/2006">
-    <mc:Choice xmlns:p14="http://schemas.microsoft.com/office/powerpoint/2010/main" Requires="p14">
-      <p:transition spd="slow" p14:dur="0"/>
-    </mc:Choice>
-    <mc:Fallback>
-      <p:transition spd="slow"/>
-    </mc:Fallback>
-  </mc:AlternateContent>
-</p:notes>
-</file>
-
-<file path=ppt/notesSlides/notesSlide14.xml><?xml version="1.0" encoding="utf-8"?>
-<p:notes xmlns:a="http://schemas.openxmlformats.org/drawingml/2006/main" xmlns:r="http://schemas.openxmlformats.org/officeDocument/2006/relationships" xmlns:p="http://schemas.openxmlformats.org/presentationml/2006/main">
-  <p:cSld>
-    <p:spTree>
-      <p:nvGrpSpPr>
-        <p:cNvPr id="1" name=""/>
-        <p:cNvGrpSpPr/>
-        <p:nvPr/>
-      </p:nvGrpSpPr>
-      <p:grpSpPr>
-        <a:xfrm>
-          <a:off x="0" y="0"/>
-          <a:ext cx="0" cy="0"/>
-          <a:chOff x="0" y="0"/>
-          <a:chExt cx="0" cy="0"/>
-        </a:xfrm>
-      </p:grpSpPr>
-      <p:sp>
-        <p:nvSpPr>
-          <p:cNvPr id="2" name="슬라이드 이미지 개체 틀 3"/>
-          <p:cNvSpPr>
-            <a:spLocks noChangeAspect="1"/>
-          </p:cNvSpPr>
-          <p:nvPr>
-            <p:ph type="sldImg" idx="2"/>
-          </p:nvPr>
-        </p:nvSpPr>
-        <p:spPr>
-          <a:xfrm rot="0">
-            <a:off x="685800" y="1143000"/>
-            <a:ext cx="5491480" cy="3091180"/>
-          </a:xfrm>
-          <a:prstGeom prst="rect"/>
-          <a:noFill/>
-          <a:ln w="12700" cap="flat" cmpd="sng">
-            <a:solidFill>
-              <a:srgbClr val="000000">
-                <a:alpha val="100000"/>
-              </a:srgbClr>
-            </a:solidFill>
-            <a:prstDash val="solid"/>
-          </a:ln>
-        </p:spPr>
-        <p:txBody>
-          <a:bodyPr wrap="square" lIns="91440" tIns="45720" rIns="91440" bIns="45720" numCol="1" vert="horz" anchor="ctr">
-            <a:noAutofit/>
-          </a:bodyPr>
-          <a:lstStyle/>
-          <a:p>
-            <a:pPr marL="0" indent="0" latinLnBrk="0">
-              <a:buFontTx/>
-              <a:buNone/>
-            </a:pPr>
-          </a:p>
-        </p:txBody>
-      </p:sp>
-      <p:sp>
-        <p:nvSpPr>
-          <p:cNvPr id="3" name="슬라이드 노트 개체 틀 4"/>
-          <p:cNvSpPr txBox="1">
-            <a:spLocks/>
-          </p:cNvSpPr>
-          <p:nvPr>
-            <p:ph type="body" idx="3"/>
-          </p:nvPr>
-        </p:nvSpPr>
-        <p:spPr>
-          <a:xfrm rot="0">
-            <a:off x="685800" y="4400550"/>
-            <a:ext cx="5491480" cy="3605530"/>
-          </a:xfrm>
-          <a:prstGeom prst="rect"/>
-        </p:spPr>
-        <p:txBody>
-          <a:bodyPr wrap="square" lIns="91440" tIns="45720" rIns="91440" bIns="45720" numCol="1" vert="horz" anchor="t">
-            <a:noAutofit/>
-          </a:bodyPr>
-          <a:lstStyle/>
-          <a:p>
-            <a:pPr marL="0" indent="0" latinLnBrk="0">
-              <a:buFontTx/>
-              <a:buNone/>
-            </a:pPr>
-          </a:p>
-        </p:txBody>
-      </p:sp>
-      <p:sp>
-        <p:nvSpPr>
-          <p:cNvPr id="4" name="슬라이드 번호 개체 틀 6"/>
-          <p:cNvSpPr txBox="1">
-            <a:spLocks/>
-          </p:cNvSpPr>
-          <p:nvPr>
-            <p:ph type="sldNum" idx="5"/>
-          </p:nvPr>
-        </p:nvSpPr>
-        <p:spPr>
-          <a:xfrm rot="0">
-            <a:off x="3884930" y="8685530"/>
-            <a:ext cx="2976880" cy="463550"/>
-          </a:xfrm>
-          <a:prstGeom prst="rect"/>
-        </p:spPr>
-        <p:txBody>
-          <a:bodyPr wrap="square" lIns="91440" tIns="45720" rIns="91440" bIns="45720" numCol="1" vert="horz" anchor="b">
-            <a:noAutofit/>
-          </a:bodyPr>
-          <a:lstStyle>
-            <a:lvl1pPr marL="0" indent="0" algn="r" latinLnBrk="0">
-              <a:buFontTx/>
-              <a:buNone/>
-              <a:defRPr lang="en-GB" altLang="en-US" sz="1200"/>
-            </a:lvl1pPr>
-          </a:lstStyle>
-          <a:p>
-            <a:pPr marL="0" indent="0" latinLnBrk="0">
-              <a:buFontTx/>
-              <a:buNone/>
-            </a:pPr>
-            <a:fld id="{B9320F77-B9A0-41C5-862A-B4B631284C64}" type="slidenum">
-              <a:rPr lang="ko-KR" altLang="en-US"/>
-              <a:t>‹#›</a:t>
-            </a:fld>
-          </a:p>
-        </p:txBody>
-      </p:sp>
-    </p:spTree>
-  </p:cSld>
-  <p:clrMapOvr>
-    <a:masterClrMapping/>
-  </p:clrMapOvr>
-  <mc:AlternateContent xmlns:mc="http://schemas.openxmlformats.org/markup-compatibility/2006">
-    <mc:Choice xmlns:p14="http://schemas.microsoft.com/office/powerpoint/2010/main" Requires="p14">
-      <p:transition spd="slow" p14:dur="0"/>
-    </mc:Choice>
-    <mc:Fallback>
-      <p:transition spd="slow"/>
-    </mc:Fallback>
-  </mc:AlternateContent>
-</p:notes>
-</file>
-
-<file path=ppt/notesSlides/notesSlide15.xml><?xml version="1.0" encoding="utf-8"?>
-<p:notes xmlns:a="http://schemas.openxmlformats.org/drawingml/2006/main" xmlns:r="http://schemas.openxmlformats.org/officeDocument/2006/relationships" xmlns:p="http://schemas.openxmlformats.org/presentationml/2006/main">
-  <p:cSld>
-    <p:spTree>
-      <p:nvGrpSpPr>
-        <p:cNvPr id="1" name=""/>
-        <p:cNvGrpSpPr/>
-        <p:nvPr/>
-      </p:nvGrpSpPr>
-      <p:grpSpPr>
-        <a:xfrm>
-          <a:off x="0" y="0"/>
-          <a:ext cx="0" cy="0"/>
-          <a:chOff x="0" y="0"/>
-          <a:chExt cx="0" cy="0"/>
-        </a:xfrm>
-      </p:grpSpPr>
-      <p:sp>
-        <p:nvSpPr>
-          <p:cNvPr id="2" name="슬라이드 이미지 개체 틀 3"/>
-          <p:cNvSpPr>
-            <a:spLocks noChangeAspect="1"/>
-          </p:cNvSpPr>
-          <p:nvPr>
-            <p:ph type="sldImg" idx="2"/>
-          </p:nvPr>
-        </p:nvSpPr>
-        <p:spPr>
-          <a:xfrm rot="0">
-            <a:off x="685800" y="1143000"/>
-            <a:ext cx="5492115" cy="3091815"/>
-          </a:xfrm>
-          <a:prstGeom prst="rect"/>
-          <a:noFill/>
-          <a:ln w="12700" cap="flat" cmpd="sng">
-            <a:solidFill>
-              <a:srgbClr val="000000">
-                <a:alpha val="100000"/>
-              </a:srgbClr>
-            </a:solidFill>
-            <a:prstDash val="solid"/>
-          </a:ln>
-        </p:spPr>
-        <p:txBody>
-          <a:bodyPr wrap="square" lIns="91440" tIns="45720" rIns="91440" bIns="45720" numCol="1" vert="horz" anchor="ctr">
-            <a:noAutofit/>
-          </a:bodyPr>
-          <a:lstStyle/>
-          <a:p>
-            <a:pPr marL="0" indent="0" latinLnBrk="0">
-              <a:buFontTx/>
-              <a:buNone/>
-            </a:pPr>
-          </a:p>
-        </p:txBody>
-      </p:sp>
-      <p:sp>
-        <p:nvSpPr>
-          <p:cNvPr id="3" name="슬라이드 노트 개체 틀 4"/>
-          <p:cNvSpPr txBox="1">
-            <a:spLocks/>
-          </p:cNvSpPr>
-          <p:nvPr>
-            <p:ph type="body" idx="3"/>
-          </p:nvPr>
-        </p:nvSpPr>
-        <p:spPr>
-          <a:xfrm rot="0">
-            <a:off x="685800" y="4400550"/>
-            <a:ext cx="5492115" cy="3606165"/>
-          </a:xfrm>
-          <a:prstGeom prst="rect"/>
-        </p:spPr>
-        <p:txBody>
-          <a:bodyPr wrap="square" lIns="91440" tIns="45720" rIns="91440" bIns="45720" numCol="1" vert="horz" anchor="t">
-            <a:noAutofit/>
-          </a:bodyPr>
-          <a:lstStyle/>
-          <a:p>
-            <a:pPr marL="0" indent="0" latinLnBrk="0">
-              <a:buFontTx/>
-              <a:buNone/>
-            </a:pPr>
-          </a:p>
-        </p:txBody>
-      </p:sp>
-      <p:sp>
-        <p:nvSpPr>
-          <p:cNvPr id="4" name="슬라이드 번호 개체 틀 6"/>
-          <p:cNvSpPr txBox="1">
-            <a:spLocks/>
-          </p:cNvSpPr>
-          <p:nvPr>
-            <p:ph type="sldNum" idx="5"/>
-          </p:nvPr>
-        </p:nvSpPr>
-        <p:spPr>
-          <a:xfrm rot="0">
-            <a:off x="3884930" y="8685530"/>
-            <a:ext cx="2977515" cy="464185"/>
-          </a:xfrm>
-          <a:prstGeom prst="rect"/>
-        </p:spPr>
-        <p:txBody>
-          <a:bodyPr wrap="square" lIns="91440" tIns="45720" rIns="91440" bIns="45720" numCol="1" vert="horz" anchor="b">
-            <a:noAutofit/>
-          </a:bodyPr>
-          <a:lstStyle>
-            <a:lvl1pPr marL="0" indent="0" algn="r" latinLnBrk="0">
-              <a:buFontTx/>
-              <a:buNone/>
-              <a:defRPr lang="en-GB" altLang="en-US" sz="1200"/>
-            </a:lvl1pPr>
-          </a:lstStyle>
-          <a:p>
-            <a:pPr marL="0" indent="0" latinLnBrk="0">
-              <a:buFontTx/>
-              <a:buNone/>
-            </a:pPr>
-            <a:fld id="{B9320F77-B9A0-41C5-862A-B4B631284C64}" type="slidenum">
-              <a:rPr lang="ko-KR" altLang="en-US"/>
-              <a:t>‹#›</a:t>
-            </a:fld>
-          </a:p>
-        </p:txBody>
-      </p:sp>
-    </p:spTree>
-  </p:cSld>
-  <p:clrMapOvr>
-    <a:masterClrMapping/>
-  </p:clrMapOvr>
-  <mc:AlternateContent xmlns:mc="http://schemas.openxmlformats.org/markup-compatibility/2006">
-    <mc:Choice xmlns:p14="http://schemas.microsoft.com/office/powerpoint/2010/main" Requires="p14">
-      <p:transition spd="slow" p14:dur="0"/>
-    </mc:Choice>
-    <mc:Fallback>
-      <p:transition spd="slow"/>
-    </mc:Fallback>
-  </mc:AlternateContent>
-</p:notes>
-</file>
-
-<file path=ppt/notesSlides/notesSlide16.xml><?xml version="1.0" encoding="utf-8"?>
-<p:notes xmlns:a="http://schemas.openxmlformats.org/drawingml/2006/main" xmlns:r="http://schemas.openxmlformats.org/officeDocument/2006/relationships" xmlns:p="http://schemas.openxmlformats.org/presentationml/2006/main">
-  <p:cSld>
-    <p:spTree>
-      <p:nvGrpSpPr>
-        <p:cNvPr id="1" name=""/>
-        <p:cNvGrpSpPr/>
-        <p:nvPr/>
-      </p:nvGrpSpPr>
-      <p:grpSpPr>
-        <a:xfrm>
-          <a:off x="0" y="0"/>
-          <a:ext cx="0" cy="0"/>
-          <a:chOff x="0" y="0"/>
-          <a:chExt cx="0" cy="0"/>
-        </a:xfrm>
-      </p:grpSpPr>
-      <p:sp>
-        <p:nvSpPr>
-          <p:cNvPr id="2" name="슬라이드 이미지 개체 틀 3"/>
-          <p:cNvSpPr>
-            <a:spLocks noChangeAspect="1"/>
-          </p:cNvSpPr>
-          <p:nvPr>
-            <p:ph type="sldImg" idx="2"/>
-          </p:nvPr>
-        </p:nvSpPr>
-        <p:spPr>
-          <a:xfrm rot="0">
-            <a:off x="685800" y="1143000"/>
-            <a:ext cx="5492750" cy="3092450"/>
-          </a:xfrm>
-          <a:prstGeom prst="rect"/>
-          <a:noFill/>
-          <a:ln w="12700" cap="flat" cmpd="sng">
-            <a:solidFill>
-              <a:srgbClr val="000000">
-                <a:alpha val="100000"/>
-              </a:srgbClr>
-            </a:solidFill>
-            <a:prstDash val="solid"/>
-          </a:ln>
-        </p:spPr>
-        <p:txBody>
-          <a:bodyPr wrap="square" lIns="91440" tIns="45720" rIns="91440" bIns="45720" numCol="1" vert="horz" anchor="ctr">
-            <a:noAutofit/>
-          </a:bodyPr>
-          <a:lstStyle/>
-          <a:p>
-            <a:pPr marL="0" indent="0" latinLnBrk="0">
-              <a:buFontTx/>
-              <a:buNone/>
-            </a:pPr>
-          </a:p>
-        </p:txBody>
-      </p:sp>
-      <p:sp>
-        <p:nvSpPr>
-          <p:cNvPr id="3" name="슬라이드 노트 개체 틀 4"/>
-          <p:cNvSpPr txBox="1">
-            <a:spLocks/>
-          </p:cNvSpPr>
-          <p:nvPr>
-            <p:ph type="body" idx="3"/>
-          </p:nvPr>
-        </p:nvSpPr>
-        <p:spPr>
-          <a:xfrm rot="0">
-            <a:off x="685800" y="4400550"/>
-            <a:ext cx="5492750" cy="3606800"/>
-          </a:xfrm>
-          <a:prstGeom prst="rect"/>
-        </p:spPr>
-        <p:txBody>
-          <a:bodyPr wrap="square" lIns="91440" tIns="45720" rIns="91440" bIns="45720" numCol="1" vert="horz" anchor="t">
-            <a:noAutofit/>
-          </a:bodyPr>
-          <a:lstStyle/>
-          <a:p>
-            <a:pPr marL="0" indent="0" latinLnBrk="0">
-              <a:buFontTx/>
-              <a:buNone/>
-            </a:pPr>
-          </a:p>
-        </p:txBody>
-      </p:sp>
-      <p:sp>
-        <p:nvSpPr>
-          <p:cNvPr id="4" name="슬라이드 번호 개체 틀 6"/>
-          <p:cNvSpPr txBox="1">
-            <a:spLocks/>
-          </p:cNvSpPr>
-          <p:nvPr>
-            <p:ph type="sldNum" idx="5"/>
-          </p:nvPr>
-        </p:nvSpPr>
-        <p:spPr>
-          <a:xfrm rot="0">
-            <a:off x="3884930" y="8685530"/>
-            <a:ext cx="2978150" cy="464820"/>
-          </a:xfrm>
-          <a:prstGeom prst="rect"/>
-        </p:spPr>
-        <p:txBody>
-          <a:bodyPr wrap="square" lIns="91440" tIns="45720" rIns="91440" bIns="45720" numCol="1" vert="horz" anchor="b">
-            <a:noAutofit/>
-          </a:bodyPr>
-          <a:lstStyle>
-            <a:lvl1pPr marL="0" indent="0" algn="r" latinLnBrk="0">
-              <a:buFontTx/>
-              <a:buNone/>
-              <a:defRPr lang="en-GB" altLang="en-US" sz="1200"/>
-            </a:lvl1pPr>
-          </a:lstStyle>
-          <a:p>
-            <a:pPr marL="0" indent="0" latinLnBrk="0">
-              <a:buFontTx/>
-              <a:buNone/>
-            </a:pPr>
-            <a:fld id="{B9320F77-B9A0-41C5-862A-B4B631284C64}" type="slidenum">
-              <a:rPr lang="ko-KR" altLang="en-US"/>
-              <a:t>‹#›</a:t>
-            </a:fld>
-          </a:p>
-        </p:txBody>
-      </p:sp>
-    </p:spTree>
-  </p:cSld>
-  <p:clrMapOvr>
-    <a:masterClrMapping/>
-  </p:clrMapOvr>
-  <mc:AlternateContent xmlns:mc="http://schemas.openxmlformats.org/markup-compatibility/2006">
-    <mc:Choice xmlns:p14="http://schemas.microsoft.com/office/powerpoint/2010/main" Requires="p14">
-      <p:transition spd="slow" p14:dur="0"/>
-    </mc:Choice>
-    <mc:Fallback>
-      <p:transition spd="slow"/>
-    </mc:Fallback>
-  </mc:AlternateContent>
-</p:notes>
-</file>
-
 <file path=ppt/notesSlides/notesSlide2.xml><?xml version="1.0" encoding="utf-8"?>
 <p:notes xmlns:a="http://schemas.openxmlformats.org/drawingml/2006/main" xmlns:r="http://schemas.openxmlformats.org/officeDocument/2006/relationships" xmlns:p="http://schemas.openxmlformats.org/presentationml/2006/main">
   <p:cSld>
@@ -1648,7 +933,7 @@
         <p:spPr>
           <a:xfrm rot="0">
             <a:off x="685800" y="1143000"/>
-            <a:ext cx="5489575" cy="3089275"/>
+            <a:ext cx="5490210" cy="3089910"/>
           </a:xfrm>
           <a:prstGeom prst="rect"/>
           <a:noFill/>
@@ -1687,7 +972,7 @@
         <p:spPr>
           <a:xfrm rot="0">
             <a:off x="685800" y="4400550"/>
-            <a:ext cx="5489575" cy="3603625"/>
+            <a:ext cx="5490210" cy="3604260"/>
           </a:xfrm>
           <a:prstGeom prst="rect"/>
         </p:spPr>
@@ -1717,7 +1002,7 @@
         <p:spPr>
           <a:xfrm rot="0">
             <a:off x="3884930" y="8685530"/>
-            <a:ext cx="2974975" cy="461645"/>
+            <a:ext cx="2975610" cy="462280"/>
           </a:xfrm>
           <a:prstGeom prst="rect"/>
         </p:spPr>
@@ -1790,7 +1075,7 @@
         <p:spPr>
           <a:xfrm rot="0">
             <a:off x="685800" y="1143000"/>
-            <a:ext cx="5490210" cy="3089910"/>
+            <a:ext cx="5489575" cy="3089275"/>
           </a:xfrm>
           <a:prstGeom prst="rect"/>
           <a:noFill/>
@@ -1829,7 +1114,7 @@
         <p:spPr>
           <a:xfrm rot="0">
             <a:off x="685800" y="4400550"/>
-            <a:ext cx="5490210" cy="3604260"/>
+            <a:ext cx="5489575" cy="3603625"/>
           </a:xfrm>
           <a:prstGeom prst="rect"/>
         </p:spPr>
@@ -1859,7 +1144,7 @@
         <p:spPr>
           <a:xfrm rot="0">
             <a:off x="3884930" y="8685530"/>
-            <a:ext cx="2975610" cy="462280"/>
+            <a:ext cx="2974975" cy="461645"/>
           </a:xfrm>
           <a:prstGeom prst="rect"/>
         </p:spPr>
@@ -7665,9 +6950,9 @@
           <p:nvPr/>
         </p:nvSpPr>
         <p:spPr>
-          <a:xfrm rot="0">
+          <a:xfrm>
             <a:off x="4718685" y="379730"/>
-            <a:ext cx="2755265" cy="478155"/>
+            <a:ext cx="2755900" cy="478155"/>
           </a:xfrm>
           <a:prstGeom prst="rect"/>
           <a:noFill/>
@@ -7704,37 +6989,7 @@
                 <a:latin typeface="나눔바른고딕" charset="0"/>
                 <a:ea typeface="나눔바른고딕" charset="0"/>
               </a:rPr>
-              <a:t> </a:t>
-            </a:r>
-            <a:r>
-              <a:rPr lang="ko-KR" altLang="en-US" sz="2500" b="1">
-                <a:solidFill>
-                  <a:schemeClr val="tx1"/>
-                </a:solidFill>
-                <a:latin typeface="나눔바른고딕" charset="0"/>
-                <a:ea typeface="나눔바른고딕" charset="0"/>
-              </a:rPr>
-              <a:t>번째</a:t>
-            </a:r>
-            <a:r>
-              <a:rPr lang="ko-KR" altLang="en-US" sz="2500" b="1">
-                <a:solidFill>
-                  <a:schemeClr val="tx1"/>
-                </a:solidFill>
-                <a:latin typeface="나눔바른고딕" charset="0"/>
-                <a:ea typeface="나눔바른고딕" charset="0"/>
-              </a:rPr>
-              <a:t> </a:t>
-            </a:r>
-            <a:r>
-              <a:rPr lang="ko-KR" altLang="en-US" sz="2500" b="1">
-                <a:solidFill>
-                  <a:schemeClr val="tx1"/>
-                </a:solidFill>
-                <a:latin typeface="나눔바른고딕" charset="0"/>
-                <a:ea typeface="나눔바른고딕" charset="0"/>
-              </a:rPr>
-              <a:t>튜토리얼</a:t>
+              <a:t> 번째 튜토리얼</a:t>
             </a:r>
             <a:endParaRPr lang="ko-KR" altLang="en-US" sz="2500" b="1">
               <a:solidFill>
@@ -7756,8 +7011,8 @@
         </p:nvSpPr>
         <p:spPr>
           <a:xfrm rot="0">
-            <a:off x="1230630" y="4665345"/>
-            <a:ext cx="4132580" cy="1477645"/>
+            <a:off x="1223645" y="2649855"/>
+            <a:ext cx="4152265" cy="923925"/>
           </a:xfrm>
           <a:prstGeom prst="rect"/>
           <a:noFill/>
@@ -7819,103 +7074,67 @@
                 <a:latin typeface="맑은 고딕" charset="0"/>
                 <a:ea typeface="맑은 고딕" charset="0"/>
               </a:rPr>
-              <a:t>3D Object를 선택한 다음 Capsule 게임 오브젝트를 생성합니다.</a:t>
+              <a:t>Project 폴더에 있는 </a:t>
+            </a:r>
+            <a:r>
+              <a:rPr sz="1800">
+                <a:latin typeface="맑은 고딕" charset="0"/>
+                <a:ea typeface="맑은 고딕" charset="0"/>
+              </a:rPr>
+              <a:t>Video</a:t>
+            </a:r>
+            <a:r>
+              <a:rPr sz="1800">
+                <a:latin typeface="맑은 고딕" charset="0"/>
+                <a:ea typeface="맑은 고딕" charset="0"/>
+              </a:rPr>
+              <a:t> </a:t>
+            </a:r>
+            <a:r>
+              <a:rPr sz="1800">
+                <a:latin typeface="맑은 고딕" charset="0"/>
+                <a:ea typeface="맑은 고딕" charset="0"/>
+              </a:rPr>
+              <a:t>Player 폴더에 Screen Video를 </a:t>
+            </a:r>
+            <a:r>
+              <a:rPr sz="1800">
+                <a:latin typeface="맑은 고딕" charset="0"/>
+                <a:ea typeface="맑은 고딕" charset="0"/>
+              </a:rPr>
+              <a:t>월</a:t>
+            </a:r>
+            <a:r>
+              <a:rPr lang="ko-KR" sz="1800">
+                <a:latin typeface="맑은 고딕" charset="0"/>
+                <a:ea typeface="맑은 고딕" charset="0"/>
+              </a:rPr>
+              <a:t>드</a:t>
+            </a:r>
+            <a:r>
+              <a:rPr lang="ko-KR" sz="1800">
+                <a:latin typeface="맑은 고딕" charset="0"/>
+                <a:ea typeface="맑은 고딕" charset="0"/>
+              </a:rPr>
+              <a:t> </a:t>
+            </a:r>
+            <a:r>
+              <a:rPr lang="ko-KR" sz="1800">
+                <a:latin typeface="맑은 고딕" charset="0"/>
+                <a:ea typeface="맑은 고딕" charset="0"/>
+              </a:rPr>
+              <a:t>공간에 배치합니다.</a:t>
             </a:r>
             <a:endParaRPr lang="ko-KR" altLang="en-US" sz="1800">
               <a:latin typeface="맑은 고딕" charset="0"/>
               <a:ea typeface="맑은 고딕" charset="0"/>
             </a:endParaRPr>
           </a:p>
-          <a:p>
-            <a:pPr marL="0" indent="0" rtl="0" algn="l" defTabSz="914400" eaLnBrk="1" latinLnBrk="0" hangingPunct="1">
-              <a:buFontTx/>
-              <a:buNone/>
-            </a:pPr>
-            <a:endParaRPr lang="ko-KR" altLang="en-US" sz="1800">
-              <a:latin typeface="맑은 고딕" charset="0"/>
-              <a:ea typeface="맑은 고딕" charset="0"/>
-            </a:endParaRPr>
-          </a:p>
-          <a:p>
-            <a:pPr marL="0" indent="0" rtl="0" algn="l" defTabSz="914400" eaLnBrk="1" latinLnBrk="0" hangingPunct="1">
-              <a:buFontTx/>
-              <a:buNone/>
-            </a:pPr>
-            <a:r>
-              <a:rPr lang="ko-KR" sz="1800">
-                <a:latin typeface="맑은 고딕" charset="0"/>
-                <a:ea typeface="맑은 고딕" charset="0"/>
-              </a:rPr>
-              <a:t>그리고 Control스크립트를 생성한 다음 Character오브젝트에 넣어줍니다.</a:t>
-            </a:r>
-            <a:endParaRPr lang="ko-KR" altLang="en-US" sz="1800">
-              <a:latin typeface="맑은 고딕" charset="0"/>
-              <a:ea typeface="맑은 고딕" charset="0"/>
-            </a:endParaRPr>
-          </a:p>
-        </p:txBody>
-      </p:sp>
-      <p:sp>
-        <p:nvSpPr>
-          <p:cNvPr id="1170" name="도형 64"/>
-          <p:cNvSpPr>
-            <a:spLocks/>
-          </p:cNvSpPr>
-          <p:nvPr/>
-        </p:nvSpPr>
-        <p:spPr>
-          <a:xfrm rot="0">
-            <a:off x="8656320" y="1785620"/>
-            <a:ext cx="362585" cy="281305"/>
-          </a:xfrm>
-          <a:prstGeom prst="notchedRightArrow"/>
-          <a:scene3d>
-            <a:camera prst="orthographicFront"/>
-            <a:lightRig rig="threePt" dir="t"/>
-          </a:scene3d>
-          <a:sp3d prstMaterial="warmMatte">
-            <a:bevelT w="76200" h="76200" prst="circle"/>
-            <a:contourClr>
-              <a:srgbClr val="000000"/>
-            </a:contourClr>
-          </a:sp3d>
-        </p:spPr>
-        <p:style>
-          <a:lnRef idx="2">
-            <a:schemeClr val="accent1">
-              <a:shade val="50000"/>
-            </a:schemeClr>
-          </a:lnRef>
-          <a:fillRef idx="1">
-            <a:schemeClr val="accent1"/>
-          </a:fillRef>
-          <a:effectRef idx="0">
-            <a:schemeClr val="accent1"/>
-          </a:effectRef>
-          <a:fontRef idx="minor">
-            <a:schemeClr val="lt1"/>
-          </a:fontRef>
-        </p:style>
-        <p:txBody>
-          <a:bodyPr wrap="square" lIns="91440" tIns="45720" rIns="91440" bIns="45720" numCol="1" vert="horz" anchor="ctr">
-            <a:noAutofit/>
-          </a:bodyPr>
-          <a:lstStyle/>
-          <a:p>
-            <a:pPr marL="0" indent="0" algn="ctr" latinLnBrk="0" hangingPunct="1">
-              <a:buFontTx/>
-              <a:buNone/>
-            </a:pPr>
-            <a:endParaRPr lang="ko-KR" altLang="en-US" sz="1800">
-              <a:latin typeface="맑은 고딕" charset="0"/>
-              <a:ea typeface="맑은 고딕" charset="0"/>
-            </a:endParaRPr>
-          </a:p>
-        </p:txBody>
-      </p:sp>
-      <p:sp>
-        <p:nvSpPr>
-          <p:cNvPr id="1173" name="텍스트 상자 67"/>
+        </p:txBody>
+      </p:sp>
+      <p:sp>
+        <p:nvSpPr>
+          <p:cNvPr id="1181" name="텍스트 상자 84"/>
           <p:cNvSpPr txBox="1">
             <a:spLocks/>
           </p:cNvSpPr>
@@ -7923,8 +7142,8 @@
         </p:nvSpPr>
         <p:spPr>
           <a:xfrm rot="0">
-            <a:off x="6816725" y="2611120"/>
-            <a:ext cx="4142105" cy="1200785"/>
+            <a:off x="6822440" y="4392295"/>
+            <a:ext cx="4117975" cy="1754505"/>
           </a:xfrm>
           <a:prstGeom prst="rect"/>
           <a:noFill/>
@@ -7951,100 +7170,212 @@
                 <a:latin typeface="맑은 고딕" charset="0"/>
                 <a:ea typeface="맑은 고딕" charset="0"/>
               </a:rPr>
-              <a:t>2.</a:t>
+              <a:t>3.</a:t>
             </a:r>
             <a:r>
               <a:rPr sz="1800">
                 <a:latin typeface="맑은 고딕" charset="0"/>
                 <a:ea typeface="맑은 고딕" charset="0"/>
               </a:rPr>
-              <a:t> 그리</a:t>
+              <a:t> </a:t>
             </a:r>
             <a:r>
               <a:rPr lang="ko-KR" sz="1800">
                 <a:latin typeface="맑은 고딕" charset="0"/>
                 <a:ea typeface="맑은 고딕" charset="0"/>
               </a:rPr>
-              <a:t>고 Character라는 이름으로 변경한 다음 Main Camera 오브젝트를 Character 오브젝트의 하위 오브젝트로 넣어줍니다.</a:t>
+              <a:t>그리고 Video Player 컴포넌트 </a:t>
+            </a:r>
+            <a:r>
+              <a:rPr lang="ko-KR" sz="1800">
+                <a:latin typeface="맑은 고딕" charset="0"/>
+                <a:ea typeface="맑은 고딕" charset="0"/>
+              </a:rPr>
+              <a:t>속성에</a:t>
+            </a:r>
+            <a:r>
+              <a:rPr lang="ko-KR" sz="1800">
+                <a:latin typeface="맑은 고딕" charset="0"/>
+                <a:ea typeface="맑은 고딕" charset="0"/>
+              </a:rPr>
+              <a:t> </a:t>
+            </a:r>
+            <a:r>
+              <a:rPr lang="ko-KR" sz="1800">
+                <a:latin typeface="맑은 고딕" charset="0"/>
+                <a:ea typeface="맑은 고딕" charset="0"/>
+              </a:rPr>
+              <a:t>Loop를 활성화하고 Aspect </a:t>
+            </a:r>
+            <a:r>
+              <a:rPr lang="ko-KR" sz="1800">
+                <a:latin typeface="맑은 고딕" charset="0"/>
+                <a:ea typeface="맑은 고딕" charset="0"/>
+              </a:rPr>
+              <a:t>Ratio</a:t>
+            </a:r>
+            <a:r>
+              <a:rPr lang="ko-KR" sz="1800">
+                <a:latin typeface="맑은 고딕" charset="0"/>
+                <a:ea typeface="맑은 고딕" charset="0"/>
+              </a:rPr>
+              <a:t>를</a:t>
+            </a:r>
+            <a:r>
+              <a:rPr lang="ko-KR" sz="1800">
+                <a:latin typeface="맑은 고딕" charset="0"/>
+                <a:ea typeface="맑은 고딕" charset="0"/>
+              </a:rPr>
+              <a:t> </a:t>
+            </a:r>
+            <a:r>
+              <a:rPr lang="ko-KR" sz="1800">
+                <a:latin typeface="맑은 고딕" charset="0"/>
+                <a:ea typeface="맑은 고딕" charset="0"/>
+              </a:rPr>
+              <a:t>Stretch로 설정합니다.</a:t>
             </a:r>
             <a:endParaRPr lang="ko-KR" altLang="en-US" sz="1800">
               <a:latin typeface="맑은 고딕" charset="0"/>
               <a:ea typeface="맑은 고딕" charset="0"/>
             </a:endParaRPr>
           </a:p>
-        </p:txBody>
-      </p:sp>
-      <p:sp>
-        <p:nvSpPr>
-          <p:cNvPr id="1181" name="텍스트 상자 84"/>
-          <p:cNvSpPr txBox="1">
-            <a:spLocks/>
-          </p:cNvSpPr>
-          <p:nvPr/>
-        </p:nvSpPr>
-        <p:spPr>
-          <a:xfrm rot="0">
-            <a:off x="6816725" y="5494655"/>
-            <a:ext cx="4153535" cy="647065"/>
-          </a:xfrm>
-          <a:prstGeom prst="rect"/>
-          <a:noFill/>
-          <a:ln w="0">
-            <a:noFill/>
-            <a:prstDash/>
-          </a:ln>
-        </p:spPr>
-        <p:txBody>
-          <a:bodyPr wrap="square" lIns="89535" tIns="46355" rIns="89535" bIns="46355" numCol="1" vert="horz" anchor="t">
-            <a:spAutoFit/>
-          </a:bodyPr>
-          <a:lstStyle/>
           <a:p>
             <a:pPr marL="0" indent="0" rtl="0" algn="l" defTabSz="914400" eaLnBrk="1" latinLnBrk="0" hangingPunct="1">
               <a:buFontTx/>
               <a:buNone/>
             </a:pPr>
-            <a:r>
-              <a:rPr sz="1800" b="1">
-                <a:solidFill>
-                  <a:srgbClr val="0611F2"/>
-                </a:solidFill>
-                <a:latin typeface="맑은 고딕" charset="0"/>
-                <a:ea typeface="맑은 고딕" charset="0"/>
-              </a:rPr>
-              <a:t>3.</a:t>
-            </a:r>
-            <a:r>
-              <a:rPr sz="1800">
-                <a:latin typeface="맑은 고딕" charset="0"/>
-                <a:ea typeface="맑은 고딕" charset="0"/>
-              </a:rPr>
-              <a:t> </a:t>
-            </a:r>
-            <a:r>
-              <a:rPr lang="ko-KR" sz="1800">
-                <a:latin typeface="맑은 고딕" charset="0"/>
-                <a:ea typeface="맑은 고딕" charset="0"/>
-              </a:rPr>
-              <a:t>그런 다음 Main Camera를 선택하고 위치와 회전 값을 설정합니다.</a:t>
-            </a:r>
             <a:endParaRPr lang="ko-KR" altLang="en-US" sz="1800">
               <a:latin typeface="맑은 고딕" charset="0"/>
               <a:ea typeface="맑은 고딕" charset="0"/>
             </a:endParaRPr>
           </a:p>
+          <a:p>
+            <a:pPr marL="0" indent="0" rtl="0" algn="l" defTabSz="914400" eaLnBrk="1" latinLnBrk="0" hangingPunct="1">
+              <a:buFontTx/>
+              <a:buNone/>
+            </a:pPr>
+            <a:r>
+              <a:rPr lang="ko-KR" sz="1800">
+                <a:latin typeface="맑은 고딕" charset="0"/>
+                <a:ea typeface="맑은 고딕" charset="0"/>
+              </a:rPr>
+              <a:t>그</a:t>
+            </a:r>
+            <a:r>
+              <a:rPr lang="ko-KR" sz="1800">
+                <a:latin typeface="맑은 고딕" charset="0"/>
+                <a:ea typeface="맑은 고딕" charset="0"/>
+              </a:rPr>
+              <a:t>런</a:t>
+            </a:r>
+            <a:r>
+              <a:rPr lang="ko-KR" sz="1800">
+                <a:latin typeface="맑은 고딕" charset="0"/>
+                <a:ea typeface="맑은 고딕" charset="0"/>
+              </a:rPr>
+              <a:t> </a:t>
+            </a:r>
+            <a:r>
+              <a:rPr lang="ko-KR" sz="1800">
+                <a:latin typeface="맑은 고딕" charset="0"/>
+                <a:ea typeface="맑은 고딕" charset="0"/>
+              </a:rPr>
+              <a:t>다음 Audio Output Mode를 </a:t>
+            </a:r>
+            <a:r>
+              <a:rPr lang="ko-KR" sz="1800">
+                <a:latin typeface="맑은 고딕" charset="0"/>
+                <a:ea typeface="맑은 고딕" charset="0"/>
+              </a:rPr>
+              <a:t>Auido</a:t>
+            </a:r>
+            <a:r>
+              <a:rPr lang="ko-KR" sz="1800">
+                <a:latin typeface="맑은 고딕" charset="0"/>
+                <a:ea typeface="맑은 고딕" charset="0"/>
+              </a:rPr>
+              <a:t> Source로 설정합니다.</a:t>
+            </a:r>
+            <a:endParaRPr lang="ko-KR" altLang="en-US" sz="1800">
+              <a:latin typeface="맑은 고딕" charset="0"/>
+              <a:ea typeface="맑은 고딕" charset="0"/>
+            </a:endParaRPr>
+          </a:p>
         </p:txBody>
       </p:sp>
       <p:pic>
         <p:nvPicPr>
-          <p:cNvPr id="1193" name="그림 1"/>
+          <p:cNvPr id="1199" name="그림 1" descr="C:/Users/Admin1/AppData/Roaming/PolarisOffice/ETemp/10264_20622272/fImage458825541.png"/>
           <p:cNvPicPr>
             <a:picLocks noChangeAspect="1"/>
           </p:cNvPicPr>
           <p:nvPr/>
         </p:nvPicPr>
         <p:blipFill rotWithShape="1">
-          <a:blip r:embed="rId52" cstate="hqprint">
+          <a:blip r:embed="rId60" cstate="print">
+            <a:extLst>
+              <a:ext uri="{28A0092B-C50C-407E-A947-70E740481C1C}">
+                <a14:useLocalDpi xmlns:a14="http://schemas.microsoft.com/office/drawing/2010/main" val="0"/>
+              </a:ext>
+            </a:extLst>
+          </a:blip>
+          <a:stretch>
+            <a:fillRect/>
+          </a:stretch>
+        </p:blipFill>
+        <p:spPr>
+          <a:xfrm rot="0">
+            <a:off x="1231900" y="1447165"/>
+            <a:ext cx="1370330" cy="1118235"/>
+          </a:xfrm>
+          <a:prstGeom prst="roundRect"/>
+          <a:solidFill>
+            <a:srgbClr val="EDEDED"/>
+          </a:solidFill>
+        </p:spPr>
+      </p:pic>
+      <p:pic>
+        <p:nvPicPr>
+          <p:cNvPr id="1202" name="그림 9" descr="C:/Users/Admin1/AppData/Roaming/PolarisOffice/ETemp/10264_20622272/fImage64492608467.png"/>
+          <p:cNvPicPr>
+            <a:picLocks noChangeAspect="1"/>
+          </p:cNvPicPr>
+          <p:nvPr/>
+        </p:nvPicPr>
+        <p:blipFill rotWithShape="1">
+          <a:blip r:embed="rId61" cstate="print">
+            <a:extLst>
+              <a:ext uri="{28A0092B-C50C-407E-A947-70E740481C1C}">
+                <a14:useLocalDpi xmlns:a14="http://schemas.microsoft.com/office/drawing/2010/main" val="0"/>
+              </a:ext>
+            </a:extLst>
+          </a:blip>
+          <a:stretch>
+            <a:fillRect/>
+          </a:stretch>
+        </p:blipFill>
+        <p:spPr>
+          <a:xfrm rot="0">
+            <a:off x="2739390" y="1448435"/>
+            <a:ext cx="2636520" cy="1127760"/>
+          </a:xfrm>
+          <a:prstGeom prst="roundRect"/>
+          <a:solidFill>
+            <a:srgbClr val="EDEDED"/>
+          </a:solidFill>
+        </p:spPr>
+      </p:pic>
+      <p:pic>
+        <p:nvPicPr>
+          <p:cNvPr id="1201" name="그림 8" descr="C:/Users/Admin1/AppData/Roaming/PolarisOffice/ETemp/10264_20622272/fImage2242172596334.png"/>
+          <p:cNvPicPr>
+            <a:picLocks noChangeAspect="1"/>
+          </p:cNvPicPr>
+          <p:nvPr/>
+        </p:nvPicPr>
+        <p:blipFill rotWithShape="1">
+          <a:blip r:embed="rId62" cstate="hqprint">
             <a:extLst>
               <a:ext uri="{28A0092B-C50C-407E-A947-70E740481C1C}">
                 <a14:useLocalDpi xmlns:a14="http://schemas.microsoft.com/office/drawing/2010/main"/>
@@ -8056,29 +7387,27 @@
           </a:stretch>
         </p:blipFill>
         <p:spPr>
-          <a:xfrm rot="0">
-            <a:off x="9163685" y="1405255"/>
-            <a:ext cx="1793875" cy="1057275"/>
-          </a:xfrm>
-          <a:prstGeom prst="roundRect"/>
-          <a:solidFill>
-            <a:srgbClr val="EDEDED"/>
-          </a:solidFill>
+          <a:xfrm rot="10800000">
+            <a:off x="2294890" y="1860550"/>
+            <a:ext cx="747395" cy="414020"/>
+          </a:xfrm>
+          <a:prstGeom prst="rect"/>
+          <a:noFill/>
         </p:spPr>
       </p:pic>
       <p:pic>
         <p:nvPicPr>
-          <p:cNvPr id="1194" name="그림 2"/>
+          <p:cNvPr id="1203" name="그림 12" descr="C:/Users/Admin1/AppData/Roaming/PolarisOffice/ETemp/10264_20622272/fImage48812616500.png"/>
           <p:cNvPicPr>
             <a:picLocks noChangeAspect="1"/>
           </p:cNvPicPr>
           <p:nvPr/>
         </p:nvPicPr>
         <p:blipFill rotWithShape="1">
-          <a:blip r:embed="rId53" cstate="hqprint">
+          <a:blip r:embed="rId63" cstate="print">
             <a:extLst>
               <a:ext uri="{28A0092B-C50C-407E-A947-70E740481C1C}">
-                <a14:useLocalDpi xmlns:a14="http://schemas.microsoft.com/office/drawing/2010/main"/>
+                <a14:useLocalDpi xmlns:a14="http://schemas.microsoft.com/office/drawing/2010/main" val="0"/>
               </a:ext>
             </a:extLst>
           </a:blip>
@@ -8088,8 +7417,8 @@
         </p:blipFill>
         <p:spPr>
           <a:xfrm rot="0">
-            <a:off x="6824980" y="1413510"/>
-            <a:ext cx="1656080" cy="1040765"/>
+            <a:off x="1223645" y="3712210"/>
+            <a:ext cx="4143375" cy="1654810"/>
           </a:xfrm>
           <a:prstGeom prst="roundRect"/>
           <a:solidFill>
@@ -8097,19 +7426,108 @@
           </a:solidFill>
         </p:spPr>
       </p:pic>
+      <p:sp>
+        <p:nvSpPr>
+          <p:cNvPr id="1204" name="텍스트 상자 15"/>
+          <p:cNvSpPr txBox="1">
+            <a:spLocks/>
+          </p:cNvSpPr>
+          <p:nvPr/>
+        </p:nvSpPr>
+        <p:spPr>
+          <a:xfrm rot="0">
+            <a:off x="1212215" y="5499735"/>
+            <a:ext cx="4163695" cy="647065"/>
+          </a:xfrm>
+          <a:prstGeom prst="rect"/>
+          <a:noFill/>
+          <a:ln w="0">
+            <a:noFill/>
+            <a:prstDash/>
+          </a:ln>
+        </p:spPr>
+        <p:txBody>
+          <a:bodyPr wrap="square" lIns="89535" tIns="46355" rIns="89535" bIns="46355" numCol="1" vert="horz" anchor="t">
+            <a:spAutoFit/>
+          </a:bodyPr>
+          <a:lstStyle/>
+          <a:p>
+            <a:pPr marL="0" indent="0" rtl="0" algn="l" defTabSz="914400" eaLnBrk="1" latinLnBrk="0" hangingPunct="1">
+              <a:buFontTx/>
+              <a:buNone/>
+            </a:pPr>
+            <a:r>
+              <a:rPr sz="1800" b="1">
+                <a:solidFill>
+                  <a:srgbClr val="0611F2"/>
+                </a:solidFill>
+                <a:latin typeface="맑은 고딕" charset="0"/>
+                <a:ea typeface="맑은 고딕" charset="0"/>
+              </a:rPr>
+              <a:t>2.</a:t>
+            </a:r>
+            <a:r>
+              <a:rPr sz="1800">
+                <a:latin typeface="맑은 고딕" charset="0"/>
+                <a:ea typeface="맑은 고딕" charset="0"/>
+              </a:rPr>
+              <a:t> 이제</a:t>
+            </a:r>
+            <a:r>
+              <a:rPr lang="ko-KR" sz="1800">
+                <a:latin typeface="맑은 고딕" charset="0"/>
+                <a:ea typeface="맑은 고딕" charset="0"/>
+              </a:rPr>
+              <a:t> Screen Video 오브젝트에 </a:t>
+            </a:r>
+            <a:r>
+              <a:rPr lang="ko-KR" sz="1800">
+                <a:latin typeface="맑은 고딕" charset="0"/>
+                <a:ea typeface="맑은 고딕" charset="0"/>
+              </a:rPr>
+              <a:t>Audio</a:t>
+            </a:r>
+            <a:r>
+              <a:rPr lang="ko-KR" sz="1800">
+                <a:latin typeface="맑은 고딕" charset="0"/>
+                <a:ea typeface="맑은 고딕" charset="0"/>
+              </a:rPr>
+              <a:t> </a:t>
+            </a:r>
+            <a:r>
+              <a:rPr lang="ko-KR" sz="1800">
+                <a:latin typeface="맑은 고딕" charset="0"/>
+                <a:ea typeface="맑은 고딕" charset="0"/>
+              </a:rPr>
+              <a:t>Source</a:t>
+            </a:r>
+            <a:r>
+              <a:rPr lang="ko-KR" sz="1800">
+                <a:latin typeface="맑은 고딕" charset="0"/>
+                <a:ea typeface="맑은 고딕" charset="0"/>
+              </a:rPr>
+              <a:t> 컴포넌트를 추가합니다. </a:t>
+            </a:r>
+            <a:endParaRPr lang="ko-KR" altLang="en-US" sz="1800">
+              <a:latin typeface="맑은 고딕" charset="0"/>
+              <a:ea typeface="맑은 고딕" charset="0"/>
+            </a:endParaRPr>
+          </a:p>
+        </p:txBody>
+      </p:sp>
       <p:pic>
         <p:nvPicPr>
-          <p:cNvPr id="1198" name="그림 48"/>
+          <p:cNvPr id="1205" name="그림 16" descr="C:/Users/Admin1/AppData/Roaming/PolarisOffice/ETemp/10264_20622272/fImage214072639169.png"/>
           <p:cNvPicPr>
             <a:picLocks noChangeAspect="1"/>
           </p:cNvPicPr>
           <p:nvPr/>
         </p:nvPicPr>
         <p:blipFill rotWithShape="1">
-          <a:blip r:embed="rId56" cstate="hqprint">
+          <a:blip r:embed="rId64" cstate="print">
             <a:extLst>
               <a:ext uri="{28A0092B-C50C-407E-A947-70E740481C1C}">
-                <a14:useLocalDpi xmlns:a14="http://schemas.microsoft.com/office/drawing/2010/main"/>
+                <a14:useLocalDpi xmlns:a14="http://schemas.microsoft.com/office/drawing/2010/main" val="0"/>
               </a:ext>
             </a:extLst>
           </a:blip>
@@ -8119,8 +7537,8 @@
         </p:blipFill>
         <p:spPr>
           <a:xfrm rot="0">
-            <a:off x="6824980" y="3949065"/>
-            <a:ext cx="4123690" cy="1442720"/>
+            <a:off x="6813550" y="1438275"/>
+            <a:ext cx="4135120" cy="2791460"/>
           </a:xfrm>
           <a:prstGeom prst="roundRect"/>
           <a:solidFill>
@@ -8128,134 +7546,6 @@
           </a:solidFill>
         </p:spPr>
       </p:pic>
-      <p:pic>
-        <p:nvPicPr>
-          <p:cNvPr id="1199" name="그림 3"/>
-          <p:cNvPicPr>
-            <a:picLocks noChangeAspect="1"/>
-          </p:cNvPicPr>
-          <p:nvPr/>
-        </p:nvPicPr>
-        <p:blipFill rotWithShape="1">
-          <a:blip r:embed="rId57" cstate="hqprint">
-            <a:extLst>
-              <a:ext uri="{28A0092B-C50C-407E-A947-70E740481C1C}">
-                <a14:useLocalDpi xmlns:a14="http://schemas.microsoft.com/office/drawing/2010/main"/>
-              </a:ext>
-            </a:extLst>
-          </a:blip>
-          <a:stretch>
-            <a:fillRect/>
-          </a:stretch>
-        </p:blipFill>
-        <p:spPr>
-          <a:xfrm rot="0">
-            <a:off x="1230630" y="1396365"/>
-            <a:ext cx="2660650" cy="3035300"/>
-          </a:xfrm>
-          <a:prstGeom prst="roundRect"/>
-          <a:solidFill>
-            <a:srgbClr val="EDEDED"/>
-          </a:solidFill>
-        </p:spPr>
-      </p:pic>
-      <p:pic>
-        <p:nvPicPr>
-          <p:cNvPr id="1200" name="그림 6"/>
-          <p:cNvPicPr>
-            <a:picLocks noChangeAspect="1"/>
-          </p:cNvPicPr>
-          <p:nvPr/>
-        </p:nvPicPr>
-        <p:blipFill rotWithShape="1">
-          <a:blip r:embed="rId58" cstate="hqprint">
-            <a:extLst>
-              <a:ext uri="{28A0092B-C50C-407E-A947-70E740481C1C}">
-                <a14:useLocalDpi xmlns:a14="http://schemas.microsoft.com/office/drawing/2010/main"/>
-              </a:ext>
-            </a:extLst>
-          </a:blip>
-          <a:stretch>
-            <a:fillRect/>
-          </a:stretch>
-        </p:blipFill>
-        <p:spPr>
-          <a:xfrm rot="0">
-            <a:off x="4023360" y="1404620"/>
-            <a:ext cx="1330960" cy="1655445"/>
-          </a:xfrm>
-          <a:prstGeom prst="roundRect"/>
-          <a:solidFill>
-            <a:srgbClr val="EDEDED"/>
-          </a:solidFill>
-        </p:spPr>
-      </p:pic>
-      <p:pic>
-        <p:nvPicPr>
-          <p:cNvPr id="1201" name="그림 19"/>
-          <p:cNvPicPr>
-            <a:picLocks noChangeAspect="1"/>
-          </p:cNvPicPr>
-          <p:nvPr/>
-        </p:nvPicPr>
-        <p:blipFill rotWithShape="1">
-          <a:blip r:embed="rId59" cstate="hqprint">
-            <a:extLst>
-              <a:ext uri="{28A0092B-C50C-407E-A947-70E740481C1C}">
-                <a14:useLocalDpi xmlns:a14="http://schemas.microsoft.com/office/drawing/2010/main"/>
-              </a:ext>
-            </a:extLst>
-          </a:blip>
-          <a:stretch>
-            <a:fillRect/>
-          </a:stretch>
-        </p:blipFill>
-        <p:spPr>
-          <a:xfrm rot="0">
-            <a:off x="4323080" y="3615690"/>
-            <a:ext cx="723900" cy="815340"/>
-          </a:xfrm>
-          <a:prstGeom prst="roundRect"/>
-          <a:solidFill>
-            <a:srgbClr val="EDEDED"/>
-          </a:solidFill>
-        </p:spPr>
-      </p:pic>
-      <p:cxnSp>
-        <p:nvCxnSpPr>
-          <p:cNvPr id="1202" name="도형 22"/>
-          <p:cNvCxnSpPr>
-            <a:stCxn id="1201" idx="0"/>
-            <a:endCxn id="1200" idx="2"/>
-          </p:cNvCxnSpPr>
-          <p:nvPr/>
-        </p:nvCxnSpPr>
-        <p:spPr>
-          <a:xfrm rot="0" flipV="1">
-            <a:off x="4684395" y="3059430"/>
-            <a:ext cx="4445" cy="556895"/>
-          </a:xfrm>
-          <a:prstGeom prst="straightConnector1"/>
-          <a:ln w="6350" cap="flat" cmpd="sng">
-            <a:prstDash/>
-            <a:tailEnd type="triangle" w="med" len="med"/>
-          </a:ln>
-        </p:spPr>
-        <p:style>
-          <a:lnRef idx="1">
-            <a:schemeClr val="accent1"/>
-          </a:lnRef>
-          <a:fillRef idx="0">
-            <a:schemeClr val="accent1"/>
-          </a:fillRef>
-          <a:effectRef idx="0">
-            <a:schemeClr val="accent1"/>
-          </a:effectRef>
-          <a:fontRef idx="minor">
-            <a:schemeClr val="tx1"/>
-          </a:fontRef>
-        </p:style>
-      </p:cxnSp>
     </p:spTree>
   </p:cSld>
   <p:clrMapOvr>
@@ -9464,2635 +8754,6 @@
 </p:sld>
 </file>
 
-<file path=ppt/slides/slide12.xml><?xml version="1.0" encoding="utf-8"?>
-<p:sld xmlns:a="http://schemas.openxmlformats.org/drawingml/2006/main" xmlns:r="http://schemas.openxmlformats.org/officeDocument/2006/relationships" xmlns:p="http://schemas.openxmlformats.org/presentationml/2006/main" xmlns:p14="http://schemas.microsoft.com/office/powerpoint/2010/main">
-  <p:cSld>
-    <p:spTree>
-      <p:nvGrpSpPr>
-        <p:cNvPr id="1" name=""/>
-        <p:cNvGrpSpPr/>
-        <p:nvPr/>
-      </p:nvGrpSpPr>
-      <p:grpSpPr>
-        <a:xfrm>
-          <a:off x="0" y="0"/>
-          <a:ext cx="0" cy="0"/>
-          <a:chOff x="0" y="0"/>
-          <a:chExt cx="0" cy="0"/>
-        </a:xfrm>
-      </p:grpSpPr>
-      <p:sp>
-        <p:nvSpPr>
-          <p:cNvPr id="1031" name="Rect 0"/>
-          <p:cNvSpPr txBox="1">
-            <a:spLocks/>
-          </p:cNvSpPr>
-          <p:nvPr/>
-        </p:nvSpPr>
-        <p:spPr>
-          <a:xfrm rot="0">
-            <a:off x="4605655" y="337820"/>
-            <a:ext cx="2979420" cy="478155"/>
-          </a:xfrm>
-          <a:prstGeom prst="rect"/>
-          <a:noFill/>
-          <a:ln w="0">
-            <a:noFill/>
-            <a:prstDash/>
-          </a:ln>
-        </p:spPr>
-        <p:txBody>
-          <a:bodyPr wrap="square" lIns="89535" tIns="46355" rIns="89535" bIns="46355" numCol="1" vert="horz" anchor="t">
-            <a:spAutoFit/>
-          </a:bodyPr>
-          <a:lstStyle/>
-          <a:p>
-            <a:pPr marL="0" indent="0" algn="ctr" latinLnBrk="0">
-              <a:buFontTx/>
-              <a:buNone/>
-            </a:pPr>
-            <a:r>
-              <a:rPr lang="ko-KR" altLang="en-US" sz="2500" b="1">
-                <a:solidFill>
-                  <a:schemeClr val="tx1"/>
-                </a:solidFill>
-                <a:latin typeface="나눔바른고딕" charset="0"/>
-                <a:ea typeface="나눔바른고딕" charset="0"/>
-              </a:rPr>
-              <a:t>열한 번째 튜토리얼</a:t>
-            </a:r>
-            <a:endParaRPr lang="ko-KR" altLang="en-US" sz="2500" b="1">
-              <a:solidFill>
-                <a:schemeClr val="tx1"/>
-              </a:solidFill>
-              <a:latin typeface="나눔바른고딕" charset="0"/>
-              <a:ea typeface="나눔바른고딕" charset="0"/>
-            </a:endParaRPr>
-          </a:p>
-        </p:txBody>
-      </p:sp>
-      <p:sp>
-        <p:nvSpPr>
-          <p:cNvPr id="1216" name="Rect 0"/>
-          <p:cNvSpPr txBox="1">
-            <a:spLocks/>
-          </p:cNvSpPr>
-          <p:nvPr/>
-        </p:nvSpPr>
-        <p:spPr>
-          <a:xfrm rot="0">
-            <a:off x="1247140" y="4094480"/>
-            <a:ext cx="4135755" cy="2031365"/>
-          </a:xfrm>
-          <a:prstGeom prst="rect"/>
-          <a:noFill/>
-          <a:ln w="0">
-            <a:noFill/>
-            <a:prstDash/>
-          </a:ln>
-        </p:spPr>
-        <p:txBody>
-          <a:bodyPr wrap="square" lIns="89535" tIns="46355" rIns="89535" bIns="46355" numCol="1" vert="horz" anchor="t">
-            <a:spAutoFit/>
-          </a:bodyPr>
-          <a:lstStyle/>
-          <a:p>
-            <a:pPr marL="0" indent="0" rtl="0" algn="l" defTabSz="914400" eaLnBrk="1" latinLnBrk="0" hangingPunct="1">
-              <a:buFontTx/>
-              <a:buNone/>
-            </a:pPr>
-            <a:r>
-              <a:rPr sz="1800" b="1">
-                <a:solidFill>
-                  <a:srgbClr val="0611F2"/>
-                </a:solidFill>
-                <a:latin typeface="맑은 고딕" charset="0"/>
-                <a:ea typeface="맑은 고딕" charset="0"/>
-              </a:rPr>
-              <a:t>2</a:t>
-            </a:r>
-            <a:r>
-              <a:rPr lang="ko-KR" sz="1800" b="1">
-                <a:solidFill>
-                  <a:srgbClr val="0611F2"/>
-                </a:solidFill>
-                <a:latin typeface="맑은 고딕" charset="0"/>
-                <a:ea typeface="맑은 고딕" charset="0"/>
-              </a:rPr>
-              <a:t>7</a:t>
-            </a:r>
-            <a:r>
-              <a:rPr sz="1800" b="1">
-                <a:solidFill>
-                  <a:srgbClr val="0611F2"/>
-                </a:solidFill>
-                <a:latin typeface="맑은 고딕" charset="0"/>
-                <a:ea typeface="맑은 고딕" charset="0"/>
-              </a:rPr>
-              <a:t>.</a:t>
-            </a:r>
-            <a:r>
-              <a:rPr sz="1800">
-                <a:latin typeface="맑은 고딕" charset="0"/>
-                <a:ea typeface="맑은 고딕" charset="0"/>
-              </a:rPr>
-              <a:t> </a:t>
-            </a:r>
-            <a:r>
-              <a:rPr lang="ko-KR" sz="1800">
-                <a:latin typeface="맑은 고딕" charset="0"/>
-                <a:ea typeface="맑은 고딕" charset="0"/>
-              </a:rPr>
-              <a:t>이제</a:t>
-            </a:r>
-            <a:r>
-              <a:rPr lang="ko-KR" sz="1800">
-                <a:latin typeface="맑은 고딕" charset="0"/>
-                <a:ea typeface="맑은 고딕" charset="0"/>
-              </a:rPr>
-              <a:t> Siren Button과 Explosion Button 그리고 Magic </a:t>
-            </a:r>
-            <a:r>
-              <a:rPr lang="ko-KR" sz="1800">
-                <a:latin typeface="맑은 고딕" charset="0"/>
-                <a:ea typeface="맑은 고딕" charset="0"/>
-              </a:rPr>
-              <a:t>Button</a:t>
-            </a:r>
-            <a:r>
-              <a:rPr lang="ko-KR" sz="1800">
-                <a:latin typeface="맑은 고딕" charset="0"/>
-                <a:ea typeface="맑은 고딕" charset="0"/>
-              </a:rPr>
-              <a:t>의 On Click( ) 함수를 생성합니다.</a:t>
-            </a:r>
-            <a:endParaRPr lang="ko-KR" altLang="en-US" sz="1800">
-              <a:latin typeface="맑은 고딕" charset="0"/>
-              <a:ea typeface="맑은 고딕" charset="0"/>
-            </a:endParaRPr>
-          </a:p>
-          <a:p>
-            <a:pPr marL="0" indent="0" rtl="0" algn="l" defTabSz="914400" eaLnBrk="1" latinLnBrk="0" hangingPunct="1">
-              <a:buFontTx/>
-              <a:buNone/>
-            </a:pPr>
-            <a:endParaRPr lang="ko-KR" altLang="en-US" sz="1800">
-              <a:latin typeface="맑은 고딕" charset="0"/>
-              <a:ea typeface="맑은 고딕" charset="0"/>
-            </a:endParaRPr>
-          </a:p>
-          <a:p>
-            <a:pPr marL="0" indent="0" rtl="0" algn="l" defTabSz="914400" eaLnBrk="1" latinLnBrk="0" hangingPunct="1">
-              <a:buFontTx/>
-              <a:buNone/>
-            </a:pPr>
-            <a:r>
-              <a:rPr lang="ko-KR" sz="1800">
-                <a:latin typeface="맑은 고딕" charset="0"/>
-                <a:ea typeface="맑은 고딕" charset="0"/>
-              </a:rPr>
-              <a:t>그런 다음 각각의 버튼에 있는 On Click( ) 함수에 Sound Manager 오브젝트를 넣어줍니다.</a:t>
-            </a:r>
-            <a:endParaRPr lang="ko-KR" altLang="en-US" sz="1800">
-              <a:latin typeface="맑은 고딕" charset="0"/>
-              <a:ea typeface="맑은 고딕" charset="0"/>
-            </a:endParaRPr>
-          </a:p>
-        </p:txBody>
-      </p:sp>
-      <p:sp>
-        <p:nvSpPr>
-          <p:cNvPr id="1223" name="Rect 0"/>
-          <p:cNvSpPr txBox="1">
-            <a:spLocks/>
-          </p:cNvSpPr>
-          <p:nvPr/>
-        </p:nvSpPr>
-        <p:spPr>
-          <a:xfrm rot="0">
-            <a:off x="6816725" y="4647565"/>
-            <a:ext cx="4157345" cy="1477645"/>
-          </a:xfrm>
-          <a:prstGeom prst="rect"/>
-          <a:noFill/>
-          <a:ln w="0">
-            <a:noFill/>
-            <a:prstDash/>
-          </a:ln>
-        </p:spPr>
-        <p:txBody>
-          <a:bodyPr wrap="square" lIns="89535" tIns="46355" rIns="89535" bIns="46355" numCol="1" vert="horz" anchor="t">
-            <a:spAutoFit/>
-          </a:bodyPr>
-          <a:lstStyle/>
-          <a:p>
-            <a:pPr marL="0" indent="0" rtl="0" algn="l" defTabSz="914400" eaLnBrk="1" latinLnBrk="0" hangingPunct="1">
-              <a:buFontTx/>
-              <a:buNone/>
-            </a:pPr>
-            <a:r>
-              <a:rPr sz="1800" b="1">
-                <a:solidFill>
-                  <a:srgbClr val="0611F2"/>
-                </a:solidFill>
-                <a:latin typeface="맑은 고딕" charset="0"/>
-                <a:ea typeface="맑은 고딕" charset="0"/>
-              </a:rPr>
-              <a:t>2</a:t>
-            </a:r>
-            <a:r>
-              <a:rPr lang="ko-KR" sz="1800" b="1">
-                <a:solidFill>
-                  <a:srgbClr val="0611F2"/>
-                </a:solidFill>
-                <a:latin typeface="맑은 고딕" charset="0"/>
-                <a:ea typeface="맑은 고딕" charset="0"/>
-              </a:rPr>
-              <a:t>8</a:t>
-            </a:r>
-            <a:r>
-              <a:rPr sz="1800" b="1">
-                <a:solidFill>
-                  <a:srgbClr val="0611F2"/>
-                </a:solidFill>
-                <a:latin typeface="맑은 고딕" charset="0"/>
-                <a:ea typeface="맑은 고딕" charset="0"/>
-              </a:rPr>
-              <a:t>.</a:t>
-            </a:r>
-            <a:r>
-              <a:rPr sz="1800">
-                <a:latin typeface="맑은 고딕" charset="0"/>
-                <a:ea typeface="맑은 고딕" charset="0"/>
-              </a:rPr>
-              <a:t> </a:t>
-            </a:r>
-            <a:r>
-              <a:rPr lang="ko-KR" sz="1800">
-                <a:latin typeface="맑은 고딕" charset="0"/>
-                <a:ea typeface="맑은 고딕" charset="0"/>
-              </a:rPr>
-              <a:t>그리고 SoundManager 스크립트에 있는 SoundCall( ) 함수를 선택합니다.</a:t>
-            </a:r>
-            <a:endParaRPr lang="ko-KR" altLang="en-US" sz="1800">
-              <a:latin typeface="맑은 고딕" charset="0"/>
-              <a:ea typeface="맑은 고딕" charset="0"/>
-            </a:endParaRPr>
-          </a:p>
-          <a:p>
-            <a:pPr marL="0" indent="0" rtl="0" algn="l" defTabSz="914400" eaLnBrk="1" latinLnBrk="0" hangingPunct="1">
-              <a:buFontTx/>
-              <a:buNone/>
-            </a:pPr>
-            <a:endParaRPr lang="ko-KR" altLang="en-US" sz="1800">
-              <a:latin typeface="맑은 고딕" charset="0"/>
-              <a:ea typeface="맑은 고딕" charset="0"/>
-            </a:endParaRPr>
-          </a:p>
-          <a:p>
-            <a:pPr marL="0" indent="0" rtl="0" algn="l" defTabSz="914400" eaLnBrk="1" latinLnBrk="0" hangingPunct="1">
-              <a:buFontTx/>
-              <a:buNone/>
-            </a:pPr>
-            <a:r>
-              <a:rPr lang="ko-KR" sz="1800">
-                <a:latin typeface="맑은 고딕" charset="0"/>
-                <a:ea typeface="맑은 고딕" charset="0"/>
-              </a:rPr>
-              <a:t>그다음 각각의 버튼에 원하는 소리의 </a:t>
-            </a:r>
-            <a:r>
-              <a:rPr lang="ko-KR" sz="1800">
-                <a:latin typeface="맑은 고딕" charset="0"/>
-                <a:ea typeface="맑은 고딕" charset="0"/>
-              </a:rPr>
-              <a:t>번호를</a:t>
-            </a:r>
-            <a:r>
-              <a:rPr lang="ko-KR" sz="1800">
-                <a:latin typeface="맑은 고딕" charset="0"/>
-                <a:ea typeface="맑은 고딕" charset="0"/>
-              </a:rPr>
-              <a:t> </a:t>
-            </a:r>
-            <a:r>
-              <a:rPr lang="ko-KR" sz="1800">
-                <a:latin typeface="맑은 고딕" charset="0"/>
-                <a:ea typeface="맑은 고딕" charset="0"/>
-              </a:rPr>
-              <a:t>지정</a:t>
-            </a:r>
-            <a:r>
-              <a:rPr lang="ko-KR" sz="1800">
-                <a:latin typeface="맑은 고딕" charset="0"/>
-                <a:ea typeface="맑은 고딕" charset="0"/>
-              </a:rPr>
-              <a:t>합니다.</a:t>
-            </a:r>
-            <a:endParaRPr lang="ko-KR" altLang="en-US" sz="1800">
-              <a:latin typeface="맑은 고딕" charset="0"/>
-              <a:ea typeface="맑은 고딕" charset="0"/>
-            </a:endParaRPr>
-          </a:p>
-        </p:txBody>
-      </p:sp>
-      <p:pic>
-        <p:nvPicPr>
-          <p:cNvPr id="1232" name="그림 46"/>
-          <p:cNvPicPr>
-            <a:picLocks noChangeAspect="1"/>
-          </p:cNvPicPr>
-          <p:nvPr/>
-        </p:nvPicPr>
-        <p:blipFill rotWithShape="1">
-          <a:blip r:embed="rId2" cstate="hqprint">
-            <a:extLst>
-              <a:ext uri="{28A0092B-C50C-407E-A947-70E740481C1C}">
-                <a14:useLocalDpi xmlns:a14="http://schemas.microsoft.com/office/drawing/2010/main"/>
-              </a:ext>
-            </a:extLst>
-          </a:blip>
-          <a:stretch>
-            <a:fillRect/>
-          </a:stretch>
-        </p:blipFill>
-        <p:spPr>
-          <a:xfrm rot="0">
-            <a:off x="2684780" y="1238250"/>
-            <a:ext cx="2693670" cy="1109345"/>
-          </a:xfrm>
-          <a:prstGeom prst="roundRect"/>
-          <a:solidFill>
-            <a:srgbClr val="EDEDED"/>
-          </a:solidFill>
-        </p:spPr>
-      </p:pic>
-      <p:pic>
-        <p:nvPicPr>
-          <p:cNvPr id="1233" name="그림 49"/>
-          <p:cNvPicPr>
-            <a:picLocks noChangeAspect="1"/>
-          </p:cNvPicPr>
-          <p:nvPr/>
-        </p:nvPicPr>
-        <p:blipFill rotWithShape="1">
-          <a:blip r:embed="rId3" cstate="hqprint">
-            <a:extLst>
-              <a:ext uri="{28A0092B-C50C-407E-A947-70E740481C1C}">
-                <a14:useLocalDpi xmlns:a14="http://schemas.microsoft.com/office/drawing/2010/main"/>
-              </a:ext>
-            </a:extLst>
-          </a:blip>
-          <a:stretch>
-            <a:fillRect/>
-          </a:stretch>
-        </p:blipFill>
-        <p:spPr>
-          <a:xfrm rot="0">
-            <a:off x="2710815" y="2528570"/>
-            <a:ext cx="2679065" cy="1395095"/>
-          </a:xfrm>
-          <a:prstGeom prst="roundRect"/>
-          <a:solidFill>
-            <a:srgbClr val="EDEDED"/>
-          </a:solidFill>
-        </p:spPr>
-      </p:pic>
-      <p:pic>
-        <p:nvPicPr>
-          <p:cNvPr id="1239" name="그림 42"/>
-          <p:cNvPicPr>
-            <a:picLocks noChangeAspect="1"/>
-          </p:cNvPicPr>
-          <p:nvPr/>
-        </p:nvPicPr>
-        <p:blipFill rotWithShape="1">
-          <a:blip r:embed="rId9" cstate="print">
-            <a:extLst>
-              <a:ext uri="{28A0092B-C50C-407E-A947-70E740481C1C}">
-                <a14:useLocalDpi xmlns:a14="http://schemas.microsoft.com/office/drawing/2010/main" val="0"/>
-              </a:ext>
-            </a:extLst>
-          </a:blip>
-          <a:stretch>
-            <a:fillRect/>
-          </a:stretch>
-        </p:blipFill>
-        <p:spPr>
-          <a:xfrm rot="0">
-            <a:off x="1247140" y="1238250"/>
-            <a:ext cx="1343025" cy="2694940"/>
-          </a:xfrm>
-          <a:prstGeom prst="roundRect"/>
-          <a:solidFill>
-            <a:srgbClr val="EDEDED"/>
-          </a:solidFill>
-        </p:spPr>
-      </p:pic>
-      <p:cxnSp>
-        <p:nvCxnSpPr>
-          <p:cNvPr id="1235" name="도형 55"/>
-          <p:cNvCxnSpPr/>
-          <p:nvPr/>
-        </p:nvCxnSpPr>
-        <p:spPr>
-          <a:xfrm rot="0">
-            <a:off x="2381250" y="2390140"/>
-            <a:ext cx="1092200" cy="979170"/>
-          </a:xfrm>
-          <a:prstGeom prst="straightConnector1"/>
-          <a:ln w="6350" cap="flat" cmpd="sng">
-            <a:prstDash/>
-            <a:tailEnd type="triangle" w="med" len="med"/>
-          </a:ln>
-        </p:spPr>
-        <p:style>
-          <a:lnRef idx="1">
-            <a:schemeClr val="accent1"/>
-          </a:lnRef>
-          <a:fillRef idx="0">
-            <a:schemeClr val="accent1"/>
-          </a:fillRef>
-          <a:effectRef idx="0">
-            <a:schemeClr val="accent1"/>
-          </a:effectRef>
-          <a:fontRef idx="minor">
-            <a:schemeClr val="tx1"/>
-          </a:fontRef>
-        </p:style>
-      </p:cxnSp>
-      <p:pic>
-        <p:nvPicPr>
-          <p:cNvPr id="1240" name="그림 11"/>
-          <p:cNvPicPr>
-            <a:picLocks noChangeAspect="1"/>
-          </p:cNvPicPr>
-          <p:nvPr/>
-        </p:nvPicPr>
-        <p:blipFill rotWithShape="1">
-          <a:blip r:embed="rId10" cstate="print">
-            <a:extLst>
-              <a:ext uri="{28A0092B-C50C-407E-A947-70E740481C1C}">
-                <a14:useLocalDpi xmlns:a14="http://schemas.microsoft.com/office/drawing/2010/main" val="0"/>
-              </a:ext>
-            </a:extLst>
-          </a:blip>
-          <a:stretch>
-            <a:fillRect/>
-          </a:stretch>
-        </p:blipFill>
-        <p:spPr>
-          <a:xfrm rot="0">
-            <a:off x="6810375" y="3556000"/>
-            <a:ext cx="4155440" cy="942340"/>
-          </a:xfrm>
-          <a:prstGeom prst="roundRect"/>
-          <a:solidFill>
-            <a:srgbClr val="EDEDED"/>
-          </a:solidFill>
-        </p:spPr>
-      </p:pic>
-      <p:pic>
-        <p:nvPicPr>
-          <p:cNvPr id="1241" name="그림 12"/>
-          <p:cNvPicPr>
-            <a:picLocks noChangeAspect="1"/>
-          </p:cNvPicPr>
-          <p:nvPr/>
-        </p:nvPicPr>
-        <p:blipFill rotWithShape="1">
-          <a:blip r:embed="rId11" cstate="print">
-            <a:extLst>
-              <a:ext uri="{28A0092B-C50C-407E-A947-70E740481C1C}">
-                <a14:useLocalDpi xmlns:a14="http://schemas.microsoft.com/office/drawing/2010/main" val="0"/>
-              </a:ext>
-            </a:extLst>
-          </a:blip>
-          <a:stretch>
-            <a:fillRect/>
-          </a:stretch>
-        </p:blipFill>
-        <p:spPr>
-          <a:xfrm rot="0">
-            <a:off x="6809740" y="2411095"/>
-            <a:ext cx="4156075" cy="939800"/>
-          </a:xfrm>
-          <a:prstGeom prst="roundRect"/>
-          <a:solidFill>
-            <a:srgbClr val="EDEDED"/>
-          </a:solidFill>
-        </p:spPr>
-      </p:pic>
-      <p:pic>
-        <p:nvPicPr>
-          <p:cNvPr id="1242" name="그림 13"/>
-          <p:cNvPicPr>
-            <a:picLocks noChangeAspect="1"/>
-          </p:cNvPicPr>
-          <p:nvPr/>
-        </p:nvPicPr>
-        <p:blipFill rotWithShape="1">
-          <a:blip r:embed="rId12" cstate="print">
-            <a:extLst>
-              <a:ext uri="{28A0092B-C50C-407E-A947-70E740481C1C}">
-                <a14:useLocalDpi xmlns:a14="http://schemas.microsoft.com/office/drawing/2010/main" val="0"/>
-              </a:ext>
-            </a:extLst>
-          </a:blip>
-          <a:stretch>
-            <a:fillRect/>
-          </a:stretch>
-        </p:blipFill>
-        <p:spPr>
-          <a:xfrm rot="0">
-            <a:off x="6808470" y="1243965"/>
-            <a:ext cx="4157345" cy="951230"/>
-          </a:xfrm>
-          <a:prstGeom prst="roundRect"/>
-          <a:solidFill>
-            <a:srgbClr val="EDEDED"/>
-          </a:solidFill>
-        </p:spPr>
-      </p:pic>
-    </p:spTree>
-  </p:cSld>
-  <p:clrMapOvr>
-    <a:masterClrMapping/>
-  </p:clrMapOvr>
-  <mc:AlternateContent xmlns:mc="http://schemas.openxmlformats.org/markup-compatibility/2006">
-    <mc:Choice xmlns:p14="http://schemas.microsoft.com/office/powerpoint/2010/main" Requires="p14">
-      <p:transition spd="slow" p14:dur="2000"/>
-    </mc:Choice>
-    <mc:Fallback>
-      <p:transition spd="slow"/>
-    </mc:Fallback>
-  </mc:AlternateContent>
-  <p:timing>
-    <p:tnLst>
-      <p:par>
-        <p:cTn id="1" dur="indefinite" restart="never" nodeType="tmRoot"/>
-      </p:par>
-    </p:tnLst>
-  </p:timing>
-</p:sld>
-</file>
-
-<file path=ppt/slides/slide13.xml><?xml version="1.0" encoding="utf-8"?>
-<p:sld xmlns:a="http://schemas.openxmlformats.org/drawingml/2006/main" xmlns:r="http://schemas.openxmlformats.org/officeDocument/2006/relationships" xmlns:p="http://schemas.openxmlformats.org/presentationml/2006/main" xmlns:p14="http://schemas.microsoft.com/office/powerpoint/2010/main">
-  <p:cSld>
-    <p:spTree>
-      <p:nvGrpSpPr>
-        <p:cNvPr id="1" name=""/>
-        <p:cNvGrpSpPr/>
-        <p:nvPr/>
-      </p:nvGrpSpPr>
-      <p:grpSpPr>
-        <a:xfrm>
-          <a:off x="0" y="0"/>
-          <a:ext cx="0" cy="0"/>
-          <a:chOff x="0" y="0"/>
-          <a:chExt cx="0" cy="0"/>
-        </a:xfrm>
-      </p:grpSpPr>
-      <p:sp>
-        <p:nvSpPr>
-          <p:cNvPr id="1031" name="Rect 0"/>
-          <p:cNvSpPr txBox="1">
-            <a:spLocks/>
-          </p:cNvSpPr>
-          <p:nvPr/>
-        </p:nvSpPr>
-        <p:spPr>
-          <a:xfrm rot="0">
-            <a:off x="4529455" y="328930"/>
-            <a:ext cx="3136265" cy="478155"/>
-          </a:xfrm>
-          <a:prstGeom prst="rect"/>
-          <a:noFill/>
-          <a:ln w="0">
-            <a:noFill/>
-            <a:prstDash/>
-          </a:ln>
-        </p:spPr>
-        <p:txBody>
-          <a:bodyPr wrap="square" lIns="89535" tIns="46355" rIns="89535" bIns="46355" numCol="1" vert="horz" anchor="t">
-            <a:spAutoFit/>
-          </a:bodyPr>
-          <a:lstStyle/>
-          <a:p>
-            <a:pPr marL="0" indent="0" algn="ctr" latinLnBrk="0">
-              <a:buFontTx/>
-              <a:buNone/>
-            </a:pPr>
-            <a:r>
-              <a:rPr lang="ko-KR" altLang="en-US" sz="2500" b="1">
-                <a:solidFill>
-                  <a:schemeClr val="tx1"/>
-                </a:solidFill>
-                <a:latin typeface="나눔바른고딕" charset="0"/>
-                <a:ea typeface="나눔바른고딕" charset="0"/>
-              </a:rPr>
-              <a:t>열두 번째 튜토리얼</a:t>
-            </a:r>
-            <a:endParaRPr lang="ko-KR" altLang="en-US" sz="2500" b="1">
-              <a:solidFill>
-                <a:schemeClr val="tx1"/>
-              </a:solidFill>
-              <a:latin typeface="나눔바른고딕" charset="0"/>
-              <a:ea typeface="나눔바른고딕" charset="0"/>
-            </a:endParaRPr>
-          </a:p>
-        </p:txBody>
-      </p:sp>
-      <p:sp>
-        <p:nvSpPr>
-          <p:cNvPr id="1216" name="Rect 0"/>
-          <p:cNvSpPr txBox="1">
-            <a:spLocks/>
-          </p:cNvSpPr>
-          <p:nvPr/>
-        </p:nvSpPr>
-        <p:spPr>
-          <a:xfrm rot="0">
-            <a:off x="1238885" y="2856230"/>
-            <a:ext cx="4166235" cy="924560"/>
-          </a:xfrm>
-          <a:prstGeom prst="rect"/>
-          <a:noFill/>
-          <a:ln w="0">
-            <a:noFill/>
-            <a:prstDash/>
-          </a:ln>
-        </p:spPr>
-        <p:txBody>
-          <a:bodyPr wrap="square" lIns="89535" tIns="46355" rIns="89535" bIns="46355" numCol="1" vert="horz" anchor="t">
-            <a:spAutoFit/>
-          </a:bodyPr>
-          <a:lstStyle/>
-          <a:p>
-            <a:pPr marL="0" indent="0" rtl="0" algn="l" defTabSz="914400" eaLnBrk="1" latinLnBrk="0" hangingPunct="1">
-              <a:buFontTx/>
-              <a:buNone/>
-            </a:pPr>
-            <a:r>
-              <a:rPr sz="1800" b="1">
-                <a:solidFill>
-                  <a:srgbClr val="0611F2"/>
-                </a:solidFill>
-                <a:latin typeface="맑은 고딕" charset="0"/>
-                <a:ea typeface="맑은 고딕" charset="0"/>
-              </a:rPr>
-              <a:t>2</a:t>
-            </a:r>
-            <a:r>
-              <a:rPr lang="ko-KR" sz="1800" b="1">
-                <a:solidFill>
-                  <a:srgbClr val="0611F2"/>
-                </a:solidFill>
-                <a:latin typeface="맑은 고딕" charset="0"/>
-                <a:ea typeface="맑은 고딕" charset="0"/>
-              </a:rPr>
-              <a:t>9</a:t>
-            </a:r>
-            <a:r>
-              <a:rPr sz="1800" b="1">
-                <a:solidFill>
-                  <a:srgbClr val="0611F2"/>
-                </a:solidFill>
-                <a:latin typeface="맑은 고딕" charset="0"/>
-                <a:ea typeface="맑은 고딕" charset="0"/>
-              </a:rPr>
-              <a:t>.</a:t>
-            </a:r>
-            <a:r>
-              <a:rPr sz="1800">
-                <a:latin typeface="맑은 고딕" charset="0"/>
-                <a:ea typeface="맑은 고딕" charset="0"/>
-              </a:rPr>
-              <a:t> </a:t>
-            </a:r>
-            <a:r>
-              <a:rPr lang="ko-KR" sz="1800">
-                <a:latin typeface="맑은 고딕" charset="0"/>
-                <a:ea typeface="맑은 고딕" charset="0"/>
-              </a:rPr>
-              <a:t>마지막으로 Volume 오브젝트를 선택하고 On Value Changed(Single) 함수를 생성합니다. </a:t>
-            </a:r>
-            <a:endParaRPr lang="ko-KR" altLang="en-US" sz="1800">
-              <a:latin typeface="맑은 고딕" charset="0"/>
-              <a:ea typeface="맑은 고딕" charset="0"/>
-            </a:endParaRPr>
-          </a:p>
-        </p:txBody>
-      </p:sp>
-      <p:pic>
-        <p:nvPicPr>
-          <p:cNvPr id="1239" name="그림 1" descr="C:/Users/Admin1/AppData/Roaming/PolarisOffice/ETemp/18416_12904952/fImage87332976500.png"/>
-          <p:cNvPicPr>
-            <a:picLocks noChangeAspect="1"/>
-          </p:cNvPicPr>
-          <p:nvPr/>
-        </p:nvPicPr>
-        <p:blipFill rotWithShape="1">
-          <a:blip r:embed="rId2" cstate="hqprint">
-            <a:extLst>
-              <a:ext uri="{28A0092B-C50C-407E-A947-70E740481C1C}">
-                <a14:useLocalDpi xmlns:a14="http://schemas.microsoft.com/office/drawing/2010/main"/>
-              </a:ext>
-            </a:extLst>
-          </a:blip>
-          <a:stretch>
-            <a:fillRect/>
-          </a:stretch>
-        </p:blipFill>
-        <p:spPr>
-          <a:xfrm rot="0">
-            <a:off x="1238885" y="1452245"/>
-            <a:ext cx="1189990" cy="1288415"/>
-          </a:xfrm>
-          <a:prstGeom prst="roundRect"/>
-          <a:solidFill>
-            <a:srgbClr val="EDEDED"/>
-          </a:solidFill>
-        </p:spPr>
-      </p:pic>
-      <p:pic>
-        <p:nvPicPr>
-          <p:cNvPr id="1240" name="그림 4" descr="C:/Users/Admin1/AppData/Roaming/PolarisOffice/ETemp/18416_12904952/fImage38742989169.png"/>
-          <p:cNvPicPr>
-            <a:picLocks noChangeAspect="1"/>
-          </p:cNvPicPr>
-          <p:nvPr/>
-        </p:nvPicPr>
-        <p:blipFill rotWithShape="1">
-          <a:blip r:embed="rId3" cstate="hqprint">
-            <a:extLst>
-              <a:ext uri="{28A0092B-C50C-407E-A947-70E740481C1C}">
-                <a14:useLocalDpi xmlns:a14="http://schemas.microsoft.com/office/drawing/2010/main"/>
-              </a:ext>
-            </a:extLst>
-          </a:blip>
-          <a:stretch>
-            <a:fillRect/>
-          </a:stretch>
-        </p:blipFill>
-        <p:spPr>
-          <a:xfrm rot="0">
-            <a:off x="2543810" y="1446530"/>
-            <a:ext cx="2852420" cy="1305560"/>
-          </a:xfrm>
-          <a:prstGeom prst="roundRect"/>
-          <a:solidFill>
-            <a:srgbClr val="EDEDED"/>
-          </a:solidFill>
-        </p:spPr>
-      </p:pic>
-      <p:sp>
-        <p:nvSpPr>
-          <p:cNvPr id="1242" name="텍스트 상자 10"/>
-          <p:cNvSpPr txBox="1">
-            <a:spLocks/>
-          </p:cNvSpPr>
-          <p:nvPr/>
-        </p:nvSpPr>
-        <p:spPr>
-          <a:xfrm>
-            <a:off x="6816725" y="2564130"/>
-            <a:ext cx="4157980" cy="923925"/>
-          </a:xfrm>
-          <a:prstGeom prst="rect"/>
-          <a:noFill/>
-          <a:ln w="0">
-            <a:noFill/>
-            <a:prstDash/>
-          </a:ln>
-        </p:spPr>
-        <p:txBody>
-          <a:bodyPr wrap="square" lIns="89535" tIns="46355" rIns="89535" bIns="46355" numCol="1" vert="horz" anchor="t">
-            <a:spAutoFit/>
-          </a:bodyPr>
-          <a:lstStyle/>
-          <a:p>
-            <a:pPr marL="0" indent="0" rtl="0" algn="l" defTabSz="914400" eaLnBrk="1" latinLnBrk="0" hangingPunct="1">
-              <a:buFontTx/>
-              <a:buNone/>
-            </a:pPr>
-            <a:r>
-              <a:rPr sz="1800" b="1">
-                <a:solidFill>
-                  <a:srgbClr val="0611F2"/>
-                </a:solidFill>
-                <a:latin typeface="맑은 고딕" charset="0"/>
-                <a:ea typeface="맑은 고딕" charset="0"/>
-              </a:rPr>
-              <a:t>3</a:t>
-            </a:r>
-            <a:r>
-              <a:rPr lang="ko-KR" sz="1800" b="1">
-                <a:solidFill>
-                  <a:srgbClr val="0611F2"/>
-                </a:solidFill>
-                <a:latin typeface="맑은 고딕" charset="0"/>
-                <a:ea typeface="맑은 고딕" charset="0"/>
-              </a:rPr>
-              <a:t>1</a:t>
-            </a:r>
-            <a:r>
-              <a:rPr sz="1800" b="1">
-                <a:solidFill>
-                  <a:srgbClr val="0611F2"/>
-                </a:solidFill>
-                <a:latin typeface="맑은 고딕" charset="0"/>
-                <a:ea typeface="맑은 고딕" charset="0"/>
-              </a:rPr>
-              <a:t>.</a:t>
-            </a:r>
-            <a:r>
-              <a:rPr sz="1800">
-                <a:latin typeface="맑은 고딕" charset="0"/>
-                <a:ea typeface="맑은 고딕" charset="0"/>
-              </a:rPr>
-              <a:t> </a:t>
-            </a:r>
-            <a:r>
-              <a:rPr lang="ko-KR" sz="1800">
-                <a:latin typeface="맑은 고딕" charset="0"/>
-                <a:ea typeface="맑은 고딕" charset="0"/>
-              </a:rPr>
-              <a:t>그리고 Volume 오브젝트의 On Value Changed에 Volume( ) 함수를 설정합니다. </a:t>
-            </a:r>
-            <a:endParaRPr lang="ko-KR" altLang="en-US" sz="1800">
-              <a:latin typeface="맑은 고딕" charset="0"/>
-              <a:ea typeface="맑은 고딕" charset="0"/>
-            </a:endParaRPr>
-          </a:p>
-        </p:txBody>
-      </p:sp>
-      <p:pic>
-        <p:nvPicPr>
-          <p:cNvPr id="1243" name="그림 20" descr="C:/Users/Admin1/AppData/Roaming/PolarisOffice/ETemp/18416_12904952/fImage88043065724.png"/>
-          <p:cNvPicPr>
-            <a:picLocks noChangeAspect="1"/>
-          </p:cNvPicPr>
-          <p:nvPr/>
-        </p:nvPicPr>
-        <p:blipFill rotWithShape="1">
-          <a:blip r:embed="rId5" cstate="hqprint">
-            <a:extLst>
-              <a:ext uri="{28A0092B-C50C-407E-A947-70E740481C1C}">
-                <a14:useLocalDpi xmlns:a14="http://schemas.microsoft.com/office/drawing/2010/main"/>
-              </a:ext>
-            </a:extLst>
-          </a:blip>
-          <a:stretch>
-            <a:fillRect/>
-          </a:stretch>
-        </p:blipFill>
-        <p:spPr>
-          <a:xfrm rot="0">
-            <a:off x="1234440" y="3977640"/>
-            <a:ext cx="1186180" cy="1228090"/>
-          </a:xfrm>
-          <a:prstGeom prst="roundRect"/>
-          <a:solidFill>
-            <a:srgbClr val="EDEDED"/>
-          </a:solidFill>
-        </p:spPr>
-      </p:pic>
-      <p:pic>
-        <p:nvPicPr>
-          <p:cNvPr id="1244" name="그림 21" descr="C:/Users/Admin1/AppData/Roaming/PolarisOffice/ETemp/18416_12904952/fImage61173071478.png"/>
-          <p:cNvPicPr>
-            <a:picLocks noChangeAspect="1"/>
-          </p:cNvPicPr>
-          <p:nvPr/>
-        </p:nvPicPr>
-        <p:blipFill rotWithShape="1">
-          <a:blip r:embed="rId6" cstate="hqprint">
-            <a:extLst>
-              <a:ext uri="{28A0092B-C50C-407E-A947-70E740481C1C}">
-                <a14:useLocalDpi xmlns:a14="http://schemas.microsoft.com/office/drawing/2010/main"/>
-              </a:ext>
-            </a:extLst>
-          </a:blip>
-          <a:stretch>
-            <a:fillRect/>
-          </a:stretch>
-        </p:blipFill>
-        <p:spPr>
-          <a:xfrm rot="0">
-            <a:off x="2555875" y="3982085"/>
-            <a:ext cx="2848610" cy="1223010"/>
-          </a:xfrm>
-          <a:prstGeom prst="roundRect"/>
-          <a:solidFill>
-            <a:srgbClr val="EDEDED"/>
-          </a:solidFill>
-        </p:spPr>
-      </p:pic>
-      <p:sp>
-        <p:nvSpPr>
-          <p:cNvPr id="1245" name="텍스트 상자 26"/>
-          <p:cNvSpPr txBox="1">
-            <a:spLocks/>
-          </p:cNvSpPr>
-          <p:nvPr/>
-        </p:nvSpPr>
-        <p:spPr>
-          <a:xfrm rot="0">
-            <a:off x="1227455" y="5321935"/>
-            <a:ext cx="4165600" cy="923925"/>
-          </a:xfrm>
-          <a:prstGeom prst="rect"/>
-          <a:noFill/>
-          <a:ln w="0">
-            <a:noFill/>
-            <a:prstDash/>
-          </a:ln>
-        </p:spPr>
-        <p:txBody>
-          <a:bodyPr wrap="square" lIns="89535" tIns="46355" rIns="89535" bIns="46355" numCol="1" vert="horz" anchor="t">
-            <a:spAutoFit/>
-          </a:bodyPr>
-          <a:lstStyle/>
-          <a:p>
-            <a:pPr marL="0" indent="0" rtl="0" algn="l" defTabSz="914400" eaLnBrk="1" latinLnBrk="0" hangingPunct="1">
-              <a:buFontTx/>
-              <a:buNone/>
-            </a:pPr>
-            <a:r>
-              <a:rPr sz="1800" b="1">
-                <a:solidFill>
-                  <a:srgbClr val="0611F2"/>
-                </a:solidFill>
-                <a:latin typeface="맑은 고딕" charset="0"/>
-                <a:ea typeface="맑은 고딕" charset="0"/>
-              </a:rPr>
-              <a:t>30</a:t>
-            </a:r>
-            <a:r>
-              <a:rPr sz="1800" b="1">
-                <a:solidFill>
-                  <a:srgbClr val="0611F2"/>
-                </a:solidFill>
-                <a:latin typeface="맑은 고딕" charset="0"/>
-                <a:ea typeface="맑은 고딕" charset="0"/>
-              </a:rPr>
-              <a:t>.</a:t>
-            </a:r>
-            <a:r>
-              <a:rPr sz="1800">
-                <a:latin typeface="맑은 고딕" charset="0"/>
-                <a:ea typeface="맑은 고딕" charset="0"/>
-              </a:rPr>
-              <a:t> </a:t>
-            </a:r>
-            <a:r>
-              <a:rPr lang="ko-KR" sz="1800">
-                <a:latin typeface="맑은 고딕" charset="0"/>
-                <a:ea typeface="맑은 고딕" charset="0"/>
-              </a:rPr>
-              <a:t>이제</a:t>
-            </a:r>
-            <a:r>
-              <a:rPr lang="ko-KR" sz="1800">
-                <a:latin typeface="맑은 고딕" charset="0"/>
-                <a:ea typeface="맑은 고딕" charset="0"/>
-              </a:rPr>
-              <a:t> </a:t>
-            </a:r>
-            <a:r>
-              <a:rPr lang="ko-KR" sz="1800">
-                <a:latin typeface="맑은 고딕" charset="0"/>
-                <a:ea typeface="맑은 고딕" charset="0"/>
-              </a:rPr>
-              <a:t>Volume 오브젝트의 On Value Changed(Single)에 Sound Manager 오브젝트를 넣어줍니다. </a:t>
-            </a:r>
-            <a:endParaRPr lang="ko-KR" altLang="en-US" sz="1800">
-              <a:latin typeface="맑은 고딕" charset="0"/>
-              <a:ea typeface="맑은 고딕" charset="0"/>
-            </a:endParaRPr>
-          </a:p>
-        </p:txBody>
-      </p:sp>
-      <p:cxnSp>
-        <p:nvCxnSpPr>
-          <p:cNvPr id="1246" name="도형 27"/>
-          <p:cNvCxnSpPr/>
-          <p:nvPr/>
-        </p:nvCxnSpPr>
-        <p:spPr>
-          <a:xfrm rot="0">
-            <a:off x="2252980" y="4472305"/>
-            <a:ext cx="1197610" cy="208280"/>
-          </a:xfrm>
-          <a:prstGeom prst="straightConnector1"/>
-          <a:ln w="6350" cap="flat" cmpd="sng">
-            <a:prstDash/>
-            <a:tailEnd type="triangle" w="med" len="med"/>
-          </a:ln>
-        </p:spPr>
-        <p:style>
-          <a:lnRef idx="1">
-            <a:schemeClr val="accent1"/>
-          </a:lnRef>
-          <a:fillRef idx="0">
-            <a:schemeClr val="accent1"/>
-          </a:fillRef>
-          <a:effectRef idx="0">
-            <a:schemeClr val="accent1"/>
-          </a:effectRef>
-          <a:fontRef idx="minor">
-            <a:schemeClr val="tx1"/>
-          </a:fontRef>
-        </p:style>
-      </p:cxnSp>
-      <p:sp>
-        <p:nvSpPr>
-          <p:cNvPr id="1247" name="텍스트 상자 28"/>
-          <p:cNvSpPr txBox="1">
-            <a:spLocks/>
-          </p:cNvSpPr>
-          <p:nvPr/>
-        </p:nvSpPr>
-        <p:spPr>
-          <a:xfrm rot="0">
-            <a:off x="6816725" y="5329555"/>
-            <a:ext cx="4149725" cy="923925"/>
-          </a:xfrm>
-          <a:prstGeom prst="rect"/>
-          <a:noFill/>
-          <a:ln w="0">
-            <a:noFill/>
-            <a:prstDash/>
-          </a:ln>
-        </p:spPr>
-        <p:txBody>
-          <a:bodyPr wrap="square" lIns="89535" tIns="46355" rIns="89535" bIns="46355" numCol="1" vert="horz" anchor="t">
-            <a:spAutoFit/>
-          </a:bodyPr>
-          <a:lstStyle/>
-          <a:p>
-            <a:pPr marL="0" indent="0" rtl="0" algn="l" defTabSz="914400" eaLnBrk="1" latinLnBrk="0" hangingPunct="1">
-              <a:buFontTx/>
-              <a:buNone/>
-            </a:pPr>
-            <a:r>
-              <a:rPr sz="1800" b="1">
-                <a:solidFill>
-                  <a:srgbClr val="0611F2"/>
-                </a:solidFill>
-                <a:latin typeface="맑은 고딕" charset="0"/>
-                <a:ea typeface="맑은 고딕" charset="0"/>
-              </a:rPr>
-              <a:t>32</a:t>
-            </a:r>
-            <a:r>
-              <a:rPr sz="1800" b="1">
-                <a:solidFill>
-                  <a:srgbClr val="0611F2"/>
-                </a:solidFill>
-                <a:latin typeface="맑은 고딕" charset="0"/>
-                <a:ea typeface="맑은 고딕" charset="0"/>
-              </a:rPr>
-              <a:t>.</a:t>
-            </a:r>
-            <a:r>
-              <a:rPr sz="1800">
-                <a:latin typeface="맑은 고딕" charset="0"/>
-                <a:ea typeface="맑은 고딕" charset="0"/>
-              </a:rPr>
-              <a:t> </a:t>
-            </a:r>
-            <a:r>
-              <a:rPr lang="ko-KR" sz="1800">
-                <a:latin typeface="맑은 고딕" charset="0"/>
-                <a:ea typeface="맑은 고딕" charset="0"/>
-              </a:rPr>
-              <a:t>그런 다음 </a:t>
-            </a:r>
-            <a:r>
-              <a:rPr lang="ko-KR" sz="1800">
-                <a:latin typeface="맑은 고딕" charset="0"/>
-                <a:ea typeface="맑은 고딕" charset="0"/>
-              </a:rPr>
-              <a:t>Control 스크립트에서 </a:t>
-            </a:r>
-            <a:r>
-              <a:rPr lang="ko-KR" sz="1800">
-                <a:latin typeface="맑은 고딕" charset="0"/>
-                <a:ea typeface="맑은 고딕" charset="0"/>
-              </a:rPr>
-              <a:t> float 변수와 CharacterController 변수를 선언</a:t>
-            </a:r>
-            <a:r>
-              <a:rPr lang="ko-KR" sz="1800">
-                <a:latin typeface="맑은 고딕" charset="0"/>
-                <a:ea typeface="맑은 고딕" charset="0"/>
-              </a:rPr>
-              <a:t>합니다. </a:t>
-            </a:r>
-            <a:endParaRPr lang="ko-KR" altLang="en-US" sz="1800">
-              <a:latin typeface="맑은 고딕" charset="0"/>
-              <a:ea typeface="맑은 고딕" charset="0"/>
-            </a:endParaRPr>
-          </a:p>
-        </p:txBody>
-      </p:sp>
-      <p:pic>
-        <p:nvPicPr>
-          <p:cNvPr id="1248" name="그림 29" descr="C:/Users/Admin1/AppData/Roaming/PolarisOffice/ETemp/18416_12904952/fImage243752006962.png"/>
-          <p:cNvPicPr>
-            <a:picLocks noChangeAspect="1"/>
-          </p:cNvPicPr>
-          <p:nvPr/>
-        </p:nvPicPr>
-        <p:blipFill rotWithShape="1">
-          <a:blip r:embed="rId7" cstate="hqprint">
-            <a:extLst>
-              <a:ext uri="{28A0092B-C50C-407E-A947-70E740481C1C}">
-                <a14:useLocalDpi xmlns:a14="http://schemas.microsoft.com/office/drawing/2010/main"/>
-              </a:ext>
-            </a:extLst>
-          </a:blip>
-          <a:stretch>
-            <a:fillRect/>
-          </a:stretch>
-        </p:blipFill>
-        <p:spPr>
-          <a:xfrm rot="0">
-            <a:off x="6816725" y="3641090"/>
-            <a:ext cx="4157980" cy="1579880"/>
-          </a:xfrm>
-          <a:prstGeom prst="roundRect"/>
-          <a:solidFill>
-            <a:srgbClr val="EDEDED"/>
-          </a:solidFill>
-        </p:spPr>
-      </p:pic>
-      <p:pic>
-        <p:nvPicPr>
-          <p:cNvPr id="1249" name="그림 1" descr="C:/Users/Admin1/AppData/Roaming/PolarisOffice/ETemp/18416_12904952/fImage674525541.png"/>
-          <p:cNvPicPr>
-            <a:picLocks noChangeAspect="1"/>
-          </p:cNvPicPr>
-          <p:nvPr/>
-        </p:nvPicPr>
-        <p:blipFill rotWithShape="1">
-          <a:blip r:embed="rId9" cstate="hqprint">
-            <a:extLst>
-              <a:ext uri="{28A0092B-C50C-407E-A947-70E740481C1C}">
-                <a14:useLocalDpi xmlns:a14="http://schemas.microsoft.com/office/drawing/2010/main"/>
-              </a:ext>
-            </a:extLst>
-          </a:blip>
-          <a:stretch>
-            <a:fillRect/>
-          </a:stretch>
-        </p:blipFill>
-        <p:spPr>
-          <a:xfrm rot="0">
-            <a:off x="6816725" y="1463040"/>
-            <a:ext cx="4149725" cy="957580"/>
-          </a:xfrm>
-          <a:prstGeom prst="roundRect"/>
-          <a:solidFill>
-            <a:srgbClr val="EDEDED"/>
-          </a:solidFill>
-        </p:spPr>
-      </p:pic>
-    </p:spTree>
-  </p:cSld>
-  <p:clrMapOvr>
-    <a:masterClrMapping/>
-  </p:clrMapOvr>
-  <mc:AlternateContent xmlns:mc="http://schemas.openxmlformats.org/markup-compatibility/2006">
-    <mc:Choice xmlns:p14="http://schemas.microsoft.com/office/powerpoint/2010/main" Requires="p14">
-      <p:transition spd="slow" p14:dur="2000"/>
-    </mc:Choice>
-    <mc:Fallback>
-      <p:transition spd="slow"/>
-    </mc:Fallback>
-  </mc:AlternateContent>
-  <p:timing>
-    <p:tnLst>
-      <p:par>
-        <p:cTn id="1" dur="indefinite" restart="never" nodeType="tmRoot"/>
-      </p:par>
-    </p:tnLst>
-  </p:timing>
-</p:sld>
-</file>
-
-<file path=ppt/slides/slide14.xml><?xml version="1.0" encoding="utf-8"?>
-<p:sld xmlns:a="http://schemas.openxmlformats.org/drawingml/2006/main" xmlns:r="http://schemas.openxmlformats.org/officeDocument/2006/relationships" xmlns:p="http://schemas.openxmlformats.org/presentationml/2006/main" xmlns:p14="http://schemas.microsoft.com/office/powerpoint/2010/main">
-  <p:cSld>
-    <p:spTree>
-      <p:nvGrpSpPr>
-        <p:cNvPr id="1" name=""/>
-        <p:cNvGrpSpPr/>
-        <p:nvPr/>
-      </p:nvGrpSpPr>
-      <p:grpSpPr>
-        <a:xfrm>
-          <a:off x="0" y="0"/>
-          <a:ext cx="0" cy="0"/>
-          <a:chOff x="0" y="0"/>
-          <a:chExt cx="0" cy="0"/>
-        </a:xfrm>
-      </p:grpSpPr>
-      <p:sp>
-        <p:nvSpPr>
-          <p:cNvPr id="1031" name="Rect 0"/>
-          <p:cNvSpPr txBox="1">
-            <a:spLocks/>
-          </p:cNvSpPr>
-          <p:nvPr/>
-        </p:nvSpPr>
-        <p:spPr>
-          <a:xfrm>
-            <a:off x="4573905" y="354330"/>
-            <a:ext cx="3056255" cy="478155"/>
-          </a:xfrm>
-          <a:prstGeom prst="rect"/>
-          <a:noFill/>
-          <a:ln w="0">
-            <a:noFill/>
-            <a:prstDash/>
-          </a:ln>
-        </p:spPr>
-        <p:txBody>
-          <a:bodyPr wrap="square" lIns="89535" tIns="46355" rIns="89535" bIns="46355" numCol="1" vert="horz" anchor="t">
-            <a:spAutoFit/>
-          </a:bodyPr>
-          <a:lstStyle/>
-          <a:p>
-            <a:pPr marL="0" indent="0" algn="ctr" latinLnBrk="0">
-              <a:buFontTx/>
-              <a:buNone/>
-            </a:pPr>
-            <a:r>
-              <a:rPr lang="ko-KR" altLang="en-US" sz="2500" b="1">
-                <a:solidFill>
-                  <a:schemeClr val="tx1"/>
-                </a:solidFill>
-                <a:latin typeface="나눔바른고딕" charset="0"/>
-                <a:ea typeface="나눔바른고딕" charset="0"/>
-              </a:rPr>
-              <a:t>열</a:t>
-            </a:r>
-            <a:r>
-              <a:rPr lang="ko-KR" altLang="en-US" sz="2500" b="1">
-                <a:solidFill>
-                  <a:schemeClr val="tx1"/>
-                </a:solidFill>
-                <a:latin typeface="나눔바른고딕" charset="0"/>
-                <a:ea typeface="나눔바른고딕" charset="0"/>
-              </a:rPr>
-              <a:t>세</a:t>
-            </a:r>
-            <a:r>
-              <a:rPr lang="ko-KR" altLang="en-US" sz="2500" b="1">
-                <a:solidFill>
-                  <a:schemeClr val="tx1"/>
-                </a:solidFill>
-                <a:latin typeface="나눔바른고딕" charset="0"/>
-                <a:ea typeface="나눔바른고딕" charset="0"/>
-              </a:rPr>
-              <a:t> 번째 튜토리얼</a:t>
-            </a:r>
-            <a:endParaRPr lang="ko-KR" altLang="en-US" sz="2500" b="1">
-              <a:solidFill>
-                <a:schemeClr val="tx1"/>
-              </a:solidFill>
-              <a:latin typeface="나눔바른고딕" charset="0"/>
-              <a:ea typeface="나눔바른고딕" charset="0"/>
-            </a:endParaRPr>
-          </a:p>
-        </p:txBody>
-      </p:sp>
-      <p:sp>
-        <p:nvSpPr>
-          <p:cNvPr id="1243" name="텍스트 상자 75"/>
-          <p:cNvSpPr txBox="1">
-            <a:spLocks/>
-          </p:cNvSpPr>
-          <p:nvPr/>
-        </p:nvSpPr>
-        <p:spPr>
-          <a:xfrm rot="0">
-            <a:off x="1230630" y="4248150"/>
-            <a:ext cx="4131945" cy="2031365"/>
-          </a:xfrm>
-          <a:prstGeom prst="rect"/>
-          <a:noFill/>
-          <a:ln w="0">
-            <a:noFill/>
-            <a:prstDash/>
-          </a:ln>
-        </p:spPr>
-        <p:txBody>
-          <a:bodyPr wrap="square" lIns="89535" tIns="46355" rIns="89535" bIns="46355" numCol="1" vert="horz" anchor="t">
-            <a:spAutoFit/>
-          </a:bodyPr>
-          <a:lstStyle/>
-          <a:p>
-            <a:pPr marL="0" indent="0" rtl="0" algn="l" defTabSz="914400" eaLnBrk="1" latinLnBrk="0" hangingPunct="1">
-              <a:buFontTx/>
-              <a:buNone/>
-            </a:pPr>
-            <a:r>
-              <a:rPr sz="1800" b="1">
-                <a:solidFill>
-                  <a:srgbClr val="0611F2"/>
-                </a:solidFill>
-                <a:latin typeface="맑은 고딕" charset="0"/>
-                <a:ea typeface="맑은 고딕" charset="0"/>
-              </a:rPr>
-              <a:t>33</a:t>
-            </a:r>
-            <a:r>
-              <a:rPr sz="1800" b="1">
-                <a:solidFill>
-                  <a:srgbClr val="0611F2"/>
-                </a:solidFill>
-                <a:latin typeface="맑은 고딕" charset="0"/>
-                <a:ea typeface="맑은 고딕" charset="0"/>
-              </a:rPr>
-              <a:t>.</a:t>
-            </a:r>
-            <a:r>
-              <a:rPr sz="1800">
-                <a:latin typeface="맑은 고딕" charset="0"/>
-                <a:ea typeface="맑은 고딕" charset="0"/>
-              </a:rPr>
-              <a:t> </a:t>
-            </a:r>
-            <a:r>
-              <a:rPr lang="ko-KR" sz="1800">
-                <a:latin typeface="맑은 고딕" charset="0"/>
-                <a:ea typeface="맑은 고딕" charset="0"/>
-              </a:rPr>
-              <a:t>그러고 나서 입력을 했을 때 변화되는 정보를 float 변수에 저장합니다. </a:t>
-            </a:r>
-            <a:endParaRPr lang="ko-KR" altLang="en-US" sz="1800">
-              <a:latin typeface="맑은 고딕" charset="0"/>
-              <a:ea typeface="맑은 고딕" charset="0"/>
-            </a:endParaRPr>
-          </a:p>
-          <a:p>
-            <a:pPr marL="0" indent="0" rtl="0" algn="l" defTabSz="914400" eaLnBrk="1" latinLnBrk="0" hangingPunct="1">
-              <a:buFontTx/>
-              <a:buNone/>
-            </a:pPr>
-            <a:endParaRPr lang="ko-KR" altLang="en-US" sz="1800">
-              <a:latin typeface="맑은 고딕" charset="0"/>
-              <a:ea typeface="맑은 고딕" charset="0"/>
-            </a:endParaRPr>
-          </a:p>
-          <a:p>
-            <a:pPr marL="0" indent="0" rtl="0" algn="l" defTabSz="914400" eaLnBrk="1" latinLnBrk="0" hangingPunct="1">
-              <a:buFontTx/>
-              <a:buNone/>
-            </a:pPr>
-            <a:r>
-              <a:rPr lang="ko-KR" sz="1800">
-                <a:latin typeface="맑은 고딕" charset="0"/>
-                <a:ea typeface="맑은 고딕" charset="0"/>
-              </a:rPr>
-              <a:t>그다음으로</a:t>
-            </a:r>
-            <a:r>
-              <a:rPr lang="ko-KR" sz="1800">
-                <a:latin typeface="맑은 고딕" charset="0"/>
-                <a:ea typeface="맑은 고딕" charset="0"/>
-              </a:rPr>
-              <a:t> CharacterController에 있는 SimpleMove( )함수에 방향 정보와 속도를 설정합니다.</a:t>
-            </a:r>
-            <a:endParaRPr lang="ko-KR" altLang="en-US" sz="1800">
-              <a:latin typeface="맑은 고딕" charset="0"/>
-              <a:ea typeface="맑은 고딕" charset="0"/>
-            </a:endParaRPr>
-          </a:p>
-        </p:txBody>
-      </p:sp>
-      <p:pic>
-        <p:nvPicPr>
-          <p:cNvPr id="1247" name="그림 9" descr="C:/Users/Admin1/AppData/Roaming/PolarisOffice/ETemp/18416_12904952/fImage353911971478.png"/>
-          <p:cNvPicPr>
-            <a:picLocks noChangeAspect="1"/>
-          </p:cNvPicPr>
-          <p:nvPr/>
-        </p:nvPicPr>
-        <p:blipFill rotWithShape="1">
-          <a:blip r:embed="rId7" cstate="hqprint">
-            <a:extLst>
-              <a:ext uri="{28A0092B-C50C-407E-A947-70E740481C1C}">
-                <a14:useLocalDpi xmlns:a14="http://schemas.microsoft.com/office/drawing/2010/main"/>
-              </a:ext>
-            </a:extLst>
-          </a:blip>
-          <a:stretch>
-            <a:fillRect/>
-          </a:stretch>
-        </p:blipFill>
-        <p:spPr>
-          <a:xfrm rot="0">
-            <a:off x="1230630" y="1454785"/>
-            <a:ext cx="4140835" cy="2654935"/>
-          </a:xfrm>
-          <a:prstGeom prst="roundRect"/>
-          <a:solidFill>
-            <a:srgbClr val="EDEDED"/>
-          </a:solidFill>
-        </p:spPr>
-      </p:pic>
-      <p:pic>
-        <p:nvPicPr>
-          <p:cNvPr id="1248" name="그림 30" descr="C:/Users/Admin1/AppData/Roaming/PolarisOffice/ETemp/18416_12904952/fImage188663129358.png"/>
-          <p:cNvPicPr>
-            <a:picLocks noChangeAspect="1"/>
-          </p:cNvPicPr>
-          <p:nvPr/>
-        </p:nvPicPr>
-        <p:blipFill rotWithShape="1">
-          <a:blip r:embed="rId10" cstate="hqprint">
-            <a:extLst>
-              <a:ext uri="{28A0092B-C50C-407E-A947-70E740481C1C}">
-                <a14:useLocalDpi xmlns:a14="http://schemas.microsoft.com/office/drawing/2010/main"/>
-              </a:ext>
-            </a:extLst>
-          </a:blip>
-          <a:stretch>
-            <a:fillRect/>
-          </a:stretch>
-        </p:blipFill>
-        <p:spPr>
-          <a:xfrm rot="0">
-            <a:off x="6824980" y="1454785"/>
-            <a:ext cx="2611755" cy="3683635"/>
-          </a:xfrm>
-          <a:prstGeom prst="roundRect"/>
-          <a:solidFill>
-            <a:srgbClr val="EDEDED"/>
-          </a:solidFill>
-        </p:spPr>
-      </p:pic>
-      <p:pic>
-        <p:nvPicPr>
-          <p:cNvPr id="1249" name="그림 33" descr="C:/Users/Admin1/AppData/Roaming/PolarisOffice/ETemp/18416_12904952/fImage92723136962.png"/>
-          <p:cNvPicPr>
-            <a:picLocks noChangeAspect="1"/>
-          </p:cNvPicPr>
-          <p:nvPr/>
-        </p:nvPicPr>
-        <p:blipFill rotWithShape="1">
-          <a:blip r:embed="rId11" cstate="hqprint">
-            <a:extLst>
-              <a:ext uri="{28A0092B-C50C-407E-A947-70E740481C1C}">
-                <a14:useLocalDpi xmlns:a14="http://schemas.microsoft.com/office/drawing/2010/main"/>
-              </a:ext>
-            </a:extLst>
-          </a:blip>
-          <a:stretch>
-            <a:fillRect/>
-          </a:stretch>
-        </p:blipFill>
-        <p:spPr>
-          <a:xfrm rot="0">
-            <a:off x="9585325" y="2161540"/>
-            <a:ext cx="1372870" cy="2254250"/>
-          </a:xfrm>
-          <a:prstGeom prst="roundRect"/>
-          <a:solidFill>
-            <a:srgbClr val="EDEDED"/>
-          </a:solidFill>
-        </p:spPr>
-      </p:pic>
-      <p:sp>
-        <p:nvSpPr>
-          <p:cNvPr id="1250" name="텍스트 상자 36"/>
-          <p:cNvSpPr txBox="1">
-            <a:spLocks/>
-          </p:cNvSpPr>
-          <p:nvPr/>
-        </p:nvSpPr>
-        <p:spPr>
-          <a:xfrm rot="0">
-            <a:off x="6822440" y="5350510"/>
-            <a:ext cx="4131945" cy="923925"/>
-          </a:xfrm>
-          <a:prstGeom prst="rect"/>
-          <a:noFill/>
-          <a:ln w="0">
-            <a:noFill/>
-            <a:prstDash/>
-          </a:ln>
-        </p:spPr>
-        <p:txBody>
-          <a:bodyPr wrap="square" lIns="89535" tIns="46355" rIns="89535" bIns="46355" numCol="1" vert="horz" anchor="t">
-            <a:spAutoFit/>
-          </a:bodyPr>
-          <a:lstStyle/>
-          <a:p>
-            <a:pPr marL="0" indent="0" rtl="0" algn="l" defTabSz="914400" eaLnBrk="1" latinLnBrk="0" hangingPunct="1">
-              <a:buFontTx/>
-              <a:buNone/>
-            </a:pPr>
-            <a:r>
-              <a:rPr sz="1800" b="1">
-                <a:solidFill>
-                  <a:srgbClr val="0611F2"/>
-                </a:solidFill>
-                <a:latin typeface="맑은 고딕" charset="0"/>
-                <a:ea typeface="맑은 고딕" charset="0"/>
-              </a:rPr>
-              <a:t>3</a:t>
-            </a:r>
-            <a:r>
-              <a:rPr lang="ko-KR" sz="1800" b="1">
-                <a:solidFill>
-                  <a:srgbClr val="0611F2"/>
-                </a:solidFill>
-                <a:latin typeface="맑은 고딕" charset="0"/>
-                <a:ea typeface="맑은 고딕" charset="0"/>
-              </a:rPr>
-              <a:t>4</a:t>
-            </a:r>
-            <a:r>
-              <a:rPr sz="1800" b="1">
-                <a:solidFill>
-                  <a:srgbClr val="0611F2"/>
-                </a:solidFill>
-                <a:latin typeface="맑은 고딕" charset="0"/>
-                <a:ea typeface="맑은 고딕" charset="0"/>
-              </a:rPr>
-              <a:t>.</a:t>
-            </a:r>
-            <a:r>
-              <a:rPr sz="1800">
-                <a:latin typeface="맑은 고딕" charset="0"/>
-                <a:ea typeface="맑은 고딕" charset="0"/>
-              </a:rPr>
-              <a:t> </a:t>
-            </a:r>
-            <a:r>
-              <a:rPr lang="ko-KR" sz="1800">
-                <a:latin typeface="맑은 고딕" charset="0"/>
-                <a:ea typeface="맑은 고딕" charset="0"/>
-              </a:rPr>
-              <a:t>이제 3D Object에서 Quad를 생성하고 Ground라는 이름으로 정의합니다.</a:t>
-            </a:r>
-            <a:endParaRPr lang="ko-KR" altLang="en-US" sz="1800">
-              <a:latin typeface="맑은 고딕" charset="0"/>
-              <a:ea typeface="맑은 고딕" charset="0"/>
-            </a:endParaRPr>
-          </a:p>
-        </p:txBody>
-      </p:sp>
-    </p:spTree>
-  </p:cSld>
-  <p:clrMapOvr>
-    <a:masterClrMapping/>
-  </p:clrMapOvr>
-  <mc:AlternateContent xmlns:mc="http://schemas.openxmlformats.org/markup-compatibility/2006">
-    <mc:Choice xmlns:p14="http://schemas.microsoft.com/office/powerpoint/2010/main" Requires="p14">
-      <p:transition spd="slow" p14:dur="2000"/>
-    </mc:Choice>
-    <mc:Fallback>
-      <p:transition spd="slow"/>
-    </mc:Fallback>
-  </mc:AlternateContent>
-  <p:timing>
-    <p:tnLst>
-      <p:par>
-        <p:cTn id="1" dur="indefinite" restart="never" nodeType="tmRoot"/>
-      </p:par>
-    </p:tnLst>
-  </p:timing>
-</p:sld>
-</file>
-
-<file path=ppt/slides/slide15.xml><?xml version="1.0" encoding="utf-8"?>
-<p:sld xmlns:a="http://schemas.openxmlformats.org/drawingml/2006/main" xmlns:r="http://schemas.openxmlformats.org/officeDocument/2006/relationships" xmlns:p="http://schemas.openxmlformats.org/presentationml/2006/main" xmlns:p14="http://schemas.microsoft.com/office/powerpoint/2010/main">
-  <p:cSld>
-    <p:spTree>
-      <p:nvGrpSpPr>
-        <p:cNvPr id="1" name=""/>
-        <p:cNvGrpSpPr/>
-        <p:nvPr/>
-      </p:nvGrpSpPr>
-      <p:grpSpPr>
-        <a:xfrm>
-          <a:off x="0" y="0"/>
-          <a:ext cx="0" cy="0"/>
-          <a:chOff x="0" y="0"/>
-          <a:chExt cx="0" cy="0"/>
-        </a:xfrm>
-      </p:grpSpPr>
-      <p:sp>
-        <p:nvSpPr>
-          <p:cNvPr id="1031" name="Rect 0"/>
-          <p:cNvSpPr txBox="1">
-            <a:spLocks/>
-          </p:cNvSpPr>
-          <p:nvPr/>
-        </p:nvSpPr>
-        <p:spPr>
-          <a:xfrm rot="0">
-            <a:off x="4573905" y="354330"/>
-            <a:ext cx="3056255" cy="478155"/>
-          </a:xfrm>
-          <a:prstGeom prst="rect"/>
-          <a:noFill/>
-          <a:ln w="0">
-            <a:noFill/>
-            <a:prstDash/>
-          </a:ln>
-        </p:spPr>
-        <p:txBody>
-          <a:bodyPr wrap="square" lIns="89535" tIns="46355" rIns="89535" bIns="46355" numCol="1" vert="horz" anchor="t">
-            <a:spAutoFit/>
-          </a:bodyPr>
-          <a:lstStyle/>
-          <a:p>
-            <a:pPr marL="0" indent="0" algn="ctr" latinLnBrk="0">
-              <a:buFontTx/>
-              <a:buNone/>
-            </a:pPr>
-            <a:r>
-              <a:rPr lang="ko-KR" altLang="en-US" sz="2500" b="1">
-                <a:solidFill>
-                  <a:schemeClr val="tx1"/>
-                </a:solidFill>
-                <a:latin typeface="나눔바른고딕" charset="0"/>
-                <a:ea typeface="나눔바른고딕" charset="0"/>
-              </a:rPr>
-              <a:t>열</a:t>
-            </a:r>
-            <a:r>
-              <a:rPr lang="ko-KR" altLang="en-US" sz="2500" b="1">
-                <a:solidFill>
-                  <a:schemeClr val="tx1"/>
-                </a:solidFill>
-                <a:latin typeface="나눔바른고딕" charset="0"/>
-                <a:ea typeface="나눔바른고딕" charset="0"/>
-              </a:rPr>
-              <a:t>네</a:t>
-            </a:r>
-            <a:r>
-              <a:rPr lang="ko-KR" altLang="en-US" sz="2500" b="1">
-                <a:solidFill>
-                  <a:schemeClr val="tx1"/>
-                </a:solidFill>
-                <a:latin typeface="나눔바른고딕" charset="0"/>
-                <a:ea typeface="나눔바른고딕" charset="0"/>
-              </a:rPr>
-              <a:t> 번째 튜토리얼</a:t>
-            </a:r>
-            <a:endParaRPr lang="ko-KR" altLang="en-US" sz="2500" b="1">
-              <a:solidFill>
-                <a:schemeClr val="tx1"/>
-              </a:solidFill>
-              <a:latin typeface="나눔바른고딕" charset="0"/>
-              <a:ea typeface="나눔바른고딕" charset="0"/>
-            </a:endParaRPr>
-          </a:p>
-        </p:txBody>
-      </p:sp>
-      <p:sp>
-        <p:nvSpPr>
-          <p:cNvPr id="1243" name="Rect 0"/>
-          <p:cNvSpPr txBox="1">
-            <a:spLocks/>
-          </p:cNvSpPr>
-          <p:nvPr/>
-        </p:nvSpPr>
-        <p:spPr>
-          <a:xfrm rot="0">
-            <a:off x="1230630" y="2785110"/>
-            <a:ext cx="4124325" cy="924560"/>
-          </a:xfrm>
-          <a:prstGeom prst="rect"/>
-          <a:noFill/>
-          <a:ln w="0">
-            <a:noFill/>
-            <a:prstDash/>
-          </a:ln>
-        </p:spPr>
-        <p:txBody>
-          <a:bodyPr wrap="square" lIns="89535" tIns="46355" rIns="89535" bIns="46355" numCol="1" vert="horz" anchor="t">
-            <a:spAutoFit/>
-          </a:bodyPr>
-          <a:lstStyle/>
-          <a:p>
-            <a:pPr marL="0" indent="0" rtl="0" algn="l" defTabSz="914400" eaLnBrk="1" latinLnBrk="0" hangingPunct="1">
-              <a:buFontTx/>
-              <a:buNone/>
-            </a:pPr>
-            <a:r>
-              <a:rPr sz="1800" b="1">
-                <a:solidFill>
-                  <a:srgbClr val="0611F2"/>
-                </a:solidFill>
-                <a:latin typeface="맑은 고딕" charset="0"/>
-                <a:ea typeface="맑은 고딕" charset="0"/>
-              </a:rPr>
-              <a:t>3</a:t>
-            </a:r>
-            <a:r>
-              <a:rPr lang="ko-KR" sz="1800" b="1">
-                <a:solidFill>
-                  <a:srgbClr val="0611F2"/>
-                </a:solidFill>
-                <a:latin typeface="맑은 고딕" charset="0"/>
-                <a:ea typeface="맑은 고딕" charset="0"/>
-              </a:rPr>
-              <a:t>5</a:t>
-            </a:r>
-            <a:r>
-              <a:rPr sz="1800" b="1">
-                <a:solidFill>
-                  <a:srgbClr val="0611F2"/>
-                </a:solidFill>
-                <a:latin typeface="맑은 고딕" charset="0"/>
-                <a:ea typeface="맑은 고딕" charset="0"/>
-              </a:rPr>
-              <a:t>.</a:t>
-            </a:r>
-            <a:r>
-              <a:rPr sz="1800">
-                <a:latin typeface="맑은 고딕" charset="0"/>
-                <a:ea typeface="맑은 고딕" charset="0"/>
-              </a:rPr>
-              <a:t> </a:t>
-            </a:r>
-            <a:r>
-              <a:rPr lang="ko-KR" sz="1800">
-                <a:latin typeface="맑은 고딕" charset="0"/>
-                <a:ea typeface="맑은 고딕" charset="0"/>
-              </a:rPr>
-              <a:t>그리고 Project 폴더 아래에 있는 Texture 폴더에 Diffuse 텍스처를 Ground 오브젝트에 넣어줍니다. </a:t>
-            </a:r>
-            <a:endParaRPr lang="ko-KR" altLang="en-US" sz="1800">
-              <a:latin typeface="맑은 고딕" charset="0"/>
-              <a:ea typeface="맑은 고딕" charset="0"/>
-            </a:endParaRPr>
-          </a:p>
-        </p:txBody>
-      </p:sp>
-      <p:sp>
-        <p:nvSpPr>
-          <p:cNvPr id="1250" name="Rect 0"/>
-          <p:cNvSpPr txBox="1">
-            <a:spLocks/>
-          </p:cNvSpPr>
-          <p:nvPr/>
-        </p:nvSpPr>
-        <p:spPr>
-          <a:xfrm rot="0">
-            <a:off x="1219835" y="5600065"/>
-            <a:ext cx="4131945" cy="647065"/>
-          </a:xfrm>
-          <a:prstGeom prst="rect"/>
-          <a:noFill/>
-          <a:ln w="0">
-            <a:noFill/>
-            <a:prstDash/>
-          </a:ln>
-        </p:spPr>
-        <p:txBody>
-          <a:bodyPr wrap="square" lIns="89535" tIns="46355" rIns="89535" bIns="46355" numCol="1" vert="horz" anchor="t">
-            <a:spAutoFit/>
-          </a:bodyPr>
-          <a:lstStyle/>
-          <a:p>
-            <a:pPr marL="0" indent="0" rtl="0" algn="l" defTabSz="914400" eaLnBrk="1" latinLnBrk="0" hangingPunct="1">
-              <a:buFontTx/>
-              <a:buNone/>
-            </a:pPr>
-            <a:r>
-              <a:rPr lang="ko-KR" sz="1800" b="1">
-                <a:solidFill>
-                  <a:srgbClr val="0611F2"/>
-                </a:solidFill>
-                <a:latin typeface="맑은 고딕" charset="0"/>
-                <a:ea typeface="맑은 고딕" charset="0"/>
-              </a:rPr>
-              <a:t>36</a:t>
-            </a:r>
-            <a:r>
-              <a:rPr sz="1800" b="1">
-                <a:solidFill>
-                  <a:srgbClr val="0611F2"/>
-                </a:solidFill>
-                <a:latin typeface="맑은 고딕" charset="0"/>
-                <a:ea typeface="맑은 고딕" charset="0"/>
-              </a:rPr>
-              <a:t>.</a:t>
-            </a:r>
-            <a:r>
-              <a:rPr sz="1800">
-                <a:latin typeface="맑은 고딕" charset="0"/>
-                <a:ea typeface="맑은 고딕" charset="0"/>
-              </a:rPr>
-              <a:t> </a:t>
-            </a:r>
-            <a:r>
-              <a:rPr lang="ko-KR" sz="1800">
-                <a:latin typeface="맑은 고딕" charset="0"/>
-                <a:ea typeface="맑은 고딕" charset="0"/>
-              </a:rPr>
-              <a:t>그다음 Ground 오브젝트의 크기와 회전 값을 설정합니다.</a:t>
-            </a:r>
-            <a:endParaRPr lang="ko-KR" altLang="en-US" sz="1800">
-              <a:latin typeface="맑은 고딕" charset="0"/>
-              <a:ea typeface="맑은 고딕" charset="0"/>
-            </a:endParaRPr>
-          </a:p>
-        </p:txBody>
-      </p:sp>
-      <p:pic>
-        <p:nvPicPr>
-          <p:cNvPr id="1251" name="그림 37" descr="C:/Users/Admin1/AppData/Roaming/PolarisOffice/ETemp/18416_12904952/fImage364243244464.png"/>
-          <p:cNvPicPr>
-            <a:picLocks noChangeAspect="1"/>
-          </p:cNvPicPr>
-          <p:nvPr/>
-        </p:nvPicPr>
-        <p:blipFill rotWithShape="1">
-          <a:blip r:embed="rId2" cstate="hqprint">
-            <a:extLst>
-              <a:ext uri="{28A0092B-C50C-407E-A947-70E740481C1C}">
-                <a14:useLocalDpi xmlns:a14="http://schemas.microsoft.com/office/drawing/2010/main"/>
-              </a:ext>
-            </a:extLst>
-          </a:blip>
-          <a:stretch>
-            <a:fillRect/>
-          </a:stretch>
-        </p:blipFill>
-        <p:spPr>
-          <a:xfrm rot="0">
-            <a:off x="2527300" y="1446530"/>
-            <a:ext cx="2835910" cy="1223010"/>
-          </a:xfrm>
-          <a:prstGeom prst="roundRect"/>
-          <a:solidFill>
-            <a:srgbClr val="EDEDED"/>
-          </a:solidFill>
-        </p:spPr>
-      </p:pic>
-      <p:pic>
-        <p:nvPicPr>
-          <p:cNvPr id="1252" name="그림 40" descr="C:/Users/Admin1/AppData/Roaming/PolarisOffice/ETemp/18416_12904952/fImage67243255705.png"/>
-          <p:cNvPicPr>
-            <a:picLocks noChangeAspect="1"/>
-          </p:cNvPicPr>
-          <p:nvPr/>
-        </p:nvPicPr>
-        <p:blipFill rotWithShape="1">
-          <a:blip r:embed="rId3" cstate="hqprint">
-            <a:extLst>
-              <a:ext uri="{28A0092B-C50C-407E-A947-70E740481C1C}">
-                <a14:useLocalDpi xmlns:a14="http://schemas.microsoft.com/office/drawing/2010/main"/>
-              </a:ext>
-            </a:extLst>
-          </a:blip>
-          <a:stretch>
-            <a:fillRect/>
-          </a:stretch>
-        </p:blipFill>
-        <p:spPr>
-          <a:xfrm rot="0">
-            <a:off x="1228725" y="1447165"/>
-            <a:ext cx="1183640" cy="1229995"/>
-          </a:xfrm>
-          <a:prstGeom prst="roundRect"/>
-          <a:solidFill>
-            <a:srgbClr val="EDEDED"/>
-          </a:solidFill>
-        </p:spPr>
-      </p:pic>
-      <p:cxnSp>
-        <p:nvCxnSpPr>
-          <p:cNvPr id="1253" name="도형 43"/>
-          <p:cNvCxnSpPr/>
-          <p:nvPr/>
-        </p:nvCxnSpPr>
-        <p:spPr>
-          <a:xfrm rot="0" flipH="1">
-            <a:off x="1962150" y="2153285"/>
-            <a:ext cx="632460" cy="358140"/>
-          </a:xfrm>
-          <a:prstGeom prst="straightConnector1"/>
-          <a:ln w="6350" cap="flat" cmpd="sng">
-            <a:prstDash/>
-            <a:headEnd type="none" w="med" len="med"/>
-            <a:tailEnd type="triangle" w="med" len="med"/>
-          </a:ln>
-        </p:spPr>
-        <p:style>
-          <a:lnRef idx="1">
-            <a:schemeClr val="accent1"/>
-          </a:lnRef>
-          <a:fillRef idx="0">
-            <a:schemeClr val="accent1"/>
-          </a:fillRef>
-          <a:effectRef idx="0">
-            <a:schemeClr val="accent1"/>
-          </a:effectRef>
-          <a:fontRef idx="minor">
-            <a:schemeClr val="tx1"/>
-          </a:fontRef>
-        </p:style>
-      </p:cxnSp>
-      <p:pic>
-        <p:nvPicPr>
-          <p:cNvPr id="1254" name="그림 44"/>
-          <p:cNvPicPr>
-            <a:picLocks noChangeAspect="1"/>
-          </p:cNvPicPr>
-          <p:nvPr/>
-        </p:nvPicPr>
-        <p:blipFill rotWithShape="1">
-          <a:blip r:embed="rId4" cstate="print">
-            <a:extLst>
-              <a:ext uri="{28A0092B-C50C-407E-A947-70E740481C1C}">
-                <a14:useLocalDpi xmlns:a14="http://schemas.microsoft.com/office/drawing/2010/main" val="0"/>
-              </a:ext>
-            </a:extLst>
-          </a:blip>
-          <a:stretch>
-            <a:fillRect/>
-          </a:stretch>
-        </p:blipFill>
-        <p:spPr>
-          <a:xfrm rot="0">
-            <a:off x="1231265" y="3817620"/>
-            <a:ext cx="4131310" cy="1694815"/>
-          </a:xfrm>
-          <a:prstGeom prst="roundRect"/>
-          <a:solidFill>
-            <a:srgbClr val="EDEDED"/>
-          </a:solidFill>
-        </p:spPr>
-      </p:pic>
-      <p:pic>
-        <p:nvPicPr>
-          <p:cNvPr id="1255" name="그림 1" descr="C:/Users/Admin1/AppData/Roaming/PolarisOffice/ETemp/18416_12904952/fImage992424041.png"/>
-          <p:cNvPicPr>
-            <a:picLocks noChangeAspect="1"/>
-          </p:cNvPicPr>
-          <p:nvPr/>
-        </p:nvPicPr>
-        <p:blipFill rotWithShape="1">
-          <a:blip r:embed="rId6" cstate="hqprint">
-            <a:extLst>
-              <a:ext uri="{28A0092B-C50C-407E-A947-70E740481C1C}">
-                <a14:useLocalDpi xmlns:a14="http://schemas.microsoft.com/office/drawing/2010/main"/>
-              </a:ext>
-            </a:extLst>
-          </a:blip>
-          <a:stretch>
-            <a:fillRect/>
-          </a:stretch>
-        </p:blipFill>
-        <p:spPr>
-          <a:xfrm rot="0">
-            <a:off x="9593580" y="2127885"/>
-            <a:ext cx="1372870" cy="2320925"/>
-          </a:xfrm>
-          <a:prstGeom prst="roundRect"/>
-          <a:solidFill>
-            <a:srgbClr val="EDEDED"/>
-          </a:solidFill>
-        </p:spPr>
-      </p:pic>
-      <p:pic>
-        <p:nvPicPr>
-          <p:cNvPr id="1256" name="그림 2" descr="C:/Users/Admin1/AppData/Roaming/PolarisOffice/ETemp/18416_12904952/fImage161052209961.png"/>
-          <p:cNvPicPr>
-            <a:picLocks noChangeAspect="1"/>
-          </p:cNvPicPr>
-          <p:nvPr/>
-        </p:nvPicPr>
-        <p:blipFill rotWithShape="1">
-          <a:blip r:embed="rId7" cstate="hqprint">
-            <a:extLst>
-              <a:ext uri="{28A0092B-C50C-407E-A947-70E740481C1C}">
-                <a14:useLocalDpi xmlns:a14="http://schemas.microsoft.com/office/drawing/2010/main"/>
-              </a:ext>
-            </a:extLst>
-          </a:blip>
-          <a:stretch>
-            <a:fillRect/>
-          </a:stretch>
-        </p:blipFill>
-        <p:spPr>
-          <a:xfrm rot="0">
-            <a:off x="6816725" y="1446530"/>
-            <a:ext cx="2595245" cy="3675380"/>
-          </a:xfrm>
-          <a:prstGeom prst="roundRect"/>
-          <a:solidFill>
-            <a:srgbClr val="EDEDED"/>
-          </a:solidFill>
-        </p:spPr>
-      </p:pic>
-      <p:sp>
-        <p:nvSpPr>
-          <p:cNvPr id="1257" name="텍스트 상자 5"/>
-          <p:cNvSpPr txBox="1">
-            <a:spLocks/>
-          </p:cNvSpPr>
-          <p:nvPr/>
-        </p:nvSpPr>
-        <p:spPr>
-          <a:xfrm rot="0">
-            <a:off x="6808470" y="5322570"/>
-            <a:ext cx="4165600" cy="923925"/>
-          </a:xfrm>
-          <a:prstGeom prst="rect"/>
-          <a:noFill/>
-          <a:ln w="0">
-            <a:noFill/>
-            <a:prstDash/>
-          </a:ln>
-        </p:spPr>
-        <p:txBody>
-          <a:bodyPr wrap="square" lIns="89535" tIns="46355" rIns="89535" bIns="46355" numCol="1" vert="horz" anchor="t">
-            <a:spAutoFit/>
-          </a:bodyPr>
-          <a:lstStyle/>
-          <a:p>
-            <a:pPr marL="0" indent="0" rtl="0" algn="l" defTabSz="914400" eaLnBrk="1" latinLnBrk="0" hangingPunct="1">
-              <a:buFontTx/>
-              <a:buNone/>
-            </a:pPr>
-            <a:r>
-              <a:rPr lang="ko-KR" sz="1800" b="1">
-                <a:solidFill>
-                  <a:srgbClr val="0611F2"/>
-                </a:solidFill>
-                <a:latin typeface="맑은 고딕" charset="0"/>
-                <a:ea typeface="맑은 고딕" charset="0"/>
-              </a:rPr>
-              <a:t>3</a:t>
-            </a:r>
-            <a:r>
-              <a:rPr lang="ko-KR" sz="1800" b="1">
-                <a:solidFill>
-                  <a:srgbClr val="0611F2"/>
-                </a:solidFill>
-                <a:latin typeface="맑은 고딕" charset="0"/>
-                <a:ea typeface="맑은 고딕" charset="0"/>
-              </a:rPr>
-              <a:t>7</a:t>
-            </a:r>
-            <a:r>
-              <a:rPr sz="1800" b="1">
-                <a:solidFill>
-                  <a:srgbClr val="0611F2"/>
-                </a:solidFill>
-                <a:latin typeface="맑은 고딕" charset="0"/>
-                <a:ea typeface="맑은 고딕" charset="0"/>
-              </a:rPr>
-              <a:t>.</a:t>
-            </a:r>
-            <a:r>
-              <a:rPr sz="1800">
-                <a:latin typeface="맑은 고딕" charset="0"/>
-                <a:ea typeface="맑은 고딕" charset="0"/>
-              </a:rPr>
-              <a:t> </a:t>
-            </a:r>
-            <a:r>
-              <a:rPr lang="ko-KR" sz="1800">
-                <a:latin typeface="맑은 고딕" charset="0"/>
-                <a:ea typeface="맑은 고딕" charset="0"/>
-              </a:rPr>
-              <a:t>그</a:t>
-            </a:r>
-            <a:r>
-              <a:rPr lang="ko-KR" sz="1800">
-                <a:latin typeface="맑은 고딕" charset="0"/>
-                <a:ea typeface="맑은 고딕" charset="0"/>
-              </a:rPr>
-              <a:t>런 다음</a:t>
-            </a:r>
-            <a:r>
-              <a:rPr lang="ko-KR" sz="1800">
-                <a:latin typeface="맑은 고딕" charset="0"/>
-                <a:ea typeface="맑은 고딕" charset="0"/>
-              </a:rPr>
-              <a:t> </a:t>
-            </a:r>
-            <a:r>
-              <a:rPr lang="ko-KR" sz="1800">
-                <a:latin typeface="맑은 고딕" charset="0"/>
-                <a:ea typeface="맑은 고딕" charset="0"/>
-              </a:rPr>
-              <a:t>3D Object에서 Cube를 선택하고 Concrete라는 이름으로 정의합니다.</a:t>
-            </a:r>
-            <a:endParaRPr lang="ko-KR" altLang="en-US" sz="1800">
-              <a:latin typeface="맑은 고딕" charset="0"/>
-              <a:ea typeface="맑은 고딕" charset="0"/>
-            </a:endParaRPr>
-          </a:p>
-        </p:txBody>
-      </p:sp>
-    </p:spTree>
-  </p:cSld>
-  <p:clrMapOvr>
-    <a:masterClrMapping/>
-  </p:clrMapOvr>
-  <mc:AlternateContent xmlns:mc="http://schemas.openxmlformats.org/markup-compatibility/2006">
-    <mc:Choice xmlns:p14="http://schemas.microsoft.com/office/powerpoint/2010/main" Requires="p14">
-      <p:transition spd="slow" p14:dur="2000"/>
-    </mc:Choice>
-    <mc:Fallback>
-      <p:transition spd="slow"/>
-    </mc:Fallback>
-  </mc:AlternateContent>
-  <p:timing>
-    <p:tnLst>
-      <p:par>
-        <p:cTn id="1" dur="indefinite" restart="never" nodeType="tmRoot"/>
-      </p:par>
-    </p:tnLst>
-  </p:timing>
-</p:sld>
-</file>
-
-<file path=ppt/slides/slide16.xml><?xml version="1.0" encoding="utf-8"?>
-<p:sld xmlns:a="http://schemas.openxmlformats.org/drawingml/2006/main" xmlns:r="http://schemas.openxmlformats.org/officeDocument/2006/relationships" xmlns:p="http://schemas.openxmlformats.org/presentationml/2006/main" xmlns:p14="http://schemas.microsoft.com/office/powerpoint/2010/main">
-  <p:cSld>
-    <p:spTree>
-      <p:nvGrpSpPr>
-        <p:cNvPr id="1" name=""/>
-        <p:cNvGrpSpPr/>
-        <p:nvPr/>
-      </p:nvGrpSpPr>
-      <p:grpSpPr>
-        <a:xfrm>
-          <a:off x="0" y="0"/>
-          <a:ext cx="0" cy="0"/>
-          <a:chOff x="0" y="0"/>
-          <a:chExt cx="0" cy="0"/>
-        </a:xfrm>
-      </p:grpSpPr>
-      <p:sp>
-        <p:nvSpPr>
-          <p:cNvPr id="1031" name="Rect 0"/>
-          <p:cNvSpPr txBox="1">
-            <a:spLocks/>
-          </p:cNvSpPr>
-          <p:nvPr/>
-        </p:nvSpPr>
-        <p:spPr>
-          <a:xfrm rot="0">
-            <a:off x="4485640" y="371475"/>
-            <a:ext cx="3232150" cy="478155"/>
-          </a:xfrm>
-          <a:prstGeom prst="rect"/>
-          <a:noFill/>
-          <a:ln w="0">
-            <a:noFill/>
-            <a:prstDash/>
-          </a:ln>
-        </p:spPr>
-        <p:txBody>
-          <a:bodyPr wrap="square" lIns="89535" tIns="46355" rIns="89535" bIns="46355" numCol="1" vert="horz" anchor="t">
-            <a:spAutoFit/>
-          </a:bodyPr>
-          <a:lstStyle/>
-          <a:p>
-            <a:pPr marL="0" indent="0" algn="ctr" latinLnBrk="0">
-              <a:buFontTx/>
-              <a:buNone/>
-            </a:pPr>
-            <a:r>
-              <a:rPr lang="ko-KR" altLang="en-US" sz="2500" b="1">
-                <a:solidFill>
-                  <a:schemeClr val="tx1"/>
-                </a:solidFill>
-                <a:latin typeface="나눔바른고딕" charset="0"/>
-                <a:ea typeface="나눔바른고딕" charset="0"/>
-              </a:rPr>
-              <a:t>열다섯 번째 튜토리얼</a:t>
-            </a:r>
-            <a:endParaRPr lang="ko-KR" altLang="en-US" sz="2500" b="1">
-              <a:solidFill>
-                <a:schemeClr val="tx1"/>
-              </a:solidFill>
-              <a:latin typeface="나눔바른고딕" charset="0"/>
-              <a:ea typeface="나눔바른고딕" charset="0"/>
-            </a:endParaRPr>
-          </a:p>
-        </p:txBody>
-      </p:sp>
-      <p:sp>
-        <p:nvSpPr>
-          <p:cNvPr id="1250" name="Rect 0"/>
-          <p:cNvSpPr txBox="1">
-            <a:spLocks/>
-          </p:cNvSpPr>
-          <p:nvPr/>
-        </p:nvSpPr>
-        <p:spPr>
-          <a:xfrm rot="0">
-            <a:off x="1211580" y="5317490"/>
-            <a:ext cx="4167505" cy="923925"/>
-          </a:xfrm>
-          <a:prstGeom prst="rect"/>
-          <a:noFill/>
-          <a:ln w="0">
-            <a:noFill/>
-            <a:prstDash/>
-          </a:ln>
-        </p:spPr>
-        <p:txBody>
-          <a:bodyPr wrap="square" lIns="89535" tIns="46355" rIns="89535" bIns="46355" numCol="1" vert="horz" anchor="t">
-            <a:spAutoFit/>
-          </a:bodyPr>
-          <a:lstStyle/>
-          <a:p>
-            <a:pPr marL="0" indent="0" rtl="0" algn="l" defTabSz="914400" eaLnBrk="1" latinLnBrk="0" hangingPunct="1">
-              <a:buFontTx/>
-              <a:buNone/>
-            </a:pPr>
-            <a:r>
-              <a:rPr lang="ko-KR" sz="1800" b="1">
-                <a:solidFill>
-                  <a:srgbClr val="0611F2"/>
-                </a:solidFill>
-                <a:latin typeface="맑은 고딕" charset="0"/>
-                <a:ea typeface="맑은 고딕" charset="0"/>
-              </a:rPr>
-              <a:t>3</a:t>
-            </a:r>
-            <a:r>
-              <a:rPr lang="ko-KR" sz="1800" b="1">
-                <a:solidFill>
-                  <a:srgbClr val="0611F2"/>
-                </a:solidFill>
-                <a:latin typeface="맑은 고딕" charset="0"/>
-                <a:ea typeface="맑은 고딕" charset="0"/>
-              </a:rPr>
-              <a:t>8</a:t>
-            </a:r>
-            <a:r>
-              <a:rPr sz="1800" b="1">
-                <a:solidFill>
-                  <a:srgbClr val="0611F2"/>
-                </a:solidFill>
-                <a:latin typeface="맑은 고딕" charset="0"/>
-                <a:ea typeface="맑은 고딕" charset="0"/>
-              </a:rPr>
-              <a:t>.</a:t>
-            </a:r>
-            <a:r>
-              <a:rPr sz="1800">
-                <a:latin typeface="맑은 고딕" charset="0"/>
-                <a:ea typeface="맑은 고딕" charset="0"/>
-              </a:rPr>
-              <a:t> </a:t>
-            </a:r>
-            <a:r>
-              <a:rPr lang="ko-KR" sz="1800">
-                <a:latin typeface="맑은 고딕" charset="0"/>
-                <a:ea typeface="맑은 고딕" charset="0"/>
-              </a:rPr>
-              <a:t>그</a:t>
-            </a:r>
-            <a:r>
-              <a:rPr lang="ko-KR" sz="1800">
-                <a:latin typeface="맑은 고딕" charset="0"/>
-                <a:ea typeface="맑은 고딕" charset="0"/>
-              </a:rPr>
-              <a:t>러고 나서</a:t>
-            </a:r>
-            <a:r>
-              <a:rPr lang="ko-KR" sz="1800">
-                <a:latin typeface="맑은 고딕" charset="0"/>
-                <a:ea typeface="맑은 고딕" charset="0"/>
-              </a:rPr>
-              <a:t> </a:t>
-            </a:r>
-            <a:r>
-              <a:rPr lang="ko-KR" sz="1800">
-                <a:latin typeface="맑은 고딕" charset="0"/>
-                <a:ea typeface="맑은 고딕" charset="0"/>
-              </a:rPr>
-              <a:t>Volume 오브젝트의 Slider 컴포넌트에 있는 Navigation을 None으로 설정합니다.</a:t>
-            </a:r>
-            <a:endParaRPr lang="ko-KR" altLang="en-US" sz="1800">
-              <a:latin typeface="맑은 고딕" charset="0"/>
-              <a:ea typeface="맑은 고딕" charset="0"/>
-            </a:endParaRPr>
-          </a:p>
-        </p:txBody>
-      </p:sp>
-      <p:pic>
-        <p:nvPicPr>
-          <p:cNvPr id="1258" name="그림 6" descr="C:/Users/Admin1/AppData/Roaming/PolarisOffice/ETemp/18416_12904952/fImage267223288467.png"/>
-          <p:cNvPicPr>
-            <a:picLocks noChangeAspect="1"/>
-          </p:cNvPicPr>
-          <p:nvPr/>
-        </p:nvPicPr>
-        <p:blipFill rotWithShape="1">
-          <a:blip r:embed="rId2" cstate="hqprint">
-            <a:extLst>
-              <a:ext uri="{28A0092B-C50C-407E-A947-70E740481C1C}">
-                <a14:useLocalDpi xmlns:a14="http://schemas.microsoft.com/office/drawing/2010/main"/>
-              </a:ext>
-            </a:extLst>
-          </a:blip>
-          <a:stretch>
-            <a:fillRect/>
-          </a:stretch>
-        </p:blipFill>
-        <p:spPr>
-          <a:xfrm rot="0">
-            <a:off x="2660015" y="1454785"/>
-            <a:ext cx="2727960" cy="3658870"/>
-          </a:xfrm>
-          <a:prstGeom prst="roundRect"/>
-          <a:solidFill>
-            <a:srgbClr val="EDEDED"/>
-          </a:solidFill>
-        </p:spPr>
-      </p:pic>
-      <p:pic>
-        <p:nvPicPr>
-          <p:cNvPr id="1259" name="그림 9" descr="C:/Users/Admin1/AppData/Roaming/PolarisOffice/ETemp/18416_12904952/fImage97763296334.png"/>
-          <p:cNvPicPr>
-            <a:picLocks noChangeAspect="1"/>
-          </p:cNvPicPr>
-          <p:nvPr/>
-        </p:nvPicPr>
-        <p:blipFill rotWithShape="1">
-          <a:blip r:embed="rId3" cstate="hqprint">
-            <a:extLst>
-              <a:ext uri="{28A0092B-C50C-407E-A947-70E740481C1C}">
-                <a14:useLocalDpi xmlns:a14="http://schemas.microsoft.com/office/drawing/2010/main"/>
-              </a:ext>
-            </a:extLst>
-          </a:blip>
-          <a:stretch>
-            <a:fillRect/>
-          </a:stretch>
-        </p:blipFill>
-        <p:spPr>
-          <a:xfrm rot="0">
-            <a:off x="1214120" y="2244725"/>
-            <a:ext cx="1347470" cy="2078990"/>
-          </a:xfrm>
-          <a:prstGeom prst="roundRect"/>
-          <a:solidFill>
-            <a:srgbClr val="EDEDED"/>
-          </a:solidFill>
-        </p:spPr>
-      </p:pic>
-      <p:pic>
-        <p:nvPicPr>
-          <p:cNvPr id="1260" name="그림 12" descr="C:/Users/Admin1/AppData/Roaming/PolarisOffice/ETemp/18416_12904952/fImage120123306500.png"/>
-          <p:cNvPicPr>
-            <a:picLocks noChangeAspect="1"/>
-          </p:cNvPicPr>
-          <p:nvPr/>
-        </p:nvPicPr>
-        <p:blipFill rotWithShape="1">
-          <a:blip r:embed="rId4" cstate="hqprint">
-            <a:extLst>
-              <a:ext uri="{28A0092B-C50C-407E-A947-70E740481C1C}">
-                <a14:useLocalDpi xmlns:a14="http://schemas.microsoft.com/office/drawing/2010/main"/>
-              </a:ext>
-            </a:extLst>
-          </a:blip>
-          <a:stretch>
-            <a:fillRect/>
-          </a:stretch>
-        </p:blipFill>
-        <p:spPr>
-          <a:xfrm rot="0">
-            <a:off x="6824980" y="1446530"/>
-            <a:ext cx="4149725" cy="1505585"/>
-          </a:xfrm>
-          <a:prstGeom prst="roundRect"/>
-          <a:solidFill>
-            <a:srgbClr val="EDEDED"/>
-          </a:solidFill>
-        </p:spPr>
-      </p:pic>
-      <p:sp>
-        <p:nvSpPr>
-          <p:cNvPr id="1261" name="텍스트 상자 15"/>
-          <p:cNvSpPr txBox="1">
-            <a:spLocks/>
-          </p:cNvSpPr>
-          <p:nvPr/>
-        </p:nvSpPr>
-        <p:spPr>
-          <a:xfrm rot="0">
-            <a:off x="6828155" y="3070225"/>
-            <a:ext cx="4145915" cy="647065"/>
-          </a:xfrm>
-          <a:prstGeom prst="rect"/>
-          <a:noFill/>
-          <a:ln w="0">
-            <a:noFill/>
-            <a:prstDash/>
-          </a:ln>
-        </p:spPr>
-        <p:txBody>
-          <a:bodyPr wrap="square" lIns="89535" tIns="46355" rIns="89535" bIns="46355" numCol="1" vert="horz" anchor="t">
-            <a:spAutoFit/>
-          </a:bodyPr>
-          <a:lstStyle/>
-          <a:p>
-            <a:pPr marL="0" indent="0" rtl="0" algn="l" defTabSz="914400" eaLnBrk="1" latinLnBrk="0" hangingPunct="1">
-              <a:buFontTx/>
-              <a:buNone/>
-            </a:pPr>
-            <a:r>
-              <a:rPr lang="ko-KR" sz="1800" b="1">
-                <a:solidFill>
-                  <a:srgbClr val="0611F2"/>
-                </a:solidFill>
-                <a:latin typeface="맑은 고딕" charset="0"/>
-                <a:ea typeface="맑은 고딕" charset="0"/>
-              </a:rPr>
-              <a:t>3</a:t>
-            </a:r>
-            <a:r>
-              <a:rPr lang="ko-KR" sz="1800" b="1">
-                <a:solidFill>
-                  <a:srgbClr val="0611F2"/>
-                </a:solidFill>
-                <a:latin typeface="맑은 고딕" charset="0"/>
-                <a:ea typeface="맑은 고딕" charset="0"/>
-              </a:rPr>
-              <a:t>9</a:t>
-            </a:r>
-            <a:r>
-              <a:rPr sz="1800" b="1">
-                <a:solidFill>
-                  <a:srgbClr val="0611F2"/>
-                </a:solidFill>
-                <a:latin typeface="맑은 고딕" charset="0"/>
-                <a:ea typeface="맑은 고딕" charset="0"/>
-              </a:rPr>
-              <a:t>.</a:t>
-            </a:r>
-            <a:r>
-              <a:rPr sz="1800">
-                <a:latin typeface="맑은 고딕" charset="0"/>
-                <a:ea typeface="맑은 고딕" charset="0"/>
-              </a:rPr>
-              <a:t> </a:t>
-            </a:r>
-            <a:r>
-              <a:rPr lang="ko-KR" sz="1800">
-                <a:latin typeface="맑은 고딕" charset="0"/>
-                <a:ea typeface="맑은 고딕" charset="0"/>
-              </a:rPr>
-              <a:t>마지막으로 Concrete 오브젝트의 위치를 설정합니다.</a:t>
-            </a:r>
-            <a:endParaRPr lang="ko-KR" altLang="en-US" sz="1800">
-              <a:latin typeface="맑은 고딕" charset="0"/>
-              <a:ea typeface="맑은 고딕" charset="0"/>
-            </a:endParaRPr>
-          </a:p>
-        </p:txBody>
-      </p:sp>
-      <p:pic>
-        <p:nvPicPr>
-          <p:cNvPr id="1262" name="그림 16"/>
-          <p:cNvPicPr>
-            <a:picLocks noChangeAspect="1"/>
-          </p:cNvPicPr>
-          <p:nvPr/>
-        </p:nvPicPr>
-        <p:blipFill rotWithShape="1">
-          <a:blip r:embed="rId5" cstate="print">
-            <a:extLst>
-              <a:ext uri="{28A0092B-C50C-407E-A947-70E740481C1C}">
-                <a14:useLocalDpi xmlns:a14="http://schemas.microsoft.com/office/drawing/2010/main" val="0"/>
-              </a:ext>
-            </a:extLst>
-          </a:blip>
-          <a:stretch>
-            <a:fillRect/>
-          </a:stretch>
-        </p:blipFill>
-        <p:spPr>
-          <a:xfrm rot="0">
-            <a:off x="6824345" y="3840480"/>
-            <a:ext cx="4141470" cy="1663065"/>
-          </a:xfrm>
-          <a:prstGeom prst="roundRect"/>
-          <a:solidFill>
-            <a:srgbClr val="EDEDED"/>
-          </a:solidFill>
-        </p:spPr>
-      </p:pic>
-      <p:sp>
-        <p:nvSpPr>
-          <p:cNvPr id="1263" name="텍스트 상자 19"/>
-          <p:cNvSpPr txBox="1">
-            <a:spLocks/>
-          </p:cNvSpPr>
-          <p:nvPr/>
-        </p:nvSpPr>
-        <p:spPr>
-          <a:xfrm rot="0">
-            <a:off x="6816725" y="5594350"/>
-            <a:ext cx="4145915" cy="647065"/>
-          </a:xfrm>
-          <a:prstGeom prst="rect"/>
-          <a:noFill/>
-          <a:ln w="0">
-            <a:noFill/>
-            <a:prstDash/>
-          </a:ln>
-        </p:spPr>
-        <p:txBody>
-          <a:bodyPr wrap="square" lIns="89535" tIns="46355" rIns="89535" bIns="46355" numCol="1" vert="horz" anchor="t">
-            <a:spAutoFit/>
-          </a:bodyPr>
-          <a:lstStyle/>
-          <a:p>
-            <a:pPr marL="0" indent="0" rtl="0" algn="l" defTabSz="914400" eaLnBrk="1" latinLnBrk="0" hangingPunct="1">
-              <a:buFontTx/>
-              <a:buNone/>
-            </a:pPr>
-            <a:r>
-              <a:rPr lang="ko-KR" sz="1800" b="1">
-                <a:solidFill>
-                  <a:srgbClr val="0611F2"/>
-                </a:solidFill>
-                <a:latin typeface="맑은 고딕" charset="0"/>
-                <a:ea typeface="맑은 고딕" charset="0"/>
-              </a:rPr>
-              <a:t>40</a:t>
-            </a:r>
-            <a:r>
-              <a:rPr sz="1800" b="1">
-                <a:solidFill>
-                  <a:srgbClr val="0611F2"/>
-                </a:solidFill>
-                <a:latin typeface="맑은 고딕" charset="0"/>
-                <a:ea typeface="맑은 고딕" charset="0"/>
-              </a:rPr>
-              <a:t>.</a:t>
-            </a:r>
-            <a:r>
-              <a:rPr sz="1800">
-                <a:latin typeface="맑은 고딕" charset="0"/>
-                <a:ea typeface="맑은 고딕" charset="0"/>
-              </a:rPr>
-              <a:t> </a:t>
-            </a:r>
-            <a:r>
-              <a:rPr lang="ko-KR" sz="1800">
-                <a:latin typeface="맑은 고딕" charset="0"/>
-                <a:ea typeface="맑은 고딕" charset="0"/>
-              </a:rPr>
-              <a:t>이제 Volume 오브젝트의 앵커를 지정하고 위치와 크기를 지정합니다.</a:t>
-            </a:r>
-            <a:endParaRPr lang="ko-KR" altLang="en-US" sz="1800">
-              <a:latin typeface="맑은 고딕" charset="0"/>
-              <a:ea typeface="맑은 고딕" charset="0"/>
-            </a:endParaRPr>
-          </a:p>
-        </p:txBody>
-      </p:sp>
-    </p:spTree>
-  </p:cSld>
-  <p:clrMapOvr>
-    <a:masterClrMapping/>
-  </p:clrMapOvr>
-  <mc:AlternateContent xmlns:mc="http://schemas.openxmlformats.org/markup-compatibility/2006">
-    <mc:Choice xmlns:p14="http://schemas.microsoft.com/office/powerpoint/2010/main" Requires="p14">
-      <p:transition spd="slow" p14:dur="2000"/>
-    </mc:Choice>
-    <mc:Fallback>
-      <p:transition spd="slow"/>
-    </mc:Fallback>
-  </mc:AlternateContent>
-  <p:timing>
-    <p:tnLst>
-      <p:par>
-        <p:cTn id="1" dur="indefinite" restart="never" nodeType="tmRoot"/>
-      </p:par>
-    </p:tnLst>
-  </p:timing>
-</p:sld>
-</file>
-
 <file path=ppt/slides/slide2.xml><?xml version="1.0" encoding="utf-8"?>
 <p:sld xmlns:a="http://schemas.openxmlformats.org/drawingml/2006/main" xmlns:r="http://schemas.openxmlformats.org/officeDocument/2006/relationships" xmlns:p="http://schemas.openxmlformats.org/presentationml/2006/main" xmlns:p14="http://schemas.microsoft.com/office/powerpoint/2010/main">
   <p:cSld>
@@ -12112,16 +8773,16 @@
       </p:grpSpPr>
       <p:sp>
         <p:nvSpPr>
-          <p:cNvPr id="1031" name="Rect 0"/>
+          <p:cNvPr id="2" name="텍스트 상자 57"/>
           <p:cNvSpPr txBox="1">
             <a:spLocks/>
           </p:cNvSpPr>
           <p:nvPr/>
         </p:nvSpPr>
         <p:spPr>
-          <a:xfrm rot="0">
-            <a:off x="4688840" y="412115"/>
-            <a:ext cx="2818765" cy="478155"/>
+          <a:xfrm>
+            <a:off x="4676140" y="346710"/>
+            <a:ext cx="2818130" cy="478155"/>
           </a:xfrm>
           <a:prstGeom prst="rect"/>
           <a:noFill/>
@@ -12136,19 +8797,29 @@
           </a:bodyPr>
           <a:lstStyle/>
           <a:p>
-            <a:pPr marL="0" indent="0" algn="ctr" latinLnBrk="0">
-              <a:buFontTx/>
-              <a:buNone/>
-            </a:pPr>
-            <a:r>
-              <a:rPr lang="ko-KR" altLang="en-US" sz="2500" b="1">
+            <a:pPr marL="0" indent="0" rtl="0" algn="ctr" defTabSz="914400" eaLnBrk="1" latinLnBrk="0" hangingPunct="1">
+              <a:buFontTx/>
+              <a:buNone/>
+            </a:pPr>
+            <a:r>
+              <a:rPr lang="ko-KR" sz="2500" b="1">
                 <a:solidFill>
                   <a:schemeClr val="tx1"/>
                 </a:solidFill>
                 <a:latin typeface="나눔바른고딕" charset="0"/>
                 <a:ea typeface="나눔바른고딕" charset="0"/>
               </a:rPr>
-              <a:t>두 번째 튜토리얼</a:t>
+              <a:t>Audio</a:t>
+            </a:r>
+            <a:r>
+              <a:rPr lang="ko-KR" sz="2500" b="1">
+                <a:solidFill>
+                  <a:schemeClr val="tx1"/>
+                </a:solidFill>
+                <a:latin typeface="나눔바른고딕" charset="0"/>
+                <a:ea typeface="나눔바른고딕" charset="0"/>
+              </a:rPr>
+              <a:t> Listener</a:t>
             </a:r>
             <a:endParaRPr lang="ko-KR" altLang="en-US" sz="2500" b="1">
               <a:solidFill>
@@ -12162,7 +8833,7 @@
       </p:sp>
       <p:sp>
         <p:nvSpPr>
-          <p:cNvPr id="1173" name="Rect 0"/>
+          <p:cNvPr id="3" name="텍스트 상자 38"/>
           <p:cNvSpPr txBox="1">
             <a:spLocks/>
           </p:cNvSpPr>
@@ -12170,8 +8841,8 @@
         </p:nvSpPr>
         <p:spPr>
           <a:xfrm>
-            <a:off x="1222375" y="5501640"/>
-            <a:ext cx="4133850" cy="647065"/>
+            <a:off x="7233285" y="4446905"/>
+            <a:ext cx="4043045" cy="1754505"/>
           </a:xfrm>
           <a:prstGeom prst="rect"/>
           <a:noFill/>
@@ -12191,124 +8862,63 @@
               <a:buNone/>
             </a:pPr>
             <a:r>
-              <a:rPr sz="1800" b="1">
-                <a:solidFill>
-                  <a:srgbClr val="0611F2"/>
-                </a:solidFill>
-                <a:latin typeface="맑은 고딕" charset="0"/>
-                <a:ea typeface="맑은 고딕" charset="0"/>
-              </a:rPr>
-              <a:t>4.</a:t>
-            </a:r>
-            <a:r>
-              <a:rPr sz="1800">
-                <a:latin typeface="맑은 고딕" charset="0"/>
-                <a:ea typeface="맑은 고딕" charset="0"/>
-              </a:rPr>
-              <a:t> 그</a:t>
-            </a:r>
-            <a:r>
-              <a:rPr sz="1800">
-                <a:latin typeface="맑은 고딕" charset="0"/>
-                <a:ea typeface="맑은 고딕" charset="0"/>
-              </a:rPr>
-              <a:t>다</a:t>
-            </a:r>
-            <a:r>
               <a:rPr lang="ko-KR" sz="1800">
                 <a:latin typeface="맑은 고딕" charset="0"/>
                 <a:ea typeface="맑은 고딕" charset="0"/>
               </a:rPr>
-              <a:t>음</a:t>
-            </a:r>
-            <a:r>
-              <a:rPr lang="ko-KR" sz="1800">
-                <a:latin typeface="맑은 고딕" charset="0"/>
-                <a:ea typeface="맑은 고딕" charset="0"/>
-              </a:rPr>
-              <a:t> 3D Object에 Cube 선택하고 이름을 Sound Box로 정의합니다. </a:t>
+              <a:t>사운드 시스템의 경우 어떤 파동이나 관찰자의 상대 속도에 따라 진동수와 파동이 바뀌게 됩니다.</a:t>
             </a:r>
             <a:endParaRPr lang="ko-KR" altLang="en-US" sz="1800">
               <a:latin typeface="맑은 고딕" charset="0"/>
               <a:ea typeface="맑은 고딕" charset="0"/>
             </a:endParaRPr>
           </a:p>
-        </p:txBody>
-      </p:sp>
-      <p:sp>
-        <p:nvSpPr>
-          <p:cNvPr id="1202" name="텍스트 상자 33"/>
-          <p:cNvSpPr txBox="1">
-            <a:spLocks/>
-          </p:cNvSpPr>
-          <p:nvPr/>
-        </p:nvSpPr>
-        <p:spPr>
-          <a:xfrm rot="0">
-            <a:off x="6823710" y="5228590"/>
-            <a:ext cx="4158615" cy="923925"/>
-          </a:xfrm>
-          <a:prstGeom prst="rect"/>
-          <a:noFill/>
-          <a:ln w="0">
-            <a:noFill/>
-            <a:prstDash/>
-          </a:ln>
-        </p:spPr>
-        <p:txBody>
-          <a:bodyPr wrap="square" lIns="89535" tIns="46355" rIns="89535" bIns="46355" numCol="1" vert="horz" anchor="t">
-            <a:spAutoFit/>
-          </a:bodyPr>
-          <a:lstStyle/>
           <a:p>
             <a:pPr marL="0" indent="0" rtl="0" algn="l" defTabSz="914400" eaLnBrk="1" latinLnBrk="0" hangingPunct="1">
               <a:buFontTx/>
               <a:buNone/>
             </a:pPr>
-            <a:r>
-              <a:rPr sz="1800" b="1">
-                <a:solidFill>
-                  <a:srgbClr val="0611F2"/>
-                </a:solidFill>
-                <a:latin typeface="맑은 고딕" charset="0"/>
-                <a:ea typeface="맑은 고딕" charset="0"/>
-              </a:rPr>
-              <a:t>6</a:t>
-            </a:r>
-            <a:r>
-              <a:rPr sz="1800" b="1">
-                <a:solidFill>
-                  <a:srgbClr val="0611F2"/>
-                </a:solidFill>
-                <a:latin typeface="맑은 고딕" charset="0"/>
-                <a:ea typeface="맑은 고딕" charset="0"/>
-              </a:rPr>
-              <a:t>.</a:t>
-            </a:r>
-            <a:r>
-              <a:rPr sz="1800">
-                <a:latin typeface="맑은 고딕" charset="0"/>
-                <a:ea typeface="맑은 고딕" charset="0"/>
-              </a:rPr>
-              <a:t> </a:t>
-            </a:r>
-            <a:r>
-              <a:rPr lang="ko-KR" sz="1800">
-                <a:latin typeface="맑은 고딕" charset="0"/>
-                <a:ea typeface="맑은 고딕" charset="0"/>
-              </a:rPr>
-              <a:t>이제 Character 오브젝트를 선택하고 Character Controller 컴포넌트를 추가합니다.</a:t>
-            </a:r>
             <a:endParaRPr lang="ko-KR" altLang="en-US" sz="1800">
               <a:latin typeface="맑은 고딕" charset="0"/>
               <a:ea typeface="맑은 고딕" charset="0"/>
             </a:endParaRPr>
           </a:p>
+          <a:p>
+            <a:pPr marL="0" indent="0" rtl="0" algn="l" defTabSz="914400" eaLnBrk="1" latinLnBrk="0" hangingPunct="1">
+              <a:buFontTx/>
+              <a:buNone/>
+            </a:pPr>
+            <a:r>
+              <a:rPr lang="ko-KR" sz="1800">
+                <a:latin typeface="맑은 고딕" charset="0"/>
+                <a:ea typeface="맑은 고딕" charset="0"/>
+              </a:rPr>
+              <a:t>그리고 오디오 리스너는 </a:t>
+            </a:r>
+            <a:r>
+              <a:rPr lang="ko-KR" sz="1800">
+                <a:latin typeface="맑은 고딕" charset="0"/>
+                <a:ea typeface="맑은 고딕" charset="0"/>
+              </a:rPr>
+              <a:t>월드</a:t>
+            </a:r>
+            <a:r>
+              <a:rPr lang="ko-KR" sz="1800">
+                <a:latin typeface="맑은 고딕" charset="0"/>
+                <a:ea typeface="맑은 고딕" charset="0"/>
+              </a:rPr>
+              <a:t> 공간 안에서 하나만 존재해야 합니다.</a:t>
+            </a:r>
+            <a:endParaRPr lang="ko-KR" altLang="en-US" sz="1800">
+              <a:latin typeface="맑은 고딕" charset="0"/>
+              <a:ea typeface="맑은 고딕" charset="0"/>
+            </a:endParaRPr>
+          </a:p>
         </p:txBody>
       </p:sp>
       <p:pic>
         <p:nvPicPr>
-          <p:cNvPr id="1205" name="그림 20" descr="C:/Users/Admin1/AppData/Roaming/PolarisOffice/ETemp/18416_12904952/fImage161052209961.png"/>
+          <p:cNvPr id="7" name="그림 35"/>
           <p:cNvPicPr>
             <a:picLocks noChangeAspect="1"/>
           </p:cNvPicPr>
@@ -12328,8 +8938,8 @@
         </p:blipFill>
         <p:spPr>
           <a:xfrm rot="0">
-            <a:off x="1230630" y="1438275"/>
-            <a:ext cx="2602865" cy="3808730"/>
+            <a:off x="7232015" y="1438275"/>
+            <a:ext cx="4044950" cy="2748280"/>
           </a:xfrm>
           <a:prstGeom prst="roundRect"/>
           <a:solidFill>
@@ -12337,47 +8947,91 @@
           </a:solidFill>
         </p:spPr>
       </p:pic>
+      <p:sp>
+        <p:nvSpPr>
+          <p:cNvPr id="8" name="텍스트 상자 3"/>
+          <p:cNvSpPr txBox="1">
+            <a:spLocks/>
+          </p:cNvSpPr>
+          <p:nvPr/>
+        </p:nvSpPr>
+        <p:spPr>
+          <a:xfrm rot="0">
+            <a:off x="1222375" y="5501640"/>
+            <a:ext cx="4135120" cy="647700"/>
+          </a:xfrm>
+          <a:prstGeom prst="rect"/>
+          <a:noFill/>
+          <a:ln w="0">
+            <a:noFill/>
+            <a:prstDash/>
+          </a:ln>
+        </p:spPr>
+        <p:txBody>
+          <a:bodyPr wrap="square" lIns="89535" tIns="46355" rIns="89535" bIns="46355" numCol="1" vert="horz" anchor="t">
+            <a:spAutoFit/>
+          </a:bodyPr>
+          <a:lstStyle/>
+          <a:p>
+            <a:pPr marL="0" indent="0" rtl="0" algn="l" defTabSz="914400" eaLnBrk="1" latinLnBrk="0" hangingPunct="1">
+              <a:buFontTx/>
+              <a:buNone/>
+            </a:pPr>
+            <a:r>
+              <a:rPr sz="1800" b="1">
+                <a:solidFill>
+                  <a:srgbClr val="0611F2"/>
+                </a:solidFill>
+                <a:latin typeface="맑은 고딕" charset="0"/>
+                <a:ea typeface="맑은 고딕" charset="0"/>
+              </a:rPr>
+              <a:t>4.</a:t>
+            </a:r>
+            <a:r>
+              <a:rPr sz="1800">
+                <a:latin typeface="맑은 고딕" charset="0"/>
+                <a:ea typeface="맑은 고딕" charset="0"/>
+              </a:rPr>
+              <a:t> 그다</a:t>
+            </a:r>
+            <a:r>
+              <a:rPr lang="ko-KR" sz="1800">
+                <a:latin typeface="맑은 고딕" charset="0"/>
+                <a:ea typeface="맑은 고딕" charset="0"/>
+              </a:rPr>
+              <a:t>음으로 C# Script를 생성하고 </a:t>
+            </a:r>
+            <a:r>
+              <a:rPr lang="ko-KR" sz="1800">
+                <a:latin typeface="맑은 고딕" charset="0"/>
+                <a:ea typeface="맑은 고딕" charset="0"/>
+              </a:rPr>
+              <a:t>Drone이라는</a:t>
+            </a:r>
+            <a:r>
+              <a:rPr lang="ko-KR" sz="1800">
+                <a:latin typeface="맑은 고딕" charset="0"/>
+                <a:ea typeface="맑은 고딕" charset="0"/>
+              </a:rPr>
+              <a:t> 이름으로 정의합니다.</a:t>
+            </a:r>
+            <a:endParaRPr lang="ko-KR" altLang="en-US" sz="1800">
+              <a:latin typeface="맑은 고딕" charset="0"/>
+              <a:ea typeface="맑은 고딕" charset="0"/>
+            </a:endParaRPr>
+          </a:p>
+        </p:txBody>
+      </p:sp>
       <p:pic>
         <p:nvPicPr>
-          <p:cNvPr id="1214" name="그림 12"/>
+          <p:cNvPr id="9" name="그림 4" descr="C:/Users/Admin1/AppData/Roaming/PolarisOffice/ETemp/20400_15139376/fImage82892665724.png"/>
           <p:cNvPicPr>
             <a:picLocks noChangeAspect="1"/>
           </p:cNvPicPr>
           <p:nvPr/>
         </p:nvPicPr>
         <p:blipFill rotWithShape="1">
-          <a:blip r:embed="rId22" cstate="print">
-            <a:extLst>
-              <a:ext uri="{28A0092B-C50C-407E-A947-70E740481C1C}">
-                <a14:useLocalDpi xmlns:a14="http://schemas.microsoft.com/office/drawing/2010/main" val="0"/>
-              </a:ext>
-            </a:extLst>
-          </a:blip>
-          <a:stretch>
-            <a:fillRect/>
-          </a:stretch>
-        </p:blipFill>
-        <p:spPr>
-          <a:xfrm rot="0">
-            <a:off x="3949065" y="2252980"/>
-            <a:ext cx="1405255" cy="2087245"/>
-          </a:xfrm>
-          <a:prstGeom prst="roundRect"/>
-          <a:solidFill>
-            <a:srgbClr val="EDEDED"/>
-          </a:solidFill>
-        </p:spPr>
-      </p:pic>
-      <p:pic>
-        <p:nvPicPr>
-          <p:cNvPr id="1215" name="그림 4" descr="C:/Users/Admin1/AppData/Roaming/PolarisOffice/ETemp/18416_12904952/fImage1163019541.png"/>
-          <p:cNvPicPr>
-            <a:picLocks noChangeAspect="1"/>
-          </p:cNvPicPr>
-          <p:nvPr/>
-        </p:nvPicPr>
-        <p:blipFill rotWithShape="1">
-          <a:blip r:embed="rId23" cstate="hqprint">
+          <a:blip r:embed="rId15" cstate="hqprint">
             <a:extLst>
               <a:ext uri="{28A0092B-C50C-407E-A947-70E740481C1C}">
                 <a14:useLocalDpi xmlns:a14="http://schemas.microsoft.com/office/drawing/2010/main"/>
@@ -12390,8 +9044,8 @@
         </p:blipFill>
         <p:spPr>
           <a:xfrm rot="0">
-            <a:off x="6824345" y="1438275"/>
-            <a:ext cx="4150360" cy="1397635"/>
+            <a:off x="1223645" y="1438275"/>
+            <a:ext cx="2834640" cy="3782695"/>
           </a:xfrm>
           <a:prstGeom prst="roundRect"/>
           <a:solidFill>
@@ -12399,111 +9053,19 @@
           </a:solidFill>
         </p:spPr>
       </p:pic>
-      <p:sp>
-        <p:nvSpPr>
-          <p:cNvPr id="1216" name="텍스트 상자 7"/>
-          <p:cNvSpPr txBox="1">
-            <a:spLocks/>
-          </p:cNvSpPr>
-          <p:nvPr/>
-        </p:nvSpPr>
-        <p:spPr>
-          <a:xfrm rot="0">
-            <a:off x="6820535" y="2939415"/>
-            <a:ext cx="4142105" cy="647065"/>
-          </a:xfrm>
-          <a:prstGeom prst="rect"/>
-          <a:noFill/>
-          <a:ln w="0">
-            <a:noFill/>
-            <a:prstDash/>
-          </a:ln>
-        </p:spPr>
-        <p:txBody>
-          <a:bodyPr wrap="square" lIns="89535" tIns="46355" rIns="89535" bIns="46355" numCol="1" vert="horz" anchor="t">
-            <a:spAutoFit/>
-          </a:bodyPr>
-          <a:lstStyle/>
-          <a:p>
-            <a:pPr marL="0" indent="0" rtl="0" algn="l" defTabSz="914400" eaLnBrk="1" latinLnBrk="0" hangingPunct="1">
-              <a:buFontTx/>
-              <a:buNone/>
-            </a:pPr>
-            <a:r>
-              <a:rPr sz="1800" b="1">
-                <a:solidFill>
-                  <a:srgbClr val="0611F2"/>
-                </a:solidFill>
-                <a:latin typeface="맑은 고딕" charset="0"/>
-                <a:ea typeface="맑은 고딕" charset="0"/>
-              </a:rPr>
-              <a:t>5</a:t>
-            </a:r>
-            <a:r>
-              <a:rPr sz="1800" b="1">
-                <a:solidFill>
-                  <a:srgbClr val="0611F2"/>
-                </a:solidFill>
-                <a:latin typeface="맑은 고딕" charset="0"/>
-                <a:ea typeface="맑은 고딕" charset="0"/>
-              </a:rPr>
-              <a:t>.</a:t>
-            </a:r>
-            <a:r>
-              <a:rPr sz="1800">
-                <a:latin typeface="맑은 고딕" charset="0"/>
-                <a:ea typeface="맑은 고딕" charset="0"/>
-              </a:rPr>
-              <a:t> </a:t>
-            </a:r>
-            <a:r>
-              <a:rPr lang="ko-KR" sz="1800">
-                <a:latin typeface="맑은 고딕" charset="0"/>
-                <a:ea typeface="맑은 고딕" charset="0"/>
-              </a:rPr>
-              <a:t>그</a:t>
-            </a:r>
-            <a:r>
-              <a:rPr lang="ko-KR" sz="1800">
-                <a:latin typeface="맑은 고딕" charset="0"/>
-                <a:ea typeface="맑은 고딕" charset="0"/>
-              </a:rPr>
-              <a:t>러고 나서</a:t>
-            </a:r>
-            <a:r>
-              <a:rPr lang="ko-KR" sz="1800">
-                <a:latin typeface="맑은 고딕" charset="0"/>
-                <a:ea typeface="맑은 고딕" charset="0"/>
-              </a:rPr>
-              <a:t> </a:t>
-            </a:r>
-            <a:r>
-              <a:rPr lang="ko-KR" sz="1800">
-                <a:latin typeface="맑은 고딕" charset="0"/>
-                <a:ea typeface="맑은 고딕" charset="0"/>
-              </a:rPr>
-              <a:t>Sound Box 오브젝트의 위치와 크기를 설정합니다.</a:t>
-            </a:r>
-            <a:endParaRPr lang="ko-KR" altLang="en-US" sz="1800">
-              <a:latin typeface="맑은 고딕" charset="0"/>
-              <a:ea typeface="맑은 고딕" charset="0"/>
-            </a:endParaRPr>
-          </a:p>
-        </p:txBody>
-      </p:sp>
       <p:pic>
         <p:nvPicPr>
-          <p:cNvPr id="1217" name="그림 8"/>
+          <p:cNvPr id="10" name="그림 5" descr="C:/Users/Admin1/AppData/Roaming/PolarisOffice/ETemp/20400_15139376/fImage24342671478.png"/>
           <p:cNvPicPr>
             <a:picLocks noChangeAspect="1"/>
           </p:cNvPicPr>
           <p:nvPr/>
         </p:nvPicPr>
         <p:blipFill rotWithShape="1">
-          <a:blip r:embed="rId24" cstate="print">
+          <a:blip r:embed="rId16" cstate="hqprint">
             <a:extLst>
               <a:ext uri="{28A0092B-C50C-407E-A947-70E740481C1C}">
-                <a14:useLocalDpi xmlns:a14="http://schemas.microsoft.com/office/drawing/2010/main" val="0"/>
+                <a14:useLocalDpi xmlns:a14="http://schemas.microsoft.com/office/drawing/2010/main"/>
               </a:ext>
             </a:extLst>
           </a:blip>
@@ -12513,8 +9075,8 @@
         </p:blipFill>
         <p:spPr>
           <a:xfrm rot="0">
-            <a:off x="6824980" y="3765550"/>
-            <a:ext cx="1305560" cy="1306195"/>
+            <a:off x="4358640" y="2756535"/>
+            <a:ext cx="1000760" cy="1155065"/>
           </a:xfrm>
           <a:prstGeom prst="roundRect"/>
           <a:solidFill>
@@ -12524,17 +9086,17 @@
       </p:pic>
       <p:pic>
         <p:nvPicPr>
-          <p:cNvPr id="1218" name="그림 11"/>
+          <p:cNvPr id="11" name="그림 6" descr="C:/Users/Admin1/AppData/Roaming/PolarisOffice/ETemp/20400_15139376/fImage2242172689358.png"/>
           <p:cNvPicPr>
             <a:picLocks noChangeAspect="1"/>
           </p:cNvPicPr>
           <p:nvPr/>
         </p:nvPicPr>
         <p:blipFill rotWithShape="1">
-          <a:blip r:embed="rId25" cstate="print">
+          <a:blip r:embed="rId17" cstate="hqprint">
             <a:extLst>
               <a:ext uri="{28A0092B-C50C-407E-A947-70E740481C1C}">
-                <a14:useLocalDpi xmlns:a14="http://schemas.microsoft.com/office/drawing/2010/main" val="0"/>
+                <a14:useLocalDpi xmlns:a14="http://schemas.microsoft.com/office/drawing/2010/main"/>
               </a:ext>
             </a:extLst>
           </a:blip>
@@ -12544,13 +9106,11 @@
         </p:blipFill>
         <p:spPr>
           <a:xfrm rot="0">
-            <a:off x="8246745" y="3768090"/>
-            <a:ext cx="2719070" cy="1303655"/>
-          </a:xfrm>
-          <a:prstGeom prst="roundRect"/>
-          <a:solidFill>
-            <a:srgbClr val="EDEDED"/>
-          </a:solidFill>
+            <a:off x="3750310" y="3126740"/>
+            <a:ext cx="748030" cy="414655"/>
+          </a:xfrm>
+          <a:prstGeom prst="rect"/>
+          <a:noFill/>
         </p:spPr>
       </p:pic>
     </p:spTree>
@@ -12603,8 +9163,8 @@
         </p:nvSpPr>
         <p:spPr>
           <a:xfrm rot="0">
-            <a:off x="4721860" y="379095"/>
-            <a:ext cx="2744470" cy="478155"/>
+            <a:off x="4688840" y="412115"/>
+            <a:ext cx="2818765" cy="478155"/>
           </a:xfrm>
           <a:prstGeom prst="rect"/>
           <a:noFill/>
@@ -12631,7 +9191,7 @@
                 <a:latin typeface="나눔바른고딕" charset="0"/>
                 <a:ea typeface="나눔바른고딕" charset="0"/>
               </a:rPr>
-              <a:t>세  번째 튜토리얼</a:t>
+              <a:t>두 번째 튜토리얼</a:t>
             </a:r>
             <a:endParaRPr lang="ko-KR" altLang="en-US" sz="2500" b="1">
               <a:solidFill>
@@ -12645,7 +9205,7 @@
       </p:sp>
       <p:sp>
         <p:nvSpPr>
-          <p:cNvPr id="1197" name="Rect 0"/>
+          <p:cNvPr id="1202" name="텍스트 상자 33"/>
           <p:cNvSpPr txBox="1">
             <a:spLocks/>
           </p:cNvSpPr>
@@ -12653,8 +9213,8 @@
         </p:nvSpPr>
         <p:spPr>
           <a:xfrm rot="0">
-            <a:off x="1230630" y="2655570"/>
-            <a:ext cx="4149090" cy="924560"/>
+            <a:off x="6823710" y="5513070"/>
+            <a:ext cx="4142105" cy="647065"/>
           </a:xfrm>
           <a:prstGeom prst="rect"/>
           <a:noFill/>
@@ -12681,7 +9241,7 @@
                 <a:latin typeface="맑은 고딕" charset="0"/>
                 <a:ea typeface="맑은 고딕" charset="0"/>
               </a:rPr>
-              <a:t>7.</a:t>
+              <a:t>6.</a:t>
             </a:r>
             <a:r>
               <a:rPr sz="1800">
@@ -12695,7 +9255,56 @@
                 <a:latin typeface="맑은 고딕" charset="0"/>
                 <a:ea typeface="맑은 고딕" charset="0"/>
               </a:rPr>
-              <a:t>그리고 Project 폴더에서 Texture에 Speaker 텍스처를 선택하고 Sound Box 오브젝트에 넣어줍니다.</a:t>
+              <a:t>이제 Drone 오브젝트의 </a:t>
+            </a:r>
+            <a:r>
+              <a:rPr lang="ko-KR" sz="1800">
+                <a:latin typeface="맑은 고딕" charset="0"/>
+                <a:ea typeface="맑은 고딕" charset="0"/>
+              </a:rPr>
+              <a:t>위치와 </a:t>
+            </a:r>
+            <a:r>
+              <a:rPr lang="ko-KR" sz="1800">
+                <a:latin typeface="맑은 고딕" charset="0"/>
+                <a:ea typeface="맑은 고딕" charset="0"/>
+              </a:rPr>
+              <a:t>회</a:t>
+            </a:r>
+            <a:r>
+              <a:rPr lang="ko-KR" sz="1800">
+                <a:latin typeface="맑은 고딕" charset="0"/>
+                <a:ea typeface="맑은 고딕" charset="0"/>
+              </a:rPr>
+              <a:t>전</a:t>
+            </a:r>
+            <a:r>
+              <a:rPr lang="ko-KR" sz="1800">
+                <a:latin typeface="맑은 고딕" charset="0"/>
+                <a:ea typeface="맑은 고딕" charset="0"/>
+              </a:rPr>
+              <a:t> </a:t>
+            </a:r>
+            <a:r>
+              <a:rPr lang="ko-KR" sz="1800">
+                <a:latin typeface="맑은 고딕" charset="0"/>
+                <a:ea typeface="맑은 고딕" charset="0"/>
+              </a:rPr>
+              <a:t>값</a:t>
+            </a:r>
+            <a:r>
+              <a:rPr lang="ko-KR" sz="1800">
+                <a:latin typeface="맑은 고딕" charset="0"/>
+                <a:ea typeface="맑은 고딕" charset="0"/>
+              </a:rPr>
+              <a:t>을 </a:t>
+            </a:r>
+            <a:r>
+              <a:rPr lang="ko-KR" sz="1800">
+                <a:latin typeface="맑은 고딕" charset="0"/>
+                <a:ea typeface="맑은 고딕" charset="0"/>
+              </a:rPr>
+              <a:t>설정합니다.</a:t>
             </a:r>
             <a:endParaRPr lang="ko-KR" altLang="en-US" sz="1800">
               <a:latin typeface="맑은 고딕" charset="0"/>
@@ -12706,7 +9315,7 @@
       </p:sp>
       <p:sp>
         <p:nvSpPr>
-          <p:cNvPr id="1199" name="Rect 0"/>
+          <p:cNvPr id="1216" name="텍스트 상자 7"/>
           <p:cNvSpPr txBox="1">
             <a:spLocks/>
           </p:cNvSpPr>
@@ -12714,8 +9323,8 @@
         </p:nvSpPr>
         <p:spPr>
           <a:xfrm rot="0">
-            <a:off x="6806565" y="2888615"/>
-            <a:ext cx="4135120" cy="647700"/>
+            <a:off x="6820535" y="2525395"/>
+            <a:ext cx="4143375" cy="924560"/>
           </a:xfrm>
           <a:prstGeom prst="rect"/>
           <a:noFill/>
@@ -12735,16 +9344,6 @@
               <a:buNone/>
             </a:pPr>
             <a:r>
-              <a:rPr lang="ko-KR" sz="1800" b="1">
-                <a:solidFill>
-                  <a:srgbClr val="0611F2"/>
-                </a:solidFill>
-                <a:latin typeface="맑은 고딕" charset="0"/>
-                <a:ea typeface="맑은 고딕" charset="0"/>
-              </a:rPr>
-              <a:t>9</a:t>
-            </a:r>
-            <a:r>
               <a:rPr sz="1800" b="1">
                 <a:solidFill>
                   <a:srgbClr val="0611F2"/>
@@ -12752,7 +9351,7 @@
                 <a:latin typeface="맑은 고딕" charset="0"/>
                 <a:ea typeface="맑은 고딕" charset="0"/>
               </a:rPr>
-              <a:t>.</a:t>
+              <a:t>5.</a:t>
             </a:r>
             <a:r>
               <a:rPr sz="1800">
@@ -12766,7 +9365,28 @@
                 <a:latin typeface="맑은 고딕" charset="0"/>
                 <a:ea typeface="맑은 고딕" charset="0"/>
               </a:rPr>
-              <a:t>그다음으로 Sound Box 오브젝트에 Audio Source 컴포넌트를 추가합니다.</a:t>
+              <a:t>그러고 나서 Project 폴더 아래에 </a:t>
+            </a:r>
+            <a:r>
+              <a:rPr lang="ko-KR" sz="1800">
+                <a:latin typeface="맑은 고딕" charset="0"/>
+                <a:ea typeface="맑은 고딕" charset="0"/>
+              </a:rPr>
+              <a:t>있는</a:t>
+            </a:r>
+            <a:r>
+              <a:rPr lang="ko-KR" sz="1800">
+                <a:latin typeface="맑은 고딕" charset="0"/>
+                <a:ea typeface="맑은 고딕" charset="0"/>
+              </a:rPr>
+              <a:t> Drone 모델을 월드 공간에 </a:t>
+            </a:r>
+            <a:r>
+              <a:rPr lang="ko-KR" sz="1800">
+                <a:latin typeface="맑은 고딕" charset="0"/>
+                <a:ea typeface="맑은 고딕" charset="0"/>
+              </a:rPr>
+              <a:t>배치합니다.</a:t>
             </a:r>
             <a:endParaRPr lang="ko-KR" altLang="en-US" sz="1800">
               <a:latin typeface="맑은 고딕" charset="0"/>
@@ -12775,77 +9395,78 @@
           </a:p>
         </p:txBody>
       </p:sp>
-      <p:sp>
-        <p:nvSpPr>
-          <p:cNvPr id="1202" name="Rect 0"/>
-          <p:cNvSpPr txBox="1">
-            <a:spLocks/>
-          </p:cNvSpPr>
-          <p:nvPr/>
-        </p:nvSpPr>
-        <p:spPr>
-          <a:xfrm rot="0">
-            <a:off x="6823710" y="5269865"/>
-            <a:ext cx="4142105" cy="923925"/>
-          </a:xfrm>
-          <a:prstGeom prst="rect"/>
-          <a:noFill/>
-          <a:ln w="0">
-            <a:noFill/>
-            <a:prstDash/>
-          </a:ln>
-        </p:spPr>
-        <p:txBody>
-          <a:bodyPr wrap="square" lIns="89535" tIns="46355" rIns="89535" bIns="46355" numCol="1" vert="horz" anchor="t">
-            <a:spAutoFit/>
-          </a:bodyPr>
-          <a:lstStyle/>
-          <a:p>
-            <a:pPr marL="0" indent="0" rtl="0" algn="l" defTabSz="914400" eaLnBrk="1" latinLnBrk="0" hangingPunct="1">
-              <a:buFontTx/>
-              <a:buNone/>
-            </a:pPr>
-            <a:r>
-              <a:rPr sz="1800" b="1">
-                <a:solidFill>
-                  <a:srgbClr val="0611F2"/>
-                </a:solidFill>
-                <a:latin typeface="맑은 고딕" charset="0"/>
-                <a:ea typeface="맑은 고딕" charset="0"/>
-              </a:rPr>
-              <a:t>10.</a:t>
-            </a:r>
-            <a:r>
-              <a:rPr sz="1800">
-                <a:latin typeface="맑은 고딕" charset="0"/>
-                <a:ea typeface="맑은 고딕" charset="0"/>
-              </a:rPr>
-              <a:t> </a:t>
-            </a:r>
-            <a:r>
-              <a:rPr lang="ko-KR" sz="1800">
-                <a:latin typeface="맑은 고딕" charset="0"/>
-                <a:ea typeface="맑은 고딕" charset="0"/>
-              </a:rPr>
-              <a:t>그런 다음 Project 폴더에서 Sound에 Powerful 사운드를 선택하고 Sound Box에 넣어줍니다.</a:t>
-            </a:r>
-            <a:endParaRPr lang="ko-KR" altLang="en-US" sz="1800">
-              <a:latin typeface="맑은 고딕" charset="0"/>
-              <a:ea typeface="맑은 고딕" charset="0"/>
-            </a:endParaRPr>
-          </a:p>
-        </p:txBody>
-      </p:sp>
       <p:pic>
         <p:nvPicPr>
-          <p:cNvPr id="1210" name="Picture " descr="C:/Users/Admin1/AppData/Roaming/PolarisOffice/ETemp/18416_12904952/fImage48562109358.png"/>
+          <p:cNvPr id="1222" name="그림 25"/>
           <p:cNvPicPr>
             <a:picLocks noChangeAspect="1"/>
           </p:cNvPicPr>
           <p:nvPr/>
         </p:nvPicPr>
         <p:blipFill rotWithShape="1">
-          <a:blip r:embed="rId2" cstate="hqprint">
+          <a:blip r:embed="rId29" cstate="print">
+            <a:extLst>
+              <a:ext uri="{28A0092B-C50C-407E-A947-70E740481C1C}">
+                <a14:useLocalDpi xmlns:a14="http://schemas.microsoft.com/office/drawing/2010/main" val="0"/>
+              </a:ext>
+            </a:extLst>
+          </a:blip>
+          <a:stretch>
+            <a:fillRect/>
+          </a:stretch>
+        </p:blipFill>
+        <p:spPr>
+          <a:xfrm rot="0">
+            <a:off x="8243570" y="1456055"/>
+            <a:ext cx="2713990" cy="956310"/>
+          </a:xfrm>
+          <a:prstGeom prst="roundRect"/>
+          <a:solidFill>
+            <a:srgbClr val="EDEDED"/>
+          </a:solidFill>
+        </p:spPr>
+      </p:pic>
+      <p:pic>
+        <p:nvPicPr>
+          <p:cNvPr id="1223" name="그림 29"/>
+          <p:cNvPicPr>
+            <a:picLocks noChangeAspect="1"/>
+          </p:cNvPicPr>
+          <p:nvPr/>
+        </p:nvPicPr>
+        <p:blipFill rotWithShape="1">
+          <a:blip r:embed="rId30" cstate="print">
+            <a:extLst>
+              <a:ext uri="{28A0092B-C50C-407E-A947-70E740481C1C}">
+                <a14:useLocalDpi xmlns:a14="http://schemas.microsoft.com/office/drawing/2010/main" val="0"/>
+              </a:ext>
+            </a:extLst>
+          </a:blip>
+          <a:stretch>
+            <a:fillRect/>
+          </a:stretch>
+        </p:blipFill>
+        <p:spPr>
+          <a:xfrm rot="0">
+            <a:off x="6829425" y="1455420"/>
+            <a:ext cx="1294130" cy="965835"/>
+          </a:xfrm>
+          <a:prstGeom prst="roundRect"/>
+          <a:solidFill>
+            <a:srgbClr val="EDEDED"/>
+          </a:solidFill>
+        </p:spPr>
+      </p:pic>
+      <p:pic>
+        <p:nvPicPr>
+          <p:cNvPr id="1224" name="그림 32"/>
+          <p:cNvPicPr>
+            <a:picLocks noChangeAspect="1"/>
+          </p:cNvPicPr>
+          <p:nvPr/>
+        </p:nvPicPr>
+        <p:blipFill rotWithShape="1">
+          <a:blip r:embed="rId31" cstate="hqprint">
             <a:extLst>
               <a:ext uri="{28A0092B-C50C-407E-A947-70E740481C1C}">
                 <a14:useLocalDpi xmlns:a14="http://schemas.microsoft.com/office/drawing/2010/main"/>
@@ -12857,26 +9478,186 @@
           </a:stretch>
         </p:blipFill>
         <p:spPr>
-          <a:xfrm rot="0">
-            <a:off x="8334375" y="1446530"/>
-            <a:ext cx="2623820" cy="1314450"/>
-          </a:xfrm>
-          <a:prstGeom prst="roundRect"/>
-          <a:solidFill>
-            <a:srgbClr val="EDEDED"/>
-          </a:solidFill>
+          <a:xfrm rot="10800000">
+            <a:off x="7800975" y="1725295"/>
+            <a:ext cx="747395" cy="414020"/>
+          </a:xfrm>
+          <a:prstGeom prst="rect"/>
+          <a:noFill/>
         </p:spPr>
       </p:pic>
+      <p:sp>
+        <p:nvSpPr>
+          <p:cNvPr id="1225" name="텍스트 상자 1"/>
+          <p:cNvSpPr txBox="1">
+            <a:spLocks/>
+          </p:cNvSpPr>
+          <p:nvPr/>
+        </p:nvSpPr>
+        <p:spPr>
+          <a:xfrm rot="0">
+            <a:off x="1221105" y="4121785"/>
+            <a:ext cx="4152900" cy="2032635"/>
+          </a:xfrm>
+          <a:prstGeom prst="rect"/>
+          <a:noFill/>
+          <a:ln w="0">
+            <a:noFill/>
+            <a:prstDash/>
+          </a:ln>
+        </p:spPr>
+        <p:txBody>
+          <a:bodyPr wrap="square" lIns="89535" tIns="46355" rIns="89535" bIns="46355" numCol="1" vert="horz" anchor="t">
+            <a:spAutoFit/>
+          </a:bodyPr>
+          <a:lstStyle/>
+          <a:p>
+            <a:pPr marL="0" indent="0" rtl="0" algn="l" defTabSz="914400" eaLnBrk="1" latinLnBrk="0" hangingPunct="1">
+              <a:buFontTx/>
+              <a:buNone/>
+            </a:pPr>
+            <a:r>
+              <a:rPr sz="1800">
+                <a:latin typeface="맑은 고딕" charset="0"/>
+                <a:ea typeface="맑은 고딕" charset="0"/>
+              </a:rPr>
+              <a:t>사운드</a:t>
+            </a:r>
+            <a:r>
+              <a:rPr sz="1800">
+                <a:latin typeface="맑은 고딕" charset="0"/>
+                <a:ea typeface="맑은 고딕" charset="0"/>
+              </a:rPr>
+              <a:t> 시스템은 소리가 발생하는 </a:t>
+            </a:r>
+            <a:r>
+              <a:rPr sz="1800">
+                <a:latin typeface="맑은 고딕" charset="0"/>
+                <a:ea typeface="맑은 고딕" charset="0"/>
+              </a:rPr>
+              <a:t>오디오</a:t>
+            </a:r>
+            <a:r>
+              <a:rPr sz="1800">
+                <a:latin typeface="맑은 고딕" charset="0"/>
+                <a:ea typeface="맑은 고딕" charset="0"/>
+              </a:rPr>
+              <a:t> 소스와 소리를 듣는 오디오 </a:t>
+            </a:r>
+            <a:r>
+              <a:rPr sz="1800">
+                <a:latin typeface="맑은 고딕" charset="0"/>
+                <a:ea typeface="맑은 고딕" charset="0"/>
+              </a:rPr>
+              <a:t>리스너로</a:t>
+            </a:r>
+            <a:r>
+              <a:rPr sz="1800">
+                <a:latin typeface="맑은 고딕" charset="0"/>
+                <a:ea typeface="맑은 고딕" charset="0"/>
+              </a:rPr>
+              <a:t> 구성되어 있습니다.</a:t>
+            </a:r>
+            <a:endParaRPr lang="ko-KR" altLang="en-US" sz="1800">
+              <a:latin typeface="맑은 고딕" charset="0"/>
+              <a:ea typeface="맑은 고딕" charset="0"/>
+            </a:endParaRPr>
+          </a:p>
+          <a:p>
+            <a:pPr marL="0" indent="0" rtl="0" algn="l" defTabSz="914400" eaLnBrk="1" latinLnBrk="0" hangingPunct="1">
+              <a:buFontTx/>
+              <a:buNone/>
+            </a:pPr>
+            <a:endParaRPr lang="ko-KR" altLang="en-US" sz="1800">
+              <a:latin typeface="맑은 고딕" charset="0"/>
+              <a:ea typeface="맑은 고딕" charset="0"/>
+            </a:endParaRPr>
+          </a:p>
+          <a:p>
+            <a:pPr marL="0" indent="0" rtl="0" algn="l" defTabSz="914400" eaLnBrk="1" latinLnBrk="0" hangingPunct="1">
+              <a:buFontTx/>
+              <a:buNone/>
+            </a:pPr>
+            <a:r>
+              <a:rPr sz="1800">
+                <a:latin typeface="맑은 고딕" charset="0"/>
+                <a:ea typeface="맑은 고딕" charset="0"/>
+              </a:rPr>
+              <a:t>오디오</a:t>
+            </a:r>
+            <a:r>
+              <a:rPr sz="1800">
+                <a:latin typeface="맑은 고딕" charset="0"/>
+                <a:ea typeface="맑은 고딕" charset="0"/>
+              </a:rPr>
+              <a:t> 소스</a:t>
+            </a:r>
+            <a:r>
+              <a:rPr lang="ko-KR" sz="1800">
+                <a:latin typeface="맑은 고딕" charset="0"/>
+                <a:ea typeface="맑은 고딕" charset="0"/>
+              </a:rPr>
+              <a:t>나</a:t>
+            </a:r>
+            <a:r>
+              <a:rPr sz="1800">
+                <a:latin typeface="맑은 고딕" charset="0"/>
+                <a:ea typeface="맑은 고딕" charset="0"/>
+              </a:rPr>
+              <a:t> 오디오 리스너가 </a:t>
+            </a:r>
+            <a:r>
+              <a:rPr sz="1800">
+                <a:latin typeface="맑은 고딕" charset="0"/>
+                <a:ea typeface="맑은 고딕" charset="0"/>
+              </a:rPr>
+              <a:t>이동하면</a:t>
+            </a:r>
+            <a:r>
+              <a:rPr sz="1800">
+                <a:latin typeface="맑은 고딕" charset="0"/>
+                <a:ea typeface="맑은 고딕" charset="0"/>
+              </a:rPr>
+              <a:t> 거리에 따라 소리의 크기나 </a:t>
+            </a:r>
+            <a:r>
+              <a:rPr sz="1800">
+                <a:latin typeface="맑은 고딕" charset="0"/>
+                <a:ea typeface="맑은 고딕" charset="0"/>
+              </a:rPr>
+              <a:t>방향이</a:t>
+            </a:r>
+            <a:r>
+              <a:rPr sz="1800">
+                <a:latin typeface="맑은 고딕" charset="0"/>
+                <a:ea typeface="맑은 고딕" charset="0"/>
+              </a:rPr>
+              <a:t> 달라집니</a:t>
+            </a:r>
+            <a:r>
+              <a:rPr lang="ko-KR" sz="1800">
+                <a:latin typeface="맑은 고딕" charset="0"/>
+                <a:ea typeface="맑은 고딕" charset="0"/>
+              </a:rPr>
+              <a:t>다.</a:t>
+            </a:r>
+            <a:endParaRPr lang="ko-KR" altLang="en-US" sz="1800">
+              <a:latin typeface="맑은 고딕" charset="0"/>
+              <a:ea typeface="맑은 고딕" charset="0"/>
+            </a:endParaRPr>
+          </a:p>
+        </p:txBody>
+      </p:sp>
       <p:pic>
         <p:nvPicPr>
-          <p:cNvPr id="1215" name="그림 15" descr="C:/Users/Admin1/AppData/Roaming/PolarisOffice/ETemp/18416_12904952/fImage51932856500.png"/>
+          <p:cNvPr id="1226" name="그림 2" descr="C:/Users/Admin1/AppData/Roaming/PolarisOffice/ETemp/20400_15139376/fImage276312243281.png"/>
           <p:cNvPicPr>
             <a:picLocks noChangeAspect="1"/>
           </p:cNvPicPr>
           <p:nvPr/>
         </p:nvPicPr>
         <p:blipFill rotWithShape="1">
-          <a:blip r:embed="rId5" cstate="hqprint">
+          <a:blip r:embed="rId32" cstate="hqprint">
             <a:extLst>
               <a:ext uri="{28A0092B-C50C-407E-A947-70E740481C1C}">
                 <a14:useLocalDpi xmlns:a14="http://schemas.microsoft.com/office/drawing/2010/main"/>
@@ -12889,8 +9670,8 @@
         </p:blipFill>
         <p:spPr>
           <a:xfrm rot="0">
-            <a:off x="6825615" y="1446530"/>
-            <a:ext cx="1405890" cy="1294765"/>
+            <a:off x="1231900" y="1456055"/>
+            <a:ext cx="4144010" cy="2472055"/>
           </a:xfrm>
           <a:prstGeom prst="roundRect"/>
           <a:solidFill>
@@ -12900,17 +9681,17 @@
       </p:pic>
       <p:pic>
         <p:nvPicPr>
-          <p:cNvPr id="1216" name="그림 16"/>
+          <p:cNvPr id="1227" name="그림 7" descr="C:/Users/Admin1/AppData/Roaming/PolarisOffice/ETemp/20400_15139376/fImage1291522041.png"/>
           <p:cNvPicPr>
             <a:picLocks noChangeAspect="1"/>
           </p:cNvPicPr>
           <p:nvPr/>
         </p:nvPicPr>
         <p:blipFill rotWithShape="1">
-          <a:blip r:embed="rId6" cstate="hqprint">
+          <a:blip r:embed="rId33" cstate="print">
             <a:extLst>
               <a:ext uri="{28A0092B-C50C-407E-A947-70E740481C1C}">
-                <a14:useLocalDpi xmlns:a14="http://schemas.microsoft.com/office/drawing/2010/main"/>
+                <a14:useLocalDpi xmlns:a14="http://schemas.microsoft.com/office/drawing/2010/main" val="0"/>
               </a:ext>
             </a:extLst>
           </a:blip>
@@ -12920,8 +9701,8 @@
         </p:blipFill>
         <p:spPr>
           <a:xfrm rot="0">
-            <a:off x="6822440" y="3683635"/>
-            <a:ext cx="1192530" cy="1468755"/>
+            <a:off x="6824345" y="3557270"/>
+            <a:ext cx="4141470" cy="1826895"/>
           </a:xfrm>
           <a:prstGeom prst="roundRect"/>
           <a:solidFill>
@@ -12929,254 +9710,6 @@
           </a:solidFill>
         </p:spPr>
       </p:pic>
-      <p:pic>
-        <p:nvPicPr>
-          <p:cNvPr id="1217" name="그림 17" descr="C:/Users/Admin1/AppData/Roaming/PolarisOffice/ETemp/18416_12904952/fImage51932875724.png"/>
-          <p:cNvPicPr>
-            <a:picLocks noChangeAspect="1"/>
-          </p:cNvPicPr>
-          <p:nvPr/>
-        </p:nvPicPr>
-        <p:blipFill rotWithShape="1">
-          <a:blip r:embed="rId7" cstate="hqprint">
-            <a:extLst>
-              <a:ext uri="{28A0092B-C50C-407E-A947-70E740481C1C}">
-                <a14:useLocalDpi xmlns:a14="http://schemas.microsoft.com/office/drawing/2010/main"/>
-              </a:ext>
-            </a:extLst>
-          </a:blip>
-          <a:stretch>
-            <a:fillRect/>
-          </a:stretch>
-        </p:blipFill>
-        <p:spPr>
-          <a:xfrm rot="0">
-            <a:off x="1230630" y="1438275"/>
-            <a:ext cx="1306830" cy="1051560"/>
-          </a:xfrm>
-          <a:prstGeom prst="roundRect"/>
-          <a:solidFill>
-            <a:srgbClr val="EDEDED"/>
-          </a:solidFill>
-        </p:spPr>
-      </p:pic>
-      <p:pic>
-        <p:nvPicPr>
-          <p:cNvPr id="1218" name="그림 1" descr="C:/Users/Admin1/AppData/Roaming/PolarisOffice/ETemp/18416_12904952/fImage362491946500.png"/>
-          <p:cNvPicPr>
-            <a:picLocks noChangeAspect="1"/>
-          </p:cNvPicPr>
-          <p:nvPr/>
-        </p:nvPicPr>
-        <p:blipFill rotWithShape="1">
-          <a:blip r:embed="rId9" cstate="hqprint">
-            <a:extLst>
-              <a:ext uri="{28A0092B-C50C-407E-A947-70E740481C1C}">
-                <a14:useLocalDpi xmlns:a14="http://schemas.microsoft.com/office/drawing/2010/main"/>
-              </a:ext>
-            </a:extLst>
-          </a:blip>
-          <a:stretch>
-            <a:fillRect/>
-          </a:stretch>
-        </p:blipFill>
-        <p:spPr>
-          <a:xfrm rot="0">
-            <a:off x="2618740" y="1446530"/>
-            <a:ext cx="2760980" cy="1031875"/>
-          </a:xfrm>
-          <a:prstGeom prst="roundRect"/>
-          <a:solidFill>
-            <a:srgbClr val="EDEDED"/>
-          </a:solidFill>
-        </p:spPr>
-      </p:pic>
-      <p:cxnSp>
-        <p:nvCxnSpPr>
-          <p:cNvPr id="1208" name="Rect 0"/>
-          <p:cNvCxnSpPr/>
-          <p:nvPr/>
-        </p:nvCxnSpPr>
-        <p:spPr>
-          <a:xfrm rot="0" flipH="1">
-            <a:off x="2211070" y="1945005"/>
-            <a:ext cx="2760980" cy="400050"/>
-          </a:xfrm>
-          <a:prstGeom prst="straightConnector1"/>
-          <a:ln w="6350" cap="flat" cmpd="sng">
-            <a:prstDash/>
-            <a:tailEnd type="triangle" w="med" len="med"/>
-          </a:ln>
-        </p:spPr>
-        <p:style>
-          <a:lnRef idx="1">
-            <a:schemeClr val="accent1"/>
-          </a:lnRef>
-          <a:fillRef idx="0">
-            <a:schemeClr val="accent1"/>
-          </a:fillRef>
-          <a:effectRef idx="0">
-            <a:schemeClr val="accent1"/>
-          </a:effectRef>
-          <a:fontRef idx="minor">
-            <a:schemeClr val="tx1"/>
-          </a:fontRef>
-        </p:style>
-      </p:cxnSp>
-      <p:pic>
-        <p:nvPicPr>
-          <p:cNvPr id="1219" name="그림 14"/>
-          <p:cNvPicPr>
-            <a:picLocks noChangeAspect="1"/>
-          </p:cNvPicPr>
-          <p:nvPr/>
-        </p:nvPicPr>
-        <p:blipFill rotWithShape="1">
-          <a:blip r:embed="rId10" cstate="hqprint">
-            <a:extLst>
-              <a:ext uri="{28A0092B-C50C-407E-A947-70E740481C1C}">
-                <a14:useLocalDpi xmlns:a14="http://schemas.microsoft.com/office/drawing/2010/main"/>
-              </a:ext>
-            </a:extLst>
-          </a:blip>
-          <a:stretch>
-            <a:fillRect/>
-          </a:stretch>
-        </p:blipFill>
-        <p:spPr>
-          <a:xfrm rot="0">
-            <a:off x="8131810" y="3683635"/>
-            <a:ext cx="2834640" cy="1471295"/>
-          </a:xfrm>
-          <a:prstGeom prst="roundRect"/>
-          <a:solidFill>
-            <a:srgbClr val="EDEDED"/>
-          </a:solidFill>
-        </p:spPr>
-      </p:pic>
-      <p:pic>
-        <p:nvPicPr>
-          <p:cNvPr id="1220" name="그림 1" descr="C:/Users/Admin1/AppData/Roaming/PolarisOffice/ETemp/18416_12904952/fImage1163219441.png"/>
-          <p:cNvPicPr>
-            <a:picLocks noChangeAspect="1"/>
-          </p:cNvPicPr>
-          <p:nvPr/>
-        </p:nvPicPr>
-        <p:blipFill rotWithShape="1">
-          <a:blip r:embed="rId11" cstate="hqprint">
-            <a:extLst>
-              <a:ext uri="{28A0092B-C50C-407E-A947-70E740481C1C}">
-                <a14:useLocalDpi xmlns:a14="http://schemas.microsoft.com/office/drawing/2010/main"/>
-              </a:ext>
-            </a:extLst>
-          </a:blip>
-          <a:stretch>
-            <a:fillRect/>
-          </a:stretch>
-        </p:blipFill>
-        <p:spPr>
-          <a:xfrm rot="0">
-            <a:off x="1231265" y="3707765"/>
-            <a:ext cx="4140200" cy="1721485"/>
-          </a:xfrm>
-          <a:prstGeom prst="roundRect"/>
-          <a:solidFill>
-            <a:srgbClr val="EDEDED"/>
-          </a:solidFill>
-        </p:spPr>
-      </p:pic>
-      <p:sp>
-        <p:nvSpPr>
-          <p:cNvPr id="1221" name="텍스트 상자 4"/>
-          <p:cNvSpPr txBox="1">
-            <a:spLocks/>
-          </p:cNvSpPr>
-          <p:nvPr/>
-        </p:nvSpPr>
-        <p:spPr>
-          <a:xfrm rot="0">
-            <a:off x="1227455" y="5554345"/>
-            <a:ext cx="4149090" cy="647065"/>
-          </a:xfrm>
-          <a:prstGeom prst="rect"/>
-          <a:noFill/>
-          <a:ln w="0">
-            <a:noFill/>
-            <a:prstDash/>
-          </a:ln>
-        </p:spPr>
-        <p:txBody>
-          <a:bodyPr wrap="square" lIns="89535" tIns="46355" rIns="89535" bIns="46355" numCol="1" vert="horz" anchor="t">
-            <a:spAutoFit/>
-          </a:bodyPr>
-          <a:lstStyle/>
-          <a:p>
-            <a:pPr marL="0" indent="0" rtl="0" algn="l" defTabSz="914400" eaLnBrk="1" latinLnBrk="0" hangingPunct="1">
-              <a:buFontTx/>
-              <a:buNone/>
-            </a:pPr>
-            <a:r>
-              <a:rPr sz="1800" b="1">
-                <a:solidFill>
-                  <a:srgbClr val="0611F2"/>
-                </a:solidFill>
-                <a:latin typeface="맑은 고딕" charset="0"/>
-                <a:ea typeface="맑은 고딕" charset="0"/>
-              </a:rPr>
-              <a:t>8</a:t>
-            </a:r>
-            <a:r>
-              <a:rPr sz="1800" b="1">
-                <a:solidFill>
-                  <a:srgbClr val="0611F2"/>
-                </a:solidFill>
-                <a:latin typeface="맑은 고딕" charset="0"/>
-                <a:ea typeface="맑은 고딕" charset="0"/>
-              </a:rPr>
-              <a:t>.</a:t>
-            </a:r>
-            <a:r>
-              <a:rPr sz="1800">
-                <a:latin typeface="맑은 고딕" charset="0"/>
-                <a:ea typeface="맑은 고딕" charset="0"/>
-              </a:rPr>
-              <a:t> </a:t>
-            </a:r>
-            <a:r>
-              <a:rPr lang="ko-KR" sz="1800">
-                <a:latin typeface="맑은 고딕" charset="0"/>
-                <a:ea typeface="맑은 고딕" charset="0"/>
-              </a:rPr>
-              <a:t>그</a:t>
-            </a:r>
-            <a:r>
-              <a:rPr lang="ko-KR" sz="1800">
-                <a:latin typeface="맑은 고딕" charset="0"/>
-                <a:ea typeface="맑은 고딕" charset="0"/>
-              </a:rPr>
-              <a:t>러고 나서</a:t>
-            </a:r>
-            <a:r>
-              <a:rPr lang="ko-KR" sz="1800">
-                <a:latin typeface="맑은 고딕" charset="0"/>
-                <a:ea typeface="맑은 고딕" charset="0"/>
-              </a:rPr>
-              <a:t> </a:t>
-            </a:r>
-            <a:r>
-              <a:rPr lang="ko-KR" sz="1800">
-                <a:latin typeface="맑은 고딕" charset="0"/>
-                <a:ea typeface="맑은 고딕" charset="0"/>
-              </a:rPr>
-              <a:t>Character 오브젝트의 위치를 설정합니다.</a:t>
-            </a:r>
-            <a:endParaRPr lang="ko-KR" altLang="en-US" sz="1800">
-              <a:latin typeface="맑은 고딕" charset="0"/>
-              <a:ea typeface="맑은 고딕" charset="0"/>
-            </a:endParaRPr>
-          </a:p>
-        </p:txBody>
-      </p:sp>
     </p:spTree>
   </p:cSld>
   <p:clrMapOvr>
@@ -13219,7 +9752,7 @@
       </p:grpSpPr>
       <p:sp>
         <p:nvSpPr>
-          <p:cNvPr id="2" name="텍스트 상자 57"/>
+          <p:cNvPr id="1031" name="Rect 0"/>
           <p:cNvSpPr txBox="1">
             <a:spLocks/>
           </p:cNvSpPr>
@@ -13227,8 +9760,8 @@
         </p:nvSpPr>
         <p:spPr>
           <a:xfrm rot="0">
-            <a:off x="4676140" y="346710"/>
-            <a:ext cx="2817495" cy="554990"/>
+            <a:off x="4721860" y="379095"/>
+            <a:ext cx="2744470" cy="478155"/>
           </a:xfrm>
           <a:prstGeom prst="rect"/>
           <a:noFill/>
@@ -13243,42 +9776,42 @@
           </a:bodyPr>
           <a:lstStyle/>
           <a:p>
-            <a:pPr marL="0" indent="0" rtl="0" algn="l" defTabSz="914400" eaLnBrk="1" latinLnBrk="0" hangingPunct="1">
-              <a:buFontTx/>
-              <a:buNone/>
-            </a:pPr>
-            <a:r>
-              <a:rPr lang="ko-KR" sz="3000" b="1">
+            <a:pPr marL="0" indent="0" algn="ctr" latinLnBrk="0">
+              <a:buFontTx/>
+              <a:buNone/>
+            </a:pPr>
+            <a:r>
+              <a:rPr lang="ko-KR" altLang="en-US" sz="2500" b="1">
                 <a:solidFill>
                   <a:schemeClr val="tx1"/>
                 </a:solidFill>
-                <a:latin typeface="맑은 고딕" charset="0"/>
-                <a:ea typeface="맑은 고딕" charset="0"/>
-              </a:rPr>
-              <a:t>Audio Listener</a:t>
-            </a:r>
-            <a:endParaRPr lang="ko-KR" altLang="en-US" sz="3000" b="1">
+                <a:latin typeface="나눔바른고딕" charset="0"/>
+                <a:ea typeface="나눔바른고딕" charset="0"/>
+              </a:rPr>
+              <a:t>세  번째 튜토리얼</a:t>
+            </a:r>
+            <a:endParaRPr lang="ko-KR" altLang="en-US" sz="2500" b="1">
               <a:solidFill>
                 <a:schemeClr val="tx1"/>
               </a:solidFill>
-              <a:latin typeface="맑은 고딕" charset="0"/>
-              <a:ea typeface="맑은 고딕" charset="0"/>
+              <a:latin typeface="나눔바른고딕" charset="0"/>
+              <a:ea typeface="나눔바른고딕" charset="0"/>
             </a:endParaRPr>
           </a:p>
         </p:txBody>
       </p:sp>
       <p:sp>
         <p:nvSpPr>
-          <p:cNvPr id="3" name="텍스트 상자 38"/>
+          <p:cNvPr id="1197" name="Rect 0"/>
           <p:cNvSpPr txBox="1">
             <a:spLocks/>
           </p:cNvSpPr>
           <p:nvPr/>
         </p:nvSpPr>
         <p:spPr>
-          <a:xfrm>
-            <a:off x="7233285" y="4446905"/>
-            <a:ext cx="4043045" cy="1754505"/>
+          <a:xfrm rot="0">
+            <a:off x="1230630" y="2655570"/>
+            <a:ext cx="4149090" cy="924560"/>
           </a:xfrm>
           <a:prstGeom prst="rect"/>
           <a:noFill/>
@@ -13298,63 +9831,39 @@
               <a:buNone/>
             </a:pPr>
             <a:r>
+              <a:rPr sz="1800" b="1">
+                <a:solidFill>
+                  <a:srgbClr val="0611F2"/>
+                </a:solidFill>
+                <a:latin typeface="맑은 고딕" charset="0"/>
+                <a:ea typeface="맑은 고딕" charset="0"/>
+              </a:rPr>
+              <a:t>7.</a:t>
+            </a:r>
+            <a:r>
+              <a:rPr sz="1800">
+                <a:latin typeface="맑은 고딕" charset="0"/>
+                <a:ea typeface="맑은 고딕" charset="0"/>
+              </a:rPr>
+              <a:t> </a:t>
+            </a:r>
+            <a:r>
               <a:rPr lang="ko-KR" sz="1800">
                 <a:latin typeface="맑은 고딕" charset="0"/>
                 <a:ea typeface="맑은 고딕" charset="0"/>
               </a:rPr>
-              <a:t>사운드 시스템의 경우 어떤 파동이나 관찰자의 상대 속도에 따라 진동수와 파동이 바뀌게 됩니다.</a:t>
+              <a:t>그리고 Project 폴더에서 Texture에 Speaker 텍스처를 선택하고 Sound Box 오브젝트에 넣어줍니다.</a:t>
             </a:r>
             <a:endParaRPr lang="ko-KR" altLang="en-US" sz="1800">
               <a:latin typeface="맑은 고딕" charset="0"/>
               <a:ea typeface="맑은 고딕" charset="0"/>
             </a:endParaRPr>
           </a:p>
-          <a:p>
-            <a:pPr marL="0" indent="0" rtl="0" algn="l" defTabSz="914400" eaLnBrk="1" latinLnBrk="0" hangingPunct="1">
-              <a:buFontTx/>
-              <a:buNone/>
-            </a:pPr>
-            <a:endParaRPr lang="ko-KR" altLang="en-US" sz="1800">
-              <a:latin typeface="맑은 고딕" charset="0"/>
-              <a:ea typeface="맑은 고딕" charset="0"/>
-            </a:endParaRPr>
-          </a:p>
-          <a:p>
-            <a:pPr marL="0" indent="0" rtl="0" algn="l" defTabSz="914400" eaLnBrk="1" latinLnBrk="0" hangingPunct="1">
-              <a:buFontTx/>
-              <a:buNone/>
-            </a:pPr>
-            <a:r>
-              <a:rPr lang="ko-KR" sz="1800">
-                <a:latin typeface="맑은 고딕" charset="0"/>
-                <a:ea typeface="맑은 고딕" charset="0"/>
-              </a:rPr>
-              <a:t>그리고 오디오 리스너는 </a:t>
-            </a:r>
-            <a:r>
-              <a:rPr lang="ko-KR" sz="1800">
-                <a:latin typeface="맑은 고딕" charset="0"/>
-                <a:ea typeface="맑은 고딕" charset="0"/>
-              </a:rPr>
-              <a:t>월드</a:t>
-            </a:r>
-            <a:r>
-              <a:rPr lang="ko-KR" sz="1800">
-                <a:latin typeface="맑은 고딕" charset="0"/>
-                <a:ea typeface="맑은 고딕" charset="0"/>
-              </a:rPr>
-              <a:t> 공간 안에서 하나만 존재해야 합니다.</a:t>
-            </a:r>
-            <a:endParaRPr lang="ko-KR" altLang="en-US" sz="1800">
-              <a:latin typeface="맑은 고딕" charset="0"/>
-              <a:ea typeface="맑은 고딕" charset="0"/>
-            </a:endParaRPr>
-          </a:p>
-        </p:txBody>
-      </p:sp>
-      <p:sp>
-        <p:nvSpPr>
-          <p:cNvPr id="5" name="텍스트 상자 40"/>
+        </p:txBody>
+      </p:sp>
+      <p:sp>
+        <p:nvSpPr>
+          <p:cNvPr id="1199" name="Rect 0"/>
           <p:cNvSpPr txBox="1">
             <a:spLocks/>
           </p:cNvSpPr>
@@ -13362,8 +9871,8 @@
         </p:nvSpPr>
         <p:spPr>
           <a:xfrm rot="0">
-            <a:off x="1212215" y="4173220"/>
-            <a:ext cx="4152265" cy="2032000"/>
+            <a:off x="6806565" y="2888615"/>
+            <a:ext cx="4135120" cy="647700"/>
           </a:xfrm>
           <a:prstGeom prst="rect"/>
           <a:noFill/>
@@ -13383,77 +9892,117 @@
               <a:buNone/>
             </a:pPr>
             <a:r>
+              <a:rPr lang="ko-KR" sz="1800" b="1">
+                <a:solidFill>
+                  <a:srgbClr val="0611F2"/>
+                </a:solidFill>
+                <a:latin typeface="맑은 고딕" charset="0"/>
+                <a:ea typeface="맑은 고딕" charset="0"/>
+              </a:rPr>
+              <a:t>9</a:t>
+            </a:r>
+            <a:r>
+              <a:rPr sz="1800" b="1">
+                <a:solidFill>
+                  <a:srgbClr val="0611F2"/>
+                </a:solidFill>
+                <a:latin typeface="맑은 고딕" charset="0"/>
+                <a:ea typeface="맑은 고딕" charset="0"/>
+              </a:rPr>
+              <a:t>.</a:t>
+            </a:r>
+            <a:r>
               <a:rPr sz="1800">
                 <a:latin typeface="맑은 고딕" charset="0"/>
                 <a:ea typeface="맑은 고딕" charset="0"/>
               </a:rPr>
-              <a:t>사운드 시스템은 소리가 발생하는 오디오 소스와 소리를 듣는 오디오 리스너로 구성되어 있습니다.</a:t>
+              <a:t> </a:t>
+            </a:r>
+            <a:r>
+              <a:rPr lang="ko-KR" sz="1800">
+                <a:latin typeface="맑은 고딕" charset="0"/>
+                <a:ea typeface="맑은 고딕" charset="0"/>
+              </a:rPr>
+              <a:t>그다음으로 Sound Box 오브젝트에 Audio Source 컴포넌트를 추가합니다.</a:t>
             </a:r>
             <a:endParaRPr lang="ko-KR" altLang="en-US" sz="1800">
               <a:latin typeface="맑은 고딕" charset="0"/>
               <a:ea typeface="맑은 고딕" charset="0"/>
             </a:endParaRPr>
           </a:p>
+        </p:txBody>
+      </p:sp>
+      <p:sp>
+        <p:nvSpPr>
+          <p:cNvPr id="1202" name="Rect 0"/>
+          <p:cNvSpPr txBox="1">
+            <a:spLocks/>
+          </p:cNvSpPr>
+          <p:nvPr/>
+        </p:nvSpPr>
+        <p:spPr>
+          <a:xfrm rot="0">
+            <a:off x="6823710" y="5269865"/>
+            <a:ext cx="4142105" cy="923925"/>
+          </a:xfrm>
+          <a:prstGeom prst="rect"/>
+          <a:noFill/>
+          <a:ln w="0">
+            <a:noFill/>
+            <a:prstDash/>
+          </a:ln>
+        </p:spPr>
+        <p:txBody>
+          <a:bodyPr wrap="square" lIns="89535" tIns="46355" rIns="89535" bIns="46355" numCol="1" vert="horz" anchor="t">
+            <a:spAutoFit/>
+          </a:bodyPr>
+          <a:lstStyle/>
           <a:p>
             <a:pPr marL="0" indent="0" rtl="0" algn="l" defTabSz="914400" eaLnBrk="1" latinLnBrk="0" hangingPunct="1">
               <a:buFontTx/>
               <a:buNone/>
             </a:pPr>
+            <a:r>
+              <a:rPr sz="1800" b="1">
+                <a:solidFill>
+                  <a:srgbClr val="0611F2"/>
+                </a:solidFill>
+                <a:latin typeface="맑은 고딕" charset="0"/>
+                <a:ea typeface="맑은 고딕" charset="0"/>
+              </a:rPr>
+              <a:t>10.</a:t>
+            </a:r>
+            <a:r>
+              <a:rPr sz="1800">
+                <a:latin typeface="맑은 고딕" charset="0"/>
+                <a:ea typeface="맑은 고딕" charset="0"/>
+              </a:rPr>
+              <a:t> </a:t>
+            </a:r>
+            <a:r>
+              <a:rPr lang="ko-KR" sz="1800">
+                <a:latin typeface="맑은 고딕" charset="0"/>
+                <a:ea typeface="맑은 고딕" charset="0"/>
+              </a:rPr>
+              <a:t>그런 다음 Project 폴더에서 Sound에 Powerful 사운드를 선택하고 Sound Box에 넣어줍니다.</a:t>
+            </a:r>
             <a:endParaRPr lang="ko-KR" altLang="en-US" sz="1800">
               <a:latin typeface="맑은 고딕" charset="0"/>
               <a:ea typeface="맑은 고딕" charset="0"/>
             </a:endParaRPr>
           </a:p>
-          <a:p>
-            <a:pPr marL="0" indent="0" rtl="0" algn="l" defTabSz="914400" eaLnBrk="1" latinLnBrk="0" hangingPunct="1">
-              <a:buFontTx/>
-              <a:buNone/>
-            </a:pPr>
-            <a:r>
-              <a:rPr sz="1800">
-                <a:latin typeface="맑은 고딕" charset="0"/>
-                <a:ea typeface="맑은 고딕" charset="0"/>
-              </a:rPr>
-              <a:t>오디오 소스</a:t>
-            </a:r>
-            <a:r>
-              <a:rPr lang="ko-KR" sz="1800">
-                <a:latin typeface="맑은 고딕" charset="0"/>
-                <a:ea typeface="맑은 고딕" charset="0"/>
-              </a:rPr>
-              <a:t>나</a:t>
-            </a:r>
-            <a:r>
-              <a:rPr sz="1800">
-                <a:latin typeface="맑은 고딕" charset="0"/>
-                <a:ea typeface="맑은 고딕" charset="0"/>
-              </a:rPr>
-              <a:t> 오디오 리스너가 이동하면 거리에 따라 소리의 크기나 방향이 달라집니</a:t>
-            </a:r>
-            <a:r>
-              <a:rPr lang="ko-KR" sz="1800">
-                <a:latin typeface="맑은 고딕" charset="0"/>
-                <a:ea typeface="맑은 고딕" charset="0"/>
-              </a:rPr>
-              <a:t>다.</a:t>
-            </a:r>
-            <a:endParaRPr lang="ko-KR" altLang="en-US" sz="1800">
-              <a:latin typeface="맑은 고딕" charset="0"/>
-              <a:ea typeface="맑은 고딕" charset="0"/>
-            </a:endParaRPr>
-          </a:p>
         </p:txBody>
       </p:sp>
       <p:pic>
         <p:nvPicPr>
-          <p:cNvPr id="6" name="그림 66" descr="C:/Users/Admin1/AppData/Roaming/PolarisOffice/ETemp/18416_12904952/fImage276312243281.png"/>
+          <p:cNvPr id="1210" name="Picture " descr="C:/Users/Admin1/AppData/Roaming/PolarisOffice/ETemp/18416_12904952/fImage48562109358.png"/>
           <p:cNvPicPr>
             <a:picLocks noChangeAspect="1"/>
           </p:cNvPicPr>
           <p:nvPr/>
         </p:nvPicPr>
         <p:blipFill rotWithShape="1">
-          <a:blip r:embed="rId13" cstate="hqprint">
+          <a:blip r:embed="rId2" cstate="hqprint">
             <a:extLst>
               <a:ext uri="{28A0092B-C50C-407E-A947-70E740481C1C}">
                 <a14:useLocalDpi xmlns:a14="http://schemas.microsoft.com/office/drawing/2010/main"/>
@@ -13466,8 +10015,8 @@
         </p:blipFill>
         <p:spPr>
           <a:xfrm rot="0">
-            <a:off x="1222375" y="1438275"/>
-            <a:ext cx="4145280" cy="2545080"/>
+            <a:off x="8334375" y="1446530"/>
+            <a:ext cx="2623820" cy="1314450"/>
           </a:xfrm>
           <a:prstGeom prst="roundRect"/>
           <a:solidFill>
@@ -13477,14 +10026,14 @@
       </p:pic>
       <p:pic>
         <p:nvPicPr>
-          <p:cNvPr id="7" name="그림 35" descr="C:/Users/Admin1/AppData/Roaming/PolarisOffice/ETemp/18416_12904952/fImage438352088467.png"/>
+          <p:cNvPr id="1215" name="그림 15" descr="C:/Users/Admin1/AppData/Roaming/PolarisOffice/ETemp/18416_12904952/fImage51932856500.png"/>
           <p:cNvPicPr>
             <a:picLocks noChangeAspect="1"/>
           </p:cNvPicPr>
           <p:nvPr/>
         </p:nvPicPr>
         <p:blipFill rotWithShape="1">
-          <a:blip r:embed="rId14" cstate="hqprint">
+          <a:blip r:embed="rId5" cstate="hqprint">
             <a:extLst>
               <a:ext uri="{28A0092B-C50C-407E-A947-70E740481C1C}">
                 <a14:useLocalDpi xmlns:a14="http://schemas.microsoft.com/office/drawing/2010/main"/>
@@ -13497,8 +10046,8 @@
         </p:blipFill>
         <p:spPr>
           <a:xfrm rot="0">
-            <a:off x="7232015" y="1438275"/>
-            <a:ext cx="4044315" cy="2777490"/>
+            <a:off x="6825615" y="1446530"/>
+            <a:ext cx="1405890" cy="1294765"/>
           </a:xfrm>
           <a:prstGeom prst="roundRect"/>
           <a:solidFill>
@@ -13506,6 +10055,285 @@
           </a:solidFill>
         </p:spPr>
       </p:pic>
+      <p:pic>
+        <p:nvPicPr>
+          <p:cNvPr id="1216" name="그림 16"/>
+          <p:cNvPicPr>
+            <a:picLocks noChangeAspect="1"/>
+          </p:cNvPicPr>
+          <p:nvPr/>
+        </p:nvPicPr>
+        <p:blipFill rotWithShape="1">
+          <a:blip r:embed="rId6" cstate="hqprint">
+            <a:extLst>
+              <a:ext uri="{28A0092B-C50C-407E-A947-70E740481C1C}">
+                <a14:useLocalDpi xmlns:a14="http://schemas.microsoft.com/office/drawing/2010/main"/>
+              </a:ext>
+            </a:extLst>
+          </a:blip>
+          <a:stretch>
+            <a:fillRect/>
+          </a:stretch>
+        </p:blipFill>
+        <p:spPr>
+          <a:xfrm rot="0">
+            <a:off x="6822440" y="3683635"/>
+            <a:ext cx="1192530" cy="1468755"/>
+          </a:xfrm>
+          <a:prstGeom prst="roundRect"/>
+          <a:solidFill>
+            <a:srgbClr val="EDEDED"/>
+          </a:solidFill>
+        </p:spPr>
+      </p:pic>
+      <p:pic>
+        <p:nvPicPr>
+          <p:cNvPr id="1217" name="그림 17" descr="C:/Users/Admin1/AppData/Roaming/PolarisOffice/ETemp/18416_12904952/fImage51932875724.png"/>
+          <p:cNvPicPr>
+            <a:picLocks noChangeAspect="1"/>
+          </p:cNvPicPr>
+          <p:nvPr/>
+        </p:nvPicPr>
+        <p:blipFill rotWithShape="1">
+          <a:blip r:embed="rId7" cstate="hqprint">
+            <a:extLst>
+              <a:ext uri="{28A0092B-C50C-407E-A947-70E740481C1C}">
+                <a14:useLocalDpi xmlns:a14="http://schemas.microsoft.com/office/drawing/2010/main"/>
+              </a:ext>
+            </a:extLst>
+          </a:blip>
+          <a:stretch>
+            <a:fillRect/>
+          </a:stretch>
+        </p:blipFill>
+        <p:spPr>
+          <a:xfrm rot="0">
+            <a:off x="1230630" y="1438275"/>
+            <a:ext cx="1306830" cy="1051560"/>
+          </a:xfrm>
+          <a:prstGeom prst="roundRect"/>
+          <a:solidFill>
+            <a:srgbClr val="EDEDED"/>
+          </a:solidFill>
+        </p:spPr>
+      </p:pic>
+      <p:pic>
+        <p:nvPicPr>
+          <p:cNvPr id="1218" name="그림 1" descr="C:/Users/Admin1/AppData/Roaming/PolarisOffice/ETemp/18416_12904952/fImage362491946500.png"/>
+          <p:cNvPicPr>
+            <a:picLocks noChangeAspect="1"/>
+          </p:cNvPicPr>
+          <p:nvPr/>
+        </p:nvPicPr>
+        <p:blipFill rotWithShape="1">
+          <a:blip r:embed="rId9" cstate="hqprint">
+            <a:extLst>
+              <a:ext uri="{28A0092B-C50C-407E-A947-70E740481C1C}">
+                <a14:useLocalDpi xmlns:a14="http://schemas.microsoft.com/office/drawing/2010/main"/>
+              </a:ext>
+            </a:extLst>
+          </a:blip>
+          <a:stretch>
+            <a:fillRect/>
+          </a:stretch>
+        </p:blipFill>
+        <p:spPr>
+          <a:xfrm rot="0">
+            <a:off x="2618740" y="1446530"/>
+            <a:ext cx="2760980" cy="1031875"/>
+          </a:xfrm>
+          <a:prstGeom prst="roundRect"/>
+          <a:solidFill>
+            <a:srgbClr val="EDEDED"/>
+          </a:solidFill>
+        </p:spPr>
+      </p:pic>
+      <p:cxnSp>
+        <p:nvCxnSpPr>
+          <p:cNvPr id="1208" name="Rect 0"/>
+          <p:cNvCxnSpPr/>
+          <p:nvPr/>
+        </p:nvCxnSpPr>
+        <p:spPr>
+          <a:xfrm rot="0" flipH="1">
+            <a:off x="2211070" y="1945005"/>
+            <a:ext cx="2760980" cy="400050"/>
+          </a:xfrm>
+          <a:prstGeom prst="straightConnector1"/>
+          <a:ln w="6350" cap="flat" cmpd="sng">
+            <a:prstDash/>
+            <a:tailEnd type="triangle" w="med" len="med"/>
+          </a:ln>
+        </p:spPr>
+        <p:style>
+          <a:lnRef idx="1">
+            <a:schemeClr val="accent1"/>
+          </a:lnRef>
+          <a:fillRef idx="0">
+            <a:schemeClr val="accent1"/>
+          </a:fillRef>
+          <a:effectRef idx="0">
+            <a:schemeClr val="accent1"/>
+          </a:effectRef>
+          <a:fontRef idx="minor">
+            <a:schemeClr val="tx1"/>
+          </a:fontRef>
+        </p:style>
+      </p:cxnSp>
+      <p:pic>
+        <p:nvPicPr>
+          <p:cNvPr id="1219" name="그림 14"/>
+          <p:cNvPicPr>
+            <a:picLocks noChangeAspect="1"/>
+          </p:cNvPicPr>
+          <p:nvPr/>
+        </p:nvPicPr>
+        <p:blipFill rotWithShape="1">
+          <a:blip r:embed="rId10" cstate="hqprint">
+            <a:extLst>
+              <a:ext uri="{28A0092B-C50C-407E-A947-70E740481C1C}">
+                <a14:useLocalDpi xmlns:a14="http://schemas.microsoft.com/office/drawing/2010/main"/>
+              </a:ext>
+            </a:extLst>
+          </a:blip>
+          <a:stretch>
+            <a:fillRect/>
+          </a:stretch>
+        </p:blipFill>
+        <p:spPr>
+          <a:xfrm rot="0">
+            <a:off x="8131810" y="3683635"/>
+            <a:ext cx="2834640" cy="1471295"/>
+          </a:xfrm>
+          <a:prstGeom prst="roundRect"/>
+          <a:solidFill>
+            <a:srgbClr val="EDEDED"/>
+          </a:solidFill>
+        </p:spPr>
+      </p:pic>
+      <p:pic>
+        <p:nvPicPr>
+          <p:cNvPr id="1220" name="그림 1" descr="C:/Users/Admin1/AppData/Roaming/PolarisOffice/ETemp/18416_12904952/fImage1163219441.png"/>
+          <p:cNvPicPr>
+            <a:picLocks noChangeAspect="1"/>
+          </p:cNvPicPr>
+          <p:nvPr/>
+        </p:nvPicPr>
+        <p:blipFill rotWithShape="1">
+          <a:blip r:embed="rId11" cstate="hqprint">
+            <a:extLst>
+              <a:ext uri="{28A0092B-C50C-407E-A947-70E740481C1C}">
+                <a14:useLocalDpi xmlns:a14="http://schemas.microsoft.com/office/drawing/2010/main"/>
+              </a:ext>
+            </a:extLst>
+          </a:blip>
+          <a:stretch>
+            <a:fillRect/>
+          </a:stretch>
+        </p:blipFill>
+        <p:spPr>
+          <a:xfrm rot="0">
+            <a:off x="1231265" y="3707765"/>
+            <a:ext cx="4140200" cy="1721485"/>
+          </a:xfrm>
+          <a:prstGeom prst="roundRect"/>
+          <a:solidFill>
+            <a:srgbClr val="EDEDED"/>
+          </a:solidFill>
+        </p:spPr>
+      </p:pic>
+      <p:sp>
+        <p:nvSpPr>
+          <p:cNvPr id="1221" name="텍스트 상자 4"/>
+          <p:cNvSpPr txBox="1">
+            <a:spLocks/>
+          </p:cNvSpPr>
+          <p:nvPr/>
+        </p:nvSpPr>
+        <p:spPr>
+          <a:xfrm rot="0">
+            <a:off x="1227455" y="5554345"/>
+            <a:ext cx="4149090" cy="647065"/>
+          </a:xfrm>
+          <a:prstGeom prst="rect"/>
+          <a:noFill/>
+          <a:ln w="0">
+            <a:noFill/>
+            <a:prstDash/>
+          </a:ln>
+        </p:spPr>
+        <p:txBody>
+          <a:bodyPr wrap="square" lIns="89535" tIns="46355" rIns="89535" bIns="46355" numCol="1" vert="horz" anchor="t">
+            <a:spAutoFit/>
+          </a:bodyPr>
+          <a:lstStyle/>
+          <a:p>
+            <a:pPr marL="0" indent="0" rtl="0" algn="l" defTabSz="914400" eaLnBrk="1" latinLnBrk="0" hangingPunct="1">
+              <a:buFontTx/>
+              <a:buNone/>
+            </a:pPr>
+            <a:r>
+              <a:rPr sz="1800" b="1">
+                <a:solidFill>
+                  <a:srgbClr val="0611F2"/>
+                </a:solidFill>
+                <a:latin typeface="맑은 고딕" charset="0"/>
+                <a:ea typeface="맑은 고딕" charset="0"/>
+              </a:rPr>
+              <a:t>8</a:t>
+            </a:r>
+            <a:r>
+              <a:rPr sz="1800" b="1">
+                <a:solidFill>
+                  <a:srgbClr val="0611F2"/>
+                </a:solidFill>
+                <a:latin typeface="맑은 고딕" charset="0"/>
+                <a:ea typeface="맑은 고딕" charset="0"/>
+              </a:rPr>
+              <a:t>.</a:t>
+            </a:r>
+            <a:r>
+              <a:rPr sz="1800">
+                <a:latin typeface="맑은 고딕" charset="0"/>
+                <a:ea typeface="맑은 고딕" charset="0"/>
+              </a:rPr>
+              <a:t> </a:t>
+            </a:r>
+            <a:r>
+              <a:rPr lang="ko-KR" sz="1800">
+                <a:latin typeface="맑은 고딕" charset="0"/>
+                <a:ea typeface="맑은 고딕" charset="0"/>
+              </a:rPr>
+              <a:t>그</a:t>
+            </a:r>
+            <a:r>
+              <a:rPr lang="ko-KR" sz="1800">
+                <a:latin typeface="맑은 고딕" charset="0"/>
+                <a:ea typeface="맑은 고딕" charset="0"/>
+              </a:rPr>
+              <a:t>러고 나서</a:t>
+            </a:r>
+            <a:r>
+              <a:rPr lang="ko-KR" sz="1800">
+                <a:latin typeface="맑은 고딕" charset="0"/>
+                <a:ea typeface="맑은 고딕" charset="0"/>
+              </a:rPr>
+              <a:t> </a:t>
+            </a:r>
+            <a:r>
+              <a:rPr lang="ko-KR" sz="1800">
+                <a:latin typeface="맑은 고딕" charset="0"/>
+                <a:ea typeface="맑은 고딕" charset="0"/>
+              </a:rPr>
+              <a:t>Character 오브젝트의 위치를 설정합니다.</a:t>
+            </a:r>
+            <a:endParaRPr lang="ko-KR" altLang="en-US" sz="1800">
+              <a:latin typeface="맑은 고딕" charset="0"/>
+              <a:ea typeface="맑은 고딕" charset="0"/>
+            </a:endParaRPr>
+          </a:p>
+        </p:txBody>
+      </p:sp>
     </p:spTree>
   </p:cSld>
   <p:clrMapOvr>

--- a/Assets/Sound/PPT Data/Sound Example.pptx
+++ b/Assets/Sound/PPT Data/Sound Example.pptx
@@ -2,7 +2,7 @@
 <file path=ppt/presentation.xml><?xml version="1.0" encoding="utf-8"?>
 <p:presentation xmlns:a="http://schemas.openxmlformats.org/drawingml/2006/main" xmlns:r="http://schemas.openxmlformats.org/officeDocument/2006/relationships" xmlns:p="http://schemas.openxmlformats.org/presentationml/2006/main" xmlns:p14="http://schemas.microsoft.com/office/powerpoint/2010/main" saveSubsetFonts="1" firstSlideNum="0">
   <p:sldMasterIdLst>
-    <p:sldMasterId id="2147486387" r:id="rId12"/>
+    <p:sldMasterId id="2147486453" r:id="rId12"/>
   </p:sldMasterIdLst>
   <p:notesMasterIdLst>
     <p:notesMasterId r:id="rId14"/>
@@ -10,15 +10,18 @@
   <p:sldIdLst>
     <p:sldId id="287" r:id="rId16"/>
     <p:sldId id="304" r:id="rId18"/>
-    <p:sldId id="300" r:id="rId19"/>
-    <p:sldId id="312" r:id="rId20"/>
-    <p:sldId id="301" r:id="rId22"/>
-    <p:sldId id="302" r:id="rId24"/>
-    <p:sldId id="305" r:id="rId26"/>
-    <p:sldId id="307" r:id="rId28"/>
-    <p:sldId id="308" r:id="rId30"/>
-    <p:sldId id="309" r:id="rId32"/>
-    <p:sldId id="313" r:id="rId34"/>
+    <p:sldId id="300" r:id="rId20"/>
+    <p:sldId id="312" r:id="rId22"/>
+    <p:sldId id="301" r:id="rId24"/>
+    <p:sldId id="302" r:id="rId26"/>
+    <p:sldId id="305" r:id="rId28"/>
+    <p:sldId id="307" r:id="rId30"/>
+    <p:sldId id="308" r:id="rId32"/>
+    <p:sldId id="309" r:id="rId34"/>
+    <p:sldId id="313" r:id="rId35"/>
+    <p:sldId id="314" r:id="rId36"/>
+    <p:sldId id="315" r:id="rId37"/>
+    <p:sldId id="316" r:id="rId38"/>
   </p:sldIdLst>
   <p:sldSz cx="12192000" cy="6858000"/>
   <p:notesSz cx="6858000" cy="9144000"/>
@@ -903,6 +906,432 @@
 </p:notes>
 </file>
 
+<file path=ppt/notesSlides/notesSlide12.xml><?xml version="1.0" encoding="utf-8"?>
+<p:notes xmlns:a="http://schemas.openxmlformats.org/drawingml/2006/main" xmlns:r="http://schemas.openxmlformats.org/officeDocument/2006/relationships" xmlns:p="http://schemas.openxmlformats.org/presentationml/2006/main">
+  <p:cSld>
+    <p:spTree>
+      <p:nvGrpSpPr>
+        <p:cNvPr id="1" name=""/>
+        <p:cNvGrpSpPr/>
+        <p:nvPr/>
+      </p:nvGrpSpPr>
+      <p:grpSpPr>
+        <a:xfrm>
+          <a:off x="0" y="0"/>
+          <a:ext cx="0" cy="0"/>
+          <a:chOff x="0" y="0"/>
+          <a:chExt cx="0" cy="0"/>
+        </a:xfrm>
+      </p:grpSpPr>
+      <p:sp>
+        <p:nvSpPr>
+          <p:cNvPr id="2" name="슬라이드 이미지 개체 틀 3"/>
+          <p:cNvSpPr>
+            <a:spLocks noChangeAspect="1"/>
+          </p:cNvSpPr>
+          <p:nvPr>
+            <p:ph type="sldImg" idx="2"/>
+          </p:nvPr>
+        </p:nvSpPr>
+        <p:spPr>
+          <a:xfrm rot="0">
+            <a:off x="685800" y="1143000"/>
+            <a:ext cx="5492750" cy="3092450"/>
+          </a:xfrm>
+          <a:prstGeom prst="rect"/>
+          <a:noFill/>
+          <a:ln w="12700" cap="flat" cmpd="sng">
+            <a:solidFill>
+              <a:srgbClr val="000000">
+                <a:alpha val="100000"/>
+              </a:srgbClr>
+            </a:solidFill>
+            <a:prstDash val="solid"/>
+          </a:ln>
+        </p:spPr>
+        <p:txBody>
+          <a:bodyPr wrap="square" lIns="91440" tIns="45720" rIns="91440" bIns="45720" numCol="1" vert="horz" anchor="ctr">
+            <a:noAutofit/>
+          </a:bodyPr>
+          <a:lstStyle/>
+          <a:p>
+            <a:pPr marL="0" indent="0" latinLnBrk="0">
+              <a:buFontTx/>
+              <a:buNone/>
+            </a:pPr>
+          </a:p>
+        </p:txBody>
+      </p:sp>
+      <p:sp>
+        <p:nvSpPr>
+          <p:cNvPr id="3" name="슬라이드 노트 개체 틀 4"/>
+          <p:cNvSpPr txBox="1">
+            <a:spLocks/>
+          </p:cNvSpPr>
+          <p:nvPr>
+            <p:ph type="body" idx="3"/>
+          </p:nvPr>
+        </p:nvSpPr>
+        <p:spPr>
+          <a:xfrm rot="0">
+            <a:off x="685800" y="4400550"/>
+            <a:ext cx="5492750" cy="3606800"/>
+          </a:xfrm>
+          <a:prstGeom prst="rect"/>
+        </p:spPr>
+        <p:txBody>
+          <a:bodyPr wrap="square" lIns="91440" tIns="45720" rIns="91440" bIns="45720" numCol="1" vert="horz" anchor="t">
+            <a:noAutofit/>
+          </a:bodyPr>
+          <a:lstStyle/>
+          <a:p>
+            <a:pPr marL="0" indent="0" latinLnBrk="0">
+              <a:buFontTx/>
+              <a:buNone/>
+            </a:pPr>
+          </a:p>
+        </p:txBody>
+      </p:sp>
+      <p:sp>
+        <p:nvSpPr>
+          <p:cNvPr id="4" name="슬라이드 번호 개체 틀 6"/>
+          <p:cNvSpPr txBox="1">
+            <a:spLocks/>
+          </p:cNvSpPr>
+          <p:nvPr>
+            <p:ph type="sldNum" idx="5"/>
+          </p:nvPr>
+        </p:nvSpPr>
+        <p:spPr>
+          <a:xfrm rot="0">
+            <a:off x="3884930" y="8685530"/>
+            <a:ext cx="2978150" cy="464820"/>
+          </a:xfrm>
+          <a:prstGeom prst="rect"/>
+        </p:spPr>
+        <p:txBody>
+          <a:bodyPr wrap="square" lIns="91440" tIns="45720" rIns="91440" bIns="45720" numCol="1" vert="horz" anchor="b">
+            <a:noAutofit/>
+          </a:bodyPr>
+          <a:lstStyle>
+            <a:lvl1pPr marL="0" indent="0" algn="r" latinLnBrk="0">
+              <a:buFontTx/>
+              <a:buNone/>
+              <a:defRPr lang="en-GB" altLang="en-US" sz="1200"/>
+            </a:lvl1pPr>
+          </a:lstStyle>
+          <a:p>
+            <a:pPr marL="0" indent="0" latinLnBrk="0">
+              <a:buFontTx/>
+              <a:buNone/>
+            </a:pPr>
+            <a:fld id="{B9320F77-B9A0-41C5-862A-B4B631284C64}" type="slidenum">
+              <a:rPr lang="ko-KR" altLang="en-US"/>
+              <a:t>‹#›</a:t>
+            </a:fld>
+          </a:p>
+        </p:txBody>
+      </p:sp>
+    </p:spTree>
+  </p:cSld>
+  <p:clrMapOvr>
+    <a:masterClrMapping/>
+  </p:clrMapOvr>
+  <mc:AlternateContent xmlns:mc="http://schemas.openxmlformats.org/markup-compatibility/2006">
+    <mc:Choice xmlns:p14="http://schemas.microsoft.com/office/powerpoint/2010/main" Requires="p14">
+      <p:transition spd="slow" p14:dur="0"/>
+    </mc:Choice>
+    <mc:Fallback>
+      <p:transition spd="slow"/>
+    </mc:Fallback>
+  </mc:AlternateContent>
+</p:notes>
+</file>
+
+<file path=ppt/notesSlides/notesSlide13.xml><?xml version="1.0" encoding="utf-8"?>
+<p:notes xmlns:a="http://schemas.openxmlformats.org/drawingml/2006/main" xmlns:r="http://schemas.openxmlformats.org/officeDocument/2006/relationships" xmlns:p="http://schemas.openxmlformats.org/presentationml/2006/main">
+  <p:cSld>
+    <p:spTree>
+      <p:nvGrpSpPr>
+        <p:cNvPr id="1" name=""/>
+        <p:cNvGrpSpPr/>
+        <p:nvPr/>
+      </p:nvGrpSpPr>
+      <p:grpSpPr>
+        <a:xfrm>
+          <a:off x="0" y="0"/>
+          <a:ext cx="0" cy="0"/>
+          <a:chOff x="0" y="0"/>
+          <a:chExt cx="0" cy="0"/>
+        </a:xfrm>
+      </p:grpSpPr>
+      <p:sp>
+        <p:nvSpPr>
+          <p:cNvPr id="2" name="슬라이드 이미지 개체 틀 3"/>
+          <p:cNvSpPr>
+            <a:spLocks noChangeAspect="1"/>
+          </p:cNvSpPr>
+          <p:nvPr>
+            <p:ph type="sldImg" idx="2"/>
+          </p:nvPr>
+        </p:nvSpPr>
+        <p:spPr>
+          <a:xfrm rot="0">
+            <a:off x="685800" y="1143000"/>
+            <a:ext cx="5492750" cy="3092450"/>
+          </a:xfrm>
+          <a:prstGeom prst="rect"/>
+          <a:noFill/>
+          <a:ln w="12700" cap="flat" cmpd="sng">
+            <a:solidFill>
+              <a:srgbClr val="000000">
+                <a:alpha val="100000"/>
+              </a:srgbClr>
+            </a:solidFill>
+            <a:prstDash val="solid"/>
+          </a:ln>
+        </p:spPr>
+        <p:txBody>
+          <a:bodyPr wrap="square" lIns="91440" tIns="45720" rIns="91440" bIns="45720" numCol="1" vert="horz" anchor="ctr">
+            <a:noAutofit/>
+          </a:bodyPr>
+          <a:lstStyle/>
+          <a:p>
+            <a:pPr marL="0" indent="0" latinLnBrk="0">
+              <a:buFontTx/>
+              <a:buNone/>
+            </a:pPr>
+          </a:p>
+        </p:txBody>
+      </p:sp>
+      <p:sp>
+        <p:nvSpPr>
+          <p:cNvPr id="3" name="슬라이드 노트 개체 틀 4"/>
+          <p:cNvSpPr txBox="1">
+            <a:spLocks/>
+          </p:cNvSpPr>
+          <p:nvPr>
+            <p:ph type="body" idx="3"/>
+          </p:nvPr>
+        </p:nvSpPr>
+        <p:spPr>
+          <a:xfrm rot="0">
+            <a:off x="685800" y="4400550"/>
+            <a:ext cx="5492750" cy="3606800"/>
+          </a:xfrm>
+          <a:prstGeom prst="rect"/>
+        </p:spPr>
+        <p:txBody>
+          <a:bodyPr wrap="square" lIns="91440" tIns="45720" rIns="91440" bIns="45720" numCol="1" vert="horz" anchor="t">
+            <a:noAutofit/>
+          </a:bodyPr>
+          <a:lstStyle/>
+          <a:p>
+            <a:pPr marL="0" indent="0" latinLnBrk="0">
+              <a:buFontTx/>
+              <a:buNone/>
+            </a:pPr>
+          </a:p>
+        </p:txBody>
+      </p:sp>
+      <p:sp>
+        <p:nvSpPr>
+          <p:cNvPr id="4" name="슬라이드 번호 개체 틀 6"/>
+          <p:cNvSpPr txBox="1">
+            <a:spLocks/>
+          </p:cNvSpPr>
+          <p:nvPr>
+            <p:ph type="sldNum" idx="5"/>
+          </p:nvPr>
+        </p:nvSpPr>
+        <p:spPr>
+          <a:xfrm rot="0">
+            <a:off x="3884930" y="8685530"/>
+            <a:ext cx="2978150" cy="464820"/>
+          </a:xfrm>
+          <a:prstGeom prst="rect"/>
+        </p:spPr>
+        <p:txBody>
+          <a:bodyPr wrap="square" lIns="91440" tIns="45720" rIns="91440" bIns="45720" numCol="1" vert="horz" anchor="b">
+            <a:noAutofit/>
+          </a:bodyPr>
+          <a:lstStyle>
+            <a:lvl1pPr marL="0" indent="0" algn="r" latinLnBrk="0">
+              <a:buFontTx/>
+              <a:buNone/>
+              <a:defRPr lang="en-GB" altLang="en-US" sz="1200"/>
+            </a:lvl1pPr>
+          </a:lstStyle>
+          <a:p>
+            <a:pPr marL="0" indent="0" latinLnBrk="0">
+              <a:buFontTx/>
+              <a:buNone/>
+            </a:pPr>
+            <a:fld id="{B9320F77-B9A0-41C5-862A-B4B631284C64}" type="slidenum">
+              <a:rPr lang="ko-KR" altLang="en-US"/>
+              <a:t>‹#›</a:t>
+            </a:fld>
+          </a:p>
+        </p:txBody>
+      </p:sp>
+    </p:spTree>
+  </p:cSld>
+  <p:clrMapOvr>
+    <a:masterClrMapping/>
+  </p:clrMapOvr>
+  <mc:AlternateContent xmlns:mc="http://schemas.openxmlformats.org/markup-compatibility/2006">
+    <mc:Choice xmlns:p14="http://schemas.microsoft.com/office/powerpoint/2010/main" Requires="p14">
+      <p:transition spd="slow" p14:dur="0"/>
+    </mc:Choice>
+    <mc:Fallback>
+      <p:transition spd="slow"/>
+    </mc:Fallback>
+  </mc:AlternateContent>
+</p:notes>
+</file>
+
+<file path=ppt/notesSlides/notesSlide14.xml><?xml version="1.0" encoding="utf-8"?>
+<p:notes xmlns:a="http://schemas.openxmlformats.org/drawingml/2006/main" xmlns:r="http://schemas.openxmlformats.org/officeDocument/2006/relationships" xmlns:p="http://schemas.openxmlformats.org/presentationml/2006/main">
+  <p:cSld>
+    <p:spTree>
+      <p:nvGrpSpPr>
+        <p:cNvPr id="1" name=""/>
+        <p:cNvGrpSpPr/>
+        <p:nvPr/>
+      </p:nvGrpSpPr>
+      <p:grpSpPr>
+        <a:xfrm>
+          <a:off x="0" y="0"/>
+          <a:ext cx="0" cy="0"/>
+          <a:chOff x="0" y="0"/>
+          <a:chExt cx="0" cy="0"/>
+        </a:xfrm>
+      </p:grpSpPr>
+      <p:sp>
+        <p:nvSpPr>
+          <p:cNvPr id="2" name="슬라이드 이미지 개체 틀 3"/>
+          <p:cNvSpPr>
+            <a:spLocks noChangeAspect="1"/>
+          </p:cNvSpPr>
+          <p:nvPr>
+            <p:ph type="sldImg" idx="2"/>
+          </p:nvPr>
+        </p:nvSpPr>
+        <p:spPr>
+          <a:xfrm rot="0">
+            <a:off x="685800" y="1143000"/>
+            <a:ext cx="5492750" cy="3092450"/>
+          </a:xfrm>
+          <a:prstGeom prst="rect"/>
+          <a:noFill/>
+          <a:ln w="12700" cap="flat" cmpd="sng">
+            <a:solidFill>
+              <a:srgbClr val="000000">
+                <a:alpha val="100000"/>
+              </a:srgbClr>
+            </a:solidFill>
+            <a:prstDash val="solid"/>
+          </a:ln>
+        </p:spPr>
+        <p:txBody>
+          <a:bodyPr wrap="square" lIns="91440" tIns="45720" rIns="91440" bIns="45720" numCol="1" vert="horz" anchor="ctr">
+            <a:noAutofit/>
+          </a:bodyPr>
+          <a:lstStyle/>
+          <a:p>
+            <a:pPr marL="0" indent="0" latinLnBrk="0">
+              <a:buFontTx/>
+              <a:buNone/>
+            </a:pPr>
+          </a:p>
+        </p:txBody>
+      </p:sp>
+      <p:sp>
+        <p:nvSpPr>
+          <p:cNvPr id="3" name="슬라이드 노트 개체 틀 4"/>
+          <p:cNvSpPr txBox="1">
+            <a:spLocks/>
+          </p:cNvSpPr>
+          <p:nvPr>
+            <p:ph type="body" idx="3"/>
+          </p:nvPr>
+        </p:nvSpPr>
+        <p:spPr>
+          <a:xfrm rot="0">
+            <a:off x="685800" y="4400550"/>
+            <a:ext cx="5492750" cy="3606800"/>
+          </a:xfrm>
+          <a:prstGeom prst="rect"/>
+        </p:spPr>
+        <p:txBody>
+          <a:bodyPr wrap="square" lIns="91440" tIns="45720" rIns="91440" bIns="45720" numCol="1" vert="horz" anchor="t">
+            <a:noAutofit/>
+          </a:bodyPr>
+          <a:lstStyle/>
+          <a:p>
+            <a:pPr marL="0" indent="0" latinLnBrk="0">
+              <a:buFontTx/>
+              <a:buNone/>
+            </a:pPr>
+          </a:p>
+        </p:txBody>
+      </p:sp>
+      <p:sp>
+        <p:nvSpPr>
+          <p:cNvPr id="4" name="슬라이드 번호 개체 틀 6"/>
+          <p:cNvSpPr txBox="1">
+            <a:spLocks/>
+          </p:cNvSpPr>
+          <p:nvPr>
+            <p:ph type="sldNum" idx="5"/>
+          </p:nvPr>
+        </p:nvSpPr>
+        <p:spPr>
+          <a:xfrm rot="0">
+            <a:off x="3884930" y="8685530"/>
+            <a:ext cx="2978150" cy="464820"/>
+          </a:xfrm>
+          <a:prstGeom prst="rect"/>
+        </p:spPr>
+        <p:txBody>
+          <a:bodyPr wrap="square" lIns="91440" tIns="45720" rIns="91440" bIns="45720" numCol="1" vert="horz" anchor="b">
+            <a:noAutofit/>
+          </a:bodyPr>
+          <a:lstStyle>
+            <a:lvl1pPr marL="0" indent="0" algn="r" latinLnBrk="0">
+              <a:buFontTx/>
+              <a:buNone/>
+              <a:defRPr lang="en-GB" altLang="en-US" sz="1200"/>
+            </a:lvl1pPr>
+          </a:lstStyle>
+          <a:p>
+            <a:pPr marL="0" indent="0" latinLnBrk="0">
+              <a:buFontTx/>
+              <a:buNone/>
+            </a:pPr>
+            <a:fld id="{B9320F77-B9A0-41C5-862A-B4B631284C64}" type="slidenum">
+              <a:rPr lang="ko-KR" altLang="en-US"/>
+              <a:t>‹#›</a:t>
+            </a:fld>
+          </a:p>
+        </p:txBody>
+      </p:sp>
+    </p:spTree>
+  </p:cSld>
+  <p:clrMapOvr>
+    <a:masterClrMapping/>
+  </p:clrMapOvr>
+  <mc:AlternateContent xmlns:mc="http://schemas.openxmlformats.org/markup-compatibility/2006">
+    <mc:Choice xmlns:p14="http://schemas.microsoft.com/office/powerpoint/2010/main" Requires="p14">
+      <p:transition spd="slow" p14:dur="0"/>
+    </mc:Choice>
+    <mc:Fallback>
+      <p:transition spd="slow"/>
+    </mc:Fallback>
+  </mc:AlternateContent>
+</p:notes>
+</file>
+
 <file path=ppt/notesSlides/notesSlide2.xml><?xml version="1.0" encoding="utf-8"?>
 <p:notes xmlns:a="http://schemas.openxmlformats.org/drawingml/2006/main" xmlns:r="http://schemas.openxmlformats.org/officeDocument/2006/relationships" xmlns:p="http://schemas.openxmlformats.org/presentationml/2006/main">
   <p:cSld>
@@ -7597,7 +8026,7 @@
         <p:spPr>
           <a:xfrm>
             <a:off x="4675505" y="354965"/>
-            <a:ext cx="3075305" cy="478155"/>
+            <a:ext cx="3075940" cy="478155"/>
           </a:xfrm>
           <a:prstGeom prst="rect"/>
           <a:noFill/>
@@ -7612,7 +8041,7 @@
           </a:bodyPr>
           <a:lstStyle/>
           <a:p>
-            <a:pPr marL="0" indent="0" algn="l" latinLnBrk="0">
+            <a:pPr marL="0" indent="0" algn="ctr" latinLnBrk="0">
               <a:buFontTx/>
               <a:buNone/>
             </a:pPr>
@@ -7624,7 +8053,7 @@
                 <a:latin typeface="나눔바른고딕" charset="0"/>
                 <a:ea typeface="나눔바른고딕" charset="0"/>
               </a:rPr>
-              <a:t>아홉</a:t>
+              <a:t>열</a:t>
             </a:r>
             <a:r>
               <a:rPr lang="ko-KR" altLang="en-US" sz="2500" b="1">
@@ -7648,16 +8077,16 @@
       </p:sp>
       <p:sp>
         <p:nvSpPr>
-          <p:cNvPr id="1216" name="Rect 0"/>
+          <p:cNvPr id="1223" name="Rect 0"/>
           <p:cNvSpPr txBox="1">
             <a:spLocks/>
           </p:cNvSpPr>
           <p:nvPr/>
         </p:nvSpPr>
         <p:spPr>
-          <a:xfrm>
-            <a:off x="1163320" y="4771390"/>
-            <a:ext cx="4206240" cy="1477645"/>
+          <a:xfrm rot="0">
+            <a:off x="6805930" y="3363595"/>
+            <a:ext cx="4154805" cy="647065"/>
           </a:xfrm>
           <a:prstGeom prst="rect"/>
           <a:noFill/>
@@ -7687,6 +8116,16 @@
               <a:t>2</a:t>
             </a:r>
             <a:r>
+              <a:rPr lang="ko-KR" sz="1800" b="1">
+                <a:solidFill>
+                  <a:srgbClr val="0611F2"/>
+                </a:solidFill>
+                <a:latin typeface="맑은 고딕" charset="0"/>
+                <a:ea typeface="맑은 고딕" charset="0"/>
+              </a:rPr>
+              <a:t>9</a:t>
+            </a:r>
+            <a:r>
               <a:rPr sz="1800" b="1">
                 <a:solidFill>
                   <a:srgbClr val="0611F2"/>
@@ -7694,16 +8133,6 @@
                 <a:latin typeface="맑은 고딕" charset="0"/>
                 <a:ea typeface="맑은 고딕" charset="0"/>
               </a:rPr>
-              <a:t>3</a:t>
-            </a:r>
-            <a:r>
-              <a:rPr sz="1800" b="1">
-                <a:solidFill>
-                  <a:srgbClr val="0611F2"/>
-                </a:solidFill>
-                <a:latin typeface="맑은 고딕" charset="0"/>
-                <a:ea typeface="맑은 고딕" charset="0"/>
-              </a:rPr>
               <a:t>.</a:t>
             </a:r>
             <a:r>
@@ -7714,227 +8143,78 @@
               <a:t> </a:t>
             </a:r>
             <a:r>
-              <a:rPr lang="ko-KR" sz="1800">
-                <a:latin typeface="맑은 고딕" charset="0"/>
-                <a:ea typeface="맑은 고딕" charset="0"/>
-              </a:rPr>
-              <a:t>그다음으로</a:t>
-            </a:r>
-            <a:r>
-              <a:rPr lang="ko-KR" sz="1800">
-                <a:latin typeface="맑은 고딕" charset="0"/>
-                <a:ea typeface="맑은 고딕" charset="0"/>
-              </a:rPr>
-              <a:t> 버튼의 앵커를 화면 좌측 상단으로 고정합니다.</a:t>
+              <a:rPr sz="1800">
+                <a:latin typeface="맑은 고딕" charset="0"/>
+                <a:ea typeface="맑은 고딕" charset="0"/>
+              </a:rPr>
+              <a:t>그다음</a:t>
+            </a:r>
+            <a:r>
+              <a:rPr lang="ko-KR" sz="1800">
+                <a:latin typeface="맑은 고딕" charset="0"/>
+                <a:ea typeface="맑은 고딕" charset="0"/>
+              </a:rPr>
+              <a:t> </a:t>
+            </a:r>
+            <a:r>
+              <a:rPr lang="ko-KR" sz="1800">
+                <a:latin typeface="맑은 고딕" charset="0"/>
+                <a:ea typeface="맑은 고딕" charset="0"/>
+              </a:rPr>
+              <a:t>S</a:t>
+            </a:r>
+            <a:r>
+              <a:rPr lang="ko-KR" sz="1800">
+                <a:latin typeface="맑은 고딕" charset="0"/>
+                <a:ea typeface="맑은 고딕" charset="0"/>
+              </a:rPr>
+              <a:t>e</a:t>
+            </a:r>
+            <a:r>
+              <a:rPr lang="ko-KR" sz="1800">
+                <a:latin typeface="맑은 고딕" charset="0"/>
+                <a:ea typeface="맑은 고딕" charset="0"/>
+              </a:rPr>
+              <a:t>a</a:t>
+            </a:r>
+            <a:r>
+              <a:rPr lang="ko-KR" sz="1800">
+                <a:latin typeface="맑은 고딕" charset="0"/>
+                <a:ea typeface="맑은 고딕" charset="0"/>
+              </a:rPr>
+              <a:t>rch Button의 위치와 크기 </a:t>
+            </a:r>
+            <a:r>
+              <a:rPr lang="ko-KR" sz="1800">
+                <a:latin typeface="맑은 고딕" charset="0"/>
+                <a:ea typeface="맑은 고딕" charset="0"/>
+              </a:rPr>
+              <a:t>그리고 </a:t>
+            </a:r>
+            <a:r>
+              <a:rPr lang="ko-KR" sz="1800">
+                <a:latin typeface="맑은 고딕" charset="0"/>
+                <a:ea typeface="맑은 고딕" charset="0"/>
+              </a:rPr>
+              <a:t>회전 값을 설정합니다.</a:t>
             </a:r>
             <a:endParaRPr lang="ko-KR" altLang="en-US" sz="1800">
               <a:latin typeface="맑은 고딕" charset="0"/>
               <a:ea typeface="맑은 고딕" charset="0"/>
             </a:endParaRPr>
           </a:p>
-          <a:p>
-            <a:pPr marL="0" indent="0" rtl="0" algn="l" defTabSz="914400" eaLnBrk="1" latinLnBrk="0" hangingPunct="1">
-              <a:buFontTx/>
-              <a:buNone/>
-            </a:pPr>
-            <a:endParaRPr lang="ko-KR" altLang="en-US" sz="1800">
-              <a:latin typeface="맑은 고딕" charset="0"/>
-              <a:ea typeface="맑은 고딕" charset="0"/>
-            </a:endParaRPr>
-          </a:p>
-          <a:p>
-            <a:pPr marL="0" indent="0" rtl="0" algn="l" defTabSz="914400" eaLnBrk="1" latinLnBrk="0" hangingPunct="1">
-              <a:buFontTx/>
-              <a:buNone/>
-            </a:pPr>
-            <a:r>
-              <a:rPr lang="ko-KR" sz="1800">
-                <a:latin typeface="맑은 고딕" charset="0"/>
-                <a:ea typeface="맑은 고딕" charset="0"/>
-              </a:rPr>
-              <a:t>마지막으로</a:t>
-            </a:r>
-            <a:r>
-              <a:rPr lang="ko-KR" sz="1800">
-                <a:latin typeface="맑은 고딕" charset="0"/>
-                <a:ea typeface="맑은 고딕" charset="0"/>
-              </a:rPr>
-              <a:t> 각각의 버튼의 위치를 설정합니다.</a:t>
-            </a:r>
-            <a:endParaRPr lang="ko-KR" altLang="en-US" sz="1800">
-              <a:latin typeface="맑은 고딕" charset="0"/>
-              <a:ea typeface="맑은 고딕" charset="0"/>
-            </a:endParaRPr>
-          </a:p>
-        </p:txBody>
-      </p:sp>
-      <p:sp>
-        <p:nvSpPr>
-          <p:cNvPr id="1223" name="Rect 0"/>
-          <p:cNvSpPr txBox="1">
-            <a:spLocks/>
-          </p:cNvSpPr>
-          <p:nvPr/>
-        </p:nvSpPr>
-        <p:spPr>
-          <a:xfrm rot="0">
-            <a:off x="6805930" y="4219575"/>
-            <a:ext cx="4174490" cy="2031365"/>
-          </a:xfrm>
-          <a:prstGeom prst="rect"/>
-          <a:noFill/>
-          <a:ln w="0">
-            <a:noFill/>
-            <a:prstDash/>
-          </a:ln>
-        </p:spPr>
-        <p:txBody>
-          <a:bodyPr wrap="square" lIns="89535" tIns="46355" rIns="89535" bIns="46355" numCol="1" vert="horz" anchor="t">
-            <a:spAutoFit/>
-          </a:bodyPr>
-          <a:lstStyle/>
-          <a:p>
-            <a:pPr marL="0" indent="0" rtl="0" algn="l" defTabSz="914400" eaLnBrk="1" latinLnBrk="0" hangingPunct="1">
-              <a:buFontTx/>
-              <a:buNone/>
-            </a:pPr>
-            <a:r>
-              <a:rPr sz="1800" b="1">
-                <a:solidFill>
-                  <a:srgbClr val="0611F2"/>
-                </a:solidFill>
-                <a:latin typeface="맑은 고딕" charset="0"/>
-                <a:ea typeface="맑은 고딕" charset="0"/>
-              </a:rPr>
-              <a:t>2</a:t>
-            </a:r>
-            <a:r>
-              <a:rPr lang="ko-KR" sz="1800" b="1">
-                <a:solidFill>
-                  <a:srgbClr val="0611F2"/>
-                </a:solidFill>
-                <a:latin typeface="맑은 고딕" charset="0"/>
-                <a:ea typeface="맑은 고딕" charset="0"/>
-              </a:rPr>
-              <a:t>4</a:t>
-            </a:r>
-            <a:r>
-              <a:rPr sz="1800" b="1">
-                <a:solidFill>
-                  <a:srgbClr val="0611F2"/>
-                </a:solidFill>
-                <a:latin typeface="맑은 고딕" charset="0"/>
-                <a:ea typeface="맑은 고딕" charset="0"/>
-              </a:rPr>
-              <a:t>.</a:t>
-            </a:r>
-            <a:r>
-              <a:rPr sz="1800">
-                <a:latin typeface="맑은 고딕" charset="0"/>
-                <a:ea typeface="맑은 고딕" charset="0"/>
-              </a:rPr>
-              <a:t> </a:t>
-            </a:r>
-            <a:r>
-              <a:rPr sz="1800">
-                <a:latin typeface="맑은 고딕" charset="0"/>
-                <a:ea typeface="맑은 고딕" charset="0"/>
-              </a:rPr>
-              <a:t>이</a:t>
-            </a:r>
-            <a:r>
-              <a:rPr lang="ko-KR" sz="1800">
-                <a:latin typeface="맑은 고딕" charset="0"/>
-                <a:ea typeface="맑은 고딕" charset="0"/>
-              </a:rPr>
-              <a:t>제</a:t>
-            </a:r>
-            <a:r>
-              <a:rPr lang="ko-KR" sz="1800">
-                <a:latin typeface="맑은 고딕" charset="0"/>
-                <a:ea typeface="맑은 고딕" charset="0"/>
-              </a:rPr>
-              <a:t> Project 폴더</a:t>
-            </a:r>
-            <a:r>
-              <a:rPr lang="ko-KR" sz="1800">
-                <a:latin typeface="맑은 고딕" charset="0"/>
-                <a:ea typeface="맑은 고딕" charset="0"/>
-              </a:rPr>
-              <a:t> 아래에 있는</a:t>
-            </a:r>
-            <a:r>
-              <a:rPr lang="ko-KR" sz="1800">
-                <a:latin typeface="맑은 고딕" charset="0"/>
-                <a:ea typeface="맑은 고딕" charset="0"/>
-              </a:rPr>
-              <a:t> Texture</a:t>
-            </a:r>
-            <a:r>
-              <a:rPr lang="ko-KR" sz="1800">
-                <a:latin typeface="맑은 고딕" charset="0"/>
-                <a:ea typeface="맑은 고딕" charset="0"/>
-              </a:rPr>
-              <a:t> 폴더</a:t>
-            </a:r>
-            <a:r>
-              <a:rPr lang="ko-KR" sz="1800">
-                <a:latin typeface="맑은 고딕" charset="0"/>
-                <a:ea typeface="맑은 고딕" charset="0"/>
-              </a:rPr>
-              <a:t>에 Siren 이미지</a:t>
-            </a:r>
-            <a:r>
-              <a:rPr lang="ko-KR" sz="1800">
-                <a:latin typeface="맑은 고딕" charset="0"/>
-                <a:ea typeface="맑은 고딕" charset="0"/>
-              </a:rPr>
-              <a:t>를 선택합니다.</a:t>
-            </a:r>
-            <a:endParaRPr lang="ko-KR" altLang="en-US" sz="1800">
-              <a:latin typeface="맑은 고딕" charset="0"/>
-              <a:ea typeface="맑은 고딕" charset="0"/>
-            </a:endParaRPr>
-          </a:p>
-          <a:p>
-            <a:pPr marL="0" indent="0" rtl="0" algn="l" defTabSz="914400" eaLnBrk="1" latinLnBrk="0" hangingPunct="1">
-              <a:buFontTx/>
-              <a:buNone/>
-            </a:pPr>
-            <a:endParaRPr lang="ko-KR" altLang="en-US" sz="1800">
-              <a:latin typeface="맑은 고딕" charset="0"/>
-              <a:ea typeface="맑은 고딕" charset="0"/>
-            </a:endParaRPr>
-          </a:p>
-          <a:p>
-            <a:pPr marL="0" indent="0" rtl="0" algn="l" defTabSz="914400" eaLnBrk="1" latinLnBrk="0" hangingPunct="1">
-              <a:buFontTx/>
-              <a:buNone/>
-            </a:pPr>
-            <a:r>
-              <a:rPr lang="ko-KR" sz="1800">
-                <a:latin typeface="맑은 고딕" charset="0"/>
-                <a:ea typeface="맑은 고딕" charset="0"/>
-              </a:rPr>
-              <a:t>그런 다음 Siren Button 오브젝트의 Source Image에 Siren 이미지를 넣어줍니다.</a:t>
-            </a:r>
-            <a:endParaRPr lang="ko-KR" altLang="en-US" sz="1800">
-              <a:latin typeface="맑은 고딕" charset="0"/>
-              <a:ea typeface="맑은 고딕" charset="0"/>
-            </a:endParaRPr>
-          </a:p>
         </p:txBody>
       </p:sp>
       <p:pic>
         <p:nvPicPr>
-          <p:cNvPr id="1224" name="그림 20"/>
+          <p:cNvPr id="1237" name="그림 19"/>
           <p:cNvPicPr>
             <a:picLocks noChangeAspect="1"/>
           </p:cNvPicPr>
           <p:nvPr/>
         </p:nvPicPr>
         <p:blipFill rotWithShape="1">
-          <a:blip r:embed="rId2" cstate="print">
+          <a:blip r:embed="rId11" cstate="print">
             <a:extLst>
               <a:ext uri="{28A0092B-C50C-407E-A947-70E740481C1C}">
                 <a14:useLocalDpi xmlns:a14="http://schemas.microsoft.com/office/drawing/2010/main" val="0"/>
@@ -7947,8 +8227,8 @@
         </p:blipFill>
         <p:spPr>
           <a:xfrm rot="0">
-            <a:off x="1172210" y="1266190"/>
-            <a:ext cx="4198620" cy="1061720"/>
+            <a:off x="6801485" y="1433830"/>
+            <a:ext cx="4159250" cy="1850390"/>
           </a:xfrm>
           <a:prstGeom prst="roundRect"/>
           <a:solidFill>
@@ -7956,16 +8236,88 @@
           </a:solidFill>
         </p:spPr>
       </p:pic>
+      <p:sp>
+        <p:nvSpPr>
+          <p:cNvPr id="1240" name="텍스트 상자 28"/>
+          <p:cNvSpPr txBox="1">
+            <a:spLocks/>
+          </p:cNvSpPr>
+          <p:nvPr/>
+        </p:nvSpPr>
+        <p:spPr>
+          <a:xfrm rot="0">
+            <a:off x="6807835" y="5617210"/>
+            <a:ext cx="4164965" cy="647065"/>
+          </a:xfrm>
+          <a:prstGeom prst="rect"/>
+          <a:noFill/>
+          <a:ln w="0">
+            <a:noFill/>
+            <a:prstDash/>
+          </a:ln>
+        </p:spPr>
+        <p:txBody>
+          <a:bodyPr wrap="square" lIns="89535" tIns="46355" rIns="89535" bIns="46355" numCol="1" vert="horz" anchor="t">
+            <a:spAutoFit/>
+          </a:bodyPr>
+          <a:lstStyle/>
+          <a:p>
+            <a:pPr marL="0" indent="0" rtl="0" algn="l" defTabSz="914400" eaLnBrk="1" latinLnBrk="0" hangingPunct="1">
+              <a:buFontTx/>
+              <a:buNone/>
+            </a:pPr>
+            <a:r>
+              <a:rPr lang="ko-KR" sz="1800">
+                <a:latin typeface="맑은 고딕" charset="0"/>
+                <a:ea typeface="맑은 고딕" charset="0"/>
+              </a:rPr>
+              <a:t>소리는</a:t>
+            </a:r>
+            <a:r>
+              <a:rPr lang="ko-KR" sz="1800">
+                <a:latin typeface="맑은 고딕" charset="0"/>
+                <a:ea typeface="맑은 고딕" charset="0"/>
+              </a:rPr>
+              <a:t> 어떤 파동이나 관찰자의 상대 속도에 따라 진동수</a:t>
+            </a:r>
+            <a:r>
+              <a:rPr lang="ko-KR" sz="1800">
+                <a:latin typeface="맑은 고딕" charset="0"/>
+                <a:ea typeface="맑은 고딕" charset="0"/>
+              </a:rPr>
+              <a:t>가</a:t>
+            </a:r>
+            <a:r>
+              <a:rPr lang="ko-KR" sz="1800">
+                <a:latin typeface="맑은 고딕" charset="0"/>
+                <a:ea typeface="맑은 고딕" charset="0"/>
+              </a:rPr>
+              <a:t> 바뀌게 됩니다.</a:t>
+            </a:r>
+            <a:r>
+              <a:rPr lang="ko-KR" sz="1800">
+                <a:latin typeface="맑은 고딕" charset="0"/>
+                <a:ea typeface="맑은 고딕" charset="0"/>
+              </a:rPr>
+              <a:t> </a:t>
+            </a:r>
+            <a:endParaRPr lang="ko-KR" altLang="en-US" sz="1800">
+              <a:latin typeface="맑은 고딕" charset="0"/>
+              <a:ea typeface="맑은 고딕" charset="0"/>
+            </a:endParaRPr>
+          </a:p>
+        </p:txBody>
+      </p:sp>
       <p:pic>
         <p:nvPicPr>
-          <p:cNvPr id="1225" name="그림 21"/>
+          <p:cNvPr id="1241" name="그림 34"/>
           <p:cNvPicPr>
             <a:picLocks noChangeAspect="1"/>
           </p:cNvPicPr>
           <p:nvPr/>
         </p:nvPicPr>
         <p:blipFill rotWithShape="1">
-          <a:blip r:embed="rId3" cstate="print">
+          <a:blip r:embed="rId12" cstate="print">
             <a:extLst>
               <a:ext uri="{28A0092B-C50C-407E-A947-70E740481C1C}">
                 <a14:useLocalDpi xmlns:a14="http://schemas.microsoft.com/office/drawing/2010/main" val="0"/>
@@ -7978,8 +8330,8 @@
         </p:blipFill>
         <p:spPr>
           <a:xfrm rot="0">
-            <a:off x="1160780" y="2453005"/>
-            <a:ext cx="4193540" cy="1056005"/>
+            <a:off x="6807835" y="4109085"/>
+            <a:ext cx="4158615" cy="1390650"/>
           </a:xfrm>
           <a:prstGeom prst="roundRect"/>
           <a:solidFill>
@@ -7989,14 +8341,319 @@
       </p:pic>
       <p:pic>
         <p:nvPicPr>
-          <p:cNvPr id="1226" name="그림 22"/>
+          <p:cNvPr id="1242" name="그림 69"/>
           <p:cNvPicPr>
             <a:picLocks noChangeAspect="1"/>
           </p:cNvPicPr>
           <p:nvPr/>
         </p:nvPicPr>
         <p:blipFill rotWithShape="1">
-          <a:blip r:embed="rId4" cstate="hqprint">
+          <a:blip r:embed="rId13" cstate="print">
+            <a:extLst>
+              <a:ext uri="{28A0092B-C50C-407E-A947-70E740481C1C}">
+                <a14:useLocalDpi xmlns:a14="http://schemas.microsoft.com/office/drawing/2010/main" val="0"/>
+              </a:ext>
+            </a:extLst>
+          </a:blip>
+          <a:stretch>
+            <a:fillRect/>
+          </a:stretch>
+        </p:blipFill>
+        <p:spPr>
+          <a:xfrm rot="0">
+            <a:off x="1235075" y="1433830"/>
+            <a:ext cx="4121150" cy="1850390"/>
+          </a:xfrm>
+          <a:prstGeom prst="roundRect"/>
+          <a:solidFill>
+            <a:srgbClr val="EDEDED"/>
+          </a:solidFill>
+        </p:spPr>
+      </p:pic>
+      <p:sp>
+        <p:nvSpPr>
+          <p:cNvPr id="1243" name="텍스트 상자 70"/>
+          <p:cNvSpPr txBox="1">
+            <a:spLocks/>
+          </p:cNvSpPr>
+          <p:nvPr/>
+        </p:nvSpPr>
+        <p:spPr>
+          <a:xfrm rot="0">
+            <a:off x="1236980" y="3366770"/>
+            <a:ext cx="4125595" cy="647065"/>
+          </a:xfrm>
+          <a:prstGeom prst="rect"/>
+          <a:noFill/>
+          <a:ln w="0">
+            <a:noFill/>
+            <a:prstDash/>
+          </a:ln>
+        </p:spPr>
+        <p:txBody>
+          <a:bodyPr wrap="square" lIns="89535" tIns="46355" rIns="89535" bIns="46355" numCol="1" vert="horz" anchor="t">
+            <a:spAutoFit/>
+          </a:bodyPr>
+          <a:lstStyle/>
+          <a:p>
+            <a:pPr marL="0" indent="0" rtl="0" algn="l" defTabSz="914400" eaLnBrk="1" latinLnBrk="0" hangingPunct="1">
+              <a:buFontTx/>
+              <a:buNone/>
+            </a:pPr>
+            <a:r>
+              <a:rPr sz="1800" b="1">
+                <a:solidFill>
+                  <a:srgbClr val="0611F2"/>
+                </a:solidFill>
+                <a:latin typeface="맑은 고딕" charset="0"/>
+                <a:ea typeface="맑은 고딕" charset="0"/>
+              </a:rPr>
+              <a:t>2</a:t>
+            </a:r>
+            <a:r>
+              <a:rPr lang="ko-KR" sz="1800" b="1">
+                <a:solidFill>
+                  <a:srgbClr val="0611F2"/>
+                </a:solidFill>
+                <a:latin typeface="맑은 고딕" charset="0"/>
+                <a:ea typeface="맑은 고딕" charset="0"/>
+              </a:rPr>
+              <a:t>7</a:t>
+            </a:r>
+            <a:r>
+              <a:rPr sz="1800" b="1">
+                <a:solidFill>
+                  <a:srgbClr val="0611F2"/>
+                </a:solidFill>
+                <a:latin typeface="맑은 고딕" charset="0"/>
+                <a:ea typeface="맑은 고딕" charset="0"/>
+              </a:rPr>
+              <a:t>.</a:t>
+            </a:r>
+            <a:r>
+              <a:rPr sz="1800">
+                <a:latin typeface="맑은 고딕" charset="0"/>
+                <a:ea typeface="맑은 고딕" charset="0"/>
+              </a:rPr>
+              <a:t> </a:t>
+            </a:r>
+            <a:r>
+              <a:rPr lang="ko-KR" sz="1800">
+                <a:latin typeface="맑은 고딕" charset="0"/>
+                <a:ea typeface="맑은 고딕" charset="0"/>
+              </a:rPr>
+              <a:t>그리고 W</a:t>
+            </a:r>
+            <a:r>
+              <a:rPr lang="ko-KR" sz="1800">
+                <a:latin typeface="맑은 고딕" charset="0"/>
+                <a:ea typeface="맑은 고딕" charset="0"/>
+              </a:rPr>
+              <a:t>orld Can</a:t>
+            </a:r>
+            <a:r>
+              <a:rPr lang="ko-KR" sz="1800">
+                <a:latin typeface="맑은 고딕" charset="0"/>
+                <a:ea typeface="맑은 고딕" charset="0"/>
+              </a:rPr>
+              <a:t>v</a:t>
+            </a:r>
+            <a:r>
+              <a:rPr lang="ko-KR" sz="1800">
+                <a:latin typeface="맑은 고딕" charset="0"/>
+                <a:ea typeface="맑은 고딕" charset="0"/>
+              </a:rPr>
+              <a:t>as 오브젝트의 위치</a:t>
+            </a:r>
+            <a:r>
+              <a:rPr lang="ko-KR" sz="1800">
+                <a:latin typeface="맑은 고딕" charset="0"/>
+                <a:ea typeface="맑은 고딕" charset="0"/>
+              </a:rPr>
+              <a:t>와 </a:t>
+            </a:r>
+            <a:r>
+              <a:rPr lang="ko-KR" sz="1800">
+                <a:latin typeface="맑은 고딕" charset="0"/>
+                <a:ea typeface="맑은 고딕" charset="0"/>
+              </a:rPr>
+              <a:t>크기</a:t>
+            </a:r>
+            <a:r>
+              <a:rPr lang="ko-KR" sz="1800">
+                <a:latin typeface="맑은 고딕" charset="0"/>
+                <a:ea typeface="맑은 고딕" charset="0"/>
+              </a:rPr>
+              <a:t> </a:t>
+            </a:r>
+            <a:r>
+              <a:rPr lang="ko-KR" sz="1800">
+                <a:latin typeface="맑은 고딕" charset="0"/>
+                <a:ea typeface="맑은 고딕" charset="0"/>
+              </a:rPr>
+              <a:t>값을 초기화합니다.</a:t>
+            </a:r>
+            <a:r>
+              <a:rPr lang="ko-KR" sz="1800">
+                <a:latin typeface="맑은 고딕" charset="0"/>
+                <a:ea typeface="맑은 고딕" charset="0"/>
+              </a:rPr>
+              <a:t> </a:t>
+            </a:r>
+            <a:endParaRPr lang="ko-KR" altLang="en-US" sz="1800">
+              <a:latin typeface="맑은 고딕" charset="0"/>
+              <a:ea typeface="맑은 고딕" charset="0"/>
+            </a:endParaRPr>
+          </a:p>
+        </p:txBody>
+      </p:sp>
+      <p:sp>
+        <p:nvSpPr>
+          <p:cNvPr id="1244" name="텍스트 상자 76"/>
+          <p:cNvSpPr txBox="1">
+            <a:spLocks/>
+          </p:cNvSpPr>
+          <p:nvPr/>
+        </p:nvSpPr>
+        <p:spPr>
+          <a:xfrm rot="0">
+            <a:off x="1238250" y="5331460"/>
+            <a:ext cx="4143375" cy="923925"/>
+          </a:xfrm>
+          <a:prstGeom prst="rect"/>
+          <a:noFill/>
+          <a:ln w="0">
+            <a:noFill/>
+            <a:prstDash/>
+          </a:ln>
+        </p:spPr>
+        <p:txBody>
+          <a:bodyPr wrap="square" lIns="89535" tIns="46355" rIns="89535" bIns="46355" numCol="1" vert="horz" anchor="t">
+            <a:spAutoFit/>
+          </a:bodyPr>
+          <a:lstStyle/>
+          <a:p>
+            <a:pPr marL="0" indent="0" rtl="0" algn="l" defTabSz="914400" eaLnBrk="1" latinLnBrk="0" hangingPunct="1">
+              <a:buFontTx/>
+              <a:buNone/>
+            </a:pPr>
+            <a:r>
+              <a:rPr sz="1800" b="1">
+                <a:solidFill>
+                  <a:srgbClr val="0611F2"/>
+                </a:solidFill>
+                <a:latin typeface="맑은 고딕" charset="0"/>
+                <a:ea typeface="맑은 고딕" charset="0"/>
+              </a:rPr>
+              <a:t>2</a:t>
+            </a:r>
+            <a:r>
+              <a:rPr lang="ko-KR" sz="1800" b="1">
+                <a:solidFill>
+                  <a:srgbClr val="0611F2"/>
+                </a:solidFill>
+                <a:latin typeface="맑은 고딕" charset="0"/>
+                <a:ea typeface="맑은 고딕" charset="0"/>
+              </a:rPr>
+              <a:t>8</a:t>
+            </a:r>
+            <a:r>
+              <a:rPr sz="1800" b="1">
+                <a:solidFill>
+                  <a:srgbClr val="0611F2"/>
+                </a:solidFill>
+                <a:latin typeface="맑은 고딕" charset="0"/>
+                <a:ea typeface="맑은 고딕" charset="0"/>
+              </a:rPr>
+              <a:t>.</a:t>
+            </a:r>
+            <a:r>
+              <a:rPr sz="1800">
+                <a:latin typeface="맑은 고딕" charset="0"/>
+                <a:ea typeface="맑은 고딕" charset="0"/>
+              </a:rPr>
+              <a:t> </a:t>
+            </a:r>
+            <a:r>
+              <a:rPr lang="ko-KR" sz="1800">
+                <a:latin typeface="맑은 고딕" charset="0"/>
+                <a:ea typeface="맑은 고딕" charset="0"/>
+              </a:rPr>
+              <a:t>그</a:t>
+            </a:r>
+            <a:r>
+              <a:rPr lang="ko-KR" sz="1800">
+                <a:latin typeface="맑은 고딕" charset="0"/>
+                <a:ea typeface="맑은 고딕" charset="0"/>
+              </a:rPr>
+              <a:t>런 </a:t>
+            </a:r>
+            <a:r>
+              <a:rPr lang="ko-KR" sz="1800">
+                <a:latin typeface="맑은 고딕" charset="0"/>
+                <a:ea typeface="맑은 고딕" charset="0"/>
+              </a:rPr>
+              <a:t>다음</a:t>
+            </a:r>
+            <a:r>
+              <a:rPr lang="ko-KR" sz="1800">
+                <a:latin typeface="맑은 고딕" charset="0"/>
+                <a:ea typeface="맑은 고딕" charset="0"/>
+              </a:rPr>
+              <a:t> </a:t>
+            </a:r>
+            <a:r>
+              <a:rPr sz="1800">
+                <a:latin typeface="맑은 고딕" charset="0"/>
+                <a:ea typeface="맑은 고딕" charset="0"/>
+              </a:rPr>
+              <a:t>S</a:t>
+            </a:r>
+            <a:r>
+              <a:rPr sz="1800">
+                <a:latin typeface="맑은 고딕" charset="0"/>
+                <a:ea typeface="맑은 고딕" charset="0"/>
+              </a:rPr>
+              <a:t>e</a:t>
+            </a:r>
+            <a:r>
+              <a:rPr lang="ko-KR" sz="1800">
+                <a:latin typeface="맑은 고딕" charset="0"/>
+                <a:ea typeface="맑은 고딕" charset="0"/>
+              </a:rPr>
+              <a:t>a</a:t>
+            </a:r>
+            <a:r>
+              <a:rPr lang="ko-KR" sz="1800">
+                <a:latin typeface="맑은 고딕" charset="0"/>
+                <a:ea typeface="맑은 고딕" charset="0"/>
+              </a:rPr>
+              <a:t>rch Button </a:t>
+            </a:r>
+            <a:r>
+              <a:rPr sz="1800">
+                <a:latin typeface="맑은 고딕" charset="0"/>
+                <a:ea typeface="맑은 고딕" charset="0"/>
+              </a:rPr>
+              <a:t>오브젝트의 OnClick( ) 함수를 추가합니다.</a:t>
+            </a:r>
+            <a:endParaRPr lang="ko-KR" altLang="en-US" sz="1800">
+              <a:latin typeface="맑은 고딕" charset="0"/>
+              <a:ea typeface="맑은 고딕" charset="0"/>
+            </a:endParaRPr>
+          </a:p>
+        </p:txBody>
+      </p:sp>
+      <p:pic>
+        <p:nvPicPr>
+          <p:cNvPr id="1245" name="그림 77" descr="C:/Users/nwond/AppData/Roaming/PolarisOffice/ETemp/2808_23068720/fImage30172346962.png"/>
+          <p:cNvPicPr>
+            <a:picLocks noChangeAspect="1"/>
+          </p:cNvPicPr>
+          <p:nvPr/>
+        </p:nvPicPr>
+        <p:blipFill rotWithShape="1">
+          <a:blip r:embed="rId14" cstate="hqprint">
             <a:extLst>
               <a:ext uri="{28A0092B-C50C-407E-A947-70E740481C1C}">
                 <a14:useLocalDpi xmlns:a14="http://schemas.microsoft.com/office/drawing/2010/main"/>
@@ -8009,8 +8666,8 @@
         </p:blipFill>
         <p:spPr>
           <a:xfrm rot="0">
-            <a:off x="1172210" y="3616325"/>
-            <a:ext cx="4191000" cy="1047750"/>
+            <a:off x="2501265" y="4139565"/>
+            <a:ext cx="2874645" cy="1092200"/>
           </a:xfrm>
           <a:prstGeom prst="roundRect"/>
           <a:solidFill>
@@ -8020,14 +8677,14 @@
       </p:pic>
       <p:pic>
         <p:nvPicPr>
-          <p:cNvPr id="1230" name="그림 39"/>
+          <p:cNvPr id="1246" name="그림 78" descr="C:/Users/nwond/AppData/Roaming/PolarisOffice/ETemp/2808_23068720/fImage88042354464.png"/>
           <p:cNvPicPr>
             <a:picLocks noChangeAspect="1"/>
           </p:cNvPicPr>
           <p:nvPr/>
         </p:nvPicPr>
         <p:blipFill rotWithShape="1">
-          <a:blip r:embed="rId8" cstate="hqprint">
+          <a:blip r:embed="rId15" cstate="hqprint">
             <a:extLst>
               <a:ext uri="{28A0092B-C50C-407E-A947-70E740481C1C}">
                 <a14:useLocalDpi xmlns:a14="http://schemas.microsoft.com/office/drawing/2010/main"/>
@@ -8040,8 +8697,8 @@
         </p:blipFill>
         <p:spPr>
           <a:xfrm rot="0">
-            <a:off x="6805930" y="2563495"/>
-            <a:ext cx="4158615" cy="1524635"/>
+            <a:off x="1228725" y="4137660"/>
+            <a:ext cx="1155065" cy="1094105"/>
           </a:xfrm>
           <a:prstGeom prst="roundRect"/>
           <a:solidFill>
@@ -8049,70 +8706,6 @@
           </a:solidFill>
         </p:spPr>
       </p:pic>
-      <p:pic>
-        <p:nvPicPr>
-          <p:cNvPr id="1231" name="그림 26"/>
-          <p:cNvPicPr>
-            <a:picLocks noChangeAspect="1"/>
-          </p:cNvPicPr>
-          <p:nvPr/>
-        </p:nvPicPr>
-        <p:blipFill rotWithShape="1">
-          <a:blip r:embed="rId10" cstate="print">
-            <a:extLst>
-              <a:ext uri="{28A0092B-C50C-407E-A947-70E740481C1C}">
-                <a14:useLocalDpi xmlns:a14="http://schemas.microsoft.com/office/drawing/2010/main" val="0"/>
-              </a:ext>
-            </a:extLst>
-          </a:blip>
-          <a:stretch>
-            <a:fillRect/>
-          </a:stretch>
-        </p:blipFill>
-        <p:spPr>
-          <a:xfrm rot="0">
-            <a:off x="6814820" y="1264285"/>
-            <a:ext cx="4157345" cy="1143635"/>
-          </a:xfrm>
-          <a:prstGeom prst="roundRect"/>
-          <a:solidFill>
-            <a:srgbClr val="EDEDED"/>
-          </a:solidFill>
-        </p:spPr>
-      </p:pic>
-      <p:cxnSp>
-        <p:nvCxnSpPr>
-          <p:cNvPr id="1232" name="도형 29"/>
-          <p:cNvCxnSpPr/>
-          <p:nvPr/>
-        </p:nvCxnSpPr>
-        <p:spPr>
-          <a:xfrm rot="0">
-            <a:off x="10053320" y="2320925"/>
-            <a:ext cx="788670" cy="1082675"/>
-          </a:xfrm>
-          <a:prstGeom prst="straightConnector1"/>
-          <a:ln w="6350" cap="flat" cmpd="sng">
-            <a:prstDash/>
-            <a:headEnd type="none" w="med" len="med"/>
-            <a:tailEnd type="triangle" w="med" len="med"/>
-          </a:ln>
-        </p:spPr>
-        <p:style>
-          <a:lnRef idx="1">
-            <a:schemeClr val="accent1"/>
-          </a:lnRef>
-          <a:fillRef idx="0">
-            <a:schemeClr val="accent1"/>
-          </a:fillRef>
-          <a:effectRef idx="0">
-            <a:schemeClr val="accent1"/>
-          </a:effectRef>
-          <a:fontRef idx="minor">
-            <a:schemeClr val="tx1"/>
-          </a:fontRef>
-        </p:style>
-      </p:cxnSp>
     </p:spTree>
   </p:cSld>
   <p:clrMapOvr>
@@ -8163,8 +8756,8 @@
         </p:nvSpPr>
         <p:spPr>
           <a:xfrm rot="0">
-            <a:off x="4632325" y="354965"/>
-            <a:ext cx="2936875" cy="478155"/>
+            <a:off x="4486910" y="354965"/>
+            <a:ext cx="3213735" cy="478155"/>
           </a:xfrm>
           <a:prstGeom prst="rect"/>
           <a:noFill/>
@@ -8191,17 +8784,7 @@
                 <a:latin typeface="나눔바른고딕" charset="0"/>
                 <a:ea typeface="나눔바른고딕" charset="0"/>
               </a:rPr>
-              <a:t>열 </a:t>
-            </a:r>
-            <a:r>
-              <a:rPr lang="ko-KR" altLang="en-US" sz="2500" b="1">
-                <a:solidFill>
-                  <a:schemeClr val="tx1"/>
-                </a:solidFill>
-                <a:latin typeface="나눔바른고딕" charset="0"/>
-                <a:ea typeface="나눔바른고딕" charset="0"/>
-              </a:rPr>
-              <a:t> 번째 튜토리얼</a:t>
+              <a:t>열한  번째 튜토리얼</a:t>
             </a:r>
             <a:endParaRPr lang="ko-KR" altLang="en-US" sz="2500" b="1">
               <a:solidFill>
@@ -8213,344 +8796,16 @@
           </a:p>
         </p:txBody>
       </p:sp>
-      <p:sp>
-        <p:nvSpPr>
-          <p:cNvPr id="1216" name="Rect 0"/>
-          <p:cNvSpPr txBox="1">
-            <a:spLocks/>
-          </p:cNvSpPr>
-          <p:nvPr/>
-        </p:nvSpPr>
-        <p:spPr>
-          <a:xfrm rot="0">
-            <a:off x="1238250" y="4217035"/>
-            <a:ext cx="4131310" cy="2031365"/>
-          </a:xfrm>
-          <a:prstGeom prst="rect"/>
-          <a:noFill/>
-          <a:ln w="0">
-            <a:noFill/>
-            <a:prstDash/>
-          </a:ln>
-        </p:spPr>
-        <p:txBody>
-          <a:bodyPr wrap="square" lIns="89535" tIns="46355" rIns="89535" bIns="46355" numCol="1" vert="horz" anchor="t">
-            <a:spAutoFit/>
-          </a:bodyPr>
-          <a:lstStyle/>
-          <a:p>
-            <a:pPr marL="0" indent="0" rtl="0" algn="l" defTabSz="914400" eaLnBrk="1" latinLnBrk="0" hangingPunct="1">
-              <a:buFontTx/>
-              <a:buNone/>
-            </a:pPr>
-            <a:r>
-              <a:rPr sz="1800" b="1">
-                <a:solidFill>
-                  <a:srgbClr val="0611F2"/>
-                </a:solidFill>
-                <a:latin typeface="맑은 고딕" charset="0"/>
-                <a:ea typeface="맑은 고딕" charset="0"/>
-              </a:rPr>
-              <a:t>2</a:t>
-            </a:r>
-            <a:r>
-              <a:rPr lang="ko-KR" sz="1800" b="1">
-                <a:solidFill>
-                  <a:srgbClr val="0611F2"/>
-                </a:solidFill>
-                <a:latin typeface="맑은 고딕" charset="0"/>
-                <a:ea typeface="맑은 고딕" charset="0"/>
-              </a:rPr>
-              <a:t>5</a:t>
-            </a:r>
-            <a:r>
-              <a:rPr sz="1800" b="1">
-                <a:solidFill>
-                  <a:srgbClr val="0611F2"/>
-                </a:solidFill>
-                <a:latin typeface="맑은 고딕" charset="0"/>
-                <a:ea typeface="맑은 고딕" charset="0"/>
-              </a:rPr>
-              <a:t>.</a:t>
-            </a:r>
-            <a:r>
-              <a:rPr sz="1800">
-                <a:latin typeface="맑은 고딕" charset="0"/>
-                <a:ea typeface="맑은 고딕" charset="0"/>
-              </a:rPr>
-              <a:t> </a:t>
-            </a:r>
-            <a:r>
-              <a:rPr lang="ko-KR" sz="1800">
-                <a:latin typeface="맑은 고딕" charset="0"/>
-                <a:ea typeface="맑은 고딕" charset="0"/>
-              </a:rPr>
-              <a:t>그리고</a:t>
-            </a:r>
-            <a:r>
-              <a:rPr lang="ko-KR" sz="1800">
-                <a:latin typeface="맑은 고딕" charset="0"/>
-                <a:ea typeface="맑은 고딕" charset="0"/>
-              </a:rPr>
-              <a:t> Project 폴더</a:t>
-            </a:r>
-            <a:r>
-              <a:rPr lang="ko-KR" sz="1800">
-                <a:latin typeface="맑은 고딕" charset="0"/>
-                <a:ea typeface="맑은 고딕" charset="0"/>
-              </a:rPr>
-              <a:t> 아래에 있는</a:t>
-            </a:r>
-            <a:r>
-              <a:rPr lang="ko-KR" sz="1800">
-                <a:latin typeface="맑은 고딕" charset="0"/>
-                <a:ea typeface="맑은 고딕" charset="0"/>
-              </a:rPr>
-              <a:t> Texture</a:t>
-            </a:r>
-            <a:r>
-              <a:rPr lang="ko-KR" sz="1800">
-                <a:latin typeface="맑은 고딕" charset="0"/>
-                <a:ea typeface="맑은 고딕" charset="0"/>
-              </a:rPr>
-              <a:t> 폴더</a:t>
-            </a:r>
-            <a:r>
-              <a:rPr lang="ko-KR" sz="1800">
-                <a:latin typeface="맑은 고딕" charset="0"/>
-                <a:ea typeface="맑은 고딕" charset="0"/>
-              </a:rPr>
-              <a:t>에 </a:t>
-            </a:r>
-            <a:r>
-              <a:rPr lang="ko-KR" sz="1800">
-                <a:latin typeface="맑은 고딕" charset="0"/>
-                <a:ea typeface="맑은 고딕" charset="0"/>
-              </a:rPr>
-              <a:t>Magic</a:t>
-            </a:r>
-            <a:r>
-              <a:rPr lang="ko-KR" sz="1800">
-                <a:latin typeface="맑은 고딕" charset="0"/>
-                <a:ea typeface="맑은 고딕" charset="0"/>
-              </a:rPr>
-              <a:t> 이미지</a:t>
-            </a:r>
-            <a:r>
-              <a:rPr lang="ko-KR" sz="1800">
-                <a:latin typeface="맑은 고딕" charset="0"/>
-                <a:ea typeface="맑은 고딕" charset="0"/>
-              </a:rPr>
-              <a:t>를 선택합니다.</a:t>
-            </a:r>
-            <a:endParaRPr lang="ko-KR" altLang="en-US" sz="1800">
-              <a:latin typeface="맑은 고딕" charset="0"/>
-              <a:ea typeface="맑은 고딕" charset="0"/>
-            </a:endParaRPr>
-          </a:p>
-          <a:p>
-            <a:pPr marL="0" indent="0" rtl="0" algn="l" defTabSz="914400" eaLnBrk="1" latinLnBrk="0" hangingPunct="1">
-              <a:buFontTx/>
-              <a:buNone/>
-            </a:pPr>
-            <a:endParaRPr lang="ko-KR" altLang="en-US" sz="1800">
-              <a:latin typeface="맑은 고딕" charset="0"/>
-              <a:ea typeface="맑은 고딕" charset="0"/>
-            </a:endParaRPr>
-          </a:p>
-          <a:p>
-            <a:pPr marL="0" indent="0" rtl="0" algn="l" defTabSz="914400" eaLnBrk="1" latinLnBrk="0" hangingPunct="1">
-              <a:buFontTx/>
-              <a:buNone/>
-            </a:pPr>
-            <a:r>
-              <a:rPr lang="ko-KR" sz="1800">
-                <a:latin typeface="맑은 고딕" charset="0"/>
-                <a:ea typeface="맑은 고딕" charset="0"/>
-              </a:rPr>
-              <a:t>그다음 Magic Button 오브젝트의 Source Image에 Magic 이미지를 넣어줍니다.</a:t>
-            </a:r>
-            <a:endParaRPr lang="ko-KR" altLang="en-US" sz="1800">
-              <a:latin typeface="맑은 고딕" charset="0"/>
-              <a:ea typeface="맑은 고딕" charset="0"/>
-            </a:endParaRPr>
-          </a:p>
-        </p:txBody>
-      </p:sp>
-      <p:sp>
-        <p:nvSpPr>
-          <p:cNvPr id="1223" name="Rect 0"/>
-          <p:cNvSpPr txBox="1">
-            <a:spLocks/>
-          </p:cNvSpPr>
-          <p:nvPr/>
-        </p:nvSpPr>
-        <p:spPr>
-          <a:xfrm rot="0">
-            <a:off x="6814820" y="4219575"/>
-            <a:ext cx="4122420" cy="2031365"/>
-          </a:xfrm>
-          <a:prstGeom prst="rect"/>
-          <a:noFill/>
-          <a:ln w="0">
-            <a:noFill/>
-            <a:prstDash/>
-          </a:ln>
-        </p:spPr>
-        <p:txBody>
-          <a:bodyPr wrap="square" lIns="89535" tIns="46355" rIns="89535" bIns="46355" numCol="1" vert="horz" anchor="t">
-            <a:spAutoFit/>
-          </a:bodyPr>
-          <a:lstStyle/>
-          <a:p>
-            <a:pPr marL="0" indent="0" rtl="0" algn="l" defTabSz="914400" eaLnBrk="1" latinLnBrk="0" hangingPunct="1">
-              <a:buFontTx/>
-              <a:buNone/>
-            </a:pPr>
-            <a:r>
-              <a:rPr sz="1800" b="1">
-                <a:solidFill>
-                  <a:srgbClr val="0611F2"/>
-                </a:solidFill>
-                <a:latin typeface="맑은 고딕" charset="0"/>
-                <a:ea typeface="맑은 고딕" charset="0"/>
-              </a:rPr>
-              <a:t>2</a:t>
-            </a:r>
-            <a:r>
-              <a:rPr lang="ko-KR" sz="1800" b="1">
-                <a:solidFill>
-                  <a:srgbClr val="0611F2"/>
-                </a:solidFill>
-                <a:latin typeface="맑은 고딕" charset="0"/>
-                <a:ea typeface="맑은 고딕" charset="0"/>
-              </a:rPr>
-              <a:t>6</a:t>
-            </a:r>
-            <a:r>
-              <a:rPr sz="1800" b="1">
-                <a:solidFill>
-                  <a:srgbClr val="0611F2"/>
-                </a:solidFill>
-                <a:latin typeface="맑은 고딕" charset="0"/>
-                <a:ea typeface="맑은 고딕" charset="0"/>
-              </a:rPr>
-              <a:t>.</a:t>
-            </a:r>
-            <a:r>
-              <a:rPr sz="1800">
-                <a:latin typeface="맑은 고딕" charset="0"/>
-                <a:ea typeface="맑은 고딕" charset="0"/>
-              </a:rPr>
-              <a:t> </a:t>
-            </a:r>
-            <a:r>
-              <a:rPr lang="ko-KR" sz="1800">
-                <a:latin typeface="맑은 고딕" charset="0"/>
-                <a:ea typeface="맑은 고딕" charset="0"/>
-              </a:rPr>
-              <a:t>그러고 나서</a:t>
-            </a:r>
-            <a:r>
-              <a:rPr lang="ko-KR" sz="1800">
-                <a:latin typeface="맑은 고딕" charset="0"/>
-                <a:ea typeface="맑은 고딕" charset="0"/>
-              </a:rPr>
-              <a:t> Project 폴더</a:t>
-            </a:r>
-            <a:r>
-              <a:rPr lang="ko-KR" sz="1800">
-                <a:latin typeface="맑은 고딕" charset="0"/>
-                <a:ea typeface="맑은 고딕" charset="0"/>
-              </a:rPr>
-              <a:t> 아래에 있는</a:t>
-            </a:r>
-            <a:r>
-              <a:rPr lang="ko-KR" sz="1800">
-                <a:latin typeface="맑은 고딕" charset="0"/>
-                <a:ea typeface="맑은 고딕" charset="0"/>
-              </a:rPr>
-              <a:t> Texture</a:t>
-            </a:r>
-            <a:r>
-              <a:rPr lang="ko-KR" sz="1800">
-                <a:latin typeface="맑은 고딕" charset="0"/>
-                <a:ea typeface="맑은 고딕" charset="0"/>
-              </a:rPr>
-              <a:t> 폴더</a:t>
-            </a:r>
-            <a:r>
-              <a:rPr lang="ko-KR" sz="1800">
-                <a:latin typeface="맑은 고딕" charset="0"/>
-                <a:ea typeface="맑은 고딕" charset="0"/>
-              </a:rPr>
-              <a:t>에 </a:t>
-            </a:r>
-            <a:r>
-              <a:rPr lang="ko-KR" sz="1800">
-                <a:latin typeface="맑은 고딕" charset="0"/>
-                <a:ea typeface="맑은 고딕" charset="0"/>
-              </a:rPr>
-              <a:t>Explosion</a:t>
-            </a:r>
-            <a:r>
-              <a:rPr lang="ko-KR" sz="1800">
-                <a:latin typeface="맑은 고딕" charset="0"/>
-                <a:ea typeface="맑은 고딕" charset="0"/>
-              </a:rPr>
-              <a:t> 이미지</a:t>
-            </a:r>
-            <a:r>
-              <a:rPr lang="ko-KR" sz="1800">
-                <a:latin typeface="맑은 고딕" charset="0"/>
-                <a:ea typeface="맑은 고딕" charset="0"/>
-              </a:rPr>
-              <a:t>를 선택합니다.</a:t>
-            </a:r>
-            <a:endParaRPr lang="ko-KR" altLang="en-US" sz="1800">
-              <a:latin typeface="맑은 고딕" charset="0"/>
-              <a:ea typeface="맑은 고딕" charset="0"/>
-            </a:endParaRPr>
-          </a:p>
-          <a:p>
-            <a:pPr marL="0" indent="0" rtl="0" algn="l" defTabSz="914400" eaLnBrk="1" latinLnBrk="0" hangingPunct="1">
-              <a:buFontTx/>
-              <a:buNone/>
-            </a:pPr>
-            <a:endParaRPr lang="ko-KR" altLang="en-US" sz="1800">
-              <a:latin typeface="맑은 고딕" charset="0"/>
-              <a:ea typeface="맑은 고딕" charset="0"/>
-            </a:endParaRPr>
-          </a:p>
-          <a:p>
-            <a:pPr marL="0" indent="0" rtl="0" algn="l" defTabSz="914400" eaLnBrk="1" latinLnBrk="0" hangingPunct="1">
-              <a:buFontTx/>
-              <a:buNone/>
-            </a:pPr>
-            <a:r>
-              <a:rPr lang="ko-KR" sz="1800">
-                <a:latin typeface="맑은 고딕" charset="0"/>
-                <a:ea typeface="맑은 고딕" charset="0"/>
-              </a:rPr>
-              <a:t>마지막으로 Explosion Button 오브젝트의 Source Image에 Explosion 이미지를 넣어줍니다.</a:t>
-            </a:r>
-            <a:endParaRPr lang="ko-KR" altLang="en-US" sz="1800">
-              <a:latin typeface="맑은 고딕" charset="0"/>
-              <a:ea typeface="맑은 고딕" charset="0"/>
-            </a:endParaRPr>
-          </a:p>
-        </p:txBody>
-      </p:sp>
       <p:pic>
         <p:nvPicPr>
-          <p:cNvPr id="1228" name="Picture "/>
+          <p:cNvPr id="1232" name="그림 29" descr="C:/Users/nwond/AppData/Roaming/PolarisOffice/ETemp/2808_23068720/fImage49591925705.png"/>
           <p:cNvPicPr>
             <a:picLocks noChangeAspect="1"/>
           </p:cNvPicPr>
           <p:nvPr/>
         </p:nvPicPr>
         <p:blipFill rotWithShape="1">
-          <a:blip r:embed="rId2" cstate="hqprint">
+          <a:blip r:embed="rId7" cstate="hqprint">
             <a:extLst>
               <a:ext uri="{28A0092B-C50C-407E-A947-70E740481C1C}">
                 <a14:useLocalDpi xmlns:a14="http://schemas.microsoft.com/office/drawing/2010/main"/>
@@ -8563,8 +8818,8 @@
         </p:blipFill>
         <p:spPr>
           <a:xfrm rot="0">
-            <a:off x="1238250" y="2620645"/>
-            <a:ext cx="4131310" cy="1492885"/>
+            <a:off x="2513330" y="4109085"/>
+            <a:ext cx="2868295" cy="1043940"/>
           </a:xfrm>
           <a:prstGeom prst="roundRect"/>
           <a:solidFill>
@@ -8574,7 +8829,2394 @@
       </p:pic>
       <p:pic>
         <p:nvPicPr>
-          <p:cNvPr id="1229" name="Picture "/>
+          <p:cNvPr id="1233" name="그림 30" descr="C:/Users/nwond/AppData/Roaming/PolarisOffice/ETemp/2808_23068720/fImage79821938145.png"/>
+          <p:cNvPicPr>
+            <a:picLocks noChangeAspect="1"/>
+          </p:cNvPicPr>
+          <p:nvPr/>
+        </p:nvPicPr>
+        <p:blipFill rotWithShape="1">
+          <a:blip r:embed="rId8" cstate="hqprint">
+            <a:extLst>
+              <a:ext uri="{28A0092B-C50C-407E-A947-70E740481C1C}">
+                <a14:useLocalDpi xmlns:a14="http://schemas.microsoft.com/office/drawing/2010/main"/>
+              </a:ext>
+            </a:extLst>
+          </a:blip>
+          <a:stretch>
+            <a:fillRect/>
+          </a:stretch>
+        </p:blipFill>
+        <p:spPr>
+          <a:xfrm rot="0">
+            <a:off x="1235075" y="4107180"/>
+            <a:ext cx="1155700" cy="1045845"/>
+          </a:xfrm>
+          <a:prstGeom prst="roundRect"/>
+          <a:solidFill>
+            <a:srgbClr val="EDEDED"/>
+          </a:solidFill>
+        </p:spPr>
+      </p:pic>
+      <p:sp>
+        <p:nvSpPr>
+          <p:cNvPr id="1235" name="텍스트 상자 59"/>
+          <p:cNvSpPr txBox="1">
+            <a:spLocks/>
+          </p:cNvSpPr>
+          <p:nvPr/>
+        </p:nvSpPr>
+        <p:spPr>
+          <a:xfrm rot="0">
+            <a:off x="1231900" y="5288915"/>
+            <a:ext cx="4149725" cy="924560"/>
+          </a:xfrm>
+          <a:prstGeom prst="rect"/>
+          <a:noFill/>
+          <a:ln w="0">
+            <a:noFill/>
+            <a:prstDash/>
+          </a:ln>
+        </p:spPr>
+        <p:txBody>
+          <a:bodyPr wrap="square" lIns="89535" tIns="46355" rIns="89535" bIns="46355" numCol="1" vert="horz" anchor="t">
+            <a:spAutoFit/>
+          </a:bodyPr>
+          <a:lstStyle/>
+          <a:p>
+            <a:pPr marL="0" indent="0" rtl="0" algn="l" defTabSz="914400" eaLnBrk="1" latinLnBrk="0" hangingPunct="1">
+              <a:buFontTx/>
+              <a:buNone/>
+            </a:pPr>
+            <a:r>
+              <a:rPr sz="1800" b="1">
+                <a:solidFill>
+                  <a:srgbClr val="0611F2"/>
+                </a:solidFill>
+                <a:latin typeface="맑은 고딕" charset="0"/>
+                <a:ea typeface="맑은 고딕" charset="0"/>
+              </a:rPr>
+              <a:t>31.</a:t>
+            </a:r>
+            <a:r>
+              <a:rPr sz="1800">
+                <a:latin typeface="맑은 고딕" charset="0"/>
+                <a:ea typeface="맑은 고딕" charset="0"/>
+              </a:rPr>
+              <a:t> </a:t>
+            </a:r>
+            <a:r>
+              <a:rPr lang="ko-KR" sz="1800">
+                <a:latin typeface="맑은 고딕" charset="0"/>
+                <a:ea typeface="맑은 고딕" charset="0"/>
+              </a:rPr>
+              <a:t>이제 Search Button의 On Click( ) 함수에 Audio Manager 오브젝트를 넣어줍니다.</a:t>
+            </a:r>
+            <a:endParaRPr lang="ko-KR" altLang="en-US" sz="1800">
+              <a:latin typeface="맑은 고딕" charset="0"/>
+              <a:ea typeface="맑은 고딕" charset="0"/>
+            </a:endParaRPr>
+          </a:p>
+        </p:txBody>
+      </p:sp>
+      <p:pic>
+        <p:nvPicPr>
+          <p:cNvPr id="1236" name="그림 60" descr="C:/Users/nwond/AppData/Roaming/PolarisOffice/ETemp/2808_23068720/fImage53142173281.png"/>
+          <p:cNvPicPr>
+            <a:picLocks noChangeAspect="1"/>
+          </p:cNvPicPr>
+          <p:nvPr/>
+        </p:nvPicPr>
+        <p:blipFill rotWithShape="1">
+          <a:blip r:embed="rId9" cstate="hqprint">
+            <a:extLst>
+              <a:ext uri="{28A0092B-C50C-407E-A947-70E740481C1C}">
+                <a14:useLocalDpi xmlns:a14="http://schemas.microsoft.com/office/drawing/2010/main"/>
+              </a:ext>
+            </a:extLst>
+          </a:blip>
+          <a:stretch>
+            <a:fillRect/>
+          </a:stretch>
+        </p:blipFill>
+        <p:spPr>
+          <a:xfrm rot="0">
+            <a:off x="1235075" y="1433830"/>
+            <a:ext cx="4140835" cy="1564640"/>
+          </a:xfrm>
+          <a:prstGeom prst="roundRect"/>
+          <a:solidFill>
+            <a:srgbClr val="EDEDED"/>
+          </a:solidFill>
+        </p:spPr>
+      </p:pic>
+      <p:sp>
+        <p:nvSpPr>
+          <p:cNvPr id="1237" name="텍스트 상자 61"/>
+          <p:cNvSpPr txBox="1">
+            <a:spLocks/>
+          </p:cNvSpPr>
+          <p:nvPr/>
+        </p:nvSpPr>
+        <p:spPr>
+          <a:xfrm rot="0">
+            <a:off x="1235075" y="3074035"/>
+            <a:ext cx="4147185" cy="924560"/>
+          </a:xfrm>
+          <a:prstGeom prst="rect"/>
+          <a:noFill/>
+          <a:ln w="0">
+            <a:noFill/>
+            <a:prstDash/>
+          </a:ln>
+        </p:spPr>
+        <p:txBody>
+          <a:bodyPr wrap="square" lIns="89535" tIns="46355" rIns="89535" bIns="46355" numCol="1" vert="horz" anchor="t">
+            <a:spAutoFit/>
+          </a:bodyPr>
+          <a:lstStyle/>
+          <a:p>
+            <a:pPr marL="0" indent="0" rtl="0" algn="l" defTabSz="914400" eaLnBrk="1" latinLnBrk="0" hangingPunct="1">
+              <a:buFontTx/>
+              <a:buNone/>
+            </a:pPr>
+            <a:r>
+              <a:rPr sz="1800" b="1">
+                <a:solidFill>
+                  <a:srgbClr val="0611F2"/>
+                </a:solidFill>
+                <a:latin typeface="맑은 고딕" charset="0"/>
+                <a:ea typeface="맑은 고딕" charset="0"/>
+              </a:rPr>
+              <a:t>30.</a:t>
+            </a:r>
+            <a:r>
+              <a:rPr sz="1800">
+                <a:latin typeface="맑은 고딕" charset="0"/>
+                <a:ea typeface="맑은 고딕" charset="0"/>
+              </a:rPr>
+              <a:t> </a:t>
+            </a:r>
+            <a:r>
+              <a:rPr lang="ko-KR" sz="1800">
+                <a:latin typeface="맑은 고딕" charset="0"/>
+                <a:ea typeface="맑은 고딕" charset="0"/>
+              </a:rPr>
+              <a:t>그러고 나서 Audio Manager 오브젝트에 Audio Manager 스크립트를 추가합니다.</a:t>
+            </a:r>
+            <a:endParaRPr lang="ko-KR" altLang="en-US" sz="1800">
+              <a:latin typeface="맑은 고딕" charset="0"/>
+              <a:ea typeface="맑은 고딕" charset="0"/>
+            </a:endParaRPr>
+          </a:p>
+        </p:txBody>
+      </p:sp>
+      <p:cxnSp>
+        <p:nvCxnSpPr>
+          <p:cNvPr id="1238" name="도형 79"/>
+          <p:cNvCxnSpPr/>
+          <p:nvPr/>
+        </p:nvCxnSpPr>
+        <p:spPr>
+          <a:xfrm rot="0" flipV="1">
+            <a:off x="2190750" y="4718050"/>
+            <a:ext cx="1198880" cy="347980"/>
+          </a:xfrm>
+          <a:prstGeom prst="straightConnector1"/>
+          <a:ln w="6350" cap="flat" cmpd="sng">
+            <a:prstDash/>
+            <a:tailEnd type="triangle" w="med" len="med"/>
+          </a:ln>
+        </p:spPr>
+        <p:style>
+          <a:lnRef idx="1">
+            <a:schemeClr val="accent1"/>
+          </a:lnRef>
+          <a:fillRef idx="0">
+            <a:schemeClr val="accent1"/>
+          </a:fillRef>
+          <a:effectRef idx="0">
+            <a:schemeClr val="accent1"/>
+          </a:effectRef>
+          <a:fontRef idx="minor">
+            <a:schemeClr val="tx1"/>
+          </a:fontRef>
+        </p:style>
+      </p:cxnSp>
+      <p:sp>
+        <p:nvSpPr>
+          <p:cNvPr id="1239" name="텍스트 상자 80"/>
+          <p:cNvSpPr txBox="1">
+            <a:spLocks/>
+          </p:cNvSpPr>
+          <p:nvPr/>
+        </p:nvSpPr>
+        <p:spPr>
+          <a:xfrm rot="0">
+            <a:off x="6826885" y="5257165"/>
+            <a:ext cx="4134485" cy="955040"/>
+          </a:xfrm>
+          <a:prstGeom prst="rect"/>
+          <a:noFill/>
+          <a:ln w="0">
+            <a:noFill/>
+            <a:prstDash/>
+          </a:ln>
+        </p:spPr>
+        <p:txBody>
+          <a:bodyPr wrap="square" lIns="89535" tIns="46355" rIns="89535" bIns="46355" numCol="1" vert="horz" anchor="t">
+            <a:spAutoFit/>
+          </a:bodyPr>
+          <a:lstStyle/>
+          <a:p>
+            <a:pPr marL="0" indent="0" rtl="0" algn="l" defTabSz="914400" eaLnBrk="1" latinLnBrk="0" hangingPunct="1">
+              <a:buFontTx/>
+              <a:buNone/>
+            </a:pPr>
+            <a:r>
+              <a:rPr sz="2000" b="1">
+                <a:solidFill>
+                  <a:srgbClr val="0611F2"/>
+                </a:solidFill>
+                <a:latin typeface="맑은 고딕" charset="0"/>
+                <a:ea typeface="맑은 고딕" charset="0"/>
+              </a:rPr>
+              <a:t>3</a:t>
+            </a:r>
+            <a:r>
+              <a:rPr lang="ko-KR" sz="2000" b="1">
+                <a:solidFill>
+                  <a:srgbClr val="0611F2"/>
+                </a:solidFill>
+                <a:latin typeface="맑은 고딕" charset="0"/>
+                <a:ea typeface="맑은 고딕" charset="0"/>
+              </a:rPr>
+              <a:t>2.</a:t>
+            </a:r>
+            <a:r>
+              <a:rPr sz="2000" b="1">
+                <a:solidFill>
+                  <a:srgbClr val="0611F2"/>
+                </a:solidFill>
+                <a:latin typeface="맑은 고딕" charset="0"/>
+                <a:ea typeface="맑은 고딕" charset="0"/>
+              </a:rPr>
+              <a:t> </a:t>
+            </a:r>
+            <a:r>
+              <a:rPr lang="ko-KR" sz="1800">
+                <a:latin typeface="맑은 고딕" charset="0"/>
+                <a:ea typeface="맑은 고딕" charset="0"/>
+              </a:rPr>
+              <a:t>그리고</a:t>
+            </a:r>
+            <a:r>
+              <a:rPr sz="1800">
+                <a:latin typeface="맑은 고딕" charset="0"/>
+                <a:ea typeface="맑은 고딕" charset="0"/>
+              </a:rPr>
+              <a:t> UI에서 Button - TextMeshPro를 생성하고 </a:t>
+            </a:r>
+            <a:r>
+              <a:rPr lang="ko-KR" sz="1800">
+                <a:latin typeface="맑은 고딕" charset="0"/>
+                <a:ea typeface="맑은 고딕" charset="0"/>
+              </a:rPr>
+              <a:t>Signal</a:t>
+            </a:r>
+            <a:r>
+              <a:rPr sz="1800">
+                <a:latin typeface="맑은 고딕" charset="0"/>
+                <a:ea typeface="맑은 고딕" charset="0"/>
+              </a:rPr>
+              <a:t> Button이라는 이름으로 정의합니다.</a:t>
+            </a:r>
+            <a:endParaRPr lang="ko-KR" altLang="en-US" sz="1800">
+              <a:latin typeface="맑은 고딕" charset="0"/>
+              <a:ea typeface="맑은 고딕" charset="0"/>
+            </a:endParaRPr>
+          </a:p>
+        </p:txBody>
+      </p:sp>
+      <p:pic>
+        <p:nvPicPr>
+          <p:cNvPr id="1240" name="그림 81"/>
+          <p:cNvPicPr>
+            <a:picLocks noChangeAspect="1"/>
+          </p:cNvPicPr>
+          <p:nvPr/>
+        </p:nvPicPr>
+        <p:blipFill rotWithShape="1">
+          <a:blip r:embed="rId10" cstate="hqprint">
+            <a:extLst>
+              <a:ext uri="{28A0092B-C50C-407E-A947-70E740481C1C}">
+                <a14:useLocalDpi xmlns:a14="http://schemas.microsoft.com/office/drawing/2010/main"/>
+              </a:ext>
+            </a:extLst>
+          </a:blip>
+          <a:stretch>
+            <a:fillRect/>
+          </a:stretch>
+        </p:blipFill>
+        <p:spPr>
+          <a:xfrm rot="0">
+            <a:off x="6820535" y="1440180"/>
+            <a:ext cx="2721610" cy="3624580"/>
+          </a:xfrm>
+          <a:prstGeom prst="roundRect"/>
+          <a:solidFill>
+            <a:srgbClr val="EDEDED"/>
+          </a:solidFill>
+        </p:spPr>
+      </p:pic>
+      <p:pic>
+        <p:nvPicPr>
+          <p:cNvPr id="1241" name="그림 83"/>
+          <p:cNvPicPr>
+            <a:picLocks noChangeAspect="1"/>
+          </p:cNvPicPr>
+          <p:nvPr/>
+        </p:nvPicPr>
+        <p:blipFill rotWithShape="1">
+          <a:blip r:embed="rId11" cstate="print">
+            <a:extLst>
+              <a:ext uri="{28A0092B-C50C-407E-A947-70E740481C1C}">
+                <a14:useLocalDpi xmlns:a14="http://schemas.microsoft.com/office/drawing/2010/main" val="0"/>
+              </a:ext>
+            </a:extLst>
+          </a:blip>
+          <a:stretch>
+            <a:fillRect/>
+          </a:stretch>
+        </p:blipFill>
+        <p:spPr>
+          <a:xfrm rot="0">
+            <a:off x="9675495" y="2345055"/>
+            <a:ext cx="1285240" cy="1801495"/>
+          </a:xfrm>
+          <a:prstGeom prst="roundRect"/>
+          <a:solidFill>
+            <a:srgbClr val="EDEDED"/>
+          </a:solidFill>
+        </p:spPr>
+      </p:pic>
+    </p:spTree>
+  </p:cSld>
+  <p:clrMapOvr>
+    <a:masterClrMapping/>
+  </p:clrMapOvr>
+  <mc:AlternateContent xmlns:mc="http://schemas.openxmlformats.org/markup-compatibility/2006">
+    <mc:Choice xmlns:p14="http://schemas.microsoft.com/office/powerpoint/2010/main" Requires="p14">
+      <p:transition spd="slow" p14:dur="2000"/>
+    </mc:Choice>
+    <mc:Fallback>
+      <p:transition spd="slow"/>
+    </mc:Fallback>
+  </mc:AlternateContent>
+  <p:timing>
+    <p:tnLst>
+      <p:par>
+        <p:cTn id="1" dur="indefinite" restart="never" nodeType="tmRoot"/>
+      </p:par>
+    </p:tnLst>
+  </p:timing>
+</p:sld>
+</file>
+
+<file path=ppt/slides/slide12.xml><?xml version="1.0" encoding="utf-8"?>
+<p:sld xmlns:a="http://schemas.openxmlformats.org/drawingml/2006/main" xmlns:r="http://schemas.openxmlformats.org/officeDocument/2006/relationships" xmlns:p="http://schemas.openxmlformats.org/presentationml/2006/main">
+  <p:cSld>
+    <p:spTree>
+      <p:nvGrpSpPr>
+        <p:cNvPr id="1" name=""/>
+        <p:cNvGrpSpPr/>
+        <p:nvPr/>
+      </p:nvGrpSpPr>
+      <p:grpSpPr>
+        <a:xfrm>
+          <a:off x="0" y="0"/>
+          <a:ext cx="0" cy="0"/>
+          <a:chOff x="0" y="0"/>
+          <a:chExt cx="0" cy="0"/>
+        </a:xfrm>
+      </p:grpSpPr>
+      <p:sp>
+        <p:nvSpPr>
+          <p:cNvPr id="1031" name="Rect 0"/>
+          <p:cNvSpPr txBox="1">
+            <a:spLocks/>
+          </p:cNvSpPr>
+          <p:nvPr/>
+        </p:nvSpPr>
+        <p:spPr>
+          <a:xfrm rot="0">
+            <a:off x="4486910" y="354965"/>
+            <a:ext cx="3213735" cy="478155"/>
+          </a:xfrm>
+          <a:prstGeom prst="rect"/>
+          <a:noFill/>
+          <a:ln w="0">
+            <a:noFill/>
+            <a:prstDash/>
+          </a:ln>
+        </p:spPr>
+        <p:txBody>
+          <a:bodyPr wrap="square" lIns="89535" tIns="46355" rIns="89535" bIns="46355" numCol="1" vert="horz" anchor="t">
+            <a:spAutoFit/>
+          </a:bodyPr>
+          <a:lstStyle/>
+          <a:p>
+            <a:pPr marL="0" indent="0" algn="ctr" latinLnBrk="0">
+              <a:buFontTx/>
+              <a:buNone/>
+            </a:pPr>
+            <a:r>
+              <a:rPr lang="ko-KR" altLang="en-US" sz="2500" b="1">
+                <a:solidFill>
+                  <a:schemeClr val="tx1"/>
+                </a:solidFill>
+                <a:latin typeface="나눔바른고딕" charset="0"/>
+                <a:ea typeface="나눔바른고딕" charset="0"/>
+              </a:rPr>
+              <a:t>열</a:t>
+            </a:r>
+            <a:r>
+              <a:rPr lang="ko-KR" altLang="en-US" sz="2500" b="1">
+                <a:solidFill>
+                  <a:schemeClr val="tx1"/>
+                </a:solidFill>
+                <a:latin typeface="나눔바른고딕" charset="0"/>
+                <a:ea typeface="나눔바른고딕" charset="0"/>
+              </a:rPr>
+              <a:t>두</a:t>
+            </a:r>
+            <a:r>
+              <a:rPr lang="ko-KR" altLang="en-US" sz="2500" b="1">
+                <a:solidFill>
+                  <a:schemeClr val="tx1"/>
+                </a:solidFill>
+                <a:latin typeface="나눔바른고딕" charset="0"/>
+                <a:ea typeface="나눔바른고딕" charset="0"/>
+              </a:rPr>
+              <a:t>  번째 튜토리얼</a:t>
+            </a:r>
+            <a:endParaRPr lang="ko-KR" altLang="en-US" sz="2500" b="1">
+              <a:solidFill>
+                <a:schemeClr val="tx1"/>
+              </a:solidFill>
+              <a:latin typeface="나눔바른고딕" charset="0"/>
+              <a:ea typeface="나눔바른고딕" charset="0"/>
+            </a:endParaRPr>
+          </a:p>
+        </p:txBody>
+      </p:sp>
+      <p:sp>
+        <p:nvSpPr>
+          <p:cNvPr id="1235" name="Rect 0"/>
+          <p:cNvSpPr txBox="1">
+            <a:spLocks/>
+          </p:cNvSpPr>
+          <p:nvPr/>
+        </p:nvSpPr>
+        <p:spPr>
+          <a:xfrm rot="0">
+            <a:off x="1225550" y="5009515"/>
+            <a:ext cx="4149725" cy="1200785"/>
+          </a:xfrm>
+          <a:prstGeom prst="rect"/>
+          <a:noFill/>
+          <a:ln w="0">
+            <a:noFill/>
+            <a:prstDash/>
+          </a:ln>
+        </p:spPr>
+        <p:txBody>
+          <a:bodyPr wrap="square" lIns="89535" tIns="46355" rIns="89535" bIns="46355" numCol="1" vert="horz" anchor="t">
+            <a:spAutoFit/>
+          </a:bodyPr>
+          <a:lstStyle/>
+          <a:p>
+            <a:pPr marL="0" indent="0" rtl="0" algn="l" defTabSz="914400" eaLnBrk="1" latinLnBrk="0" hangingPunct="1">
+              <a:buFontTx/>
+              <a:buNone/>
+            </a:pPr>
+            <a:r>
+              <a:rPr sz="1800" b="1">
+                <a:solidFill>
+                  <a:srgbClr val="0611F2"/>
+                </a:solidFill>
+                <a:latin typeface="맑은 고딕" charset="0"/>
+                <a:ea typeface="맑은 고딕" charset="0"/>
+              </a:rPr>
+              <a:t>3</a:t>
+            </a:r>
+            <a:r>
+              <a:rPr sz="1800" b="1">
+                <a:solidFill>
+                  <a:srgbClr val="0611F2"/>
+                </a:solidFill>
+                <a:latin typeface="맑은 고딕" charset="0"/>
+                <a:ea typeface="맑은 고딕" charset="0"/>
+              </a:rPr>
+              <a:t>3</a:t>
+            </a:r>
+            <a:r>
+              <a:rPr sz="1800" b="1">
+                <a:solidFill>
+                  <a:srgbClr val="0611F2"/>
+                </a:solidFill>
+                <a:latin typeface="맑은 고딕" charset="0"/>
+                <a:ea typeface="맑은 고딕" charset="0"/>
+              </a:rPr>
+              <a:t>.</a:t>
+            </a:r>
+            <a:r>
+              <a:rPr sz="1800">
+                <a:latin typeface="맑은 고딕" charset="0"/>
+                <a:ea typeface="맑은 고딕" charset="0"/>
+              </a:rPr>
+              <a:t> </a:t>
+            </a:r>
+            <a:r>
+              <a:rPr lang="ko-KR" sz="1800">
+                <a:latin typeface="맑은 고딕" charset="0"/>
+                <a:ea typeface="맑은 고딕" charset="0"/>
+              </a:rPr>
+              <a:t>그런 </a:t>
+            </a:r>
+            <a:r>
+              <a:rPr lang="ko-KR" sz="1800">
+                <a:latin typeface="맑은 고딕" charset="0"/>
+                <a:ea typeface="맑은 고딕" charset="0"/>
+              </a:rPr>
+              <a:t>다음</a:t>
+            </a:r>
+            <a:r>
+              <a:rPr lang="ko-KR" sz="1800">
+                <a:latin typeface="맑은 고딕" charset="0"/>
+                <a:ea typeface="맑은 고딕" charset="0"/>
+              </a:rPr>
+              <a:t> Project 폴더 아래에 있는 Texture 폴더에 </a:t>
+            </a:r>
+            <a:r>
+              <a:rPr lang="ko-KR" sz="1800">
+                <a:latin typeface="맑은 고딕" charset="0"/>
+                <a:ea typeface="맑은 고딕" charset="0"/>
+              </a:rPr>
+              <a:t>3D</a:t>
+            </a:r>
+            <a:r>
+              <a:rPr lang="ko-KR" sz="1800">
+                <a:latin typeface="맑은 고딕" charset="0"/>
+                <a:ea typeface="맑은 고딕" charset="0"/>
+              </a:rPr>
+              <a:t> </a:t>
+            </a:r>
+            <a:r>
+              <a:rPr lang="ko-KR" sz="1800">
+                <a:latin typeface="맑은 고딕" charset="0"/>
+                <a:ea typeface="맑은 고딕" charset="0"/>
+              </a:rPr>
+              <a:t>B</a:t>
+            </a:r>
+            <a:r>
+              <a:rPr lang="ko-KR" sz="1800">
+                <a:latin typeface="맑은 고딕" charset="0"/>
+                <a:ea typeface="맑은 고딕" charset="0"/>
+              </a:rPr>
+              <a:t>utton</a:t>
+            </a:r>
+            <a:r>
+              <a:rPr lang="ko-KR" sz="1800">
+                <a:latin typeface="맑은 고딕" charset="0"/>
+                <a:ea typeface="맑은 고딕" charset="0"/>
+              </a:rPr>
+              <a:t> 텍스처를 </a:t>
+            </a:r>
+            <a:r>
+              <a:rPr sz="1800">
+                <a:latin typeface="맑은 고딕" charset="0"/>
+                <a:ea typeface="맑은 고딕" charset="0"/>
+              </a:rPr>
+              <a:t>Se</a:t>
+            </a:r>
+            <a:r>
+              <a:rPr lang="ko-KR" sz="1800">
+                <a:latin typeface="맑은 고딕" charset="0"/>
+                <a:ea typeface="맑은 고딕" charset="0"/>
+              </a:rPr>
+              <a:t>arch Button</a:t>
+            </a:r>
+            <a:r>
+              <a:rPr lang="ko-KR" sz="1800">
+                <a:latin typeface="맑은 고딕" charset="0"/>
+                <a:ea typeface="맑은 고딕" charset="0"/>
+              </a:rPr>
+              <a:t> </a:t>
+            </a:r>
+            <a:r>
+              <a:rPr lang="ko-KR" sz="1800">
+                <a:latin typeface="맑은 고딕" charset="0"/>
+                <a:ea typeface="맑은 고딕" charset="0"/>
+              </a:rPr>
+              <a:t>오브젝트의 Source Image에 넣어줍니다.</a:t>
+            </a:r>
+            <a:endParaRPr lang="ko-KR" altLang="en-US" sz="1800">
+              <a:latin typeface="맑은 고딕" charset="0"/>
+              <a:ea typeface="맑은 고딕" charset="0"/>
+            </a:endParaRPr>
+          </a:p>
+        </p:txBody>
+      </p:sp>
+      <p:pic>
+        <p:nvPicPr>
+          <p:cNvPr id="1242" name="그림 1" descr="C:/Users/nwond/AppData/Roaming/PolarisOffice/ETemp/2808_23068720/fImage1481527441.png"/>
+          <p:cNvPicPr>
+            <a:picLocks noChangeAspect="1"/>
+          </p:cNvPicPr>
+          <p:nvPr/>
+        </p:nvPicPr>
+        <p:blipFill rotWithShape="1">
+          <a:blip r:embed="rId2" cstate="print">
+            <a:extLst>
+              <a:ext uri="{28A0092B-C50C-407E-A947-70E740481C1C}">
+                <a14:useLocalDpi xmlns:a14="http://schemas.microsoft.com/office/drawing/2010/main" val="0"/>
+              </a:ext>
+            </a:extLst>
+          </a:blip>
+          <a:stretch>
+            <a:fillRect/>
+          </a:stretch>
+        </p:blipFill>
+        <p:spPr>
+          <a:xfrm rot="0">
+            <a:off x="1235075" y="1442720"/>
+            <a:ext cx="4145915" cy="2200910"/>
+          </a:xfrm>
+          <a:prstGeom prst="roundRect"/>
+          <a:solidFill>
+            <a:srgbClr val="EDEDED"/>
+          </a:solidFill>
+        </p:spPr>
+      </p:pic>
+      <p:pic>
+        <p:nvPicPr>
+          <p:cNvPr id="1243" name="그림 4" descr="C:/Users/nwond/AppData/Roaming/PolarisOffice/ETemp/2808_23068720/fImage149862758467.png"/>
+          <p:cNvPicPr>
+            <a:picLocks noChangeAspect="1"/>
+          </p:cNvPicPr>
+          <p:nvPr/>
+        </p:nvPicPr>
+        <p:blipFill rotWithShape="1">
+          <a:blip r:embed="rId3" cstate="print">
+            <a:extLst>
+              <a:ext uri="{28A0092B-C50C-407E-A947-70E740481C1C}">
+                <a14:useLocalDpi xmlns:a14="http://schemas.microsoft.com/office/drawing/2010/main" val="0"/>
+              </a:ext>
+            </a:extLst>
+          </a:blip>
+          <a:stretch>
+            <a:fillRect/>
+          </a:stretch>
+        </p:blipFill>
+        <p:spPr>
+          <a:xfrm rot="0">
+            <a:off x="1227455" y="3813810"/>
+            <a:ext cx="4147185" cy="1067435"/>
+          </a:xfrm>
+          <a:prstGeom prst="roundRect"/>
+          <a:solidFill>
+            <a:srgbClr val="EDEDED"/>
+          </a:solidFill>
+        </p:spPr>
+      </p:pic>
+      <p:cxnSp>
+        <p:nvCxnSpPr>
+          <p:cNvPr id="1244" name="도형 7"/>
+          <p:cNvCxnSpPr/>
+          <p:nvPr/>
+        </p:nvCxnSpPr>
+        <p:spPr>
+          <a:xfrm rot="0" flipV="1">
+            <a:off x="2103755" y="1769110"/>
+            <a:ext cx="3173095" cy="2433320"/>
+          </a:xfrm>
+          <a:prstGeom prst="straightConnector1"/>
+          <a:ln w="6350" cap="flat" cmpd="sng">
+            <a:prstDash/>
+            <a:tailEnd type="triangle" w="med" len="med"/>
+          </a:ln>
+        </p:spPr>
+        <p:style>
+          <a:lnRef idx="1">
+            <a:schemeClr val="accent1"/>
+          </a:lnRef>
+          <a:fillRef idx="0">
+            <a:schemeClr val="accent1"/>
+          </a:fillRef>
+          <a:effectRef idx="0">
+            <a:schemeClr val="accent1"/>
+          </a:effectRef>
+          <a:fontRef idx="minor">
+            <a:schemeClr val="tx1"/>
+          </a:fontRef>
+        </p:style>
+      </p:cxnSp>
+      <p:sp>
+        <p:nvSpPr>
+          <p:cNvPr id="1245" name="텍스트 상자 8"/>
+          <p:cNvSpPr txBox="1">
+            <a:spLocks/>
+          </p:cNvSpPr>
+          <p:nvPr/>
+        </p:nvSpPr>
+        <p:spPr>
+          <a:xfrm rot="0">
+            <a:off x="6820535" y="2692400"/>
+            <a:ext cx="4140200" cy="647065"/>
+          </a:xfrm>
+          <a:prstGeom prst="rect"/>
+          <a:noFill/>
+          <a:ln w="0">
+            <a:noFill/>
+            <a:prstDash/>
+          </a:ln>
+        </p:spPr>
+        <p:txBody>
+          <a:bodyPr wrap="square" lIns="89535" tIns="46355" rIns="89535" bIns="46355" numCol="1" vert="horz" anchor="t">
+            <a:spAutoFit/>
+          </a:bodyPr>
+          <a:lstStyle/>
+          <a:p>
+            <a:pPr marL="0" indent="0" rtl="0" algn="l" defTabSz="914400" eaLnBrk="1" latinLnBrk="0" hangingPunct="1">
+              <a:buFontTx/>
+              <a:buNone/>
+            </a:pPr>
+            <a:r>
+              <a:rPr sz="1800" b="1">
+                <a:solidFill>
+                  <a:srgbClr val="0611F2"/>
+                </a:solidFill>
+                <a:latin typeface="맑은 고딕" charset="0"/>
+                <a:ea typeface="맑은 고딕" charset="0"/>
+              </a:rPr>
+              <a:t>3</a:t>
+            </a:r>
+            <a:r>
+              <a:rPr sz="1800" b="1">
+                <a:solidFill>
+                  <a:srgbClr val="0611F2"/>
+                </a:solidFill>
+                <a:latin typeface="맑은 고딕" charset="0"/>
+                <a:ea typeface="맑은 고딕" charset="0"/>
+              </a:rPr>
+              <a:t>4</a:t>
+            </a:r>
+            <a:r>
+              <a:rPr sz="1800" b="1">
+                <a:solidFill>
+                  <a:srgbClr val="0611F2"/>
+                </a:solidFill>
+                <a:latin typeface="맑은 고딕" charset="0"/>
+                <a:ea typeface="맑은 고딕" charset="0"/>
+              </a:rPr>
+              <a:t>.</a:t>
+            </a:r>
+            <a:r>
+              <a:rPr sz="1800">
+                <a:latin typeface="맑은 고딕" charset="0"/>
+                <a:ea typeface="맑은 고딕" charset="0"/>
+              </a:rPr>
+              <a:t> </a:t>
+            </a:r>
+            <a:r>
+              <a:rPr lang="ko-KR" sz="1800">
+                <a:latin typeface="맑은 고딕" charset="0"/>
+                <a:ea typeface="맑은 고딕" charset="0"/>
+              </a:rPr>
+              <a:t>그다음 </a:t>
+            </a:r>
+            <a:r>
+              <a:rPr lang="ko-KR" sz="1800">
+                <a:latin typeface="맑은 고딕" charset="0"/>
+                <a:ea typeface="맑은 고딕" charset="0"/>
+              </a:rPr>
+              <a:t>S</a:t>
+            </a:r>
+            <a:r>
+              <a:rPr lang="ko-KR" sz="1800">
+                <a:latin typeface="맑은 고딕" charset="0"/>
+                <a:ea typeface="맑은 고딕" charset="0"/>
+              </a:rPr>
+              <a:t>ignal </a:t>
+            </a:r>
+            <a:r>
+              <a:rPr lang="ko-KR" sz="1800">
+                <a:latin typeface="맑은 고딕" charset="0"/>
+                <a:ea typeface="맑은 고딕" charset="0"/>
+              </a:rPr>
+              <a:t>Button </a:t>
+            </a:r>
+            <a:r>
+              <a:rPr sz="1800">
+                <a:latin typeface="맑은 고딕" charset="0"/>
+                <a:ea typeface="맑은 고딕" charset="0"/>
+              </a:rPr>
+              <a:t>오브젝트의 OnClick( ) 함수를 추가합니다.</a:t>
+            </a:r>
+            <a:endParaRPr lang="ko-KR" altLang="en-US" sz="1800">
+              <a:latin typeface="맑은 고딕" charset="0"/>
+              <a:ea typeface="맑은 고딕" charset="0"/>
+            </a:endParaRPr>
+          </a:p>
+        </p:txBody>
+      </p:sp>
+      <p:pic>
+        <p:nvPicPr>
+          <p:cNvPr id="1246" name="그림 9" descr="C:/Users/nwond/AppData/Roaming/PolarisOffice/ETemp/2808_23068720/fImage30172346962.png"/>
+          <p:cNvPicPr>
+            <a:picLocks noChangeAspect="1"/>
+          </p:cNvPicPr>
+          <p:nvPr/>
+        </p:nvPicPr>
+        <p:blipFill rotWithShape="1">
+          <a:blip r:embed="rId4" cstate="hqprint">
+            <a:extLst>
+              <a:ext uri="{28A0092B-C50C-407E-A947-70E740481C1C}">
+                <a14:useLocalDpi xmlns:a14="http://schemas.microsoft.com/office/drawing/2010/main"/>
+              </a:ext>
+            </a:extLst>
+          </a:blip>
+          <a:stretch>
+            <a:fillRect/>
+          </a:stretch>
+        </p:blipFill>
+        <p:spPr>
+          <a:xfrm rot="0">
+            <a:off x="8161020" y="1477010"/>
+            <a:ext cx="2805430" cy="1111885"/>
+          </a:xfrm>
+          <a:prstGeom prst="roundRect"/>
+          <a:solidFill>
+            <a:srgbClr val="EDEDED"/>
+          </a:solidFill>
+        </p:spPr>
+      </p:pic>
+      <p:pic>
+        <p:nvPicPr>
+          <p:cNvPr id="1247" name="그림 10" descr="C:/Users/nwond/AppData/Roaming/PolarisOffice/ETemp/2808_23068720/fImage80902409961.png"/>
+          <p:cNvPicPr>
+            <a:picLocks noChangeAspect="1"/>
+          </p:cNvPicPr>
+          <p:nvPr/>
+        </p:nvPicPr>
+        <p:blipFill rotWithShape="1">
+          <a:blip r:embed="rId5" cstate="hqprint">
+            <a:extLst>
+              <a:ext uri="{28A0092B-C50C-407E-A947-70E740481C1C}">
+                <a14:useLocalDpi xmlns:a14="http://schemas.microsoft.com/office/drawing/2010/main"/>
+              </a:ext>
+            </a:extLst>
+          </a:blip>
+          <a:stretch>
+            <a:fillRect/>
+          </a:stretch>
+        </p:blipFill>
+        <p:spPr>
+          <a:xfrm rot="0">
+            <a:off x="6820535" y="1482725"/>
+            <a:ext cx="1198245" cy="1106805"/>
+          </a:xfrm>
+          <a:prstGeom prst="roundRect"/>
+          <a:solidFill>
+            <a:srgbClr val="EDEDED"/>
+          </a:solidFill>
+        </p:spPr>
+      </p:pic>
+      <p:sp>
+        <p:nvSpPr>
+          <p:cNvPr id="1249" name="텍스트 상자 12"/>
+          <p:cNvSpPr txBox="1">
+            <a:spLocks/>
+          </p:cNvSpPr>
+          <p:nvPr/>
+        </p:nvSpPr>
+        <p:spPr>
+          <a:xfrm rot="0">
+            <a:off x="6814185" y="5288915"/>
+            <a:ext cx="4152265" cy="923925"/>
+          </a:xfrm>
+          <a:prstGeom prst="rect"/>
+          <a:noFill/>
+          <a:ln w="0">
+            <a:noFill/>
+            <a:prstDash/>
+          </a:ln>
+        </p:spPr>
+        <p:txBody>
+          <a:bodyPr wrap="square" lIns="89535" tIns="46355" rIns="89535" bIns="46355" numCol="1" vert="horz" anchor="t">
+            <a:spAutoFit/>
+          </a:bodyPr>
+          <a:lstStyle/>
+          <a:p>
+            <a:pPr marL="0" indent="0" rtl="0" algn="l" defTabSz="914400" eaLnBrk="1" latinLnBrk="0" hangingPunct="1">
+              <a:buFontTx/>
+              <a:buNone/>
+            </a:pPr>
+            <a:r>
+              <a:rPr sz="1800" b="1">
+                <a:solidFill>
+                  <a:srgbClr val="0611F2"/>
+                </a:solidFill>
+                <a:latin typeface="맑은 고딕" charset="0"/>
+                <a:ea typeface="맑은 고딕" charset="0"/>
+              </a:rPr>
+              <a:t>3</a:t>
+            </a:r>
+            <a:r>
+              <a:rPr sz="1800" b="1">
+                <a:solidFill>
+                  <a:srgbClr val="0611F2"/>
+                </a:solidFill>
+                <a:latin typeface="맑은 고딕" charset="0"/>
+                <a:ea typeface="맑은 고딕" charset="0"/>
+              </a:rPr>
+              <a:t>5</a:t>
+            </a:r>
+            <a:r>
+              <a:rPr sz="1800" b="1">
+                <a:solidFill>
+                  <a:srgbClr val="0611F2"/>
+                </a:solidFill>
+                <a:latin typeface="맑은 고딕" charset="0"/>
+                <a:ea typeface="맑은 고딕" charset="0"/>
+              </a:rPr>
+              <a:t>.</a:t>
+            </a:r>
+            <a:r>
+              <a:rPr sz="1800">
+                <a:latin typeface="맑은 고딕" charset="0"/>
+                <a:ea typeface="맑은 고딕" charset="0"/>
+              </a:rPr>
+              <a:t> </a:t>
+            </a:r>
+            <a:r>
+              <a:rPr lang="ko-KR" sz="1800">
+                <a:latin typeface="맑은 고딕" charset="0"/>
+                <a:ea typeface="맑은 고딕" charset="0"/>
+              </a:rPr>
+              <a:t>그러고 </a:t>
+            </a:r>
+            <a:r>
+              <a:rPr lang="ko-KR" sz="1800">
+                <a:latin typeface="맑은 고딕" charset="0"/>
+                <a:ea typeface="맑은 고딕" charset="0"/>
+              </a:rPr>
+              <a:t>나서</a:t>
+            </a:r>
+            <a:r>
+              <a:rPr lang="ko-KR" sz="1800">
+                <a:latin typeface="맑은 고딕" charset="0"/>
+                <a:ea typeface="맑은 고딕" charset="0"/>
+              </a:rPr>
+              <a:t> S</a:t>
+            </a:r>
+            <a:r>
+              <a:rPr lang="ko-KR" sz="1800">
+                <a:latin typeface="맑은 고딕" charset="0"/>
+                <a:ea typeface="맑은 고딕" charset="0"/>
+              </a:rPr>
+              <a:t>i</a:t>
+            </a:r>
+            <a:r>
+              <a:rPr lang="ko-KR" sz="1800">
+                <a:latin typeface="맑은 고딕" charset="0"/>
+                <a:ea typeface="맑은 고딕" charset="0"/>
+              </a:rPr>
+              <a:t>gnal</a:t>
+            </a:r>
+            <a:r>
+              <a:rPr lang="ko-KR" sz="1800">
+                <a:latin typeface="맑은 고딕" charset="0"/>
+                <a:ea typeface="맑은 고딕" charset="0"/>
+              </a:rPr>
+              <a:t> </a:t>
+            </a:r>
+            <a:r>
+              <a:rPr lang="ko-KR" sz="1800">
+                <a:latin typeface="맑은 고딕" charset="0"/>
+                <a:ea typeface="맑은 고딕" charset="0"/>
+              </a:rPr>
+              <a:t>Button의</a:t>
+            </a:r>
+            <a:r>
+              <a:rPr lang="ko-KR" sz="1800">
+                <a:latin typeface="맑은 고딕" charset="0"/>
+                <a:ea typeface="맑은 고딕" charset="0"/>
+              </a:rPr>
+              <a:t> </a:t>
+            </a:r>
+            <a:r>
+              <a:rPr lang="ko-KR" sz="1800">
+                <a:latin typeface="맑은 고딕" charset="0"/>
+                <a:ea typeface="맑은 고딕" charset="0"/>
+              </a:rPr>
+              <a:t>위치와 크기 그리고 회전 값을 설정합니다.</a:t>
+            </a:r>
+            <a:endParaRPr lang="ko-KR" altLang="en-US" sz="1800">
+              <a:latin typeface="맑은 고딕" charset="0"/>
+              <a:ea typeface="맑은 고딕" charset="0"/>
+            </a:endParaRPr>
+          </a:p>
+        </p:txBody>
+      </p:sp>
+      <p:pic>
+        <p:nvPicPr>
+          <p:cNvPr id="1250" name="그림 14" descr="C:/Users/nwond/AppData/Roaming/PolarisOffice/ETemp/2808_23068720/fImage190312836334.png"/>
+          <p:cNvPicPr>
+            <a:picLocks noChangeAspect="1"/>
+          </p:cNvPicPr>
+          <p:nvPr/>
+        </p:nvPicPr>
+        <p:blipFill rotWithShape="1">
+          <a:blip r:embed="rId6" cstate="print">
+            <a:extLst>
+              <a:ext uri="{28A0092B-C50C-407E-A947-70E740481C1C}">
+                <a14:useLocalDpi xmlns:a14="http://schemas.microsoft.com/office/drawing/2010/main" val="0"/>
+              </a:ext>
+            </a:extLst>
+          </a:blip>
+          <a:stretch>
+            <a:fillRect/>
+          </a:stretch>
+        </p:blipFill>
+        <p:spPr>
+          <a:xfrm rot="0">
+            <a:off x="6818630" y="3452495"/>
+            <a:ext cx="4147820" cy="1693545"/>
+          </a:xfrm>
+          <a:prstGeom prst="roundRect"/>
+          <a:solidFill>
+            <a:srgbClr val="EDEDED"/>
+          </a:solidFill>
+        </p:spPr>
+      </p:pic>
+    </p:spTree>
+  </p:cSld>
+  <p:clrMapOvr>
+    <a:masterClrMapping/>
+  </p:clrMapOvr>
+  <mc:AlternateContent xmlns:mc="http://schemas.openxmlformats.org/markup-compatibility/2006">
+    <mc:Choice xmlns:p14="http://schemas.microsoft.com/office/powerpoint/2010/main" Requires="p14">
+      <p:transition spd="slow" p14:dur="2000"/>
+    </mc:Choice>
+    <mc:Fallback>
+      <p:transition spd="slow"/>
+    </mc:Fallback>
+  </mc:AlternateContent>
+  <p:timing>
+    <p:tnLst>
+      <p:par>
+        <p:cTn id="1" dur="indefinite" restart="never" nodeType="tmRoot"/>
+      </p:par>
+    </p:tnLst>
+  </p:timing>
+</p:sld>
+</file>
+
+<file path=ppt/slides/slide13.xml><?xml version="1.0" encoding="utf-8"?>
+<p:sld xmlns:a="http://schemas.openxmlformats.org/drawingml/2006/main" xmlns:r="http://schemas.openxmlformats.org/officeDocument/2006/relationships" xmlns:p="http://schemas.openxmlformats.org/presentationml/2006/main">
+  <p:cSld>
+    <p:spTree>
+      <p:nvGrpSpPr>
+        <p:cNvPr id="1" name=""/>
+        <p:cNvGrpSpPr/>
+        <p:nvPr/>
+      </p:nvGrpSpPr>
+      <p:grpSpPr>
+        <a:xfrm>
+          <a:off x="0" y="0"/>
+          <a:ext cx="0" cy="0"/>
+          <a:chOff x="0" y="0"/>
+          <a:chExt cx="0" cy="0"/>
+        </a:xfrm>
+      </p:grpSpPr>
+      <p:sp>
+        <p:nvSpPr>
+          <p:cNvPr id="1031" name="Rect 0"/>
+          <p:cNvSpPr txBox="1">
+            <a:spLocks/>
+          </p:cNvSpPr>
+          <p:nvPr/>
+        </p:nvSpPr>
+        <p:spPr>
+          <a:xfrm rot="0">
+            <a:off x="4486910" y="354965"/>
+            <a:ext cx="3213735" cy="478155"/>
+          </a:xfrm>
+          <a:prstGeom prst="rect"/>
+          <a:noFill/>
+          <a:ln w="0">
+            <a:noFill/>
+            <a:prstDash/>
+          </a:ln>
+        </p:spPr>
+        <p:txBody>
+          <a:bodyPr wrap="square" lIns="89535" tIns="46355" rIns="89535" bIns="46355" numCol="1" vert="horz" anchor="t">
+            <a:spAutoFit/>
+          </a:bodyPr>
+          <a:lstStyle/>
+          <a:p>
+            <a:pPr marL="0" indent="0" algn="ctr" latinLnBrk="0">
+              <a:buFontTx/>
+              <a:buNone/>
+            </a:pPr>
+            <a:r>
+              <a:rPr lang="ko-KR" altLang="en-US" sz="2500" b="1">
+                <a:solidFill>
+                  <a:schemeClr val="tx1"/>
+                </a:solidFill>
+                <a:latin typeface="나눔바른고딕" charset="0"/>
+                <a:ea typeface="나눔바른고딕" charset="0"/>
+              </a:rPr>
+              <a:t>열</a:t>
+            </a:r>
+            <a:r>
+              <a:rPr lang="ko-KR" altLang="en-US" sz="2500" b="1">
+                <a:solidFill>
+                  <a:schemeClr val="tx1"/>
+                </a:solidFill>
+                <a:latin typeface="나눔바른고딕" charset="0"/>
+                <a:ea typeface="나눔바른고딕" charset="0"/>
+              </a:rPr>
+              <a:t>세</a:t>
+            </a:r>
+            <a:r>
+              <a:rPr lang="ko-KR" altLang="en-US" sz="2500" b="1">
+                <a:solidFill>
+                  <a:schemeClr val="tx1"/>
+                </a:solidFill>
+                <a:latin typeface="나눔바른고딕" charset="0"/>
+                <a:ea typeface="나눔바른고딕" charset="0"/>
+              </a:rPr>
+              <a:t>  번째 튜토리얼</a:t>
+            </a:r>
+            <a:endParaRPr lang="ko-KR" altLang="en-US" sz="2500" b="1">
+              <a:solidFill>
+                <a:schemeClr val="tx1"/>
+              </a:solidFill>
+              <a:latin typeface="나눔바른고딕" charset="0"/>
+              <a:ea typeface="나눔바른고딕" charset="0"/>
+            </a:endParaRPr>
+          </a:p>
+        </p:txBody>
+      </p:sp>
+      <p:sp>
+        <p:nvSpPr>
+          <p:cNvPr id="1235" name="Rect 0"/>
+          <p:cNvSpPr txBox="1">
+            <a:spLocks/>
+          </p:cNvSpPr>
+          <p:nvPr/>
+        </p:nvSpPr>
+        <p:spPr>
+          <a:xfrm rot="0">
+            <a:off x="1225550" y="5009515"/>
+            <a:ext cx="4149725" cy="1200785"/>
+          </a:xfrm>
+          <a:prstGeom prst="rect"/>
+          <a:noFill/>
+          <a:ln w="0">
+            <a:noFill/>
+            <a:prstDash/>
+          </a:ln>
+        </p:spPr>
+        <p:txBody>
+          <a:bodyPr wrap="square" lIns="89535" tIns="46355" rIns="89535" bIns="46355" numCol="1" vert="horz" anchor="t">
+            <a:spAutoFit/>
+          </a:bodyPr>
+          <a:lstStyle/>
+          <a:p>
+            <a:pPr marL="0" indent="0" rtl="0" algn="l" defTabSz="914400" eaLnBrk="1" latinLnBrk="0" hangingPunct="1">
+              <a:buFontTx/>
+              <a:buNone/>
+            </a:pPr>
+            <a:r>
+              <a:rPr sz="1800" b="1">
+                <a:solidFill>
+                  <a:srgbClr val="0611F2"/>
+                </a:solidFill>
+                <a:latin typeface="맑은 고딕" charset="0"/>
+                <a:ea typeface="맑은 고딕" charset="0"/>
+              </a:rPr>
+              <a:t>3</a:t>
+            </a:r>
+            <a:r>
+              <a:rPr lang="ko-KR" sz="1800" b="1">
+                <a:solidFill>
+                  <a:srgbClr val="0611F2"/>
+                </a:solidFill>
+                <a:latin typeface="맑은 고딕" charset="0"/>
+                <a:ea typeface="맑은 고딕" charset="0"/>
+              </a:rPr>
+              <a:t>6</a:t>
+            </a:r>
+            <a:r>
+              <a:rPr sz="1800" b="1">
+                <a:solidFill>
+                  <a:srgbClr val="0611F2"/>
+                </a:solidFill>
+                <a:latin typeface="맑은 고딕" charset="0"/>
+                <a:ea typeface="맑은 고딕" charset="0"/>
+              </a:rPr>
+              <a:t>.</a:t>
+            </a:r>
+            <a:r>
+              <a:rPr sz="1800">
+                <a:latin typeface="맑은 고딕" charset="0"/>
+                <a:ea typeface="맑은 고딕" charset="0"/>
+              </a:rPr>
+              <a:t> </a:t>
+            </a:r>
+            <a:r>
+              <a:rPr lang="ko-KR" sz="1800">
+                <a:latin typeface="맑은 고딕" charset="0"/>
+                <a:ea typeface="맑은 고딕" charset="0"/>
+              </a:rPr>
+              <a:t>이제</a:t>
+            </a:r>
+            <a:r>
+              <a:rPr lang="ko-KR" sz="1800">
+                <a:latin typeface="맑은 고딕" charset="0"/>
+                <a:ea typeface="맑은 고딕" charset="0"/>
+              </a:rPr>
+              <a:t> Project 폴더 아래에 있는 Texture 폴더에 </a:t>
+            </a:r>
+            <a:r>
+              <a:rPr lang="ko-KR" sz="1800">
+                <a:latin typeface="맑은 고딕" charset="0"/>
+                <a:ea typeface="맑은 고딕" charset="0"/>
+              </a:rPr>
+              <a:t>3D</a:t>
+            </a:r>
+            <a:r>
+              <a:rPr lang="ko-KR" sz="1800">
+                <a:latin typeface="맑은 고딕" charset="0"/>
+                <a:ea typeface="맑은 고딕" charset="0"/>
+              </a:rPr>
+              <a:t> </a:t>
+            </a:r>
+            <a:r>
+              <a:rPr lang="ko-KR" sz="1800">
+                <a:latin typeface="맑은 고딕" charset="0"/>
+                <a:ea typeface="맑은 고딕" charset="0"/>
+              </a:rPr>
+              <a:t>B</a:t>
+            </a:r>
+            <a:r>
+              <a:rPr lang="ko-KR" sz="1800">
+                <a:latin typeface="맑은 고딕" charset="0"/>
+                <a:ea typeface="맑은 고딕" charset="0"/>
+              </a:rPr>
+              <a:t>utton</a:t>
+            </a:r>
+            <a:r>
+              <a:rPr lang="ko-KR" sz="1800">
+                <a:latin typeface="맑은 고딕" charset="0"/>
+                <a:ea typeface="맑은 고딕" charset="0"/>
+              </a:rPr>
+              <a:t> 텍스처를 </a:t>
+            </a:r>
+            <a:r>
+              <a:rPr sz="1800">
+                <a:latin typeface="맑은 고딕" charset="0"/>
+                <a:ea typeface="맑은 고딕" charset="0"/>
+              </a:rPr>
+              <a:t>S</a:t>
+            </a:r>
+            <a:r>
+              <a:rPr lang="ko-KR" sz="1800">
+                <a:latin typeface="맑은 고딕" charset="0"/>
+                <a:ea typeface="맑은 고딕" charset="0"/>
+              </a:rPr>
+              <a:t>i</a:t>
+            </a:r>
+            <a:r>
+              <a:rPr lang="ko-KR" sz="1800">
+                <a:latin typeface="맑은 고딕" charset="0"/>
+                <a:ea typeface="맑은 고딕" charset="0"/>
+              </a:rPr>
+              <a:t>gnal</a:t>
+            </a:r>
+            <a:r>
+              <a:rPr lang="ko-KR" sz="1800">
+                <a:latin typeface="맑은 고딕" charset="0"/>
+                <a:ea typeface="맑은 고딕" charset="0"/>
+              </a:rPr>
+              <a:t> Button</a:t>
+            </a:r>
+            <a:r>
+              <a:rPr lang="ko-KR" sz="1800">
+                <a:latin typeface="맑은 고딕" charset="0"/>
+                <a:ea typeface="맑은 고딕" charset="0"/>
+              </a:rPr>
+              <a:t> </a:t>
+            </a:r>
+            <a:r>
+              <a:rPr lang="ko-KR" sz="1800">
+                <a:latin typeface="맑은 고딕" charset="0"/>
+                <a:ea typeface="맑은 고딕" charset="0"/>
+              </a:rPr>
+              <a:t>오브젝트의 Source Image에 넣어줍니다.</a:t>
+            </a:r>
+            <a:endParaRPr lang="ko-KR" altLang="en-US" sz="1800">
+              <a:latin typeface="맑은 고딕" charset="0"/>
+              <a:ea typeface="맑은 고딕" charset="0"/>
+            </a:endParaRPr>
+          </a:p>
+        </p:txBody>
+      </p:sp>
+      <p:pic>
+        <p:nvPicPr>
+          <p:cNvPr id="1242" name="Picture " descr="C:/Users/nwond/AppData/Roaming/PolarisOffice/ETemp/2808_23068720/fImage148152866500.png"/>
+          <p:cNvPicPr>
+            <a:picLocks noChangeAspect="1"/>
+          </p:cNvPicPr>
+          <p:nvPr/>
+        </p:nvPicPr>
+        <p:blipFill rotWithShape="1">
+          <a:blip r:embed="rId2" cstate="print">
+            <a:extLst>
+              <a:ext uri="{28A0092B-C50C-407E-A947-70E740481C1C}">
+                <a14:useLocalDpi xmlns:a14="http://schemas.microsoft.com/office/drawing/2010/main" val="0"/>
+              </a:ext>
+            </a:extLst>
+          </a:blip>
+          <a:stretch>
+            <a:fillRect/>
+          </a:stretch>
+        </p:blipFill>
+        <p:spPr>
+          <a:xfrm rot="0">
+            <a:off x="1235075" y="1442720"/>
+            <a:ext cx="4145915" cy="2200910"/>
+          </a:xfrm>
+          <a:prstGeom prst="roundRect"/>
+          <a:solidFill>
+            <a:srgbClr val="EDEDED"/>
+          </a:solidFill>
+        </p:spPr>
+      </p:pic>
+      <p:pic>
+        <p:nvPicPr>
+          <p:cNvPr id="1243" name="Picture " descr="C:/Users/nwond/AppData/Roaming/PolarisOffice/ETemp/2808_23068720/fImage149862879169.png"/>
+          <p:cNvPicPr>
+            <a:picLocks noChangeAspect="1"/>
+          </p:cNvPicPr>
+          <p:nvPr/>
+        </p:nvPicPr>
+        <p:blipFill rotWithShape="1">
+          <a:blip r:embed="rId3" cstate="print">
+            <a:extLst>
+              <a:ext uri="{28A0092B-C50C-407E-A947-70E740481C1C}">
+                <a14:useLocalDpi xmlns:a14="http://schemas.microsoft.com/office/drawing/2010/main" val="0"/>
+              </a:ext>
+            </a:extLst>
+          </a:blip>
+          <a:stretch>
+            <a:fillRect/>
+          </a:stretch>
+        </p:blipFill>
+        <p:spPr>
+          <a:xfrm rot="0">
+            <a:off x="1227455" y="3813810"/>
+            <a:ext cx="4147185" cy="1067435"/>
+          </a:xfrm>
+          <a:prstGeom prst="roundRect"/>
+          <a:solidFill>
+            <a:srgbClr val="EDEDED"/>
+          </a:solidFill>
+        </p:spPr>
+      </p:pic>
+      <p:cxnSp>
+        <p:nvCxnSpPr>
+          <p:cNvPr id="1244" name="Rect 0"/>
+          <p:cNvCxnSpPr/>
+          <p:nvPr/>
+        </p:nvCxnSpPr>
+        <p:spPr>
+          <a:xfrm rot="0" flipV="1">
+            <a:off x="2141220" y="1769110"/>
+            <a:ext cx="3135630" cy="2433320"/>
+          </a:xfrm>
+          <a:prstGeom prst="straightConnector1"/>
+          <a:ln w="6350" cap="flat" cmpd="sng">
+            <a:prstDash/>
+            <a:tailEnd type="triangle" w="med" len="med"/>
+          </a:ln>
+        </p:spPr>
+        <p:style>
+          <a:lnRef idx="1">
+            <a:schemeClr val="accent1"/>
+          </a:lnRef>
+          <a:fillRef idx="0">
+            <a:schemeClr val="accent1"/>
+          </a:fillRef>
+          <a:effectRef idx="0">
+            <a:schemeClr val="accent1"/>
+          </a:effectRef>
+          <a:fontRef idx="minor">
+            <a:schemeClr val="tx1"/>
+          </a:fontRef>
+        </p:style>
+      </p:cxnSp>
+      <p:sp>
+        <p:nvSpPr>
+          <p:cNvPr id="1245" name="Rect 0"/>
+          <p:cNvSpPr txBox="1">
+            <a:spLocks/>
+          </p:cNvSpPr>
+          <p:nvPr/>
+        </p:nvSpPr>
+        <p:spPr>
+          <a:xfrm rot="0">
+            <a:off x="6820535" y="2692400"/>
+            <a:ext cx="4140200" cy="647065"/>
+          </a:xfrm>
+          <a:prstGeom prst="rect"/>
+          <a:noFill/>
+          <a:ln w="0">
+            <a:noFill/>
+            <a:prstDash/>
+          </a:ln>
+        </p:spPr>
+        <p:txBody>
+          <a:bodyPr wrap="square" lIns="89535" tIns="46355" rIns="89535" bIns="46355" numCol="1" vert="horz" anchor="t">
+            <a:spAutoFit/>
+          </a:bodyPr>
+          <a:lstStyle/>
+          <a:p>
+            <a:pPr marL="0" indent="0" rtl="0" algn="l" defTabSz="914400" eaLnBrk="1" latinLnBrk="0" hangingPunct="1">
+              <a:buFontTx/>
+              <a:buNone/>
+            </a:pPr>
+            <a:r>
+              <a:rPr sz="1800" b="1">
+                <a:solidFill>
+                  <a:srgbClr val="0611F2"/>
+                </a:solidFill>
+                <a:latin typeface="맑은 고딕" charset="0"/>
+                <a:ea typeface="맑은 고딕" charset="0"/>
+              </a:rPr>
+              <a:t>3</a:t>
+            </a:r>
+            <a:r>
+              <a:rPr lang="ko-KR" sz="1800" b="1">
+                <a:solidFill>
+                  <a:srgbClr val="0611F2"/>
+                </a:solidFill>
+                <a:latin typeface="맑은 고딕" charset="0"/>
+                <a:ea typeface="맑은 고딕" charset="0"/>
+              </a:rPr>
+              <a:t>7</a:t>
+            </a:r>
+            <a:r>
+              <a:rPr sz="1800" b="1">
+                <a:solidFill>
+                  <a:srgbClr val="0611F2"/>
+                </a:solidFill>
+                <a:latin typeface="맑은 고딕" charset="0"/>
+                <a:ea typeface="맑은 고딕" charset="0"/>
+              </a:rPr>
+              <a:t>.</a:t>
+            </a:r>
+            <a:r>
+              <a:rPr sz="1800">
+                <a:latin typeface="맑은 고딕" charset="0"/>
+                <a:ea typeface="맑은 고딕" charset="0"/>
+              </a:rPr>
+              <a:t> </a:t>
+            </a:r>
+            <a:r>
+              <a:rPr lang="ko-KR" sz="1800">
+                <a:latin typeface="맑은 고딕" charset="0"/>
+                <a:ea typeface="맑은 고딕" charset="0"/>
+              </a:rPr>
+              <a:t>그</a:t>
+            </a:r>
+            <a:r>
+              <a:rPr lang="ko-KR" sz="1800">
+                <a:latin typeface="맑은 고딕" charset="0"/>
+                <a:ea typeface="맑은 고딕" charset="0"/>
+              </a:rPr>
+              <a:t>리고</a:t>
+            </a:r>
+            <a:r>
+              <a:rPr lang="ko-KR" sz="1800">
+                <a:latin typeface="맑은 고딕" charset="0"/>
+                <a:ea typeface="맑은 고딕" charset="0"/>
+              </a:rPr>
+              <a:t> </a:t>
+            </a:r>
+            <a:r>
+              <a:rPr lang="ko-KR" sz="1800">
+                <a:latin typeface="맑은 고딕" charset="0"/>
+                <a:ea typeface="맑은 고딕" charset="0"/>
+              </a:rPr>
+              <a:t>S</a:t>
+            </a:r>
+            <a:r>
+              <a:rPr lang="ko-KR" sz="1800">
+                <a:latin typeface="맑은 고딕" charset="0"/>
+                <a:ea typeface="맑은 고딕" charset="0"/>
+              </a:rPr>
+              <a:t>ignal </a:t>
+            </a:r>
+            <a:r>
+              <a:rPr lang="ko-KR" sz="1800">
+                <a:latin typeface="맑은 고딕" charset="0"/>
+                <a:ea typeface="맑은 고딕" charset="0"/>
+              </a:rPr>
+              <a:t>Button </a:t>
+            </a:r>
+            <a:r>
+              <a:rPr sz="1800">
+                <a:latin typeface="맑은 고딕" charset="0"/>
+                <a:ea typeface="맑은 고딕" charset="0"/>
+              </a:rPr>
+              <a:t>오브젝트의 OnClick( ) 함수를 추가합니다.</a:t>
+            </a:r>
+            <a:endParaRPr lang="ko-KR" altLang="en-US" sz="1800">
+              <a:latin typeface="맑은 고딕" charset="0"/>
+              <a:ea typeface="맑은 고딕" charset="0"/>
+            </a:endParaRPr>
+          </a:p>
+        </p:txBody>
+      </p:sp>
+      <p:pic>
+        <p:nvPicPr>
+          <p:cNvPr id="1246" name="Picture " descr="C:/Users/nwond/AppData/Roaming/PolarisOffice/ETemp/2808_23068720/fImage30172346962.png"/>
+          <p:cNvPicPr>
+            <a:picLocks noChangeAspect="1"/>
+          </p:cNvPicPr>
+          <p:nvPr/>
+        </p:nvPicPr>
+        <p:blipFill rotWithShape="1">
+          <a:blip r:embed="rId4" cstate="hqprint">
+            <a:extLst>
+              <a:ext uri="{28A0092B-C50C-407E-A947-70E740481C1C}">
+                <a14:useLocalDpi xmlns:a14="http://schemas.microsoft.com/office/drawing/2010/main"/>
+              </a:ext>
+            </a:extLst>
+          </a:blip>
+          <a:stretch>
+            <a:fillRect/>
+          </a:stretch>
+        </p:blipFill>
+        <p:spPr>
+          <a:xfrm rot="0">
+            <a:off x="8161020" y="1477010"/>
+            <a:ext cx="2805430" cy="1111885"/>
+          </a:xfrm>
+          <a:prstGeom prst="roundRect"/>
+          <a:solidFill>
+            <a:srgbClr val="EDEDED"/>
+          </a:solidFill>
+        </p:spPr>
+      </p:pic>
+      <p:pic>
+        <p:nvPicPr>
+          <p:cNvPr id="1247" name="Picture " descr="C:/Users/nwond/AppData/Roaming/PolarisOffice/ETemp/2808_23068720/fImage80902409961.png"/>
+          <p:cNvPicPr>
+            <a:picLocks noChangeAspect="1"/>
+          </p:cNvPicPr>
+          <p:nvPr/>
+        </p:nvPicPr>
+        <p:blipFill rotWithShape="1">
+          <a:blip r:embed="rId5" cstate="hqprint">
+            <a:extLst>
+              <a:ext uri="{28A0092B-C50C-407E-A947-70E740481C1C}">
+                <a14:useLocalDpi xmlns:a14="http://schemas.microsoft.com/office/drawing/2010/main"/>
+              </a:ext>
+            </a:extLst>
+          </a:blip>
+          <a:stretch>
+            <a:fillRect/>
+          </a:stretch>
+        </p:blipFill>
+        <p:spPr>
+          <a:xfrm rot="0">
+            <a:off x="6820535" y="1482725"/>
+            <a:ext cx="1198245" cy="1106805"/>
+          </a:xfrm>
+          <a:prstGeom prst="roundRect"/>
+          <a:solidFill>
+            <a:srgbClr val="EDEDED"/>
+          </a:solidFill>
+        </p:spPr>
+      </p:pic>
+      <p:sp>
+        <p:nvSpPr>
+          <p:cNvPr id="1250" name="텍스트 상자 25"/>
+          <p:cNvSpPr txBox="1">
+            <a:spLocks/>
+          </p:cNvSpPr>
+          <p:nvPr/>
+        </p:nvSpPr>
+        <p:spPr>
+          <a:xfrm rot="0">
+            <a:off x="6817360" y="5288915"/>
+            <a:ext cx="4149725" cy="923925"/>
+          </a:xfrm>
+          <a:prstGeom prst="rect"/>
+          <a:noFill/>
+          <a:ln w="0">
+            <a:noFill/>
+            <a:prstDash/>
+          </a:ln>
+        </p:spPr>
+        <p:txBody>
+          <a:bodyPr wrap="square" lIns="89535" tIns="46355" rIns="89535" bIns="46355" numCol="1" vert="horz" anchor="t">
+            <a:spAutoFit/>
+          </a:bodyPr>
+          <a:lstStyle/>
+          <a:p>
+            <a:pPr marL="0" indent="0" rtl="0" algn="l" defTabSz="914400" eaLnBrk="1" latinLnBrk="0" hangingPunct="1">
+              <a:buFontTx/>
+              <a:buNone/>
+            </a:pPr>
+            <a:r>
+              <a:rPr sz="1800" b="1">
+                <a:solidFill>
+                  <a:srgbClr val="0611F2"/>
+                </a:solidFill>
+                <a:latin typeface="맑은 고딕" charset="0"/>
+                <a:ea typeface="맑은 고딕" charset="0"/>
+              </a:rPr>
+              <a:t>3</a:t>
+            </a:r>
+            <a:r>
+              <a:rPr sz="1800" b="1">
+                <a:solidFill>
+                  <a:srgbClr val="0611F2"/>
+                </a:solidFill>
+                <a:latin typeface="맑은 고딕" charset="0"/>
+                <a:ea typeface="맑은 고딕" charset="0"/>
+              </a:rPr>
+              <a:t>8</a:t>
+            </a:r>
+            <a:r>
+              <a:rPr sz="1800" b="1">
+                <a:solidFill>
+                  <a:srgbClr val="0611F2"/>
+                </a:solidFill>
+                <a:latin typeface="맑은 고딕" charset="0"/>
+                <a:ea typeface="맑은 고딕" charset="0"/>
+              </a:rPr>
+              <a:t>.</a:t>
+            </a:r>
+            <a:r>
+              <a:rPr sz="1800">
+                <a:latin typeface="맑은 고딕" charset="0"/>
+                <a:ea typeface="맑은 고딕" charset="0"/>
+              </a:rPr>
+              <a:t> </a:t>
+            </a:r>
+            <a:r>
+              <a:rPr lang="ko-KR" sz="1800">
+                <a:latin typeface="맑은 고딕" charset="0"/>
+                <a:ea typeface="맑은 고딕" charset="0"/>
+              </a:rPr>
+              <a:t>그런 </a:t>
+            </a:r>
+            <a:r>
+              <a:rPr lang="ko-KR" sz="1800">
+                <a:latin typeface="맑은 고딕" charset="0"/>
+                <a:ea typeface="맑은 고딕" charset="0"/>
+              </a:rPr>
+              <a:t>다음</a:t>
+            </a:r>
+            <a:r>
+              <a:rPr lang="ko-KR" sz="1800">
+                <a:latin typeface="맑은 고딕" charset="0"/>
+                <a:ea typeface="맑은 고딕" charset="0"/>
+              </a:rPr>
+              <a:t> S</a:t>
+            </a:r>
+            <a:r>
+              <a:rPr lang="ko-KR" sz="1800">
+                <a:latin typeface="맑은 고딕" charset="0"/>
+                <a:ea typeface="맑은 고딕" charset="0"/>
+              </a:rPr>
+              <a:t>i</a:t>
+            </a:r>
+            <a:r>
+              <a:rPr lang="ko-KR" sz="1800">
+                <a:latin typeface="맑은 고딕" charset="0"/>
+                <a:ea typeface="맑은 고딕" charset="0"/>
+              </a:rPr>
+              <a:t>gnal</a:t>
+            </a:r>
+            <a:r>
+              <a:rPr lang="ko-KR" sz="1800">
+                <a:latin typeface="맑은 고딕" charset="0"/>
+                <a:ea typeface="맑은 고딕" charset="0"/>
+              </a:rPr>
+              <a:t> Button의 On Click( ) 함수에 Audio Manager 오브젝트를 넣어줍니다.</a:t>
+            </a:r>
+            <a:endParaRPr lang="ko-KR" altLang="en-US" sz="1800">
+              <a:latin typeface="맑은 고딕" charset="0"/>
+              <a:ea typeface="맑은 고딕" charset="0"/>
+            </a:endParaRPr>
+          </a:p>
+        </p:txBody>
+      </p:sp>
+    </p:spTree>
+  </p:cSld>
+  <p:clrMapOvr>
+    <a:masterClrMapping/>
+  </p:clrMapOvr>
+  <mc:AlternateContent xmlns:mc="http://schemas.openxmlformats.org/markup-compatibility/2006">
+    <mc:Choice xmlns:p14="http://schemas.microsoft.com/office/powerpoint/2010/main" Requires="p14">
+      <p:transition spd="slow" p14:dur="2000"/>
+    </mc:Choice>
+    <mc:Fallback>
+      <p:transition spd="slow"/>
+    </mc:Fallback>
+  </mc:AlternateContent>
+  <p:timing>
+    <p:tnLst>
+      <p:par>
+        <p:cTn id="1" dur="indefinite" restart="never" nodeType="tmRoot"/>
+      </p:par>
+    </p:tnLst>
+  </p:timing>
+</p:sld>
+</file>
+
+<file path=ppt/slides/slide14.xml><?xml version="1.0" encoding="utf-8"?>
+<p:sld xmlns:a="http://schemas.openxmlformats.org/drawingml/2006/main" xmlns:r="http://schemas.openxmlformats.org/officeDocument/2006/relationships" xmlns:p="http://schemas.openxmlformats.org/presentationml/2006/main">
+  <p:cSld>
+    <p:spTree>
+      <p:nvGrpSpPr>
+        <p:cNvPr id="1" name=""/>
+        <p:cNvGrpSpPr/>
+        <p:nvPr/>
+      </p:nvGrpSpPr>
+      <p:grpSpPr>
+        <a:xfrm>
+          <a:off x="0" y="0"/>
+          <a:ext cx="0" cy="0"/>
+          <a:chOff x="0" y="0"/>
+          <a:chExt cx="0" cy="0"/>
+        </a:xfrm>
+      </p:grpSpPr>
+      <p:sp>
+        <p:nvSpPr>
+          <p:cNvPr id="1031" name="Rect 0"/>
+          <p:cNvSpPr txBox="1">
+            <a:spLocks/>
+          </p:cNvSpPr>
+          <p:nvPr/>
+        </p:nvSpPr>
+        <p:spPr>
+          <a:xfrm rot="0">
+            <a:off x="4486910" y="354965"/>
+            <a:ext cx="3213735" cy="478155"/>
+          </a:xfrm>
+          <a:prstGeom prst="rect"/>
+          <a:noFill/>
+          <a:ln w="0">
+            <a:noFill/>
+            <a:prstDash/>
+          </a:ln>
+        </p:spPr>
+        <p:txBody>
+          <a:bodyPr wrap="square" lIns="89535" tIns="46355" rIns="89535" bIns="46355" numCol="1" vert="horz" anchor="t">
+            <a:spAutoFit/>
+          </a:bodyPr>
+          <a:lstStyle/>
+          <a:p>
+            <a:pPr marL="0" indent="0" algn="ctr" latinLnBrk="0">
+              <a:buFontTx/>
+              <a:buNone/>
+            </a:pPr>
+            <a:r>
+              <a:rPr lang="ko-KR" altLang="en-US" sz="2500" b="1">
+                <a:solidFill>
+                  <a:schemeClr val="tx1"/>
+                </a:solidFill>
+                <a:latin typeface="나눔바른고딕" charset="0"/>
+                <a:ea typeface="나눔바른고딕" charset="0"/>
+              </a:rPr>
+              <a:t>열</a:t>
+            </a:r>
+            <a:r>
+              <a:rPr lang="ko-KR" altLang="en-US" sz="2500" b="1">
+                <a:solidFill>
+                  <a:schemeClr val="tx1"/>
+                </a:solidFill>
+                <a:latin typeface="나눔바른고딕" charset="0"/>
+                <a:ea typeface="나눔바른고딕" charset="0"/>
+              </a:rPr>
+              <a:t>네</a:t>
+            </a:r>
+            <a:r>
+              <a:rPr lang="ko-KR" altLang="en-US" sz="2500" b="1">
+                <a:solidFill>
+                  <a:schemeClr val="tx1"/>
+                </a:solidFill>
+                <a:latin typeface="나눔바른고딕" charset="0"/>
+                <a:ea typeface="나눔바른고딕" charset="0"/>
+              </a:rPr>
+              <a:t>  번째 튜토리얼</a:t>
+            </a:r>
+            <a:endParaRPr lang="ko-KR" altLang="en-US" sz="2500" b="1">
+              <a:solidFill>
+                <a:schemeClr val="tx1"/>
+              </a:solidFill>
+              <a:latin typeface="나눔바른고딕" charset="0"/>
+              <a:ea typeface="나눔바른고딕" charset="0"/>
+            </a:endParaRPr>
+          </a:p>
+        </p:txBody>
+      </p:sp>
+      <p:sp>
+        <p:nvSpPr>
+          <p:cNvPr id="1235" name="Rect 0"/>
+          <p:cNvSpPr txBox="1">
+            <a:spLocks/>
+          </p:cNvSpPr>
+          <p:nvPr/>
+        </p:nvSpPr>
+        <p:spPr>
+          <a:xfrm rot="0">
+            <a:off x="1225550" y="5009515"/>
+            <a:ext cx="4149725" cy="1200785"/>
+          </a:xfrm>
+          <a:prstGeom prst="rect"/>
+          <a:noFill/>
+          <a:ln w="0">
+            <a:noFill/>
+            <a:prstDash/>
+          </a:ln>
+        </p:spPr>
+        <p:txBody>
+          <a:bodyPr wrap="square" lIns="89535" tIns="46355" rIns="89535" bIns="46355" numCol="1" vert="horz" anchor="t">
+            <a:spAutoFit/>
+          </a:bodyPr>
+          <a:lstStyle/>
+          <a:p>
+            <a:pPr marL="0" indent="0" rtl="0" algn="l" defTabSz="914400" eaLnBrk="1" latinLnBrk="0" hangingPunct="1">
+              <a:buFontTx/>
+              <a:buNone/>
+            </a:pPr>
+            <a:r>
+              <a:rPr sz="1800" b="1">
+                <a:solidFill>
+                  <a:srgbClr val="0611F2"/>
+                </a:solidFill>
+                <a:latin typeface="맑은 고딕" charset="0"/>
+                <a:ea typeface="맑은 고딕" charset="0"/>
+              </a:rPr>
+              <a:t>3</a:t>
+            </a:r>
+            <a:r>
+              <a:rPr lang="ko-KR" sz="1800" b="1">
+                <a:solidFill>
+                  <a:srgbClr val="0611F2"/>
+                </a:solidFill>
+                <a:latin typeface="맑은 고딕" charset="0"/>
+                <a:ea typeface="맑은 고딕" charset="0"/>
+              </a:rPr>
+              <a:t>6</a:t>
+            </a:r>
+            <a:r>
+              <a:rPr sz="1800" b="1">
+                <a:solidFill>
+                  <a:srgbClr val="0611F2"/>
+                </a:solidFill>
+                <a:latin typeface="맑은 고딕" charset="0"/>
+                <a:ea typeface="맑은 고딕" charset="0"/>
+              </a:rPr>
+              <a:t>.</a:t>
+            </a:r>
+            <a:r>
+              <a:rPr sz="1800">
+                <a:latin typeface="맑은 고딕" charset="0"/>
+                <a:ea typeface="맑은 고딕" charset="0"/>
+              </a:rPr>
+              <a:t> </a:t>
+            </a:r>
+            <a:r>
+              <a:rPr lang="ko-KR" sz="1800">
+                <a:latin typeface="맑은 고딕" charset="0"/>
+                <a:ea typeface="맑은 고딕" charset="0"/>
+              </a:rPr>
+              <a:t>이제</a:t>
+            </a:r>
+            <a:r>
+              <a:rPr lang="ko-KR" sz="1800">
+                <a:latin typeface="맑은 고딕" charset="0"/>
+                <a:ea typeface="맑은 고딕" charset="0"/>
+              </a:rPr>
+              <a:t> Project 폴더 아래에 있는 Texture 폴더에 </a:t>
+            </a:r>
+            <a:r>
+              <a:rPr lang="ko-KR" sz="1800">
+                <a:latin typeface="맑은 고딕" charset="0"/>
+                <a:ea typeface="맑은 고딕" charset="0"/>
+              </a:rPr>
+              <a:t>3D</a:t>
+            </a:r>
+            <a:r>
+              <a:rPr lang="ko-KR" sz="1800">
+                <a:latin typeface="맑은 고딕" charset="0"/>
+                <a:ea typeface="맑은 고딕" charset="0"/>
+              </a:rPr>
+              <a:t> </a:t>
+            </a:r>
+            <a:r>
+              <a:rPr lang="ko-KR" sz="1800">
+                <a:latin typeface="맑은 고딕" charset="0"/>
+                <a:ea typeface="맑은 고딕" charset="0"/>
+              </a:rPr>
+              <a:t>B</a:t>
+            </a:r>
+            <a:r>
+              <a:rPr lang="ko-KR" sz="1800">
+                <a:latin typeface="맑은 고딕" charset="0"/>
+                <a:ea typeface="맑은 고딕" charset="0"/>
+              </a:rPr>
+              <a:t>utton</a:t>
+            </a:r>
+            <a:r>
+              <a:rPr lang="ko-KR" sz="1800">
+                <a:latin typeface="맑은 고딕" charset="0"/>
+                <a:ea typeface="맑은 고딕" charset="0"/>
+              </a:rPr>
+              <a:t> 텍스처를 </a:t>
+            </a:r>
+            <a:r>
+              <a:rPr sz="1800">
+                <a:latin typeface="맑은 고딕" charset="0"/>
+                <a:ea typeface="맑은 고딕" charset="0"/>
+              </a:rPr>
+              <a:t>S</a:t>
+            </a:r>
+            <a:r>
+              <a:rPr lang="ko-KR" sz="1800">
+                <a:latin typeface="맑은 고딕" charset="0"/>
+                <a:ea typeface="맑은 고딕" charset="0"/>
+              </a:rPr>
+              <a:t>i</a:t>
+            </a:r>
+            <a:r>
+              <a:rPr lang="ko-KR" sz="1800">
+                <a:latin typeface="맑은 고딕" charset="0"/>
+                <a:ea typeface="맑은 고딕" charset="0"/>
+              </a:rPr>
+              <a:t>gnal</a:t>
+            </a:r>
+            <a:r>
+              <a:rPr lang="ko-KR" sz="1800">
+                <a:latin typeface="맑은 고딕" charset="0"/>
+                <a:ea typeface="맑은 고딕" charset="0"/>
+              </a:rPr>
+              <a:t> Button</a:t>
+            </a:r>
+            <a:r>
+              <a:rPr lang="ko-KR" sz="1800">
+                <a:latin typeface="맑은 고딕" charset="0"/>
+                <a:ea typeface="맑은 고딕" charset="0"/>
+              </a:rPr>
+              <a:t> </a:t>
+            </a:r>
+            <a:r>
+              <a:rPr lang="ko-KR" sz="1800">
+                <a:latin typeface="맑은 고딕" charset="0"/>
+                <a:ea typeface="맑은 고딕" charset="0"/>
+              </a:rPr>
+              <a:t>오브젝트의 Source Image에 넣어줍니다.</a:t>
+            </a:r>
+            <a:endParaRPr lang="ko-KR" altLang="en-US" sz="1800">
+              <a:latin typeface="맑은 고딕" charset="0"/>
+              <a:ea typeface="맑은 고딕" charset="0"/>
+            </a:endParaRPr>
+          </a:p>
+        </p:txBody>
+      </p:sp>
+      <p:sp>
+        <p:nvSpPr>
+          <p:cNvPr id="1245" name="Rect 0"/>
+          <p:cNvSpPr txBox="1">
+            <a:spLocks/>
+          </p:cNvSpPr>
+          <p:nvPr/>
+        </p:nvSpPr>
+        <p:spPr>
+          <a:xfrm rot="0">
+            <a:off x="6820535" y="2767965"/>
+            <a:ext cx="4127500" cy="923925"/>
+          </a:xfrm>
+          <a:prstGeom prst="rect"/>
+          <a:noFill/>
+          <a:ln w="0">
+            <a:noFill/>
+            <a:prstDash/>
+          </a:ln>
+        </p:spPr>
+        <p:txBody>
+          <a:bodyPr wrap="square" lIns="89535" tIns="46355" rIns="89535" bIns="46355" numCol="1" vert="horz" anchor="t">
+            <a:spAutoFit/>
+          </a:bodyPr>
+          <a:lstStyle/>
+          <a:p>
+            <a:pPr marL="0" indent="0" rtl="0" algn="l" defTabSz="914400" eaLnBrk="1" latinLnBrk="0" hangingPunct="1">
+              <a:buFontTx/>
+              <a:buNone/>
+            </a:pPr>
+            <a:r>
+              <a:rPr sz="1800" b="1">
+                <a:solidFill>
+                  <a:srgbClr val="0611F2"/>
+                </a:solidFill>
+                <a:latin typeface="맑은 고딕" charset="0"/>
+                <a:ea typeface="맑은 고딕" charset="0"/>
+              </a:rPr>
+              <a:t>3</a:t>
+            </a:r>
+            <a:r>
+              <a:rPr sz="1800" b="1">
+                <a:solidFill>
+                  <a:srgbClr val="0611F2"/>
+                </a:solidFill>
+                <a:latin typeface="맑은 고딕" charset="0"/>
+                <a:ea typeface="맑은 고딕" charset="0"/>
+              </a:rPr>
+              <a:t>4</a:t>
+            </a:r>
+            <a:r>
+              <a:rPr sz="1800" b="1">
+                <a:solidFill>
+                  <a:srgbClr val="0611F2"/>
+                </a:solidFill>
+                <a:latin typeface="맑은 고딕" charset="0"/>
+                <a:ea typeface="맑은 고딕" charset="0"/>
+              </a:rPr>
+              <a:t>.</a:t>
+            </a:r>
+            <a:r>
+              <a:rPr sz="1800">
+                <a:latin typeface="맑은 고딕" charset="0"/>
+                <a:ea typeface="맑은 고딕" charset="0"/>
+              </a:rPr>
+              <a:t> </a:t>
+            </a:r>
+            <a:r>
+              <a:rPr lang="ko-KR" sz="1800">
+                <a:latin typeface="맑은 고딕" charset="0"/>
+                <a:ea typeface="맑은 고딕" charset="0"/>
+              </a:rPr>
+              <a:t>이제</a:t>
+            </a:r>
+            <a:r>
+              <a:rPr lang="ko-KR" sz="1800">
+                <a:latin typeface="맑은 고딕" charset="0"/>
+                <a:ea typeface="맑은 고딕" charset="0"/>
+              </a:rPr>
+              <a:t> </a:t>
+            </a:r>
+            <a:r>
+              <a:rPr lang="ko-KR" sz="1800">
+                <a:latin typeface="맑은 고딕" charset="0"/>
+                <a:ea typeface="맑은 고딕" charset="0"/>
+              </a:rPr>
+              <a:t>A</a:t>
+            </a:r>
+            <a:r>
+              <a:rPr lang="ko-KR" sz="1800">
+                <a:latin typeface="맑은 고딕" charset="0"/>
+                <a:ea typeface="맑은 고딕" charset="0"/>
+              </a:rPr>
+              <a:t>udioManager 스크립트</a:t>
+            </a:r>
+            <a:r>
+              <a:rPr lang="ko-KR" sz="1800">
+                <a:latin typeface="맑은 고딕" charset="0"/>
+                <a:ea typeface="맑은 고딕" charset="0"/>
+              </a:rPr>
+              <a:t>에서 A</a:t>
+            </a:r>
+            <a:r>
+              <a:rPr lang="ko-KR" sz="1800">
+                <a:latin typeface="맑은 고딕" charset="0"/>
+                <a:ea typeface="맑은 고딕" charset="0"/>
+              </a:rPr>
+              <a:t>udioSou</a:t>
+            </a:r>
+            <a:r>
+              <a:rPr lang="ko-KR" sz="1800">
+                <a:latin typeface="맑은 고딕" charset="0"/>
+                <a:ea typeface="맑은 고딕" charset="0"/>
+              </a:rPr>
+              <a:t>c</a:t>
+            </a:r>
+            <a:r>
+              <a:rPr lang="ko-KR" sz="1800">
+                <a:latin typeface="맑은 고딕" charset="0"/>
+                <a:ea typeface="맑은 고딕" charset="0"/>
+              </a:rPr>
+              <a:t>e 변</a:t>
+            </a:r>
+            <a:r>
+              <a:rPr lang="ko-KR" sz="1800">
+                <a:latin typeface="맑은 고딕" charset="0"/>
+                <a:ea typeface="맑은 고딕" charset="0"/>
+              </a:rPr>
+              <a:t>수를 선언하고</a:t>
+            </a:r>
+            <a:r>
+              <a:rPr lang="ko-KR" sz="1800">
+                <a:latin typeface="맑은 고딕" charset="0"/>
+                <a:ea typeface="맑은 고딕" charset="0"/>
+              </a:rPr>
+              <a:t> A</a:t>
+            </a:r>
+            <a:r>
+              <a:rPr lang="ko-KR" sz="1800">
+                <a:latin typeface="맑은 고딕" charset="0"/>
+                <a:ea typeface="맑은 고딕" charset="0"/>
+              </a:rPr>
+              <a:t>u</a:t>
+            </a:r>
+            <a:r>
+              <a:rPr lang="ko-KR" sz="1800">
+                <a:latin typeface="맑은 고딕" charset="0"/>
+                <a:ea typeface="맑은 고딕" charset="0"/>
+              </a:rPr>
+              <a:t>dioClip을 배열로 선언합니다</a:t>
+            </a:r>
+            <a:r>
+              <a:rPr lang="ko-KR" sz="1800">
+                <a:latin typeface="맑은 고딕" charset="0"/>
+                <a:ea typeface="맑은 고딕" charset="0"/>
+              </a:rPr>
+              <a:t>.</a:t>
+            </a:r>
+            <a:endParaRPr lang="ko-KR" altLang="en-US" sz="1800">
+              <a:latin typeface="맑은 고딕" charset="0"/>
+              <a:ea typeface="맑은 고딕" charset="0"/>
+            </a:endParaRPr>
+          </a:p>
+        </p:txBody>
+      </p:sp>
+      <p:sp>
+        <p:nvSpPr>
+          <p:cNvPr id="1249" name="Rect 0"/>
+          <p:cNvSpPr txBox="1">
+            <a:spLocks/>
+          </p:cNvSpPr>
+          <p:nvPr/>
+        </p:nvSpPr>
+        <p:spPr>
+          <a:xfrm rot="0">
+            <a:off x="6814185" y="5009515"/>
+            <a:ext cx="4140200" cy="1200785"/>
+          </a:xfrm>
+          <a:prstGeom prst="rect"/>
+          <a:noFill/>
+          <a:ln w="0">
+            <a:noFill/>
+            <a:prstDash/>
+          </a:ln>
+        </p:spPr>
+        <p:txBody>
+          <a:bodyPr wrap="square" lIns="89535" tIns="46355" rIns="89535" bIns="46355" numCol="1" vert="horz" anchor="t">
+            <a:spAutoFit/>
+          </a:bodyPr>
+          <a:lstStyle/>
+          <a:p>
+            <a:pPr marL="0" indent="0" rtl="0" algn="l" defTabSz="914400" eaLnBrk="1" latinLnBrk="0" hangingPunct="1">
+              <a:buFontTx/>
+              <a:buNone/>
+            </a:pPr>
+            <a:r>
+              <a:rPr sz="1800" b="1">
+                <a:solidFill>
+                  <a:srgbClr val="0611F2"/>
+                </a:solidFill>
+                <a:latin typeface="맑은 고딕" charset="0"/>
+                <a:ea typeface="맑은 고딕" charset="0"/>
+              </a:rPr>
+              <a:t>3</a:t>
+            </a:r>
+            <a:r>
+              <a:rPr lang="ko-KR" sz="1800" b="1">
+                <a:solidFill>
+                  <a:srgbClr val="0611F2"/>
+                </a:solidFill>
+                <a:latin typeface="맑은 고딕" charset="0"/>
+                <a:ea typeface="맑은 고딕" charset="0"/>
+              </a:rPr>
+              <a:t>7</a:t>
+            </a:r>
+            <a:r>
+              <a:rPr sz="1800" b="1">
+                <a:solidFill>
+                  <a:srgbClr val="0611F2"/>
+                </a:solidFill>
+                <a:latin typeface="맑은 고딕" charset="0"/>
+                <a:ea typeface="맑은 고딕" charset="0"/>
+              </a:rPr>
+              <a:t>.</a:t>
+            </a:r>
+            <a:r>
+              <a:rPr sz="1800">
+                <a:latin typeface="맑은 고딕" charset="0"/>
+                <a:ea typeface="맑은 고딕" charset="0"/>
+              </a:rPr>
+              <a:t> </a:t>
+            </a:r>
+            <a:r>
+              <a:rPr lang="ko-KR" sz="1800">
+                <a:latin typeface="맑은 고딕" charset="0"/>
+                <a:ea typeface="맑은 고딕" charset="0"/>
+              </a:rPr>
+              <a:t>그런 </a:t>
+            </a:r>
+            <a:r>
+              <a:rPr lang="ko-KR" sz="1800">
+                <a:latin typeface="맑은 고딕" charset="0"/>
+                <a:ea typeface="맑은 고딕" charset="0"/>
+              </a:rPr>
+              <a:t>다음</a:t>
+            </a:r>
+            <a:r>
+              <a:rPr lang="ko-KR" sz="1800">
+                <a:latin typeface="맑은 고딕" charset="0"/>
+                <a:ea typeface="맑은 고딕" charset="0"/>
+              </a:rPr>
+              <a:t> </a:t>
+            </a:r>
+            <a:r>
+              <a:rPr lang="ko-KR" sz="1800">
+                <a:latin typeface="맑은 고딕" charset="0"/>
+                <a:ea typeface="맑은 고딕" charset="0"/>
+              </a:rPr>
+              <a:t>A</a:t>
+            </a:r>
+            <a:r>
+              <a:rPr lang="ko-KR" sz="1800">
+                <a:latin typeface="맑은 고딕" charset="0"/>
+                <a:ea typeface="맑은 고딕" charset="0"/>
+              </a:rPr>
+              <a:t>udioManager 스크립트</a:t>
+            </a:r>
+            <a:r>
+              <a:rPr lang="ko-KR" sz="1800">
+                <a:latin typeface="맑은 고딕" charset="0"/>
+                <a:ea typeface="맑은 고딕" charset="0"/>
+              </a:rPr>
+              <a:t>에서 A</a:t>
+            </a:r>
+            <a:r>
+              <a:rPr lang="ko-KR" sz="1800">
+                <a:latin typeface="맑은 고딕" charset="0"/>
+                <a:ea typeface="맑은 고딕" charset="0"/>
+              </a:rPr>
+              <a:t>udioSou</a:t>
+            </a:r>
+            <a:r>
+              <a:rPr lang="ko-KR" sz="1800">
+                <a:latin typeface="맑은 고딕" charset="0"/>
+                <a:ea typeface="맑은 고딕" charset="0"/>
+              </a:rPr>
+              <a:t>c</a:t>
+            </a:r>
+            <a:r>
+              <a:rPr lang="ko-KR" sz="1800">
+                <a:latin typeface="맑은 고딕" charset="0"/>
+                <a:ea typeface="맑은 고딕" charset="0"/>
+              </a:rPr>
+              <a:t>e 변</a:t>
+            </a:r>
+            <a:r>
+              <a:rPr lang="ko-KR" sz="1800">
+                <a:latin typeface="맑은 고딕" charset="0"/>
+                <a:ea typeface="맑은 고딕" charset="0"/>
+              </a:rPr>
+              <a:t>수를 선언하고</a:t>
+            </a:r>
+            <a:r>
+              <a:rPr lang="ko-KR" sz="1800">
+                <a:latin typeface="맑은 고딕" charset="0"/>
+                <a:ea typeface="맑은 고딕" charset="0"/>
+              </a:rPr>
+              <a:t> A</a:t>
+            </a:r>
+            <a:r>
+              <a:rPr lang="ko-KR" sz="1800">
+                <a:latin typeface="맑은 고딕" charset="0"/>
+                <a:ea typeface="맑은 고딕" charset="0"/>
+              </a:rPr>
+              <a:t>u</a:t>
+            </a:r>
+            <a:r>
+              <a:rPr lang="ko-KR" sz="1800">
+                <a:latin typeface="맑은 고딕" charset="0"/>
+                <a:ea typeface="맑은 고딕" charset="0"/>
+              </a:rPr>
+              <a:t>dioClip을 배열로 선언합니다</a:t>
+            </a:r>
+            <a:r>
+              <a:rPr lang="ko-KR" sz="1800">
+                <a:latin typeface="맑은 고딕" charset="0"/>
+                <a:ea typeface="맑은 고딕" charset="0"/>
+              </a:rPr>
+              <a:t>.</a:t>
+            </a:r>
+            <a:endParaRPr lang="ko-KR" altLang="en-US" sz="1800">
+              <a:latin typeface="맑은 고딕" charset="0"/>
+              <a:ea typeface="맑은 고딕" charset="0"/>
+            </a:endParaRPr>
+          </a:p>
+        </p:txBody>
+      </p:sp>
+      <p:pic>
+        <p:nvPicPr>
+          <p:cNvPr id="1250" name="Picture " descr="C:/Users/nwond/AppData/Roaming/PolarisOffice/ETemp/2808_23068720/fImage534023085724.png"/>
+          <p:cNvPicPr>
+            <a:picLocks noChangeAspect="1"/>
+          </p:cNvPicPr>
+          <p:nvPr/>
+        </p:nvPicPr>
+        <p:blipFill rotWithShape="1">
+          <a:blip r:embed="rId2" cstate="print">
+            <a:extLst>
+              <a:ext uri="{28A0092B-C50C-407E-A947-70E740481C1C}">
+                <a14:useLocalDpi xmlns:a14="http://schemas.microsoft.com/office/drawing/2010/main" val="0"/>
+              </a:ext>
+            </a:extLst>
+          </a:blip>
+          <a:stretch>
+            <a:fillRect/>
+          </a:stretch>
+        </p:blipFill>
+        <p:spPr>
+          <a:xfrm rot="0">
+            <a:off x="6814185" y="1440180"/>
+            <a:ext cx="4133850" cy="1229360"/>
+          </a:xfrm>
+          <a:prstGeom prst="roundRect"/>
+          <a:solidFill>
+            <a:srgbClr val="EDEDED"/>
+          </a:solidFill>
+        </p:spPr>
+      </p:pic>
+      <p:pic>
+        <p:nvPicPr>
+          <p:cNvPr id="1251" name="그림 27" descr="C:/Users/nwond/AppData/Roaming/PolarisOffice/ETemp/2808_23068720/fImage49591925705.png"/>
           <p:cNvPicPr>
             <a:picLocks noChangeAspect="1"/>
           </p:cNvPicPr>
@@ -8594,8 +11236,8 @@
         </p:blipFill>
         <p:spPr>
           <a:xfrm rot="0">
-            <a:off x="6814820" y="2623820"/>
-            <a:ext cx="4122420" cy="1481455"/>
+            <a:off x="2488565" y="1440180"/>
+            <a:ext cx="2886710" cy="1056640"/>
           </a:xfrm>
           <a:prstGeom prst="roundRect"/>
           <a:solidFill>
@@ -8605,17 +11247,17 @@
       </p:pic>
       <p:pic>
         <p:nvPicPr>
-          <p:cNvPr id="1230" name="그림 31"/>
+          <p:cNvPr id="1252" name="그림 28" descr="C:/Users/nwond/AppData/Roaming/PolarisOffice/ETemp/2808_23068720/fImage79821938145.png"/>
           <p:cNvPicPr>
             <a:picLocks noChangeAspect="1"/>
           </p:cNvPicPr>
           <p:nvPr/>
         </p:nvPicPr>
         <p:blipFill rotWithShape="1">
-          <a:blip r:embed="rId4" cstate="print">
+          <a:blip r:embed="rId4" cstate="hqprint">
             <a:extLst>
               <a:ext uri="{28A0092B-C50C-407E-A947-70E740481C1C}">
-                <a14:useLocalDpi xmlns:a14="http://schemas.microsoft.com/office/drawing/2010/main" val="0"/>
+                <a14:useLocalDpi xmlns:a14="http://schemas.microsoft.com/office/drawing/2010/main"/>
               </a:ext>
             </a:extLst>
           </a:blip>
@@ -8625,8 +11267,8 @@
         </p:blipFill>
         <p:spPr>
           <a:xfrm rot="0">
-            <a:off x="1241425" y="1376680"/>
-            <a:ext cx="4128135" cy="1074420"/>
+            <a:off x="1228725" y="1446530"/>
+            <a:ext cx="1155065" cy="1050290"/>
           </a:xfrm>
           <a:prstGeom prst="roundRect"/>
           <a:solidFill>
@@ -8634,85 +11276,143 @@
           </a:solidFill>
         </p:spPr>
       </p:pic>
+      <p:sp>
+        <p:nvSpPr>
+          <p:cNvPr id="1253" name="텍스트 상자 29"/>
+          <p:cNvSpPr txBox="1">
+            <a:spLocks/>
+          </p:cNvSpPr>
+          <p:nvPr/>
+        </p:nvSpPr>
+        <p:spPr>
+          <a:xfrm rot="0">
+            <a:off x="1225550" y="2607945"/>
+            <a:ext cx="4149725" cy="923925"/>
+          </a:xfrm>
+          <a:prstGeom prst="rect"/>
+          <a:noFill/>
+          <a:ln w="0">
+            <a:noFill/>
+            <a:prstDash/>
+          </a:ln>
+        </p:spPr>
+        <p:txBody>
+          <a:bodyPr wrap="square" lIns="89535" tIns="46355" rIns="89535" bIns="46355" numCol="1" vert="horz" anchor="t">
+            <a:spAutoFit/>
+          </a:bodyPr>
+          <a:lstStyle/>
+          <a:p>
+            <a:pPr marL="0" indent="0" rtl="0" algn="l" defTabSz="914400" eaLnBrk="1" latinLnBrk="0" hangingPunct="1">
+              <a:buFontTx/>
+              <a:buNone/>
+            </a:pPr>
+            <a:r>
+              <a:rPr sz="1800" b="1">
+                <a:solidFill>
+                  <a:srgbClr val="0611F2"/>
+                </a:solidFill>
+                <a:latin typeface="맑은 고딕" charset="0"/>
+                <a:ea typeface="맑은 고딕" charset="0"/>
+              </a:rPr>
+              <a:t>3</a:t>
+            </a:r>
+            <a:r>
+              <a:rPr lang="ko-KR" sz="1800" b="1">
+                <a:solidFill>
+                  <a:srgbClr val="0611F2"/>
+                </a:solidFill>
+                <a:latin typeface="맑은 고딕" charset="0"/>
+                <a:ea typeface="맑은 고딕" charset="0"/>
+              </a:rPr>
+              <a:t>9</a:t>
+            </a:r>
+            <a:r>
+              <a:rPr sz="1800" b="1">
+                <a:solidFill>
+                  <a:srgbClr val="0611F2"/>
+                </a:solidFill>
+                <a:latin typeface="맑은 고딕" charset="0"/>
+                <a:ea typeface="맑은 고딕" charset="0"/>
+              </a:rPr>
+              <a:t>.</a:t>
+            </a:r>
+            <a:r>
+              <a:rPr sz="1800">
+                <a:latin typeface="맑은 고딕" charset="0"/>
+                <a:ea typeface="맑은 고딕" charset="0"/>
+              </a:rPr>
+              <a:t> </a:t>
+            </a:r>
+            <a:r>
+              <a:rPr lang="ko-KR" sz="1800">
+                <a:latin typeface="맑은 고딕" charset="0"/>
+                <a:ea typeface="맑은 고딕" charset="0"/>
+              </a:rPr>
+              <a:t>그</a:t>
+            </a:r>
+            <a:r>
+              <a:rPr lang="ko-KR" sz="1800">
+                <a:latin typeface="맑은 고딕" charset="0"/>
+                <a:ea typeface="맑은 고딕" charset="0"/>
+              </a:rPr>
+              <a:t>다음</a:t>
+            </a:r>
+            <a:r>
+              <a:rPr lang="ko-KR" sz="1800">
+                <a:latin typeface="맑은 고딕" charset="0"/>
+                <a:ea typeface="맑은 고딕" charset="0"/>
+              </a:rPr>
+              <a:t>으로</a:t>
+            </a:r>
+            <a:r>
+              <a:rPr lang="ko-KR" sz="1800">
+                <a:latin typeface="맑은 고딕" charset="0"/>
+                <a:ea typeface="맑은 고딕" charset="0"/>
+              </a:rPr>
+              <a:t> S</a:t>
+            </a:r>
+            <a:r>
+              <a:rPr lang="ko-KR" sz="1800">
+                <a:latin typeface="맑은 고딕" charset="0"/>
+                <a:ea typeface="맑은 고딕" charset="0"/>
+              </a:rPr>
+              <a:t>i</a:t>
+            </a:r>
+            <a:r>
+              <a:rPr lang="ko-KR" sz="1800">
+                <a:latin typeface="맑은 고딕" charset="0"/>
+                <a:ea typeface="맑은 고딕" charset="0"/>
+              </a:rPr>
+              <a:t>gnal</a:t>
+            </a:r>
+            <a:r>
+              <a:rPr lang="ko-KR" sz="1800">
+                <a:latin typeface="맑은 고딕" charset="0"/>
+                <a:ea typeface="맑은 고딕" charset="0"/>
+              </a:rPr>
+              <a:t> Button의 On Click( ) 함수에 Audio Manager 오브젝트를 넣어줍니다.</a:t>
+            </a:r>
+            <a:endParaRPr lang="ko-KR" altLang="en-US" sz="1800">
+              <a:latin typeface="맑은 고딕" charset="0"/>
+              <a:ea typeface="맑은 고딕" charset="0"/>
+            </a:endParaRPr>
+          </a:p>
+        </p:txBody>
+      </p:sp>
       <p:cxnSp>
         <p:nvCxnSpPr>
-          <p:cNvPr id="1231" name="도형 34"/>
+          <p:cNvPr id="1254" name="도형 30"/>
           <p:cNvCxnSpPr/>
           <p:nvPr/>
         </p:nvCxnSpPr>
         <p:spPr>
-          <a:xfrm rot="0">
-            <a:off x="3351530" y="2398395"/>
-            <a:ext cx="1896745" cy="1040130"/>
+          <a:xfrm rot="0" flipV="1">
+            <a:off x="2178050" y="2055495"/>
+            <a:ext cx="1198880" cy="347980"/>
           </a:xfrm>
           <a:prstGeom prst="straightConnector1"/>
           <a:ln w="6350" cap="flat" cmpd="sng">
             <a:prstDash/>
-            <a:headEnd type="none" w="med" len="med"/>
-            <a:tailEnd type="triangle" w="med" len="med"/>
-          </a:ln>
-        </p:spPr>
-        <p:style>
-          <a:lnRef idx="1">
-            <a:schemeClr val="accent1"/>
-          </a:lnRef>
-          <a:fillRef idx="0">
-            <a:schemeClr val="accent1"/>
-          </a:fillRef>
-          <a:effectRef idx="0">
-            <a:schemeClr val="accent1"/>
-          </a:effectRef>
-          <a:fontRef idx="minor">
-            <a:schemeClr val="tx1"/>
-          </a:fontRef>
-        </p:style>
-      </p:cxnSp>
-      <p:pic>
-        <p:nvPicPr>
-          <p:cNvPr id="1232" name="그림 35"/>
-          <p:cNvPicPr>
-            <a:picLocks noChangeAspect="1"/>
-          </p:cNvPicPr>
-          <p:nvPr/>
-        </p:nvPicPr>
-        <p:blipFill rotWithShape="1">
-          <a:blip r:embed="rId5" cstate="print">
-            <a:extLst>
-              <a:ext uri="{28A0092B-C50C-407E-A947-70E740481C1C}">
-                <a14:useLocalDpi xmlns:a14="http://schemas.microsoft.com/office/drawing/2010/main" val="0"/>
-              </a:ext>
-            </a:extLst>
-          </a:blip>
-          <a:stretch>
-            <a:fillRect/>
-          </a:stretch>
-        </p:blipFill>
-        <p:spPr>
-          <a:xfrm rot="0">
-            <a:off x="6817995" y="1368425"/>
-            <a:ext cx="4119245" cy="1074420"/>
-          </a:xfrm>
-          <a:prstGeom prst="roundRect"/>
-          <a:solidFill>
-            <a:srgbClr val="EDEDED"/>
-          </a:solidFill>
-        </p:spPr>
-      </p:pic>
-      <p:cxnSp>
-        <p:nvCxnSpPr>
-          <p:cNvPr id="1233" name="도형 39"/>
-          <p:cNvCxnSpPr/>
-          <p:nvPr/>
-        </p:nvCxnSpPr>
-        <p:spPr>
-          <a:xfrm rot="0">
-            <a:off x="8252460" y="2372995"/>
-            <a:ext cx="2563495" cy="1056640"/>
-          </a:xfrm>
-          <a:prstGeom prst="straightConnector1"/>
-          <a:ln w="6350" cap="flat" cmpd="sng">
-            <a:prstDash/>
-            <a:headEnd type="none" w="med" len="med"/>
             <a:tailEnd type="triangle" w="med" len="med"/>
           </a:ln>
         </p:spPr>
@@ -8782,7 +11482,7 @@
         <p:spPr>
           <a:xfrm>
             <a:off x="4676140" y="346710"/>
-            <a:ext cx="2818130" cy="478155"/>
+            <a:ext cx="2818765" cy="478155"/>
           </a:xfrm>
           <a:prstGeom prst="rect"/>
           <a:noFill/>
@@ -8802,24 +11502,14 @@
               <a:buNone/>
             </a:pPr>
             <a:r>
-              <a:rPr lang="ko-KR" sz="2500" b="1">
+              <a:rPr lang="ko-KR" altLang="en-US" sz="2500" b="1">
                 <a:solidFill>
                   <a:schemeClr val="tx1"/>
                 </a:solidFill>
                 <a:latin typeface="나눔바른고딕" charset="0"/>
                 <a:ea typeface="나눔바른고딕" charset="0"/>
               </a:rPr>
-              <a:t>Audio</a:t>
-            </a:r>
-            <a:r>
-              <a:rPr lang="ko-KR" sz="2500" b="1">
-                <a:solidFill>
-                  <a:schemeClr val="tx1"/>
-                </a:solidFill>
-                <a:latin typeface="나눔바른고딕" charset="0"/>
-                <a:ea typeface="나눔바른고딕" charset="0"/>
-              </a:rPr>
-              <a:t> Listener</a:t>
+              <a:t>두 번째 튜토리얼</a:t>
             </a:r>
             <a:endParaRPr lang="ko-KR" altLang="en-US" sz="2500" b="1">
               <a:solidFill>
@@ -8833,7 +11523,7 @@
       </p:sp>
       <p:sp>
         <p:nvSpPr>
-          <p:cNvPr id="3" name="텍스트 상자 38"/>
+          <p:cNvPr id="8" name="텍스트 상자 3"/>
           <p:cNvSpPr txBox="1">
             <a:spLocks/>
           </p:cNvSpPr>
@@ -8841,8 +11531,8 @@
         </p:nvSpPr>
         <p:spPr>
           <a:xfrm>
-            <a:off x="7233285" y="4446905"/>
-            <a:ext cx="4043045" cy="1754505"/>
+            <a:off x="1222375" y="5501640"/>
+            <a:ext cx="4135755" cy="647065"/>
           </a:xfrm>
           <a:prstGeom prst="rect"/>
           <a:noFill/>
@@ -8862,169 +11552,39 @@
               <a:buNone/>
             </a:pPr>
             <a:r>
-              <a:rPr lang="ko-KR" sz="1800">
-                <a:latin typeface="맑은 고딕" charset="0"/>
-                <a:ea typeface="맑은 고딕" charset="0"/>
-              </a:rPr>
-              <a:t>사운드 시스템의 경우 어떤 파동이나 관찰자의 상대 속도에 따라 진동수와 파동이 바뀌게 됩니다.</a:t>
+              <a:rPr sz="1800" b="1">
+                <a:solidFill>
+                  <a:srgbClr val="0611F2"/>
+                </a:solidFill>
+                <a:latin typeface="맑은 고딕" charset="0"/>
+                <a:ea typeface="맑은 고딕" charset="0"/>
+              </a:rPr>
+              <a:t>4.</a:t>
+            </a:r>
+            <a:r>
+              <a:rPr sz="1800">
+                <a:latin typeface="맑은 고딕" charset="0"/>
+                <a:ea typeface="맑은 고딕" charset="0"/>
+              </a:rPr>
+              <a:t> 그다</a:t>
+            </a:r>
+            <a:r>
+              <a:rPr lang="ko-KR" sz="1800">
+                <a:latin typeface="맑은 고딕" charset="0"/>
+                <a:ea typeface="맑은 고딕" charset="0"/>
+              </a:rPr>
+              <a:t>음 C# Script를 생성하고 Drone이라는 이름으로 정의합니다.</a:t>
             </a:r>
             <a:endParaRPr lang="ko-KR" altLang="en-US" sz="1800">
               <a:latin typeface="맑은 고딕" charset="0"/>
               <a:ea typeface="맑은 고딕" charset="0"/>
             </a:endParaRPr>
           </a:p>
-          <a:p>
-            <a:pPr marL="0" indent="0" rtl="0" algn="l" defTabSz="914400" eaLnBrk="1" latinLnBrk="0" hangingPunct="1">
-              <a:buFontTx/>
-              <a:buNone/>
-            </a:pPr>
-            <a:endParaRPr lang="ko-KR" altLang="en-US" sz="1800">
-              <a:latin typeface="맑은 고딕" charset="0"/>
-              <a:ea typeface="맑은 고딕" charset="0"/>
-            </a:endParaRPr>
-          </a:p>
-          <a:p>
-            <a:pPr marL="0" indent="0" rtl="0" algn="l" defTabSz="914400" eaLnBrk="1" latinLnBrk="0" hangingPunct="1">
-              <a:buFontTx/>
-              <a:buNone/>
-            </a:pPr>
-            <a:r>
-              <a:rPr lang="ko-KR" sz="1800">
-                <a:latin typeface="맑은 고딕" charset="0"/>
-                <a:ea typeface="맑은 고딕" charset="0"/>
-              </a:rPr>
-              <a:t>그리고 오디오 리스너는 </a:t>
-            </a:r>
-            <a:r>
-              <a:rPr lang="ko-KR" sz="1800">
-                <a:latin typeface="맑은 고딕" charset="0"/>
-                <a:ea typeface="맑은 고딕" charset="0"/>
-              </a:rPr>
-              <a:t>월드</a:t>
-            </a:r>
-            <a:r>
-              <a:rPr lang="ko-KR" sz="1800">
-                <a:latin typeface="맑은 고딕" charset="0"/>
-                <a:ea typeface="맑은 고딕" charset="0"/>
-              </a:rPr>
-              <a:t> 공간 안에서 하나만 존재해야 합니다.</a:t>
-            </a:r>
-            <a:endParaRPr lang="ko-KR" altLang="en-US" sz="1800">
-              <a:latin typeface="맑은 고딕" charset="0"/>
-              <a:ea typeface="맑은 고딕" charset="0"/>
-            </a:endParaRPr>
-          </a:p>
         </p:txBody>
       </p:sp>
       <p:pic>
         <p:nvPicPr>
-          <p:cNvPr id="7" name="그림 35"/>
-          <p:cNvPicPr>
-            <a:picLocks noChangeAspect="1"/>
-          </p:cNvPicPr>
-          <p:nvPr/>
-        </p:nvPicPr>
-        <p:blipFill rotWithShape="1">
-          <a:blip r:embed="rId14" cstate="hqprint">
-            <a:extLst>
-              <a:ext uri="{28A0092B-C50C-407E-A947-70E740481C1C}">
-                <a14:useLocalDpi xmlns:a14="http://schemas.microsoft.com/office/drawing/2010/main"/>
-              </a:ext>
-            </a:extLst>
-          </a:blip>
-          <a:stretch>
-            <a:fillRect/>
-          </a:stretch>
-        </p:blipFill>
-        <p:spPr>
-          <a:xfrm rot="0">
-            <a:off x="7232015" y="1438275"/>
-            <a:ext cx="4044950" cy="2748280"/>
-          </a:xfrm>
-          <a:prstGeom prst="roundRect"/>
-          <a:solidFill>
-            <a:srgbClr val="EDEDED"/>
-          </a:solidFill>
-        </p:spPr>
-      </p:pic>
-      <p:sp>
-        <p:nvSpPr>
-          <p:cNvPr id="8" name="텍스트 상자 3"/>
-          <p:cNvSpPr txBox="1">
-            <a:spLocks/>
-          </p:cNvSpPr>
-          <p:nvPr/>
-        </p:nvSpPr>
-        <p:spPr>
-          <a:xfrm rot="0">
-            <a:off x="1222375" y="5501640"/>
-            <a:ext cx="4135120" cy="647700"/>
-          </a:xfrm>
-          <a:prstGeom prst="rect"/>
-          <a:noFill/>
-          <a:ln w="0">
-            <a:noFill/>
-            <a:prstDash/>
-          </a:ln>
-        </p:spPr>
-        <p:txBody>
-          <a:bodyPr wrap="square" lIns="89535" tIns="46355" rIns="89535" bIns="46355" numCol="1" vert="horz" anchor="t">
-            <a:spAutoFit/>
-          </a:bodyPr>
-          <a:lstStyle/>
-          <a:p>
-            <a:pPr marL="0" indent="0" rtl="0" algn="l" defTabSz="914400" eaLnBrk="1" latinLnBrk="0" hangingPunct="1">
-              <a:buFontTx/>
-              <a:buNone/>
-            </a:pPr>
-            <a:r>
-              <a:rPr sz="1800" b="1">
-                <a:solidFill>
-                  <a:srgbClr val="0611F2"/>
-                </a:solidFill>
-                <a:latin typeface="맑은 고딕" charset="0"/>
-                <a:ea typeface="맑은 고딕" charset="0"/>
-              </a:rPr>
-              <a:t>4.</a:t>
-            </a:r>
-            <a:r>
-              <a:rPr sz="1800">
-                <a:latin typeface="맑은 고딕" charset="0"/>
-                <a:ea typeface="맑은 고딕" charset="0"/>
-              </a:rPr>
-              <a:t> 그다</a:t>
-            </a:r>
-            <a:r>
-              <a:rPr lang="ko-KR" sz="1800">
-                <a:latin typeface="맑은 고딕" charset="0"/>
-                <a:ea typeface="맑은 고딕" charset="0"/>
-              </a:rPr>
-              <a:t>음으로 C# Script를 생성하고 </a:t>
-            </a:r>
-            <a:r>
-              <a:rPr lang="ko-KR" sz="1800">
-                <a:latin typeface="맑은 고딕" charset="0"/>
-                <a:ea typeface="맑은 고딕" charset="0"/>
-              </a:rPr>
-              <a:t>Drone이라는</a:t>
-            </a:r>
-            <a:r>
-              <a:rPr lang="ko-KR" sz="1800">
-                <a:latin typeface="맑은 고딕" charset="0"/>
-                <a:ea typeface="맑은 고딕" charset="0"/>
-              </a:rPr>
-              <a:t> 이름으로 정의합니다.</a:t>
-            </a:r>
-            <a:endParaRPr lang="ko-KR" altLang="en-US" sz="1800">
-              <a:latin typeface="맑은 고딕" charset="0"/>
-              <a:ea typeface="맑은 고딕" charset="0"/>
-            </a:endParaRPr>
-          </a:p>
-        </p:txBody>
-      </p:sp>
-      <p:pic>
-        <p:nvPicPr>
-          <p:cNvPr id="9" name="그림 4" descr="C:/Users/Admin1/AppData/Roaming/PolarisOffice/ETemp/20400_15139376/fImage82892665724.png"/>
+          <p:cNvPr id="9" name="그림 4"/>
           <p:cNvPicPr>
             <a:picLocks noChangeAspect="1"/>
           </p:cNvPicPr>
@@ -9055,7 +11615,7 @@
       </p:pic>
       <p:pic>
         <p:nvPicPr>
-          <p:cNvPr id="10" name="그림 5" descr="C:/Users/Admin1/AppData/Roaming/PolarisOffice/ETemp/20400_15139376/fImage24342671478.png"/>
+          <p:cNvPr id="10" name="그림 5"/>
           <p:cNvPicPr>
             <a:picLocks noChangeAspect="1"/>
           </p:cNvPicPr>
@@ -9086,7 +11646,7 @@
       </p:pic>
       <p:pic>
         <p:nvPicPr>
-          <p:cNvPr id="11" name="그림 6" descr="C:/Users/Admin1/AppData/Roaming/PolarisOffice/ETemp/20400_15139376/fImage2242172689358.png"/>
+          <p:cNvPr id="11" name="그림 6"/>
           <p:cNvPicPr>
             <a:picLocks noChangeAspect="1"/>
           </p:cNvPicPr>
@@ -9111,6 +11671,366 @@
           </a:xfrm>
           <a:prstGeom prst="rect"/>
           <a:noFill/>
+        </p:spPr>
+      </p:pic>
+      <p:pic>
+        <p:nvPicPr>
+          <p:cNvPr id="12" name="그림 37" descr="C:/Users/nwond/AppData/Roaming/PolarisOffice/ETemp/8400_17616360/fImage458825541.png"/>
+          <p:cNvPicPr>
+            <a:picLocks noChangeAspect="1"/>
+          </p:cNvPicPr>
+          <p:nvPr/>
+        </p:nvPicPr>
+        <p:blipFill rotWithShape="1">
+          <a:blip r:embed="rId18" cstate="hqprint">
+            <a:extLst>
+              <a:ext uri="{28A0092B-C50C-407E-A947-70E740481C1C}">
+                <a14:useLocalDpi xmlns:a14="http://schemas.microsoft.com/office/drawing/2010/main"/>
+              </a:ext>
+            </a:extLst>
+          </a:blip>
+          <a:stretch>
+            <a:fillRect/>
+          </a:stretch>
+        </p:blipFill>
+        <p:spPr>
+          <a:xfrm rot="0">
+            <a:off x="6814185" y="1433830"/>
+            <a:ext cx="1374140" cy="1011555"/>
+          </a:xfrm>
+          <a:prstGeom prst="roundRect"/>
+          <a:solidFill>
+            <a:srgbClr val="EDEDED"/>
+          </a:solidFill>
+        </p:spPr>
+      </p:pic>
+      <p:pic>
+        <p:nvPicPr>
+          <p:cNvPr id="13" name="그림 38" descr="C:/Users/nwond/AppData/Roaming/PolarisOffice/ETemp/8400_17616360/fImage911319941.png"/>
+          <p:cNvPicPr>
+            <a:picLocks noChangeAspect="1"/>
+          </p:cNvPicPr>
+          <p:nvPr/>
+        </p:nvPicPr>
+        <p:blipFill rotWithShape="1">
+          <a:blip r:embed="rId19" cstate="print">
+            <a:extLst>
+              <a:ext uri="{28A0092B-C50C-407E-A947-70E740481C1C}">
+                <a14:useLocalDpi xmlns:a14="http://schemas.microsoft.com/office/drawing/2010/main" val="0"/>
+              </a:ext>
+            </a:extLst>
+          </a:blip>
+          <a:stretch>
+            <a:fillRect/>
+          </a:stretch>
+        </p:blipFill>
+        <p:spPr>
+          <a:xfrm rot="0">
+            <a:off x="8334375" y="1442720"/>
+            <a:ext cx="2620010" cy="1003300"/>
+          </a:xfrm>
+          <a:prstGeom prst="roundRect"/>
+          <a:solidFill>
+            <a:srgbClr val="EDEDED"/>
+          </a:solidFill>
+        </p:spPr>
+      </p:pic>
+      <p:sp>
+        <p:nvSpPr>
+          <p:cNvPr id="14" name="텍스트 상자 41"/>
+          <p:cNvSpPr txBox="1">
+            <a:spLocks/>
+          </p:cNvSpPr>
+          <p:nvPr/>
+        </p:nvSpPr>
+        <p:spPr>
+          <a:xfrm rot="0">
+            <a:off x="6817360" y="2543810"/>
+            <a:ext cx="4137025" cy="923925"/>
+          </a:xfrm>
+          <a:prstGeom prst="rect"/>
+          <a:noFill/>
+          <a:ln w="0">
+            <a:noFill/>
+            <a:prstDash/>
+          </a:ln>
+        </p:spPr>
+        <p:txBody>
+          <a:bodyPr wrap="square" lIns="89535" tIns="46355" rIns="89535" bIns="46355" numCol="1" vert="horz" anchor="t">
+            <a:spAutoFit/>
+          </a:bodyPr>
+          <a:lstStyle/>
+          <a:p>
+            <a:pPr marL="0" indent="0" rtl="0" algn="l" defTabSz="914400" eaLnBrk="1" latinLnBrk="0" hangingPunct="1">
+              <a:buFontTx/>
+              <a:buNone/>
+            </a:pPr>
+            <a:r>
+              <a:rPr sz="1800" b="1">
+                <a:solidFill>
+                  <a:srgbClr val="0611F2"/>
+                </a:solidFill>
+                <a:latin typeface="맑은 고딕" charset="0"/>
+                <a:ea typeface="맑은 고딕" charset="0"/>
+              </a:rPr>
+              <a:t>5</a:t>
+            </a:r>
+            <a:r>
+              <a:rPr sz="1800" b="1">
+                <a:solidFill>
+                  <a:srgbClr val="0611F2"/>
+                </a:solidFill>
+                <a:latin typeface="맑은 고딕" charset="0"/>
+                <a:ea typeface="맑은 고딕" charset="0"/>
+              </a:rPr>
+              <a:t>.</a:t>
+            </a:r>
+            <a:r>
+              <a:rPr sz="1800">
+                <a:latin typeface="맑은 고딕" charset="0"/>
+                <a:ea typeface="맑은 고딕" charset="0"/>
+              </a:rPr>
+              <a:t> 그</a:t>
+            </a:r>
+            <a:r>
+              <a:rPr sz="1800">
+                <a:latin typeface="맑은 고딕" charset="0"/>
+                <a:ea typeface="맑은 고딕" charset="0"/>
+              </a:rPr>
+              <a:t>러고 </a:t>
+            </a:r>
+            <a:r>
+              <a:rPr sz="1800">
+                <a:latin typeface="맑은 고딕" charset="0"/>
+                <a:ea typeface="맑은 고딕" charset="0"/>
+              </a:rPr>
+              <a:t>나서</a:t>
+            </a:r>
+            <a:r>
+              <a:rPr lang="ko-KR" sz="1800">
+                <a:latin typeface="맑은 고딕" charset="0"/>
+                <a:ea typeface="맑은 고딕" charset="0"/>
+              </a:rPr>
+              <a:t> </a:t>
+            </a:r>
+            <a:r>
+              <a:rPr lang="ko-KR" sz="1800">
+                <a:latin typeface="맑은 고딕" charset="0"/>
+                <a:ea typeface="맑은 고딕" charset="0"/>
+              </a:rPr>
+              <a:t>Pr</a:t>
+            </a:r>
+            <a:r>
+              <a:rPr lang="ko-KR" sz="1800">
+                <a:latin typeface="맑은 고딕" charset="0"/>
+                <a:ea typeface="맑은 고딕" charset="0"/>
+              </a:rPr>
+              <a:t>o</a:t>
+            </a:r>
+            <a:r>
+              <a:rPr lang="ko-KR" sz="1800">
+                <a:latin typeface="맑은 고딕" charset="0"/>
+                <a:ea typeface="맑은 고딕" charset="0"/>
+              </a:rPr>
+              <a:t>j</a:t>
+            </a:r>
+            <a:r>
+              <a:rPr lang="ko-KR" sz="1800">
+                <a:latin typeface="맑은 고딕" charset="0"/>
+                <a:ea typeface="맑은 고딕" charset="0"/>
+              </a:rPr>
+              <a:t>ect 폴더 아래에 있는 Sound 폴더에 Space Sound를 </a:t>
+            </a:r>
+            <a:r>
+              <a:rPr lang="ko-KR" sz="1800">
+                <a:latin typeface="맑은 고딕" charset="0"/>
+                <a:ea typeface="맑은 고딕" charset="0"/>
+              </a:rPr>
+              <a:t>S</a:t>
+            </a:r>
+            <a:r>
+              <a:rPr lang="ko-KR" sz="1800">
+                <a:latin typeface="맑은 고딕" charset="0"/>
+                <a:ea typeface="맑은 고딕" charset="0"/>
+              </a:rPr>
+              <a:t>c</a:t>
+            </a:r>
+            <a:r>
+              <a:rPr lang="ko-KR" sz="1800">
+                <a:latin typeface="맑은 고딕" charset="0"/>
+                <a:ea typeface="맑은 고딕" charset="0"/>
+              </a:rPr>
+              <a:t>r</a:t>
+            </a:r>
+            <a:r>
+              <a:rPr lang="ko-KR" sz="1800">
+                <a:latin typeface="맑은 고딕" charset="0"/>
+                <a:ea typeface="맑은 고딕" charset="0"/>
+              </a:rPr>
+              <a:t>een Video</a:t>
+            </a:r>
+            <a:r>
+              <a:rPr lang="ko-KR" sz="1800">
+                <a:latin typeface="맑은 고딕" charset="0"/>
+                <a:ea typeface="맑은 고딕" charset="0"/>
+              </a:rPr>
+              <a:t> </a:t>
+            </a:r>
+            <a:r>
+              <a:rPr lang="ko-KR" sz="1800">
+                <a:latin typeface="맑은 고딕" charset="0"/>
+                <a:ea typeface="맑은 고딕" charset="0"/>
+              </a:rPr>
+              <a:t>오브젝트에 넣어줍니다.</a:t>
+            </a:r>
+            <a:endParaRPr lang="ko-KR" altLang="en-US" sz="1800">
+              <a:latin typeface="맑은 고딕" charset="0"/>
+              <a:ea typeface="맑은 고딕" charset="0"/>
+            </a:endParaRPr>
+          </a:p>
+        </p:txBody>
+      </p:sp>
+      <p:cxnSp>
+        <p:nvCxnSpPr>
+          <p:cNvPr id="15" name="도형 42"/>
+          <p:cNvCxnSpPr/>
+          <p:nvPr/>
+        </p:nvCxnSpPr>
+        <p:spPr>
+          <a:xfrm rot="0" flipH="1">
+            <a:off x="7974965" y="1800225"/>
+            <a:ext cx="2352675" cy="534035"/>
+          </a:xfrm>
+          <a:prstGeom prst="straightConnector1"/>
+          <a:ln w="6350" cap="flat" cmpd="sng">
+            <a:prstDash/>
+            <a:headEnd type="none" w="med" len="med"/>
+            <a:tailEnd type="triangle" w="med" len="med"/>
+          </a:ln>
+        </p:spPr>
+        <p:style>
+          <a:lnRef idx="1">
+            <a:schemeClr val="accent1"/>
+          </a:lnRef>
+          <a:fillRef idx="0">
+            <a:schemeClr val="accent1"/>
+          </a:fillRef>
+          <a:effectRef idx="0">
+            <a:schemeClr val="accent1"/>
+          </a:effectRef>
+          <a:fontRef idx="minor">
+            <a:schemeClr val="tx1"/>
+          </a:fontRef>
+        </p:style>
+      </p:cxnSp>
+      <p:sp>
+        <p:nvSpPr>
+          <p:cNvPr id="16" name="텍스트 상자 43"/>
+          <p:cNvSpPr txBox="1">
+            <a:spLocks/>
+          </p:cNvSpPr>
+          <p:nvPr/>
+        </p:nvSpPr>
+        <p:spPr>
+          <a:xfrm rot="0">
+            <a:off x="6807835" y="5504180"/>
+            <a:ext cx="4140200" cy="647065"/>
+          </a:xfrm>
+          <a:prstGeom prst="rect"/>
+          <a:noFill/>
+          <a:ln w="0">
+            <a:noFill/>
+            <a:prstDash/>
+          </a:ln>
+        </p:spPr>
+        <p:txBody>
+          <a:bodyPr wrap="square" lIns="89535" tIns="46355" rIns="89535" bIns="46355" numCol="1" vert="horz" anchor="t">
+            <a:spAutoFit/>
+          </a:bodyPr>
+          <a:lstStyle/>
+          <a:p>
+            <a:pPr marL="0" indent="0" rtl="0" algn="l" defTabSz="914400" eaLnBrk="1" latinLnBrk="0" hangingPunct="1">
+              <a:buFontTx/>
+              <a:buNone/>
+            </a:pPr>
+            <a:r>
+              <a:rPr lang="ko-KR" sz="1800">
+                <a:latin typeface="맑은 고딕" charset="0"/>
+                <a:ea typeface="맑은 고딕" charset="0"/>
+              </a:rPr>
+              <a:t>사운드</a:t>
+            </a:r>
+            <a:r>
+              <a:rPr sz="1800">
+                <a:latin typeface="맑은 고딕" charset="0"/>
+                <a:ea typeface="맑은 고딕" charset="0"/>
+              </a:rPr>
+              <a:t>가 이동</a:t>
+            </a:r>
+            <a:r>
+              <a:rPr sz="1800">
+                <a:latin typeface="맑은 고딕" charset="0"/>
+                <a:ea typeface="맑은 고딕" charset="0"/>
+              </a:rPr>
+              <a:t>하게 </a:t>
+            </a:r>
+            <a:r>
+              <a:rPr sz="1800">
+                <a:latin typeface="맑은 고딕" charset="0"/>
+                <a:ea typeface="맑은 고딕" charset="0"/>
+              </a:rPr>
+              <a:t>되면</a:t>
+            </a:r>
+            <a:r>
+              <a:rPr sz="1800">
+                <a:latin typeface="맑은 고딕" charset="0"/>
+                <a:ea typeface="맑은 고딕" charset="0"/>
+              </a:rPr>
+              <a:t> 거리에 따라 소리의 크기나 방향이 달라집니</a:t>
+            </a:r>
+            <a:r>
+              <a:rPr lang="ko-KR" sz="1800">
+                <a:latin typeface="맑은 고딕" charset="0"/>
+                <a:ea typeface="맑은 고딕" charset="0"/>
+              </a:rPr>
+              <a:t>다.</a:t>
+            </a:r>
+            <a:endParaRPr lang="ko-KR" altLang="en-US" sz="1800">
+              <a:latin typeface="맑은 고딕" charset="0"/>
+              <a:ea typeface="맑은 고딕" charset="0"/>
+            </a:endParaRPr>
+          </a:p>
+        </p:txBody>
+      </p:sp>
+      <p:pic>
+        <p:nvPicPr>
+          <p:cNvPr id="17" name="그림 47" descr="C:/Users/nwond/AppData/Roaming/PolarisOffice/ETemp/8400_17616360/fImage276312243281.png"/>
+          <p:cNvPicPr>
+            <a:picLocks noChangeAspect="1"/>
+          </p:cNvPicPr>
+          <p:nvPr/>
+        </p:nvPicPr>
+        <p:blipFill rotWithShape="1">
+          <a:blip r:embed="rId20" cstate="hqprint">
+            <a:extLst>
+              <a:ext uri="{28A0092B-C50C-407E-A947-70E740481C1C}">
+                <a14:useLocalDpi xmlns:a14="http://schemas.microsoft.com/office/drawing/2010/main"/>
+              </a:ext>
+            </a:extLst>
+          </a:blip>
+          <a:stretch>
+            <a:fillRect/>
+          </a:stretch>
+        </p:blipFill>
+        <p:spPr>
+          <a:xfrm rot="0">
+            <a:off x="6820535" y="3599815"/>
+            <a:ext cx="4140200" cy="1756410"/>
+          </a:xfrm>
+          <a:prstGeom prst="roundRect"/>
+          <a:solidFill>
+            <a:srgbClr val="EDEDED"/>
+          </a:solidFill>
         </p:spPr>
       </p:pic>
     </p:spTree>
@@ -9162,9 +12082,9 @@
           <p:nvPr/>
         </p:nvSpPr>
         <p:spPr>
-          <a:xfrm rot="0">
+          <a:xfrm>
             <a:off x="4688840" y="412115"/>
-            <a:ext cx="2818765" cy="478155"/>
+            <a:ext cx="2819400" cy="478155"/>
           </a:xfrm>
           <a:prstGeom prst="rect"/>
           <a:noFill/>
@@ -9191,7 +12111,7 @@
                 <a:latin typeface="나눔바른고딕" charset="0"/>
                 <a:ea typeface="나눔바른고딕" charset="0"/>
               </a:rPr>
-              <a:t>두 번째 튜토리얼</a:t>
+              <a:t>세  번째 튜토리얼</a:t>
             </a:r>
             <a:endParaRPr lang="ko-KR" altLang="en-US" sz="2500" b="1">
               <a:solidFill>
@@ -9213,8 +12133,8 @@
         </p:nvSpPr>
         <p:spPr>
           <a:xfrm rot="0">
-            <a:off x="6823710" y="5513070"/>
-            <a:ext cx="4142105" cy="647065"/>
+            <a:off x="6817360" y="5227320"/>
+            <a:ext cx="4149090" cy="923925"/>
           </a:xfrm>
           <a:prstGeom prst="rect"/>
           <a:noFill/>
@@ -9241,7 +12161,17 @@
                 <a:latin typeface="맑은 고딕" charset="0"/>
                 <a:ea typeface="맑은 고딕" charset="0"/>
               </a:rPr>
-              <a:t>6.</a:t>
+              <a:t>9</a:t>
+            </a:r>
+            <a:r>
+              <a:rPr sz="1800" b="1">
+                <a:solidFill>
+                  <a:srgbClr val="0611F2"/>
+                </a:solidFill>
+                <a:latin typeface="맑은 고딕" charset="0"/>
+                <a:ea typeface="맑은 고딕" charset="0"/>
+              </a:rPr>
+              <a:t>.</a:t>
             </a:r>
             <a:r>
               <a:rPr sz="1800">
@@ -9255,28 +12185,7 @@
                 <a:latin typeface="맑은 고딕" charset="0"/>
                 <a:ea typeface="맑은 고딕" charset="0"/>
               </a:rPr>
-              <a:t>이제 Drone 오브젝트의 </a:t>
-            </a:r>
-            <a:r>
-              <a:rPr lang="ko-KR" sz="1800">
-                <a:latin typeface="맑은 고딕" charset="0"/>
-                <a:ea typeface="맑은 고딕" charset="0"/>
-              </a:rPr>
-              <a:t>위치와 </a:t>
-            </a:r>
-            <a:r>
-              <a:rPr lang="ko-KR" sz="1800">
-                <a:latin typeface="맑은 고딕" charset="0"/>
-                <a:ea typeface="맑은 고딕" charset="0"/>
-              </a:rPr>
-              <a:t>회</a:t>
-            </a:r>
-            <a:r>
-              <a:rPr lang="ko-KR" sz="1800">
-                <a:latin typeface="맑은 고딕" charset="0"/>
-                <a:ea typeface="맑은 고딕" charset="0"/>
-              </a:rPr>
-              <a:t>전</a:t>
+              <a:t>그다음으로</a:t>
             </a:r>
             <a:r>
               <a:rPr lang="ko-KR" sz="1800">
@@ -9290,21 +12199,70 @@
                 <a:latin typeface="맑은 고딕" charset="0"/>
                 <a:ea typeface="맑은 고딕" charset="0"/>
               </a:rPr>
-              <a:t>값</a:t>
-            </a:r>
-            <a:r>
-              <a:rPr lang="ko-KR" sz="1800">
-                <a:latin typeface="맑은 고딕" charset="0"/>
-                <a:ea typeface="맑은 고딕" charset="0"/>
-              </a:rPr>
-              <a:t>을 </a:t>
-            </a:r>
-            <a:r>
-              <a:rPr lang="ko-KR" sz="1800">
-                <a:latin typeface="맑은 고딕" charset="0"/>
-                <a:ea typeface="맑은 고딕" charset="0"/>
-              </a:rPr>
-              <a:t>설정합니다.</a:t>
+              <a:t>Pr</a:t>
+            </a:r>
+            <a:r>
+              <a:rPr lang="ko-KR" sz="1800">
+                <a:latin typeface="맑은 고딕" charset="0"/>
+                <a:ea typeface="맑은 고딕" charset="0"/>
+              </a:rPr>
+              <a:t>o</a:t>
+            </a:r>
+            <a:r>
+              <a:rPr lang="ko-KR" sz="1800">
+                <a:latin typeface="맑은 고딕" charset="0"/>
+                <a:ea typeface="맑은 고딕" charset="0"/>
+              </a:rPr>
+              <a:t>j</a:t>
+            </a:r>
+            <a:r>
+              <a:rPr lang="ko-KR" sz="1800">
+                <a:latin typeface="맑은 고딕" charset="0"/>
+                <a:ea typeface="맑은 고딕" charset="0"/>
+              </a:rPr>
+              <a:t>ect 폴더 아래에 있는 Sound 폴더에 </a:t>
+            </a:r>
+            <a:r>
+              <a:rPr lang="ko-KR" sz="1800">
+                <a:latin typeface="맑은 고딕" charset="0"/>
+                <a:ea typeface="맑은 고딕" charset="0"/>
+              </a:rPr>
+              <a:t>D</a:t>
+            </a:r>
+            <a:r>
+              <a:rPr lang="ko-KR" sz="1800">
+                <a:latin typeface="맑은 고딕" charset="0"/>
+                <a:ea typeface="맑은 고딕" charset="0"/>
+              </a:rPr>
+              <a:t>rone Sound를 </a:t>
+            </a:r>
+            <a:r>
+              <a:rPr lang="ko-KR" sz="1800">
+                <a:latin typeface="맑은 고딕" charset="0"/>
+                <a:ea typeface="맑은 고딕" charset="0"/>
+              </a:rPr>
+              <a:t>D</a:t>
+            </a:r>
+            <a:r>
+              <a:rPr lang="ko-KR" sz="1800">
+                <a:latin typeface="맑은 고딕" charset="0"/>
+                <a:ea typeface="맑은 고딕" charset="0"/>
+              </a:rPr>
+              <a:t>rone</a:t>
+            </a:r>
+            <a:r>
+              <a:rPr lang="ko-KR" sz="1800">
+                <a:latin typeface="맑은 고딕" charset="0"/>
+                <a:ea typeface="맑은 고딕" charset="0"/>
+              </a:rPr>
+              <a:t> </a:t>
+            </a:r>
+            <a:r>
+              <a:rPr lang="ko-KR" sz="1800">
+                <a:latin typeface="맑은 고딕" charset="0"/>
+                <a:ea typeface="맑은 고딕" charset="0"/>
+              </a:rPr>
+              <a:t>오브젝트에 넣어줍니다.</a:t>
             </a:r>
             <a:endParaRPr lang="ko-KR" altLang="en-US" sz="1800">
               <a:latin typeface="맑은 고딕" charset="0"/>
@@ -9323,8 +12281,8 @@
         </p:nvSpPr>
         <p:spPr>
           <a:xfrm rot="0">
-            <a:off x="6820535" y="2525395"/>
-            <a:ext cx="4143375" cy="924560"/>
+            <a:off x="1228725" y="2674620"/>
+            <a:ext cx="4133850" cy="647065"/>
           </a:xfrm>
           <a:prstGeom prst="rect"/>
           <a:noFill/>
@@ -9351,7 +12309,17 @@
                 <a:latin typeface="맑은 고딕" charset="0"/>
                 <a:ea typeface="맑은 고딕" charset="0"/>
               </a:rPr>
-              <a:t>5.</a:t>
+              <a:t>6</a:t>
+            </a:r>
+            <a:r>
+              <a:rPr sz="1800" b="1">
+                <a:solidFill>
+                  <a:srgbClr val="0611F2"/>
+                </a:solidFill>
+                <a:latin typeface="맑은 고딕" charset="0"/>
+                <a:ea typeface="맑은 고딕" charset="0"/>
+              </a:rPr>
+              <a:t>.</a:t>
             </a:r>
             <a:r>
               <a:rPr sz="1800">
@@ -9365,28 +12333,14 @@
                 <a:latin typeface="맑은 고딕" charset="0"/>
                 <a:ea typeface="맑은 고딕" charset="0"/>
               </a:rPr>
-              <a:t>그러고 나서 Project 폴더 아래에 </a:t>
-            </a:r>
-            <a:r>
-              <a:rPr lang="ko-KR" sz="1800">
-                <a:latin typeface="맑은 고딕" charset="0"/>
-                <a:ea typeface="맑은 고딕" charset="0"/>
-              </a:rPr>
-              <a:t>있는</a:t>
-            </a:r>
-            <a:r>
-              <a:rPr lang="ko-KR" sz="1800">
-                <a:latin typeface="맑은 고딕" charset="0"/>
-                <a:ea typeface="맑은 고딕" charset="0"/>
-              </a:rPr>
-              <a:t> Drone 모델을 월드 공간에 </a:t>
-            </a:r>
-            <a:r>
-              <a:rPr lang="ko-KR" sz="1800">
-                <a:latin typeface="맑은 고딕" charset="0"/>
-                <a:ea typeface="맑은 고딕" charset="0"/>
-              </a:rPr>
-              <a:t>배치합니다.</a:t>
+              <a:t>이제</a:t>
+            </a:r>
+            <a:r>
+              <a:rPr lang="ko-KR" sz="1800">
+                <a:latin typeface="맑은 고딕" charset="0"/>
+                <a:ea typeface="맑은 고딕" charset="0"/>
+              </a:rPr>
+              <a:t> Project 폴더 아래에 있는 Drone 모델을 월드 공간에 배치합니다.</a:t>
             </a:r>
             <a:endParaRPr lang="ko-KR" altLang="en-US" sz="1800">
               <a:latin typeface="맑은 고딕" charset="0"/>
@@ -9397,17 +12351,17 @@
       </p:sp>
       <p:pic>
         <p:nvPicPr>
-          <p:cNvPr id="1222" name="그림 25"/>
+          <p:cNvPr id="1222" name="그림 25" descr="C:/Users/nwond/AppData/Roaming/PolarisOffice/ETemp/8400_17616360/fImage46222696962.png"/>
           <p:cNvPicPr>
             <a:picLocks noChangeAspect="1"/>
           </p:cNvPicPr>
           <p:nvPr/>
         </p:nvPicPr>
         <p:blipFill rotWithShape="1">
-          <a:blip r:embed="rId29" cstate="print">
+          <a:blip r:embed="rId29" cstate="hqprint">
             <a:extLst>
               <a:ext uri="{28A0092B-C50C-407E-A947-70E740481C1C}">
-                <a14:useLocalDpi xmlns:a14="http://schemas.microsoft.com/office/drawing/2010/main" val="0"/>
+                <a14:useLocalDpi xmlns:a14="http://schemas.microsoft.com/office/drawing/2010/main"/>
               </a:ext>
             </a:extLst>
           </a:blip>
@@ -9417,8 +12371,8 @@
         </p:blipFill>
         <p:spPr>
           <a:xfrm rot="0">
-            <a:off x="8243570" y="1456055"/>
-            <a:ext cx="2713990" cy="956310"/>
+            <a:off x="2687320" y="1446530"/>
+            <a:ext cx="2667000" cy="1104900"/>
           </a:xfrm>
           <a:prstGeom prst="roundRect"/>
           <a:solidFill>
@@ -9428,17 +12382,17 @@
       </p:pic>
       <p:pic>
         <p:nvPicPr>
-          <p:cNvPr id="1223" name="그림 29"/>
+          <p:cNvPr id="1223" name="그림 29" descr="C:/Users/nwond/AppData/Roaming/PolarisOffice/ETemp/8400_17616360/fImage57972714464.png"/>
           <p:cNvPicPr>
             <a:picLocks noChangeAspect="1"/>
           </p:cNvPicPr>
           <p:nvPr/>
         </p:nvPicPr>
         <p:blipFill rotWithShape="1">
-          <a:blip r:embed="rId30" cstate="print">
+          <a:blip r:embed="rId30" cstate="hqprint">
             <a:extLst>
               <a:ext uri="{28A0092B-C50C-407E-A947-70E740481C1C}">
-                <a14:useLocalDpi xmlns:a14="http://schemas.microsoft.com/office/drawing/2010/main" val="0"/>
+                <a14:useLocalDpi xmlns:a14="http://schemas.microsoft.com/office/drawing/2010/main"/>
               </a:ext>
             </a:extLst>
           </a:blip>
@@ -9448,8 +12402,8 @@
         </p:blipFill>
         <p:spPr>
           <a:xfrm rot="0">
-            <a:off x="6829425" y="1455420"/>
-            <a:ext cx="1294130" cy="965835"/>
+            <a:off x="1231900" y="1449070"/>
+            <a:ext cx="1331595" cy="1105535"/>
           </a:xfrm>
           <a:prstGeom prst="roundRect"/>
           <a:solidFill>
@@ -9459,7 +12413,7 @@
       </p:pic>
       <p:pic>
         <p:nvPicPr>
-          <p:cNvPr id="1224" name="그림 32"/>
+          <p:cNvPr id="1224" name="그림 32" descr="C:/Users/nwond/AppData/Roaming/PolarisOffice/ETemp/8400_17616360/fImage2242172725705.png"/>
           <p:cNvPicPr>
             <a:picLocks noChangeAspect="1"/>
           </p:cNvPicPr>
@@ -9479,185 +12433,23 @@
         </p:blipFill>
         <p:spPr>
           <a:xfrm rot="10800000">
-            <a:off x="7800975" y="1725295"/>
-            <a:ext cx="747395" cy="414020"/>
+            <a:off x="2227580" y="1793875"/>
+            <a:ext cx="748030" cy="414655"/>
           </a:xfrm>
           <a:prstGeom prst="rect"/>
           <a:noFill/>
         </p:spPr>
       </p:pic>
-      <p:sp>
-        <p:nvSpPr>
-          <p:cNvPr id="1225" name="텍스트 상자 1"/>
-          <p:cNvSpPr txBox="1">
-            <a:spLocks/>
-          </p:cNvSpPr>
-          <p:nvPr/>
-        </p:nvSpPr>
-        <p:spPr>
-          <a:xfrm rot="0">
-            <a:off x="1221105" y="4121785"/>
-            <a:ext cx="4152900" cy="2032635"/>
-          </a:xfrm>
-          <a:prstGeom prst="rect"/>
-          <a:noFill/>
-          <a:ln w="0">
-            <a:noFill/>
-            <a:prstDash/>
-          </a:ln>
-        </p:spPr>
-        <p:txBody>
-          <a:bodyPr wrap="square" lIns="89535" tIns="46355" rIns="89535" bIns="46355" numCol="1" vert="horz" anchor="t">
-            <a:spAutoFit/>
-          </a:bodyPr>
-          <a:lstStyle/>
-          <a:p>
-            <a:pPr marL="0" indent="0" rtl="0" algn="l" defTabSz="914400" eaLnBrk="1" latinLnBrk="0" hangingPunct="1">
-              <a:buFontTx/>
-              <a:buNone/>
-            </a:pPr>
-            <a:r>
-              <a:rPr sz="1800">
-                <a:latin typeface="맑은 고딕" charset="0"/>
-                <a:ea typeface="맑은 고딕" charset="0"/>
-              </a:rPr>
-              <a:t>사운드</a:t>
-            </a:r>
-            <a:r>
-              <a:rPr sz="1800">
-                <a:latin typeface="맑은 고딕" charset="0"/>
-                <a:ea typeface="맑은 고딕" charset="0"/>
-              </a:rPr>
-              <a:t> 시스템은 소리가 발생하는 </a:t>
-            </a:r>
-            <a:r>
-              <a:rPr sz="1800">
-                <a:latin typeface="맑은 고딕" charset="0"/>
-                <a:ea typeface="맑은 고딕" charset="0"/>
-              </a:rPr>
-              <a:t>오디오</a:t>
-            </a:r>
-            <a:r>
-              <a:rPr sz="1800">
-                <a:latin typeface="맑은 고딕" charset="0"/>
-                <a:ea typeface="맑은 고딕" charset="0"/>
-              </a:rPr>
-              <a:t> 소스와 소리를 듣는 오디오 </a:t>
-            </a:r>
-            <a:r>
-              <a:rPr sz="1800">
-                <a:latin typeface="맑은 고딕" charset="0"/>
-                <a:ea typeface="맑은 고딕" charset="0"/>
-              </a:rPr>
-              <a:t>리스너로</a:t>
-            </a:r>
-            <a:r>
-              <a:rPr sz="1800">
-                <a:latin typeface="맑은 고딕" charset="0"/>
-                <a:ea typeface="맑은 고딕" charset="0"/>
-              </a:rPr>
-              <a:t> 구성되어 있습니다.</a:t>
-            </a:r>
-            <a:endParaRPr lang="ko-KR" altLang="en-US" sz="1800">
-              <a:latin typeface="맑은 고딕" charset="0"/>
-              <a:ea typeface="맑은 고딕" charset="0"/>
-            </a:endParaRPr>
-          </a:p>
-          <a:p>
-            <a:pPr marL="0" indent="0" rtl="0" algn="l" defTabSz="914400" eaLnBrk="1" latinLnBrk="0" hangingPunct="1">
-              <a:buFontTx/>
-              <a:buNone/>
-            </a:pPr>
-            <a:endParaRPr lang="ko-KR" altLang="en-US" sz="1800">
-              <a:latin typeface="맑은 고딕" charset="0"/>
-              <a:ea typeface="맑은 고딕" charset="0"/>
-            </a:endParaRPr>
-          </a:p>
-          <a:p>
-            <a:pPr marL="0" indent="0" rtl="0" algn="l" defTabSz="914400" eaLnBrk="1" latinLnBrk="0" hangingPunct="1">
-              <a:buFontTx/>
-              <a:buNone/>
-            </a:pPr>
-            <a:r>
-              <a:rPr sz="1800">
-                <a:latin typeface="맑은 고딕" charset="0"/>
-                <a:ea typeface="맑은 고딕" charset="0"/>
-              </a:rPr>
-              <a:t>오디오</a:t>
-            </a:r>
-            <a:r>
-              <a:rPr sz="1800">
-                <a:latin typeface="맑은 고딕" charset="0"/>
-                <a:ea typeface="맑은 고딕" charset="0"/>
-              </a:rPr>
-              <a:t> 소스</a:t>
-            </a:r>
-            <a:r>
-              <a:rPr lang="ko-KR" sz="1800">
-                <a:latin typeface="맑은 고딕" charset="0"/>
-                <a:ea typeface="맑은 고딕" charset="0"/>
-              </a:rPr>
-              <a:t>나</a:t>
-            </a:r>
-            <a:r>
-              <a:rPr sz="1800">
-                <a:latin typeface="맑은 고딕" charset="0"/>
-                <a:ea typeface="맑은 고딕" charset="0"/>
-              </a:rPr>
-              <a:t> 오디오 리스너가 </a:t>
-            </a:r>
-            <a:r>
-              <a:rPr sz="1800">
-                <a:latin typeface="맑은 고딕" charset="0"/>
-                <a:ea typeface="맑은 고딕" charset="0"/>
-              </a:rPr>
-              <a:t>이동하면</a:t>
-            </a:r>
-            <a:r>
-              <a:rPr sz="1800">
-                <a:latin typeface="맑은 고딕" charset="0"/>
-                <a:ea typeface="맑은 고딕" charset="0"/>
-              </a:rPr>
-              <a:t> 거리에 따라 소리의 크기나 </a:t>
-            </a:r>
-            <a:r>
-              <a:rPr sz="1800">
-                <a:latin typeface="맑은 고딕" charset="0"/>
-                <a:ea typeface="맑은 고딕" charset="0"/>
-              </a:rPr>
-              <a:t>방향이</a:t>
-            </a:r>
-            <a:r>
-              <a:rPr sz="1800">
-                <a:latin typeface="맑은 고딕" charset="0"/>
-                <a:ea typeface="맑은 고딕" charset="0"/>
-              </a:rPr>
-              <a:t> 달라집니</a:t>
-            </a:r>
-            <a:r>
-              <a:rPr lang="ko-KR" sz="1800">
-                <a:latin typeface="맑은 고딕" charset="0"/>
-                <a:ea typeface="맑은 고딕" charset="0"/>
-              </a:rPr>
-              <a:t>다.</a:t>
-            </a:r>
-            <a:endParaRPr lang="ko-KR" altLang="en-US" sz="1800">
-              <a:latin typeface="맑은 고딕" charset="0"/>
-              <a:ea typeface="맑은 고딕" charset="0"/>
-            </a:endParaRPr>
-          </a:p>
-        </p:txBody>
-      </p:sp>
       <p:pic>
         <p:nvPicPr>
-          <p:cNvPr id="1226" name="그림 2" descr="C:/Users/Admin1/AppData/Roaming/PolarisOffice/ETemp/20400_15139376/fImage276312243281.png"/>
+          <p:cNvPr id="1227" name="그림 7" descr="C:/Users/nwond/AppData/Roaming/PolarisOffice/ETemp/8400_17616360/fImage1291522041.png"/>
           <p:cNvPicPr>
             <a:picLocks noChangeAspect="1"/>
           </p:cNvPicPr>
           <p:nvPr/>
         </p:nvPicPr>
         <p:blipFill rotWithShape="1">
-          <a:blip r:embed="rId32" cstate="hqprint">
+          <a:blip r:embed="rId33" cstate="hqprint">
             <a:extLst>
               <a:ext uri="{28A0092B-C50C-407E-A947-70E740481C1C}">
                 <a14:useLocalDpi xmlns:a14="http://schemas.microsoft.com/office/drawing/2010/main"/>
@@ -9670,8 +12462,8 @@
         </p:blipFill>
         <p:spPr>
           <a:xfrm rot="0">
-            <a:off x="1231900" y="1456055"/>
-            <a:ext cx="4144010" cy="2472055"/>
+            <a:off x="1226820" y="3444875"/>
+            <a:ext cx="4142105" cy="1899920"/>
           </a:xfrm>
           <a:prstGeom prst="roundRect"/>
           <a:solidFill>
@@ -9679,16 +12471,231 @@
           </a:solidFill>
         </p:spPr>
       </p:pic>
+      <p:sp>
+        <p:nvSpPr>
+          <p:cNvPr id="1228" name="텍스트 상자 48"/>
+          <p:cNvSpPr txBox="1">
+            <a:spLocks/>
+          </p:cNvSpPr>
+          <p:nvPr/>
+        </p:nvSpPr>
+        <p:spPr>
+          <a:xfrm rot="0">
+            <a:off x="1222375" y="5501640"/>
+            <a:ext cx="4133850" cy="647065"/>
+          </a:xfrm>
+          <a:prstGeom prst="rect"/>
+          <a:noFill/>
+          <a:ln w="0">
+            <a:noFill/>
+            <a:prstDash/>
+          </a:ln>
+        </p:spPr>
+        <p:txBody>
+          <a:bodyPr wrap="square" lIns="89535" tIns="46355" rIns="89535" bIns="46355" numCol="1" vert="horz" anchor="t">
+            <a:spAutoFit/>
+          </a:bodyPr>
+          <a:lstStyle/>
+          <a:p>
+            <a:pPr marL="0" indent="0" rtl="0" algn="l" defTabSz="914400" eaLnBrk="1" latinLnBrk="0" hangingPunct="1">
+              <a:buFontTx/>
+              <a:buNone/>
+            </a:pPr>
+            <a:r>
+              <a:rPr sz="1800" b="1">
+                <a:solidFill>
+                  <a:srgbClr val="0611F2"/>
+                </a:solidFill>
+                <a:latin typeface="맑은 고딕" charset="0"/>
+                <a:ea typeface="맑은 고딕" charset="0"/>
+              </a:rPr>
+              <a:t>7</a:t>
+            </a:r>
+            <a:r>
+              <a:rPr sz="1800" b="1">
+                <a:solidFill>
+                  <a:srgbClr val="0611F2"/>
+                </a:solidFill>
+                <a:latin typeface="맑은 고딕" charset="0"/>
+                <a:ea typeface="맑은 고딕" charset="0"/>
+              </a:rPr>
+              <a:t>.</a:t>
+            </a:r>
+            <a:r>
+              <a:rPr sz="1800">
+                <a:latin typeface="맑은 고딕" charset="0"/>
+                <a:ea typeface="맑은 고딕" charset="0"/>
+              </a:rPr>
+              <a:t> </a:t>
+            </a:r>
+            <a:r>
+              <a:rPr lang="ko-KR" sz="1800">
+                <a:latin typeface="맑은 고딕" charset="0"/>
+                <a:ea typeface="맑은 고딕" charset="0"/>
+              </a:rPr>
+              <a:t>그리고</a:t>
+            </a:r>
+            <a:r>
+              <a:rPr lang="ko-KR" sz="1800">
+                <a:latin typeface="맑은 고딕" charset="0"/>
+                <a:ea typeface="맑은 고딕" charset="0"/>
+              </a:rPr>
+              <a:t> Drone 오브젝트의 위치와 회전 값을 설정합니다.</a:t>
+            </a:r>
+            <a:endParaRPr lang="ko-KR" altLang="en-US" sz="1800">
+              <a:latin typeface="맑은 고딕" charset="0"/>
+              <a:ea typeface="맑은 고딕" charset="0"/>
+            </a:endParaRPr>
+          </a:p>
+        </p:txBody>
+      </p:sp>
       <p:pic>
         <p:nvPicPr>
-          <p:cNvPr id="1227" name="그림 7" descr="C:/Users/Admin1/AppData/Roaming/PolarisOffice/ETemp/20400_15139376/fImage1291522041.png"/>
+          <p:cNvPr id="1229" name="그림 52" descr="C:/Users/nwond/AppData/Roaming/PolarisOffice/ETemp/8400_17616360/fImage48812616500.png"/>
           <p:cNvPicPr>
             <a:picLocks noChangeAspect="1"/>
           </p:cNvPicPr>
           <p:nvPr/>
         </p:nvPicPr>
         <p:blipFill rotWithShape="1">
-          <a:blip r:embed="rId33" cstate="print">
+          <a:blip r:embed="rId34" cstate="hqprint">
+            <a:extLst>
+              <a:ext uri="{28A0092B-C50C-407E-A947-70E740481C1C}">
+                <a14:useLocalDpi xmlns:a14="http://schemas.microsoft.com/office/drawing/2010/main"/>
+              </a:ext>
+            </a:extLst>
+          </a:blip>
+          <a:stretch>
+            <a:fillRect/>
+          </a:stretch>
+        </p:blipFill>
+        <p:spPr>
+          <a:xfrm rot="0">
+            <a:off x="6840220" y="1453515"/>
+            <a:ext cx="4120515" cy="1594485"/>
+          </a:xfrm>
+          <a:prstGeom prst="roundRect"/>
+          <a:solidFill>
+            <a:srgbClr val="EDEDED"/>
+          </a:solidFill>
+        </p:spPr>
+      </p:pic>
+      <p:sp>
+        <p:nvSpPr>
+          <p:cNvPr id="1230" name="텍스트 상자 53"/>
+          <p:cNvSpPr txBox="1">
+            <a:spLocks/>
+          </p:cNvSpPr>
+          <p:nvPr/>
+        </p:nvSpPr>
+        <p:spPr>
+          <a:xfrm rot="0">
+            <a:off x="6828790" y="3168015"/>
+            <a:ext cx="4164330" cy="647065"/>
+          </a:xfrm>
+          <a:prstGeom prst="rect"/>
+          <a:noFill/>
+          <a:ln w="0">
+            <a:noFill/>
+            <a:prstDash/>
+          </a:ln>
+        </p:spPr>
+        <p:txBody>
+          <a:bodyPr wrap="square" lIns="89535" tIns="46355" rIns="89535" bIns="46355" numCol="1" vert="horz" anchor="t">
+            <a:spAutoFit/>
+          </a:bodyPr>
+          <a:lstStyle/>
+          <a:p>
+            <a:pPr marL="0" indent="0" rtl="0" algn="l" defTabSz="914400" eaLnBrk="1" latinLnBrk="0" hangingPunct="1">
+              <a:buFontTx/>
+              <a:buNone/>
+            </a:pPr>
+            <a:r>
+              <a:rPr sz="1800" b="1">
+                <a:solidFill>
+                  <a:srgbClr val="0611F2"/>
+                </a:solidFill>
+                <a:latin typeface="맑은 고딕" charset="0"/>
+                <a:ea typeface="맑은 고딕" charset="0"/>
+              </a:rPr>
+              <a:t>8</a:t>
+            </a:r>
+            <a:r>
+              <a:rPr sz="1800" b="1">
+                <a:solidFill>
+                  <a:srgbClr val="0611F2"/>
+                </a:solidFill>
+                <a:latin typeface="맑은 고딕" charset="0"/>
+                <a:ea typeface="맑은 고딕" charset="0"/>
+              </a:rPr>
+              <a:t>.</a:t>
+            </a:r>
+            <a:r>
+              <a:rPr sz="1800">
+                <a:latin typeface="맑은 고딕" charset="0"/>
+                <a:ea typeface="맑은 고딕" charset="0"/>
+              </a:rPr>
+              <a:t> </a:t>
+            </a:r>
+            <a:r>
+              <a:rPr sz="1800">
+                <a:latin typeface="맑은 고딕" charset="0"/>
+                <a:ea typeface="맑은 고딕" charset="0"/>
+              </a:rPr>
+              <a:t>그런 </a:t>
+            </a:r>
+            <a:r>
+              <a:rPr sz="1800">
+                <a:latin typeface="맑은 고딕" charset="0"/>
+                <a:ea typeface="맑은 고딕" charset="0"/>
+              </a:rPr>
+              <a:t>다음</a:t>
+            </a:r>
+            <a:r>
+              <a:rPr lang="ko-KR" sz="1800">
+                <a:latin typeface="맑은 고딕" charset="0"/>
+                <a:ea typeface="맑은 고딕" charset="0"/>
+              </a:rPr>
+              <a:t> </a:t>
+            </a:r>
+            <a:r>
+              <a:rPr lang="ko-KR" sz="1800">
+                <a:latin typeface="맑은 고딕" charset="0"/>
+                <a:ea typeface="맑은 고딕" charset="0"/>
+              </a:rPr>
+              <a:t>D</a:t>
+            </a:r>
+            <a:r>
+              <a:rPr lang="ko-KR" sz="1800">
+                <a:latin typeface="맑은 고딕" charset="0"/>
+                <a:ea typeface="맑은 고딕" charset="0"/>
+              </a:rPr>
+              <a:t>rone</a:t>
+            </a:r>
+            <a:r>
+              <a:rPr lang="ko-KR" sz="1800">
+                <a:latin typeface="맑은 고딕" charset="0"/>
+                <a:ea typeface="맑은 고딕" charset="0"/>
+              </a:rPr>
+              <a:t> 오브젝트에 Audio Source 컴포넌트를 추가합니다. </a:t>
+            </a:r>
+            <a:endParaRPr lang="ko-KR" altLang="en-US" sz="1800">
+              <a:latin typeface="맑은 고딕" charset="0"/>
+              <a:ea typeface="맑은 고딕" charset="0"/>
+            </a:endParaRPr>
+          </a:p>
+        </p:txBody>
+      </p:sp>
+      <p:pic>
+        <p:nvPicPr>
+          <p:cNvPr id="1231" name="그림 54" descr="C:/Users/nwond/AppData/Roaming/PolarisOffice/ETemp/8400_17616360/fImage91782138467.png"/>
+          <p:cNvPicPr>
+            <a:picLocks noChangeAspect="1"/>
+          </p:cNvPicPr>
+          <p:nvPr/>
+        </p:nvPicPr>
+        <p:blipFill rotWithShape="1">
+          <a:blip r:embed="rId35" cstate="print">
             <a:extLst>
               <a:ext uri="{28A0092B-C50C-407E-A947-70E740481C1C}">
                 <a14:useLocalDpi xmlns:a14="http://schemas.microsoft.com/office/drawing/2010/main" val="0"/>
@@ -9701,8 +12708,8 @@
         </p:blipFill>
         <p:spPr>
           <a:xfrm rot="0">
-            <a:off x="6824345" y="3557270"/>
-            <a:ext cx="4141470" cy="1826895"/>
+            <a:off x="8291195" y="3963035"/>
+            <a:ext cx="2669540" cy="1108075"/>
           </a:xfrm>
           <a:prstGeom prst="roundRect"/>
           <a:solidFill>
@@ -9710,6 +12717,70 @@
           </a:solidFill>
         </p:spPr>
       </p:pic>
+      <p:pic>
+        <p:nvPicPr>
+          <p:cNvPr id="1232" name="그림 57" descr="C:/Users/nwond/AppData/Roaming/PolarisOffice/ETemp/8400_17616360/fImage57972714464.png"/>
+          <p:cNvPicPr>
+            <a:picLocks noChangeAspect="1"/>
+          </p:cNvPicPr>
+          <p:nvPr/>
+        </p:nvPicPr>
+        <p:blipFill rotWithShape="1">
+          <a:blip r:embed="rId30" cstate="hqprint">
+            <a:extLst>
+              <a:ext uri="{28A0092B-C50C-407E-A947-70E740481C1C}">
+                <a14:useLocalDpi xmlns:a14="http://schemas.microsoft.com/office/drawing/2010/main"/>
+              </a:ext>
+            </a:extLst>
+          </a:blip>
+          <a:stretch>
+            <a:fillRect/>
+          </a:stretch>
+        </p:blipFill>
+        <p:spPr>
+          <a:xfrm rot="0">
+            <a:off x="6845935" y="3959860"/>
+            <a:ext cx="1331595" cy="1111250"/>
+          </a:xfrm>
+          <a:prstGeom prst="roundRect"/>
+          <a:solidFill>
+            <a:srgbClr val="EDEDED"/>
+          </a:solidFill>
+        </p:spPr>
+      </p:pic>
+      <p:cxnSp>
+        <p:nvCxnSpPr>
+          <p:cNvPr id="1233" name="도형 58"/>
+          <p:cNvCxnSpPr/>
+          <p:nvPr/>
+        </p:nvCxnSpPr>
+        <p:spPr>
+          <a:xfrm rot="0" flipH="1">
+            <a:off x="7626985" y="4313555"/>
+            <a:ext cx="1416050" cy="589915"/>
+          </a:xfrm>
+          <a:prstGeom prst="straightConnector1"/>
+          <a:ln w="6350" cap="flat" cmpd="sng">
+            <a:prstDash/>
+            <a:headEnd type="none" w="med" len="med"/>
+            <a:tailEnd type="triangle" w="med" len="med"/>
+          </a:ln>
+        </p:spPr>
+        <p:style>
+          <a:lnRef idx="1">
+            <a:schemeClr val="accent1"/>
+          </a:lnRef>
+          <a:fillRef idx="0">
+            <a:schemeClr val="accent1"/>
+          </a:fillRef>
+          <a:effectRef idx="0">
+            <a:schemeClr val="accent1"/>
+          </a:effectRef>
+          <a:fontRef idx="minor">
+            <a:schemeClr val="tx1"/>
+          </a:fontRef>
+        </p:style>
+      </p:cxnSp>
     </p:spTree>
   </p:cSld>
   <p:clrMapOvr>
@@ -9759,9 +12830,9 @@
           <p:nvPr/>
         </p:nvSpPr>
         <p:spPr>
-          <a:xfrm rot="0">
+          <a:xfrm>
             <a:off x="4721860" y="379095"/>
-            <a:ext cx="2744470" cy="478155"/>
+            <a:ext cx="2745105" cy="478155"/>
           </a:xfrm>
           <a:prstGeom prst="rect"/>
           <a:noFill/>
@@ -9788,7 +12859,17 @@
                 <a:latin typeface="나눔바른고딕" charset="0"/>
                 <a:ea typeface="나눔바른고딕" charset="0"/>
               </a:rPr>
-              <a:t>세  번째 튜토리얼</a:t>
+              <a:t>네</a:t>
+            </a:r>
+            <a:r>
+              <a:rPr lang="ko-KR" altLang="en-US" sz="2500" b="1">
+                <a:solidFill>
+                  <a:schemeClr val="tx1"/>
+                </a:solidFill>
+                <a:latin typeface="나눔바른고딕" charset="0"/>
+                <a:ea typeface="나눔바른고딕" charset="0"/>
+              </a:rPr>
+              <a:t>  번째 튜토리얼</a:t>
             </a:r>
             <a:endParaRPr lang="ko-KR" altLang="en-US" sz="2500" b="1">
               <a:solidFill>
@@ -9802,16 +12883,16 @@
       </p:sp>
       <p:sp>
         <p:nvSpPr>
-          <p:cNvPr id="1197" name="Rect 0"/>
+          <p:cNvPr id="1202" name="Rect 0"/>
           <p:cNvSpPr txBox="1">
             <a:spLocks/>
           </p:cNvSpPr>
           <p:nvPr/>
         </p:nvSpPr>
         <p:spPr>
-          <a:xfrm rot="0">
-            <a:off x="1230630" y="2655570"/>
-            <a:ext cx="4149090" cy="924560"/>
+          <a:xfrm>
+            <a:off x="6805295" y="4996815"/>
+            <a:ext cx="4143375" cy="1200785"/>
           </a:xfrm>
           <a:prstGeom prst="rect"/>
           <a:noFill/>
@@ -9838,7 +12919,27 @@
                 <a:latin typeface="맑은 고딕" charset="0"/>
                 <a:ea typeface="맑은 고딕" charset="0"/>
               </a:rPr>
-              <a:t>7.</a:t>
+              <a:t>1</a:t>
+            </a:r>
+            <a:r>
+              <a:rPr sz="1800" b="1">
+                <a:solidFill>
+                  <a:srgbClr val="0611F2"/>
+                </a:solidFill>
+                <a:latin typeface="맑은 고딕" charset="0"/>
+                <a:ea typeface="맑은 고딕" charset="0"/>
+              </a:rPr>
+              <a:t>1</a:t>
+            </a:r>
+            <a:r>
+              <a:rPr sz="1800" b="1">
+                <a:solidFill>
+                  <a:srgbClr val="0611F2"/>
+                </a:solidFill>
+                <a:latin typeface="맑은 고딕" charset="0"/>
+                <a:ea typeface="맑은 고딕" charset="0"/>
+              </a:rPr>
+              <a:t>.</a:t>
             </a:r>
             <a:r>
               <a:rPr sz="1800">
@@ -9852,7 +12953,35 @@
                 <a:latin typeface="맑은 고딕" charset="0"/>
                 <a:ea typeface="맑은 고딕" charset="0"/>
               </a:rPr>
-              <a:t>그리고 Project 폴더에서 Texture에 Speaker 텍스처를 선택하고 Sound Box 오브젝트에 넣어줍니다.</a:t>
+              <a:t>이제</a:t>
+            </a:r>
+            <a:r>
+              <a:rPr lang="ko-KR" sz="1800">
+                <a:latin typeface="맑은 고딕" charset="0"/>
+                <a:ea typeface="맑은 고딕" charset="0"/>
+              </a:rPr>
+              <a:t> Canvas 오브젝트의 하위 오브젝트로 Image를 생성</a:t>
+            </a:r>
+            <a:r>
+              <a:rPr lang="ko-KR" sz="1800">
+                <a:latin typeface="맑은 고딕" charset="0"/>
+                <a:ea typeface="맑은 고딕" charset="0"/>
+              </a:rPr>
+              <a:t>한 </a:t>
+            </a:r>
+            <a:r>
+              <a:rPr lang="ko-KR" sz="1800">
+                <a:latin typeface="맑은 고딕" charset="0"/>
+                <a:ea typeface="맑은 고딕" charset="0"/>
+              </a:rPr>
+              <a:t>다음</a:t>
+            </a:r>
+            <a:r>
+              <a:rPr lang="ko-KR" sz="1800">
+                <a:latin typeface="맑은 고딕" charset="0"/>
+                <a:ea typeface="맑은 고딕" charset="0"/>
+              </a:rPr>
+              <a:t> Discovery Icon이라는 이름으로 정의합니다.</a:t>
             </a:r>
             <a:endParaRPr lang="ko-KR" altLang="en-US" sz="1800">
               <a:latin typeface="맑은 고딕" charset="0"/>
@@ -9863,16 +12992,16 @@
       </p:sp>
       <p:sp>
         <p:nvSpPr>
-          <p:cNvPr id="1199" name="Rect 0"/>
+          <p:cNvPr id="1221" name="텍스트 상자 4"/>
           <p:cNvSpPr txBox="1">
             <a:spLocks/>
           </p:cNvSpPr>
           <p:nvPr/>
         </p:nvSpPr>
         <p:spPr>
-          <a:xfrm rot="0">
-            <a:off x="6806565" y="2888615"/>
-            <a:ext cx="4135120" cy="647700"/>
+          <a:xfrm>
+            <a:off x="1221105" y="5268595"/>
+            <a:ext cx="4142740" cy="923925"/>
           </a:xfrm>
           <a:prstGeom prst="rect"/>
           <a:noFill/>
@@ -9892,16 +13021,6 @@
               <a:buNone/>
             </a:pPr>
             <a:r>
-              <a:rPr lang="ko-KR" sz="1800" b="1">
-                <a:solidFill>
-                  <a:srgbClr val="0611F2"/>
-                </a:solidFill>
-                <a:latin typeface="맑은 고딕" charset="0"/>
-                <a:ea typeface="맑은 고딕" charset="0"/>
-              </a:rPr>
-              <a:t>9</a:t>
-            </a:r>
-            <a:r>
               <a:rPr sz="1800" b="1">
                 <a:solidFill>
                   <a:srgbClr val="0611F2"/>
@@ -9909,6 +13028,26 @@
                 <a:latin typeface="맑은 고딕" charset="0"/>
                 <a:ea typeface="맑은 고딕" charset="0"/>
               </a:rPr>
+              <a:t>1</a:t>
+            </a:r>
+            <a:r>
+              <a:rPr sz="1800" b="1">
+                <a:solidFill>
+                  <a:srgbClr val="0611F2"/>
+                </a:solidFill>
+                <a:latin typeface="맑은 고딕" charset="0"/>
+                <a:ea typeface="맑은 고딕" charset="0"/>
+              </a:rPr>
+              <a:t>0</a:t>
+            </a:r>
+            <a:r>
+              <a:rPr sz="1800" b="1">
+                <a:solidFill>
+                  <a:srgbClr val="0611F2"/>
+                </a:solidFill>
+                <a:latin typeface="맑은 고딕" charset="0"/>
+                <a:ea typeface="맑은 고딕" charset="0"/>
+              </a:rPr>
               <a:t>.</a:t>
             </a:r>
             <a:r>
@@ -9923,7 +13062,28 @@
                 <a:latin typeface="맑은 고딕" charset="0"/>
                 <a:ea typeface="맑은 고딕" charset="0"/>
               </a:rPr>
-              <a:t>그다음으로 Sound Box 오브젝트에 Audio Source 컴포넌트를 추가합니다.</a:t>
+              <a:t>그</a:t>
+            </a:r>
+            <a:r>
+              <a:rPr lang="ko-KR" sz="1800">
+                <a:latin typeface="맑은 고딕" charset="0"/>
+                <a:ea typeface="맑은 고딕" charset="0"/>
+              </a:rPr>
+              <a:t>러고 </a:t>
+            </a:r>
+            <a:r>
+              <a:rPr lang="ko-KR" sz="1800">
+                <a:latin typeface="맑은 고딕" charset="0"/>
+                <a:ea typeface="맑은 고딕" charset="0"/>
+              </a:rPr>
+              <a:t>나서</a:t>
+            </a:r>
+            <a:r>
+              <a:rPr lang="ko-KR" sz="1800">
+                <a:latin typeface="맑은 고딕" charset="0"/>
+                <a:ea typeface="맑은 고딕" charset="0"/>
+              </a:rPr>
+              <a:t> Drone 오브젝트의 하위 오브젝트로 UI를 선택하고 Canvas 오브젝트를 생성합니다.</a:t>
             </a:r>
             <a:endParaRPr lang="ko-KR" altLang="en-US" sz="1800">
               <a:latin typeface="맑은 고딕" charset="0"/>
@@ -9932,77 +13092,78 @@
           </a:p>
         </p:txBody>
       </p:sp>
-      <p:sp>
-        <p:nvSpPr>
-          <p:cNvPr id="1202" name="Rect 0"/>
-          <p:cNvSpPr txBox="1">
-            <a:spLocks/>
-          </p:cNvSpPr>
-          <p:nvPr/>
-        </p:nvSpPr>
-        <p:spPr>
-          <a:xfrm rot="0">
-            <a:off x="6823710" y="5269865"/>
-            <a:ext cx="4142105" cy="923925"/>
-          </a:xfrm>
-          <a:prstGeom prst="rect"/>
-          <a:noFill/>
-          <a:ln w="0">
-            <a:noFill/>
-            <a:prstDash/>
-          </a:ln>
-        </p:spPr>
-        <p:txBody>
-          <a:bodyPr wrap="square" lIns="89535" tIns="46355" rIns="89535" bIns="46355" numCol="1" vert="horz" anchor="t">
-            <a:spAutoFit/>
-          </a:bodyPr>
-          <a:lstStyle/>
-          <a:p>
-            <a:pPr marL="0" indent="0" rtl="0" algn="l" defTabSz="914400" eaLnBrk="1" latinLnBrk="0" hangingPunct="1">
-              <a:buFontTx/>
-              <a:buNone/>
-            </a:pPr>
-            <a:r>
-              <a:rPr sz="1800" b="1">
-                <a:solidFill>
-                  <a:srgbClr val="0611F2"/>
-                </a:solidFill>
-                <a:latin typeface="맑은 고딕" charset="0"/>
-                <a:ea typeface="맑은 고딕" charset="0"/>
-              </a:rPr>
-              <a:t>10.</a:t>
-            </a:r>
-            <a:r>
-              <a:rPr sz="1800">
-                <a:latin typeface="맑은 고딕" charset="0"/>
-                <a:ea typeface="맑은 고딕" charset="0"/>
-              </a:rPr>
-              <a:t> </a:t>
-            </a:r>
-            <a:r>
-              <a:rPr lang="ko-KR" sz="1800">
-                <a:latin typeface="맑은 고딕" charset="0"/>
-                <a:ea typeface="맑은 고딕" charset="0"/>
-              </a:rPr>
-              <a:t>그런 다음 Project 폴더에서 Sound에 Powerful 사운드를 선택하고 Sound Box에 넣어줍니다.</a:t>
-            </a:r>
-            <a:endParaRPr lang="ko-KR" altLang="en-US" sz="1800">
-              <a:latin typeface="맑은 고딕" charset="0"/>
-              <a:ea typeface="맑은 고딕" charset="0"/>
-            </a:endParaRPr>
-          </a:p>
-        </p:txBody>
-      </p:sp>
       <p:pic>
         <p:nvPicPr>
-          <p:cNvPr id="1210" name="Picture " descr="C:/Users/Admin1/AppData/Roaming/PolarisOffice/ETemp/18416_12904952/fImage48562109358.png"/>
+          <p:cNvPr id="1222" name="그림 1"/>
           <p:cNvPicPr>
             <a:picLocks noChangeAspect="1"/>
           </p:cNvPicPr>
           <p:nvPr/>
         </p:nvPicPr>
         <p:blipFill rotWithShape="1">
-          <a:blip r:embed="rId2" cstate="hqprint">
+          <a:blip r:embed="rId12" cstate="print">
+            <a:extLst>
+              <a:ext uri="{28A0092B-C50C-407E-A947-70E740481C1C}">
+                <a14:useLocalDpi xmlns:a14="http://schemas.microsoft.com/office/drawing/2010/main" val="0"/>
+              </a:ext>
+            </a:extLst>
+          </a:blip>
+          <a:stretch>
+            <a:fillRect/>
+          </a:stretch>
+        </p:blipFill>
+        <p:spPr>
+          <a:xfrm rot="0">
+            <a:off x="3965575" y="2220595"/>
+            <a:ext cx="1396365" cy="2031365"/>
+          </a:xfrm>
+          <a:prstGeom prst="roundRect"/>
+          <a:solidFill>
+            <a:srgbClr val="EDEDED"/>
+          </a:solidFill>
+        </p:spPr>
+      </p:pic>
+      <p:pic>
+        <p:nvPicPr>
+          <p:cNvPr id="1223" name="그림 4"/>
+          <p:cNvPicPr>
+            <a:picLocks noChangeAspect="1"/>
+          </p:cNvPicPr>
+          <p:nvPr/>
+        </p:nvPicPr>
+        <p:blipFill rotWithShape="1">
+          <a:blip r:embed="rId13" cstate="print">
+            <a:extLst>
+              <a:ext uri="{28A0092B-C50C-407E-A947-70E740481C1C}">
+                <a14:useLocalDpi xmlns:a14="http://schemas.microsoft.com/office/drawing/2010/main" val="0"/>
+              </a:ext>
+            </a:extLst>
+          </a:blip>
+          <a:stretch>
+            <a:fillRect/>
+          </a:stretch>
+        </p:blipFill>
+        <p:spPr>
+          <a:xfrm rot="0">
+            <a:off x="1223010" y="1440180"/>
+            <a:ext cx="2581910" cy="3605530"/>
+          </a:xfrm>
+          <a:prstGeom prst="roundRect"/>
+          <a:solidFill>
+            <a:srgbClr val="EDEDED"/>
+          </a:solidFill>
+        </p:spPr>
+      </p:pic>
+      <p:pic>
+        <p:nvPicPr>
+          <p:cNvPr id="1224" name="그림 7" descr="C:/Users/nwond/AppData/Roaming/PolarisOffice/ETemp/8400_17616360/fImage185001856334.png"/>
+          <p:cNvPicPr>
+            <a:picLocks noChangeAspect="1"/>
+          </p:cNvPicPr>
+          <p:nvPr/>
+        </p:nvPicPr>
+        <p:blipFill rotWithShape="1">
+          <a:blip r:embed="rId14" cstate="hqprint">
             <a:extLst>
               <a:ext uri="{28A0092B-C50C-407E-A947-70E740481C1C}">
                 <a14:useLocalDpi xmlns:a14="http://schemas.microsoft.com/office/drawing/2010/main"/>
@@ -10015,8 +13176,8 @@
         </p:blipFill>
         <p:spPr>
           <a:xfrm rot="0">
-            <a:off x="8334375" y="1446530"/>
-            <a:ext cx="2623820" cy="1314450"/>
+            <a:off x="6811010" y="1433830"/>
+            <a:ext cx="2660650" cy="3302635"/>
           </a:xfrm>
           <a:prstGeom prst="roundRect"/>
           <a:solidFill>
@@ -10026,17 +13187,17 @@
       </p:pic>
       <p:pic>
         <p:nvPicPr>
-          <p:cNvPr id="1215" name="그림 15" descr="C:/Users/Admin1/AppData/Roaming/PolarisOffice/ETemp/18416_12904952/fImage51932856500.png"/>
+          <p:cNvPr id="1225" name="그림 8"/>
           <p:cNvPicPr>
             <a:picLocks noChangeAspect="1"/>
           </p:cNvPicPr>
           <p:nvPr/>
         </p:nvPicPr>
         <p:blipFill rotWithShape="1">
-          <a:blip r:embed="rId5" cstate="hqprint">
+          <a:blip r:embed="rId15" cstate="print">
             <a:extLst>
               <a:ext uri="{28A0092B-C50C-407E-A947-70E740481C1C}">
-                <a14:useLocalDpi xmlns:a14="http://schemas.microsoft.com/office/drawing/2010/main"/>
+                <a14:useLocalDpi xmlns:a14="http://schemas.microsoft.com/office/drawing/2010/main" val="0"/>
               </a:ext>
             </a:extLst>
           </a:blip>
@@ -10046,8 +13207,8 @@
         </p:blipFill>
         <p:spPr>
           <a:xfrm rot="0">
-            <a:off x="6825615" y="1446530"/>
-            <a:ext cx="1405890" cy="1294765"/>
+            <a:off x="9669145" y="2165985"/>
+            <a:ext cx="1276350" cy="1868805"/>
           </a:xfrm>
           <a:prstGeom prst="roundRect"/>
           <a:solidFill>
@@ -10055,285 +13216,6 @@
           </a:solidFill>
         </p:spPr>
       </p:pic>
-      <p:pic>
-        <p:nvPicPr>
-          <p:cNvPr id="1216" name="그림 16"/>
-          <p:cNvPicPr>
-            <a:picLocks noChangeAspect="1"/>
-          </p:cNvPicPr>
-          <p:nvPr/>
-        </p:nvPicPr>
-        <p:blipFill rotWithShape="1">
-          <a:blip r:embed="rId6" cstate="hqprint">
-            <a:extLst>
-              <a:ext uri="{28A0092B-C50C-407E-A947-70E740481C1C}">
-                <a14:useLocalDpi xmlns:a14="http://schemas.microsoft.com/office/drawing/2010/main"/>
-              </a:ext>
-            </a:extLst>
-          </a:blip>
-          <a:stretch>
-            <a:fillRect/>
-          </a:stretch>
-        </p:blipFill>
-        <p:spPr>
-          <a:xfrm rot="0">
-            <a:off x="6822440" y="3683635"/>
-            <a:ext cx="1192530" cy="1468755"/>
-          </a:xfrm>
-          <a:prstGeom prst="roundRect"/>
-          <a:solidFill>
-            <a:srgbClr val="EDEDED"/>
-          </a:solidFill>
-        </p:spPr>
-      </p:pic>
-      <p:pic>
-        <p:nvPicPr>
-          <p:cNvPr id="1217" name="그림 17" descr="C:/Users/Admin1/AppData/Roaming/PolarisOffice/ETemp/18416_12904952/fImage51932875724.png"/>
-          <p:cNvPicPr>
-            <a:picLocks noChangeAspect="1"/>
-          </p:cNvPicPr>
-          <p:nvPr/>
-        </p:nvPicPr>
-        <p:blipFill rotWithShape="1">
-          <a:blip r:embed="rId7" cstate="hqprint">
-            <a:extLst>
-              <a:ext uri="{28A0092B-C50C-407E-A947-70E740481C1C}">
-                <a14:useLocalDpi xmlns:a14="http://schemas.microsoft.com/office/drawing/2010/main"/>
-              </a:ext>
-            </a:extLst>
-          </a:blip>
-          <a:stretch>
-            <a:fillRect/>
-          </a:stretch>
-        </p:blipFill>
-        <p:spPr>
-          <a:xfrm rot="0">
-            <a:off x="1230630" y="1438275"/>
-            <a:ext cx="1306830" cy="1051560"/>
-          </a:xfrm>
-          <a:prstGeom prst="roundRect"/>
-          <a:solidFill>
-            <a:srgbClr val="EDEDED"/>
-          </a:solidFill>
-        </p:spPr>
-      </p:pic>
-      <p:pic>
-        <p:nvPicPr>
-          <p:cNvPr id="1218" name="그림 1" descr="C:/Users/Admin1/AppData/Roaming/PolarisOffice/ETemp/18416_12904952/fImage362491946500.png"/>
-          <p:cNvPicPr>
-            <a:picLocks noChangeAspect="1"/>
-          </p:cNvPicPr>
-          <p:nvPr/>
-        </p:nvPicPr>
-        <p:blipFill rotWithShape="1">
-          <a:blip r:embed="rId9" cstate="hqprint">
-            <a:extLst>
-              <a:ext uri="{28A0092B-C50C-407E-A947-70E740481C1C}">
-                <a14:useLocalDpi xmlns:a14="http://schemas.microsoft.com/office/drawing/2010/main"/>
-              </a:ext>
-            </a:extLst>
-          </a:blip>
-          <a:stretch>
-            <a:fillRect/>
-          </a:stretch>
-        </p:blipFill>
-        <p:spPr>
-          <a:xfrm rot="0">
-            <a:off x="2618740" y="1446530"/>
-            <a:ext cx="2760980" cy="1031875"/>
-          </a:xfrm>
-          <a:prstGeom prst="roundRect"/>
-          <a:solidFill>
-            <a:srgbClr val="EDEDED"/>
-          </a:solidFill>
-        </p:spPr>
-      </p:pic>
-      <p:cxnSp>
-        <p:nvCxnSpPr>
-          <p:cNvPr id="1208" name="Rect 0"/>
-          <p:cNvCxnSpPr/>
-          <p:nvPr/>
-        </p:nvCxnSpPr>
-        <p:spPr>
-          <a:xfrm rot="0" flipH="1">
-            <a:off x="2211070" y="1945005"/>
-            <a:ext cx="2760980" cy="400050"/>
-          </a:xfrm>
-          <a:prstGeom prst="straightConnector1"/>
-          <a:ln w="6350" cap="flat" cmpd="sng">
-            <a:prstDash/>
-            <a:tailEnd type="triangle" w="med" len="med"/>
-          </a:ln>
-        </p:spPr>
-        <p:style>
-          <a:lnRef idx="1">
-            <a:schemeClr val="accent1"/>
-          </a:lnRef>
-          <a:fillRef idx="0">
-            <a:schemeClr val="accent1"/>
-          </a:fillRef>
-          <a:effectRef idx="0">
-            <a:schemeClr val="accent1"/>
-          </a:effectRef>
-          <a:fontRef idx="minor">
-            <a:schemeClr val="tx1"/>
-          </a:fontRef>
-        </p:style>
-      </p:cxnSp>
-      <p:pic>
-        <p:nvPicPr>
-          <p:cNvPr id="1219" name="그림 14"/>
-          <p:cNvPicPr>
-            <a:picLocks noChangeAspect="1"/>
-          </p:cNvPicPr>
-          <p:nvPr/>
-        </p:nvPicPr>
-        <p:blipFill rotWithShape="1">
-          <a:blip r:embed="rId10" cstate="hqprint">
-            <a:extLst>
-              <a:ext uri="{28A0092B-C50C-407E-A947-70E740481C1C}">
-                <a14:useLocalDpi xmlns:a14="http://schemas.microsoft.com/office/drawing/2010/main"/>
-              </a:ext>
-            </a:extLst>
-          </a:blip>
-          <a:stretch>
-            <a:fillRect/>
-          </a:stretch>
-        </p:blipFill>
-        <p:spPr>
-          <a:xfrm rot="0">
-            <a:off x="8131810" y="3683635"/>
-            <a:ext cx="2834640" cy="1471295"/>
-          </a:xfrm>
-          <a:prstGeom prst="roundRect"/>
-          <a:solidFill>
-            <a:srgbClr val="EDEDED"/>
-          </a:solidFill>
-        </p:spPr>
-      </p:pic>
-      <p:pic>
-        <p:nvPicPr>
-          <p:cNvPr id="1220" name="그림 1" descr="C:/Users/Admin1/AppData/Roaming/PolarisOffice/ETemp/18416_12904952/fImage1163219441.png"/>
-          <p:cNvPicPr>
-            <a:picLocks noChangeAspect="1"/>
-          </p:cNvPicPr>
-          <p:nvPr/>
-        </p:nvPicPr>
-        <p:blipFill rotWithShape="1">
-          <a:blip r:embed="rId11" cstate="hqprint">
-            <a:extLst>
-              <a:ext uri="{28A0092B-C50C-407E-A947-70E740481C1C}">
-                <a14:useLocalDpi xmlns:a14="http://schemas.microsoft.com/office/drawing/2010/main"/>
-              </a:ext>
-            </a:extLst>
-          </a:blip>
-          <a:stretch>
-            <a:fillRect/>
-          </a:stretch>
-        </p:blipFill>
-        <p:spPr>
-          <a:xfrm rot="0">
-            <a:off x="1231265" y="3707765"/>
-            <a:ext cx="4140200" cy="1721485"/>
-          </a:xfrm>
-          <a:prstGeom prst="roundRect"/>
-          <a:solidFill>
-            <a:srgbClr val="EDEDED"/>
-          </a:solidFill>
-        </p:spPr>
-      </p:pic>
-      <p:sp>
-        <p:nvSpPr>
-          <p:cNvPr id="1221" name="텍스트 상자 4"/>
-          <p:cNvSpPr txBox="1">
-            <a:spLocks/>
-          </p:cNvSpPr>
-          <p:nvPr/>
-        </p:nvSpPr>
-        <p:spPr>
-          <a:xfrm rot="0">
-            <a:off x="1227455" y="5554345"/>
-            <a:ext cx="4149090" cy="647065"/>
-          </a:xfrm>
-          <a:prstGeom prst="rect"/>
-          <a:noFill/>
-          <a:ln w="0">
-            <a:noFill/>
-            <a:prstDash/>
-          </a:ln>
-        </p:spPr>
-        <p:txBody>
-          <a:bodyPr wrap="square" lIns="89535" tIns="46355" rIns="89535" bIns="46355" numCol="1" vert="horz" anchor="t">
-            <a:spAutoFit/>
-          </a:bodyPr>
-          <a:lstStyle/>
-          <a:p>
-            <a:pPr marL="0" indent="0" rtl="0" algn="l" defTabSz="914400" eaLnBrk="1" latinLnBrk="0" hangingPunct="1">
-              <a:buFontTx/>
-              <a:buNone/>
-            </a:pPr>
-            <a:r>
-              <a:rPr sz="1800" b="1">
-                <a:solidFill>
-                  <a:srgbClr val="0611F2"/>
-                </a:solidFill>
-                <a:latin typeface="맑은 고딕" charset="0"/>
-                <a:ea typeface="맑은 고딕" charset="0"/>
-              </a:rPr>
-              <a:t>8</a:t>
-            </a:r>
-            <a:r>
-              <a:rPr sz="1800" b="1">
-                <a:solidFill>
-                  <a:srgbClr val="0611F2"/>
-                </a:solidFill>
-                <a:latin typeface="맑은 고딕" charset="0"/>
-                <a:ea typeface="맑은 고딕" charset="0"/>
-              </a:rPr>
-              <a:t>.</a:t>
-            </a:r>
-            <a:r>
-              <a:rPr sz="1800">
-                <a:latin typeface="맑은 고딕" charset="0"/>
-                <a:ea typeface="맑은 고딕" charset="0"/>
-              </a:rPr>
-              <a:t> </a:t>
-            </a:r>
-            <a:r>
-              <a:rPr lang="ko-KR" sz="1800">
-                <a:latin typeface="맑은 고딕" charset="0"/>
-                <a:ea typeface="맑은 고딕" charset="0"/>
-              </a:rPr>
-              <a:t>그</a:t>
-            </a:r>
-            <a:r>
-              <a:rPr lang="ko-KR" sz="1800">
-                <a:latin typeface="맑은 고딕" charset="0"/>
-                <a:ea typeface="맑은 고딕" charset="0"/>
-              </a:rPr>
-              <a:t>러고 나서</a:t>
-            </a:r>
-            <a:r>
-              <a:rPr lang="ko-KR" sz="1800">
-                <a:latin typeface="맑은 고딕" charset="0"/>
-                <a:ea typeface="맑은 고딕" charset="0"/>
-              </a:rPr>
-              <a:t> </a:t>
-            </a:r>
-            <a:r>
-              <a:rPr lang="ko-KR" sz="1800">
-                <a:latin typeface="맑은 고딕" charset="0"/>
-                <a:ea typeface="맑은 고딕" charset="0"/>
-              </a:rPr>
-              <a:t>Character 오브젝트의 위치를 설정합니다.</a:t>
-            </a:r>
-            <a:endParaRPr lang="ko-KR" altLang="en-US" sz="1800">
-              <a:latin typeface="맑은 고딕" charset="0"/>
-              <a:ea typeface="맑은 고딕" charset="0"/>
-            </a:endParaRPr>
-          </a:p>
-        </p:txBody>
-      </p:sp>
     </p:spTree>
   </p:cSld>
   <p:clrMapOvr>
@@ -10383,9 +13265,9 @@
           <p:nvPr/>
         </p:nvSpPr>
         <p:spPr>
-          <a:xfrm>
-            <a:off x="4779010" y="354965"/>
-            <a:ext cx="2642870" cy="478155"/>
+          <a:xfrm rot="0">
+            <a:off x="4548505" y="367665"/>
+            <a:ext cx="3098165" cy="478155"/>
           </a:xfrm>
           <a:prstGeom prst="rect"/>
           <a:noFill/>
@@ -10400,7 +13282,7 @@
           </a:bodyPr>
           <a:lstStyle/>
           <a:p>
-            <a:pPr marL="0" indent="0" algn="l" latinLnBrk="0">
+            <a:pPr marL="0" indent="0" algn="ctr" latinLnBrk="0">
               <a:buFontTx/>
               <a:buNone/>
             </a:pPr>
@@ -10412,17 +13294,7 @@
                 <a:latin typeface="나눔바른고딕" charset="0"/>
                 <a:ea typeface="나눔바른고딕" charset="0"/>
               </a:rPr>
-              <a:t>네</a:t>
-            </a:r>
-            <a:r>
-              <a:rPr lang="ko-KR" altLang="en-US" sz="2500" b="1">
-                <a:solidFill>
-                  <a:schemeClr val="tx1"/>
-                </a:solidFill>
-                <a:latin typeface="나눔바른고딕" charset="0"/>
-                <a:ea typeface="나눔바른고딕" charset="0"/>
-              </a:rPr>
-              <a:t> 번째 튜토리얼</a:t>
+              <a:t>다섯 번째 튜토리얼</a:t>
             </a:r>
             <a:endParaRPr lang="ko-KR" altLang="en-US" sz="2500" b="1">
               <a:solidFill>
@@ -10434,16 +13306,199 @@
           </a:p>
         </p:txBody>
       </p:sp>
+      <p:sp>
+        <p:nvSpPr>
+          <p:cNvPr id="1194" name="텍스트 상자 44"/>
+          <p:cNvSpPr txBox="1">
+            <a:spLocks/>
+          </p:cNvSpPr>
+          <p:nvPr/>
+        </p:nvSpPr>
+        <p:spPr>
+          <a:xfrm rot="0">
+            <a:off x="1240790" y="3285490"/>
+            <a:ext cx="4128770" cy="647065"/>
+          </a:xfrm>
+          <a:prstGeom prst="rect"/>
+          <a:noFill/>
+          <a:ln w="0">
+            <a:noFill/>
+            <a:prstDash/>
+          </a:ln>
+        </p:spPr>
+        <p:txBody>
+          <a:bodyPr wrap="square" lIns="89535" tIns="46355" rIns="89535" bIns="46355" numCol="1" vert="horz" anchor="t">
+            <a:spAutoFit/>
+          </a:bodyPr>
+          <a:lstStyle/>
+          <a:p>
+            <a:pPr marL="0" indent="0" rtl="0" algn="l" defTabSz="914400" eaLnBrk="1" latinLnBrk="0" hangingPunct="1">
+              <a:buFontTx/>
+              <a:buNone/>
+            </a:pPr>
+            <a:r>
+              <a:rPr lang="ko-KR" sz="1800" b="1">
+                <a:solidFill>
+                  <a:srgbClr val="0611F2"/>
+                </a:solidFill>
+                <a:latin typeface="맑은 고딕" charset="0"/>
+                <a:ea typeface="맑은 고딕" charset="0"/>
+              </a:rPr>
+              <a:t>1</a:t>
+            </a:r>
+            <a:r>
+              <a:rPr lang="ko-KR" sz="1800" b="1">
+                <a:solidFill>
+                  <a:srgbClr val="0611F2"/>
+                </a:solidFill>
+                <a:latin typeface="맑은 고딕" charset="0"/>
+                <a:ea typeface="맑은 고딕" charset="0"/>
+              </a:rPr>
+              <a:t>2</a:t>
+            </a:r>
+            <a:r>
+              <a:rPr sz="1800" b="1">
+                <a:solidFill>
+                  <a:srgbClr val="0611F2"/>
+                </a:solidFill>
+                <a:latin typeface="맑은 고딕" charset="0"/>
+                <a:ea typeface="맑은 고딕" charset="0"/>
+              </a:rPr>
+              <a:t>.</a:t>
+            </a:r>
+            <a:r>
+              <a:rPr sz="1800">
+                <a:latin typeface="맑은 고딕" charset="0"/>
+                <a:ea typeface="맑은 고딕" charset="0"/>
+              </a:rPr>
+              <a:t> 그</a:t>
+            </a:r>
+            <a:r>
+              <a:rPr sz="1800">
+                <a:latin typeface="맑은 고딕" charset="0"/>
+                <a:ea typeface="맑은 고딕" charset="0"/>
+              </a:rPr>
+              <a:t>리고</a:t>
+            </a:r>
+            <a:r>
+              <a:rPr sz="1800">
+                <a:latin typeface="맑은 고딕" charset="0"/>
+                <a:ea typeface="맑은 고딕" charset="0"/>
+              </a:rPr>
+              <a:t> </a:t>
+            </a:r>
+            <a:r>
+              <a:rPr lang="ko-KR" sz="1800">
+                <a:latin typeface="맑은 고딕" charset="0"/>
+                <a:ea typeface="맑은 고딕" charset="0"/>
+              </a:rPr>
+              <a:t>Canvas 오브젝트의 Render Mode를 World Space로 설정합니다.</a:t>
+            </a:r>
+            <a:endParaRPr lang="ko-KR" altLang="en-US" sz="1800">
+              <a:latin typeface="맑은 고딕" charset="0"/>
+              <a:ea typeface="맑은 고딕" charset="0"/>
+            </a:endParaRPr>
+          </a:p>
+        </p:txBody>
+      </p:sp>
+      <p:sp>
+        <p:nvSpPr>
+          <p:cNvPr id="1197" name="텍스트 상자 51"/>
+          <p:cNvSpPr txBox="1">
+            <a:spLocks/>
+          </p:cNvSpPr>
+          <p:nvPr/>
+        </p:nvSpPr>
+        <p:spPr>
+          <a:xfrm>
+            <a:off x="6810375" y="3233420"/>
+            <a:ext cx="4148455" cy="647065"/>
+          </a:xfrm>
+          <a:prstGeom prst="rect"/>
+          <a:noFill/>
+          <a:ln w="0">
+            <a:noFill/>
+            <a:prstDash/>
+          </a:ln>
+        </p:spPr>
+        <p:txBody>
+          <a:bodyPr wrap="square" lIns="89535" tIns="46355" rIns="89535" bIns="46355" numCol="1" vert="horz" anchor="t">
+            <a:spAutoFit/>
+          </a:bodyPr>
+          <a:lstStyle/>
+          <a:p>
+            <a:pPr marL="0" indent="0" rtl="0" algn="l" defTabSz="914400" eaLnBrk="1" latinLnBrk="0" hangingPunct="1">
+              <a:buFontTx/>
+              <a:buNone/>
+            </a:pPr>
+            <a:r>
+              <a:rPr lang="ko-KR" sz="1800" b="1">
+                <a:solidFill>
+                  <a:srgbClr val="0611F2"/>
+                </a:solidFill>
+                <a:latin typeface="맑은 고딕" charset="0"/>
+                <a:ea typeface="맑은 고딕" charset="0"/>
+              </a:rPr>
+              <a:t>1</a:t>
+            </a:r>
+            <a:r>
+              <a:rPr lang="ko-KR" sz="1800" b="1">
+                <a:solidFill>
+                  <a:srgbClr val="0611F2"/>
+                </a:solidFill>
+                <a:latin typeface="맑은 고딕" charset="0"/>
+                <a:ea typeface="맑은 고딕" charset="0"/>
+              </a:rPr>
+              <a:t>4</a:t>
+            </a:r>
+            <a:r>
+              <a:rPr sz="1800" b="1">
+                <a:solidFill>
+                  <a:srgbClr val="0611F2"/>
+                </a:solidFill>
+                <a:latin typeface="맑은 고딕" charset="0"/>
+                <a:ea typeface="맑은 고딕" charset="0"/>
+              </a:rPr>
+              <a:t>.</a:t>
+            </a:r>
+            <a:r>
+              <a:rPr sz="1800">
+                <a:latin typeface="맑은 고딕" charset="0"/>
+                <a:ea typeface="맑은 고딕" charset="0"/>
+              </a:rPr>
+              <a:t> </a:t>
+            </a:r>
+            <a:r>
+              <a:rPr lang="ko-KR" sz="1800">
+                <a:latin typeface="맑은 고딕" charset="0"/>
+                <a:ea typeface="맑은 고딕" charset="0"/>
+              </a:rPr>
+              <a:t>그다음</a:t>
+            </a:r>
+            <a:r>
+              <a:rPr lang="ko-KR" sz="1800">
+                <a:latin typeface="맑은 고딕" charset="0"/>
+                <a:ea typeface="맑은 고딕" charset="0"/>
+              </a:rPr>
+              <a:t> Canvas 오브젝트의 위치와 크기 값을 초기화합니다.</a:t>
+            </a:r>
+            <a:endParaRPr lang="ko-KR" altLang="en-US" sz="1800">
+              <a:latin typeface="맑은 고딕" charset="0"/>
+              <a:ea typeface="맑은 고딕" charset="0"/>
+            </a:endParaRPr>
+          </a:p>
+        </p:txBody>
+      </p:sp>
       <p:pic>
         <p:nvPicPr>
-          <p:cNvPr id="1193" name="그림 41" descr="C:/Users/Admin1/AppData/Roaming/PolarisOffice/ETemp/18416_12904952/fImage85062125705.png"/>
+          <p:cNvPr id="1200" name="그림 6" descr="C:/Users/nwond/AppData/Roaming/PolarisOffice/ETemp/8400_17616360/fImage1488718041.png"/>
           <p:cNvPicPr>
             <a:picLocks noChangeAspect="1"/>
           </p:cNvPicPr>
           <p:nvPr/>
         </p:nvPicPr>
         <p:blipFill rotWithShape="1">
-          <a:blip r:embed="rId11" cstate="hqprint">
+          <a:blip r:embed="rId18" cstate="hqprint">
             <a:extLst>
               <a:ext uri="{28A0092B-C50C-407E-A947-70E740481C1C}">
                 <a14:useLocalDpi xmlns:a14="http://schemas.microsoft.com/office/drawing/2010/main"/>
@@ -10456,8 +13511,8 @@
         </p:blipFill>
         <p:spPr>
           <a:xfrm rot="0">
-            <a:off x="1238250" y="1446530"/>
-            <a:ext cx="2520315" cy="2594610"/>
+            <a:off x="1239520" y="1438910"/>
+            <a:ext cx="4130040" cy="1739265"/>
           </a:xfrm>
           <a:prstGeom prst="roundRect"/>
           <a:solidFill>
@@ -10465,198 +13520,19 @@
           </a:solidFill>
         </p:spPr>
       </p:pic>
-      <p:sp>
-        <p:nvSpPr>
-          <p:cNvPr id="1194" name="텍스트 상자 44"/>
-          <p:cNvSpPr txBox="1">
-            <a:spLocks/>
-          </p:cNvSpPr>
-          <p:nvPr/>
-        </p:nvSpPr>
-        <p:spPr>
-          <a:xfrm rot="0">
-            <a:off x="1238885" y="4235450"/>
-            <a:ext cx="4090670" cy="2031365"/>
-          </a:xfrm>
-          <a:prstGeom prst="rect"/>
-          <a:noFill/>
-          <a:ln w="0">
-            <a:noFill/>
-            <a:prstDash/>
-          </a:ln>
-        </p:spPr>
-        <p:txBody>
-          <a:bodyPr wrap="square" lIns="89535" tIns="46355" rIns="89535" bIns="46355" numCol="1" vert="horz" anchor="t">
-            <a:spAutoFit/>
-          </a:bodyPr>
-          <a:lstStyle/>
-          <a:p>
-            <a:pPr marL="0" indent="0" rtl="0" algn="l" defTabSz="914400" eaLnBrk="1" latinLnBrk="0" hangingPunct="1">
-              <a:buFontTx/>
-              <a:buNone/>
-            </a:pPr>
-            <a:r>
-              <a:rPr lang="ko-KR" sz="1800" b="1">
-                <a:solidFill>
-                  <a:srgbClr val="0611F2"/>
-                </a:solidFill>
-                <a:latin typeface="맑은 고딕" charset="0"/>
-                <a:ea typeface="맑은 고딕" charset="0"/>
-              </a:rPr>
-              <a:t>11</a:t>
-            </a:r>
-            <a:r>
-              <a:rPr sz="1800" b="1">
-                <a:solidFill>
-                  <a:srgbClr val="0611F2"/>
-                </a:solidFill>
-                <a:latin typeface="맑은 고딕" charset="0"/>
-                <a:ea typeface="맑은 고딕" charset="0"/>
-              </a:rPr>
-              <a:t>.</a:t>
-            </a:r>
-            <a:r>
-              <a:rPr sz="1800">
-                <a:latin typeface="맑은 고딕" charset="0"/>
-                <a:ea typeface="맑은 고딕" charset="0"/>
-              </a:rPr>
-              <a:t> 이</a:t>
-            </a:r>
-            <a:r>
-              <a:rPr lang="ko-KR" sz="1800">
-                <a:latin typeface="맑은 고딕" charset="0"/>
-                <a:ea typeface="맑은 고딕" charset="0"/>
-              </a:rPr>
-              <a:t>제 빈 게임 오브젝트를 생성한 다음 Sound Manager로 이름을 정의합니다.</a:t>
-            </a:r>
-            <a:endParaRPr lang="ko-KR" altLang="en-US" sz="1800">
-              <a:latin typeface="맑은 고딕" charset="0"/>
-              <a:ea typeface="맑은 고딕" charset="0"/>
-            </a:endParaRPr>
-          </a:p>
-          <a:p>
-            <a:pPr marL="0" indent="0" rtl="0" algn="l" defTabSz="914400" eaLnBrk="1" latinLnBrk="0" hangingPunct="1">
-              <a:buFontTx/>
-              <a:buNone/>
-            </a:pPr>
-            <a:endParaRPr lang="ko-KR" altLang="en-US" sz="1800">
-              <a:latin typeface="맑은 고딕" charset="0"/>
-              <a:ea typeface="맑은 고딕" charset="0"/>
-            </a:endParaRPr>
-          </a:p>
-          <a:p>
-            <a:pPr marL="0" indent="0" rtl="0" algn="l" defTabSz="914400" eaLnBrk="1" latinLnBrk="0" hangingPunct="1">
-              <a:buFontTx/>
-              <a:buNone/>
-            </a:pPr>
-            <a:r>
-              <a:rPr lang="ko-KR" sz="1800">
-                <a:latin typeface="맑은 고딕" charset="0"/>
-                <a:ea typeface="맑은 고딕" charset="0"/>
-              </a:rPr>
-              <a:t>그리고 SoundManager 스크립트를 생성하고 SoundManager 오브젝트에 넣어줍니다.</a:t>
-            </a:r>
-            <a:endParaRPr lang="ko-KR" altLang="en-US" sz="1800">
-              <a:latin typeface="맑은 고딕" charset="0"/>
-              <a:ea typeface="맑은 고딕" charset="0"/>
-            </a:endParaRPr>
-          </a:p>
-        </p:txBody>
-      </p:sp>
-      <p:sp>
-        <p:nvSpPr>
-          <p:cNvPr id="1197" name="텍스트 상자 51"/>
-          <p:cNvSpPr txBox="1">
-            <a:spLocks/>
-          </p:cNvSpPr>
-          <p:nvPr/>
-        </p:nvSpPr>
-        <p:spPr>
-          <a:xfrm rot="0">
-            <a:off x="6810375" y="5293360"/>
-            <a:ext cx="4147185" cy="923925"/>
-          </a:xfrm>
-          <a:prstGeom prst="rect"/>
-          <a:noFill/>
-          <a:ln w="0">
-            <a:noFill/>
-            <a:prstDash/>
-          </a:ln>
-        </p:spPr>
-        <p:txBody>
-          <a:bodyPr wrap="square" lIns="89535" tIns="46355" rIns="89535" bIns="46355" numCol="1" vert="horz" anchor="t">
-            <a:spAutoFit/>
-          </a:bodyPr>
-          <a:lstStyle/>
-          <a:p>
-            <a:pPr marL="0" indent="0" rtl="0" algn="l" defTabSz="914400" eaLnBrk="1" latinLnBrk="0" hangingPunct="1">
-              <a:buFontTx/>
-              <a:buNone/>
-            </a:pPr>
-            <a:r>
-              <a:rPr lang="ko-KR" sz="1800" b="1">
-                <a:solidFill>
-                  <a:srgbClr val="0611F2"/>
-                </a:solidFill>
-                <a:latin typeface="맑은 고딕" charset="0"/>
-                <a:ea typeface="맑은 고딕" charset="0"/>
-              </a:rPr>
-              <a:t>1</a:t>
-            </a:r>
-            <a:r>
-              <a:rPr lang="ko-KR" sz="1800" b="1">
-                <a:solidFill>
-                  <a:srgbClr val="0611F2"/>
-                </a:solidFill>
-                <a:latin typeface="맑은 고딕" charset="0"/>
-                <a:ea typeface="맑은 고딕" charset="0"/>
-              </a:rPr>
-              <a:t>2</a:t>
-            </a:r>
-            <a:r>
-              <a:rPr sz="1800" b="1">
-                <a:solidFill>
-                  <a:srgbClr val="0611F2"/>
-                </a:solidFill>
-                <a:latin typeface="맑은 고딕" charset="0"/>
-                <a:ea typeface="맑은 고딕" charset="0"/>
-              </a:rPr>
-              <a:t>.</a:t>
-            </a:r>
-            <a:r>
-              <a:rPr sz="1800">
-                <a:latin typeface="맑은 고딕" charset="0"/>
-                <a:ea typeface="맑은 고딕" charset="0"/>
-              </a:rPr>
-              <a:t> </a:t>
-            </a:r>
-            <a:r>
-              <a:rPr lang="ko-KR" sz="1800">
-                <a:latin typeface="맑은 고딕" charset="0"/>
-                <a:ea typeface="맑은 고딕" charset="0"/>
-              </a:rPr>
-              <a:t>그다음으로 Character 오브젝트에서 Capsule Collider 컴포넌트를 삭제합니다.</a:t>
-            </a:r>
-            <a:endParaRPr lang="ko-KR" altLang="en-US" sz="1800">
-              <a:latin typeface="맑은 고딕" charset="0"/>
-              <a:ea typeface="맑은 고딕" charset="0"/>
-            </a:endParaRPr>
-          </a:p>
-        </p:txBody>
-      </p:sp>
       <p:pic>
         <p:nvPicPr>
-          <p:cNvPr id="1199" name="그림 57" descr="C:/Users/Admin1/AppData/Roaming/PolarisOffice/ETemp/18416_12904952/fImage329752219961.png"/>
+          <p:cNvPr id="1201" name="그림 10"/>
           <p:cNvPicPr>
             <a:picLocks noChangeAspect="1"/>
           </p:cNvPicPr>
           <p:nvPr/>
         </p:nvPicPr>
         <p:blipFill rotWithShape="1">
-          <a:blip r:embed="rId15" cstate="hqprint">
+          <a:blip r:embed="rId19" cstate="print">
             <a:extLst>
               <a:ext uri="{28A0092B-C50C-407E-A947-70E740481C1C}">
-                <a14:useLocalDpi xmlns:a14="http://schemas.microsoft.com/office/drawing/2010/main"/>
+                <a14:useLocalDpi xmlns:a14="http://schemas.microsoft.com/office/drawing/2010/main" val="0"/>
               </a:ext>
             </a:extLst>
           </a:blip>
@@ -10666,26 +13542,28 @@
         </p:blipFill>
         <p:spPr>
           <a:xfrm rot="0">
-            <a:off x="6805295" y="1446530"/>
-            <a:ext cx="4152900" cy="3709035"/>
-          </a:xfrm>
-          <a:prstGeom prst="rect"/>
-          <a:noFill/>
+            <a:off x="2538095" y="4095750"/>
+            <a:ext cx="2830830" cy="1116330"/>
+          </a:xfrm>
+          <a:prstGeom prst="roundRect"/>
+          <a:solidFill>
+            <a:srgbClr val="EDEDED"/>
+          </a:solidFill>
         </p:spPr>
       </p:pic>
       <p:pic>
         <p:nvPicPr>
-          <p:cNvPr id="1200" name="그림 62"/>
+          <p:cNvPr id="1202" name="그림 11"/>
           <p:cNvPicPr>
             <a:picLocks noChangeAspect="1"/>
           </p:cNvPicPr>
           <p:nvPr/>
         </p:nvPicPr>
         <p:blipFill rotWithShape="1">
-          <a:blip r:embed="rId16" cstate="hqprint">
+          <a:blip r:embed="rId20" cstate="print">
             <a:extLst>
               <a:ext uri="{28A0092B-C50C-407E-A947-70E740481C1C}">
-                <a14:useLocalDpi xmlns:a14="http://schemas.microsoft.com/office/drawing/2010/main"/>
+                <a14:useLocalDpi xmlns:a14="http://schemas.microsoft.com/office/drawing/2010/main" val="0"/>
               </a:ext>
             </a:extLst>
           </a:blip>
@@ -10695,8 +13573,8 @@
         </p:blipFill>
         <p:spPr>
           <a:xfrm rot="0">
-            <a:off x="4314825" y="3234055"/>
-            <a:ext cx="690245" cy="789940"/>
+            <a:off x="1241425" y="4098925"/>
+            <a:ext cx="1191895" cy="1107440"/>
           </a:xfrm>
           <a:prstGeom prst="roundRect"/>
           <a:solidFill>
@@ -10704,23 +13582,123 @@
           </a:solidFill>
         </p:spPr>
       </p:pic>
+      <p:sp>
+        <p:nvSpPr>
+          <p:cNvPr id="1203" name="텍스트 상자 16"/>
+          <p:cNvSpPr txBox="1">
+            <a:spLocks/>
+          </p:cNvSpPr>
+          <p:nvPr/>
+        </p:nvSpPr>
+        <p:spPr>
+          <a:xfrm>
+            <a:off x="1234440" y="5296535"/>
+            <a:ext cx="4141470" cy="923925"/>
+          </a:xfrm>
+          <a:prstGeom prst="rect"/>
+          <a:noFill/>
+          <a:ln w="0">
+            <a:noFill/>
+            <a:prstDash/>
+          </a:ln>
+        </p:spPr>
+        <p:txBody>
+          <a:bodyPr wrap="square" lIns="89535" tIns="46355" rIns="89535" bIns="46355" numCol="1" vert="horz" anchor="t">
+            <a:spAutoFit/>
+          </a:bodyPr>
+          <a:lstStyle/>
+          <a:p>
+            <a:pPr marL="0" indent="0" rtl="0" algn="l" defTabSz="914400" eaLnBrk="1" latinLnBrk="0" hangingPunct="1">
+              <a:buFontTx/>
+              <a:buNone/>
+            </a:pPr>
+            <a:r>
+              <a:rPr lang="ko-KR" sz="1800" b="1">
+                <a:solidFill>
+                  <a:srgbClr val="0611F2"/>
+                </a:solidFill>
+                <a:latin typeface="맑은 고딕" charset="0"/>
+                <a:ea typeface="맑은 고딕" charset="0"/>
+              </a:rPr>
+              <a:t>1</a:t>
+            </a:r>
+            <a:r>
+              <a:rPr lang="ko-KR" sz="1800" b="1">
+                <a:solidFill>
+                  <a:srgbClr val="0611F2"/>
+                </a:solidFill>
+                <a:latin typeface="맑은 고딕" charset="0"/>
+                <a:ea typeface="맑은 고딕" charset="0"/>
+              </a:rPr>
+              <a:t>3</a:t>
+            </a:r>
+            <a:r>
+              <a:rPr sz="1800" b="1">
+                <a:solidFill>
+                  <a:srgbClr val="0611F2"/>
+                </a:solidFill>
+                <a:latin typeface="맑은 고딕" charset="0"/>
+                <a:ea typeface="맑은 고딕" charset="0"/>
+              </a:rPr>
+              <a:t>.</a:t>
+            </a:r>
+            <a:r>
+              <a:rPr sz="1800">
+                <a:latin typeface="맑은 고딕" charset="0"/>
+                <a:ea typeface="맑은 고딕" charset="0"/>
+              </a:rPr>
+              <a:t> </a:t>
+            </a:r>
+            <a:r>
+              <a:rPr lang="ko-KR" sz="1800">
+                <a:latin typeface="맑은 고딕" charset="0"/>
+                <a:ea typeface="맑은 고딕" charset="0"/>
+              </a:rPr>
+              <a:t>그</a:t>
+            </a:r>
+            <a:r>
+              <a:rPr lang="ko-KR" sz="1800">
+                <a:latin typeface="맑은 고딕" charset="0"/>
+                <a:ea typeface="맑은 고딕" charset="0"/>
+              </a:rPr>
+              <a:t>런 </a:t>
+            </a:r>
+            <a:r>
+              <a:rPr lang="ko-KR" sz="1800">
+                <a:latin typeface="맑은 고딕" charset="0"/>
+                <a:ea typeface="맑은 고딕" charset="0"/>
+              </a:rPr>
+              <a:t>다음</a:t>
+            </a:r>
+            <a:r>
+              <a:rPr lang="ko-KR" sz="1800">
+                <a:latin typeface="맑은 고딕" charset="0"/>
+                <a:ea typeface="맑은 고딕" charset="0"/>
+              </a:rPr>
+              <a:t> Canvas 오브젝트의 Event Camera에 Main Camare 오브젝트를 넣어줍니다.</a:t>
+            </a:r>
+            <a:endParaRPr lang="ko-KR" altLang="en-US" sz="1800">
+              <a:latin typeface="맑은 고딕" charset="0"/>
+              <a:ea typeface="맑은 고딕" charset="0"/>
+            </a:endParaRPr>
+          </a:p>
+        </p:txBody>
+      </p:sp>
       <p:cxnSp>
         <p:nvCxnSpPr>
-          <p:cNvPr id="1201" name="도형 65"/>
-          <p:cNvCxnSpPr>
-            <a:stCxn id="1200" idx="0"/>
-            <a:endCxn id="1202" idx="2"/>
-          </p:cNvCxnSpPr>
+          <p:cNvPr id="1204" name="도형 17"/>
+          <p:cNvCxnSpPr/>
           <p:nvPr/>
         </p:nvCxnSpPr>
         <p:spPr>
-          <a:xfrm rot="0" flipV="1">
-            <a:off x="4659630" y="2901950"/>
-            <a:ext cx="6985" cy="332740"/>
+          <a:xfrm rot="0">
+            <a:off x="2240280" y="4363085"/>
+            <a:ext cx="3060065" cy="174625"/>
           </a:xfrm>
           <a:prstGeom prst="straightConnector1"/>
           <a:ln w="6350" cap="flat" cmpd="sng">
             <a:prstDash/>
+            <a:headEnd type="none" w="med" len="med"/>
             <a:tailEnd type="triangle" w="med" len="med"/>
           </a:ln>
         </p:spPr>
@@ -10741,17 +13719,17 @@
       </p:cxnSp>
       <p:pic>
         <p:nvPicPr>
-          <p:cNvPr id="1202" name="그림 5" descr="C:/Users/Admin1/AppData/Roaming/PolarisOffice/ETemp/18416_12904952/fImage57511968467.png"/>
+          <p:cNvPr id="1205" name="그림 18"/>
           <p:cNvPicPr>
             <a:picLocks noChangeAspect="1"/>
           </p:cNvPicPr>
           <p:nvPr/>
         </p:nvPicPr>
         <p:blipFill rotWithShape="1">
-          <a:blip r:embed="rId17" cstate="hqprint">
+          <a:blip r:embed="rId21" cstate="print">
             <a:extLst>
               <a:ext uri="{28A0092B-C50C-407E-A947-70E740481C1C}">
-                <a14:useLocalDpi xmlns:a14="http://schemas.microsoft.com/office/drawing/2010/main"/>
+                <a14:useLocalDpi xmlns:a14="http://schemas.microsoft.com/office/drawing/2010/main" val="0"/>
               </a:ext>
             </a:extLst>
           </a:blip>
@@ -10761,8 +13739,8 @@
         </p:blipFill>
         <p:spPr>
           <a:xfrm rot="0">
-            <a:off x="4006850" y="1446530"/>
-            <a:ext cx="1318895" cy="1456055"/>
+            <a:off x="6810375" y="1446530"/>
+            <a:ext cx="4156075" cy="1657350"/>
           </a:xfrm>
           <a:prstGeom prst="roundRect"/>
           <a:solidFill>
@@ -10770,6 +13748,139 @@
           </a:solidFill>
         </p:spPr>
       </p:pic>
+      <p:pic>
+        <p:nvPicPr>
+          <p:cNvPr id="1206" name="그림 22"/>
+          <p:cNvPicPr>
+            <a:picLocks noChangeAspect="1"/>
+          </p:cNvPicPr>
+          <p:nvPr/>
+        </p:nvPicPr>
+        <p:blipFill rotWithShape="1">
+          <a:blip r:embed="rId22" cstate="print">
+            <a:extLst>
+              <a:ext uri="{28A0092B-C50C-407E-A947-70E740481C1C}">
+                <a14:useLocalDpi xmlns:a14="http://schemas.microsoft.com/office/drawing/2010/main" val="0"/>
+              </a:ext>
+            </a:extLst>
+          </a:blip>
+          <a:stretch>
+            <a:fillRect/>
+          </a:stretch>
+        </p:blipFill>
+        <p:spPr>
+          <a:xfrm rot="0">
+            <a:off x="6809740" y="3990340"/>
+            <a:ext cx="4150995" cy="1440815"/>
+          </a:xfrm>
+          <a:prstGeom prst="roundRect"/>
+          <a:solidFill>
+            <a:srgbClr val="EDEDED"/>
+          </a:solidFill>
+        </p:spPr>
+      </p:pic>
+      <p:sp>
+        <p:nvSpPr>
+          <p:cNvPr id="1207" name="텍스트 상자 25"/>
+          <p:cNvSpPr txBox="1">
+            <a:spLocks/>
+          </p:cNvSpPr>
+          <p:nvPr/>
+        </p:nvSpPr>
+        <p:spPr>
+          <a:xfrm>
+            <a:off x="6807835" y="5563870"/>
+            <a:ext cx="4159250" cy="647065"/>
+          </a:xfrm>
+          <a:prstGeom prst="rect"/>
+          <a:noFill/>
+          <a:ln w="0">
+            <a:noFill/>
+            <a:prstDash/>
+          </a:ln>
+        </p:spPr>
+        <p:txBody>
+          <a:bodyPr wrap="square" lIns="89535" tIns="46355" rIns="89535" bIns="46355" numCol="1" vert="horz" anchor="t">
+            <a:spAutoFit/>
+          </a:bodyPr>
+          <a:lstStyle/>
+          <a:p>
+            <a:pPr marL="0" indent="0" rtl="0" algn="l" defTabSz="914400" eaLnBrk="1" latinLnBrk="0" hangingPunct="1">
+              <a:buFontTx/>
+              <a:buNone/>
+            </a:pPr>
+            <a:r>
+              <a:rPr lang="ko-KR" sz="1800" b="1">
+                <a:solidFill>
+                  <a:srgbClr val="0611F2"/>
+                </a:solidFill>
+                <a:latin typeface="맑은 고딕" charset="0"/>
+                <a:ea typeface="맑은 고딕" charset="0"/>
+              </a:rPr>
+              <a:t>1</a:t>
+            </a:r>
+            <a:r>
+              <a:rPr lang="ko-KR" sz="1800" b="1">
+                <a:solidFill>
+                  <a:srgbClr val="0611F2"/>
+                </a:solidFill>
+                <a:latin typeface="맑은 고딕" charset="0"/>
+                <a:ea typeface="맑은 고딕" charset="0"/>
+              </a:rPr>
+              <a:t>5</a:t>
+            </a:r>
+            <a:r>
+              <a:rPr sz="1800" b="1">
+                <a:solidFill>
+                  <a:srgbClr val="0611F2"/>
+                </a:solidFill>
+                <a:latin typeface="맑은 고딕" charset="0"/>
+                <a:ea typeface="맑은 고딕" charset="0"/>
+              </a:rPr>
+              <a:t>.</a:t>
+            </a:r>
+            <a:r>
+              <a:rPr sz="1800">
+                <a:latin typeface="맑은 고딕" charset="0"/>
+                <a:ea typeface="맑은 고딕" charset="0"/>
+              </a:rPr>
+              <a:t> </a:t>
+            </a:r>
+            <a:r>
+              <a:rPr lang="ko-KR" sz="1800">
+                <a:latin typeface="맑은 고딕" charset="0"/>
+                <a:ea typeface="맑은 고딕" charset="0"/>
+              </a:rPr>
+              <a:t>그</a:t>
+            </a:r>
+            <a:r>
+              <a:rPr lang="ko-KR" sz="1800">
+                <a:latin typeface="맑은 고딕" charset="0"/>
+                <a:ea typeface="맑은 고딕" charset="0"/>
+              </a:rPr>
+              <a:t>러고 </a:t>
+            </a:r>
+            <a:r>
+              <a:rPr lang="ko-KR" sz="1800">
+                <a:latin typeface="맑은 고딕" charset="0"/>
+                <a:ea typeface="맑은 고딕" charset="0"/>
+              </a:rPr>
+              <a:t>나서</a:t>
+            </a:r>
+            <a:r>
+              <a:rPr lang="ko-KR" sz="1800">
+                <a:latin typeface="맑은 고딕" charset="0"/>
+                <a:ea typeface="맑은 고딕" charset="0"/>
+              </a:rPr>
+              <a:t> Drone 오브젝트에 Drone 스크립트를 추가합니다.</a:t>
+            </a:r>
+            <a:endParaRPr lang="ko-KR" altLang="en-US" sz="1800">
+              <a:latin typeface="맑은 고딕" charset="0"/>
+              <a:ea typeface="맑은 고딕" charset="0"/>
+            </a:endParaRPr>
+          </a:p>
+        </p:txBody>
+      </p:sp>
     </p:spTree>
   </p:cSld>
   <p:clrMapOvr>
@@ -10819,9 +13930,9 @@
           <p:nvPr/>
         </p:nvSpPr>
         <p:spPr>
-          <a:xfrm rot="0">
+          <a:xfrm>
             <a:off x="4538980" y="354965"/>
-            <a:ext cx="3119120" cy="478155"/>
+            <a:ext cx="3119755" cy="478155"/>
           </a:xfrm>
           <a:prstGeom prst="rect"/>
           <a:noFill/>
@@ -10848,7 +13959,17 @@
                 <a:latin typeface="나눔바른고딕" charset="0"/>
                 <a:ea typeface="나눔바른고딕" charset="0"/>
               </a:rPr>
-              <a:t>다섯 번째 튜토리얼</a:t>
+              <a:t>여</a:t>
+            </a:r>
+            <a:r>
+              <a:rPr lang="ko-KR" altLang="en-US" sz="2500" b="1">
+                <a:solidFill>
+                  <a:schemeClr val="tx1"/>
+                </a:solidFill>
+                <a:latin typeface="나눔바른고딕" charset="0"/>
+                <a:ea typeface="나눔바른고딕" charset="0"/>
+              </a:rPr>
+              <a:t>섯 번째 튜토리얼</a:t>
             </a:r>
             <a:endParaRPr lang="ko-KR" altLang="en-US" sz="2500" b="1">
               <a:solidFill>
@@ -10869,9 +13990,9 @@
           <p:nvPr/>
         </p:nvSpPr>
         <p:spPr>
-          <a:xfrm rot="0">
-            <a:off x="6816725" y="4819015"/>
-            <a:ext cx="4149090" cy="1477645"/>
+          <a:xfrm>
+            <a:off x="6816725" y="5650865"/>
+            <a:ext cx="4138295" cy="647065"/>
           </a:xfrm>
           <a:prstGeom prst="rect"/>
           <a:noFill/>
@@ -10908,7 +14029,7 @@
                 <a:latin typeface="맑은 고딕" charset="0"/>
                 <a:ea typeface="맑은 고딕" charset="0"/>
               </a:rPr>
-              <a:t>5</a:t>
+              <a:t>8</a:t>
             </a:r>
             <a:r>
               <a:rPr sz="1800" b="1">
@@ -10932,61 +14053,48 @@
                 <a:latin typeface="맑은 고딕" charset="0"/>
                 <a:ea typeface="맑은 고딕" charset="0"/>
               </a:rPr>
-              <a:t>이제</a:t>
-            </a:r>
-            <a:r>
-              <a:rPr lang="ko-KR" sz="1800">
-                <a:latin typeface="맑은 고딕" charset="0"/>
-                <a:ea typeface="맑은 고딕" charset="0"/>
-              </a:rPr>
-              <a:t> UI를 선택하고 Slider를 생성합니다.</a:t>
+              <a:t>그</a:t>
+            </a:r>
+            <a:r>
+              <a:rPr lang="ko-KR" sz="1800">
+                <a:latin typeface="맑은 고딕" charset="0"/>
+                <a:ea typeface="맑은 고딕" charset="0"/>
+              </a:rPr>
+              <a:t>런 </a:t>
+            </a:r>
+            <a:r>
+              <a:rPr lang="ko-KR" sz="1800">
+                <a:latin typeface="맑은 고딕" charset="0"/>
+                <a:ea typeface="맑은 고딕" charset="0"/>
+              </a:rPr>
+              <a:t>다음</a:t>
+            </a:r>
+            <a:r>
+              <a:rPr lang="ko-KR" sz="1800">
+                <a:latin typeface="맑은 고딕" charset="0"/>
+                <a:ea typeface="맑은 고딕" charset="0"/>
+              </a:rPr>
+              <a:t> Discovery Icon 오브젝트의 크기 값을 초기화합니다.</a:t>
             </a:r>
             <a:endParaRPr lang="ko-KR" altLang="en-US" sz="1800">
               <a:latin typeface="맑은 고딕" charset="0"/>
               <a:ea typeface="맑은 고딕" charset="0"/>
             </a:endParaRPr>
           </a:p>
-          <a:p>
-            <a:pPr marL="0" indent="0" rtl="0" algn="l" defTabSz="914400" eaLnBrk="1" latinLnBrk="0" hangingPunct="1">
-              <a:buFontTx/>
-              <a:buNone/>
-            </a:pPr>
-            <a:endParaRPr lang="ko-KR" altLang="en-US" sz="1800">
-              <a:latin typeface="맑은 고딕" charset="0"/>
-              <a:ea typeface="맑은 고딕" charset="0"/>
-            </a:endParaRPr>
-          </a:p>
-          <a:p>
-            <a:pPr marL="0" indent="0" rtl="0" algn="l" defTabSz="914400" eaLnBrk="1" latinLnBrk="0" hangingPunct="1">
-              <a:buFontTx/>
-              <a:buNone/>
-            </a:pPr>
-            <a:r>
-              <a:rPr lang="ko-KR" sz="1800">
-                <a:latin typeface="맑은 고딕" charset="0"/>
-                <a:ea typeface="맑은 고딕" charset="0"/>
-              </a:rPr>
-              <a:t>그리고 Volume이라는 이름으로 정의합니다.</a:t>
-            </a:r>
-            <a:endParaRPr lang="ko-KR" altLang="en-US" sz="1800">
-              <a:latin typeface="맑은 고딕" charset="0"/>
-              <a:ea typeface="맑은 고딕" charset="0"/>
-            </a:endParaRPr>
-          </a:p>
-        </p:txBody>
-      </p:sp>
-      <p:sp>
-        <p:nvSpPr>
-          <p:cNvPr id="1195" name="텍스트 상자 1"/>
+        </p:txBody>
+      </p:sp>
+      <p:sp>
+        <p:nvSpPr>
+          <p:cNvPr id="1207" name="텍스트 상자 4"/>
           <p:cNvSpPr txBox="1">
             <a:spLocks/>
           </p:cNvSpPr>
           <p:nvPr/>
         </p:nvSpPr>
         <p:spPr>
-          <a:xfrm rot="0">
-            <a:off x="1294765" y="2597785"/>
-            <a:ext cx="4068445" cy="923925"/>
+          <a:xfrm>
+            <a:off x="1229995" y="5097145"/>
+            <a:ext cx="4133215" cy="1200785"/>
           </a:xfrm>
           <a:prstGeom prst="rect"/>
           <a:noFill/>
@@ -11006,6 +14114,26 @@
               <a:buNone/>
             </a:pPr>
             <a:r>
+              <a:rPr sz="1800" b="1">
+                <a:solidFill>
+                  <a:srgbClr val="0611F2"/>
+                </a:solidFill>
+                <a:latin typeface="맑은 고딕" charset="0"/>
+                <a:ea typeface="맑은 고딕" charset="0"/>
+              </a:rPr>
+              <a:t>1</a:t>
+            </a:r>
+            <a:r>
+              <a:rPr sz="1800" b="1">
+                <a:solidFill>
+                  <a:srgbClr val="0611F2"/>
+                </a:solidFill>
+                <a:latin typeface="맑은 고딕" charset="0"/>
+                <a:ea typeface="맑은 고딕" charset="0"/>
+              </a:rPr>
+              <a:t>6</a:t>
+            </a:r>
+            <a:r>
               <a:rPr lang="ko-KR" sz="1800" b="1">
                 <a:solidFill>
                   <a:srgbClr val="0611F2"/>
@@ -11013,26 +14141,6 @@
                 <a:latin typeface="맑은 고딕" charset="0"/>
                 <a:ea typeface="맑은 고딕" charset="0"/>
               </a:rPr>
-              <a:t>1</a:t>
-            </a:r>
-            <a:r>
-              <a:rPr lang="ko-KR" sz="1800" b="1">
-                <a:solidFill>
-                  <a:srgbClr val="0611F2"/>
-                </a:solidFill>
-                <a:latin typeface="맑은 고딕" charset="0"/>
-                <a:ea typeface="맑은 고딕" charset="0"/>
-              </a:rPr>
-              <a:t>3</a:t>
-            </a:r>
-            <a:r>
-              <a:rPr sz="1800" b="1">
-                <a:solidFill>
-                  <a:srgbClr val="0611F2"/>
-                </a:solidFill>
-                <a:latin typeface="맑은 고딕" charset="0"/>
-                <a:ea typeface="맑은 고딕" charset="0"/>
-              </a:rPr>
               <a:t>.</a:t>
             </a:r>
             <a:r>
@@ -11047,7 +14155,14 @@
                 <a:latin typeface="맑은 고딕" charset="0"/>
                 <a:ea typeface="맑은 고딕" charset="0"/>
               </a:rPr>
-              <a:t>그런 다음 Sound Manager 오브젝트에 Audio Source 컴포넌트를 추가합니다.</a:t>
+              <a:t>이제</a:t>
+            </a:r>
+            <a:r>
+              <a:rPr lang="ko-KR" sz="1800">
+                <a:latin typeface="맑은 고딕" charset="0"/>
+                <a:ea typeface="맑은 고딕" charset="0"/>
+              </a:rPr>
+              <a:t> Project 폴더 아래에 있는 Texture 폴더에 Discovery 텍스처를 Discovery 오브젝트의 Source Image에 넣어줍니다.</a:t>
             </a:r>
             <a:endParaRPr lang="ko-KR" altLang="en-US" sz="1800">
               <a:latin typeface="맑은 고딕" charset="0"/>
@@ -11058,14 +14173,45 @@
       </p:sp>
       <p:pic>
         <p:nvPicPr>
-          <p:cNvPr id="1196" name="그림 2" descr="C:/Users/Admin1/AppData/Roaming/PolarisOffice/ETemp/18416_12904952/fImage48562109358.png"/>
+          <p:cNvPr id="1210" name="그림 1"/>
           <p:cNvPicPr>
             <a:picLocks noChangeAspect="1"/>
           </p:cNvPicPr>
           <p:nvPr/>
         </p:nvPicPr>
         <p:blipFill rotWithShape="1">
-          <a:blip r:embed="rId10" cstate="hqprint">
+          <a:blip r:embed="rId19" cstate="print">
+            <a:extLst>
+              <a:ext uri="{28A0092B-C50C-407E-A947-70E740481C1C}">
+                <a14:useLocalDpi xmlns:a14="http://schemas.microsoft.com/office/drawing/2010/main" val="0"/>
+              </a:ext>
+            </a:extLst>
+          </a:blip>
+          <a:stretch>
+            <a:fillRect/>
+          </a:stretch>
+        </p:blipFill>
+        <p:spPr>
+          <a:xfrm rot="0">
+            <a:off x="1231265" y="3866515"/>
+            <a:ext cx="4118610" cy="1086485"/>
+          </a:xfrm>
+          <a:prstGeom prst="roundRect"/>
+          <a:solidFill>
+            <a:srgbClr val="EDEDED"/>
+          </a:solidFill>
+        </p:spPr>
+      </p:pic>
+      <p:pic>
+        <p:nvPicPr>
+          <p:cNvPr id="1211" name="그림 4" descr="C:/Users/nwond/AppData/Roaming/PolarisOffice/ETemp/8400_17616360/fImage149181818467.png"/>
+          <p:cNvPicPr>
+            <a:picLocks noChangeAspect="1"/>
+          </p:cNvPicPr>
+          <p:nvPr/>
+        </p:nvPicPr>
+        <p:blipFill rotWithShape="1">
+          <a:blip r:embed="rId20" cstate="hqprint">
             <a:extLst>
               <a:ext uri="{28A0092B-C50C-407E-A947-70E740481C1C}">
                 <a14:useLocalDpi xmlns:a14="http://schemas.microsoft.com/office/drawing/2010/main"/>
@@ -11078,8 +14224,8 @@
         </p:blipFill>
         <p:spPr>
           <a:xfrm rot="0">
-            <a:off x="2635250" y="1421765"/>
-            <a:ext cx="2728595" cy="1040130"/>
+            <a:off x="1236345" y="1458595"/>
+            <a:ext cx="4121150" cy="2223135"/>
           </a:xfrm>
           <a:prstGeom prst="roundRect"/>
           <a:solidFill>
@@ -11087,184 +14233,49 @@
           </a:solidFill>
         </p:spPr>
       </p:pic>
+      <p:cxnSp>
+        <p:nvCxnSpPr>
+          <p:cNvPr id="1212" name="도형 7"/>
+          <p:cNvCxnSpPr/>
+          <p:nvPr/>
+        </p:nvCxnSpPr>
+        <p:spPr>
+          <a:xfrm rot="0" flipV="1">
+            <a:off x="3847465" y="1769110"/>
+            <a:ext cx="1422400" cy="2390140"/>
+          </a:xfrm>
+          <a:prstGeom prst="straightConnector1"/>
+          <a:ln w="6350" cap="flat" cmpd="sng">
+            <a:prstDash/>
+            <a:headEnd type="none" w="med" len="med"/>
+            <a:tailEnd type="triangle" w="med" len="med"/>
+          </a:ln>
+        </p:spPr>
+        <p:style>
+          <a:lnRef idx="1">
+            <a:schemeClr val="accent1"/>
+          </a:lnRef>
+          <a:fillRef idx="0">
+            <a:schemeClr val="accent1"/>
+          </a:fillRef>
+          <a:effectRef idx="0">
+            <a:schemeClr val="accent1"/>
+          </a:effectRef>
+          <a:fontRef idx="minor">
+            <a:schemeClr val="tx1"/>
+          </a:fontRef>
+        </p:style>
+      </p:cxnSp>
       <p:pic>
         <p:nvPicPr>
-          <p:cNvPr id="1201" name="그림 11" descr="C:/Users/Admin1/AppData/Roaming/PolarisOffice/ETemp/18416_12904952/fImage220051176334.png"/>
+          <p:cNvPr id="1213" name="그림 8"/>
           <p:cNvPicPr>
             <a:picLocks noChangeAspect="1"/>
           </p:cNvPicPr>
           <p:nvPr/>
         </p:nvPicPr>
         <p:blipFill rotWithShape="1">
-          <a:blip r:embed="rId12" cstate="hqprint">
-            <a:extLst>
-              <a:ext uri="{28A0092B-C50C-407E-A947-70E740481C1C}">
-                <a14:useLocalDpi xmlns:a14="http://schemas.microsoft.com/office/drawing/2010/main"/>
-              </a:ext>
-            </a:extLst>
-          </a:blip>
-          <a:stretch>
-            <a:fillRect/>
-          </a:stretch>
-        </p:blipFill>
-        <p:spPr>
-          <a:xfrm rot="0">
-            <a:off x="6824980" y="1421765"/>
-            <a:ext cx="2778125" cy="3242310"/>
-          </a:xfrm>
-          <a:prstGeom prst="roundRect"/>
-          <a:solidFill>
-            <a:srgbClr val="EDEDED"/>
-          </a:solidFill>
-        </p:spPr>
-      </p:pic>
-      <p:pic>
-        <p:nvPicPr>
-          <p:cNvPr id="1206" name="그림 8" descr="C:/Users/Admin1/AppData/Roaming/PolarisOffice/ETemp/18416_12904952/fImage57511976334.png"/>
-          <p:cNvPicPr>
-            <a:picLocks noChangeAspect="1"/>
-          </p:cNvPicPr>
-          <p:nvPr/>
-        </p:nvPicPr>
-        <p:blipFill rotWithShape="1">
-          <a:blip r:embed="rId16" cstate="hqprint">
-            <a:extLst>
-              <a:ext uri="{28A0092B-C50C-407E-A947-70E740481C1C}">
-                <a14:useLocalDpi xmlns:a14="http://schemas.microsoft.com/office/drawing/2010/main"/>
-              </a:ext>
-            </a:extLst>
-          </a:blip>
-          <a:stretch>
-            <a:fillRect/>
-          </a:stretch>
-        </p:blipFill>
-        <p:spPr>
-          <a:xfrm rot="0">
-            <a:off x="1238885" y="1430020"/>
-            <a:ext cx="1273175" cy="1031875"/>
-          </a:xfrm>
-          <a:prstGeom prst="roundRect"/>
-          <a:solidFill>
-            <a:srgbClr val="EDEDED"/>
-          </a:solidFill>
-        </p:spPr>
-      </p:pic>
-      <p:sp>
-        <p:nvSpPr>
-          <p:cNvPr id="1207" name="텍스트 상자 4"/>
-          <p:cNvSpPr txBox="1">
-            <a:spLocks/>
-          </p:cNvSpPr>
-          <p:nvPr/>
-        </p:nvSpPr>
-        <p:spPr>
-          <a:xfrm rot="0">
-            <a:off x="1236345" y="5090795"/>
-            <a:ext cx="4126865" cy="1200785"/>
-          </a:xfrm>
-          <a:prstGeom prst="rect"/>
-          <a:noFill/>
-          <a:ln w="0">
-            <a:noFill/>
-            <a:prstDash/>
-          </a:ln>
-        </p:spPr>
-        <p:txBody>
-          <a:bodyPr wrap="square" lIns="89535" tIns="46355" rIns="89535" bIns="46355" numCol="1" vert="horz" anchor="t">
-            <a:spAutoFit/>
-          </a:bodyPr>
-          <a:lstStyle/>
-          <a:p>
-            <a:pPr marL="0" indent="0" rtl="0" algn="l" defTabSz="914400" eaLnBrk="1" latinLnBrk="0" hangingPunct="1">
-              <a:buFontTx/>
-              <a:buNone/>
-            </a:pPr>
-            <a:r>
-              <a:rPr sz="1800" b="1">
-                <a:solidFill>
-                  <a:srgbClr val="0611F2"/>
-                </a:solidFill>
-                <a:latin typeface="맑은 고딕" charset="0"/>
-                <a:ea typeface="맑은 고딕" charset="0"/>
-              </a:rPr>
-              <a:t>1</a:t>
-            </a:r>
-            <a:r>
-              <a:rPr lang="ko-KR" sz="1800" b="1">
-                <a:solidFill>
-                  <a:srgbClr val="0611F2"/>
-                </a:solidFill>
-                <a:latin typeface="맑은 고딕" charset="0"/>
-                <a:ea typeface="맑은 고딕" charset="0"/>
-              </a:rPr>
-              <a:t>4.</a:t>
-            </a:r>
-            <a:r>
-              <a:rPr sz="1800">
-                <a:latin typeface="맑은 고딕" charset="0"/>
-                <a:ea typeface="맑은 고딕" charset="0"/>
-              </a:rPr>
-              <a:t> </a:t>
-            </a:r>
-            <a:r>
-              <a:rPr lang="ko-KR" sz="1800">
-                <a:latin typeface="맑은 고딕" charset="0"/>
-                <a:ea typeface="맑은 고딕" charset="0"/>
-              </a:rPr>
-              <a:t>마지막으로 </a:t>
-            </a:r>
-            <a:r>
-              <a:rPr lang="ko-KR" sz="1800">
-                <a:latin typeface="맑은 고딕" charset="0"/>
-                <a:ea typeface="맑은 고딕" charset="0"/>
-              </a:rPr>
-              <a:t>SoundManager 스크립트에서 AudioClip</a:t>
-            </a:r>
-            <a:r>
-              <a:rPr lang="ko-KR" sz="1800">
-                <a:latin typeface="맑은 고딕" charset="0"/>
-                <a:ea typeface="맑은 고딕" charset="0"/>
-              </a:rPr>
-              <a:t> 변수를</a:t>
-            </a:r>
-            <a:r>
-              <a:rPr lang="ko-KR" sz="1800">
-                <a:latin typeface="맑은 고딕" charset="0"/>
-                <a:ea typeface="맑은 고딕" charset="0"/>
-              </a:rPr>
-              <a:t> </a:t>
-            </a:r>
-            <a:r>
-              <a:rPr lang="ko-KR" sz="1800">
-                <a:latin typeface="맑은 고딕" charset="0"/>
-                <a:ea typeface="맑은 고딕" charset="0"/>
-              </a:rPr>
-              <a:t>배열로 선언하고 AudioSource 변수를 2개 선언합니다</a:t>
-            </a:r>
-            <a:r>
-              <a:rPr lang="ko-KR" sz="1800">
-                <a:latin typeface="맑은 고딕" charset="0"/>
-                <a:ea typeface="맑은 고딕" charset="0"/>
-              </a:rPr>
-              <a:t>.</a:t>
-            </a:r>
-            <a:endParaRPr lang="ko-KR" altLang="en-US" sz="1800">
-              <a:latin typeface="맑은 고딕" charset="0"/>
-              <a:ea typeface="맑은 고딕" charset="0"/>
-            </a:endParaRPr>
-          </a:p>
-        </p:txBody>
-      </p:sp>
-      <p:pic>
-        <p:nvPicPr>
-          <p:cNvPr id="1208" name="그림 5"/>
-          <p:cNvPicPr>
-            <a:picLocks noChangeAspect="1"/>
-          </p:cNvPicPr>
-          <p:nvPr/>
-        </p:nvPicPr>
-        <p:blipFill rotWithShape="1">
-          <a:blip r:embed="rId17" cstate="print">
+          <a:blip r:embed="rId21" cstate="print">
             <a:extLst>
               <a:ext uri="{28A0092B-C50C-407E-A947-70E740481C1C}">
                 <a14:useLocalDpi xmlns:a14="http://schemas.microsoft.com/office/drawing/2010/main" val="0"/>
@@ -11277,8 +14288,8 @@
         </p:blipFill>
         <p:spPr>
           <a:xfrm rot="0">
-            <a:off x="1230630" y="3604260"/>
-            <a:ext cx="4131945" cy="1433830"/>
+            <a:off x="8197850" y="1458595"/>
+            <a:ext cx="2769235" cy="1105535"/>
           </a:xfrm>
           <a:prstGeom prst="roundRect"/>
           <a:solidFill>
@@ -11288,17 +14299,17 @@
       </p:pic>
       <p:pic>
         <p:nvPicPr>
-          <p:cNvPr id="1209" name="그림 6" descr="C:/Users/Admin1/AppData/Roaming/PolarisOffice/ETemp/18416_12904952/fImage68551968467.png"/>
+          <p:cNvPr id="1214" name="그림 11"/>
           <p:cNvPicPr>
             <a:picLocks noChangeAspect="1"/>
           </p:cNvPicPr>
           <p:nvPr/>
         </p:nvPicPr>
         <p:blipFill rotWithShape="1">
-          <a:blip r:embed="rId18" cstate="hqprint">
+          <a:blip r:embed="rId22" cstate="print">
             <a:extLst>
               <a:ext uri="{28A0092B-C50C-407E-A947-70E740481C1C}">
-                <a14:useLocalDpi xmlns:a14="http://schemas.microsoft.com/office/drawing/2010/main"/>
+                <a14:useLocalDpi xmlns:a14="http://schemas.microsoft.com/office/drawing/2010/main" val="0"/>
               </a:ext>
             </a:extLst>
           </a:blip>
@@ -11308,8 +14319,167 @@
         </p:blipFill>
         <p:spPr>
           <a:xfrm rot="0">
-            <a:off x="9736455" y="2053590"/>
-            <a:ext cx="1229995" cy="2004695"/>
+            <a:off x="6811645" y="1452245"/>
+            <a:ext cx="1306195" cy="1104900"/>
+          </a:xfrm>
+          <a:prstGeom prst="roundRect"/>
+          <a:solidFill>
+            <a:srgbClr val="EDEDED"/>
+          </a:solidFill>
+        </p:spPr>
+      </p:pic>
+      <p:cxnSp>
+        <p:nvCxnSpPr>
+          <p:cNvPr id="1215" name="도형 14"/>
+          <p:cNvCxnSpPr/>
+          <p:nvPr/>
+        </p:nvCxnSpPr>
+        <p:spPr>
+          <a:xfrm rot="0" flipH="1">
+            <a:off x="7465695" y="1936750"/>
+            <a:ext cx="2905125" cy="99695"/>
+          </a:xfrm>
+          <a:prstGeom prst="straightConnector1"/>
+          <a:ln w="6350" cap="flat" cmpd="sng">
+            <a:prstDash/>
+            <a:headEnd type="none" w="med" len="med"/>
+            <a:tailEnd type="triangle" w="med" len="med"/>
+          </a:ln>
+        </p:spPr>
+        <p:style>
+          <a:lnRef idx="1">
+            <a:schemeClr val="accent1"/>
+          </a:lnRef>
+          <a:fillRef idx="0">
+            <a:schemeClr val="accent1"/>
+          </a:fillRef>
+          <a:effectRef idx="0">
+            <a:schemeClr val="accent1"/>
+          </a:effectRef>
+          <a:fontRef idx="minor">
+            <a:schemeClr val="tx1"/>
+          </a:fontRef>
+        </p:style>
+      </p:cxnSp>
+      <p:sp>
+        <p:nvSpPr>
+          <p:cNvPr id="1216" name="텍스트 상자 15"/>
+          <p:cNvSpPr txBox="1">
+            <a:spLocks/>
+          </p:cNvSpPr>
+          <p:nvPr/>
+        </p:nvSpPr>
+        <p:spPr>
+          <a:xfrm>
+            <a:off x="6814185" y="2675255"/>
+            <a:ext cx="4150360" cy="923925"/>
+          </a:xfrm>
+          <a:prstGeom prst="rect"/>
+          <a:noFill/>
+          <a:ln w="0">
+            <a:noFill/>
+            <a:prstDash/>
+          </a:ln>
+        </p:spPr>
+        <p:txBody>
+          <a:bodyPr wrap="square" lIns="89535" tIns="46355" rIns="89535" bIns="46355" numCol="1" vert="horz" anchor="t">
+            <a:spAutoFit/>
+          </a:bodyPr>
+          <a:lstStyle/>
+          <a:p>
+            <a:pPr marL="0" indent="0" rtl="0" algn="l" defTabSz="914400" eaLnBrk="1" latinLnBrk="0" hangingPunct="1">
+              <a:buFontTx/>
+              <a:buNone/>
+            </a:pPr>
+            <a:r>
+              <a:rPr sz="1800" b="1">
+                <a:solidFill>
+                  <a:srgbClr val="0611F2"/>
+                </a:solidFill>
+                <a:latin typeface="맑은 고딕" charset="0"/>
+                <a:ea typeface="맑은 고딕" charset="0"/>
+              </a:rPr>
+              <a:t>1</a:t>
+            </a:r>
+            <a:r>
+              <a:rPr lang="ko-KR" sz="1800" b="1">
+                <a:solidFill>
+                  <a:srgbClr val="0611F2"/>
+                </a:solidFill>
+                <a:latin typeface="맑은 고딕" charset="0"/>
+                <a:ea typeface="맑은 고딕" charset="0"/>
+              </a:rPr>
+              <a:t>7</a:t>
+            </a:r>
+            <a:r>
+              <a:rPr sz="1800" b="1">
+                <a:solidFill>
+                  <a:srgbClr val="0611F2"/>
+                </a:solidFill>
+                <a:latin typeface="맑은 고딕" charset="0"/>
+                <a:ea typeface="맑은 고딕" charset="0"/>
+              </a:rPr>
+              <a:t>.</a:t>
+            </a:r>
+            <a:r>
+              <a:rPr sz="1800">
+                <a:latin typeface="맑은 고딕" charset="0"/>
+                <a:ea typeface="맑은 고딕" charset="0"/>
+              </a:rPr>
+              <a:t> </a:t>
+            </a:r>
+            <a:r>
+              <a:rPr lang="ko-KR" sz="1800">
+                <a:latin typeface="맑은 고딕" charset="0"/>
+                <a:ea typeface="맑은 고딕" charset="0"/>
+              </a:rPr>
+              <a:t>그</a:t>
+            </a:r>
+            <a:r>
+              <a:rPr lang="ko-KR" sz="1800">
+                <a:latin typeface="맑은 고딕" charset="0"/>
+                <a:ea typeface="맑은 고딕" charset="0"/>
+              </a:rPr>
+              <a:t>리고</a:t>
+            </a:r>
+            <a:r>
+              <a:rPr lang="ko-KR" sz="1800">
+                <a:latin typeface="맑은 고딕" charset="0"/>
+                <a:ea typeface="맑은 고딕" charset="0"/>
+              </a:rPr>
+              <a:t> Project 폴더 아래에 있는 Texture 폴더에 Drone 텍스처를 Drone 오브젝트에 넣어줍니다.</a:t>
+            </a:r>
+            <a:endParaRPr lang="ko-KR" altLang="en-US" sz="1800">
+              <a:latin typeface="맑은 고딕" charset="0"/>
+              <a:ea typeface="맑은 고딕" charset="0"/>
+            </a:endParaRPr>
+          </a:p>
+        </p:txBody>
+      </p:sp>
+      <p:pic>
+        <p:nvPicPr>
+          <p:cNvPr id="1217" name="그림 16"/>
+          <p:cNvPicPr>
+            <a:picLocks noChangeAspect="1"/>
+          </p:cNvPicPr>
+          <p:nvPr/>
+        </p:nvPicPr>
+        <p:blipFill rotWithShape="1">
+          <a:blip r:embed="rId23" cstate="print">
+            <a:extLst>
+              <a:ext uri="{28A0092B-C50C-407E-A947-70E740481C1C}">
+                <a14:useLocalDpi xmlns:a14="http://schemas.microsoft.com/office/drawing/2010/main" val="0"/>
+              </a:ext>
+            </a:extLst>
+          </a:blip>
+          <a:stretch>
+            <a:fillRect/>
+          </a:stretch>
+        </p:blipFill>
+        <p:spPr>
+          <a:xfrm rot="0">
+            <a:off x="6807200" y="3730625"/>
+            <a:ext cx="4153535" cy="1781175"/>
           </a:xfrm>
           <a:prstGeom prst="roundRect"/>
           <a:solidFill>
@@ -11368,7 +14538,7 @@
         <p:spPr>
           <a:xfrm>
             <a:off x="4675505" y="346075"/>
-            <a:ext cx="3092450" cy="478155"/>
+            <a:ext cx="3093085" cy="478155"/>
           </a:xfrm>
           <a:prstGeom prst="rect"/>
           <a:noFill/>
@@ -11395,7 +14565,7 @@
                 <a:latin typeface="나눔바른고딕" charset="0"/>
                 <a:ea typeface="나눔바른고딕" charset="0"/>
               </a:rPr>
-              <a:t>여섯</a:t>
+              <a:t>일곱</a:t>
             </a:r>
             <a:r>
               <a:rPr lang="ko-KR" altLang="en-US" sz="2500" b="1">
@@ -11426,9 +14596,9 @@
           <p:nvPr/>
         </p:nvSpPr>
         <p:spPr>
-          <a:xfrm rot="0">
-            <a:off x="6813550" y="4535805"/>
-            <a:ext cx="4189730" cy="1754505"/>
+          <a:xfrm>
+            <a:off x="6814185" y="5311775"/>
+            <a:ext cx="4134485" cy="923925"/>
           </a:xfrm>
           <a:prstGeom prst="rect"/>
           <a:noFill/>
@@ -11455,17 +14625,7 @@
                 <a:latin typeface="맑은 고딕" charset="0"/>
                 <a:ea typeface="맑은 고딕" charset="0"/>
               </a:rPr>
-              <a:t>1</a:t>
-            </a:r>
-            <a:r>
-              <a:rPr lang="ko-KR" sz="1800" b="1">
-                <a:solidFill>
-                  <a:srgbClr val="0611F2"/>
-                </a:solidFill>
-                <a:latin typeface="맑은 고딕" charset="0"/>
-                <a:ea typeface="맑은 고딕" charset="0"/>
-              </a:rPr>
-              <a:t>7</a:t>
+              <a:t>2</a:t>
             </a:r>
             <a:r>
               <a:rPr sz="1800" b="1">
@@ -11475,6 +14635,16 @@
                 <a:latin typeface="맑은 고딕" charset="0"/>
                 <a:ea typeface="맑은 고딕" charset="0"/>
               </a:rPr>
+              <a:t>0</a:t>
+            </a:r>
+            <a:r>
+              <a:rPr sz="1800" b="1">
+                <a:solidFill>
+                  <a:srgbClr val="0611F2"/>
+                </a:solidFill>
+                <a:latin typeface="맑은 고딕" charset="0"/>
+                <a:ea typeface="맑은 고딕" charset="0"/>
+              </a:rPr>
               <a:t>.</a:t>
             </a:r>
             <a:r>
@@ -11489,96 +14659,27 @@
                 <a:latin typeface="맑은 고딕" charset="0"/>
                 <a:ea typeface="맑은 고딕" charset="0"/>
               </a:rPr>
-              <a:t>그다음으로</a:t>
-            </a:r>
-            <a:r>
-              <a:rPr lang="ko-KR" sz="1800">
-                <a:latin typeface="맑은 고딕" charset="0"/>
-                <a:ea typeface="맑은 고딕" charset="0"/>
-              </a:rPr>
-              <a:t> Project 폴더</a:t>
-            </a:r>
-            <a:r>
-              <a:rPr lang="ko-KR" sz="1800">
-                <a:latin typeface="맑은 고딕" charset="0"/>
-                <a:ea typeface="맑은 고딕" charset="0"/>
-              </a:rPr>
-              <a:t> 아래에</a:t>
-            </a:r>
-            <a:r>
-              <a:rPr lang="ko-KR" sz="1800">
-                <a:latin typeface="맑은 고딕" charset="0"/>
-                <a:ea typeface="맑은 고딕" charset="0"/>
-              </a:rPr>
-              <a:t> Sound</a:t>
-            </a:r>
-            <a:r>
-              <a:rPr lang="ko-KR" sz="1800">
-                <a:latin typeface="맑은 고딕" charset="0"/>
-                <a:ea typeface="맑은 고딕" charset="0"/>
-              </a:rPr>
-              <a:t> 폴더</a:t>
-            </a:r>
-            <a:r>
-              <a:rPr lang="ko-KR" sz="1800">
-                <a:latin typeface="맑은 고딕" charset="0"/>
-                <a:ea typeface="맑은 고딕" charset="0"/>
-              </a:rPr>
-              <a:t>에 </a:t>
-            </a:r>
-            <a:r>
-              <a:rPr lang="ko-KR" sz="1800">
-                <a:latin typeface="맑은 고딕" charset="0"/>
-                <a:ea typeface="맑은 고딕" charset="0"/>
-              </a:rPr>
-              <a:t>있는 </a:t>
-            </a:r>
-            <a:r>
-              <a:rPr lang="ko-KR" sz="1800">
-                <a:latin typeface="맑은 고딕" charset="0"/>
-                <a:ea typeface="맑은 고딕" charset="0"/>
-              </a:rPr>
-              <a:t>Explosion과 Magic 그리고 Siren 사운드를 선택합니다.</a:t>
+              <a:t>그러고 </a:t>
+            </a:r>
+            <a:r>
+              <a:rPr lang="ko-KR" sz="1800">
+                <a:latin typeface="맑은 고딕" charset="0"/>
+                <a:ea typeface="맑은 고딕" charset="0"/>
+              </a:rPr>
+              <a:t>나서</a:t>
+            </a:r>
+            <a:r>
+              <a:rPr lang="ko-KR" sz="1800">
+                <a:latin typeface="맑은 고딕" charset="0"/>
+                <a:ea typeface="맑은 고딕" charset="0"/>
+              </a:rPr>
+              <a:t> 빈 게임 오브젝트를 생성한 다음 Audio Manager라는 이름으로 정의합니다.</a:t>
             </a:r>
             <a:endParaRPr lang="ko-KR" altLang="en-US" sz="1800">
               <a:latin typeface="맑은 고딕" charset="0"/>
               <a:ea typeface="맑은 고딕" charset="0"/>
             </a:endParaRPr>
           </a:p>
-          <a:p>
-            <a:pPr marL="0" indent="0" rtl="0" algn="l" defTabSz="914400" eaLnBrk="1" latinLnBrk="0" hangingPunct="1">
-              <a:buFontTx/>
-              <a:buNone/>
-            </a:pPr>
-            <a:endParaRPr lang="ko-KR" altLang="en-US" sz="1800">
-              <a:latin typeface="맑은 고딕" charset="0"/>
-              <a:ea typeface="맑은 고딕" charset="0"/>
-            </a:endParaRPr>
-          </a:p>
-          <a:p>
-            <a:pPr marL="0" indent="0" rtl="0" algn="l" defTabSz="914400" eaLnBrk="1" latinLnBrk="0" hangingPunct="1">
-              <a:buFontTx/>
-              <a:buNone/>
-            </a:pPr>
-            <a:r>
-              <a:rPr lang="ko-KR" sz="1800">
-                <a:latin typeface="맑은 고딕" charset="0"/>
-                <a:ea typeface="맑은 고딕" charset="0"/>
-              </a:rPr>
-              <a:t>그런 다음</a:t>
-            </a:r>
-            <a:r>
-              <a:rPr lang="ko-KR" sz="1800">
-                <a:latin typeface="맑은 고딕" charset="0"/>
-                <a:ea typeface="맑은 고딕" charset="0"/>
-              </a:rPr>
-              <a:t> Sound Manager 오브젝트의 배열에 순서대로 넣어줍니다.</a:t>
-            </a:r>
-            <a:endParaRPr lang="ko-KR" altLang="en-US" sz="1800">
-              <a:latin typeface="맑은 고딕" charset="0"/>
-              <a:ea typeface="맑은 고딕" charset="0"/>
-            </a:endParaRPr>
-          </a:p>
         </p:txBody>
       </p:sp>
       <p:sp>
@@ -11590,9 +14691,9 @@
           <p:nvPr/>
         </p:nvSpPr>
         <p:spPr>
-          <a:xfrm rot="0">
-            <a:off x="1238885" y="5645150"/>
-            <a:ext cx="4121150" cy="647065"/>
+          <a:xfrm>
+            <a:off x="1232535" y="5316220"/>
+            <a:ext cx="4130675" cy="923925"/>
           </a:xfrm>
           <a:prstGeom prst="rect"/>
           <a:noFill/>
@@ -11619,7 +14720,27 @@
                 <a:latin typeface="맑은 고딕" charset="0"/>
                 <a:ea typeface="맑은 고딕" charset="0"/>
               </a:rPr>
-              <a:t>16.</a:t>
+              <a:t>1</a:t>
+            </a:r>
+            <a:r>
+              <a:rPr sz="1800" b="1">
+                <a:solidFill>
+                  <a:srgbClr val="0611F2"/>
+                </a:solidFill>
+                <a:latin typeface="맑은 고딕" charset="0"/>
+                <a:ea typeface="맑은 고딕" charset="0"/>
+              </a:rPr>
+              <a:t>9</a:t>
+            </a:r>
+            <a:r>
+              <a:rPr sz="1800" b="1">
+                <a:solidFill>
+                  <a:srgbClr val="0611F2"/>
+                </a:solidFill>
+                <a:latin typeface="맑은 고딕" charset="0"/>
+                <a:ea typeface="맑은 고딕" charset="0"/>
+              </a:rPr>
+              <a:t>.</a:t>
             </a:r>
             <a:r>
               <a:rPr sz="1800">
@@ -11633,14 +14754,14 @@
                 <a:latin typeface="맑은 고딕" charset="0"/>
                 <a:ea typeface="맑은 고딕" charset="0"/>
               </a:rPr>
-              <a:t>그러고 나서 Volume 오브젝트의 </a:t>
-            </a:r>
-            <a:r>
-              <a:rPr lang="ko-KR" sz="1800">
-                <a:latin typeface="맑은 고딕" charset="0"/>
-                <a:ea typeface="맑은 고딕" charset="0"/>
-              </a:rPr>
-              <a:t>Value 값을 1로 설장합니다.</a:t>
+              <a:t>그다음으로</a:t>
+            </a:r>
+            <a:r>
+              <a:rPr lang="ko-KR" sz="1800">
+                <a:latin typeface="맑은 고딕" charset="0"/>
+                <a:ea typeface="맑은 고딕" charset="0"/>
+              </a:rPr>
+              <a:t> UI에서 Canvas 오브젝트를 생성한 다음 World Canvas라는 이름으로 정의합니다.</a:t>
             </a:r>
             <a:endParaRPr lang="ko-KR" altLang="en-US" sz="1800">
               <a:latin typeface="맑은 고딕" charset="0"/>
@@ -11651,14 +14772,14 @@
       </p:sp>
       <p:pic>
         <p:nvPicPr>
-          <p:cNvPr id="1208" name="그림 48" descr="C:/Users/Admin1/AppData/Roaming/PolarisOffice/ETemp/18416_12904952/fImage213922146962.png"/>
+          <p:cNvPr id="1213" name="그림 19" descr="C:/Users/nwond/AppData/Roaming/PolarisOffice/ETemp/8400_17616360/fImage159951848467.png"/>
           <p:cNvPicPr>
             <a:picLocks noChangeAspect="1"/>
           </p:cNvPicPr>
           <p:nvPr/>
         </p:nvPicPr>
         <p:blipFill rotWithShape="1">
-          <a:blip r:embed="rId4" cstate="hqprint">
+          <a:blip r:embed="rId10" cstate="hqprint">
             <a:extLst>
               <a:ext uri="{28A0092B-C50C-407E-A947-70E740481C1C}">
                 <a14:useLocalDpi xmlns:a14="http://schemas.microsoft.com/office/drawing/2010/main"/>
@@ -11671,8 +14792,8 @@
         </p:blipFill>
         <p:spPr>
           <a:xfrm rot="0">
-            <a:off x="6816725" y="1446530"/>
-            <a:ext cx="4202430" cy="1835785"/>
+            <a:off x="1235075" y="1440180"/>
+            <a:ext cx="2571115" cy="3674745"/>
           </a:xfrm>
           <a:prstGeom prst="roundRect"/>
           <a:solidFill>
@@ -11682,14 +14803,14 @@
       </p:pic>
       <p:pic>
         <p:nvPicPr>
-          <p:cNvPr id="1209" name="그림 51" descr="C:/Users/Admin1/AppData/Roaming/PolarisOffice/ETemp/18416_12904952/fImage136862154464.png"/>
+          <p:cNvPr id="1214" name="그림 20" descr="C:/Users/nwond/AppData/Roaming/PolarisOffice/ETemp/8400_17616360/fImage62101905724.png"/>
           <p:cNvPicPr>
             <a:picLocks noChangeAspect="1"/>
           </p:cNvPicPr>
           <p:nvPr/>
         </p:nvPicPr>
         <p:blipFill rotWithShape="1">
-          <a:blip r:embed="rId5" cstate="hqprint">
+          <a:blip r:embed="rId11" cstate="hqprint">
             <a:extLst>
               <a:ext uri="{28A0092B-C50C-407E-A947-70E740481C1C}">
                 <a14:useLocalDpi xmlns:a14="http://schemas.microsoft.com/office/drawing/2010/main"/>
@@ -11702,8 +14823,8 @@
         </p:blipFill>
         <p:spPr>
           <a:xfrm rot="0">
-            <a:off x="6819900" y="3444875"/>
-            <a:ext cx="4204970" cy="962025"/>
+            <a:off x="4003040" y="2306955"/>
+            <a:ext cx="1359535" cy="1958975"/>
           </a:xfrm>
           <a:prstGeom prst="roundRect"/>
           <a:solidFill>
@@ -11711,112 +14832,16 @@
           </a:solidFill>
         </p:spPr>
       </p:pic>
-      <p:cxnSp>
-        <p:nvCxnSpPr>
-          <p:cNvPr id="1210" name="도형 54"/>
-          <p:cNvCxnSpPr/>
-          <p:nvPr/>
-        </p:nvCxnSpPr>
-        <p:spPr>
-          <a:xfrm rot="0" flipV="1">
-            <a:off x="7872730" y="3108960"/>
-            <a:ext cx="2967990" cy="615950"/>
-          </a:xfrm>
-          <a:prstGeom prst="straightConnector1"/>
-          <a:ln w="6350" cap="flat" cmpd="sng">
-            <a:prstDash/>
-            <a:tailEnd type="triangle" w="med" len="med"/>
-          </a:ln>
-        </p:spPr>
-        <p:style>
-          <a:lnRef idx="1">
-            <a:schemeClr val="accent1"/>
-          </a:lnRef>
-          <a:fillRef idx="0">
-            <a:schemeClr val="accent1"/>
-          </a:fillRef>
-          <a:effectRef idx="0">
-            <a:schemeClr val="accent1"/>
-          </a:effectRef>
-          <a:fontRef idx="minor">
-            <a:schemeClr val="tx1"/>
-          </a:fontRef>
-        </p:style>
-      </p:cxnSp>
-      <p:cxnSp>
-        <p:nvCxnSpPr>
-          <p:cNvPr id="1211" name="도형 55"/>
-          <p:cNvCxnSpPr/>
-          <p:nvPr/>
-        </p:nvCxnSpPr>
-        <p:spPr>
-          <a:xfrm rot="0" flipV="1">
-            <a:off x="10125075" y="2976245"/>
-            <a:ext cx="699135" cy="681990"/>
-          </a:xfrm>
-          <a:prstGeom prst="straightConnector1"/>
-          <a:ln w="6350" cap="flat" cmpd="sng">
-            <a:prstDash/>
-            <a:tailEnd type="triangle" w="med" len="med"/>
-          </a:ln>
-        </p:spPr>
-        <p:style>
-          <a:lnRef idx="1">
-            <a:schemeClr val="accent1"/>
-          </a:lnRef>
-          <a:fillRef idx="0">
-            <a:schemeClr val="accent1"/>
-          </a:fillRef>
-          <a:effectRef idx="0">
-            <a:schemeClr val="accent1"/>
-          </a:effectRef>
-          <a:fontRef idx="minor">
-            <a:schemeClr val="tx1"/>
-          </a:fontRef>
-        </p:style>
-      </p:cxnSp>
-      <p:cxnSp>
-        <p:nvCxnSpPr>
-          <p:cNvPr id="1212" name="도형 56"/>
-          <p:cNvCxnSpPr/>
-          <p:nvPr/>
-        </p:nvCxnSpPr>
-        <p:spPr>
-          <a:xfrm rot="0" flipV="1">
-            <a:off x="8858250" y="3227070"/>
-            <a:ext cx="1958975" cy="562610"/>
-          </a:xfrm>
-          <a:prstGeom prst="straightConnector1"/>
-          <a:ln w="6350" cap="flat" cmpd="sng">
-            <a:prstDash/>
-            <a:tailEnd type="triangle" w="med" len="med"/>
-          </a:ln>
-        </p:spPr>
-        <p:style>
-          <a:lnRef idx="1">
-            <a:schemeClr val="accent1"/>
-          </a:lnRef>
-          <a:fillRef idx="0">
-            <a:schemeClr val="accent1"/>
-          </a:fillRef>
-          <a:effectRef idx="0">
-            <a:schemeClr val="accent1"/>
-          </a:effectRef>
-          <a:fontRef idx="minor">
-            <a:schemeClr val="tx1"/>
-          </a:fontRef>
-        </p:style>
-      </p:cxnSp>
       <p:pic>
         <p:nvPicPr>
-          <p:cNvPr id="1213" name="그림 2" descr="C:/Users/Admin1/AppData/Roaming/PolarisOffice/ETemp/18416_12904952/fImage2909925741.png"/>
+          <p:cNvPr id="1215" name="그림 1" descr="C:/Users/nwond/AppData/Roaming/PolarisOffice/ETemp/8400_17616360/fImage850617741.png"/>
           <p:cNvPicPr>
             <a:picLocks noChangeAspect="1"/>
           </p:cNvPicPr>
           <p:nvPr/>
         </p:nvPicPr>
         <p:blipFill rotWithShape="1">
-          <a:blip r:embed="rId8" cstate="hqprint">
+          <a:blip r:embed="rId12" cstate="hqprint">
             <a:extLst>
               <a:ext uri="{28A0092B-C50C-407E-A947-70E740481C1C}">
                 <a14:useLocalDpi xmlns:a14="http://schemas.microsoft.com/office/drawing/2010/main"/>
@@ -11829,8 +14854,8 @@
         </p:blipFill>
         <p:spPr>
           <a:xfrm rot="0">
-            <a:off x="2610485" y="1446530"/>
-            <a:ext cx="2760980" cy="4057650"/>
+            <a:off x="6813550" y="1442720"/>
+            <a:ext cx="2585720" cy="3665855"/>
           </a:xfrm>
           <a:prstGeom prst="roundRect"/>
           <a:solidFill>
@@ -11840,14 +14865,14 @@
       </p:pic>
       <p:pic>
         <p:nvPicPr>
-          <p:cNvPr id="1214" name="그림 5" descr="C:/Users/Admin1/AppData/Roaming/PolarisOffice/ETemp/18416_12904952/fImage68551968467.png"/>
+          <p:cNvPr id="1216" name="그림 2" descr="C:/Users/nwond/AppData/Roaming/PolarisOffice/ETemp/8400_17616360/fImage70001788467.png"/>
           <p:cNvPicPr>
             <a:picLocks noChangeAspect="1"/>
           </p:cNvPicPr>
           <p:nvPr/>
         </p:nvPicPr>
         <p:blipFill rotWithShape="1">
-          <a:blip r:embed="rId9" cstate="hqprint">
+          <a:blip r:embed="rId13" cstate="hqprint">
             <a:extLst>
               <a:ext uri="{28A0092B-C50C-407E-A947-70E740481C1C}">
                 <a14:useLocalDpi xmlns:a14="http://schemas.microsoft.com/office/drawing/2010/main"/>
@@ -11860,8 +14885,8 @@
         </p:blipFill>
         <p:spPr>
           <a:xfrm rot="0">
-            <a:off x="1247140" y="2319655"/>
-            <a:ext cx="1224280" cy="2219960"/>
+            <a:off x="9585960" y="2309495"/>
+            <a:ext cx="1362710" cy="1949450"/>
           </a:xfrm>
           <a:prstGeom prst="roundRect"/>
           <a:solidFill>
@@ -11920,7 +14945,7 @@
         <p:spPr>
           <a:xfrm>
             <a:off x="4727575" y="354965"/>
-            <a:ext cx="2997200" cy="478155"/>
+            <a:ext cx="2997835" cy="478155"/>
           </a:xfrm>
           <a:prstGeom prst="rect"/>
           <a:noFill/>
@@ -11935,7 +14960,7 @@
           </a:bodyPr>
           <a:lstStyle/>
           <a:p>
-            <a:pPr marL="0" indent="0" algn="l" latinLnBrk="0">
+            <a:pPr marL="0" indent="0" algn="ctr" latinLnBrk="0">
               <a:buFontTx/>
               <a:buNone/>
             </a:pPr>
@@ -11947,7 +14972,7 @@
                 <a:latin typeface="나눔바른고딕" charset="0"/>
                 <a:ea typeface="나눔바른고딕" charset="0"/>
               </a:rPr>
-              <a:t>일곱</a:t>
+              <a:t>여덟</a:t>
             </a:r>
             <a:r>
               <a:rPr lang="ko-KR" altLang="en-US" sz="2500" b="1">
@@ -11971,16 +14996,16 @@
       </p:sp>
       <p:sp>
         <p:nvSpPr>
-          <p:cNvPr id="1216" name="Rect 0"/>
+          <p:cNvPr id="1227" name="텍스트 상자 9"/>
           <p:cNvSpPr txBox="1">
             <a:spLocks/>
           </p:cNvSpPr>
           <p:nvPr/>
         </p:nvSpPr>
         <p:spPr>
-          <a:xfrm rot="0">
-            <a:off x="6808470" y="3788410"/>
-            <a:ext cx="4141470" cy="2585720"/>
+          <a:xfrm>
+            <a:off x="1234440" y="3043555"/>
+            <a:ext cx="4129405" cy="923925"/>
           </a:xfrm>
           <a:prstGeom prst="rect"/>
           <a:noFill/>
@@ -12000,6 +15025,26 @@
               <a:buNone/>
             </a:pPr>
             <a:r>
+              <a:rPr lang="ko-KR" sz="1800" b="1">
+                <a:solidFill>
+                  <a:srgbClr val="0611F2"/>
+                </a:solidFill>
+                <a:latin typeface="맑은 고딕" charset="0"/>
+                <a:ea typeface="맑은 고딕" charset="0"/>
+              </a:rPr>
+              <a:t>2</a:t>
+            </a:r>
+            <a:r>
+              <a:rPr lang="ko-KR" sz="1800" b="1">
+                <a:solidFill>
+                  <a:srgbClr val="0611F2"/>
+                </a:solidFill>
+                <a:latin typeface="맑은 고딕" charset="0"/>
+                <a:ea typeface="맑은 고딕" charset="0"/>
+              </a:rPr>
+              <a:t>1</a:t>
+            </a:r>
+            <a:r>
               <a:rPr sz="1800" b="1">
                 <a:solidFill>
                   <a:srgbClr val="0611F2"/>
@@ -12007,7 +15052,7 @@
                 <a:latin typeface="맑은 고딕" charset="0"/>
                 <a:ea typeface="맑은 고딕" charset="0"/>
               </a:rPr>
-              <a:t>20.</a:t>
+              <a:t>.</a:t>
             </a:r>
             <a:r>
               <a:rPr sz="1800">
@@ -12017,56 +15062,43 @@
               <a:t> </a:t>
             </a:r>
             <a:r>
-              <a:rPr lang="ko-KR" sz="1800">
-                <a:latin typeface="맑은 고딕" charset="0"/>
-                <a:ea typeface="맑은 고딕" charset="0"/>
-              </a:rPr>
-              <a:t>그런 다음 SoundCall(int) 함수를 선언하고 오디오 소스의 PlayOneShot 함수에 오디오 클립의 인덱스로 매개변수를 넣어줍니다.</a:t>
+              <a:rPr sz="1800">
+                <a:latin typeface="맑은 고딕" charset="0"/>
+                <a:ea typeface="맑은 고딕" charset="0"/>
+              </a:rPr>
+              <a:t>이제</a:t>
+            </a:r>
+            <a:r>
+              <a:rPr sz="1800">
+                <a:latin typeface="맑은 고딕" charset="0"/>
+                <a:ea typeface="맑은 고딕" charset="0"/>
+              </a:rPr>
+              <a:t> </a:t>
+            </a:r>
+            <a:r>
+              <a:rPr lang="ko-KR" sz="1800">
+                <a:latin typeface="맑은 고딕" charset="0"/>
+                <a:ea typeface="맑은 고딕" charset="0"/>
+              </a:rPr>
+              <a:t>World Canvas 오브젝트의 Render Mode를 World Space로 설정합니다.</a:t>
             </a:r>
             <a:endParaRPr lang="ko-KR" altLang="en-US" sz="1800">
               <a:latin typeface="맑은 고딕" charset="0"/>
               <a:ea typeface="맑은 고딕" charset="0"/>
             </a:endParaRPr>
           </a:p>
-          <a:p>
-            <a:pPr marL="0" indent="0" rtl="0" algn="l" defTabSz="914400" eaLnBrk="1" latinLnBrk="0" hangingPunct="1">
-              <a:buFontTx/>
-              <a:buNone/>
-            </a:pPr>
-            <a:endParaRPr lang="ko-KR" altLang="en-US" sz="1800">
-              <a:latin typeface="맑은 고딕" charset="0"/>
-              <a:ea typeface="맑은 고딕" charset="0"/>
-            </a:endParaRPr>
-          </a:p>
-          <a:p>
-            <a:pPr marL="0" indent="0" rtl="0" algn="l" defTabSz="914400" eaLnBrk="1" latinLnBrk="0" hangingPunct="1">
-              <a:buFontTx/>
-              <a:buNone/>
-            </a:pPr>
-            <a:r>
-              <a:rPr lang="ko-KR" sz="1800">
-                <a:latin typeface="맑은 고딕" charset="0"/>
-                <a:ea typeface="맑은 고딕" charset="0"/>
-              </a:rPr>
-              <a:t>그리고 Volume(float) 함수를 생성하고 매개변수에 float 변수로 오디오 소스의 볼륨 값이 설정될 수 있도록 선언합니다.</a:t>
-            </a:r>
-            <a:endParaRPr lang="ko-KR" altLang="en-US" sz="1800">
-              <a:latin typeface="맑은 고딕" charset="0"/>
-              <a:ea typeface="맑은 고딕" charset="0"/>
-            </a:endParaRPr>
-          </a:p>
         </p:txBody>
       </p:sp>
       <p:pic>
         <p:nvPicPr>
-          <p:cNvPr id="1219" name="그림 14" descr="C:/Users/Admin1/AppData/Roaming/PolarisOffice/ETemp/18416_12904952/fImage188971996334.png"/>
+          <p:cNvPr id="1228" name="그림 10"/>
           <p:cNvPicPr>
             <a:picLocks noChangeAspect="1"/>
           </p:cNvPicPr>
           <p:nvPr/>
         </p:nvPicPr>
         <p:blipFill rotWithShape="1">
-          <a:blip r:embed="rId8" cstate="hqprint">
+          <a:blip r:embed="rId12" cstate="hqprint">
             <a:extLst>
               <a:ext uri="{28A0092B-C50C-407E-A947-70E740481C1C}">
                 <a14:useLocalDpi xmlns:a14="http://schemas.microsoft.com/office/drawing/2010/main"/>
@@ -12079,8 +15111,8 @@
         </p:blipFill>
         <p:spPr>
           <a:xfrm rot="0">
-            <a:off x="2452370" y="1454785"/>
-            <a:ext cx="2919730" cy="1213485"/>
+            <a:off x="1239520" y="1438910"/>
+            <a:ext cx="4130040" cy="1497965"/>
           </a:xfrm>
           <a:prstGeom prst="roundRect"/>
           <a:solidFill>
@@ -12090,14 +15122,14 @@
       </p:pic>
       <p:pic>
         <p:nvPicPr>
-          <p:cNvPr id="1220" name="그림 17" descr="C:/Users/Admin1/AppData/Roaming/PolarisOffice/ETemp/18416_12904952/fImage67852006500.png"/>
+          <p:cNvPr id="1229" name="그림 11"/>
           <p:cNvPicPr>
             <a:picLocks noChangeAspect="1"/>
           </p:cNvPicPr>
           <p:nvPr/>
         </p:nvPicPr>
         <p:blipFill rotWithShape="1">
-          <a:blip r:embed="rId9" cstate="hqprint">
+          <a:blip r:embed="rId13" cstate="hqprint">
             <a:extLst>
               <a:ext uri="{28A0092B-C50C-407E-A947-70E740481C1C}">
                 <a14:useLocalDpi xmlns:a14="http://schemas.microsoft.com/office/drawing/2010/main"/>
@@ -12110,8 +15142,8 @@
         </p:blipFill>
         <p:spPr>
           <a:xfrm rot="0">
-            <a:off x="1238885" y="1448435"/>
-            <a:ext cx="1132205" cy="1226820"/>
+            <a:off x="2538095" y="4095750"/>
+            <a:ext cx="2831465" cy="1116965"/>
           </a:xfrm>
           <a:prstGeom prst="roundRect"/>
           <a:solidFill>
@@ -12121,16 +15153,16 @@
       </p:pic>
       <p:sp>
         <p:nvSpPr>
-          <p:cNvPr id="1221" name="텍스트 상자 20"/>
+          <p:cNvPr id="1231" name="텍스트 상자 13"/>
           <p:cNvSpPr txBox="1">
             <a:spLocks/>
           </p:cNvSpPr>
           <p:nvPr/>
         </p:nvSpPr>
         <p:spPr>
-          <a:xfrm rot="0">
-            <a:off x="1229995" y="2787650"/>
-            <a:ext cx="4140200" cy="1202690"/>
+          <a:xfrm>
+            <a:off x="1234440" y="5296535"/>
+            <a:ext cx="4135120" cy="923925"/>
           </a:xfrm>
           <a:prstGeom prst="rect"/>
           <a:noFill/>
@@ -12150,6 +15182,26 @@
               <a:buNone/>
             </a:pPr>
             <a:r>
+              <a:rPr lang="ko-KR" sz="1800" b="1">
+                <a:solidFill>
+                  <a:srgbClr val="0611F2"/>
+                </a:solidFill>
+                <a:latin typeface="맑은 고딕" charset="0"/>
+                <a:ea typeface="맑은 고딕" charset="0"/>
+              </a:rPr>
+              <a:t>2</a:t>
+            </a:r>
+            <a:r>
+              <a:rPr lang="ko-KR" sz="1800" b="1">
+                <a:solidFill>
+                  <a:srgbClr val="0611F2"/>
+                </a:solidFill>
+                <a:latin typeface="맑은 고딕" charset="0"/>
+                <a:ea typeface="맑은 고딕" charset="0"/>
+              </a:rPr>
+              <a:t>2</a:t>
+            </a:r>
+            <a:r>
               <a:rPr sz="1800" b="1">
                 <a:solidFill>
                   <a:srgbClr val="0611F2"/>
@@ -12157,26 +15209,6 @@
                 <a:latin typeface="맑은 고딕" charset="0"/>
                 <a:ea typeface="맑은 고딕" charset="0"/>
               </a:rPr>
-              <a:t>1</a:t>
-            </a:r>
-            <a:r>
-              <a:rPr lang="ko-KR" sz="1800" b="1">
-                <a:solidFill>
-                  <a:srgbClr val="0611F2"/>
-                </a:solidFill>
-                <a:latin typeface="맑은 고딕" charset="0"/>
-                <a:ea typeface="맑은 고딕" charset="0"/>
-              </a:rPr>
-              <a:t>8</a:t>
-            </a:r>
-            <a:r>
-              <a:rPr sz="1800" b="1">
-                <a:solidFill>
-                  <a:srgbClr val="0611F2"/>
-                </a:solidFill>
-                <a:latin typeface="맑은 고딕" charset="0"/>
-                <a:ea typeface="맑은 고딕" charset="0"/>
-              </a:rPr>
               <a:t>.</a:t>
             </a:r>
             <a:r>
@@ -12191,7 +15223,21 @@
                 <a:latin typeface="맑은 고딕" charset="0"/>
                 <a:ea typeface="맑은 고딕" charset="0"/>
               </a:rPr>
-              <a:t>이제 Sound Manager 오브젝트의 AudioSource 변수에 Sound Box 오브젝트와 Sound Manager 오브젝트를 넣어줍니다.</a:t>
+              <a:t>그</a:t>
+            </a:r>
+            <a:r>
+              <a:rPr lang="ko-KR" sz="1800">
+                <a:latin typeface="맑은 고딕" charset="0"/>
+                <a:ea typeface="맑은 고딕" charset="0"/>
+              </a:rPr>
+              <a:t>리고</a:t>
+            </a:r>
+            <a:r>
+              <a:rPr lang="ko-KR" sz="1800">
+                <a:latin typeface="맑은 고딕" charset="0"/>
+                <a:ea typeface="맑은 고딕" charset="0"/>
+              </a:rPr>
+              <a:t> World Canvas 오브젝트의 Event Camera에 Main Camare 오브젝트를 넣어줍니다.</a:t>
             </a:r>
             <a:endParaRPr lang="ko-KR" altLang="en-US" sz="1800">
               <a:latin typeface="맑은 고딕" charset="0"/>
@@ -12200,16 +15246,47 @@
           </a:p>
         </p:txBody>
       </p:sp>
+      <p:pic>
+        <p:nvPicPr>
+          <p:cNvPr id="1233" name="그림 15"/>
+          <p:cNvPicPr>
+            <a:picLocks noChangeAspect="1"/>
+          </p:cNvPicPr>
+          <p:nvPr/>
+        </p:nvPicPr>
+        <p:blipFill rotWithShape="1">
+          <a:blip r:embed="rId14" cstate="print">
+            <a:extLst>
+              <a:ext uri="{28A0092B-C50C-407E-A947-70E740481C1C}">
+                <a14:useLocalDpi xmlns:a14="http://schemas.microsoft.com/office/drawing/2010/main" val="0"/>
+              </a:ext>
+            </a:extLst>
+          </a:blip>
+          <a:stretch>
+            <a:fillRect/>
+          </a:stretch>
+        </p:blipFill>
+        <p:spPr>
+          <a:xfrm rot="0">
+            <a:off x="1237615" y="4110990"/>
+            <a:ext cx="1189355" cy="1102995"/>
+          </a:xfrm>
+          <a:prstGeom prst="roundRect"/>
+          <a:solidFill>
+            <a:srgbClr val="EDEDED"/>
+          </a:solidFill>
+        </p:spPr>
+      </p:pic>
       <p:cxnSp>
         <p:nvCxnSpPr>
-          <p:cNvPr id="1222" name="도형 22"/>
+          <p:cNvPr id="1232" name="도형 14"/>
           <p:cNvCxnSpPr/>
           <p:nvPr/>
         </p:nvCxnSpPr>
         <p:spPr>
           <a:xfrm rot="0">
-            <a:off x="2103120" y="1953260"/>
-            <a:ext cx="3176270" cy="499745"/>
+            <a:off x="2221865" y="4307205"/>
+            <a:ext cx="3079115" cy="231140"/>
           </a:xfrm>
           <a:prstGeom prst="straightConnector1"/>
           <a:ln w="6350" cap="flat" cmpd="sng">
@@ -12232,48 +15309,125 @@
           </a:fontRef>
         </p:style>
       </p:cxnSp>
-      <p:cxnSp>
-        <p:nvCxnSpPr>
-          <p:cNvPr id="1223" name="도형 23"/>
-          <p:cNvCxnSpPr/>
+      <p:sp>
+        <p:nvSpPr>
+          <p:cNvPr id="1234" name="텍스트 상자 18"/>
+          <p:cNvSpPr txBox="1">
+            <a:spLocks/>
+          </p:cNvSpPr>
           <p:nvPr/>
-        </p:nvCxnSpPr>
-        <p:spPr>
-          <a:xfrm rot="0">
-            <a:off x="2327910" y="2119630"/>
-            <a:ext cx="2951480" cy="457835"/>
-          </a:xfrm>
-          <a:prstGeom prst="straightConnector1"/>
-          <a:ln w="6350" cap="flat" cmpd="sng">
+        </p:nvSpPr>
+        <p:spPr>
+          <a:xfrm>
+            <a:off x="6814185" y="5296535"/>
+            <a:ext cx="4161155" cy="923925"/>
+          </a:xfrm>
+          <a:prstGeom prst="rect"/>
+          <a:noFill/>
+          <a:ln w="0">
+            <a:noFill/>
             <a:prstDash/>
-            <a:tailEnd type="triangle" w="med" len="med"/>
           </a:ln>
         </p:spPr>
-        <p:style>
-          <a:lnRef idx="1">
-            <a:schemeClr val="accent1"/>
-          </a:lnRef>
-          <a:fillRef idx="0">
-            <a:schemeClr val="accent1"/>
-          </a:fillRef>
-          <a:effectRef idx="0">
-            <a:schemeClr val="accent1"/>
-          </a:effectRef>
-          <a:fontRef idx="minor">
-            <a:schemeClr val="tx1"/>
-          </a:fontRef>
-        </p:style>
-      </p:cxnSp>
+        <p:txBody>
+          <a:bodyPr wrap="square" lIns="89535" tIns="46355" rIns="89535" bIns="46355" numCol="1" vert="horz" anchor="t">
+            <a:spAutoFit/>
+          </a:bodyPr>
+          <a:lstStyle/>
+          <a:p>
+            <a:pPr marL="0" indent="0" rtl="0" algn="l" defTabSz="914400" eaLnBrk="1" latinLnBrk="0" hangingPunct="1">
+              <a:buFontTx/>
+              <a:buNone/>
+            </a:pPr>
+            <a:r>
+              <a:rPr sz="1800" b="1">
+                <a:solidFill>
+                  <a:srgbClr val="0611F2"/>
+                </a:solidFill>
+                <a:latin typeface="맑은 고딕" charset="0"/>
+                <a:ea typeface="맑은 고딕" charset="0"/>
+              </a:rPr>
+              <a:t>2</a:t>
+            </a:r>
+            <a:r>
+              <a:rPr sz="1800" b="1">
+                <a:solidFill>
+                  <a:srgbClr val="0611F2"/>
+                </a:solidFill>
+                <a:latin typeface="맑은 고딕" charset="0"/>
+                <a:ea typeface="맑은 고딕" charset="0"/>
+              </a:rPr>
+              <a:t>3</a:t>
+            </a:r>
+            <a:r>
+              <a:rPr sz="1800" b="1">
+                <a:solidFill>
+                  <a:srgbClr val="0611F2"/>
+                </a:solidFill>
+                <a:latin typeface="맑은 고딕" charset="0"/>
+                <a:ea typeface="맑은 고딕" charset="0"/>
+              </a:rPr>
+              <a:t>.</a:t>
+            </a:r>
+            <a:r>
+              <a:rPr sz="1800">
+                <a:latin typeface="맑은 고딕" charset="0"/>
+                <a:ea typeface="맑은 고딕" charset="0"/>
+              </a:rPr>
+              <a:t> 그</a:t>
+            </a:r>
+            <a:r>
+              <a:rPr sz="1800">
+                <a:latin typeface="맑은 고딕" charset="0"/>
+                <a:ea typeface="맑은 고딕" charset="0"/>
+              </a:rPr>
+              <a:t>런 </a:t>
+            </a:r>
+            <a:r>
+              <a:rPr sz="1800">
+                <a:latin typeface="맑은 고딕" charset="0"/>
+                <a:ea typeface="맑은 고딕" charset="0"/>
+              </a:rPr>
+              <a:t>다음</a:t>
+            </a:r>
+            <a:r>
+              <a:rPr lang="ko-KR" sz="1800">
+                <a:latin typeface="맑은 고딕" charset="0"/>
+                <a:ea typeface="맑은 고딕" charset="0"/>
+              </a:rPr>
+              <a:t> C# Script를 생성</a:t>
+            </a:r>
+            <a:r>
+              <a:rPr lang="ko-KR" sz="1800">
+                <a:latin typeface="맑은 고딕" charset="0"/>
+                <a:ea typeface="맑은 고딕" charset="0"/>
+              </a:rPr>
+              <a:t>하고</a:t>
+            </a:r>
+            <a:r>
+              <a:rPr lang="ko-KR" sz="1800">
+                <a:latin typeface="맑은 고딕" charset="0"/>
+                <a:ea typeface="맑은 고딕" charset="0"/>
+              </a:rPr>
+              <a:t> Audio Manager라는 이름으로 정의합니다.</a:t>
+            </a:r>
+            <a:endParaRPr lang="ko-KR" altLang="en-US" sz="1800">
+              <a:latin typeface="맑은 고딕" charset="0"/>
+              <a:ea typeface="맑은 고딕" charset="0"/>
+            </a:endParaRPr>
+          </a:p>
+        </p:txBody>
+      </p:sp>
       <p:pic>
         <p:nvPicPr>
-          <p:cNvPr id="1224" name="그림 24" descr="C:/Users/Admin1/AppData/Roaming/PolarisOffice/ETemp/18416_12904952/fImage118112059169.png"/>
+          <p:cNvPr id="1235" name="그림 19"/>
           <p:cNvPicPr>
             <a:picLocks noChangeAspect="1"/>
           </p:cNvPicPr>
           <p:nvPr/>
         </p:nvPicPr>
         <p:blipFill rotWithShape="1">
-          <a:blip r:embed="rId10" cstate="hqprint">
+          <a:blip r:embed="rId15" cstate="hqprint">
             <a:extLst>
               <a:ext uri="{28A0092B-C50C-407E-A947-70E740481C1C}">
                 <a14:useLocalDpi xmlns:a14="http://schemas.microsoft.com/office/drawing/2010/main"/>
@@ -12286,8 +15440,8 @@
         </p:blipFill>
         <p:spPr>
           <a:xfrm rot="0">
-            <a:off x="1231265" y="4073525"/>
-            <a:ext cx="4141470" cy="1330325"/>
+            <a:off x="6820535" y="1440180"/>
+            <a:ext cx="2861945" cy="3594100"/>
           </a:xfrm>
           <a:prstGeom prst="roundRect"/>
           <a:solidFill>
@@ -12295,87 +15449,47 @@
           </a:solidFill>
         </p:spPr>
       </p:pic>
-      <p:sp>
-        <p:nvSpPr>
-          <p:cNvPr id="1225" name="텍스트 상자 27"/>
-          <p:cNvSpPr txBox="1">
-            <a:spLocks/>
-          </p:cNvSpPr>
-          <p:nvPr/>
-        </p:nvSpPr>
-        <p:spPr>
-          <a:xfrm rot="0">
-            <a:off x="1243330" y="5461000"/>
-            <a:ext cx="4130675" cy="924560"/>
-          </a:xfrm>
-          <a:prstGeom prst="rect"/>
-          <a:noFill/>
-          <a:ln w="0">
-            <a:noFill/>
-            <a:prstDash/>
-          </a:ln>
-        </p:spPr>
-        <p:txBody>
-          <a:bodyPr wrap="square" lIns="89535" tIns="46355" rIns="89535" bIns="46355" numCol="1" vert="horz" anchor="t">
-            <a:spAutoFit/>
-          </a:bodyPr>
-          <a:lstStyle/>
-          <a:p>
-            <a:pPr marL="0" indent="0" rtl="0" algn="l" defTabSz="914400" eaLnBrk="1" latinLnBrk="0" hangingPunct="1">
-              <a:buFontTx/>
-              <a:buNone/>
-            </a:pPr>
-            <a:r>
-              <a:rPr lang="ko-KR" sz="1800" b="1">
-                <a:solidFill>
-                  <a:srgbClr val="0611F2"/>
-                </a:solidFill>
-                <a:latin typeface="맑은 고딕" charset="0"/>
-                <a:ea typeface="맑은 고딕" charset="0"/>
-              </a:rPr>
-              <a:t>19</a:t>
-            </a:r>
-            <a:r>
-              <a:rPr sz="1800" b="1">
-                <a:solidFill>
-                  <a:srgbClr val="0611F2"/>
-                </a:solidFill>
-                <a:latin typeface="맑은 고딕" charset="0"/>
-                <a:ea typeface="맑은 고딕" charset="0"/>
-              </a:rPr>
-              <a:t>.</a:t>
-            </a:r>
-            <a:r>
-              <a:rPr sz="1800">
-                <a:latin typeface="맑은 고딕" charset="0"/>
-                <a:ea typeface="맑은 고딕" charset="0"/>
-              </a:rPr>
-              <a:t> </a:t>
-            </a:r>
-            <a:r>
-              <a:rPr lang="ko-KR" sz="1800">
-                <a:latin typeface="맑은 고딕" charset="0"/>
-                <a:ea typeface="맑은 고딕" charset="0"/>
-              </a:rPr>
-              <a:t>그러고 나서 Sound Manager 오브젝트의 위치와 회전 값을 초기화합니다.</a:t>
-            </a:r>
-            <a:endParaRPr lang="ko-KR" altLang="en-US" sz="1800">
-              <a:latin typeface="맑은 고딕" charset="0"/>
-              <a:ea typeface="맑은 고딕" charset="0"/>
-            </a:endParaRPr>
-          </a:p>
-        </p:txBody>
-      </p:sp>
       <p:pic>
         <p:nvPicPr>
-          <p:cNvPr id="1226" name="그림 7" descr="C:/Users/Admin1/AppData/Roaming/PolarisOffice/ETemp/18416_12904952/fImage274222608467.png"/>
+          <p:cNvPr id="1237" name="그림 21"/>
           <p:cNvPicPr>
             <a:picLocks noChangeAspect="1"/>
           </p:cNvPicPr>
           <p:nvPr/>
         </p:nvPicPr>
         <p:blipFill rotWithShape="1">
-          <a:blip r:embed="rId11" cstate="hqprint">
+          <a:blip r:embed="rId16" cstate="print">
+            <a:extLst>
+              <a:ext uri="{28A0092B-C50C-407E-A947-70E740481C1C}">
+                <a14:useLocalDpi xmlns:a14="http://schemas.microsoft.com/office/drawing/2010/main" val="0"/>
+              </a:ext>
+            </a:extLst>
+          </a:blip>
+          <a:stretch>
+            <a:fillRect/>
+          </a:stretch>
+        </p:blipFill>
+        <p:spPr>
+          <a:xfrm rot="0">
+            <a:off x="9948545" y="2642870"/>
+            <a:ext cx="1026795" cy="1186815"/>
+          </a:xfrm>
+          <a:prstGeom prst="roundRect"/>
+          <a:solidFill>
+            <a:srgbClr val="EDEDED"/>
+          </a:solidFill>
+        </p:spPr>
+      </p:pic>
+      <p:pic>
+        <p:nvPicPr>
+          <p:cNvPr id="1236" name="그림 20"/>
+          <p:cNvPicPr>
+            <a:picLocks noChangeAspect="1"/>
+          </p:cNvPicPr>
+          <p:nvPr/>
+        </p:nvPicPr>
+        <p:blipFill rotWithShape="1">
+          <a:blip r:embed="rId17" cstate="hqprint">
             <a:extLst>
               <a:ext uri="{28A0092B-C50C-407E-A947-70E740481C1C}">
                 <a14:useLocalDpi xmlns:a14="http://schemas.microsoft.com/office/drawing/2010/main"/>
@@ -12388,13 +15502,11 @@
         </p:blipFill>
         <p:spPr>
           <a:xfrm rot="0">
-            <a:off x="6808470" y="1438275"/>
-            <a:ext cx="4132580" cy="2254250"/>
-          </a:xfrm>
-          <a:prstGeom prst="roundRect"/>
-          <a:solidFill>
-            <a:srgbClr val="EDEDED"/>
-          </a:solidFill>
+            <a:off x="9429750" y="3039745"/>
+            <a:ext cx="748665" cy="415290"/>
+          </a:xfrm>
+          <a:prstGeom prst="rect"/>
+          <a:noFill/>
         </p:spPr>
       </p:pic>
     </p:spTree>
@@ -12448,7 +15560,7 @@
         <p:spPr>
           <a:xfrm>
             <a:off x="4580255" y="363855"/>
-            <a:ext cx="3032125" cy="478155"/>
+            <a:ext cx="3032760" cy="478155"/>
           </a:xfrm>
           <a:prstGeom prst="rect"/>
           <a:noFill/>
@@ -12463,7 +15575,7 @@
           </a:bodyPr>
           <a:lstStyle/>
           <a:p>
-            <a:pPr marL="0" indent="0" algn="l" latinLnBrk="0">
+            <a:pPr marL="0" indent="0" algn="ctr" latinLnBrk="0">
               <a:buFontTx/>
               <a:buNone/>
             </a:pPr>
@@ -12475,7 +15587,7 @@
                 <a:latin typeface="나눔바른고딕" charset="0"/>
                 <a:ea typeface="나눔바른고딕" charset="0"/>
               </a:rPr>
-              <a:t>여덟</a:t>
+              <a:t>아홉</a:t>
             </a:r>
             <a:r>
               <a:rPr lang="ko-KR" altLang="en-US" sz="2500" b="1">
@@ -12507,8 +15619,8 @@
         </p:nvSpPr>
         <p:spPr>
           <a:xfrm rot="0">
-            <a:off x="1245870" y="4429125"/>
-            <a:ext cx="4140835" cy="1754505"/>
+            <a:off x="1245870" y="3009265"/>
+            <a:ext cx="4135120" cy="647065"/>
           </a:xfrm>
           <a:prstGeom prst="rect"/>
           <a:noFill/>
@@ -12535,7 +15647,27 @@
                 <a:latin typeface="맑은 고딕" charset="0"/>
                 <a:ea typeface="맑은 고딕" charset="0"/>
               </a:rPr>
-              <a:t>21.</a:t>
+              <a:t>2</a:t>
+            </a:r>
+            <a:r>
+              <a:rPr sz="1800" b="1">
+                <a:solidFill>
+                  <a:srgbClr val="0611F2"/>
+                </a:solidFill>
+                <a:latin typeface="맑은 고딕" charset="0"/>
+                <a:ea typeface="맑은 고딕" charset="0"/>
+              </a:rPr>
+              <a:t>4</a:t>
+            </a:r>
+            <a:r>
+              <a:rPr sz="1800" b="1">
+                <a:solidFill>
+                  <a:srgbClr val="0611F2"/>
+                </a:solidFill>
+                <a:latin typeface="맑은 고딕" charset="0"/>
+                <a:ea typeface="맑은 고딕" charset="0"/>
+              </a:rPr>
+              <a:t>.</a:t>
             </a:r>
             <a:r>
               <a:rPr sz="1800">
@@ -12549,73 +15681,270 @@
                 <a:latin typeface="맑은 고딕" charset="0"/>
                 <a:ea typeface="맑은 고딕" charset="0"/>
               </a:rPr>
-              <a:t>그다음으로 Project 폴더</a:t>
-            </a:r>
-            <a:r>
-              <a:rPr lang="ko-KR" sz="1800">
-                <a:latin typeface="맑은 고딕" charset="0"/>
-                <a:ea typeface="맑은 고딕" charset="0"/>
-              </a:rPr>
-              <a:t> 아래에 있 </a:t>
-            </a:r>
-            <a:r>
-              <a:rPr lang="ko-KR" sz="1800">
-                <a:latin typeface="맑은 고딕" charset="0"/>
-                <a:ea typeface="맑은 고딕" charset="0"/>
-              </a:rPr>
-              <a:t>Texture 폴더에 Noodle 스프라이트 이미지를 선택</a:t>
-            </a:r>
-            <a:r>
-              <a:rPr lang="ko-KR" sz="1800">
-                <a:latin typeface="맑은 고딕" charset="0"/>
-                <a:ea typeface="맑은 고딕" charset="0"/>
-              </a:rPr>
-              <a:t>합니다.</a:t>
+              <a:t>그다음으로 </a:t>
+            </a:r>
+            <a:r>
+              <a:rPr lang="ko-KR" sz="1800">
+                <a:latin typeface="맑은 고딕" charset="0"/>
+                <a:ea typeface="맑은 고딕" charset="0"/>
+              </a:rPr>
+              <a:t>Au</a:t>
+            </a:r>
+            <a:r>
+              <a:rPr lang="ko-KR" sz="1800">
+                <a:latin typeface="맑은 고딕" charset="0"/>
+                <a:ea typeface="맑은 고딕" charset="0"/>
+              </a:rPr>
+              <a:t>d</a:t>
+            </a:r>
+            <a:r>
+              <a:rPr lang="ko-KR" sz="1800">
+                <a:latin typeface="맑은 고딕" charset="0"/>
+                <a:ea typeface="맑은 고딕" charset="0"/>
+              </a:rPr>
+              <a:t>i</a:t>
+            </a:r>
+            <a:r>
+              <a:rPr lang="ko-KR" sz="1800">
+                <a:latin typeface="맑은 고딕" charset="0"/>
+                <a:ea typeface="맑은 고딕" charset="0"/>
+              </a:rPr>
+              <a:t>o</a:t>
+            </a:r>
+            <a:r>
+              <a:rPr lang="ko-KR" sz="1800">
+                <a:latin typeface="맑은 고딕" charset="0"/>
+                <a:ea typeface="맑은 고딕" charset="0"/>
+              </a:rPr>
+              <a:t> M</a:t>
+            </a:r>
+            <a:r>
+              <a:rPr lang="ko-KR" sz="1800">
+                <a:latin typeface="맑은 고딕" charset="0"/>
+                <a:ea typeface="맑은 고딕" charset="0"/>
+              </a:rPr>
+              <a:t>a</a:t>
+            </a:r>
+            <a:r>
+              <a:rPr lang="ko-KR" sz="1800">
+                <a:latin typeface="맑은 고딕" charset="0"/>
+                <a:ea typeface="맑은 고딕" charset="0"/>
+              </a:rPr>
+              <a:t>nager</a:t>
+            </a:r>
+            <a:r>
+              <a:rPr lang="ko-KR" sz="1800">
+                <a:latin typeface="맑은 고딕" charset="0"/>
+                <a:ea typeface="맑은 고딕" charset="0"/>
+              </a:rPr>
+              <a:t> </a:t>
+            </a:r>
+            <a:r>
+              <a:rPr lang="ko-KR" sz="1800">
+                <a:latin typeface="맑은 고딕" charset="0"/>
+                <a:ea typeface="맑은 고딕" charset="0"/>
+              </a:rPr>
+              <a:t>오브젝트의 위치 값을 초기화합니다.</a:t>
+            </a:r>
+            <a:r>
+              <a:rPr lang="ko-KR" sz="1800">
+                <a:latin typeface="맑은 고딕" charset="0"/>
+                <a:ea typeface="맑은 고딕" charset="0"/>
+              </a:rPr>
+              <a:t> </a:t>
             </a:r>
             <a:endParaRPr lang="ko-KR" altLang="en-US" sz="1800">
               <a:latin typeface="맑은 고딕" charset="0"/>
               <a:ea typeface="맑은 고딕" charset="0"/>
             </a:endParaRPr>
           </a:p>
-          <a:p>
-            <a:pPr marL="0" indent="0" rtl="0" algn="l" defTabSz="914400" eaLnBrk="1" latinLnBrk="0" hangingPunct="1">
-              <a:buFontTx/>
-              <a:buNone/>
-            </a:pPr>
-            <a:endParaRPr lang="ko-KR" altLang="en-US" sz="1800">
-              <a:latin typeface="맑은 고딕" charset="0"/>
-              <a:ea typeface="맑은 고딕" charset="0"/>
-            </a:endParaRPr>
-          </a:p>
-          <a:p>
-            <a:pPr marL="0" indent="0" rtl="0" algn="l" defTabSz="914400" eaLnBrk="1" latinLnBrk="0" hangingPunct="1">
-              <a:buFontTx/>
-              <a:buNone/>
-            </a:pPr>
-            <a:r>
-              <a:rPr lang="ko-KR" sz="1800">
-                <a:latin typeface="맑은 고딕" charset="0"/>
-                <a:ea typeface="맑은 고딕" charset="0"/>
-              </a:rPr>
-              <a:t>마지막으로 Handle 오브젝트의 Source Image에 Noodle 이미지를 넣어줍니다.</a:t>
-            </a:r>
-            <a:endParaRPr lang="ko-KR" altLang="en-US" sz="1800">
-              <a:latin typeface="맑은 고딕" charset="0"/>
-              <a:ea typeface="맑은 고딕" charset="0"/>
-            </a:endParaRPr>
-          </a:p>
         </p:txBody>
       </p:sp>
       <p:pic>
         <p:nvPicPr>
-          <p:cNvPr id="1222" name="그림 16"/>
+          <p:cNvPr id="1229" name="그림 1" descr="C:/Users/nwond/AppData/Roaming/PolarisOffice/ETemp/8400_17616360/fImage109161786334.png"/>
           <p:cNvPicPr>
             <a:picLocks noChangeAspect="1"/>
           </p:cNvPicPr>
           <p:nvPr/>
         </p:nvPicPr>
         <p:blipFill rotWithShape="1">
-          <a:blip r:embed="rId6" cstate="hqprint">
+          <a:blip r:embed="rId13" cstate="print">
+            <a:extLst>
+              <a:ext uri="{28A0092B-C50C-407E-A947-70E740481C1C}">
+                <a14:useLocalDpi xmlns:a14="http://schemas.microsoft.com/office/drawing/2010/main" val="0"/>
+              </a:ext>
+            </a:extLst>
+          </a:blip>
+          <a:stretch>
+            <a:fillRect/>
+          </a:stretch>
+        </p:blipFill>
+        <p:spPr>
+          <a:xfrm rot="0">
+            <a:off x="1245870" y="1440180"/>
+            <a:ext cx="4141470" cy="1496060"/>
+          </a:xfrm>
+          <a:prstGeom prst="roundRect"/>
+          <a:solidFill>
+            <a:srgbClr val="EDEDED"/>
+          </a:solidFill>
+        </p:spPr>
+      </p:pic>
+      <p:sp>
+        <p:nvSpPr>
+          <p:cNvPr id="1232" name="텍스트 상자 8"/>
+          <p:cNvSpPr txBox="1">
+            <a:spLocks/>
+          </p:cNvSpPr>
+          <p:nvPr/>
+        </p:nvSpPr>
+        <p:spPr>
+          <a:xfrm rot="0">
+            <a:off x="6820535" y="5238115"/>
+            <a:ext cx="4133850" cy="954405"/>
+          </a:xfrm>
+          <a:prstGeom prst="rect"/>
+          <a:noFill/>
+          <a:ln w="0">
+            <a:noFill/>
+            <a:prstDash/>
+          </a:ln>
+        </p:spPr>
+        <p:txBody>
+          <a:bodyPr wrap="square" lIns="89535" tIns="46355" rIns="89535" bIns="46355" vert="horz" anchor="t">
+            <a:spAutoFit/>
+          </a:bodyPr>
+          <a:lstStyle/>
+          <a:p>
+            <a:pPr marL="0" indent="0" rtl="0" algn="l" defTabSz="914400" eaLnBrk="1" latinLnBrk="0" hangingPunct="1">
+              <a:buFontTx/>
+              <a:buNone/>
+            </a:pPr>
+            <a:r>
+              <a:rPr sz="2000" b="1">
+                <a:solidFill>
+                  <a:srgbClr val="0611F2"/>
+                </a:solidFill>
+                <a:latin typeface="맑은 고딕" charset="0"/>
+                <a:ea typeface="맑은 고딕" charset="0"/>
+              </a:rPr>
+              <a:t>2</a:t>
+            </a:r>
+            <a:r>
+              <a:rPr lang="ko-KR" sz="2000" b="1">
+                <a:solidFill>
+                  <a:srgbClr val="0611F2"/>
+                </a:solidFill>
+                <a:latin typeface="맑은 고딕" charset="0"/>
+                <a:ea typeface="맑은 고딕" charset="0"/>
+              </a:rPr>
+              <a:t>6</a:t>
+            </a:r>
+            <a:r>
+              <a:rPr sz="2000" b="1">
+                <a:solidFill>
+                  <a:srgbClr val="0611F2"/>
+                </a:solidFill>
+                <a:latin typeface="맑은 고딕" charset="0"/>
+                <a:ea typeface="맑은 고딕" charset="0"/>
+              </a:rPr>
+              <a:t>. </a:t>
+            </a:r>
+            <a:r>
+              <a:rPr lang="ko-KR" sz="1800">
+                <a:latin typeface="맑은 고딕" charset="0"/>
+                <a:ea typeface="맑은 고딕" charset="0"/>
+              </a:rPr>
+              <a:t>이제</a:t>
+            </a:r>
+            <a:r>
+              <a:rPr sz="1800">
+                <a:latin typeface="맑은 고딕" charset="0"/>
+                <a:ea typeface="맑은 고딕" charset="0"/>
+              </a:rPr>
+              <a:t> UI에서 Button - TextMeshPro</a:t>
+            </a:r>
+            <a:r>
+              <a:rPr sz="1800">
+                <a:latin typeface="맑은 고딕" charset="0"/>
+                <a:ea typeface="맑은 고딕" charset="0"/>
+              </a:rPr>
+              <a:t>를</a:t>
+            </a:r>
+            <a:r>
+              <a:rPr sz="1800">
+                <a:latin typeface="맑은 고딕" charset="0"/>
+                <a:ea typeface="맑은 고딕" charset="0"/>
+              </a:rPr>
+              <a:t> 생성</a:t>
+            </a:r>
+            <a:r>
+              <a:rPr sz="1800">
+                <a:latin typeface="맑은 고딕" charset="0"/>
+                <a:ea typeface="맑은 고딕" charset="0"/>
+              </a:rPr>
+              <a:t>하고</a:t>
+            </a:r>
+            <a:r>
+              <a:rPr sz="1800">
+                <a:latin typeface="맑은 고딕" charset="0"/>
+                <a:ea typeface="맑은 고딕" charset="0"/>
+              </a:rPr>
+              <a:t> </a:t>
+            </a:r>
+            <a:r>
+              <a:rPr lang="ko-KR" sz="1800">
+                <a:latin typeface="맑은 고딕" charset="0"/>
+                <a:ea typeface="맑은 고딕" charset="0"/>
+              </a:rPr>
+              <a:t>S</a:t>
+            </a:r>
+            <a:r>
+              <a:rPr lang="ko-KR" sz="1800">
+                <a:latin typeface="맑은 고딕" charset="0"/>
+                <a:ea typeface="맑은 고딕" charset="0"/>
+              </a:rPr>
+              <a:t>e</a:t>
+            </a:r>
+            <a:r>
+              <a:rPr lang="ko-KR" sz="1800">
+                <a:latin typeface="맑은 고딕" charset="0"/>
+                <a:ea typeface="맑은 고딕" charset="0"/>
+              </a:rPr>
+              <a:t>a</a:t>
+            </a:r>
+            <a:r>
+              <a:rPr lang="ko-KR" sz="1800">
+                <a:latin typeface="맑은 고딕" charset="0"/>
+                <a:ea typeface="맑은 고딕" charset="0"/>
+              </a:rPr>
+              <a:t>rch</a:t>
+            </a:r>
+            <a:r>
+              <a:rPr sz="1800">
+                <a:latin typeface="맑은 고딕" charset="0"/>
+                <a:ea typeface="맑은 고딕" charset="0"/>
+              </a:rPr>
+              <a:t> Button이라는 이름으로 정의합니다.</a:t>
+            </a:r>
+            <a:endParaRPr lang="ko-KR" altLang="en-US" sz="1800">
+              <a:latin typeface="맑은 고딕" charset="0"/>
+              <a:ea typeface="맑은 고딕" charset="0"/>
+            </a:endParaRPr>
+          </a:p>
+        </p:txBody>
+      </p:sp>
+      <p:pic>
+        <p:nvPicPr>
+          <p:cNvPr id="1233" name="그림 9" descr="C:/Users/nwond/AppData/Roaming/PolarisOffice/ETemp/8400_17616360/fImage217131826500.png"/>
+          <p:cNvPicPr>
+            <a:picLocks noChangeAspect="1"/>
+          </p:cNvPicPr>
+          <p:nvPr/>
+        </p:nvPicPr>
+        <p:blipFill rotWithShape="1">
+          <a:blip r:embed="rId14" cstate="hqprint">
             <a:extLst>
               <a:ext uri="{28A0092B-C50C-407E-A947-70E740481C1C}">
                 <a14:useLocalDpi xmlns:a14="http://schemas.microsoft.com/office/drawing/2010/main"/>
@@ -12628,8 +15957,8 @@
         </p:blipFill>
         <p:spPr>
           <a:xfrm rot="0">
-            <a:off x="8313420" y="1307465"/>
-            <a:ext cx="2669540" cy="2717165"/>
+            <a:off x="6820535" y="1440180"/>
+            <a:ext cx="2721610" cy="3624580"/>
           </a:xfrm>
           <a:prstGeom prst="roundRect"/>
           <a:solidFill>
@@ -12637,145 +15966,16 @@
           </a:solidFill>
         </p:spPr>
       </p:pic>
-      <p:sp>
-        <p:nvSpPr>
-          <p:cNvPr id="1223" name="텍스트 상자 19"/>
-          <p:cNvSpPr txBox="1">
-            <a:spLocks/>
-          </p:cNvSpPr>
-          <p:nvPr/>
-        </p:nvSpPr>
-        <p:spPr>
-          <a:xfrm rot="0">
-            <a:off x="6814820" y="4154170"/>
-            <a:ext cx="4171950" cy="2031365"/>
-          </a:xfrm>
-          <a:prstGeom prst="rect"/>
-          <a:noFill/>
-          <a:ln w="0">
-            <a:noFill/>
-            <a:prstDash/>
-          </a:ln>
-        </p:spPr>
-        <p:txBody>
-          <a:bodyPr wrap="square" lIns="89535" tIns="46355" rIns="89535" bIns="46355" numCol="1" vert="horz" anchor="t">
-            <a:spAutoFit/>
-          </a:bodyPr>
-          <a:lstStyle/>
-          <a:p>
-            <a:pPr marL="0" indent="0" rtl="0" algn="l" defTabSz="914400" eaLnBrk="1" latinLnBrk="0" hangingPunct="1">
-              <a:buFontTx/>
-              <a:buNone/>
-            </a:pPr>
-            <a:r>
-              <a:rPr sz="1800" b="1">
-                <a:solidFill>
-                  <a:srgbClr val="0611F2"/>
-                </a:solidFill>
-                <a:latin typeface="맑은 고딕" charset="0"/>
-                <a:ea typeface="맑은 고딕" charset="0"/>
-              </a:rPr>
-              <a:t>2</a:t>
-            </a:r>
-            <a:r>
-              <a:rPr sz="1800" b="1">
-                <a:solidFill>
-                  <a:srgbClr val="0611F2"/>
-                </a:solidFill>
-                <a:latin typeface="맑은 고딕" charset="0"/>
-                <a:ea typeface="맑은 고딕" charset="0"/>
-              </a:rPr>
-              <a:t>2</a:t>
-            </a:r>
-            <a:r>
-              <a:rPr sz="1800" b="1">
-                <a:solidFill>
-                  <a:srgbClr val="0611F2"/>
-                </a:solidFill>
-                <a:latin typeface="맑은 고딕" charset="0"/>
-                <a:ea typeface="맑은 고딕" charset="0"/>
-              </a:rPr>
-              <a:t>.</a:t>
-            </a:r>
-            <a:r>
-              <a:rPr sz="1800">
-                <a:latin typeface="맑은 고딕" charset="0"/>
-                <a:ea typeface="맑은 고딕" charset="0"/>
-              </a:rPr>
-              <a:t> </a:t>
-            </a:r>
-            <a:r>
-              <a:rPr lang="ko-KR" sz="1800">
-                <a:latin typeface="맑은 고딕" charset="0"/>
-                <a:ea typeface="맑은 고딕" charset="0"/>
-              </a:rPr>
-              <a:t>이제</a:t>
-            </a:r>
-            <a:r>
-              <a:rPr lang="ko-KR" sz="1800">
-                <a:latin typeface="맑은 고딕" charset="0"/>
-                <a:ea typeface="맑은 고딕" charset="0"/>
-              </a:rPr>
-              <a:t> UI에 Button 오브젝트 3개 생성합니다.</a:t>
-            </a:r>
-            <a:endParaRPr lang="ko-KR" altLang="en-US" sz="1800">
-              <a:latin typeface="맑은 고딕" charset="0"/>
-              <a:ea typeface="맑은 고딕" charset="0"/>
-            </a:endParaRPr>
-          </a:p>
-          <a:p>
-            <a:pPr marL="0" indent="0" rtl="0" algn="l" defTabSz="914400" eaLnBrk="1" latinLnBrk="0" hangingPunct="1">
-              <a:buFontTx/>
-              <a:buNone/>
-            </a:pPr>
-            <a:endParaRPr lang="ko-KR" altLang="en-US" sz="1800">
-              <a:latin typeface="맑은 고딕" charset="0"/>
-              <a:ea typeface="맑은 고딕" charset="0"/>
-            </a:endParaRPr>
-          </a:p>
-          <a:p>
-            <a:pPr marL="0" indent="0" rtl="0" algn="l" defTabSz="914400" eaLnBrk="1" latinLnBrk="0" hangingPunct="1">
-              <a:buFontTx/>
-              <a:buNone/>
-            </a:pPr>
-            <a:r>
-              <a:rPr lang="ko-KR" sz="1800">
-                <a:latin typeface="맑은 고딕" charset="0"/>
-                <a:ea typeface="맑은 고딕" charset="0"/>
-              </a:rPr>
-              <a:t>그</a:t>
-            </a:r>
-            <a:r>
-              <a:rPr lang="ko-KR" sz="1800">
-                <a:latin typeface="맑은 고딕" charset="0"/>
-                <a:ea typeface="맑은 고딕" charset="0"/>
-              </a:rPr>
-              <a:t>런 다음</a:t>
-            </a:r>
-            <a:r>
-              <a:rPr lang="ko-KR" sz="1800">
-                <a:latin typeface="맑은 고딕" charset="0"/>
-                <a:ea typeface="맑은 고딕" charset="0"/>
-              </a:rPr>
-              <a:t> Siren Button과 Explosion Button 그리고 Magic Button으로 각각의 Button 오브젝트의 이름을 정의합니다. </a:t>
-            </a:r>
-            <a:endParaRPr lang="ko-KR" altLang="en-US" sz="1800">
-              <a:latin typeface="맑은 고딕" charset="0"/>
-              <a:ea typeface="맑은 고딕" charset="0"/>
-            </a:endParaRPr>
-          </a:p>
-        </p:txBody>
-      </p:sp>
       <p:pic>
         <p:nvPicPr>
-          <p:cNvPr id="1224" name="그림 6"/>
+          <p:cNvPr id="1234" name="그림 10" descr="C:/Users/nwond/AppData/Roaming/PolarisOffice/ETemp/8400_17616360/fImage88041839169.png"/>
           <p:cNvPicPr>
             <a:picLocks noChangeAspect="1"/>
           </p:cNvPicPr>
           <p:nvPr/>
         </p:nvPicPr>
         <p:blipFill rotWithShape="1">
-          <a:blip r:embed="rId9" cstate="print">
+          <a:blip r:embed="rId15" cstate="print">
             <a:extLst>
               <a:ext uri="{28A0092B-C50C-407E-A947-70E740481C1C}">
                 <a14:useLocalDpi xmlns:a14="http://schemas.microsoft.com/office/drawing/2010/main" val="0"/>
@@ -12788,8 +15988,8 @@
         </p:blipFill>
         <p:spPr>
           <a:xfrm rot="0">
-            <a:off x="2619375" y="1316355"/>
-            <a:ext cx="2767330" cy="1767205"/>
+            <a:off x="9674860" y="2371090"/>
+            <a:ext cx="1279525" cy="1775460"/>
           </a:xfrm>
           <a:prstGeom prst="roundRect"/>
           <a:solidFill>
@@ -12799,17 +15999,17 @@
       </p:pic>
       <p:pic>
         <p:nvPicPr>
-          <p:cNvPr id="1225" name="그림 9"/>
+          <p:cNvPr id="1235" name="그림 71" descr="C:/Users/nwond/AppData/Roaming/PolarisOffice/ETemp/8400_17616360/fImage48812616500.png"/>
           <p:cNvPicPr>
             <a:picLocks noChangeAspect="1"/>
           </p:cNvPicPr>
           <p:nvPr/>
         </p:nvPicPr>
         <p:blipFill rotWithShape="1">
-          <a:blip r:embed="rId10" cstate="print">
+          <a:blip r:embed="rId16" cstate="hqprint">
             <a:extLst>
               <a:ext uri="{28A0092B-C50C-407E-A947-70E740481C1C}">
-                <a14:useLocalDpi xmlns:a14="http://schemas.microsoft.com/office/drawing/2010/main" val="0"/>
+                <a14:useLocalDpi xmlns:a14="http://schemas.microsoft.com/office/drawing/2010/main"/>
               </a:ext>
             </a:extLst>
           </a:blip>
@@ -12819,8 +16019,8 @@
         </p:blipFill>
         <p:spPr>
           <a:xfrm rot="0">
-            <a:off x="1238250" y="1314450"/>
-            <a:ext cx="1302385" cy="1761490"/>
+            <a:off x="1253490" y="3736340"/>
+            <a:ext cx="4133850" cy="1440815"/>
           </a:xfrm>
           <a:prstGeom prst="roundRect"/>
           <a:solidFill>
@@ -12828,101 +16028,129 @@
           </a:solidFill>
         </p:spPr>
       </p:pic>
-      <p:pic>
-        <p:nvPicPr>
-          <p:cNvPr id="1226" name="그림 12"/>
-          <p:cNvPicPr>
-            <a:picLocks noChangeAspect="1"/>
-          </p:cNvPicPr>
+      <p:sp>
+        <p:nvSpPr>
+          <p:cNvPr id="1236" name="텍스트 상자 72"/>
+          <p:cNvSpPr txBox="1">
+            <a:spLocks/>
+          </p:cNvSpPr>
           <p:nvPr/>
-        </p:nvPicPr>
-        <p:blipFill rotWithShape="1">
-          <a:blip r:embed="rId11" cstate="print">
-            <a:extLst>
-              <a:ext uri="{28A0092B-C50C-407E-A947-70E740481C1C}">
-                <a14:useLocalDpi xmlns:a14="http://schemas.microsoft.com/office/drawing/2010/main" val="0"/>
-              </a:ext>
-            </a:extLst>
-          </a:blip>
-          <a:stretch>
-            <a:fillRect/>
-          </a:stretch>
-        </p:blipFill>
-        <p:spPr>
-          <a:xfrm rot="0">
-            <a:off x="1257300" y="3246755"/>
-            <a:ext cx="4133215" cy="1031240"/>
-          </a:xfrm>
-          <a:prstGeom prst="roundRect"/>
-          <a:solidFill>
-            <a:srgbClr val="EDEDED"/>
-          </a:solidFill>
-        </p:spPr>
-      </p:pic>
-      <p:cxnSp>
-        <p:nvCxnSpPr>
-          <p:cNvPr id="1227" name="도형 20"/>
-          <p:cNvCxnSpPr/>
-          <p:nvPr/>
-        </p:nvCxnSpPr>
-        <p:spPr>
-          <a:xfrm rot="0" flipV="1">
-            <a:off x="3966210" y="1576070"/>
-            <a:ext cx="1325245" cy="1905635"/>
-          </a:xfrm>
-          <a:prstGeom prst="straightConnector1"/>
-          <a:ln w="6350" cap="flat" cmpd="sng">
+        </p:nvSpPr>
+        <p:spPr>
+          <a:xfrm rot="0">
+            <a:off x="1247775" y="5266055"/>
+            <a:ext cx="4145915" cy="923925"/>
+          </a:xfrm>
+          <a:prstGeom prst="rect"/>
+          <a:noFill/>
+          <a:ln w="0">
+            <a:noFill/>
             <a:prstDash/>
-            <a:headEnd type="none" w="med" len="med"/>
-            <a:tailEnd type="triangle" w="med" len="med"/>
           </a:ln>
         </p:spPr>
-        <p:style>
-          <a:lnRef idx="1">
-            <a:schemeClr val="accent1"/>
-          </a:lnRef>
-          <a:fillRef idx="0">
-            <a:schemeClr val="accent1"/>
-          </a:fillRef>
-          <a:effectRef idx="0">
-            <a:schemeClr val="accent1"/>
-          </a:effectRef>
-          <a:fontRef idx="minor">
-            <a:schemeClr val="tx1"/>
-          </a:fontRef>
-        </p:style>
-      </p:cxnSp>
-      <p:pic>
-        <p:nvPicPr>
-          <p:cNvPr id="1228" name="그림 21"/>
-          <p:cNvPicPr>
-            <a:picLocks noChangeAspect="1"/>
-          </p:cNvPicPr>
-          <p:nvPr/>
-        </p:nvPicPr>
-        <p:blipFill rotWithShape="1">
-          <a:blip r:embed="rId12" cstate="print">
-            <a:extLst>
-              <a:ext uri="{28A0092B-C50C-407E-A947-70E740481C1C}">
-                <a14:useLocalDpi xmlns:a14="http://schemas.microsoft.com/office/drawing/2010/main" val="0"/>
-              </a:ext>
-            </a:extLst>
-          </a:blip>
-          <a:stretch>
-            <a:fillRect/>
-          </a:stretch>
-        </p:blipFill>
-        <p:spPr>
-          <a:xfrm rot="0">
-            <a:off x="6823710" y="1671320"/>
-            <a:ext cx="1316990" cy="1991995"/>
-          </a:xfrm>
-          <a:prstGeom prst="roundRect"/>
-          <a:solidFill>
-            <a:srgbClr val="EDEDED"/>
-          </a:solidFill>
-        </p:spPr>
-      </p:pic>
+        <p:txBody>
+          <a:bodyPr wrap="square" lIns="89535" tIns="46355" rIns="89535" bIns="46355" numCol="1" vert="horz" anchor="t">
+            <a:spAutoFit/>
+          </a:bodyPr>
+          <a:lstStyle/>
+          <a:p>
+            <a:pPr marL="0" indent="0" rtl="0" algn="l" defTabSz="914400" eaLnBrk="1" latinLnBrk="0" hangingPunct="1">
+              <a:buFontTx/>
+              <a:buNone/>
+            </a:pPr>
+            <a:r>
+              <a:rPr lang="ko-KR" sz="1800" b="1">
+                <a:solidFill>
+                  <a:srgbClr val="0611F2"/>
+                </a:solidFill>
+                <a:latin typeface="맑은 고딕" charset="0"/>
+                <a:ea typeface="맑은 고딕" charset="0"/>
+              </a:rPr>
+              <a:t>2</a:t>
+            </a:r>
+            <a:r>
+              <a:rPr lang="ko-KR" sz="1800" b="1">
+                <a:solidFill>
+                  <a:srgbClr val="0611F2"/>
+                </a:solidFill>
+                <a:latin typeface="맑은 고딕" charset="0"/>
+                <a:ea typeface="맑은 고딕" charset="0"/>
+              </a:rPr>
+              <a:t>5</a:t>
+            </a:r>
+            <a:r>
+              <a:rPr sz="1800" b="1">
+                <a:solidFill>
+                  <a:srgbClr val="0611F2"/>
+                </a:solidFill>
+                <a:latin typeface="맑은 고딕" charset="0"/>
+                <a:ea typeface="맑은 고딕" charset="0"/>
+              </a:rPr>
+              <a:t>.</a:t>
+            </a:r>
+            <a:r>
+              <a:rPr sz="1800">
+                <a:latin typeface="맑은 고딕" charset="0"/>
+                <a:ea typeface="맑은 고딕" charset="0"/>
+              </a:rPr>
+              <a:t> </a:t>
+            </a:r>
+            <a:r>
+              <a:rPr sz="1800">
+                <a:latin typeface="맑은 고딕" charset="0"/>
+                <a:ea typeface="맑은 고딕" charset="0"/>
+              </a:rPr>
+              <a:t>그</a:t>
+            </a:r>
+            <a:r>
+              <a:rPr lang="ko-KR" sz="1800">
+                <a:latin typeface="맑은 고딕" charset="0"/>
+                <a:ea typeface="맑은 고딕" charset="0"/>
+              </a:rPr>
+              <a:t>러고 </a:t>
+            </a:r>
+            <a:r>
+              <a:rPr lang="ko-KR" sz="1800">
+                <a:latin typeface="맑은 고딕" charset="0"/>
+                <a:ea typeface="맑은 고딕" charset="0"/>
+              </a:rPr>
+              <a:t>나서</a:t>
+            </a:r>
+            <a:r>
+              <a:rPr lang="ko-KR" sz="1800">
+                <a:latin typeface="맑은 고딕" charset="0"/>
+                <a:ea typeface="맑은 고딕" charset="0"/>
+              </a:rPr>
+              <a:t> </a:t>
+            </a:r>
+            <a:r>
+              <a:rPr lang="ko-KR" sz="1800">
+                <a:latin typeface="맑은 고딕" charset="0"/>
+                <a:ea typeface="맑은 고딕" charset="0"/>
+              </a:rPr>
+              <a:t>A</a:t>
+            </a:r>
+            <a:r>
+              <a:rPr lang="ko-KR" sz="1800">
+                <a:latin typeface="맑은 고딕" charset="0"/>
+                <a:ea typeface="맑은 고딕" charset="0"/>
+              </a:rPr>
+              <a:t>udio Manager</a:t>
+            </a:r>
+            <a:r>
+              <a:rPr lang="ko-KR" sz="1800">
+                <a:latin typeface="맑은 고딕" charset="0"/>
+                <a:ea typeface="맑은 고딕" charset="0"/>
+              </a:rPr>
+              <a:t> 오브젝트에 Audio Source 컴포넌트를 추가합니다. </a:t>
+            </a:r>
+            <a:endParaRPr lang="ko-KR" altLang="en-US" sz="1800">
+              <a:latin typeface="맑은 고딕" charset="0"/>
+              <a:ea typeface="맑은 고딕" charset="0"/>
+            </a:endParaRPr>
+          </a:p>
+        </p:txBody>
+      </p:sp>
     </p:spTree>
   </p:cSld>
   <p:clrMapOvr>

--- a/Assets/Sound/PPT Data/Sound Example.pptx
+++ b/Assets/Sound/PPT Data/Sound Example.pptx
@@ -2,7 +2,7 @@
 <file path=ppt/presentation.xml><?xml version="1.0" encoding="utf-8"?>
 <p:presentation xmlns:a="http://schemas.openxmlformats.org/drawingml/2006/main" xmlns:r="http://schemas.openxmlformats.org/officeDocument/2006/relationships" xmlns:p="http://schemas.openxmlformats.org/presentationml/2006/main" xmlns:p14="http://schemas.microsoft.com/office/powerpoint/2010/main" saveSubsetFonts="1" firstSlideNum="0">
   <p:sldMasterIdLst>
-    <p:sldMasterId id="2147486453" r:id="rId12"/>
+    <p:sldMasterId id="2147486484" r:id="rId12"/>
   </p:sldMasterIdLst>
   <p:notesMasterIdLst>
     <p:notesMasterId r:id="rId14"/>
@@ -18,10 +18,15 @@
     <p:sldId id="307" r:id="rId30"/>
     <p:sldId id="308" r:id="rId32"/>
     <p:sldId id="309" r:id="rId34"/>
-    <p:sldId id="313" r:id="rId35"/>
-    <p:sldId id="314" r:id="rId36"/>
-    <p:sldId id="315" r:id="rId37"/>
-    <p:sldId id="316" r:id="rId38"/>
+    <p:sldId id="313" r:id="rId36"/>
+    <p:sldId id="314" r:id="rId38"/>
+    <p:sldId id="315" r:id="rId40"/>
+    <p:sldId id="316" r:id="rId42"/>
+    <p:sldId id="317" r:id="rId44"/>
+    <p:sldId id="319" r:id="rId45"/>
+    <p:sldId id="320" r:id="rId46"/>
+    <p:sldId id="318" r:id="rId47"/>
+    <p:sldId id="321" r:id="rId48"/>
   </p:sldIdLst>
   <p:sldSz cx="12192000" cy="6858000"/>
   <p:notesSz cx="6858000" cy="9144000"/>
@@ -1332,6 +1337,716 @@
 </p:notes>
 </file>
 
+<file path=ppt/notesSlides/notesSlide15.xml><?xml version="1.0" encoding="utf-8"?>
+<p:notes xmlns:a="http://schemas.openxmlformats.org/drawingml/2006/main" xmlns:r="http://schemas.openxmlformats.org/officeDocument/2006/relationships" xmlns:p="http://schemas.openxmlformats.org/presentationml/2006/main">
+  <p:cSld>
+    <p:spTree>
+      <p:nvGrpSpPr>
+        <p:cNvPr id="1" name=""/>
+        <p:cNvGrpSpPr/>
+        <p:nvPr/>
+      </p:nvGrpSpPr>
+      <p:grpSpPr>
+        <a:xfrm>
+          <a:off x="0" y="0"/>
+          <a:ext cx="0" cy="0"/>
+          <a:chOff x="0" y="0"/>
+          <a:chExt cx="0" cy="0"/>
+        </a:xfrm>
+      </p:grpSpPr>
+      <p:sp>
+        <p:nvSpPr>
+          <p:cNvPr id="2" name="슬라이드 이미지 개체 틀 3"/>
+          <p:cNvSpPr>
+            <a:spLocks noChangeAspect="1"/>
+          </p:cNvSpPr>
+          <p:nvPr>
+            <p:ph type="sldImg" idx="2"/>
+          </p:nvPr>
+        </p:nvSpPr>
+        <p:spPr>
+          <a:xfrm rot="0">
+            <a:off x="685800" y="1143000"/>
+            <a:ext cx="5493385" cy="3093085"/>
+          </a:xfrm>
+          <a:prstGeom prst="rect"/>
+          <a:noFill/>
+          <a:ln w="12700" cap="flat" cmpd="sng">
+            <a:solidFill>
+              <a:srgbClr val="000000">
+                <a:alpha val="100000"/>
+              </a:srgbClr>
+            </a:solidFill>
+            <a:prstDash val="solid"/>
+          </a:ln>
+        </p:spPr>
+        <p:txBody>
+          <a:bodyPr wrap="square" lIns="91440" tIns="45720" rIns="91440" bIns="45720" numCol="1" vert="horz" anchor="ctr">
+            <a:noAutofit/>
+          </a:bodyPr>
+          <a:lstStyle/>
+          <a:p>
+            <a:pPr marL="0" indent="0" latinLnBrk="0">
+              <a:buFontTx/>
+              <a:buNone/>
+            </a:pPr>
+          </a:p>
+        </p:txBody>
+      </p:sp>
+      <p:sp>
+        <p:nvSpPr>
+          <p:cNvPr id="3" name="슬라이드 노트 개체 틀 4"/>
+          <p:cNvSpPr txBox="1">
+            <a:spLocks/>
+          </p:cNvSpPr>
+          <p:nvPr>
+            <p:ph type="body" idx="3"/>
+          </p:nvPr>
+        </p:nvSpPr>
+        <p:spPr>
+          <a:xfrm rot="0">
+            <a:off x="685800" y="4400550"/>
+            <a:ext cx="5493385" cy="3607435"/>
+          </a:xfrm>
+          <a:prstGeom prst="rect"/>
+        </p:spPr>
+        <p:txBody>
+          <a:bodyPr wrap="square" lIns="91440" tIns="45720" rIns="91440" bIns="45720" numCol="1" vert="horz" anchor="t">
+            <a:noAutofit/>
+          </a:bodyPr>
+          <a:lstStyle/>
+          <a:p>
+            <a:pPr marL="0" indent="0" latinLnBrk="0">
+              <a:buFontTx/>
+              <a:buNone/>
+            </a:pPr>
+          </a:p>
+        </p:txBody>
+      </p:sp>
+      <p:sp>
+        <p:nvSpPr>
+          <p:cNvPr id="4" name="슬라이드 번호 개체 틀 6"/>
+          <p:cNvSpPr txBox="1">
+            <a:spLocks/>
+          </p:cNvSpPr>
+          <p:nvPr>
+            <p:ph type="sldNum" idx="5"/>
+          </p:nvPr>
+        </p:nvSpPr>
+        <p:spPr>
+          <a:xfrm rot="0">
+            <a:off x="3884930" y="8685530"/>
+            <a:ext cx="2978785" cy="465455"/>
+          </a:xfrm>
+          <a:prstGeom prst="rect"/>
+        </p:spPr>
+        <p:txBody>
+          <a:bodyPr wrap="square" lIns="91440" tIns="45720" rIns="91440" bIns="45720" numCol="1" vert="horz" anchor="b">
+            <a:noAutofit/>
+          </a:bodyPr>
+          <a:lstStyle>
+            <a:lvl1pPr marL="0" indent="0" algn="r" latinLnBrk="0">
+              <a:buFontTx/>
+              <a:buNone/>
+              <a:defRPr lang="en-GB" altLang="en-US" sz="1200"/>
+            </a:lvl1pPr>
+          </a:lstStyle>
+          <a:p>
+            <a:pPr marL="0" indent="0" latinLnBrk="0">
+              <a:buFontTx/>
+              <a:buNone/>
+            </a:pPr>
+            <a:fld id="{B9320F77-B9A0-41C5-862A-B4B631284C64}" type="slidenum">
+              <a:rPr lang="ko-KR" altLang="en-US"/>
+              <a:t>‹#›</a:t>
+            </a:fld>
+          </a:p>
+        </p:txBody>
+      </p:sp>
+    </p:spTree>
+  </p:cSld>
+  <p:clrMapOvr>
+    <a:masterClrMapping/>
+  </p:clrMapOvr>
+  <mc:AlternateContent xmlns:mc="http://schemas.openxmlformats.org/markup-compatibility/2006">
+    <mc:Choice xmlns:p14="http://schemas.microsoft.com/office/powerpoint/2010/main" Requires="p14">
+      <p:transition spd="slow" p14:dur="0"/>
+    </mc:Choice>
+    <mc:Fallback>
+      <p:transition spd="slow"/>
+    </mc:Fallback>
+  </mc:AlternateContent>
+</p:notes>
+</file>
+
+<file path=ppt/notesSlides/notesSlide16.xml><?xml version="1.0" encoding="utf-8"?>
+<p:notes xmlns:a="http://schemas.openxmlformats.org/drawingml/2006/main" xmlns:r="http://schemas.openxmlformats.org/officeDocument/2006/relationships" xmlns:p="http://schemas.openxmlformats.org/presentationml/2006/main">
+  <p:cSld>
+    <p:spTree>
+      <p:nvGrpSpPr>
+        <p:cNvPr id="1" name=""/>
+        <p:cNvGrpSpPr/>
+        <p:nvPr/>
+      </p:nvGrpSpPr>
+      <p:grpSpPr>
+        <a:xfrm>
+          <a:off x="0" y="0"/>
+          <a:ext cx="0" cy="0"/>
+          <a:chOff x="0" y="0"/>
+          <a:chExt cx="0" cy="0"/>
+        </a:xfrm>
+      </p:grpSpPr>
+      <p:sp>
+        <p:nvSpPr>
+          <p:cNvPr id="2" name="슬라이드 이미지 개체 틀 3"/>
+          <p:cNvSpPr>
+            <a:spLocks noChangeAspect="1"/>
+          </p:cNvSpPr>
+          <p:nvPr>
+            <p:ph type="sldImg" idx="2"/>
+          </p:nvPr>
+        </p:nvSpPr>
+        <p:spPr>
+          <a:xfrm rot="0">
+            <a:off x="685800" y="1143000"/>
+            <a:ext cx="5494020" cy="3093720"/>
+          </a:xfrm>
+          <a:prstGeom prst="rect"/>
+          <a:noFill/>
+          <a:ln w="12700" cap="flat" cmpd="sng">
+            <a:solidFill>
+              <a:srgbClr val="000000">
+                <a:alpha val="100000"/>
+              </a:srgbClr>
+            </a:solidFill>
+            <a:prstDash val="solid"/>
+          </a:ln>
+        </p:spPr>
+        <p:txBody>
+          <a:bodyPr wrap="square" lIns="91440" tIns="45720" rIns="91440" bIns="45720" numCol="1" vert="horz" anchor="ctr">
+            <a:noAutofit/>
+          </a:bodyPr>
+          <a:lstStyle/>
+          <a:p>
+            <a:pPr marL="0" indent="0" latinLnBrk="0">
+              <a:buFontTx/>
+              <a:buNone/>
+            </a:pPr>
+          </a:p>
+        </p:txBody>
+      </p:sp>
+      <p:sp>
+        <p:nvSpPr>
+          <p:cNvPr id="3" name="슬라이드 노트 개체 틀 4"/>
+          <p:cNvSpPr txBox="1">
+            <a:spLocks/>
+          </p:cNvSpPr>
+          <p:nvPr>
+            <p:ph type="body" idx="3"/>
+          </p:nvPr>
+        </p:nvSpPr>
+        <p:spPr>
+          <a:xfrm rot="0">
+            <a:off x="685800" y="4400550"/>
+            <a:ext cx="5494020" cy="3608070"/>
+          </a:xfrm>
+          <a:prstGeom prst="rect"/>
+        </p:spPr>
+        <p:txBody>
+          <a:bodyPr wrap="square" lIns="91440" tIns="45720" rIns="91440" bIns="45720" numCol="1" vert="horz" anchor="t">
+            <a:noAutofit/>
+          </a:bodyPr>
+          <a:lstStyle/>
+          <a:p>
+            <a:pPr marL="0" indent="0" latinLnBrk="0">
+              <a:buFontTx/>
+              <a:buNone/>
+            </a:pPr>
+          </a:p>
+        </p:txBody>
+      </p:sp>
+      <p:sp>
+        <p:nvSpPr>
+          <p:cNvPr id="4" name="슬라이드 번호 개체 틀 6"/>
+          <p:cNvSpPr txBox="1">
+            <a:spLocks/>
+          </p:cNvSpPr>
+          <p:nvPr>
+            <p:ph type="sldNum" idx="5"/>
+          </p:nvPr>
+        </p:nvSpPr>
+        <p:spPr>
+          <a:xfrm rot="0">
+            <a:off x="3884930" y="8685530"/>
+            <a:ext cx="2979420" cy="466090"/>
+          </a:xfrm>
+          <a:prstGeom prst="rect"/>
+        </p:spPr>
+        <p:txBody>
+          <a:bodyPr wrap="square" lIns="91440" tIns="45720" rIns="91440" bIns="45720" numCol="1" vert="horz" anchor="b">
+            <a:noAutofit/>
+          </a:bodyPr>
+          <a:lstStyle>
+            <a:lvl1pPr marL="0" indent="0" algn="r" latinLnBrk="0">
+              <a:buFontTx/>
+              <a:buNone/>
+              <a:defRPr lang="en-GB" altLang="en-US" sz="1200"/>
+            </a:lvl1pPr>
+          </a:lstStyle>
+          <a:p>
+            <a:pPr marL="0" indent="0" latinLnBrk="0">
+              <a:buFontTx/>
+              <a:buNone/>
+            </a:pPr>
+            <a:fld id="{B9320F77-B9A0-41C5-862A-B4B631284C64}" type="slidenum">
+              <a:rPr lang="ko-KR" altLang="en-US"/>
+              <a:t>‹#›</a:t>
+            </a:fld>
+          </a:p>
+        </p:txBody>
+      </p:sp>
+    </p:spTree>
+  </p:cSld>
+  <p:clrMapOvr>
+    <a:masterClrMapping/>
+  </p:clrMapOvr>
+  <mc:AlternateContent xmlns:mc="http://schemas.openxmlformats.org/markup-compatibility/2006">
+    <mc:Choice xmlns:p14="http://schemas.microsoft.com/office/powerpoint/2010/main" Requires="p14">
+      <p:transition spd="slow" p14:dur="0"/>
+    </mc:Choice>
+    <mc:Fallback>
+      <p:transition spd="slow"/>
+    </mc:Fallback>
+  </mc:AlternateContent>
+</p:notes>
+</file>
+
+<file path=ppt/notesSlides/notesSlide17.xml><?xml version="1.0" encoding="utf-8"?>
+<p:notes xmlns:a="http://schemas.openxmlformats.org/drawingml/2006/main" xmlns:r="http://schemas.openxmlformats.org/officeDocument/2006/relationships" xmlns:p="http://schemas.openxmlformats.org/presentationml/2006/main">
+  <p:cSld>
+    <p:spTree>
+      <p:nvGrpSpPr>
+        <p:cNvPr id="1" name=""/>
+        <p:cNvGrpSpPr/>
+        <p:nvPr/>
+      </p:nvGrpSpPr>
+      <p:grpSpPr>
+        <a:xfrm>
+          <a:off x="0" y="0"/>
+          <a:ext cx="0" cy="0"/>
+          <a:chOff x="0" y="0"/>
+          <a:chExt cx="0" cy="0"/>
+        </a:xfrm>
+      </p:grpSpPr>
+      <p:sp>
+        <p:nvSpPr>
+          <p:cNvPr id="2" name="슬라이드 이미지 개체 틀 3"/>
+          <p:cNvSpPr>
+            <a:spLocks noChangeAspect="1"/>
+          </p:cNvSpPr>
+          <p:nvPr>
+            <p:ph type="sldImg" idx="2"/>
+          </p:nvPr>
+        </p:nvSpPr>
+        <p:spPr>
+          <a:xfrm rot="0">
+            <a:off x="685800" y="1143000"/>
+            <a:ext cx="5494020" cy="3093720"/>
+          </a:xfrm>
+          <a:prstGeom prst="rect"/>
+          <a:noFill/>
+          <a:ln w="12700" cap="flat" cmpd="sng">
+            <a:solidFill>
+              <a:srgbClr val="000000">
+                <a:alpha val="100000"/>
+              </a:srgbClr>
+            </a:solidFill>
+            <a:prstDash val="solid"/>
+          </a:ln>
+        </p:spPr>
+        <p:txBody>
+          <a:bodyPr wrap="square" lIns="91440" tIns="45720" rIns="91440" bIns="45720" numCol="1" vert="horz" anchor="ctr">
+            <a:noAutofit/>
+          </a:bodyPr>
+          <a:lstStyle/>
+          <a:p>
+            <a:pPr marL="0" indent="0" latinLnBrk="0">
+              <a:buFontTx/>
+              <a:buNone/>
+            </a:pPr>
+          </a:p>
+        </p:txBody>
+      </p:sp>
+      <p:sp>
+        <p:nvSpPr>
+          <p:cNvPr id="3" name="슬라이드 노트 개체 틀 4"/>
+          <p:cNvSpPr txBox="1">
+            <a:spLocks/>
+          </p:cNvSpPr>
+          <p:nvPr>
+            <p:ph type="body" idx="3"/>
+          </p:nvPr>
+        </p:nvSpPr>
+        <p:spPr>
+          <a:xfrm rot="0">
+            <a:off x="685800" y="4400550"/>
+            <a:ext cx="5494020" cy="3608070"/>
+          </a:xfrm>
+          <a:prstGeom prst="rect"/>
+        </p:spPr>
+        <p:txBody>
+          <a:bodyPr wrap="square" lIns="91440" tIns="45720" rIns="91440" bIns="45720" numCol="1" vert="horz" anchor="t">
+            <a:noAutofit/>
+          </a:bodyPr>
+          <a:lstStyle/>
+          <a:p>
+            <a:pPr marL="0" indent="0" latinLnBrk="0">
+              <a:buFontTx/>
+              <a:buNone/>
+            </a:pPr>
+          </a:p>
+        </p:txBody>
+      </p:sp>
+      <p:sp>
+        <p:nvSpPr>
+          <p:cNvPr id="4" name="슬라이드 번호 개체 틀 6"/>
+          <p:cNvSpPr txBox="1">
+            <a:spLocks/>
+          </p:cNvSpPr>
+          <p:nvPr>
+            <p:ph type="sldNum" idx="5"/>
+          </p:nvPr>
+        </p:nvSpPr>
+        <p:spPr>
+          <a:xfrm rot="0">
+            <a:off x="3884930" y="8685530"/>
+            <a:ext cx="2979420" cy="466090"/>
+          </a:xfrm>
+          <a:prstGeom prst="rect"/>
+        </p:spPr>
+        <p:txBody>
+          <a:bodyPr wrap="square" lIns="91440" tIns="45720" rIns="91440" bIns="45720" numCol="1" vert="horz" anchor="b">
+            <a:noAutofit/>
+          </a:bodyPr>
+          <a:lstStyle>
+            <a:lvl1pPr marL="0" indent="0" algn="r" latinLnBrk="0">
+              <a:buFontTx/>
+              <a:buNone/>
+              <a:defRPr lang="en-GB" altLang="en-US" sz="1200"/>
+            </a:lvl1pPr>
+          </a:lstStyle>
+          <a:p>
+            <a:pPr marL="0" indent="0" latinLnBrk="0">
+              <a:buFontTx/>
+              <a:buNone/>
+            </a:pPr>
+            <a:fld id="{B9320F77-B9A0-41C5-862A-B4B631284C64}" type="slidenum">
+              <a:rPr lang="ko-KR" altLang="en-US"/>
+              <a:t>‹#›</a:t>
+            </a:fld>
+          </a:p>
+        </p:txBody>
+      </p:sp>
+    </p:spTree>
+  </p:cSld>
+  <p:clrMapOvr>
+    <a:masterClrMapping/>
+  </p:clrMapOvr>
+  <mc:AlternateContent xmlns:mc="http://schemas.openxmlformats.org/markup-compatibility/2006">
+    <mc:Choice xmlns:p14="http://schemas.microsoft.com/office/powerpoint/2010/main" Requires="p14">
+      <p:transition spd="slow" p14:dur="0"/>
+    </mc:Choice>
+    <mc:Fallback>
+      <p:transition spd="slow"/>
+    </mc:Fallback>
+  </mc:AlternateContent>
+</p:notes>
+</file>
+
+<file path=ppt/notesSlides/notesSlide18.xml><?xml version="1.0" encoding="utf-8"?>
+<p:notes xmlns:a="http://schemas.openxmlformats.org/drawingml/2006/main" xmlns:r="http://schemas.openxmlformats.org/officeDocument/2006/relationships" xmlns:p="http://schemas.openxmlformats.org/presentationml/2006/main">
+  <p:cSld>
+    <p:spTree>
+      <p:nvGrpSpPr>
+        <p:cNvPr id="1" name=""/>
+        <p:cNvGrpSpPr/>
+        <p:nvPr/>
+      </p:nvGrpSpPr>
+      <p:grpSpPr>
+        <a:xfrm>
+          <a:off x="0" y="0"/>
+          <a:ext cx="0" cy="0"/>
+          <a:chOff x="0" y="0"/>
+          <a:chExt cx="0" cy="0"/>
+        </a:xfrm>
+      </p:grpSpPr>
+      <p:sp>
+        <p:nvSpPr>
+          <p:cNvPr id="2" name="슬라이드 이미지 개체 틀 3"/>
+          <p:cNvSpPr>
+            <a:spLocks noChangeAspect="1"/>
+          </p:cNvSpPr>
+          <p:nvPr>
+            <p:ph type="sldImg" idx="2"/>
+          </p:nvPr>
+        </p:nvSpPr>
+        <p:spPr>
+          <a:xfrm rot="0">
+            <a:off x="685800" y="1143000"/>
+            <a:ext cx="5494020" cy="3093720"/>
+          </a:xfrm>
+          <a:prstGeom prst="rect"/>
+          <a:noFill/>
+          <a:ln w="12700" cap="flat" cmpd="sng">
+            <a:solidFill>
+              <a:srgbClr val="000000">
+                <a:alpha val="100000"/>
+              </a:srgbClr>
+            </a:solidFill>
+            <a:prstDash val="solid"/>
+          </a:ln>
+        </p:spPr>
+        <p:txBody>
+          <a:bodyPr wrap="square" lIns="91440" tIns="45720" rIns="91440" bIns="45720" numCol="1" vert="horz" anchor="ctr">
+            <a:noAutofit/>
+          </a:bodyPr>
+          <a:lstStyle/>
+          <a:p>
+            <a:pPr marL="0" indent="0" latinLnBrk="0">
+              <a:buFontTx/>
+              <a:buNone/>
+            </a:pPr>
+          </a:p>
+        </p:txBody>
+      </p:sp>
+      <p:sp>
+        <p:nvSpPr>
+          <p:cNvPr id="3" name="슬라이드 노트 개체 틀 4"/>
+          <p:cNvSpPr txBox="1">
+            <a:spLocks/>
+          </p:cNvSpPr>
+          <p:nvPr>
+            <p:ph type="body" idx="3"/>
+          </p:nvPr>
+        </p:nvSpPr>
+        <p:spPr>
+          <a:xfrm rot="0">
+            <a:off x="685800" y="4400550"/>
+            <a:ext cx="5494020" cy="3608070"/>
+          </a:xfrm>
+          <a:prstGeom prst="rect"/>
+        </p:spPr>
+        <p:txBody>
+          <a:bodyPr wrap="square" lIns="91440" tIns="45720" rIns="91440" bIns="45720" numCol="1" vert="horz" anchor="t">
+            <a:noAutofit/>
+          </a:bodyPr>
+          <a:lstStyle/>
+          <a:p>
+            <a:pPr marL="0" indent="0" latinLnBrk="0">
+              <a:buFontTx/>
+              <a:buNone/>
+            </a:pPr>
+          </a:p>
+        </p:txBody>
+      </p:sp>
+      <p:sp>
+        <p:nvSpPr>
+          <p:cNvPr id="4" name="슬라이드 번호 개체 틀 6"/>
+          <p:cNvSpPr txBox="1">
+            <a:spLocks/>
+          </p:cNvSpPr>
+          <p:nvPr>
+            <p:ph type="sldNum" idx="5"/>
+          </p:nvPr>
+        </p:nvSpPr>
+        <p:spPr>
+          <a:xfrm rot="0">
+            <a:off x="3884930" y="8685530"/>
+            <a:ext cx="2979420" cy="466090"/>
+          </a:xfrm>
+          <a:prstGeom prst="rect"/>
+        </p:spPr>
+        <p:txBody>
+          <a:bodyPr wrap="square" lIns="91440" tIns="45720" rIns="91440" bIns="45720" numCol="1" vert="horz" anchor="b">
+            <a:noAutofit/>
+          </a:bodyPr>
+          <a:lstStyle>
+            <a:lvl1pPr marL="0" indent="0" algn="r" latinLnBrk="0">
+              <a:buFontTx/>
+              <a:buNone/>
+              <a:defRPr lang="en-GB" altLang="en-US" sz="1200"/>
+            </a:lvl1pPr>
+          </a:lstStyle>
+          <a:p>
+            <a:pPr marL="0" indent="0" latinLnBrk="0">
+              <a:buFontTx/>
+              <a:buNone/>
+            </a:pPr>
+            <a:fld id="{B9320F77-B9A0-41C5-862A-B4B631284C64}" type="slidenum">
+              <a:rPr lang="ko-KR" altLang="en-US"/>
+              <a:t>‹#›</a:t>
+            </a:fld>
+          </a:p>
+        </p:txBody>
+      </p:sp>
+    </p:spTree>
+  </p:cSld>
+  <p:clrMapOvr>
+    <a:masterClrMapping/>
+  </p:clrMapOvr>
+  <mc:AlternateContent xmlns:mc="http://schemas.openxmlformats.org/markup-compatibility/2006">
+    <mc:Choice xmlns:p14="http://schemas.microsoft.com/office/powerpoint/2010/main" Requires="p14">
+      <p:transition spd="slow" p14:dur="0"/>
+    </mc:Choice>
+    <mc:Fallback>
+      <p:transition spd="slow"/>
+    </mc:Fallback>
+  </mc:AlternateContent>
+</p:notes>
+</file>
+
+<file path=ppt/notesSlides/notesSlide19.xml><?xml version="1.0" encoding="utf-8"?>
+<p:notes xmlns:a="http://schemas.openxmlformats.org/drawingml/2006/main" xmlns:r="http://schemas.openxmlformats.org/officeDocument/2006/relationships" xmlns:p="http://schemas.openxmlformats.org/presentationml/2006/main">
+  <p:cSld>
+    <p:spTree>
+      <p:nvGrpSpPr>
+        <p:cNvPr id="1" name=""/>
+        <p:cNvGrpSpPr/>
+        <p:nvPr/>
+      </p:nvGrpSpPr>
+      <p:grpSpPr>
+        <a:xfrm>
+          <a:off x="0" y="0"/>
+          <a:ext cx="0" cy="0"/>
+          <a:chOff x="0" y="0"/>
+          <a:chExt cx="0" cy="0"/>
+        </a:xfrm>
+      </p:grpSpPr>
+      <p:sp>
+        <p:nvSpPr>
+          <p:cNvPr id="2" name="슬라이드 이미지 개체 틀 3"/>
+          <p:cNvSpPr>
+            <a:spLocks noChangeAspect="1"/>
+          </p:cNvSpPr>
+          <p:nvPr>
+            <p:ph type="sldImg" idx="2"/>
+          </p:nvPr>
+        </p:nvSpPr>
+        <p:spPr>
+          <a:xfrm rot="0">
+            <a:off x="685800" y="1143000"/>
+            <a:ext cx="5494020" cy="3093720"/>
+          </a:xfrm>
+          <a:prstGeom prst="rect"/>
+          <a:noFill/>
+          <a:ln w="12700" cap="flat" cmpd="sng">
+            <a:solidFill>
+              <a:srgbClr val="000000">
+                <a:alpha val="100000"/>
+              </a:srgbClr>
+            </a:solidFill>
+            <a:prstDash val="solid"/>
+          </a:ln>
+        </p:spPr>
+        <p:txBody>
+          <a:bodyPr wrap="square" lIns="91440" tIns="45720" rIns="91440" bIns="45720" numCol="1" vert="horz" anchor="ctr">
+            <a:noAutofit/>
+          </a:bodyPr>
+          <a:lstStyle/>
+          <a:p>
+            <a:pPr marL="0" indent="0" latinLnBrk="0">
+              <a:buFontTx/>
+              <a:buNone/>
+            </a:pPr>
+          </a:p>
+        </p:txBody>
+      </p:sp>
+      <p:sp>
+        <p:nvSpPr>
+          <p:cNvPr id="3" name="슬라이드 노트 개체 틀 4"/>
+          <p:cNvSpPr txBox="1">
+            <a:spLocks/>
+          </p:cNvSpPr>
+          <p:nvPr>
+            <p:ph type="body" idx="3"/>
+          </p:nvPr>
+        </p:nvSpPr>
+        <p:spPr>
+          <a:xfrm rot="0">
+            <a:off x="685800" y="4400550"/>
+            <a:ext cx="5494020" cy="3608070"/>
+          </a:xfrm>
+          <a:prstGeom prst="rect"/>
+        </p:spPr>
+        <p:txBody>
+          <a:bodyPr wrap="square" lIns="91440" tIns="45720" rIns="91440" bIns="45720" numCol="1" vert="horz" anchor="t">
+            <a:noAutofit/>
+          </a:bodyPr>
+          <a:lstStyle/>
+          <a:p>
+            <a:pPr marL="0" indent="0" latinLnBrk="0">
+              <a:buFontTx/>
+              <a:buNone/>
+            </a:pPr>
+          </a:p>
+        </p:txBody>
+      </p:sp>
+      <p:sp>
+        <p:nvSpPr>
+          <p:cNvPr id="4" name="슬라이드 번호 개체 틀 6"/>
+          <p:cNvSpPr txBox="1">
+            <a:spLocks/>
+          </p:cNvSpPr>
+          <p:nvPr>
+            <p:ph type="sldNum" idx="5"/>
+          </p:nvPr>
+        </p:nvSpPr>
+        <p:spPr>
+          <a:xfrm rot="0">
+            <a:off x="3884930" y="8685530"/>
+            <a:ext cx="2979420" cy="466090"/>
+          </a:xfrm>
+          <a:prstGeom prst="rect"/>
+        </p:spPr>
+        <p:txBody>
+          <a:bodyPr wrap="square" lIns="91440" tIns="45720" rIns="91440" bIns="45720" numCol="1" vert="horz" anchor="b">
+            <a:noAutofit/>
+          </a:bodyPr>
+          <a:lstStyle>
+            <a:lvl1pPr marL="0" indent="0" algn="r" latinLnBrk="0">
+              <a:buFontTx/>
+              <a:buNone/>
+              <a:defRPr lang="en-GB" altLang="en-US" sz="1200"/>
+            </a:lvl1pPr>
+          </a:lstStyle>
+          <a:p>
+            <a:pPr marL="0" indent="0" latinLnBrk="0">
+              <a:buFontTx/>
+              <a:buNone/>
+            </a:pPr>
+            <a:fld id="{B9320F77-B9A0-41C5-862A-B4B631284C64}" type="slidenum">
+              <a:rPr lang="ko-KR" altLang="en-US"/>
+              <a:t>‹#›</a:t>
+            </a:fld>
+          </a:p>
+        </p:txBody>
+      </p:sp>
+    </p:spTree>
+  </p:cSld>
+  <p:clrMapOvr>
+    <a:masterClrMapping/>
+  </p:clrMapOvr>
+  <mc:AlternateContent xmlns:mc="http://schemas.openxmlformats.org/markup-compatibility/2006">
+    <mc:Choice xmlns:p14="http://schemas.microsoft.com/office/powerpoint/2010/main" Requires="p14">
+      <p:transition spd="slow" p14:dur="0"/>
+    </mc:Choice>
+    <mc:Fallback>
+      <p:transition spd="slow"/>
+    </mc:Fallback>
+  </mc:AlternateContent>
+</p:notes>
+</file>
+
 <file path=ppt/notesSlides/notesSlide2.xml><?xml version="1.0" encoding="utf-8"?>
 <p:notes xmlns:a="http://schemas.openxmlformats.org/drawingml/2006/main" xmlns:r="http://schemas.openxmlformats.org/officeDocument/2006/relationships" xmlns:p="http://schemas.openxmlformats.org/presentationml/2006/main">
   <p:cSld>
@@ -9925,6 +10640,2062 @@
 </file>
 
 <file path=ppt/slides/slide13.xml><?xml version="1.0" encoding="utf-8"?>
+<p:sld xmlns:a="http://schemas.openxmlformats.org/drawingml/2006/main" xmlns:r="http://schemas.openxmlformats.org/officeDocument/2006/relationships" xmlns:p="http://schemas.openxmlformats.org/presentationml/2006/main" xmlns:p14="http://schemas.microsoft.com/office/powerpoint/2010/main">
+  <p:cSld>
+    <p:spTree>
+      <p:nvGrpSpPr>
+        <p:cNvPr id="1" name=""/>
+        <p:cNvGrpSpPr/>
+        <p:nvPr/>
+      </p:nvGrpSpPr>
+      <p:grpSpPr>
+        <a:xfrm>
+          <a:off x="0" y="0"/>
+          <a:ext cx="0" cy="0"/>
+          <a:chOff x="0" y="0"/>
+          <a:chExt cx="0" cy="0"/>
+        </a:xfrm>
+      </p:grpSpPr>
+      <p:sp>
+        <p:nvSpPr>
+          <p:cNvPr id="1031" name="Rect 0"/>
+          <p:cNvSpPr txBox="1">
+            <a:spLocks/>
+          </p:cNvSpPr>
+          <p:nvPr/>
+        </p:nvSpPr>
+        <p:spPr>
+          <a:xfrm rot="0">
+            <a:off x="4486910" y="354965"/>
+            <a:ext cx="3213735" cy="478155"/>
+          </a:xfrm>
+          <a:prstGeom prst="rect"/>
+          <a:noFill/>
+          <a:ln w="0">
+            <a:noFill/>
+            <a:prstDash/>
+          </a:ln>
+        </p:spPr>
+        <p:txBody>
+          <a:bodyPr wrap="square" lIns="89535" tIns="46355" rIns="89535" bIns="46355" numCol="1" vert="horz" anchor="t">
+            <a:spAutoFit/>
+          </a:bodyPr>
+          <a:lstStyle/>
+          <a:p>
+            <a:pPr marL="0" indent="0" algn="ctr" latinLnBrk="0">
+              <a:buFontTx/>
+              <a:buNone/>
+            </a:pPr>
+            <a:r>
+              <a:rPr lang="ko-KR" altLang="en-US" sz="2500" b="1">
+                <a:solidFill>
+                  <a:schemeClr val="tx1"/>
+                </a:solidFill>
+                <a:latin typeface="나눔바른고딕" charset="0"/>
+                <a:ea typeface="나눔바른고딕" charset="0"/>
+              </a:rPr>
+              <a:t>열</a:t>
+            </a:r>
+            <a:r>
+              <a:rPr lang="ko-KR" altLang="en-US" sz="2500" b="1">
+                <a:solidFill>
+                  <a:schemeClr val="tx1"/>
+                </a:solidFill>
+                <a:latin typeface="나눔바른고딕" charset="0"/>
+                <a:ea typeface="나눔바른고딕" charset="0"/>
+              </a:rPr>
+              <a:t>세</a:t>
+            </a:r>
+            <a:r>
+              <a:rPr lang="ko-KR" altLang="en-US" sz="2500" b="1">
+                <a:solidFill>
+                  <a:schemeClr val="tx1"/>
+                </a:solidFill>
+                <a:latin typeface="나눔바른고딕" charset="0"/>
+                <a:ea typeface="나눔바른고딕" charset="0"/>
+              </a:rPr>
+              <a:t>  번째 튜토리얼</a:t>
+            </a:r>
+            <a:endParaRPr lang="ko-KR" altLang="en-US" sz="2500" b="1">
+              <a:solidFill>
+                <a:schemeClr val="tx1"/>
+              </a:solidFill>
+              <a:latin typeface="나눔바른고딕" charset="0"/>
+              <a:ea typeface="나눔바른고딕" charset="0"/>
+            </a:endParaRPr>
+          </a:p>
+        </p:txBody>
+      </p:sp>
+      <p:sp>
+        <p:nvSpPr>
+          <p:cNvPr id="1235" name="Rect 0"/>
+          <p:cNvSpPr txBox="1">
+            <a:spLocks/>
+          </p:cNvSpPr>
+          <p:nvPr/>
+        </p:nvSpPr>
+        <p:spPr>
+          <a:xfrm rot="0">
+            <a:off x="1225550" y="5009515"/>
+            <a:ext cx="4149725" cy="1200785"/>
+          </a:xfrm>
+          <a:prstGeom prst="rect"/>
+          <a:noFill/>
+          <a:ln w="0">
+            <a:noFill/>
+            <a:prstDash/>
+          </a:ln>
+        </p:spPr>
+        <p:txBody>
+          <a:bodyPr wrap="square" lIns="89535" tIns="46355" rIns="89535" bIns="46355" numCol="1" vert="horz" anchor="t">
+            <a:spAutoFit/>
+          </a:bodyPr>
+          <a:lstStyle/>
+          <a:p>
+            <a:pPr marL="0" indent="0" rtl="0" algn="l" defTabSz="914400" eaLnBrk="1" latinLnBrk="0" hangingPunct="1">
+              <a:buFontTx/>
+              <a:buNone/>
+            </a:pPr>
+            <a:r>
+              <a:rPr sz="1800" b="1">
+                <a:solidFill>
+                  <a:srgbClr val="0611F2"/>
+                </a:solidFill>
+                <a:latin typeface="맑은 고딕" charset="0"/>
+                <a:ea typeface="맑은 고딕" charset="0"/>
+              </a:rPr>
+              <a:t>3</a:t>
+            </a:r>
+            <a:r>
+              <a:rPr lang="ko-KR" sz="1800" b="1">
+                <a:solidFill>
+                  <a:srgbClr val="0611F2"/>
+                </a:solidFill>
+                <a:latin typeface="맑은 고딕" charset="0"/>
+                <a:ea typeface="맑은 고딕" charset="0"/>
+              </a:rPr>
+              <a:t>6</a:t>
+            </a:r>
+            <a:r>
+              <a:rPr sz="1800" b="1">
+                <a:solidFill>
+                  <a:srgbClr val="0611F2"/>
+                </a:solidFill>
+                <a:latin typeface="맑은 고딕" charset="0"/>
+                <a:ea typeface="맑은 고딕" charset="0"/>
+              </a:rPr>
+              <a:t>.</a:t>
+            </a:r>
+            <a:r>
+              <a:rPr sz="1800">
+                <a:latin typeface="맑은 고딕" charset="0"/>
+                <a:ea typeface="맑은 고딕" charset="0"/>
+              </a:rPr>
+              <a:t> </a:t>
+            </a:r>
+            <a:r>
+              <a:rPr lang="ko-KR" sz="1800">
+                <a:latin typeface="맑은 고딕" charset="0"/>
+                <a:ea typeface="맑은 고딕" charset="0"/>
+              </a:rPr>
+              <a:t>이제</a:t>
+            </a:r>
+            <a:r>
+              <a:rPr lang="ko-KR" sz="1800">
+                <a:latin typeface="맑은 고딕" charset="0"/>
+                <a:ea typeface="맑은 고딕" charset="0"/>
+              </a:rPr>
+              <a:t> Project 폴더 아래에 있는 Texture 폴더에 </a:t>
+            </a:r>
+            <a:r>
+              <a:rPr lang="ko-KR" sz="1800">
+                <a:latin typeface="맑은 고딕" charset="0"/>
+                <a:ea typeface="맑은 고딕" charset="0"/>
+              </a:rPr>
+              <a:t>3D</a:t>
+            </a:r>
+            <a:r>
+              <a:rPr lang="ko-KR" sz="1800">
+                <a:latin typeface="맑은 고딕" charset="0"/>
+                <a:ea typeface="맑은 고딕" charset="0"/>
+              </a:rPr>
+              <a:t> </a:t>
+            </a:r>
+            <a:r>
+              <a:rPr lang="ko-KR" sz="1800">
+                <a:latin typeface="맑은 고딕" charset="0"/>
+                <a:ea typeface="맑은 고딕" charset="0"/>
+              </a:rPr>
+              <a:t>B</a:t>
+            </a:r>
+            <a:r>
+              <a:rPr lang="ko-KR" sz="1800">
+                <a:latin typeface="맑은 고딕" charset="0"/>
+                <a:ea typeface="맑은 고딕" charset="0"/>
+              </a:rPr>
+              <a:t>utton</a:t>
+            </a:r>
+            <a:r>
+              <a:rPr lang="ko-KR" sz="1800">
+                <a:latin typeface="맑은 고딕" charset="0"/>
+                <a:ea typeface="맑은 고딕" charset="0"/>
+              </a:rPr>
+              <a:t> 텍스처를 </a:t>
+            </a:r>
+            <a:r>
+              <a:rPr sz="1800">
+                <a:latin typeface="맑은 고딕" charset="0"/>
+                <a:ea typeface="맑은 고딕" charset="0"/>
+              </a:rPr>
+              <a:t>S</a:t>
+            </a:r>
+            <a:r>
+              <a:rPr lang="ko-KR" sz="1800">
+                <a:latin typeface="맑은 고딕" charset="0"/>
+                <a:ea typeface="맑은 고딕" charset="0"/>
+              </a:rPr>
+              <a:t>i</a:t>
+            </a:r>
+            <a:r>
+              <a:rPr lang="ko-KR" sz="1800">
+                <a:latin typeface="맑은 고딕" charset="0"/>
+                <a:ea typeface="맑은 고딕" charset="0"/>
+              </a:rPr>
+              <a:t>gnal</a:t>
+            </a:r>
+            <a:r>
+              <a:rPr lang="ko-KR" sz="1800">
+                <a:latin typeface="맑은 고딕" charset="0"/>
+                <a:ea typeface="맑은 고딕" charset="0"/>
+              </a:rPr>
+              <a:t> Button</a:t>
+            </a:r>
+            <a:r>
+              <a:rPr lang="ko-KR" sz="1800">
+                <a:latin typeface="맑은 고딕" charset="0"/>
+                <a:ea typeface="맑은 고딕" charset="0"/>
+              </a:rPr>
+              <a:t> </a:t>
+            </a:r>
+            <a:r>
+              <a:rPr lang="ko-KR" sz="1800">
+                <a:latin typeface="맑은 고딕" charset="0"/>
+                <a:ea typeface="맑은 고딕" charset="0"/>
+              </a:rPr>
+              <a:t>오브젝트의 Source Image에 넣어줍니다.</a:t>
+            </a:r>
+            <a:endParaRPr lang="ko-KR" altLang="en-US" sz="1800">
+              <a:latin typeface="맑은 고딕" charset="0"/>
+              <a:ea typeface="맑은 고딕" charset="0"/>
+            </a:endParaRPr>
+          </a:p>
+        </p:txBody>
+      </p:sp>
+      <p:pic>
+        <p:nvPicPr>
+          <p:cNvPr id="1242" name="Picture "/>
+          <p:cNvPicPr>
+            <a:picLocks noChangeAspect="1"/>
+          </p:cNvPicPr>
+          <p:nvPr/>
+        </p:nvPicPr>
+        <p:blipFill rotWithShape="1">
+          <a:blip r:embed="rId2" cstate="print">
+            <a:extLst>
+              <a:ext uri="{28A0092B-C50C-407E-A947-70E740481C1C}">
+                <a14:useLocalDpi xmlns:a14="http://schemas.microsoft.com/office/drawing/2010/main" val="0"/>
+              </a:ext>
+            </a:extLst>
+          </a:blip>
+          <a:stretch>
+            <a:fillRect/>
+          </a:stretch>
+        </p:blipFill>
+        <p:spPr>
+          <a:xfrm rot="0">
+            <a:off x="1235075" y="1442720"/>
+            <a:ext cx="4145915" cy="2200910"/>
+          </a:xfrm>
+          <a:prstGeom prst="roundRect"/>
+          <a:solidFill>
+            <a:srgbClr val="EDEDED"/>
+          </a:solidFill>
+        </p:spPr>
+      </p:pic>
+      <p:pic>
+        <p:nvPicPr>
+          <p:cNvPr id="1243" name="Picture "/>
+          <p:cNvPicPr>
+            <a:picLocks noChangeAspect="1"/>
+          </p:cNvPicPr>
+          <p:nvPr/>
+        </p:nvPicPr>
+        <p:blipFill rotWithShape="1">
+          <a:blip r:embed="rId3" cstate="print">
+            <a:extLst>
+              <a:ext uri="{28A0092B-C50C-407E-A947-70E740481C1C}">
+                <a14:useLocalDpi xmlns:a14="http://schemas.microsoft.com/office/drawing/2010/main" val="0"/>
+              </a:ext>
+            </a:extLst>
+          </a:blip>
+          <a:stretch>
+            <a:fillRect/>
+          </a:stretch>
+        </p:blipFill>
+        <p:spPr>
+          <a:xfrm rot="0">
+            <a:off x="1227455" y="3813810"/>
+            <a:ext cx="4147185" cy="1067435"/>
+          </a:xfrm>
+          <a:prstGeom prst="roundRect"/>
+          <a:solidFill>
+            <a:srgbClr val="EDEDED"/>
+          </a:solidFill>
+        </p:spPr>
+      </p:pic>
+      <p:cxnSp>
+        <p:nvCxnSpPr>
+          <p:cNvPr id="1244" name="Rect 0"/>
+          <p:cNvCxnSpPr/>
+          <p:nvPr/>
+        </p:nvCxnSpPr>
+        <p:spPr>
+          <a:xfrm rot="0" flipV="1">
+            <a:off x="2141220" y="1769110"/>
+            <a:ext cx="3135630" cy="2433320"/>
+          </a:xfrm>
+          <a:prstGeom prst="straightConnector1"/>
+          <a:ln w="6350" cap="flat" cmpd="sng">
+            <a:prstDash/>
+            <a:tailEnd type="triangle" w="med" len="med"/>
+          </a:ln>
+        </p:spPr>
+        <p:style>
+          <a:lnRef idx="1">
+            <a:schemeClr val="accent1"/>
+          </a:lnRef>
+          <a:fillRef idx="0">
+            <a:schemeClr val="accent1"/>
+          </a:fillRef>
+          <a:effectRef idx="0">
+            <a:schemeClr val="accent1"/>
+          </a:effectRef>
+          <a:fontRef idx="minor">
+            <a:schemeClr val="tx1"/>
+          </a:fontRef>
+        </p:style>
+      </p:cxnSp>
+      <p:sp>
+        <p:nvSpPr>
+          <p:cNvPr id="1245" name="Rect 0"/>
+          <p:cNvSpPr txBox="1">
+            <a:spLocks/>
+          </p:cNvSpPr>
+          <p:nvPr/>
+        </p:nvSpPr>
+        <p:spPr>
+          <a:xfrm rot="0">
+            <a:off x="6820535" y="2692400"/>
+            <a:ext cx="4140200" cy="647065"/>
+          </a:xfrm>
+          <a:prstGeom prst="rect"/>
+          <a:noFill/>
+          <a:ln w="0">
+            <a:noFill/>
+            <a:prstDash/>
+          </a:ln>
+        </p:spPr>
+        <p:txBody>
+          <a:bodyPr wrap="square" lIns="89535" tIns="46355" rIns="89535" bIns="46355" numCol="1" vert="horz" anchor="t">
+            <a:spAutoFit/>
+          </a:bodyPr>
+          <a:lstStyle/>
+          <a:p>
+            <a:pPr marL="0" indent="0" rtl="0" algn="l" defTabSz="914400" eaLnBrk="1" latinLnBrk="0" hangingPunct="1">
+              <a:buFontTx/>
+              <a:buNone/>
+            </a:pPr>
+            <a:r>
+              <a:rPr sz="1800" b="1">
+                <a:solidFill>
+                  <a:srgbClr val="0611F2"/>
+                </a:solidFill>
+                <a:latin typeface="맑은 고딕" charset="0"/>
+                <a:ea typeface="맑은 고딕" charset="0"/>
+              </a:rPr>
+              <a:t>3</a:t>
+            </a:r>
+            <a:r>
+              <a:rPr lang="ko-KR" sz="1800" b="1">
+                <a:solidFill>
+                  <a:srgbClr val="0611F2"/>
+                </a:solidFill>
+                <a:latin typeface="맑은 고딕" charset="0"/>
+                <a:ea typeface="맑은 고딕" charset="0"/>
+              </a:rPr>
+              <a:t>7</a:t>
+            </a:r>
+            <a:r>
+              <a:rPr sz="1800" b="1">
+                <a:solidFill>
+                  <a:srgbClr val="0611F2"/>
+                </a:solidFill>
+                <a:latin typeface="맑은 고딕" charset="0"/>
+                <a:ea typeface="맑은 고딕" charset="0"/>
+              </a:rPr>
+              <a:t>.</a:t>
+            </a:r>
+            <a:r>
+              <a:rPr sz="1800">
+                <a:latin typeface="맑은 고딕" charset="0"/>
+                <a:ea typeface="맑은 고딕" charset="0"/>
+              </a:rPr>
+              <a:t> </a:t>
+            </a:r>
+            <a:r>
+              <a:rPr lang="ko-KR" sz="1800">
+                <a:latin typeface="맑은 고딕" charset="0"/>
+                <a:ea typeface="맑은 고딕" charset="0"/>
+              </a:rPr>
+              <a:t>그</a:t>
+            </a:r>
+            <a:r>
+              <a:rPr lang="ko-KR" sz="1800">
+                <a:latin typeface="맑은 고딕" charset="0"/>
+                <a:ea typeface="맑은 고딕" charset="0"/>
+              </a:rPr>
+              <a:t>리고</a:t>
+            </a:r>
+            <a:r>
+              <a:rPr lang="ko-KR" sz="1800">
+                <a:latin typeface="맑은 고딕" charset="0"/>
+                <a:ea typeface="맑은 고딕" charset="0"/>
+              </a:rPr>
+              <a:t> </a:t>
+            </a:r>
+            <a:r>
+              <a:rPr lang="ko-KR" sz="1800">
+                <a:latin typeface="맑은 고딕" charset="0"/>
+                <a:ea typeface="맑은 고딕" charset="0"/>
+              </a:rPr>
+              <a:t>S</a:t>
+            </a:r>
+            <a:r>
+              <a:rPr lang="ko-KR" sz="1800">
+                <a:latin typeface="맑은 고딕" charset="0"/>
+                <a:ea typeface="맑은 고딕" charset="0"/>
+              </a:rPr>
+              <a:t>ignal </a:t>
+            </a:r>
+            <a:r>
+              <a:rPr lang="ko-KR" sz="1800">
+                <a:latin typeface="맑은 고딕" charset="0"/>
+                <a:ea typeface="맑은 고딕" charset="0"/>
+              </a:rPr>
+              <a:t>Button </a:t>
+            </a:r>
+            <a:r>
+              <a:rPr sz="1800">
+                <a:latin typeface="맑은 고딕" charset="0"/>
+                <a:ea typeface="맑은 고딕" charset="0"/>
+              </a:rPr>
+              <a:t>오브젝트의 OnClick( ) 함수를 추가합니다.</a:t>
+            </a:r>
+            <a:endParaRPr lang="ko-KR" altLang="en-US" sz="1800">
+              <a:latin typeface="맑은 고딕" charset="0"/>
+              <a:ea typeface="맑은 고딕" charset="0"/>
+            </a:endParaRPr>
+          </a:p>
+        </p:txBody>
+      </p:sp>
+      <p:pic>
+        <p:nvPicPr>
+          <p:cNvPr id="1246" name="Picture "/>
+          <p:cNvPicPr>
+            <a:picLocks noChangeAspect="1"/>
+          </p:cNvPicPr>
+          <p:nvPr/>
+        </p:nvPicPr>
+        <p:blipFill rotWithShape="1">
+          <a:blip r:embed="rId4" cstate="hqprint">
+            <a:extLst>
+              <a:ext uri="{28A0092B-C50C-407E-A947-70E740481C1C}">
+                <a14:useLocalDpi xmlns:a14="http://schemas.microsoft.com/office/drawing/2010/main"/>
+              </a:ext>
+            </a:extLst>
+          </a:blip>
+          <a:stretch>
+            <a:fillRect/>
+          </a:stretch>
+        </p:blipFill>
+        <p:spPr>
+          <a:xfrm rot="0">
+            <a:off x="8161020" y="1477010"/>
+            <a:ext cx="2805430" cy="1111885"/>
+          </a:xfrm>
+          <a:prstGeom prst="roundRect"/>
+          <a:solidFill>
+            <a:srgbClr val="EDEDED"/>
+          </a:solidFill>
+        </p:spPr>
+      </p:pic>
+      <p:pic>
+        <p:nvPicPr>
+          <p:cNvPr id="1247" name="Picture "/>
+          <p:cNvPicPr>
+            <a:picLocks noChangeAspect="1"/>
+          </p:cNvPicPr>
+          <p:nvPr/>
+        </p:nvPicPr>
+        <p:blipFill rotWithShape="1">
+          <a:blip r:embed="rId5" cstate="hqprint">
+            <a:extLst>
+              <a:ext uri="{28A0092B-C50C-407E-A947-70E740481C1C}">
+                <a14:useLocalDpi xmlns:a14="http://schemas.microsoft.com/office/drawing/2010/main"/>
+              </a:ext>
+            </a:extLst>
+          </a:blip>
+          <a:stretch>
+            <a:fillRect/>
+          </a:stretch>
+        </p:blipFill>
+        <p:spPr>
+          <a:xfrm rot="0">
+            <a:off x="6820535" y="1482725"/>
+            <a:ext cx="1198245" cy="1106805"/>
+          </a:xfrm>
+          <a:prstGeom prst="roundRect"/>
+          <a:solidFill>
+            <a:srgbClr val="EDEDED"/>
+          </a:solidFill>
+        </p:spPr>
+      </p:pic>
+      <p:sp>
+        <p:nvSpPr>
+          <p:cNvPr id="1250" name="텍스트 상자 25"/>
+          <p:cNvSpPr txBox="1">
+            <a:spLocks/>
+          </p:cNvSpPr>
+          <p:nvPr/>
+        </p:nvSpPr>
+        <p:spPr>
+          <a:xfrm rot="0">
+            <a:off x="6826885" y="5288915"/>
+            <a:ext cx="4139565" cy="923925"/>
+          </a:xfrm>
+          <a:prstGeom prst="rect"/>
+          <a:noFill/>
+          <a:ln w="0">
+            <a:noFill/>
+            <a:prstDash/>
+          </a:ln>
+        </p:spPr>
+        <p:txBody>
+          <a:bodyPr wrap="square" lIns="89535" tIns="46355" rIns="89535" bIns="46355" numCol="1" vert="horz" anchor="t">
+            <a:spAutoFit/>
+          </a:bodyPr>
+          <a:lstStyle/>
+          <a:p>
+            <a:pPr marL="0" indent="0" rtl="0" algn="l" defTabSz="914400" eaLnBrk="1" latinLnBrk="0" hangingPunct="1">
+              <a:buFontTx/>
+              <a:buNone/>
+            </a:pPr>
+            <a:r>
+              <a:rPr sz="1800" b="1">
+                <a:solidFill>
+                  <a:srgbClr val="0611F2"/>
+                </a:solidFill>
+                <a:latin typeface="맑은 고딕" charset="0"/>
+                <a:ea typeface="맑은 고딕" charset="0"/>
+              </a:rPr>
+              <a:t>38.</a:t>
+            </a:r>
+            <a:r>
+              <a:rPr sz="1800">
+                <a:latin typeface="맑은 고딕" charset="0"/>
+                <a:ea typeface="맑은 고딕" charset="0"/>
+              </a:rPr>
+              <a:t> </a:t>
+            </a:r>
+            <a:r>
+              <a:rPr lang="ko-KR" sz="1800">
+                <a:latin typeface="맑은 고딕" charset="0"/>
+                <a:ea typeface="맑은 고딕" charset="0"/>
+              </a:rPr>
+              <a:t>그런 다음 </a:t>
+            </a:r>
+            <a:r>
+              <a:rPr lang="ko-KR" sz="1800">
+                <a:latin typeface="맑은 고딕" charset="0"/>
+                <a:ea typeface="맑은 고딕" charset="0"/>
+              </a:rPr>
+              <a:t>D</a:t>
+            </a:r>
+            <a:r>
+              <a:rPr lang="ko-KR" sz="1800">
+                <a:latin typeface="맑은 고딕" charset="0"/>
+                <a:ea typeface="맑은 고딕" charset="0"/>
+              </a:rPr>
+              <a:t>rone 스크립트</a:t>
+            </a:r>
+            <a:r>
+              <a:rPr lang="ko-KR" sz="1800">
+                <a:latin typeface="맑은 고딕" charset="0"/>
+                <a:ea typeface="맑은 고딕" charset="0"/>
+              </a:rPr>
+              <a:t>에서 </a:t>
+            </a:r>
+            <a:r>
+              <a:rPr lang="ko-KR" sz="1800">
+                <a:latin typeface="맑은 고딕" charset="0"/>
+                <a:ea typeface="맑은 고딕" charset="0"/>
+              </a:rPr>
+              <a:t>float 변수와 Vector3 변수를 선언합니다.</a:t>
+            </a:r>
+            <a:endParaRPr lang="ko-KR" altLang="en-US" sz="1800">
+              <a:latin typeface="맑은 고딕" charset="0"/>
+              <a:ea typeface="맑은 고딕" charset="0"/>
+            </a:endParaRPr>
+          </a:p>
+        </p:txBody>
+      </p:sp>
+      <p:pic>
+        <p:nvPicPr>
+          <p:cNvPr id="1251" name="그림 4" descr="C:/Users/nwond/AppData/Roaming/PolarisOffice/ETemp/11968_18244168/fImage2347723541.png"/>
+          <p:cNvPicPr>
+            <a:picLocks noChangeAspect="1"/>
+          </p:cNvPicPr>
+          <p:nvPr/>
+        </p:nvPicPr>
+        <p:blipFill rotWithShape="1">
+          <a:blip r:embed="rId7" cstate="print">
+            <a:extLst>
+              <a:ext uri="{28A0092B-C50C-407E-A947-70E740481C1C}">
+                <a14:useLocalDpi xmlns:a14="http://schemas.microsoft.com/office/drawing/2010/main" val="0"/>
+              </a:ext>
+            </a:extLst>
+          </a:blip>
+          <a:stretch>
+            <a:fillRect/>
+          </a:stretch>
+        </p:blipFill>
+        <p:spPr>
+          <a:xfrm rot="0">
+            <a:off x="6820535" y="3493135"/>
+            <a:ext cx="4140200" cy="1683385"/>
+          </a:xfrm>
+          <a:prstGeom prst="roundRect"/>
+          <a:solidFill>
+            <a:srgbClr val="EDEDED"/>
+          </a:solidFill>
+        </p:spPr>
+      </p:pic>
+    </p:spTree>
+  </p:cSld>
+  <p:clrMapOvr>
+    <a:masterClrMapping/>
+  </p:clrMapOvr>
+  <mc:AlternateContent xmlns:mc="http://schemas.openxmlformats.org/markup-compatibility/2006">
+    <mc:Choice xmlns:p14="http://schemas.microsoft.com/office/powerpoint/2010/main" Requires="p14">
+      <p:transition spd="slow" p14:dur="2000"/>
+    </mc:Choice>
+    <mc:Fallback>
+      <p:transition spd="slow"/>
+    </mc:Fallback>
+  </mc:AlternateContent>
+  <p:timing>
+    <p:tnLst>
+      <p:par>
+        <p:cTn id="1" dur="indefinite" restart="never" nodeType="tmRoot"/>
+      </p:par>
+    </p:tnLst>
+  </p:timing>
+</p:sld>
+</file>
+
+<file path=ppt/slides/slide14.xml><?xml version="1.0" encoding="utf-8"?>
+<p:sld xmlns:a="http://schemas.openxmlformats.org/drawingml/2006/main" xmlns:r="http://schemas.openxmlformats.org/officeDocument/2006/relationships" xmlns:p="http://schemas.openxmlformats.org/presentationml/2006/main" xmlns:p14="http://schemas.microsoft.com/office/powerpoint/2010/main">
+  <p:cSld>
+    <p:spTree>
+      <p:nvGrpSpPr>
+        <p:cNvPr id="1" name=""/>
+        <p:cNvGrpSpPr/>
+        <p:nvPr/>
+      </p:nvGrpSpPr>
+      <p:grpSpPr>
+        <a:xfrm>
+          <a:off x="0" y="0"/>
+          <a:ext cx="0" cy="0"/>
+          <a:chOff x="0" y="0"/>
+          <a:chExt cx="0" cy="0"/>
+        </a:xfrm>
+      </p:grpSpPr>
+      <p:sp>
+        <p:nvSpPr>
+          <p:cNvPr id="1031" name="Rect 0"/>
+          <p:cNvSpPr txBox="1">
+            <a:spLocks/>
+          </p:cNvSpPr>
+          <p:nvPr/>
+        </p:nvSpPr>
+        <p:spPr>
+          <a:xfrm rot="0">
+            <a:off x="4486910" y="354965"/>
+            <a:ext cx="3213735" cy="478155"/>
+          </a:xfrm>
+          <a:prstGeom prst="rect"/>
+          <a:noFill/>
+          <a:ln w="0">
+            <a:noFill/>
+            <a:prstDash/>
+          </a:ln>
+        </p:spPr>
+        <p:txBody>
+          <a:bodyPr wrap="square" lIns="89535" tIns="46355" rIns="89535" bIns="46355" numCol="1" vert="horz" anchor="t">
+            <a:spAutoFit/>
+          </a:bodyPr>
+          <a:lstStyle/>
+          <a:p>
+            <a:pPr marL="0" indent="0" algn="ctr" latinLnBrk="0">
+              <a:buFontTx/>
+              <a:buNone/>
+            </a:pPr>
+            <a:r>
+              <a:rPr lang="ko-KR" altLang="en-US" sz="2500" b="1">
+                <a:solidFill>
+                  <a:schemeClr val="tx1"/>
+                </a:solidFill>
+                <a:latin typeface="나눔바른고딕" charset="0"/>
+                <a:ea typeface="나눔바른고딕" charset="0"/>
+              </a:rPr>
+              <a:t>열</a:t>
+            </a:r>
+            <a:r>
+              <a:rPr lang="ko-KR" altLang="en-US" sz="2500" b="1">
+                <a:solidFill>
+                  <a:schemeClr val="tx1"/>
+                </a:solidFill>
+                <a:latin typeface="나눔바른고딕" charset="0"/>
+                <a:ea typeface="나눔바른고딕" charset="0"/>
+              </a:rPr>
+              <a:t>네</a:t>
+            </a:r>
+            <a:r>
+              <a:rPr lang="ko-KR" altLang="en-US" sz="2500" b="1">
+                <a:solidFill>
+                  <a:schemeClr val="tx1"/>
+                </a:solidFill>
+                <a:latin typeface="나눔바른고딕" charset="0"/>
+                <a:ea typeface="나눔바른고딕" charset="0"/>
+              </a:rPr>
+              <a:t>  번째 튜토리얼</a:t>
+            </a:r>
+            <a:endParaRPr lang="ko-KR" altLang="en-US" sz="2500" b="1">
+              <a:solidFill>
+                <a:schemeClr val="tx1"/>
+              </a:solidFill>
+              <a:latin typeface="나눔바른고딕" charset="0"/>
+              <a:ea typeface="나눔바른고딕" charset="0"/>
+            </a:endParaRPr>
+          </a:p>
+        </p:txBody>
+      </p:sp>
+      <p:sp>
+        <p:nvSpPr>
+          <p:cNvPr id="1235" name="Rect 0"/>
+          <p:cNvSpPr txBox="1">
+            <a:spLocks/>
+          </p:cNvSpPr>
+          <p:nvPr/>
+        </p:nvSpPr>
+        <p:spPr>
+          <a:xfrm rot="0">
+            <a:off x="1219200" y="5288915"/>
+            <a:ext cx="4137025" cy="923925"/>
+          </a:xfrm>
+          <a:prstGeom prst="rect"/>
+          <a:noFill/>
+          <a:ln w="0">
+            <a:noFill/>
+            <a:prstDash/>
+          </a:ln>
+        </p:spPr>
+        <p:txBody>
+          <a:bodyPr wrap="square" lIns="89535" tIns="46355" rIns="89535" bIns="46355" numCol="1" vert="horz" anchor="t">
+            <a:spAutoFit/>
+          </a:bodyPr>
+          <a:lstStyle/>
+          <a:p>
+            <a:pPr marL="0" indent="0" rtl="0" algn="l" defTabSz="914400" eaLnBrk="1" latinLnBrk="0" hangingPunct="1">
+              <a:buFontTx/>
+              <a:buNone/>
+            </a:pPr>
+            <a:r>
+              <a:rPr sz="1800" b="1">
+                <a:solidFill>
+                  <a:srgbClr val="0611F2"/>
+                </a:solidFill>
+                <a:latin typeface="맑은 고딕" charset="0"/>
+                <a:ea typeface="맑은 고딕" charset="0"/>
+              </a:rPr>
+              <a:t>4</a:t>
+            </a:r>
+            <a:r>
+              <a:rPr sz="1800" b="1">
+                <a:solidFill>
+                  <a:srgbClr val="0611F2"/>
+                </a:solidFill>
+                <a:latin typeface="맑은 고딕" charset="0"/>
+                <a:ea typeface="맑은 고딕" charset="0"/>
+              </a:rPr>
+              <a:t>0</a:t>
+            </a:r>
+            <a:r>
+              <a:rPr sz="1800" b="1">
+                <a:solidFill>
+                  <a:srgbClr val="0611F2"/>
+                </a:solidFill>
+                <a:latin typeface="맑은 고딕" charset="0"/>
+                <a:ea typeface="맑은 고딕" charset="0"/>
+              </a:rPr>
+              <a:t>.</a:t>
+            </a:r>
+            <a:r>
+              <a:rPr sz="1800">
+                <a:latin typeface="맑은 고딕" charset="0"/>
+                <a:ea typeface="맑은 고딕" charset="0"/>
+              </a:rPr>
+              <a:t> </a:t>
+            </a:r>
+            <a:r>
+              <a:rPr lang="ko-KR" sz="1800">
+                <a:latin typeface="맑은 고딕" charset="0"/>
+                <a:ea typeface="맑은 고딕" charset="0"/>
+              </a:rPr>
+              <a:t>그러고 나서 </a:t>
+            </a:r>
+            <a:r>
+              <a:rPr lang="ko-KR" sz="1800">
+                <a:latin typeface="맑은 고딕" charset="0"/>
+                <a:ea typeface="맑은 고딕" charset="0"/>
+              </a:rPr>
+              <a:t>Update(</a:t>
+            </a:r>
+            <a:r>
+              <a:rPr lang="ko-KR" sz="1800">
+                <a:latin typeface="맑은 고딕" charset="0"/>
+                <a:ea typeface="맑은 고딕" charset="0"/>
+              </a:rPr>
+              <a:t> </a:t>
+            </a:r>
+            <a:r>
+              <a:rPr lang="ko-KR" sz="1800">
+                <a:latin typeface="맑은 고딕" charset="0"/>
+                <a:ea typeface="맑은 고딕" charset="0"/>
+              </a:rPr>
+              <a:t>)</a:t>
+            </a:r>
+            <a:r>
+              <a:rPr lang="ko-KR" sz="1800">
+                <a:latin typeface="맑은 고딕" charset="0"/>
+                <a:ea typeface="맑은 고딕" charset="0"/>
+              </a:rPr>
+              <a:t> 함수에서 </a:t>
+            </a:r>
+            <a:r>
+              <a:rPr lang="ko-KR" sz="1800">
+                <a:latin typeface="맑은 고딕" charset="0"/>
+                <a:ea typeface="맑은 고딕" charset="0"/>
+              </a:rPr>
+              <a:t>방향과 속도를 </a:t>
+            </a:r>
+            <a:r>
+              <a:rPr lang="ko-KR" sz="1800">
+                <a:latin typeface="맑은 고딕" charset="0"/>
+                <a:ea typeface="맑은 고딕" charset="0"/>
+              </a:rPr>
+              <a:t>계산하여 프레임마다 </a:t>
+            </a:r>
+            <a:r>
+              <a:rPr lang="ko-KR" sz="1800">
+                <a:latin typeface="맑은 고딕" charset="0"/>
+                <a:ea typeface="맑은 고딕" charset="0"/>
+              </a:rPr>
+              <a:t>이동하도록 설정합니다.</a:t>
+            </a:r>
+            <a:endParaRPr lang="ko-KR" altLang="en-US" sz="1800">
+              <a:latin typeface="맑은 고딕" charset="0"/>
+              <a:ea typeface="맑은 고딕" charset="0"/>
+            </a:endParaRPr>
+          </a:p>
+        </p:txBody>
+      </p:sp>
+      <p:sp>
+        <p:nvSpPr>
+          <p:cNvPr id="1245" name="Rect 0"/>
+          <p:cNvSpPr txBox="1">
+            <a:spLocks/>
+          </p:cNvSpPr>
+          <p:nvPr/>
+        </p:nvSpPr>
+        <p:spPr>
+          <a:xfrm rot="0">
+            <a:off x="6820535" y="2793365"/>
+            <a:ext cx="4133850" cy="923925"/>
+          </a:xfrm>
+          <a:prstGeom prst="rect"/>
+          <a:noFill/>
+          <a:ln w="0">
+            <a:noFill/>
+            <a:prstDash/>
+          </a:ln>
+        </p:spPr>
+        <p:txBody>
+          <a:bodyPr wrap="square" lIns="89535" tIns="46355" rIns="89535" bIns="46355" numCol="1" vert="horz" anchor="t">
+            <a:spAutoFit/>
+          </a:bodyPr>
+          <a:lstStyle/>
+          <a:p>
+            <a:pPr marL="0" indent="0" rtl="0" algn="l" defTabSz="914400" eaLnBrk="1" latinLnBrk="0" hangingPunct="1">
+              <a:buFontTx/>
+              <a:buNone/>
+            </a:pPr>
+            <a:r>
+              <a:rPr sz="1800" b="1">
+                <a:solidFill>
+                  <a:srgbClr val="0611F2"/>
+                </a:solidFill>
+                <a:latin typeface="맑은 고딕" charset="0"/>
+                <a:ea typeface="맑은 고딕" charset="0"/>
+              </a:rPr>
+              <a:t>4</a:t>
+            </a:r>
+            <a:r>
+              <a:rPr lang="ko-KR" sz="1800" b="1">
+                <a:solidFill>
+                  <a:srgbClr val="0611F2"/>
+                </a:solidFill>
+                <a:latin typeface="맑은 고딕" charset="0"/>
+                <a:ea typeface="맑은 고딕" charset="0"/>
+              </a:rPr>
+              <a:t>1</a:t>
+            </a:r>
+            <a:r>
+              <a:rPr sz="1800" b="1">
+                <a:solidFill>
+                  <a:srgbClr val="0611F2"/>
+                </a:solidFill>
+                <a:latin typeface="맑은 고딕" charset="0"/>
+                <a:ea typeface="맑은 고딕" charset="0"/>
+              </a:rPr>
+              <a:t>.</a:t>
+            </a:r>
+            <a:r>
+              <a:rPr sz="1800">
+                <a:latin typeface="맑은 고딕" charset="0"/>
+                <a:ea typeface="맑은 고딕" charset="0"/>
+              </a:rPr>
+              <a:t> </a:t>
+            </a:r>
+            <a:r>
+              <a:rPr lang="ko-KR" sz="1800">
+                <a:latin typeface="맑은 고딕" charset="0"/>
+                <a:ea typeface="맑은 고딕" charset="0"/>
+              </a:rPr>
+              <a:t>이제 </a:t>
+            </a:r>
+            <a:r>
+              <a:rPr lang="ko-KR" sz="1800">
+                <a:latin typeface="맑은 고딕" charset="0"/>
+                <a:ea typeface="맑은 고딕" charset="0"/>
+              </a:rPr>
+              <a:t>N</a:t>
+            </a:r>
+            <a:r>
+              <a:rPr lang="ko-KR" sz="1800">
+                <a:latin typeface="맑은 고딕" charset="0"/>
+                <a:ea typeface="맑은 고딕" charset="0"/>
+              </a:rPr>
+              <a:t>ewPo</a:t>
+            </a:r>
+            <a:r>
+              <a:rPr lang="ko-KR" sz="1800">
+                <a:latin typeface="맑은 고딕" charset="0"/>
+                <a:ea typeface="맑은 고딕" charset="0"/>
+              </a:rPr>
+              <a:t>s</a:t>
+            </a:r>
+            <a:r>
+              <a:rPr lang="ko-KR" sz="1800">
+                <a:latin typeface="맑은 고딕" charset="0"/>
+                <a:ea typeface="맑은 고딕" charset="0"/>
+              </a:rPr>
+              <a:t>ition</a:t>
+            </a:r>
+            <a:r>
+              <a:rPr lang="ko-KR" sz="1800">
+                <a:latin typeface="맑은 고딕" charset="0"/>
+                <a:ea typeface="맑은 고딕" charset="0"/>
+              </a:rPr>
+              <a:t>( </a:t>
+            </a:r>
+            <a:r>
+              <a:rPr lang="ko-KR" sz="1800">
+                <a:latin typeface="맑은 고딕" charset="0"/>
+                <a:ea typeface="맑은 고딕" charset="0"/>
+              </a:rPr>
+              <a:t>)</a:t>
+            </a:r>
+            <a:r>
+              <a:rPr lang="ko-KR" sz="1800">
+                <a:latin typeface="맑은 고딕" charset="0"/>
+                <a:ea typeface="맑은 고딕" charset="0"/>
+              </a:rPr>
+              <a:t> 함수를 </a:t>
+            </a:r>
+            <a:r>
+              <a:rPr lang="ko-KR" sz="1800">
+                <a:latin typeface="맑은 고딕" charset="0"/>
+                <a:ea typeface="맑은 고딕" charset="0"/>
+              </a:rPr>
+              <a:t>선언</a:t>
+            </a:r>
+            <a:r>
+              <a:rPr lang="ko-KR" sz="1800">
+                <a:latin typeface="맑은 고딕" charset="0"/>
+                <a:ea typeface="맑은 고딕" charset="0"/>
+              </a:rPr>
+              <a:t>한 </a:t>
+            </a:r>
+            <a:r>
+              <a:rPr lang="ko-KR" sz="1800">
+                <a:latin typeface="맑은 고딕" charset="0"/>
+                <a:ea typeface="맑은 고딕" charset="0"/>
+              </a:rPr>
+              <a:t>다음 </a:t>
+            </a:r>
+            <a:r>
+              <a:rPr lang="ko-KR" sz="1800">
+                <a:latin typeface="맑은 고딕" charset="0"/>
+                <a:ea typeface="맑은 고딕" charset="0"/>
+              </a:rPr>
+              <a:t>하위 오브젝트의 C</a:t>
+            </a:r>
+            <a:r>
+              <a:rPr lang="ko-KR" sz="1800">
+                <a:latin typeface="맑은 고딕" charset="0"/>
+                <a:ea typeface="맑은 고딕" charset="0"/>
+              </a:rPr>
+              <a:t>a</a:t>
+            </a:r>
+            <a:r>
+              <a:rPr lang="ko-KR" sz="1800">
+                <a:latin typeface="맑은 고딕" charset="0"/>
+                <a:ea typeface="맑은 고딕" charset="0"/>
+              </a:rPr>
+              <a:t>n</a:t>
+            </a:r>
+            <a:r>
+              <a:rPr lang="ko-KR" sz="1800">
+                <a:latin typeface="맑은 고딕" charset="0"/>
+                <a:ea typeface="맑은 고딕" charset="0"/>
+              </a:rPr>
+              <a:t>vas</a:t>
+            </a:r>
+            <a:r>
+              <a:rPr lang="ko-KR" sz="1800">
+                <a:latin typeface="맑은 고딕" charset="0"/>
+                <a:ea typeface="맑은 고딕" charset="0"/>
+              </a:rPr>
+              <a:t> </a:t>
+            </a:r>
+            <a:r>
+              <a:rPr lang="ko-KR" sz="1800">
+                <a:latin typeface="맑은 고딕" charset="0"/>
+                <a:ea typeface="맑은 고딕" charset="0"/>
+              </a:rPr>
+              <a:t>오브젝트를 </a:t>
+            </a:r>
+            <a:r>
+              <a:rPr lang="ko-KR" sz="1800">
+                <a:latin typeface="맑은 고딕" charset="0"/>
+                <a:ea typeface="맑은 고딕" charset="0"/>
+              </a:rPr>
+              <a:t>검색하고</a:t>
+            </a:r>
+            <a:r>
+              <a:rPr lang="ko-KR" sz="1800">
+                <a:latin typeface="맑은 고딕" charset="0"/>
+                <a:ea typeface="맑은 고딕" charset="0"/>
+              </a:rPr>
+              <a:t> 비활성화합니다.</a:t>
+            </a:r>
+            <a:r>
+              <a:rPr lang="ko-KR" sz="1800">
+                <a:latin typeface="맑은 고딕" charset="0"/>
+                <a:ea typeface="맑은 고딕" charset="0"/>
+              </a:rPr>
+              <a:t> </a:t>
+            </a:r>
+            <a:endParaRPr lang="ko-KR" altLang="en-US" sz="1800">
+              <a:latin typeface="맑은 고딕" charset="0"/>
+              <a:ea typeface="맑은 고딕" charset="0"/>
+            </a:endParaRPr>
+          </a:p>
+        </p:txBody>
+      </p:sp>
+      <p:sp>
+        <p:nvSpPr>
+          <p:cNvPr id="1249" name="Rect 0"/>
+          <p:cNvSpPr txBox="1">
+            <a:spLocks/>
+          </p:cNvSpPr>
+          <p:nvPr/>
+        </p:nvSpPr>
+        <p:spPr>
+          <a:xfrm rot="0">
+            <a:off x="6820535" y="5568315"/>
+            <a:ext cx="4127500" cy="647065"/>
+          </a:xfrm>
+          <a:prstGeom prst="rect"/>
+          <a:noFill/>
+          <a:ln w="0">
+            <a:noFill/>
+            <a:prstDash/>
+          </a:ln>
+        </p:spPr>
+        <p:txBody>
+          <a:bodyPr wrap="square" lIns="89535" tIns="46355" rIns="89535" bIns="46355" numCol="1" vert="horz" anchor="t">
+            <a:spAutoFit/>
+          </a:bodyPr>
+          <a:lstStyle/>
+          <a:p>
+            <a:pPr marL="0" indent="0" rtl="0" algn="l" defTabSz="914400" eaLnBrk="1" latinLnBrk="0" hangingPunct="1">
+              <a:buFontTx/>
+              <a:buNone/>
+            </a:pPr>
+            <a:r>
+              <a:rPr sz="1800" b="1">
+                <a:solidFill>
+                  <a:srgbClr val="0611F2"/>
+                </a:solidFill>
+                <a:latin typeface="맑은 고딕" charset="0"/>
+                <a:ea typeface="맑은 고딕" charset="0"/>
+              </a:rPr>
+              <a:t>4</a:t>
+            </a:r>
+            <a:r>
+              <a:rPr sz="1800" b="1">
+                <a:solidFill>
+                  <a:srgbClr val="0611F2"/>
+                </a:solidFill>
+                <a:latin typeface="맑은 고딕" charset="0"/>
+                <a:ea typeface="맑은 고딕" charset="0"/>
+              </a:rPr>
+              <a:t>2</a:t>
+            </a:r>
+            <a:r>
+              <a:rPr sz="1800" b="1">
+                <a:solidFill>
+                  <a:srgbClr val="0611F2"/>
+                </a:solidFill>
+                <a:latin typeface="맑은 고딕" charset="0"/>
+                <a:ea typeface="맑은 고딕" charset="0"/>
+              </a:rPr>
+              <a:t>.</a:t>
+            </a:r>
+            <a:r>
+              <a:rPr sz="1800">
+                <a:latin typeface="맑은 고딕" charset="0"/>
+                <a:ea typeface="맑은 고딕" charset="0"/>
+              </a:rPr>
+              <a:t> </a:t>
+            </a:r>
+            <a:r>
+              <a:rPr lang="ko-KR" sz="1800">
+                <a:latin typeface="맑은 고딕" charset="0"/>
+                <a:ea typeface="맑은 고딕" charset="0"/>
+              </a:rPr>
+              <a:t>그</a:t>
+            </a:r>
+            <a:r>
+              <a:rPr lang="ko-KR" sz="1800">
+                <a:latin typeface="맑은 고딕" charset="0"/>
+                <a:ea typeface="맑은 고딕" charset="0"/>
+              </a:rPr>
+              <a:t>리고 C</a:t>
+            </a:r>
+            <a:r>
+              <a:rPr lang="ko-KR" sz="1800">
+                <a:latin typeface="맑은 고딕" charset="0"/>
+                <a:ea typeface="맑은 고딕" charset="0"/>
+              </a:rPr>
+              <a:t>anvas </a:t>
+            </a:r>
+            <a:r>
+              <a:rPr lang="ko-KR" sz="1800">
+                <a:latin typeface="맑은 고딕" charset="0"/>
+                <a:ea typeface="맑은 고딕" charset="0"/>
+              </a:rPr>
+              <a:t>오브젝트를 </a:t>
+            </a:r>
+            <a:r>
+              <a:rPr lang="ko-KR" sz="1800">
+                <a:latin typeface="맑은 고딕" charset="0"/>
+                <a:ea typeface="맑은 고딕" charset="0"/>
+              </a:rPr>
+              <a:t>비활성화합니다.</a:t>
+            </a:r>
+            <a:endParaRPr lang="ko-KR" altLang="en-US" sz="1800">
+              <a:latin typeface="맑은 고딕" charset="0"/>
+              <a:ea typeface="맑은 고딕" charset="0"/>
+            </a:endParaRPr>
+          </a:p>
+        </p:txBody>
+      </p:sp>
+      <p:sp>
+        <p:nvSpPr>
+          <p:cNvPr id="1253" name="텍스트 상자 29"/>
+          <p:cNvSpPr txBox="1">
+            <a:spLocks/>
+          </p:cNvSpPr>
+          <p:nvPr/>
+        </p:nvSpPr>
+        <p:spPr>
+          <a:xfrm rot="0">
+            <a:off x="1225550" y="2993390"/>
+            <a:ext cx="4143375" cy="923925"/>
+          </a:xfrm>
+          <a:prstGeom prst="rect"/>
+          <a:noFill/>
+          <a:ln w="0">
+            <a:noFill/>
+            <a:prstDash/>
+          </a:ln>
+        </p:spPr>
+        <p:txBody>
+          <a:bodyPr wrap="square" lIns="89535" tIns="46355" rIns="89535" bIns="46355" numCol="1" vert="horz" anchor="t">
+            <a:spAutoFit/>
+          </a:bodyPr>
+          <a:lstStyle/>
+          <a:p>
+            <a:pPr marL="0" indent="0" rtl="0" algn="l" defTabSz="914400" eaLnBrk="1" latinLnBrk="0" hangingPunct="1">
+              <a:buFontTx/>
+              <a:buNone/>
+            </a:pPr>
+            <a:r>
+              <a:rPr sz="1800" b="1">
+                <a:solidFill>
+                  <a:srgbClr val="0611F2"/>
+                </a:solidFill>
+                <a:latin typeface="맑은 고딕" charset="0"/>
+                <a:ea typeface="맑은 고딕" charset="0"/>
+              </a:rPr>
+              <a:t>3</a:t>
+            </a:r>
+            <a:r>
+              <a:rPr lang="ko-KR" sz="1800" b="1">
+                <a:solidFill>
+                  <a:srgbClr val="0611F2"/>
+                </a:solidFill>
+                <a:latin typeface="맑은 고딕" charset="0"/>
+                <a:ea typeface="맑은 고딕" charset="0"/>
+              </a:rPr>
+              <a:t>9</a:t>
+            </a:r>
+            <a:r>
+              <a:rPr sz="1800" b="1">
+                <a:solidFill>
+                  <a:srgbClr val="0611F2"/>
+                </a:solidFill>
+                <a:latin typeface="맑은 고딕" charset="0"/>
+                <a:ea typeface="맑은 고딕" charset="0"/>
+              </a:rPr>
+              <a:t>.</a:t>
+            </a:r>
+            <a:r>
+              <a:rPr sz="1800">
+                <a:latin typeface="맑은 고딕" charset="0"/>
+                <a:ea typeface="맑은 고딕" charset="0"/>
+              </a:rPr>
+              <a:t> </a:t>
+            </a:r>
+            <a:r>
+              <a:rPr lang="ko-KR" sz="1800">
+                <a:latin typeface="맑은 고딕" charset="0"/>
+                <a:ea typeface="맑은 고딕" charset="0"/>
+              </a:rPr>
+              <a:t>그다음</a:t>
+            </a:r>
+            <a:r>
+              <a:rPr lang="ko-KR" sz="1800">
+                <a:latin typeface="맑은 고딕" charset="0"/>
+                <a:ea typeface="맑은 고딕" charset="0"/>
+              </a:rPr>
+              <a:t>으로 S</a:t>
+            </a:r>
+            <a:r>
+              <a:rPr lang="ko-KR" sz="1800">
+                <a:latin typeface="맑은 고딕" charset="0"/>
+                <a:ea typeface="맑은 고딕" charset="0"/>
+              </a:rPr>
+              <a:t>tart</a:t>
+            </a:r>
+            <a:r>
+              <a:rPr lang="ko-KR" sz="1800">
+                <a:latin typeface="맑은 고딕" charset="0"/>
+                <a:ea typeface="맑은 고딕" charset="0"/>
+              </a:rPr>
+              <a:t>( </a:t>
+            </a:r>
+            <a:r>
+              <a:rPr lang="ko-KR" sz="1800">
+                <a:latin typeface="맑은 고딕" charset="0"/>
+                <a:ea typeface="맑은 고딕" charset="0"/>
+              </a:rPr>
+              <a:t>)</a:t>
+            </a:r>
+            <a:r>
+              <a:rPr lang="ko-KR" sz="1800">
+                <a:latin typeface="맑은 고딕" charset="0"/>
+                <a:ea typeface="맑은 고딕" charset="0"/>
+              </a:rPr>
+              <a:t> 함수에서 </a:t>
+            </a:r>
+            <a:r>
+              <a:rPr lang="ko-KR" sz="1800">
+                <a:latin typeface="맑은 고딕" charset="0"/>
+                <a:ea typeface="맑은 고딕" charset="0"/>
+              </a:rPr>
+              <a:t>direction 변수</a:t>
+            </a:r>
+            <a:r>
+              <a:rPr lang="ko-KR" sz="1800">
+                <a:latin typeface="맑은 고딕" charset="0"/>
+                <a:ea typeface="맑은 고딕" charset="0"/>
+              </a:rPr>
+              <a:t>의 </a:t>
+            </a:r>
+            <a:r>
+              <a:rPr lang="ko-KR" sz="1800">
+                <a:latin typeface="맑은 고딕" charset="0"/>
+                <a:ea typeface="맑은 고딕" charset="0"/>
+              </a:rPr>
+              <a:t>값을 설정하고 </a:t>
+            </a:r>
+            <a:r>
+              <a:rPr lang="ko-KR" sz="1800">
+                <a:latin typeface="맑은 고딕" charset="0"/>
+                <a:ea typeface="맑은 고딕" charset="0"/>
+              </a:rPr>
+              <a:t>I</a:t>
+            </a:r>
+            <a:r>
+              <a:rPr lang="ko-KR" sz="1800">
+                <a:latin typeface="맑은 고딕" charset="0"/>
+                <a:ea typeface="맑은 고딕" charset="0"/>
+              </a:rPr>
+              <a:t>n</a:t>
+            </a:r>
+            <a:r>
+              <a:rPr lang="ko-KR" sz="1800">
+                <a:latin typeface="맑은 고딕" charset="0"/>
+                <a:ea typeface="맑은 고딕" charset="0"/>
+              </a:rPr>
+              <a:t>vo</a:t>
+            </a:r>
+            <a:r>
+              <a:rPr lang="ko-KR" sz="1800">
+                <a:latin typeface="맑은 고딕" charset="0"/>
+                <a:ea typeface="맑은 고딕" charset="0"/>
+              </a:rPr>
+              <a:t>keRe</a:t>
+            </a:r>
+            <a:r>
+              <a:rPr lang="ko-KR" sz="1800">
+                <a:latin typeface="맑은 고딕" charset="0"/>
+                <a:ea typeface="맑은 고딕" charset="0"/>
+              </a:rPr>
+              <a:t>p</a:t>
+            </a:r>
+            <a:r>
+              <a:rPr lang="ko-KR" sz="1800">
+                <a:latin typeface="맑은 고딕" charset="0"/>
+                <a:ea typeface="맑은 고딕" charset="0"/>
+              </a:rPr>
+              <a:t>eating(</a:t>
+            </a:r>
+            <a:r>
+              <a:rPr lang="ko-KR" sz="1800">
+                <a:latin typeface="맑은 고딕" charset="0"/>
+                <a:ea typeface="맑은 고딕" charset="0"/>
+              </a:rPr>
+              <a:t> </a:t>
+            </a:r>
+            <a:r>
+              <a:rPr lang="ko-KR" sz="1800">
+                <a:latin typeface="맑은 고딕" charset="0"/>
+                <a:ea typeface="맑은 고딕" charset="0"/>
+              </a:rPr>
+              <a:t>)</a:t>
+            </a:r>
+            <a:r>
+              <a:rPr lang="ko-KR" sz="1800">
+                <a:latin typeface="맑은 고딕" charset="0"/>
+                <a:ea typeface="맑은 고딕" charset="0"/>
+              </a:rPr>
+              <a:t> 함수를 </a:t>
+            </a:r>
+            <a:r>
+              <a:rPr lang="ko-KR" sz="1800">
+                <a:latin typeface="맑은 고딕" charset="0"/>
+                <a:ea typeface="맑은 고딕" charset="0"/>
+              </a:rPr>
+              <a:t>호출합니다.</a:t>
+            </a:r>
+            <a:endParaRPr lang="ko-KR" altLang="en-US" sz="1800">
+              <a:latin typeface="맑은 고딕" charset="0"/>
+              <a:ea typeface="맑은 고딕" charset="0"/>
+            </a:endParaRPr>
+          </a:p>
+        </p:txBody>
+      </p:sp>
+      <p:pic>
+        <p:nvPicPr>
+          <p:cNvPr id="1254" name="그림 7" descr="C:/Users/nwond/AppData/Roaming/PolarisOffice/ETemp/11968_18244168/fImage391203208467.png"/>
+          <p:cNvPicPr>
+            <a:picLocks noChangeAspect="1"/>
+          </p:cNvPicPr>
+          <p:nvPr/>
+        </p:nvPicPr>
+        <p:blipFill rotWithShape="1">
+          <a:blip r:embed="rId6" cstate="print">
+            <a:extLst>
+              <a:ext uri="{28A0092B-C50C-407E-A947-70E740481C1C}">
+                <a14:useLocalDpi xmlns:a14="http://schemas.microsoft.com/office/drawing/2010/main" val="0"/>
+              </a:ext>
+            </a:extLst>
+          </a:blip>
+          <a:stretch>
+            <a:fillRect/>
+          </a:stretch>
+        </p:blipFill>
+        <p:spPr>
+          <a:xfrm rot="0">
+            <a:off x="1222375" y="1440180"/>
+            <a:ext cx="4140200" cy="1428115"/>
+          </a:xfrm>
+          <a:prstGeom prst="roundRect"/>
+          <a:solidFill>
+            <a:srgbClr val="EDEDED"/>
+          </a:solidFill>
+        </p:spPr>
+      </p:pic>
+      <p:pic>
+        <p:nvPicPr>
+          <p:cNvPr id="1255" name="그림 13" descr="C:/Users/nwond/AppData/Roaming/PolarisOffice/ETemp/11968_18244168/fImage385173226334.png"/>
+          <p:cNvPicPr>
+            <a:picLocks noChangeAspect="1"/>
+          </p:cNvPicPr>
+          <p:nvPr/>
+        </p:nvPicPr>
+        <p:blipFill rotWithShape="1">
+          <a:blip r:embed="rId7" cstate="print">
+            <a:extLst>
+              <a:ext uri="{28A0092B-C50C-407E-A947-70E740481C1C}">
+                <a14:useLocalDpi xmlns:a14="http://schemas.microsoft.com/office/drawing/2010/main" val="0"/>
+              </a:ext>
+            </a:extLst>
+          </a:blip>
+          <a:stretch>
+            <a:fillRect/>
+          </a:stretch>
+        </p:blipFill>
+        <p:spPr>
+          <a:xfrm rot="0">
+            <a:off x="1216025" y="4052570"/>
+            <a:ext cx="4140200" cy="1136650"/>
+          </a:xfrm>
+          <a:prstGeom prst="roundRect"/>
+          <a:solidFill>
+            <a:srgbClr val="EDEDED"/>
+          </a:solidFill>
+        </p:spPr>
+      </p:pic>
+      <p:pic>
+        <p:nvPicPr>
+          <p:cNvPr id="1256" name="그림 16" descr="C:/Users/nwond/AppData/Roaming/PolarisOffice/ETemp/11968_18244168/fImage487563236500.png"/>
+          <p:cNvPicPr>
+            <a:picLocks noChangeAspect="1"/>
+          </p:cNvPicPr>
+          <p:nvPr/>
+        </p:nvPicPr>
+        <p:blipFill rotWithShape="1">
+          <a:blip r:embed="rId8" cstate="print">
+            <a:extLst>
+              <a:ext uri="{28A0092B-C50C-407E-A947-70E740481C1C}">
+                <a14:useLocalDpi xmlns:a14="http://schemas.microsoft.com/office/drawing/2010/main" val="0"/>
+              </a:ext>
+            </a:extLst>
+          </a:blip>
+          <a:stretch>
+            <a:fillRect/>
+          </a:stretch>
+        </p:blipFill>
+        <p:spPr>
+          <a:xfrm rot="0">
+            <a:off x="6820535" y="1440180"/>
+            <a:ext cx="4133850" cy="1247775"/>
+          </a:xfrm>
+          <a:prstGeom prst="roundRect"/>
+          <a:solidFill>
+            <a:srgbClr val="EDEDED"/>
+          </a:solidFill>
+        </p:spPr>
+      </p:pic>
+      <p:pic>
+        <p:nvPicPr>
+          <p:cNvPr id="1257" name="그림 19" descr="C:/Users/nwond/AppData/Roaming/PolarisOffice/ETemp/11968_18244168/fImage167573249169.png"/>
+          <p:cNvPicPr>
+            <a:picLocks noChangeAspect="1"/>
+          </p:cNvPicPr>
+          <p:nvPr/>
+        </p:nvPicPr>
+        <p:blipFill rotWithShape="1">
+          <a:blip r:embed="rId9" cstate="print">
+            <a:extLst>
+              <a:ext uri="{28A0092B-C50C-407E-A947-70E740481C1C}">
+                <a14:useLocalDpi xmlns:a14="http://schemas.microsoft.com/office/drawing/2010/main" val="0"/>
+              </a:ext>
+            </a:extLst>
+          </a:blip>
+          <a:stretch>
+            <a:fillRect/>
+          </a:stretch>
+        </p:blipFill>
+        <p:spPr>
+          <a:xfrm rot="0">
+            <a:off x="6823075" y="3834765"/>
+            <a:ext cx="4131310" cy="1621155"/>
+          </a:xfrm>
+          <a:prstGeom prst="roundRect"/>
+          <a:solidFill>
+            <a:srgbClr val="EDEDED"/>
+          </a:solidFill>
+        </p:spPr>
+      </p:pic>
+    </p:spTree>
+  </p:cSld>
+  <p:clrMapOvr>
+    <a:masterClrMapping/>
+  </p:clrMapOvr>
+  <mc:AlternateContent xmlns:mc="http://schemas.openxmlformats.org/markup-compatibility/2006">
+    <mc:Choice xmlns:p14="http://schemas.microsoft.com/office/powerpoint/2010/main" Requires="p14">
+      <p:transition spd="slow" p14:dur="2000"/>
+    </mc:Choice>
+    <mc:Fallback>
+      <p:transition spd="slow"/>
+    </mc:Fallback>
+  </mc:AlternateContent>
+  <p:timing>
+    <p:tnLst>
+      <p:par>
+        <p:cTn id="1" dur="indefinite" restart="never" nodeType="tmRoot"/>
+      </p:par>
+    </p:tnLst>
+  </p:timing>
+</p:sld>
+</file>
+
+<file path=ppt/slides/slide15.xml><?xml version="1.0" encoding="utf-8"?>
+<p:sld xmlns:a="http://schemas.openxmlformats.org/drawingml/2006/main" xmlns:r="http://schemas.openxmlformats.org/officeDocument/2006/relationships" xmlns:p="http://schemas.openxmlformats.org/presentationml/2006/main" xmlns:p14="http://schemas.microsoft.com/office/powerpoint/2010/main">
+  <p:cSld>
+    <p:spTree>
+      <p:nvGrpSpPr>
+        <p:cNvPr id="1" name=""/>
+        <p:cNvGrpSpPr/>
+        <p:nvPr/>
+      </p:nvGrpSpPr>
+      <p:grpSpPr>
+        <a:xfrm>
+          <a:off x="0" y="0"/>
+          <a:ext cx="0" cy="0"/>
+          <a:chOff x="0" y="0"/>
+          <a:chExt cx="0" cy="0"/>
+        </a:xfrm>
+      </p:grpSpPr>
+      <p:sp>
+        <p:nvSpPr>
+          <p:cNvPr id="1031" name="Rect 0"/>
+          <p:cNvSpPr txBox="1">
+            <a:spLocks/>
+          </p:cNvSpPr>
+          <p:nvPr/>
+        </p:nvSpPr>
+        <p:spPr>
+          <a:xfrm>
+            <a:off x="4486910" y="354965"/>
+            <a:ext cx="3215005" cy="478155"/>
+          </a:xfrm>
+          <a:prstGeom prst="rect"/>
+          <a:noFill/>
+          <a:ln w="0">
+            <a:noFill/>
+            <a:prstDash/>
+          </a:ln>
+        </p:spPr>
+        <p:txBody>
+          <a:bodyPr wrap="square" lIns="89535" tIns="46355" rIns="89535" bIns="46355" numCol="1" vert="horz" anchor="t">
+            <a:spAutoFit/>
+          </a:bodyPr>
+          <a:lstStyle/>
+          <a:p>
+            <a:pPr marL="0" indent="0" algn="ctr" latinLnBrk="0">
+              <a:buFontTx/>
+              <a:buNone/>
+            </a:pPr>
+            <a:r>
+              <a:rPr lang="ko-KR" altLang="en-US" sz="2500" b="1">
+                <a:solidFill>
+                  <a:schemeClr val="tx1"/>
+                </a:solidFill>
+                <a:latin typeface="나눔바른고딕" charset="0"/>
+                <a:ea typeface="나눔바른고딕" charset="0"/>
+              </a:rPr>
+              <a:t>열</a:t>
+            </a:r>
+            <a:r>
+              <a:rPr lang="ko-KR" altLang="en-US" sz="2500" b="1">
+                <a:solidFill>
+                  <a:schemeClr val="tx1"/>
+                </a:solidFill>
+                <a:latin typeface="나눔바른고딕" charset="0"/>
+                <a:ea typeface="나눔바른고딕" charset="0"/>
+              </a:rPr>
+              <a:t>다섯</a:t>
+            </a:r>
+            <a:r>
+              <a:rPr lang="ko-KR" altLang="en-US" sz="2500" b="1">
+                <a:solidFill>
+                  <a:schemeClr val="tx1"/>
+                </a:solidFill>
+                <a:latin typeface="나눔바른고딕" charset="0"/>
+                <a:ea typeface="나눔바른고딕" charset="0"/>
+              </a:rPr>
+              <a:t>  번째 튜토리얼</a:t>
+            </a:r>
+            <a:endParaRPr lang="ko-KR" altLang="en-US" sz="2500" b="1">
+              <a:solidFill>
+                <a:schemeClr val="tx1"/>
+              </a:solidFill>
+              <a:latin typeface="나눔바른고딕" charset="0"/>
+              <a:ea typeface="나눔바른고딕" charset="0"/>
+            </a:endParaRPr>
+          </a:p>
+        </p:txBody>
+      </p:sp>
+      <p:sp>
+        <p:nvSpPr>
+          <p:cNvPr id="1235" name="Rect 0"/>
+          <p:cNvSpPr txBox="1">
+            <a:spLocks/>
+          </p:cNvSpPr>
+          <p:nvPr/>
+        </p:nvSpPr>
+        <p:spPr>
+          <a:xfrm rot="0">
+            <a:off x="1219200" y="5288915"/>
+            <a:ext cx="4150995" cy="923925"/>
+          </a:xfrm>
+          <a:prstGeom prst="rect"/>
+          <a:noFill/>
+          <a:ln w="0">
+            <a:noFill/>
+            <a:prstDash/>
+          </a:ln>
+        </p:spPr>
+        <p:txBody>
+          <a:bodyPr wrap="square" lIns="89535" tIns="46355" rIns="89535" bIns="46355" numCol="1" vert="horz" anchor="t">
+            <a:spAutoFit/>
+          </a:bodyPr>
+          <a:lstStyle/>
+          <a:p>
+            <a:pPr marL="0" indent="0" rtl="0" algn="l" defTabSz="914400" eaLnBrk="1" latinLnBrk="0" hangingPunct="1">
+              <a:buFontTx/>
+              <a:buNone/>
+            </a:pPr>
+            <a:r>
+              <a:rPr sz="1800" b="1">
+                <a:solidFill>
+                  <a:srgbClr val="0611F2"/>
+                </a:solidFill>
+                <a:latin typeface="맑은 고딕" charset="0"/>
+                <a:ea typeface="맑은 고딕" charset="0"/>
+              </a:rPr>
+              <a:t>4</a:t>
+            </a:r>
+            <a:r>
+              <a:rPr sz="1800" b="1">
+                <a:solidFill>
+                  <a:srgbClr val="0611F2"/>
+                </a:solidFill>
+                <a:latin typeface="맑은 고딕" charset="0"/>
+                <a:ea typeface="맑은 고딕" charset="0"/>
+              </a:rPr>
+              <a:t>3</a:t>
+            </a:r>
+            <a:r>
+              <a:rPr sz="1800" b="1">
+                <a:solidFill>
+                  <a:srgbClr val="0611F2"/>
+                </a:solidFill>
+                <a:latin typeface="맑은 고딕" charset="0"/>
+                <a:ea typeface="맑은 고딕" charset="0"/>
+              </a:rPr>
+              <a:t>.</a:t>
+            </a:r>
+            <a:r>
+              <a:rPr sz="1800">
+                <a:latin typeface="맑은 고딕" charset="0"/>
+                <a:ea typeface="맑은 고딕" charset="0"/>
+              </a:rPr>
+              <a:t> </a:t>
+            </a:r>
+            <a:r>
+              <a:rPr lang="ko-KR" sz="1800">
+                <a:latin typeface="맑은 고딕" charset="0"/>
+                <a:ea typeface="맑은 고딕" charset="0"/>
+              </a:rPr>
+              <a:t>그런 </a:t>
+            </a:r>
+            <a:r>
+              <a:rPr lang="ko-KR" sz="1800">
+                <a:latin typeface="맑은 고딕" charset="0"/>
+                <a:ea typeface="맑은 고딕" charset="0"/>
+              </a:rPr>
+              <a:t>다음</a:t>
+            </a:r>
+            <a:r>
+              <a:rPr lang="ko-KR" sz="1800">
+                <a:latin typeface="맑은 고딕" charset="0"/>
+                <a:ea typeface="맑은 고딕" charset="0"/>
+              </a:rPr>
+              <a:t> </a:t>
+            </a:r>
+            <a:r>
+              <a:rPr lang="ko-KR" sz="1800">
+                <a:latin typeface="맑은 고딕" charset="0"/>
+                <a:ea typeface="맑은 고딕" charset="0"/>
+              </a:rPr>
+              <a:t>D</a:t>
+            </a:r>
+            <a:r>
+              <a:rPr lang="ko-KR" sz="1800">
+                <a:latin typeface="맑은 고딕" charset="0"/>
+                <a:ea typeface="맑은 고딕" charset="0"/>
+              </a:rPr>
+              <a:t>rone 오브젝트에 있는 Audio Source의 L</a:t>
+            </a:r>
+            <a:r>
+              <a:rPr lang="ko-KR" sz="1800">
+                <a:latin typeface="맑은 고딕" charset="0"/>
+                <a:ea typeface="맑은 고딕" charset="0"/>
+              </a:rPr>
+              <a:t>o</a:t>
+            </a:r>
+            <a:r>
+              <a:rPr lang="ko-KR" sz="1800">
+                <a:latin typeface="맑은 고딕" charset="0"/>
+                <a:ea typeface="맑은 고딕" charset="0"/>
+              </a:rPr>
+              <a:t>op와 Sp</a:t>
+            </a:r>
+            <a:r>
+              <a:rPr lang="ko-KR" sz="1800">
+                <a:latin typeface="맑은 고딕" charset="0"/>
+                <a:ea typeface="맑은 고딕" charset="0"/>
+              </a:rPr>
+              <a:t>a</a:t>
+            </a:r>
+            <a:r>
+              <a:rPr lang="ko-KR" sz="1800">
+                <a:latin typeface="맑은 고딕" charset="0"/>
+                <a:ea typeface="맑은 고딕" charset="0"/>
+              </a:rPr>
+              <a:t>tial Blend를 설정합니다.</a:t>
+            </a:r>
+            <a:endParaRPr lang="ko-KR" altLang="en-US" sz="1800">
+              <a:latin typeface="맑은 고딕" charset="0"/>
+              <a:ea typeface="맑은 고딕" charset="0"/>
+            </a:endParaRPr>
+          </a:p>
+        </p:txBody>
+      </p:sp>
+      <p:sp>
+        <p:nvSpPr>
+          <p:cNvPr id="1249" name="Rect 0"/>
+          <p:cNvSpPr txBox="1">
+            <a:spLocks/>
+          </p:cNvSpPr>
+          <p:nvPr/>
+        </p:nvSpPr>
+        <p:spPr>
+          <a:xfrm rot="0">
+            <a:off x="6819900" y="5288915"/>
+            <a:ext cx="4121785" cy="923925"/>
+          </a:xfrm>
+          <a:prstGeom prst="rect"/>
+          <a:noFill/>
+          <a:ln w="0">
+            <a:noFill/>
+            <a:prstDash/>
+          </a:ln>
+        </p:spPr>
+        <p:txBody>
+          <a:bodyPr wrap="square" lIns="89535" tIns="46355" rIns="89535" bIns="46355" numCol="1" vert="horz" anchor="t">
+            <a:spAutoFit/>
+          </a:bodyPr>
+          <a:lstStyle/>
+          <a:p>
+            <a:pPr marL="0" indent="0" rtl="0" algn="l" defTabSz="914400" eaLnBrk="1" latinLnBrk="0" hangingPunct="1">
+              <a:buFontTx/>
+              <a:buNone/>
+            </a:pPr>
+            <a:r>
+              <a:rPr sz="1800" b="1">
+                <a:solidFill>
+                  <a:srgbClr val="0611F2"/>
+                </a:solidFill>
+                <a:latin typeface="맑은 고딕" charset="0"/>
+                <a:ea typeface="맑은 고딕" charset="0"/>
+              </a:rPr>
+              <a:t>4</a:t>
+            </a:r>
+            <a:r>
+              <a:rPr sz="1800" b="1">
+                <a:solidFill>
+                  <a:srgbClr val="0611F2"/>
+                </a:solidFill>
+                <a:latin typeface="맑은 고딕" charset="0"/>
+                <a:ea typeface="맑은 고딕" charset="0"/>
+              </a:rPr>
+              <a:t>4</a:t>
+            </a:r>
+            <a:r>
+              <a:rPr sz="1800" b="1">
+                <a:solidFill>
+                  <a:srgbClr val="0611F2"/>
+                </a:solidFill>
+                <a:latin typeface="맑은 고딕" charset="0"/>
+                <a:ea typeface="맑은 고딕" charset="0"/>
+              </a:rPr>
+              <a:t>.</a:t>
+            </a:r>
+            <a:r>
+              <a:rPr sz="1800">
+                <a:latin typeface="맑은 고딕" charset="0"/>
+                <a:ea typeface="맑은 고딕" charset="0"/>
+              </a:rPr>
+              <a:t> </a:t>
+            </a:r>
+            <a:r>
+              <a:rPr lang="ko-KR" sz="1800">
+                <a:latin typeface="맑은 고딕" charset="0"/>
+                <a:ea typeface="맑은 고딕" charset="0"/>
+              </a:rPr>
+              <a:t>그다</a:t>
+            </a:r>
+            <a:r>
+              <a:rPr lang="ko-KR" sz="1800">
+                <a:latin typeface="맑은 고딕" charset="0"/>
+                <a:ea typeface="맑은 고딕" charset="0"/>
+              </a:rPr>
+              <a:t>음</a:t>
+            </a:r>
+            <a:r>
+              <a:rPr lang="ko-KR" sz="1800">
+                <a:latin typeface="맑은 고딕" charset="0"/>
+                <a:ea typeface="맑은 고딕" charset="0"/>
+              </a:rPr>
+              <a:t> </a:t>
+            </a:r>
+            <a:r>
+              <a:rPr lang="ko-KR" sz="1800">
+                <a:latin typeface="맑은 고딕" charset="0"/>
+                <a:ea typeface="맑은 고딕" charset="0"/>
+              </a:rPr>
+              <a:t>R</a:t>
+            </a:r>
+            <a:r>
+              <a:rPr lang="ko-KR" sz="1800">
+                <a:latin typeface="맑은 고딕" charset="0"/>
+                <a:ea typeface="맑은 고딕" charset="0"/>
+              </a:rPr>
+              <a:t>e</a:t>
+            </a:r>
+            <a:r>
+              <a:rPr lang="ko-KR" sz="1800">
+                <a:latin typeface="맑은 고딕" charset="0"/>
+                <a:ea typeface="맑은 고딕" charset="0"/>
+              </a:rPr>
+              <a:t>n</a:t>
+            </a:r>
+            <a:r>
+              <a:rPr lang="ko-KR" sz="1800">
+                <a:latin typeface="맑은 고딕" charset="0"/>
+                <a:ea typeface="맑은 고딕" charset="0"/>
+              </a:rPr>
+              <a:t>der Textu</a:t>
+            </a:r>
+            <a:r>
+              <a:rPr lang="ko-KR" sz="1800">
+                <a:latin typeface="맑은 고딕" charset="0"/>
+                <a:ea typeface="맑은 고딕" charset="0"/>
+              </a:rPr>
+              <a:t>r</a:t>
+            </a:r>
+            <a:r>
+              <a:rPr lang="ko-KR" sz="1800">
+                <a:latin typeface="맑은 고딕" charset="0"/>
+                <a:ea typeface="맑은 고딕" charset="0"/>
+              </a:rPr>
+              <a:t>e 폴더에 Render Texture를 생성하고 </a:t>
+            </a:r>
+            <a:r>
+              <a:rPr lang="ko-KR" sz="1800">
+                <a:latin typeface="맑은 고딕" charset="0"/>
+                <a:ea typeface="맑은 고딕" charset="0"/>
+              </a:rPr>
+              <a:t>V</a:t>
+            </a:r>
+            <a:r>
+              <a:rPr lang="ko-KR" sz="1800">
+                <a:latin typeface="맑은 고딕" charset="0"/>
+                <a:ea typeface="맑은 고딕" charset="0"/>
+              </a:rPr>
+              <a:t>ideo Text</a:t>
+            </a:r>
+            <a:r>
+              <a:rPr lang="ko-KR" sz="1800">
+                <a:latin typeface="맑은 고딕" charset="0"/>
+                <a:ea typeface="맑은 고딕" charset="0"/>
+              </a:rPr>
+              <a:t>u</a:t>
+            </a:r>
+            <a:r>
+              <a:rPr lang="ko-KR" sz="1800">
+                <a:latin typeface="맑은 고딕" charset="0"/>
+                <a:ea typeface="맑은 고딕" charset="0"/>
+              </a:rPr>
+              <a:t>re라는 이름으로</a:t>
+            </a:r>
+            <a:r>
+              <a:rPr lang="ko-KR" sz="1800">
+                <a:latin typeface="맑은 고딕" charset="0"/>
+                <a:ea typeface="맑은 고딕" charset="0"/>
+              </a:rPr>
+              <a:t> </a:t>
+            </a:r>
+            <a:r>
+              <a:rPr lang="ko-KR" sz="1800">
+                <a:latin typeface="맑은 고딕" charset="0"/>
+                <a:ea typeface="맑은 고딕" charset="0"/>
+              </a:rPr>
+              <a:t>정의합니다.</a:t>
+            </a:r>
+            <a:endParaRPr lang="ko-KR" altLang="en-US" sz="1800">
+              <a:latin typeface="맑은 고딕" charset="0"/>
+              <a:ea typeface="맑은 고딕" charset="0"/>
+            </a:endParaRPr>
+          </a:p>
+        </p:txBody>
+      </p:sp>
+      <p:pic>
+        <p:nvPicPr>
+          <p:cNvPr id="1251" name="그림 1" descr="C:/Users/nwond/AppData/Roaming/PolarisOffice/ETemp/4468_14212112/fImage2831933141.png"/>
+          <p:cNvPicPr>
+            <a:picLocks noChangeAspect="1"/>
+          </p:cNvPicPr>
+          <p:nvPr/>
+        </p:nvPicPr>
+        <p:blipFill rotWithShape="1">
+          <a:blip r:embed="rId6" cstate="print">
+            <a:extLst>
+              <a:ext uri="{28A0092B-C50C-407E-A947-70E740481C1C}">
+                <a14:useLocalDpi xmlns:a14="http://schemas.microsoft.com/office/drawing/2010/main" val="0"/>
+              </a:ext>
+            </a:extLst>
+          </a:blip>
+          <a:stretch>
+            <a:fillRect/>
+          </a:stretch>
+        </p:blipFill>
+        <p:spPr>
+          <a:xfrm rot="0">
+            <a:off x="1216025" y="1433830"/>
+            <a:ext cx="4159250" cy="3637280"/>
+          </a:xfrm>
+          <a:prstGeom prst="roundRect"/>
+          <a:solidFill>
+            <a:srgbClr val="EDEDED"/>
+          </a:solidFill>
+        </p:spPr>
+      </p:pic>
+      <p:pic>
+        <p:nvPicPr>
+          <p:cNvPr id="1252" name="그림 4" descr="C:/Users/nwond/AppData/Roaming/PolarisOffice/ETemp/4468_14212112/fImage421643328467.png"/>
+          <p:cNvPicPr>
+            <a:picLocks noChangeAspect="1"/>
+          </p:cNvPicPr>
+          <p:nvPr/>
+        </p:nvPicPr>
+        <p:blipFill rotWithShape="1">
+          <a:blip r:embed="rId7" cstate="hqprint">
+            <a:extLst>
+              <a:ext uri="{28A0092B-C50C-407E-A947-70E740481C1C}">
+                <a14:useLocalDpi xmlns:a14="http://schemas.microsoft.com/office/drawing/2010/main"/>
+              </a:ext>
+            </a:extLst>
+          </a:blip>
+          <a:stretch>
+            <a:fillRect/>
+          </a:stretch>
+        </p:blipFill>
+        <p:spPr>
+          <a:xfrm rot="0">
+            <a:off x="6820535" y="1440180"/>
+            <a:ext cx="4121150" cy="3637280"/>
+          </a:xfrm>
+          <a:prstGeom prst="roundRect"/>
+          <a:solidFill>
+            <a:srgbClr val="EDEDED"/>
+          </a:solidFill>
+        </p:spPr>
+      </p:pic>
+    </p:spTree>
+  </p:cSld>
+  <p:clrMapOvr>
+    <a:masterClrMapping/>
+  </p:clrMapOvr>
+  <mc:AlternateContent xmlns:mc="http://schemas.openxmlformats.org/markup-compatibility/2006">
+    <mc:Choice xmlns:p14="http://schemas.microsoft.com/office/powerpoint/2010/main" Requires="p14">
+      <p:transition spd="slow" p14:dur="2000"/>
+    </mc:Choice>
+    <mc:Fallback>
+      <p:transition spd="slow"/>
+    </mc:Fallback>
+  </mc:AlternateContent>
+  <p:timing>
+    <p:tnLst>
+      <p:par>
+        <p:cTn id="1" dur="indefinite" restart="never" nodeType="tmRoot"/>
+      </p:par>
+    </p:tnLst>
+  </p:timing>
+</p:sld>
+</file>
+
+<file path=ppt/slides/slide16.xml><?xml version="1.0" encoding="utf-8"?>
 <p:sld xmlns:a="http://schemas.openxmlformats.org/drawingml/2006/main" xmlns:r="http://schemas.openxmlformats.org/officeDocument/2006/relationships" xmlns:p="http://schemas.openxmlformats.org/presentationml/2006/main">
   <p:cSld>
     <p:spTree>
@@ -9952,7 +12723,7 @@
         <p:spPr>
           <a:xfrm rot="0">
             <a:off x="4486910" y="354965"/>
-            <a:ext cx="3213735" cy="478155"/>
+            <a:ext cx="3215005" cy="478155"/>
           </a:xfrm>
           <a:prstGeom prst="rect"/>
           <a:noFill/>
@@ -9989,7 +12760,7 @@
                 <a:latin typeface="나눔바른고딕" charset="0"/>
                 <a:ea typeface="나눔바른고딕" charset="0"/>
               </a:rPr>
-              <a:t>세</a:t>
+              <a:t>여섯</a:t>
             </a:r>
             <a:r>
               <a:rPr lang="ko-KR" altLang="en-US" sz="2500" b="1">
@@ -10021,8 +12792,8 @@
         </p:nvSpPr>
         <p:spPr>
           <a:xfrm rot="0">
-            <a:off x="1225550" y="5009515"/>
-            <a:ext cx="4149725" cy="1200785"/>
+            <a:off x="1235075" y="5288915"/>
+            <a:ext cx="4140200" cy="923925"/>
           </a:xfrm>
           <a:prstGeom prst="rect"/>
           <a:noFill/>
@@ -10049,7 +12820,7 @@
                 <a:latin typeface="맑은 고딕" charset="0"/>
                 <a:ea typeface="맑은 고딕" charset="0"/>
               </a:rPr>
-              <a:t>3</a:t>
+              <a:t>4</a:t>
             </a:r>
             <a:r>
               <a:rPr lang="ko-KR" sz="1800" b="1">
@@ -10059,7 +12830,7 @@
                 <a:latin typeface="맑은 고딕" charset="0"/>
                 <a:ea typeface="맑은 고딕" charset="0"/>
               </a:rPr>
-              <a:t>6</a:t>
+              <a:t>5</a:t>
             </a:r>
             <a:r>
               <a:rPr sz="1800" b="1">
@@ -10083,21 +12854,7 @@
                 <a:latin typeface="맑은 고딕" charset="0"/>
                 <a:ea typeface="맑은 고딕" charset="0"/>
               </a:rPr>
-              <a:t>이제</a:t>
-            </a:r>
-            <a:r>
-              <a:rPr lang="ko-KR" sz="1800">
-                <a:latin typeface="맑은 고딕" charset="0"/>
-                <a:ea typeface="맑은 고딕" charset="0"/>
-              </a:rPr>
-              <a:t> Project 폴더 아래에 있는 Texture 폴더에 </a:t>
-            </a:r>
-            <a:r>
-              <a:rPr lang="ko-KR" sz="1800">
-                <a:latin typeface="맑은 고딕" charset="0"/>
-                <a:ea typeface="맑은 고딕" charset="0"/>
-              </a:rPr>
-              <a:t>3D</a:t>
+              <a:t>그러고 나서</a:t>
             </a:r>
             <a:r>
               <a:rPr lang="ko-KR" sz="1800">
@@ -10111,63 +12868,56 @@
                 <a:latin typeface="맑은 고딕" charset="0"/>
                 <a:ea typeface="맑은 고딕" charset="0"/>
               </a:rPr>
-              <a:t>B</a:t>
-            </a:r>
-            <a:r>
-              <a:rPr lang="ko-KR" sz="1800">
-                <a:latin typeface="맑은 고딕" charset="0"/>
-                <a:ea typeface="맑은 고딕" charset="0"/>
-              </a:rPr>
-              <a:t>utton</a:t>
-            </a:r>
-            <a:r>
-              <a:rPr lang="ko-KR" sz="1800">
-                <a:latin typeface="맑은 고딕" charset="0"/>
-                <a:ea typeface="맑은 고딕" charset="0"/>
-              </a:rPr>
-              <a:t> 텍스처를 </a:t>
-            </a:r>
-            <a:r>
-              <a:rPr sz="1800">
-                <a:latin typeface="맑은 고딕" charset="0"/>
-                <a:ea typeface="맑은 고딕" charset="0"/>
-              </a:rPr>
-              <a:t>S</a:t>
-            </a:r>
-            <a:r>
-              <a:rPr lang="ko-KR" sz="1800">
-                <a:latin typeface="맑은 고딕" charset="0"/>
-                <a:ea typeface="맑은 고딕" charset="0"/>
-              </a:rPr>
-              <a:t>i</a:t>
-            </a:r>
-            <a:r>
-              <a:rPr lang="ko-KR" sz="1800">
-                <a:latin typeface="맑은 고딕" charset="0"/>
-                <a:ea typeface="맑은 고딕" charset="0"/>
-              </a:rPr>
-              <a:t>gnal</a:t>
-            </a:r>
-            <a:r>
-              <a:rPr lang="ko-KR" sz="1800">
-                <a:latin typeface="맑은 고딕" charset="0"/>
-                <a:ea typeface="맑은 고딕" charset="0"/>
-              </a:rPr>
-              <a:t> Button</a:t>
-            </a:r>
-            <a:r>
-              <a:rPr lang="ko-KR" sz="1800">
-                <a:latin typeface="맑은 고딕" charset="0"/>
-                <a:ea typeface="맑은 고딕" charset="0"/>
-              </a:rPr>
-              <a:t> </a:t>
-            </a:r>
-            <a:r>
-              <a:rPr lang="ko-KR" sz="1800">
-                <a:latin typeface="맑은 고딕" charset="0"/>
-                <a:ea typeface="맑은 고딕" charset="0"/>
-              </a:rPr>
-              <a:t>오브젝트의 Source Image에 넣어줍니다.</a:t>
+              <a:t>U</a:t>
+            </a:r>
+            <a:r>
+              <a:rPr lang="ko-KR" sz="1800">
+                <a:latin typeface="맑은 고딕" charset="0"/>
+                <a:ea typeface="맑은 고딕" charset="0"/>
+              </a:rPr>
+              <a:t>I</a:t>
+            </a:r>
+            <a:r>
+              <a:rPr lang="ko-KR" sz="1800">
+                <a:latin typeface="맑은 고딕" charset="0"/>
+                <a:ea typeface="맑은 고딕" charset="0"/>
+              </a:rPr>
+              <a:t>에 </a:t>
+            </a:r>
+            <a:r>
+              <a:rPr lang="ko-KR" sz="1800">
+                <a:latin typeface="맑은 고딕" charset="0"/>
+                <a:ea typeface="맑은 고딕" charset="0"/>
+              </a:rPr>
+              <a:t>Raw Image를 </a:t>
+            </a:r>
+            <a:r>
+              <a:rPr lang="ko-KR" sz="1800">
+                <a:latin typeface="맑은 고딕" charset="0"/>
+                <a:ea typeface="맑은 고딕" charset="0"/>
+              </a:rPr>
+              <a:t>생성한 </a:t>
+            </a:r>
+            <a:r>
+              <a:rPr lang="ko-KR" sz="1800">
+                <a:latin typeface="맑은 고딕" charset="0"/>
+                <a:ea typeface="맑은 고딕" charset="0"/>
+              </a:rPr>
+              <a:t>다음 </a:t>
+            </a:r>
+            <a:r>
+              <a:rPr lang="ko-KR" sz="1800">
+                <a:latin typeface="맑은 고딕" charset="0"/>
+                <a:ea typeface="맑은 고딕" charset="0"/>
+              </a:rPr>
+              <a:t>N</a:t>
+            </a:r>
+            <a:r>
+              <a:rPr lang="ko-KR" sz="1800">
+                <a:latin typeface="맑은 고딕" charset="0"/>
+                <a:ea typeface="맑은 고딕" charset="0"/>
+              </a:rPr>
+              <a:t>ew Video라는 이름으로 정의합니다.</a:t>
             </a:r>
             <a:endParaRPr lang="ko-KR" altLang="en-US" sz="1800">
               <a:latin typeface="맑은 고딕" charset="0"/>
@@ -10176,9 +12926,209 @@
           </a:p>
         </p:txBody>
       </p:sp>
+      <p:sp>
+        <p:nvSpPr>
+          <p:cNvPr id="1249" name="Rect 0"/>
+          <p:cNvSpPr txBox="1">
+            <a:spLocks/>
+          </p:cNvSpPr>
+          <p:nvPr/>
+        </p:nvSpPr>
+        <p:spPr>
+          <a:xfrm rot="0">
+            <a:off x="6813550" y="5288915"/>
+            <a:ext cx="4140835" cy="923925"/>
+          </a:xfrm>
+          <a:prstGeom prst="rect"/>
+          <a:noFill/>
+          <a:ln w="0">
+            <a:noFill/>
+            <a:prstDash/>
+          </a:ln>
+        </p:spPr>
+        <p:txBody>
+          <a:bodyPr wrap="square" lIns="89535" tIns="46355" rIns="89535" bIns="46355" numCol="1" vert="horz" anchor="t">
+            <a:spAutoFit/>
+          </a:bodyPr>
+          <a:lstStyle/>
+          <a:p>
+            <a:pPr marL="0" indent="0" rtl="0" algn="l" defTabSz="914400" eaLnBrk="1" latinLnBrk="0" hangingPunct="1">
+              <a:buFontTx/>
+              <a:buNone/>
+            </a:pPr>
+            <a:r>
+              <a:rPr sz="1800" b="1">
+                <a:solidFill>
+                  <a:srgbClr val="0611F2"/>
+                </a:solidFill>
+                <a:latin typeface="맑은 고딕" charset="0"/>
+                <a:ea typeface="맑은 고딕" charset="0"/>
+              </a:rPr>
+              <a:t>4</a:t>
+            </a:r>
+            <a:r>
+              <a:rPr lang="ko-KR" sz="1800" b="1">
+                <a:solidFill>
+                  <a:srgbClr val="0611F2"/>
+                </a:solidFill>
+                <a:latin typeface="맑은 고딕" charset="0"/>
+                <a:ea typeface="맑은 고딕" charset="0"/>
+              </a:rPr>
+              <a:t>6</a:t>
+            </a:r>
+            <a:r>
+              <a:rPr sz="1800" b="1">
+                <a:solidFill>
+                  <a:srgbClr val="0611F2"/>
+                </a:solidFill>
+                <a:latin typeface="맑은 고딕" charset="0"/>
+                <a:ea typeface="맑은 고딕" charset="0"/>
+              </a:rPr>
+              <a:t>.</a:t>
+            </a:r>
+            <a:r>
+              <a:rPr sz="1800">
+                <a:latin typeface="맑은 고딕" charset="0"/>
+                <a:ea typeface="맑은 고딕" charset="0"/>
+              </a:rPr>
+              <a:t> </a:t>
+            </a:r>
+            <a:r>
+              <a:rPr lang="ko-KR" sz="1800">
+                <a:latin typeface="맑은 고딕" charset="0"/>
+                <a:ea typeface="맑은 고딕" charset="0"/>
+              </a:rPr>
+              <a:t>이제</a:t>
+            </a:r>
+            <a:r>
+              <a:rPr lang="ko-KR" sz="1800">
+                <a:latin typeface="맑은 고딕" charset="0"/>
+                <a:ea typeface="맑은 고딕" charset="0"/>
+              </a:rPr>
+              <a:t> </a:t>
+            </a:r>
+            <a:r>
+              <a:rPr lang="ko-KR" sz="1800">
+                <a:latin typeface="맑은 고딕" charset="0"/>
+                <a:ea typeface="맑은 고딕" charset="0"/>
+              </a:rPr>
+              <a:t>Sea</a:t>
+            </a:r>
+            <a:r>
+              <a:rPr lang="ko-KR" sz="1800">
+                <a:latin typeface="맑은 고딕" charset="0"/>
+                <a:ea typeface="맑은 고딕" charset="0"/>
+              </a:rPr>
+              <a:t>rch </a:t>
+            </a:r>
+            <a:r>
+              <a:rPr lang="ko-KR" sz="1800">
+                <a:latin typeface="맑은 고딕" charset="0"/>
+                <a:ea typeface="맑은 고딕" charset="0"/>
+              </a:rPr>
+              <a:t>B</a:t>
+            </a:r>
+            <a:r>
+              <a:rPr lang="ko-KR" sz="1800">
+                <a:latin typeface="맑은 고딕" charset="0"/>
+                <a:ea typeface="맑은 고딕" charset="0"/>
+              </a:rPr>
+              <a:t>utton 오브젝트의</a:t>
+            </a:r>
+            <a:r>
+              <a:rPr lang="ko-KR" sz="1800">
+                <a:latin typeface="맑은 고딕" charset="0"/>
+                <a:ea typeface="맑은 고딕" charset="0"/>
+              </a:rPr>
+              <a:t> </a:t>
+            </a:r>
+            <a:r>
+              <a:rPr lang="ko-KR" sz="1800">
+                <a:latin typeface="맑은 고딕" charset="0"/>
+                <a:ea typeface="맑은 고딕" charset="0"/>
+              </a:rPr>
+              <a:t>하위 오브젝</a:t>
+            </a:r>
+            <a:r>
+              <a:rPr lang="ko-KR" sz="1800">
+                <a:latin typeface="맑은 고딕" charset="0"/>
+                <a:ea typeface="맑은 고딕" charset="0"/>
+              </a:rPr>
+              <a:t>트</a:t>
+            </a:r>
+            <a:r>
+              <a:rPr lang="ko-KR" sz="1800">
+                <a:latin typeface="맑은 고딕" charset="0"/>
+                <a:ea typeface="맑은 고딕" charset="0"/>
+              </a:rPr>
+              <a:t> Text </a:t>
+            </a:r>
+            <a:r>
+              <a:rPr lang="ko-KR" sz="1800">
+                <a:latin typeface="맑은 고딕" charset="0"/>
+                <a:ea typeface="맑은 고딕" charset="0"/>
+              </a:rPr>
+              <a:t>(TM</a:t>
+            </a:r>
+            <a:r>
+              <a:rPr lang="ko-KR" sz="1800">
+                <a:latin typeface="맑은 고딕" charset="0"/>
+                <a:ea typeface="맑은 고딕" charset="0"/>
+              </a:rPr>
+              <a:t>P)</a:t>
+            </a:r>
+            <a:r>
+              <a:rPr lang="ko-KR" sz="1800">
+                <a:latin typeface="맑은 고딕" charset="0"/>
+                <a:ea typeface="맑은 고딕" charset="0"/>
+              </a:rPr>
+              <a:t> </a:t>
+            </a:r>
+            <a:r>
+              <a:rPr lang="ko-KR" sz="1800">
+                <a:latin typeface="맑은 고딕" charset="0"/>
+                <a:ea typeface="맑은 고딕" charset="0"/>
+              </a:rPr>
+              <a:t>오브젝트에 Font S</a:t>
+            </a:r>
+            <a:r>
+              <a:rPr lang="ko-KR" sz="1800">
+                <a:latin typeface="맑은 고딕" charset="0"/>
+                <a:ea typeface="맑은 고딕" charset="0"/>
+              </a:rPr>
+              <a:t>t</a:t>
+            </a:r>
+            <a:r>
+              <a:rPr lang="ko-KR" sz="1800">
+                <a:latin typeface="맑은 고딕" charset="0"/>
+                <a:ea typeface="맑은 고딕" charset="0"/>
+              </a:rPr>
+              <a:t>yle</a:t>
+            </a:r>
+            <a:r>
+              <a:rPr lang="ko-KR" sz="1800">
+                <a:latin typeface="맑은 고딕" charset="0"/>
+                <a:ea typeface="맑은 고딕" charset="0"/>
+              </a:rPr>
+              <a:t>과 </a:t>
+            </a:r>
+            <a:r>
+              <a:rPr lang="ko-KR" sz="1800">
+                <a:latin typeface="맑은 고딕" charset="0"/>
+                <a:ea typeface="맑은 고딕" charset="0"/>
+              </a:rPr>
+              <a:t>Font Size를 설정합니다.</a:t>
+            </a:r>
+            <a:endParaRPr lang="ko-KR" altLang="en-US" sz="1800">
+              <a:latin typeface="맑은 고딕" charset="0"/>
+              <a:ea typeface="맑은 고딕" charset="0"/>
+            </a:endParaRPr>
+          </a:p>
+        </p:txBody>
+      </p:sp>
       <p:pic>
         <p:nvPicPr>
-          <p:cNvPr id="1242" name="Picture " descr="C:/Users/nwond/AppData/Roaming/PolarisOffice/ETemp/2808_23068720/fImage148152866500.png"/>
+          <p:cNvPr id="1253" name="그림 7" descr="C:/Users/nwond/AppData/Roaming/PolarisOffice/ETemp/4468_14212112/fImage430153416334.png"/>
           <p:cNvPicPr>
             <a:picLocks noChangeAspect="1"/>
           </p:cNvPicPr>
@@ -10198,8 +13148,8 @@
         </p:blipFill>
         <p:spPr>
           <a:xfrm rot="0">
-            <a:off x="1235075" y="1442720"/>
-            <a:ext cx="4145915" cy="2200910"/>
+            <a:off x="6820535" y="1452245"/>
+            <a:ext cx="4133850" cy="3656330"/>
           </a:xfrm>
           <a:prstGeom prst="roundRect"/>
           <a:solidFill>
@@ -10209,14 +13159,45 @@
       </p:pic>
       <p:pic>
         <p:nvPicPr>
-          <p:cNvPr id="1243" name="Picture " descr="C:/Users/nwond/AppData/Roaming/PolarisOffice/ETemp/2808_23068720/fImage149862879169.png"/>
+          <p:cNvPr id="1254" name="그림 10" descr="C:/Users/nwond/AppData/Roaming/PolarisOffice/ETemp/4468_14212112/fImage191583426500.png"/>
           <p:cNvPicPr>
             <a:picLocks noChangeAspect="1"/>
           </p:cNvPicPr>
           <p:nvPr/>
         </p:nvPicPr>
         <p:blipFill rotWithShape="1">
-          <a:blip r:embed="rId3" cstate="print">
+          <a:blip r:embed="rId3" cstate="hqprint">
+            <a:extLst>
+              <a:ext uri="{28A0092B-C50C-407E-A947-70E740481C1C}">
+                <a14:useLocalDpi xmlns:a14="http://schemas.microsoft.com/office/drawing/2010/main"/>
+              </a:ext>
+            </a:extLst>
+          </a:blip>
+          <a:stretch>
+            <a:fillRect/>
+          </a:stretch>
+        </p:blipFill>
+        <p:spPr>
+          <a:xfrm rot="0">
+            <a:off x="1235075" y="1440180"/>
+            <a:ext cx="2689225" cy="3674745"/>
+          </a:xfrm>
+          <a:prstGeom prst="roundRect"/>
+          <a:solidFill>
+            <a:srgbClr val="EDEDED"/>
+          </a:solidFill>
+        </p:spPr>
+      </p:pic>
+      <p:pic>
+        <p:nvPicPr>
+          <p:cNvPr id="1255" name="그림 11" descr="C:/Users/nwond/AppData/Roaming/PolarisOffice/ETemp/4468_14212112/fImage103323439169.png"/>
+          <p:cNvPicPr>
+            <a:picLocks noChangeAspect="1"/>
+          </p:cNvPicPr>
+          <p:nvPr/>
+        </p:nvPicPr>
+        <p:blipFill rotWithShape="1">
+          <a:blip r:embed="rId4" cstate="print">
             <a:extLst>
               <a:ext uri="{28A0092B-C50C-407E-A947-70E740481C1C}">
                 <a14:useLocalDpi xmlns:a14="http://schemas.microsoft.com/office/drawing/2010/main" val="0"/>
@@ -10229,8 +13210,8 @@
         </p:blipFill>
         <p:spPr>
           <a:xfrm rot="0">
-            <a:off x="1227455" y="3813810"/>
-            <a:ext cx="4147185" cy="1067435"/>
+            <a:off x="4070985" y="2322830"/>
+            <a:ext cx="1303655" cy="1917065"/>
           </a:xfrm>
           <a:prstGeom prst="roundRect"/>
           <a:solidFill>
@@ -10238,339 +13219,6 @@
           </a:solidFill>
         </p:spPr>
       </p:pic>
-      <p:cxnSp>
-        <p:nvCxnSpPr>
-          <p:cNvPr id="1244" name="Rect 0"/>
-          <p:cNvCxnSpPr/>
-          <p:nvPr/>
-        </p:nvCxnSpPr>
-        <p:spPr>
-          <a:xfrm rot="0" flipV="1">
-            <a:off x="2141220" y="1769110"/>
-            <a:ext cx="3135630" cy="2433320"/>
-          </a:xfrm>
-          <a:prstGeom prst="straightConnector1"/>
-          <a:ln w="6350" cap="flat" cmpd="sng">
-            <a:prstDash/>
-            <a:tailEnd type="triangle" w="med" len="med"/>
-          </a:ln>
-        </p:spPr>
-        <p:style>
-          <a:lnRef idx="1">
-            <a:schemeClr val="accent1"/>
-          </a:lnRef>
-          <a:fillRef idx="0">
-            <a:schemeClr val="accent1"/>
-          </a:fillRef>
-          <a:effectRef idx="0">
-            <a:schemeClr val="accent1"/>
-          </a:effectRef>
-          <a:fontRef idx="minor">
-            <a:schemeClr val="tx1"/>
-          </a:fontRef>
-        </p:style>
-      </p:cxnSp>
-      <p:sp>
-        <p:nvSpPr>
-          <p:cNvPr id="1245" name="Rect 0"/>
-          <p:cNvSpPr txBox="1">
-            <a:spLocks/>
-          </p:cNvSpPr>
-          <p:nvPr/>
-        </p:nvSpPr>
-        <p:spPr>
-          <a:xfrm rot="0">
-            <a:off x="6820535" y="2692400"/>
-            <a:ext cx="4140200" cy="647065"/>
-          </a:xfrm>
-          <a:prstGeom prst="rect"/>
-          <a:noFill/>
-          <a:ln w="0">
-            <a:noFill/>
-            <a:prstDash/>
-          </a:ln>
-        </p:spPr>
-        <p:txBody>
-          <a:bodyPr wrap="square" lIns="89535" tIns="46355" rIns="89535" bIns="46355" numCol="1" vert="horz" anchor="t">
-            <a:spAutoFit/>
-          </a:bodyPr>
-          <a:lstStyle/>
-          <a:p>
-            <a:pPr marL="0" indent="0" rtl="0" algn="l" defTabSz="914400" eaLnBrk="1" latinLnBrk="0" hangingPunct="1">
-              <a:buFontTx/>
-              <a:buNone/>
-            </a:pPr>
-            <a:r>
-              <a:rPr sz="1800" b="1">
-                <a:solidFill>
-                  <a:srgbClr val="0611F2"/>
-                </a:solidFill>
-                <a:latin typeface="맑은 고딕" charset="0"/>
-                <a:ea typeface="맑은 고딕" charset="0"/>
-              </a:rPr>
-              <a:t>3</a:t>
-            </a:r>
-            <a:r>
-              <a:rPr lang="ko-KR" sz="1800" b="1">
-                <a:solidFill>
-                  <a:srgbClr val="0611F2"/>
-                </a:solidFill>
-                <a:latin typeface="맑은 고딕" charset="0"/>
-                <a:ea typeface="맑은 고딕" charset="0"/>
-              </a:rPr>
-              <a:t>7</a:t>
-            </a:r>
-            <a:r>
-              <a:rPr sz="1800" b="1">
-                <a:solidFill>
-                  <a:srgbClr val="0611F2"/>
-                </a:solidFill>
-                <a:latin typeface="맑은 고딕" charset="0"/>
-                <a:ea typeface="맑은 고딕" charset="0"/>
-              </a:rPr>
-              <a:t>.</a:t>
-            </a:r>
-            <a:r>
-              <a:rPr sz="1800">
-                <a:latin typeface="맑은 고딕" charset="0"/>
-                <a:ea typeface="맑은 고딕" charset="0"/>
-              </a:rPr>
-              <a:t> </a:t>
-            </a:r>
-            <a:r>
-              <a:rPr lang="ko-KR" sz="1800">
-                <a:latin typeface="맑은 고딕" charset="0"/>
-                <a:ea typeface="맑은 고딕" charset="0"/>
-              </a:rPr>
-              <a:t>그</a:t>
-            </a:r>
-            <a:r>
-              <a:rPr lang="ko-KR" sz="1800">
-                <a:latin typeface="맑은 고딕" charset="0"/>
-                <a:ea typeface="맑은 고딕" charset="0"/>
-              </a:rPr>
-              <a:t>리고</a:t>
-            </a:r>
-            <a:r>
-              <a:rPr lang="ko-KR" sz="1800">
-                <a:latin typeface="맑은 고딕" charset="0"/>
-                <a:ea typeface="맑은 고딕" charset="0"/>
-              </a:rPr>
-              <a:t> </a:t>
-            </a:r>
-            <a:r>
-              <a:rPr lang="ko-KR" sz="1800">
-                <a:latin typeface="맑은 고딕" charset="0"/>
-                <a:ea typeface="맑은 고딕" charset="0"/>
-              </a:rPr>
-              <a:t>S</a:t>
-            </a:r>
-            <a:r>
-              <a:rPr lang="ko-KR" sz="1800">
-                <a:latin typeface="맑은 고딕" charset="0"/>
-                <a:ea typeface="맑은 고딕" charset="0"/>
-              </a:rPr>
-              <a:t>ignal </a:t>
-            </a:r>
-            <a:r>
-              <a:rPr lang="ko-KR" sz="1800">
-                <a:latin typeface="맑은 고딕" charset="0"/>
-                <a:ea typeface="맑은 고딕" charset="0"/>
-              </a:rPr>
-              <a:t>Button </a:t>
-            </a:r>
-            <a:r>
-              <a:rPr sz="1800">
-                <a:latin typeface="맑은 고딕" charset="0"/>
-                <a:ea typeface="맑은 고딕" charset="0"/>
-              </a:rPr>
-              <a:t>오브젝트의 OnClick( ) 함수를 추가합니다.</a:t>
-            </a:r>
-            <a:endParaRPr lang="ko-KR" altLang="en-US" sz="1800">
-              <a:latin typeface="맑은 고딕" charset="0"/>
-              <a:ea typeface="맑은 고딕" charset="0"/>
-            </a:endParaRPr>
-          </a:p>
-        </p:txBody>
-      </p:sp>
-      <p:pic>
-        <p:nvPicPr>
-          <p:cNvPr id="1246" name="Picture " descr="C:/Users/nwond/AppData/Roaming/PolarisOffice/ETemp/2808_23068720/fImage30172346962.png"/>
-          <p:cNvPicPr>
-            <a:picLocks noChangeAspect="1"/>
-          </p:cNvPicPr>
-          <p:nvPr/>
-        </p:nvPicPr>
-        <p:blipFill rotWithShape="1">
-          <a:blip r:embed="rId4" cstate="hqprint">
-            <a:extLst>
-              <a:ext uri="{28A0092B-C50C-407E-A947-70E740481C1C}">
-                <a14:useLocalDpi xmlns:a14="http://schemas.microsoft.com/office/drawing/2010/main"/>
-              </a:ext>
-            </a:extLst>
-          </a:blip>
-          <a:stretch>
-            <a:fillRect/>
-          </a:stretch>
-        </p:blipFill>
-        <p:spPr>
-          <a:xfrm rot="0">
-            <a:off x="8161020" y="1477010"/>
-            <a:ext cx="2805430" cy="1111885"/>
-          </a:xfrm>
-          <a:prstGeom prst="roundRect"/>
-          <a:solidFill>
-            <a:srgbClr val="EDEDED"/>
-          </a:solidFill>
-        </p:spPr>
-      </p:pic>
-      <p:pic>
-        <p:nvPicPr>
-          <p:cNvPr id="1247" name="Picture " descr="C:/Users/nwond/AppData/Roaming/PolarisOffice/ETemp/2808_23068720/fImage80902409961.png"/>
-          <p:cNvPicPr>
-            <a:picLocks noChangeAspect="1"/>
-          </p:cNvPicPr>
-          <p:nvPr/>
-        </p:nvPicPr>
-        <p:blipFill rotWithShape="1">
-          <a:blip r:embed="rId5" cstate="hqprint">
-            <a:extLst>
-              <a:ext uri="{28A0092B-C50C-407E-A947-70E740481C1C}">
-                <a14:useLocalDpi xmlns:a14="http://schemas.microsoft.com/office/drawing/2010/main"/>
-              </a:ext>
-            </a:extLst>
-          </a:blip>
-          <a:stretch>
-            <a:fillRect/>
-          </a:stretch>
-        </p:blipFill>
-        <p:spPr>
-          <a:xfrm rot="0">
-            <a:off x="6820535" y="1482725"/>
-            <a:ext cx="1198245" cy="1106805"/>
-          </a:xfrm>
-          <a:prstGeom prst="roundRect"/>
-          <a:solidFill>
-            <a:srgbClr val="EDEDED"/>
-          </a:solidFill>
-        </p:spPr>
-      </p:pic>
-      <p:sp>
-        <p:nvSpPr>
-          <p:cNvPr id="1250" name="텍스트 상자 25"/>
-          <p:cNvSpPr txBox="1">
-            <a:spLocks/>
-          </p:cNvSpPr>
-          <p:nvPr/>
-        </p:nvSpPr>
-        <p:spPr>
-          <a:xfrm rot="0">
-            <a:off x="6817360" y="5288915"/>
-            <a:ext cx="4149725" cy="923925"/>
-          </a:xfrm>
-          <a:prstGeom prst="rect"/>
-          <a:noFill/>
-          <a:ln w="0">
-            <a:noFill/>
-            <a:prstDash/>
-          </a:ln>
-        </p:spPr>
-        <p:txBody>
-          <a:bodyPr wrap="square" lIns="89535" tIns="46355" rIns="89535" bIns="46355" numCol="1" vert="horz" anchor="t">
-            <a:spAutoFit/>
-          </a:bodyPr>
-          <a:lstStyle/>
-          <a:p>
-            <a:pPr marL="0" indent="0" rtl="0" algn="l" defTabSz="914400" eaLnBrk="1" latinLnBrk="0" hangingPunct="1">
-              <a:buFontTx/>
-              <a:buNone/>
-            </a:pPr>
-            <a:r>
-              <a:rPr sz="1800" b="1">
-                <a:solidFill>
-                  <a:srgbClr val="0611F2"/>
-                </a:solidFill>
-                <a:latin typeface="맑은 고딕" charset="0"/>
-                <a:ea typeface="맑은 고딕" charset="0"/>
-              </a:rPr>
-              <a:t>3</a:t>
-            </a:r>
-            <a:r>
-              <a:rPr sz="1800" b="1">
-                <a:solidFill>
-                  <a:srgbClr val="0611F2"/>
-                </a:solidFill>
-                <a:latin typeface="맑은 고딕" charset="0"/>
-                <a:ea typeface="맑은 고딕" charset="0"/>
-              </a:rPr>
-              <a:t>8</a:t>
-            </a:r>
-            <a:r>
-              <a:rPr sz="1800" b="1">
-                <a:solidFill>
-                  <a:srgbClr val="0611F2"/>
-                </a:solidFill>
-                <a:latin typeface="맑은 고딕" charset="0"/>
-                <a:ea typeface="맑은 고딕" charset="0"/>
-              </a:rPr>
-              <a:t>.</a:t>
-            </a:r>
-            <a:r>
-              <a:rPr sz="1800">
-                <a:latin typeface="맑은 고딕" charset="0"/>
-                <a:ea typeface="맑은 고딕" charset="0"/>
-              </a:rPr>
-              <a:t> </a:t>
-            </a:r>
-            <a:r>
-              <a:rPr lang="ko-KR" sz="1800">
-                <a:latin typeface="맑은 고딕" charset="0"/>
-                <a:ea typeface="맑은 고딕" charset="0"/>
-              </a:rPr>
-              <a:t>그런 </a:t>
-            </a:r>
-            <a:r>
-              <a:rPr lang="ko-KR" sz="1800">
-                <a:latin typeface="맑은 고딕" charset="0"/>
-                <a:ea typeface="맑은 고딕" charset="0"/>
-              </a:rPr>
-              <a:t>다음</a:t>
-            </a:r>
-            <a:r>
-              <a:rPr lang="ko-KR" sz="1800">
-                <a:latin typeface="맑은 고딕" charset="0"/>
-                <a:ea typeface="맑은 고딕" charset="0"/>
-              </a:rPr>
-              <a:t> S</a:t>
-            </a:r>
-            <a:r>
-              <a:rPr lang="ko-KR" sz="1800">
-                <a:latin typeface="맑은 고딕" charset="0"/>
-                <a:ea typeface="맑은 고딕" charset="0"/>
-              </a:rPr>
-              <a:t>i</a:t>
-            </a:r>
-            <a:r>
-              <a:rPr lang="ko-KR" sz="1800">
-                <a:latin typeface="맑은 고딕" charset="0"/>
-                <a:ea typeface="맑은 고딕" charset="0"/>
-              </a:rPr>
-              <a:t>gnal</a:t>
-            </a:r>
-            <a:r>
-              <a:rPr lang="ko-KR" sz="1800">
-                <a:latin typeface="맑은 고딕" charset="0"/>
-                <a:ea typeface="맑은 고딕" charset="0"/>
-              </a:rPr>
-              <a:t> Button의 On Click( ) 함수에 Audio Manager 오브젝트를 넣어줍니다.</a:t>
-            </a:r>
-            <a:endParaRPr lang="ko-KR" altLang="en-US" sz="1800">
-              <a:latin typeface="맑은 고딕" charset="0"/>
-              <a:ea typeface="맑은 고딕" charset="0"/>
-            </a:endParaRPr>
-          </a:p>
-        </p:txBody>
-      </p:sp>
     </p:spTree>
   </p:cSld>
   <p:clrMapOvr>
@@ -10594,7 +13242,7 @@
 </p:sld>
 </file>
 
-<file path=ppt/slides/slide14.xml><?xml version="1.0" encoding="utf-8"?>
+<file path=ppt/slides/slide17.xml><?xml version="1.0" encoding="utf-8"?>
 <p:sld xmlns:a="http://schemas.openxmlformats.org/drawingml/2006/main" xmlns:r="http://schemas.openxmlformats.org/officeDocument/2006/relationships" xmlns:p="http://schemas.openxmlformats.org/presentationml/2006/main">
   <p:cSld>
     <p:spTree>
@@ -10622,7 +13270,7 @@
         <p:spPr>
           <a:xfrm rot="0">
             <a:off x="4486910" y="354965"/>
-            <a:ext cx="3213735" cy="478155"/>
+            <a:ext cx="3215005" cy="478155"/>
           </a:xfrm>
           <a:prstGeom prst="rect"/>
           <a:noFill/>
@@ -10659,7 +13307,7 @@
                 <a:latin typeface="나눔바른고딕" charset="0"/>
                 <a:ea typeface="나눔바른고딕" charset="0"/>
               </a:rPr>
-              <a:t>네</a:t>
+              <a:t>일곱</a:t>
             </a:r>
             <a:r>
               <a:rPr lang="ko-KR" altLang="en-US" sz="2500" b="1">
@@ -10691,8 +13339,8 @@
         </p:nvSpPr>
         <p:spPr>
           <a:xfrm rot="0">
-            <a:off x="1225550" y="5009515"/>
-            <a:ext cx="4149725" cy="1200785"/>
+            <a:off x="1235075" y="5288915"/>
+            <a:ext cx="4133850" cy="923925"/>
           </a:xfrm>
           <a:prstGeom prst="rect"/>
           <a:noFill/>
@@ -10719,7 +13367,7 @@
                 <a:latin typeface="맑은 고딕" charset="0"/>
                 <a:ea typeface="맑은 고딕" charset="0"/>
               </a:rPr>
-              <a:t>3</a:t>
+              <a:t>4</a:t>
             </a:r>
             <a:r>
               <a:rPr lang="ko-KR" sz="1800" b="1">
@@ -10729,7 +13377,7 @@
                 <a:latin typeface="맑은 고딕" charset="0"/>
                 <a:ea typeface="맑은 고딕" charset="0"/>
               </a:rPr>
-              <a:t>6</a:t>
+              <a:t>7</a:t>
             </a:r>
             <a:r>
               <a:rPr sz="1800" b="1">
@@ -10753,21 +13401,28 @@
                 <a:latin typeface="맑은 고딕" charset="0"/>
                 <a:ea typeface="맑은 고딕" charset="0"/>
               </a:rPr>
-              <a:t>이제</a:t>
-            </a:r>
-            <a:r>
-              <a:rPr lang="ko-KR" sz="1800">
-                <a:latin typeface="맑은 고딕" charset="0"/>
-                <a:ea typeface="맑은 고딕" charset="0"/>
-              </a:rPr>
-              <a:t> Project 폴더 아래에 있는 Texture 폴더에 </a:t>
-            </a:r>
-            <a:r>
-              <a:rPr lang="ko-KR" sz="1800">
-                <a:latin typeface="맑은 고딕" charset="0"/>
-                <a:ea typeface="맑은 고딕" charset="0"/>
-              </a:rPr>
-              <a:t>3D</a:t>
+              <a:t>그리고 Si</a:t>
+            </a:r>
+            <a:r>
+              <a:rPr lang="ko-KR" sz="1800">
+                <a:latin typeface="맑은 고딕" charset="0"/>
+                <a:ea typeface="맑은 고딕" charset="0"/>
+              </a:rPr>
+              <a:t>gnal </a:t>
+            </a:r>
+            <a:r>
+              <a:rPr lang="ko-KR" sz="1800">
+                <a:latin typeface="맑은 고딕" charset="0"/>
+                <a:ea typeface="맑은 고딕" charset="0"/>
+              </a:rPr>
+              <a:t>B</a:t>
+            </a:r>
+            <a:r>
+              <a:rPr lang="ko-KR" sz="1800">
+                <a:latin typeface="맑은 고딕" charset="0"/>
+                <a:ea typeface="맑은 고딕" charset="0"/>
+              </a:rPr>
+              <a:t>utton 오브젝트의</a:t>
             </a:r>
             <a:r>
               <a:rPr lang="ko-KR" sz="1800">
@@ -10781,49 +13436,35 @@
                 <a:latin typeface="맑은 고딕" charset="0"/>
                 <a:ea typeface="맑은 고딕" charset="0"/>
               </a:rPr>
-              <a:t>B</a:t>
-            </a:r>
-            <a:r>
-              <a:rPr lang="ko-KR" sz="1800">
-                <a:latin typeface="맑은 고딕" charset="0"/>
-                <a:ea typeface="맑은 고딕" charset="0"/>
-              </a:rPr>
-              <a:t>utton</a:t>
-            </a:r>
-            <a:r>
-              <a:rPr lang="ko-KR" sz="1800">
-                <a:latin typeface="맑은 고딕" charset="0"/>
-                <a:ea typeface="맑은 고딕" charset="0"/>
-              </a:rPr>
-              <a:t> 텍스처를 </a:t>
-            </a:r>
-            <a:r>
-              <a:rPr sz="1800">
-                <a:latin typeface="맑은 고딕" charset="0"/>
-                <a:ea typeface="맑은 고딕" charset="0"/>
-              </a:rPr>
-              <a:t>S</a:t>
-            </a:r>
-            <a:r>
-              <a:rPr lang="ko-KR" sz="1800">
-                <a:latin typeface="맑은 고딕" charset="0"/>
-                <a:ea typeface="맑은 고딕" charset="0"/>
-              </a:rPr>
-              <a:t>i</a:t>
-            </a:r>
-            <a:r>
-              <a:rPr lang="ko-KR" sz="1800">
-                <a:latin typeface="맑은 고딕" charset="0"/>
-                <a:ea typeface="맑은 고딕" charset="0"/>
-              </a:rPr>
-              <a:t>gnal</a:t>
-            </a:r>
-            <a:r>
-              <a:rPr lang="ko-KR" sz="1800">
-                <a:latin typeface="맑은 고딕" charset="0"/>
-                <a:ea typeface="맑은 고딕" charset="0"/>
-              </a:rPr>
-              <a:t> Button</a:t>
+              <a:t>하위 오브젝</a:t>
+            </a:r>
+            <a:r>
+              <a:rPr lang="ko-KR" sz="1800">
+                <a:latin typeface="맑은 고딕" charset="0"/>
+                <a:ea typeface="맑은 고딕" charset="0"/>
+              </a:rPr>
+              <a:t>트</a:t>
+            </a:r>
+            <a:r>
+              <a:rPr lang="ko-KR" sz="1800">
+                <a:latin typeface="맑은 고딕" charset="0"/>
+                <a:ea typeface="맑은 고딕" charset="0"/>
+              </a:rPr>
+              <a:t> Text </a:t>
+            </a:r>
+            <a:r>
+              <a:rPr lang="ko-KR" sz="1800">
+                <a:latin typeface="맑은 고딕" charset="0"/>
+                <a:ea typeface="맑은 고딕" charset="0"/>
+              </a:rPr>
+              <a:t>(TM</a:t>
+            </a:r>
+            <a:r>
+              <a:rPr lang="ko-KR" sz="1800">
+                <a:latin typeface="맑은 고딕" charset="0"/>
+                <a:ea typeface="맑은 고딕" charset="0"/>
+              </a:rPr>
+              <a:t>P)</a:t>
             </a:r>
             <a:r>
               <a:rPr lang="ko-KR" sz="1800">
@@ -10837,172 +13478,35 @@
                 <a:latin typeface="맑은 고딕" charset="0"/>
                 <a:ea typeface="맑은 고딕" charset="0"/>
               </a:rPr>
-              <a:t>오브젝트의 Source Image에 넣어줍니다.</a:t>
-            </a:r>
-            <a:endParaRPr lang="ko-KR" altLang="en-US" sz="1800">
-              <a:latin typeface="맑은 고딕" charset="0"/>
-              <a:ea typeface="맑은 고딕" charset="0"/>
-            </a:endParaRPr>
-          </a:p>
-        </p:txBody>
-      </p:sp>
-      <p:sp>
-        <p:nvSpPr>
-          <p:cNvPr id="1245" name="Rect 0"/>
-          <p:cNvSpPr txBox="1">
-            <a:spLocks/>
-          </p:cNvSpPr>
-          <p:nvPr/>
-        </p:nvSpPr>
-        <p:spPr>
-          <a:xfrm rot="0">
-            <a:off x="6820535" y="2767965"/>
-            <a:ext cx="4127500" cy="923925"/>
-          </a:xfrm>
-          <a:prstGeom prst="rect"/>
-          <a:noFill/>
-          <a:ln w="0">
-            <a:noFill/>
-            <a:prstDash/>
-          </a:ln>
-        </p:spPr>
-        <p:txBody>
-          <a:bodyPr wrap="square" lIns="89535" tIns="46355" rIns="89535" bIns="46355" numCol="1" vert="horz" anchor="t">
-            <a:spAutoFit/>
-          </a:bodyPr>
-          <a:lstStyle/>
-          <a:p>
-            <a:pPr marL="0" indent="0" rtl="0" algn="l" defTabSz="914400" eaLnBrk="1" latinLnBrk="0" hangingPunct="1">
-              <a:buFontTx/>
-              <a:buNone/>
-            </a:pPr>
-            <a:r>
-              <a:rPr sz="1800" b="1">
-                <a:solidFill>
-                  <a:srgbClr val="0611F2"/>
-                </a:solidFill>
-                <a:latin typeface="맑은 고딕" charset="0"/>
-                <a:ea typeface="맑은 고딕" charset="0"/>
-              </a:rPr>
-              <a:t>3</a:t>
-            </a:r>
-            <a:r>
-              <a:rPr sz="1800" b="1">
-                <a:solidFill>
-                  <a:srgbClr val="0611F2"/>
-                </a:solidFill>
-                <a:latin typeface="맑은 고딕" charset="0"/>
-                <a:ea typeface="맑은 고딕" charset="0"/>
-              </a:rPr>
-              <a:t>4</a:t>
-            </a:r>
-            <a:r>
-              <a:rPr sz="1800" b="1">
-                <a:solidFill>
-                  <a:srgbClr val="0611F2"/>
-                </a:solidFill>
-                <a:latin typeface="맑은 고딕" charset="0"/>
-                <a:ea typeface="맑은 고딕" charset="0"/>
-              </a:rPr>
-              <a:t>.</a:t>
-            </a:r>
-            <a:r>
-              <a:rPr sz="1800">
-                <a:latin typeface="맑은 고딕" charset="0"/>
-                <a:ea typeface="맑은 고딕" charset="0"/>
-              </a:rPr>
-              <a:t> </a:t>
-            </a:r>
-            <a:r>
-              <a:rPr lang="ko-KR" sz="1800">
-                <a:latin typeface="맑은 고딕" charset="0"/>
-                <a:ea typeface="맑은 고딕" charset="0"/>
-              </a:rPr>
-              <a:t>이제</a:t>
-            </a:r>
-            <a:r>
-              <a:rPr lang="ko-KR" sz="1800">
-                <a:latin typeface="맑은 고딕" charset="0"/>
-                <a:ea typeface="맑은 고딕" charset="0"/>
-              </a:rPr>
-              <a:t> </a:t>
-            </a:r>
-            <a:r>
-              <a:rPr lang="ko-KR" sz="1800">
-                <a:latin typeface="맑은 고딕" charset="0"/>
-                <a:ea typeface="맑은 고딕" charset="0"/>
-              </a:rPr>
-              <a:t>A</a:t>
-            </a:r>
-            <a:r>
-              <a:rPr lang="ko-KR" sz="1800">
-                <a:latin typeface="맑은 고딕" charset="0"/>
-                <a:ea typeface="맑은 고딕" charset="0"/>
-              </a:rPr>
-              <a:t>udioManager 스크립트</a:t>
-            </a:r>
-            <a:r>
-              <a:rPr lang="ko-KR" sz="1800">
-                <a:latin typeface="맑은 고딕" charset="0"/>
-                <a:ea typeface="맑은 고딕" charset="0"/>
-              </a:rPr>
-              <a:t>에서 A</a:t>
-            </a:r>
-            <a:r>
-              <a:rPr lang="ko-KR" sz="1800">
-                <a:latin typeface="맑은 고딕" charset="0"/>
-                <a:ea typeface="맑은 고딕" charset="0"/>
-              </a:rPr>
-              <a:t>udioSou</a:t>
-            </a:r>
-            <a:r>
-              <a:rPr lang="ko-KR" sz="1800">
-                <a:latin typeface="맑은 고딕" charset="0"/>
-                <a:ea typeface="맑은 고딕" charset="0"/>
-              </a:rPr>
-              <a:t>c</a:t>
-            </a:r>
-            <a:r>
-              <a:rPr lang="ko-KR" sz="1800">
-                <a:latin typeface="맑은 고딕" charset="0"/>
-                <a:ea typeface="맑은 고딕" charset="0"/>
-              </a:rPr>
-              <a:t>e 변</a:t>
-            </a:r>
-            <a:r>
-              <a:rPr lang="ko-KR" sz="1800">
-                <a:latin typeface="맑은 고딕" charset="0"/>
-                <a:ea typeface="맑은 고딕" charset="0"/>
-              </a:rPr>
-              <a:t>수를 선언하고</a:t>
-            </a:r>
-            <a:r>
-              <a:rPr lang="ko-KR" sz="1800">
-                <a:latin typeface="맑은 고딕" charset="0"/>
-                <a:ea typeface="맑은 고딕" charset="0"/>
-              </a:rPr>
-              <a:t> A</a:t>
-            </a:r>
-            <a:r>
-              <a:rPr lang="ko-KR" sz="1800">
-                <a:latin typeface="맑은 고딕" charset="0"/>
-                <a:ea typeface="맑은 고딕" charset="0"/>
-              </a:rPr>
-              <a:t>u</a:t>
-            </a:r>
-            <a:r>
-              <a:rPr lang="ko-KR" sz="1800">
-                <a:latin typeface="맑은 고딕" charset="0"/>
-                <a:ea typeface="맑은 고딕" charset="0"/>
-              </a:rPr>
-              <a:t>dioClip을 배열로 선언합니다</a:t>
-            </a:r>
-            <a:r>
-              <a:rPr lang="ko-KR" sz="1800">
-                <a:latin typeface="맑은 고딕" charset="0"/>
-                <a:ea typeface="맑은 고딕" charset="0"/>
-              </a:rPr>
-              <a:t>.</a:t>
+              <a:t>오브젝트에 Font S</a:t>
+            </a:r>
+            <a:r>
+              <a:rPr lang="ko-KR" sz="1800">
+                <a:latin typeface="맑은 고딕" charset="0"/>
+                <a:ea typeface="맑은 고딕" charset="0"/>
+              </a:rPr>
+              <a:t>t</a:t>
+            </a:r>
+            <a:r>
+              <a:rPr lang="ko-KR" sz="1800">
+                <a:latin typeface="맑은 고딕" charset="0"/>
+                <a:ea typeface="맑은 고딕" charset="0"/>
+              </a:rPr>
+              <a:t>yle</a:t>
+            </a:r>
+            <a:r>
+              <a:rPr lang="ko-KR" sz="1800">
+                <a:latin typeface="맑은 고딕" charset="0"/>
+                <a:ea typeface="맑은 고딕" charset="0"/>
+              </a:rPr>
+              <a:t>과 </a:t>
+            </a:r>
+            <a:r>
+              <a:rPr lang="ko-KR" sz="1800">
+                <a:latin typeface="맑은 고딕" charset="0"/>
+                <a:ea typeface="맑은 고딕" charset="0"/>
+              </a:rPr>
+              <a:t>Font Size를 설정합니다.</a:t>
             </a:r>
             <a:endParaRPr lang="ko-KR" altLang="en-US" sz="1800">
               <a:latin typeface="맑은 고딕" charset="0"/>
@@ -11021,8 +13525,8 @@
         </p:nvSpPr>
         <p:spPr>
           <a:xfrm rot="0">
-            <a:off x="6814185" y="5009515"/>
-            <a:ext cx="4140200" cy="1200785"/>
+            <a:off x="6813550" y="5009515"/>
+            <a:ext cx="4140835" cy="1200785"/>
           </a:xfrm>
           <a:prstGeom prst="rect"/>
           <a:noFill/>
@@ -11049,7 +13553,7 @@
                 <a:latin typeface="맑은 고딕" charset="0"/>
                 <a:ea typeface="맑은 고딕" charset="0"/>
               </a:rPr>
-              <a:t>3</a:t>
+              <a:t>4</a:t>
             </a:r>
             <a:r>
               <a:rPr lang="ko-KR" sz="1800" b="1">
@@ -11059,7 +13563,7 @@
                 <a:latin typeface="맑은 고딕" charset="0"/>
                 <a:ea typeface="맑은 고딕" charset="0"/>
               </a:rPr>
-              <a:t>7</a:t>
+              <a:t>8</a:t>
             </a:r>
             <a:r>
               <a:rPr sz="1800" b="1">
@@ -11097,84 +13601,119 @@
                 <a:latin typeface="맑은 고딕" charset="0"/>
                 <a:ea typeface="맑은 고딕" charset="0"/>
               </a:rPr>
-              <a:t> </a:t>
-            </a:r>
-            <a:r>
-              <a:rPr lang="ko-KR" sz="1800">
-                <a:latin typeface="맑은 고딕" charset="0"/>
-                <a:ea typeface="맑은 고딕" charset="0"/>
-              </a:rPr>
-              <a:t>A</a:t>
-            </a:r>
-            <a:r>
-              <a:rPr lang="ko-KR" sz="1800">
-                <a:latin typeface="맑은 고딕" charset="0"/>
-                <a:ea typeface="맑은 고딕" charset="0"/>
-              </a:rPr>
-              <a:t>udioManager 스크립트</a:t>
-            </a:r>
-            <a:r>
-              <a:rPr lang="ko-KR" sz="1800">
-                <a:latin typeface="맑은 고딕" charset="0"/>
-                <a:ea typeface="맑은 고딕" charset="0"/>
-              </a:rPr>
-              <a:t>에서 A</a:t>
-            </a:r>
-            <a:r>
-              <a:rPr lang="ko-KR" sz="1800">
-                <a:latin typeface="맑은 고딕" charset="0"/>
-                <a:ea typeface="맑은 고딕" charset="0"/>
-              </a:rPr>
-              <a:t>udioSou</a:t>
-            </a:r>
-            <a:r>
-              <a:rPr lang="ko-KR" sz="1800">
-                <a:latin typeface="맑은 고딕" charset="0"/>
-                <a:ea typeface="맑은 고딕" charset="0"/>
-              </a:rPr>
-              <a:t>c</a:t>
-            </a:r>
-            <a:r>
-              <a:rPr lang="ko-KR" sz="1800">
-                <a:latin typeface="맑은 고딕" charset="0"/>
-                <a:ea typeface="맑은 고딕" charset="0"/>
-              </a:rPr>
-              <a:t>e 변</a:t>
-            </a:r>
-            <a:r>
-              <a:rPr lang="ko-KR" sz="1800">
-                <a:latin typeface="맑은 고딕" charset="0"/>
-                <a:ea typeface="맑은 고딕" charset="0"/>
-              </a:rPr>
-              <a:t>수를 선언하고</a:t>
-            </a:r>
-            <a:r>
-              <a:rPr lang="ko-KR" sz="1800">
-                <a:latin typeface="맑은 고딕" charset="0"/>
-                <a:ea typeface="맑은 고딕" charset="0"/>
-              </a:rPr>
-              <a:t> A</a:t>
-            </a:r>
-            <a:r>
-              <a:rPr lang="ko-KR" sz="1800">
-                <a:latin typeface="맑은 고딕" charset="0"/>
-                <a:ea typeface="맑은 고딕" charset="0"/>
-              </a:rPr>
-              <a:t>u</a:t>
-            </a:r>
-            <a:r>
-              <a:rPr lang="ko-KR" sz="1800">
-                <a:latin typeface="맑은 고딕" charset="0"/>
-                <a:ea typeface="맑은 고딕" charset="0"/>
-              </a:rPr>
-              <a:t>dioClip을 배열로 선언합니다</a:t>
-            </a:r>
-            <a:r>
-              <a:rPr lang="ko-KR" sz="1800">
-                <a:latin typeface="맑은 고딕" charset="0"/>
-                <a:ea typeface="맑은 고딕" charset="0"/>
-              </a:rPr>
-              <a:t>.</a:t>
+              <a:t> P</a:t>
+            </a:r>
+            <a:r>
+              <a:rPr lang="ko-KR" sz="1800">
+                <a:latin typeface="맑은 고딕" charset="0"/>
+                <a:ea typeface="맑은 고딕" charset="0"/>
+              </a:rPr>
+              <a:t>roject 폴더 아래에 있는 Ren</a:t>
+            </a:r>
+            <a:r>
+              <a:rPr lang="ko-KR" sz="1800">
+                <a:latin typeface="맑은 고딕" charset="0"/>
+                <a:ea typeface="맑은 고딕" charset="0"/>
+              </a:rPr>
+              <a:t>d</a:t>
+            </a:r>
+            <a:r>
+              <a:rPr lang="ko-KR" sz="1800">
+                <a:latin typeface="맑은 고딕" charset="0"/>
+                <a:ea typeface="맑은 고딕" charset="0"/>
+              </a:rPr>
+              <a:t>er Tex</a:t>
+            </a:r>
+            <a:r>
+              <a:rPr lang="ko-KR" sz="1800">
+                <a:latin typeface="맑은 고딕" charset="0"/>
+                <a:ea typeface="맑은 고딕" charset="0"/>
+              </a:rPr>
+              <a:t>t</a:t>
+            </a:r>
+            <a:r>
+              <a:rPr lang="ko-KR" sz="1800">
+                <a:latin typeface="맑은 고딕" charset="0"/>
+                <a:ea typeface="맑은 고딕" charset="0"/>
+              </a:rPr>
+              <a:t>ure 폴더에 </a:t>
+            </a:r>
+            <a:r>
+              <a:rPr lang="ko-KR" sz="1800">
+                <a:latin typeface="맑은 고딕" charset="0"/>
+                <a:ea typeface="맑은 고딕" charset="0"/>
+              </a:rPr>
+              <a:t>V</a:t>
+            </a:r>
+            <a:r>
+              <a:rPr lang="ko-KR" sz="1800">
+                <a:latin typeface="맑은 고딕" charset="0"/>
+                <a:ea typeface="맑은 고딕" charset="0"/>
+              </a:rPr>
+              <a:t>ideo Tex</a:t>
+            </a:r>
+            <a:r>
+              <a:rPr lang="ko-KR" sz="1800">
+                <a:latin typeface="맑은 고딕" charset="0"/>
+                <a:ea typeface="맑은 고딕" charset="0"/>
+              </a:rPr>
+              <a:t>t</a:t>
+            </a:r>
+            <a:r>
+              <a:rPr lang="ko-KR" sz="1800">
+                <a:latin typeface="맑은 고딕" charset="0"/>
+                <a:ea typeface="맑은 고딕" charset="0"/>
+              </a:rPr>
+              <a:t>ure를 </a:t>
+            </a:r>
+            <a:r>
+              <a:rPr lang="ko-KR" sz="1800">
+                <a:latin typeface="맑은 고딕" charset="0"/>
+                <a:ea typeface="맑은 고딕" charset="0"/>
+              </a:rPr>
+              <a:t>N</a:t>
+            </a:r>
+            <a:r>
+              <a:rPr lang="ko-KR" sz="1800">
+                <a:latin typeface="맑은 고딕" charset="0"/>
+                <a:ea typeface="맑은 고딕" charset="0"/>
+              </a:rPr>
+              <a:t>ews </a:t>
+            </a:r>
+            <a:r>
+              <a:rPr lang="ko-KR" sz="1800">
+                <a:latin typeface="맑은 고딕" charset="0"/>
+                <a:ea typeface="맑은 고딕" charset="0"/>
+              </a:rPr>
+              <a:t>Vi</a:t>
+            </a:r>
+            <a:r>
+              <a:rPr lang="ko-KR" sz="1800">
+                <a:latin typeface="맑은 고딕" charset="0"/>
+                <a:ea typeface="맑은 고딕" charset="0"/>
+              </a:rPr>
+              <a:t>deo 오브젝트의 </a:t>
+            </a:r>
+            <a:r>
+              <a:rPr lang="ko-KR" sz="1800">
+                <a:latin typeface="맑은 고딕" charset="0"/>
+                <a:ea typeface="맑은 고딕" charset="0"/>
+              </a:rPr>
+              <a:t>T</a:t>
+            </a:r>
+            <a:r>
+              <a:rPr lang="ko-KR" sz="1800">
+                <a:latin typeface="맑은 고딕" charset="0"/>
+                <a:ea typeface="맑은 고딕" charset="0"/>
+              </a:rPr>
+              <a:t>exture에 넣어</a:t>
+            </a:r>
+            <a:r>
+              <a:rPr lang="ko-KR" sz="1800">
+                <a:latin typeface="맑은 고딕" charset="0"/>
+                <a:ea typeface="맑은 고딕" charset="0"/>
+              </a:rPr>
+              <a:t>줍니다.</a:t>
             </a:r>
             <a:endParaRPr lang="ko-KR" altLang="en-US" sz="1800">
               <a:latin typeface="맑은 고딕" charset="0"/>
@@ -11185,7 +13724,7 @@
       </p:sp>
       <p:pic>
         <p:nvPicPr>
-          <p:cNvPr id="1250" name="Picture " descr="C:/Users/nwond/AppData/Roaming/PolarisOffice/ETemp/2808_23068720/fImage534023085724.png"/>
+          <p:cNvPr id="1254" name="그림 17" descr="C:/Users/nwond/AppData/Roaming/PolarisOffice/ETemp/4468_14212112/fImage430293545724.png"/>
           <p:cNvPicPr>
             <a:picLocks noChangeAspect="1"/>
           </p:cNvPicPr>
@@ -11205,8 +13744,8 @@
         </p:blipFill>
         <p:spPr>
           <a:xfrm rot="0">
-            <a:off x="6814185" y="1440180"/>
-            <a:ext cx="4133850" cy="1229360"/>
+            <a:off x="1235075" y="1452245"/>
+            <a:ext cx="4140200" cy="3662680"/>
           </a:xfrm>
           <a:prstGeom prst="roundRect"/>
           <a:solidFill>
@@ -11216,7 +13755,640 @@
       </p:pic>
       <p:pic>
         <p:nvPicPr>
-          <p:cNvPr id="1251" name="그림 27" descr="C:/Users/nwond/AppData/Roaming/PolarisOffice/ETemp/2808_23068720/fImage49591925705.png"/>
+          <p:cNvPr id="1255" name="그림 27" descr="C:/Users/nwond/AppData/Roaming/PolarisOffice/ETemp/4468_14212112/fImage154523601478.png"/>
+          <p:cNvPicPr>
+            <a:picLocks noChangeAspect="1"/>
+          </p:cNvPicPr>
+          <p:nvPr/>
+        </p:nvPicPr>
+        <p:blipFill rotWithShape="1">
+          <a:blip r:embed="rId3" cstate="print">
+            <a:extLst>
+              <a:ext uri="{28A0092B-C50C-407E-A947-70E740481C1C}">
+                <a14:useLocalDpi xmlns:a14="http://schemas.microsoft.com/office/drawing/2010/main" val="0"/>
+              </a:ext>
+            </a:extLst>
+          </a:blip>
+          <a:stretch>
+            <a:fillRect/>
+          </a:stretch>
+        </p:blipFill>
+        <p:spPr>
+          <a:xfrm rot="0">
+            <a:off x="6815455" y="1447800"/>
+            <a:ext cx="4138930" cy="2276475"/>
+          </a:xfrm>
+          <a:prstGeom prst="roundRect"/>
+          <a:solidFill>
+            <a:srgbClr val="EDEDED"/>
+          </a:solidFill>
+        </p:spPr>
+      </p:pic>
+      <p:pic>
+        <p:nvPicPr>
+          <p:cNvPr id="1256" name="그림 30" descr="C:/Users/nwond/AppData/Roaming/PolarisOffice/ETemp/4468_14212112/fImage130563619358.png"/>
+          <p:cNvPicPr>
+            <a:picLocks noChangeAspect="1"/>
+          </p:cNvPicPr>
+          <p:nvPr/>
+        </p:nvPicPr>
+        <p:blipFill rotWithShape="1">
+          <a:blip r:embed="rId4" cstate="print">
+            <a:extLst>
+              <a:ext uri="{28A0092B-C50C-407E-A947-70E740481C1C}">
+                <a14:useLocalDpi xmlns:a14="http://schemas.microsoft.com/office/drawing/2010/main" val="0"/>
+              </a:ext>
+            </a:extLst>
+          </a:blip>
+          <a:stretch>
+            <a:fillRect/>
+          </a:stretch>
+        </p:blipFill>
+        <p:spPr>
+          <a:xfrm rot="0">
+            <a:off x="6807835" y="3885565"/>
+            <a:ext cx="4152900" cy="993140"/>
+          </a:xfrm>
+          <a:prstGeom prst="roundRect"/>
+          <a:solidFill>
+            <a:srgbClr val="EDEDED"/>
+          </a:solidFill>
+        </p:spPr>
+      </p:pic>
+      <p:cxnSp>
+        <p:nvCxnSpPr>
+          <p:cNvPr id="1257" name="도형 33"/>
+          <p:cNvCxnSpPr/>
+          <p:nvPr/>
+        </p:nvCxnSpPr>
+        <p:spPr>
+          <a:xfrm rot="0" flipV="1">
+            <a:off x="8347075" y="1824990"/>
+            <a:ext cx="2520315" cy="2383790"/>
+          </a:xfrm>
+          <a:prstGeom prst="straightConnector1"/>
+          <a:ln w="6350" cap="flat" cmpd="sng">
+            <a:prstDash/>
+            <a:headEnd type="none" w="med" len="med"/>
+            <a:tailEnd type="triangle" w="med" len="med"/>
+          </a:ln>
+        </p:spPr>
+        <p:style>
+          <a:lnRef idx="1">
+            <a:schemeClr val="accent1"/>
+          </a:lnRef>
+          <a:fillRef idx="0">
+            <a:schemeClr val="accent1"/>
+          </a:fillRef>
+          <a:effectRef idx="0">
+            <a:schemeClr val="accent1"/>
+          </a:effectRef>
+          <a:fontRef idx="minor">
+            <a:schemeClr val="tx1"/>
+          </a:fontRef>
+        </p:style>
+      </p:cxnSp>
+    </p:spTree>
+  </p:cSld>
+  <p:clrMapOvr>
+    <a:masterClrMapping/>
+  </p:clrMapOvr>
+  <mc:AlternateContent xmlns:mc="http://schemas.openxmlformats.org/markup-compatibility/2006">
+    <mc:Choice xmlns:p14="http://schemas.microsoft.com/office/powerpoint/2010/main" Requires="p14">
+      <p:transition spd="slow" p14:dur="2000"/>
+    </mc:Choice>
+    <mc:Fallback>
+      <p:transition spd="slow"/>
+    </mc:Fallback>
+  </mc:AlternateContent>
+  <p:timing>
+    <p:tnLst>
+      <p:par>
+        <p:cTn id="1" dur="indefinite" restart="never" nodeType="tmRoot"/>
+      </p:par>
+    </p:tnLst>
+  </p:timing>
+</p:sld>
+</file>
+
+<file path=ppt/slides/slide18.xml><?xml version="1.0" encoding="utf-8"?>
+<p:sld xmlns:a="http://schemas.openxmlformats.org/drawingml/2006/main" xmlns:r="http://schemas.openxmlformats.org/officeDocument/2006/relationships" xmlns:p="http://schemas.openxmlformats.org/presentationml/2006/main">
+  <p:cSld>
+    <p:spTree>
+      <p:nvGrpSpPr>
+        <p:cNvPr id="1" name=""/>
+        <p:cNvGrpSpPr/>
+        <p:nvPr/>
+      </p:nvGrpSpPr>
+      <p:grpSpPr>
+        <a:xfrm>
+          <a:off x="0" y="0"/>
+          <a:ext cx="0" cy="0"/>
+          <a:chOff x="0" y="0"/>
+          <a:chExt cx="0" cy="0"/>
+        </a:xfrm>
+      </p:grpSpPr>
+      <p:sp>
+        <p:nvSpPr>
+          <p:cNvPr id="1031" name="Rect 0"/>
+          <p:cNvSpPr txBox="1">
+            <a:spLocks/>
+          </p:cNvSpPr>
+          <p:nvPr/>
+        </p:nvSpPr>
+        <p:spPr>
+          <a:xfrm rot="0">
+            <a:off x="4486910" y="354965"/>
+            <a:ext cx="3215005" cy="478155"/>
+          </a:xfrm>
+          <a:prstGeom prst="rect"/>
+          <a:noFill/>
+          <a:ln w="0">
+            <a:noFill/>
+            <a:prstDash/>
+          </a:ln>
+        </p:spPr>
+        <p:txBody>
+          <a:bodyPr wrap="square" lIns="89535" tIns="46355" rIns="89535" bIns="46355" numCol="1" vert="horz" anchor="t">
+            <a:spAutoFit/>
+          </a:bodyPr>
+          <a:lstStyle/>
+          <a:p>
+            <a:pPr marL="0" indent="0" algn="ctr" latinLnBrk="0">
+              <a:buFontTx/>
+              <a:buNone/>
+            </a:pPr>
+            <a:r>
+              <a:rPr lang="ko-KR" altLang="en-US" sz="2500" b="1">
+                <a:solidFill>
+                  <a:schemeClr val="tx1"/>
+                </a:solidFill>
+                <a:latin typeface="나눔바른고딕" charset="0"/>
+                <a:ea typeface="나눔바른고딕" charset="0"/>
+              </a:rPr>
+              <a:t>열</a:t>
+            </a:r>
+            <a:r>
+              <a:rPr lang="ko-KR" altLang="en-US" sz="2500" b="1">
+                <a:solidFill>
+                  <a:schemeClr val="tx1"/>
+                </a:solidFill>
+                <a:latin typeface="나눔바른고딕" charset="0"/>
+                <a:ea typeface="나눔바른고딕" charset="0"/>
+              </a:rPr>
+              <a:t>여덟</a:t>
+            </a:r>
+            <a:r>
+              <a:rPr lang="ko-KR" altLang="en-US" sz="2500" b="1">
+                <a:solidFill>
+                  <a:schemeClr val="tx1"/>
+                </a:solidFill>
+                <a:latin typeface="나눔바른고딕" charset="0"/>
+                <a:ea typeface="나눔바른고딕" charset="0"/>
+              </a:rPr>
+              <a:t>  번째 튜토리얼</a:t>
+            </a:r>
+            <a:endParaRPr lang="ko-KR" altLang="en-US" sz="2500" b="1">
+              <a:solidFill>
+                <a:schemeClr val="tx1"/>
+              </a:solidFill>
+              <a:latin typeface="나눔바른고딕" charset="0"/>
+              <a:ea typeface="나눔바른고딕" charset="0"/>
+            </a:endParaRPr>
+          </a:p>
+        </p:txBody>
+      </p:sp>
+      <p:sp>
+        <p:nvSpPr>
+          <p:cNvPr id="1235" name="Rect 0"/>
+          <p:cNvSpPr txBox="1">
+            <a:spLocks/>
+          </p:cNvSpPr>
+          <p:nvPr/>
+        </p:nvSpPr>
+        <p:spPr>
+          <a:xfrm rot="0">
+            <a:off x="1219200" y="5288915"/>
+            <a:ext cx="4156075" cy="923925"/>
+          </a:xfrm>
+          <a:prstGeom prst="rect"/>
+          <a:noFill/>
+          <a:ln w="0">
+            <a:noFill/>
+            <a:prstDash/>
+          </a:ln>
+        </p:spPr>
+        <p:txBody>
+          <a:bodyPr wrap="square" lIns="89535" tIns="46355" rIns="89535" bIns="46355" numCol="1" vert="horz" anchor="t">
+            <a:spAutoFit/>
+          </a:bodyPr>
+          <a:lstStyle/>
+          <a:p>
+            <a:pPr marL="0" indent="0" rtl="0" algn="l" defTabSz="914400" eaLnBrk="1" latinLnBrk="0" hangingPunct="1">
+              <a:buFontTx/>
+              <a:buNone/>
+            </a:pPr>
+            <a:r>
+              <a:rPr sz="1800" b="1">
+                <a:solidFill>
+                  <a:srgbClr val="0611F2"/>
+                </a:solidFill>
+                <a:latin typeface="맑은 고딕" charset="0"/>
+                <a:ea typeface="맑은 고딕" charset="0"/>
+              </a:rPr>
+              <a:t>5</a:t>
+            </a:r>
+            <a:r>
+              <a:rPr sz="1800" b="1">
+                <a:solidFill>
+                  <a:srgbClr val="0611F2"/>
+                </a:solidFill>
+                <a:latin typeface="맑은 고딕" charset="0"/>
+                <a:ea typeface="맑은 고딕" charset="0"/>
+              </a:rPr>
+              <a:t>0</a:t>
+            </a:r>
+            <a:r>
+              <a:rPr sz="1800" b="1">
+                <a:solidFill>
+                  <a:srgbClr val="0611F2"/>
+                </a:solidFill>
+                <a:latin typeface="맑은 고딕" charset="0"/>
+                <a:ea typeface="맑은 고딕" charset="0"/>
+              </a:rPr>
+              <a:t>.</a:t>
+            </a:r>
+            <a:r>
+              <a:rPr sz="1800">
+                <a:latin typeface="맑은 고딕" charset="0"/>
+                <a:ea typeface="맑은 고딕" charset="0"/>
+              </a:rPr>
+              <a:t> </a:t>
+            </a:r>
+            <a:r>
+              <a:rPr lang="ko-KR" sz="1800">
+                <a:latin typeface="맑은 고딕" charset="0"/>
+                <a:ea typeface="맑은 고딕" charset="0"/>
+              </a:rPr>
+              <a:t>그러고 </a:t>
+            </a:r>
+            <a:r>
+              <a:rPr lang="ko-KR" sz="1800">
+                <a:latin typeface="맑은 고딕" charset="0"/>
+                <a:ea typeface="맑은 고딕" charset="0"/>
+              </a:rPr>
+              <a:t>나서</a:t>
+            </a:r>
+            <a:r>
+              <a:rPr lang="ko-KR" sz="1800">
+                <a:latin typeface="맑은 고딕" charset="0"/>
+                <a:ea typeface="맑은 고딕" charset="0"/>
+              </a:rPr>
+              <a:t> </a:t>
+            </a:r>
+            <a:r>
+              <a:rPr lang="ko-KR" sz="1800">
+                <a:latin typeface="맑은 고딕" charset="0"/>
+                <a:ea typeface="맑은 고딕" charset="0"/>
+              </a:rPr>
+              <a:t>N</a:t>
+            </a:r>
+            <a:r>
+              <a:rPr lang="ko-KR" sz="1800">
+                <a:latin typeface="맑은 고딕" charset="0"/>
+                <a:ea typeface="맑은 고딕" charset="0"/>
+              </a:rPr>
+              <a:t>ews V</a:t>
+            </a:r>
+            <a:r>
+              <a:rPr lang="ko-KR" sz="1800">
+                <a:latin typeface="맑은 고딕" charset="0"/>
+                <a:ea typeface="맑은 고딕" charset="0"/>
+              </a:rPr>
+              <a:t>i</a:t>
+            </a:r>
+            <a:r>
+              <a:rPr lang="ko-KR" sz="1800">
+                <a:latin typeface="맑은 고딕" charset="0"/>
+                <a:ea typeface="맑은 고딕" charset="0"/>
+              </a:rPr>
+              <a:t>deo 오브젝트의 위치와 크기 그리고 회전 값을 설정합니다.</a:t>
+            </a:r>
+            <a:endParaRPr lang="ko-KR" altLang="en-US" sz="1800">
+              <a:latin typeface="맑은 고딕" charset="0"/>
+              <a:ea typeface="맑은 고딕" charset="0"/>
+            </a:endParaRPr>
+          </a:p>
+        </p:txBody>
+      </p:sp>
+      <p:sp>
+        <p:nvSpPr>
+          <p:cNvPr id="1245" name="Rect 0"/>
+          <p:cNvSpPr txBox="1">
+            <a:spLocks/>
+          </p:cNvSpPr>
+          <p:nvPr/>
+        </p:nvSpPr>
+        <p:spPr>
+          <a:xfrm rot="0">
+            <a:off x="6814185" y="2701925"/>
+            <a:ext cx="4133850" cy="923925"/>
+          </a:xfrm>
+          <a:prstGeom prst="rect"/>
+          <a:noFill/>
+          <a:ln w="0">
+            <a:noFill/>
+            <a:prstDash/>
+          </a:ln>
+        </p:spPr>
+        <p:txBody>
+          <a:bodyPr wrap="square" lIns="89535" tIns="46355" rIns="89535" bIns="46355" numCol="1" vert="horz" anchor="t">
+            <a:spAutoFit/>
+          </a:bodyPr>
+          <a:lstStyle/>
+          <a:p>
+            <a:pPr marL="0" indent="0" rtl="0" algn="l" defTabSz="914400" eaLnBrk="1" latinLnBrk="0" hangingPunct="1">
+              <a:buFontTx/>
+              <a:buNone/>
+            </a:pPr>
+            <a:r>
+              <a:rPr sz="1800" b="1">
+                <a:solidFill>
+                  <a:srgbClr val="0611F2"/>
+                </a:solidFill>
+                <a:latin typeface="맑은 고딕" charset="0"/>
+                <a:ea typeface="맑은 고딕" charset="0"/>
+              </a:rPr>
+              <a:t>5</a:t>
+            </a:r>
+            <a:r>
+              <a:rPr sz="1800" b="1">
+                <a:solidFill>
+                  <a:srgbClr val="0611F2"/>
+                </a:solidFill>
+                <a:latin typeface="맑은 고딕" charset="0"/>
+                <a:ea typeface="맑은 고딕" charset="0"/>
+              </a:rPr>
+              <a:t>1</a:t>
+            </a:r>
+            <a:r>
+              <a:rPr sz="1800" b="1">
+                <a:solidFill>
+                  <a:srgbClr val="0611F2"/>
+                </a:solidFill>
+                <a:latin typeface="맑은 고딕" charset="0"/>
+                <a:ea typeface="맑은 고딕" charset="0"/>
+              </a:rPr>
+              <a:t>.</a:t>
+            </a:r>
+            <a:r>
+              <a:rPr sz="1800">
+                <a:latin typeface="맑은 고딕" charset="0"/>
+                <a:ea typeface="맑은 고딕" charset="0"/>
+              </a:rPr>
+              <a:t> </a:t>
+            </a:r>
+            <a:r>
+              <a:rPr lang="ko-KR" sz="1800">
+                <a:latin typeface="맑은 고딕" charset="0"/>
+                <a:ea typeface="맑은 고딕" charset="0"/>
+              </a:rPr>
+              <a:t>이제 AudioManager 스크립트에서 AudioSouce 변수를 선언하고 AudioClip을 배열로 선언합니다.</a:t>
+            </a:r>
+            <a:endParaRPr lang="ko-KR" altLang="en-US" sz="1800">
+              <a:latin typeface="맑은 고딕" charset="0"/>
+              <a:ea typeface="맑은 고딕" charset="0"/>
+            </a:endParaRPr>
+          </a:p>
+        </p:txBody>
+      </p:sp>
+      <p:sp>
+        <p:nvSpPr>
+          <p:cNvPr id="1249" name="Rect 0"/>
+          <p:cNvSpPr txBox="1">
+            <a:spLocks/>
+          </p:cNvSpPr>
+          <p:nvPr/>
+        </p:nvSpPr>
+        <p:spPr>
+          <a:xfrm rot="0">
+            <a:off x="6814185" y="5288915"/>
+            <a:ext cx="4133850" cy="923925"/>
+          </a:xfrm>
+          <a:prstGeom prst="rect"/>
+          <a:noFill/>
+          <a:ln w="0">
+            <a:noFill/>
+            <a:prstDash/>
+          </a:ln>
+        </p:spPr>
+        <p:txBody>
+          <a:bodyPr wrap="square" lIns="89535" tIns="46355" rIns="89535" bIns="46355" numCol="1" vert="horz" anchor="t">
+            <a:spAutoFit/>
+          </a:bodyPr>
+          <a:lstStyle/>
+          <a:p>
+            <a:pPr marL="0" indent="0" rtl="0" algn="l" defTabSz="914400" eaLnBrk="1" latinLnBrk="0" hangingPunct="1">
+              <a:buFontTx/>
+              <a:buNone/>
+            </a:pPr>
+            <a:r>
+              <a:rPr sz="1800" b="1">
+                <a:solidFill>
+                  <a:srgbClr val="0611F2"/>
+                </a:solidFill>
+                <a:latin typeface="맑은 고딕" charset="0"/>
+                <a:ea typeface="맑은 고딕" charset="0"/>
+              </a:rPr>
+              <a:t>5</a:t>
+            </a:r>
+            <a:r>
+              <a:rPr sz="1800" b="1">
+                <a:solidFill>
+                  <a:srgbClr val="0611F2"/>
+                </a:solidFill>
+                <a:latin typeface="맑은 고딕" charset="0"/>
+                <a:ea typeface="맑은 고딕" charset="0"/>
+              </a:rPr>
+              <a:t>2</a:t>
+            </a:r>
+            <a:r>
+              <a:rPr sz="1800" b="1">
+                <a:solidFill>
+                  <a:srgbClr val="0611F2"/>
+                </a:solidFill>
+                <a:latin typeface="맑은 고딕" charset="0"/>
+                <a:ea typeface="맑은 고딕" charset="0"/>
+              </a:rPr>
+              <a:t>.</a:t>
+            </a:r>
+            <a:r>
+              <a:rPr sz="1800">
+                <a:latin typeface="맑은 고딕" charset="0"/>
+                <a:ea typeface="맑은 고딕" charset="0"/>
+              </a:rPr>
+              <a:t> </a:t>
+            </a:r>
+            <a:r>
+              <a:rPr lang="ko-KR" sz="1800">
+                <a:latin typeface="맑은 고딕" charset="0"/>
+                <a:ea typeface="맑은 고딕" charset="0"/>
+              </a:rPr>
+              <a:t>그</a:t>
+            </a:r>
+            <a:r>
+              <a:rPr lang="ko-KR" sz="1800">
+                <a:latin typeface="맑은 고딕" charset="0"/>
+                <a:ea typeface="맑은 고딕" charset="0"/>
+              </a:rPr>
+              <a:t>리고</a:t>
+            </a:r>
+            <a:r>
+              <a:rPr lang="ko-KR" sz="1800">
+                <a:latin typeface="맑은 고딕" charset="0"/>
+                <a:ea typeface="맑은 고딕" charset="0"/>
+              </a:rPr>
+              <a:t> </a:t>
+            </a:r>
+            <a:r>
+              <a:rPr lang="ko-KR" sz="1800">
+                <a:latin typeface="맑은 고딕" charset="0"/>
+                <a:ea typeface="맑은 고딕" charset="0"/>
+              </a:rPr>
+              <a:t>S</a:t>
+            </a:r>
+            <a:r>
+              <a:rPr lang="ko-KR" sz="1800">
+                <a:latin typeface="맑은 고딕" charset="0"/>
+                <a:ea typeface="맑은 고딕" charset="0"/>
+              </a:rPr>
+              <a:t>e</a:t>
+            </a:r>
+            <a:r>
+              <a:rPr lang="ko-KR" sz="1800">
+                <a:latin typeface="맑은 고딕" charset="0"/>
+                <a:ea typeface="맑은 고딕" charset="0"/>
+              </a:rPr>
+              <a:t>ar</a:t>
+            </a:r>
+            <a:r>
+              <a:rPr lang="ko-KR" sz="1800">
+                <a:latin typeface="맑은 고딕" charset="0"/>
+                <a:ea typeface="맑은 고딕" charset="0"/>
+              </a:rPr>
+              <a:t>ch(</a:t>
+            </a:r>
+            <a:r>
+              <a:rPr lang="ko-KR" sz="1800">
+                <a:latin typeface="맑은 고딕" charset="0"/>
+                <a:ea typeface="맑은 고딕" charset="0"/>
+              </a:rPr>
+              <a:t> </a:t>
+            </a:r>
+            <a:r>
+              <a:rPr lang="ko-KR" sz="1800">
+                <a:latin typeface="맑은 고딕" charset="0"/>
+                <a:ea typeface="맑은 고딕" charset="0"/>
+              </a:rPr>
+              <a:t>)</a:t>
+            </a:r>
+            <a:r>
+              <a:rPr lang="ko-KR" sz="1800">
+                <a:latin typeface="맑은 고딕" charset="0"/>
+                <a:ea typeface="맑은 고딕" charset="0"/>
+              </a:rPr>
+              <a:t> 함수를 </a:t>
+            </a:r>
+            <a:r>
+              <a:rPr lang="ko-KR" sz="1800">
+                <a:latin typeface="맑은 고딕" charset="0"/>
+                <a:ea typeface="맑은 고딕" charset="0"/>
+              </a:rPr>
+              <a:t>선</a:t>
+            </a:r>
+            <a:r>
+              <a:rPr lang="ko-KR" sz="1800">
+                <a:latin typeface="맑은 고딕" charset="0"/>
+                <a:ea typeface="맑은 고딕" charset="0"/>
+              </a:rPr>
+              <a:t>언한 </a:t>
+            </a:r>
+            <a:r>
+              <a:rPr lang="ko-KR" sz="1800">
+                <a:latin typeface="맑은 고딕" charset="0"/>
+                <a:ea typeface="맑은 고딕" charset="0"/>
+              </a:rPr>
+              <a:t>다음 </a:t>
+            </a:r>
+            <a:r>
+              <a:rPr lang="ko-KR" sz="1800">
+                <a:latin typeface="맑은 고딕" charset="0"/>
+                <a:ea typeface="맑은 고딕" charset="0"/>
+              </a:rPr>
+              <a:t>D</a:t>
+            </a:r>
+            <a:r>
+              <a:rPr lang="ko-KR" sz="1800">
+                <a:latin typeface="맑은 고딕" charset="0"/>
+                <a:ea typeface="맑은 고딕" charset="0"/>
+              </a:rPr>
+              <a:t>rone 오브젝트를 검</a:t>
+            </a:r>
+            <a:r>
+              <a:rPr lang="ko-KR" sz="1800">
+                <a:latin typeface="맑은 고딕" charset="0"/>
+                <a:ea typeface="맑은 고딕" charset="0"/>
+              </a:rPr>
+              <a:t>색하고</a:t>
+            </a:r>
+            <a:r>
+              <a:rPr lang="ko-KR" sz="1800">
+                <a:latin typeface="맑은 고딕" charset="0"/>
+                <a:ea typeface="맑은 고딕" charset="0"/>
+              </a:rPr>
+              <a:t> 그 위치에 소리를 생성합니다.</a:t>
+            </a:r>
+            <a:endParaRPr lang="ko-KR" altLang="en-US" sz="1800">
+              <a:latin typeface="맑은 고딕" charset="0"/>
+              <a:ea typeface="맑은 고딕" charset="0"/>
+            </a:endParaRPr>
+          </a:p>
+        </p:txBody>
+      </p:sp>
+      <p:pic>
+        <p:nvPicPr>
+          <p:cNvPr id="1250" name="Picture " descr="C:/Users/nwond/AppData/Roaming/PolarisOffice/ETemp/4468_14212112/fImage534023085724.png"/>
+          <p:cNvPicPr>
+            <a:picLocks noChangeAspect="1"/>
+          </p:cNvPicPr>
+          <p:nvPr/>
+        </p:nvPicPr>
+        <p:blipFill rotWithShape="1">
+          <a:blip r:embed="rId2" cstate="hqprint">
+            <a:extLst>
+              <a:ext uri="{28A0092B-C50C-407E-A947-70E740481C1C}">
+                <a14:useLocalDpi xmlns:a14="http://schemas.microsoft.com/office/drawing/2010/main"/>
+              </a:ext>
+            </a:extLst>
+          </a:blip>
+          <a:stretch>
+            <a:fillRect/>
+          </a:stretch>
+        </p:blipFill>
+        <p:spPr>
+          <a:xfrm rot="0">
+            <a:off x="6820535" y="1440180"/>
+            <a:ext cx="4135120" cy="1160780"/>
+          </a:xfrm>
+          <a:prstGeom prst="roundRect"/>
+          <a:solidFill>
+            <a:srgbClr val="EDEDED"/>
+          </a:solidFill>
+        </p:spPr>
+      </p:pic>
+      <p:pic>
+        <p:nvPicPr>
+          <p:cNvPr id="1251" name="Picture " descr="C:/Users/nwond/AppData/Roaming/PolarisOffice/ETemp/4468_14212112/fImage49591925705.png"/>
           <p:cNvPicPr>
             <a:picLocks noChangeAspect="1"/>
           </p:cNvPicPr>
@@ -11237,7 +14409,7 @@
         <p:spPr>
           <a:xfrm rot="0">
             <a:off x="2488565" y="1440180"/>
-            <a:ext cx="2886710" cy="1056640"/>
+            <a:ext cx="2887980" cy="1057910"/>
           </a:xfrm>
           <a:prstGeom prst="roundRect"/>
           <a:solidFill>
@@ -11247,7 +14419,7 @@
       </p:pic>
       <p:pic>
         <p:nvPicPr>
-          <p:cNvPr id="1252" name="그림 28" descr="C:/Users/nwond/AppData/Roaming/PolarisOffice/ETemp/2808_23068720/fImage79821938145.png"/>
+          <p:cNvPr id="1252" name="Picture " descr="C:/Users/nwond/AppData/Roaming/PolarisOffice/ETemp/4468_14212112/fImage79821938145.png"/>
           <p:cNvPicPr>
             <a:picLocks noChangeAspect="1"/>
           </p:cNvPicPr>
@@ -11268,7 +14440,7 @@
         <p:spPr>
           <a:xfrm rot="0">
             <a:off x="1228725" y="1446530"/>
-            <a:ext cx="1155065" cy="1050290"/>
+            <a:ext cx="1156335" cy="1051560"/>
           </a:xfrm>
           <a:prstGeom prst="roundRect"/>
           <a:solidFill>
@@ -11278,7 +14450,7 @@
       </p:pic>
       <p:sp>
         <p:nvSpPr>
-          <p:cNvPr id="1253" name="텍스트 상자 29"/>
+          <p:cNvPr id="1253" name="Rect 0"/>
           <p:cNvSpPr txBox="1">
             <a:spLocks/>
           </p:cNvSpPr>
@@ -11286,8 +14458,8 @@
         </p:nvSpPr>
         <p:spPr>
           <a:xfrm rot="0">
-            <a:off x="1225550" y="2607945"/>
-            <a:ext cx="4149725" cy="923925"/>
+            <a:off x="1225550" y="2595245"/>
+            <a:ext cx="4150995" cy="923925"/>
           </a:xfrm>
           <a:prstGeom prst="rect"/>
           <a:noFill/>
@@ -11314,17 +14486,7 @@
                 <a:latin typeface="맑은 고딕" charset="0"/>
                 <a:ea typeface="맑은 고딕" charset="0"/>
               </a:rPr>
-              <a:t>3</a:t>
-            </a:r>
-            <a:r>
-              <a:rPr lang="ko-KR" sz="1800" b="1">
-                <a:solidFill>
-                  <a:srgbClr val="0611F2"/>
-                </a:solidFill>
-                <a:latin typeface="맑은 고딕" charset="0"/>
-                <a:ea typeface="맑은 고딕" charset="0"/>
-              </a:rPr>
-              <a:t>9</a:t>
+              <a:t>4</a:t>
             </a:r>
             <a:r>
               <a:rPr sz="1800" b="1">
@@ -11334,6 +14496,16 @@
                 <a:latin typeface="맑은 고딕" charset="0"/>
                 <a:ea typeface="맑은 고딕" charset="0"/>
               </a:rPr>
+              <a:t>9</a:t>
+            </a:r>
+            <a:r>
+              <a:rPr sz="1800" b="1">
+                <a:solidFill>
+                  <a:srgbClr val="0611F2"/>
+                </a:solidFill>
+                <a:latin typeface="맑은 고딕" charset="0"/>
+                <a:ea typeface="맑은 고딕" charset="0"/>
+              </a:rPr>
               <a:t>.</a:t>
             </a:r>
             <a:r>
@@ -11348,49 +14520,7 @@
                 <a:latin typeface="맑은 고딕" charset="0"/>
                 <a:ea typeface="맑은 고딕" charset="0"/>
               </a:rPr>
-              <a:t>그</a:t>
-            </a:r>
-            <a:r>
-              <a:rPr lang="ko-KR" sz="1800">
-                <a:latin typeface="맑은 고딕" charset="0"/>
-                <a:ea typeface="맑은 고딕" charset="0"/>
-              </a:rPr>
-              <a:t>다음</a:t>
-            </a:r>
-            <a:r>
-              <a:rPr lang="ko-KR" sz="1800">
-                <a:latin typeface="맑은 고딕" charset="0"/>
-                <a:ea typeface="맑은 고딕" charset="0"/>
-              </a:rPr>
-              <a:t>으로</a:t>
-            </a:r>
-            <a:r>
-              <a:rPr lang="ko-KR" sz="1800">
-                <a:latin typeface="맑은 고딕" charset="0"/>
-                <a:ea typeface="맑은 고딕" charset="0"/>
-              </a:rPr>
-              <a:t> S</a:t>
-            </a:r>
-            <a:r>
-              <a:rPr lang="ko-KR" sz="1800">
-                <a:latin typeface="맑은 고딕" charset="0"/>
-                <a:ea typeface="맑은 고딕" charset="0"/>
-              </a:rPr>
-              <a:t>i</a:t>
-            </a:r>
-            <a:r>
-              <a:rPr lang="ko-KR" sz="1800">
-                <a:latin typeface="맑은 고딕" charset="0"/>
-                <a:ea typeface="맑은 고딕" charset="0"/>
-              </a:rPr>
-              <a:t>gnal</a:t>
-            </a:r>
-            <a:r>
-              <a:rPr lang="ko-KR" sz="1800">
-                <a:latin typeface="맑은 고딕" charset="0"/>
-                <a:ea typeface="맑은 고딕" charset="0"/>
-              </a:rPr>
-              <a:t> Button의 On Click( ) 함수에 Audio Manager 오브젝트를 넣어줍니다.</a:t>
+              <a:t>그다음으로 Signal Button의 On Click( ) 함수에 Audio Manager 오브젝트를 넣어줍니다.</a:t>
             </a:r>
             <a:endParaRPr lang="ko-KR" altLang="en-US" sz="1800">
               <a:latin typeface="맑은 고딕" charset="0"/>
@@ -11401,14 +14531,14 @@
       </p:sp>
       <p:cxnSp>
         <p:nvCxnSpPr>
-          <p:cNvPr id="1254" name="도형 30"/>
+          <p:cNvPr id="1254" name="Rect 0"/>
           <p:cNvCxnSpPr/>
           <p:nvPr/>
         </p:nvCxnSpPr>
         <p:spPr>
           <a:xfrm rot="0" flipV="1">
             <a:off x="2178050" y="2055495"/>
-            <a:ext cx="1198880" cy="347980"/>
+            <a:ext cx="1200150" cy="349250"/>
           </a:xfrm>
           <a:prstGeom prst="straightConnector1"/>
           <a:ln w="6350" cap="flat" cmpd="sng">
@@ -11431,6 +14561,1033 @@
           </a:fontRef>
         </p:style>
       </p:cxnSp>
+      <p:pic>
+        <p:nvPicPr>
+          <p:cNvPr id="1255" name="그림 24" descr="C:/Users/nwond/AppData/Roaming/PolarisOffice/ETemp/4468_14212112/fImage193183596962.png"/>
+          <p:cNvPicPr>
+            <a:picLocks noChangeAspect="1"/>
+          </p:cNvPicPr>
+          <p:nvPr/>
+        </p:nvPicPr>
+        <p:blipFill rotWithShape="1">
+          <a:blip r:embed="rId5" cstate="print">
+            <a:extLst>
+              <a:ext uri="{28A0092B-C50C-407E-A947-70E740481C1C}">
+                <a14:useLocalDpi xmlns:a14="http://schemas.microsoft.com/office/drawing/2010/main" val="0"/>
+              </a:ext>
+            </a:extLst>
+          </a:blip>
+          <a:stretch>
+            <a:fillRect/>
+          </a:stretch>
+        </p:blipFill>
+        <p:spPr>
+          <a:xfrm rot="0">
+            <a:off x="1228725" y="3603625"/>
+            <a:ext cx="4140200" cy="1579245"/>
+          </a:xfrm>
+          <a:prstGeom prst="roundRect"/>
+          <a:solidFill>
+            <a:srgbClr val="EDEDED"/>
+          </a:solidFill>
+        </p:spPr>
+      </p:pic>
+      <p:pic>
+        <p:nvPicPr>
+          <p:cNvPr id="1256" name="그림 60" descr="C:/Users/nwond/AppData/Roaming/PolarisOffice/ETemp/4468_14212112/fImage964333874464.png"/>
+          <p:cNvPicPr>
+            <a:picLocks noChangeAspect="1"/>
+          </p:cNvPicPr>
+          <p:nvPr/>
+        </p:nvPicPr>
+        <p:blipFill rotWithShape="1">
+          <a:blip r:embed="rId6" cstate="print">
+            <a:extLst>
+              <a:ext uri="{28A0092B-C50C-407E-A947-70E740481C1C}">
+                <a14:useLocalDpi xmlns:a14="http://schemas.microsoft.com/office/drawing/2010/main" val="0"/>
+              </a:ext>
+            </a:extLst>
+          </a:blip>
+          <a:stretch>
+            <a:fillRect/>
+          </a:stretch>
+        </p:blipFill>
+        <p:spPr>
+          <a:xfrm rot="0">
+            <a:off x="6814185" y="3742690"/>
+            <a:ext cx="4140200" cy="1446530"/>
+          </a:xfrm>
+          <a:prstGeom prst="roundRect"/>
+          <a:solidFill>
+            <a:srgbClr val="EDEDED"/>
+          </a:solidFill>
+        </p:spPr>
+      </p:pic>
+    </p:spTree>
+  </p:cSld>
+  <p:clrMapOvr>
+    <a:masterClrMapping/>
+  </p:clrMapOvr>
+  <mc:AlternateContent xmlns:mc="http://schemas.openxmlformats.org/markup-compatibility/2006">
+    <mc:Choice xmlns:p14="http://schemas.microsoft.com/office/powerpoint/2010/main" Requires="p14">
+      <p:transition spd="slow" p14:dur="2000"/>
+    </mc:Choice>
+    <mc:Fallback>
+      <p:transition spd="slow"/>
+    </mc:Fallback>
+  </mc:AlternateContent>
+  <p:timing>
+    <p:tnLst>
+      <p:par>
+        <p:cTn id="1" dur="indefinite" restart="never" nodeType="tmRoot"/>
+      </p:par>
+    </p:tnLst>
+  </p:timing>
+</p:sld>
+</file>
+
+<file path=ppt/slides/slide19.xml><?xml version="1.0" encoding="utf-8"?>
+<p:sld xmlns:a="http://schemas.openxmlformats.org/drawingml/2006/main" xmlns:r="http://schemas.openxmlformats.org/officeDocument/2006/relationships" xmlns:p="http://schemas.openxmlformats.org/presentationml/2006/main">
+  <p:cSld>
+    <p:spTree>
+      <p:nvGrpSpPr>
+        <p:cNvPr id="1" name=""/>
+        <p:cNvGrpSpPr/>
+        <p:nvPr/>
+      </p:nvGrpSpPr>
+      <p:grpSpPr>
+        <a:xfrm>
+          <a:off x="0" y="0"/>
+          <a:ext cx="0" cy="0"/>
+          <a:chOff x="0" y="0"/>
+          <a:chExt cx="0" cy="0"/>
+        </a:xfrm>
+      </p:grpSpPr>
+      <p:sp>
+        <p:nvSpPr>
+          <p:cNvPr id="1031" name="Rect 0"/>
+          <p:cNvSpPr txBox="1">
+            <a:spLocks/>
+          </p:cNvSpPr>
+          <p:nvPr/>
+        </p:nvSpPr>
+        <p:spPr>
+          <a:xfrm rot="0">
+            <a:off x="4486910" y="354965"/>
+            <a:ext cx="3215005" cy="478155"/>
+          </a:xfrm>
+          <a:prstGeom prst="rect"/>
+          <a:noFill/>
+          <a:ln w="0">
+            <a:noFill/>
+            <a:prstDash/>
+          </a:ln>
+        </p:spPr>
+        <p:txBody>
+          <a:bodyPr wrap="square" lIns="89535" tIns="46355" rIns="89535" bIns="46355" numCol="1" vert="horz" anchor="t">
+            <a:spAutoFit/>
+          </a:bodyPr>
+          <a:lstStyle/>
+          <a:p>
+            <a:pPr marL="0" indent="0" algn="ctr" latinLnBrk="0">
+              <a:buFontTx/>
+              <a:buNone/>
+            </a:pPr>
+            <a:r>
+              <a:rPr lang="ko-KR" altLang="en-US" sz="2500" b="1">
+                <a:solidFill>
+                  <a:schemeClr val="tx1"/>
+                </a:solidFill>
+                <a:latin typeface="나눔바른고딕" charset="0"/>
+                <a:ea typeface="나눔바른고딕" charset="0"/>
+              </a:rPr>
+              <a:t>열</a:t>
+            </a:r>
+            <a:r>
+              <a:rPr lang="ko-KR" altLang="en-US" sz="2500" b="1">
+                <a:solidFill>
+                  <a:schemeClr val="tx1"/>
+                </a:solidFill>
+                <a:latin typeface="나눔바른고딕" charset="0"/>
+                <a:ea typeface="나눔바른고딕" charset="0"/>
+              </a:rPr>
+              <a:t>아홉</a:t>
+            </a:r>
+            <a:r>
+              <a:rPr lang="ko-KR" altLang="en-US" sz="2500" b="1">
+                <a:solidFill>
+                  <a:schemeClr val="tx1"/>
+                </a:solidFill>
+                <a:latin typeface="나눔바른고딕" charset="0"/>
+                <a:ea typeface="나눔바른고딕" charset="0"/>
+              </a:rPr>
+              <a:t>  번째 튜토리얼</a:t>
+            </a:r>
+            <a:endParaRPr lang="ko-KR" altLang="en-US" sz="2500" b="1">
+              <a:solidFill>
+                <a:schemeClr val="tx1"/>
+              </a:solidFill>
+              <a:latin typeface="나눔바른고딕" charset="0"/>
+              <a:ea typeface="나눔바른고딕" charset="0"/>
+            </a:endParaRPr>
+          </a:p>
+        </p:txBody>
+      </p:sp>
+      <p:sp>
+        <p:nvSpPr>
+          <p:cNvPr id="1235" name="Rect 0"/>
+          <p:cNvSpPr txBox="1">
+            <a:spLocks/>
+          </p:cNvSpPr>
+          <p:nvPr/>
+        </p:nvSpPr>
+        <p:spPr>
+          <a:xfrm rot="0">
+            <a:off x="1241425" y="2818765"/>
+            <a:ext cx="4140200" cy="923925"/>
+          </a:xfrm>
+          <a:prstGeom prst="rect"/>
+          <a:noFill/>
+          <a:ln w="0">
+            <a:noFill/>
+            <a:prstDash/>
+          </a:ln>
+        </p:spPr>
+        <p:txBody>
+          <a:bodyPr wrap="square" lIns="89535" tIns="46355" rIns="89535" bIns="46355" numCol="1" vert="horz" anchor="t">
+            <a:spAutoFit/>
+          </a:bodyPr>
+          <a:lstStyle/>
+          <a:p>
+            <a:pPr marL="0" indent="0" rtl="0" algn="l" defTabSz="914400" eaLnBrk="1" latinLnBrk="0" hangingPunct="1">
+              <a:buFontTx/>
+              <a:buNone/>
+            </a:pPr>
+            <a:r>
+              <a:rPr sz="1800" b="1">
+                <a:solidFill>
+                  <a:srgbClr val="0611F2"/>
+                </a:solidFill>
+                <a:latin typeface="맑은 고딕" charset="0"/>
+                <a:ea typeface="맑은 고딕" charset="0"/>
+              </a:rPr>
+              <a:t>5</a:t>
+            </a:r>
+            <a:r>
+              <a:rPr lang="ko-KR" sz="1800" b="1">
+                <a:solidFill>
+                  <a:srgbClr val="0611F2"/>
+                </a:solidFill>
+                <a:latin typeface="맑은 고딕" charset="0"/>
+                <a:ea typeface="맑은 고딕" charset="0"/>
+              </a:rPr>
+              <a:t>3</a:t>
+            </a:r>
+            <a:r>
+              <a:rPr sz="1800" b="1">
+                <a:solidFill>
+                  <a:srgbClr val="0611F2"/>
+                </a:solidFill>
+                <a:latin typeface="맑은 고딕" charset="0"/>
+                <a:ea typeface="맑은 고딕" charset="0"/>
+              </a:rPr>
+              <a:t>.</a:t>
+            </a:r>
+            <a:r>
+              <a:rPr sz="1800">
+                <a:latin typeface="맑은 고딕" charset="0"/>
+                <a:ea typeface="맑은 고딕" charset="0"/>
+              </a:rPr>
+              <a:t> </a:t>
+            </a:r>
+            <a:r>
+              <a:rPr lang="ko-KR" sz="1800">
+                <a:latin typeface="맑은 고딕" charset="0"/>
+                <a:ea typeface="맑은 고딕" charset="0"/>
+              </a:rPr>
+              <a:t>그런 </a:t>
+            </a:r>
+            <a:r>
+              <a:rPr lang="ko-KR" sz="1800">
+                <a:latin typeface="맑은 고딕" charset="0"/>
+                <a:ea typeface="맑은 고딕" charset="0"/>
+              </a:rPr>
+              <a:t>다음</a:t>
+            </a:r>
+            <a:r>
+              <a:rPr lang="ko-KR" sz="1800">
+                <a:latin typeface="맑은 고딕" charset="0"/>
+                <a:ea typeface="맑은 고딕" charset="0"/>
+              </a:rPr>
+              <a:t> S</a:t>
+            </a:r>
+            <a:r>
+              <a:rPr lang="ko-KR" sz="1800">
+                <a:latin typeface="맑은 고딕" charset="0"/>
+                <a:ea typeface="맑은 고딕" charset="0"/>
+              </a:rPr>
+              <a:t>ignal</a:t>
+            </a:r>
+            <a:r>
+              <a:rPr lang="ko-KR" sz="1800">
+                <a:latin typeface="맑은 고딕" charset="0"/>
+                <a:ea typeface="맑은 고딕" charset="0"/>
+              </a:rPr>
+              <a:t>( </a:t>
+            </a:r>
+            <a:r>
+              <a:rPr lang="ko-KR" sz="1800">
+                <a:latin typeface="맑은 고딕" charset="0"/>
+                <a:ea typeface="맑은 고딕" charset="0"/>
+              </a:rPr>
+              <a:t>)</a:t>
+            </a:r>
+            <a:r>
+              <a:rPr lang="ko-KR" sz="1800">
+                <a:latin typeface="맑은 고딕" charset="0"/>
+                <a:ea typeface="맑은 고딕" charset="0"/>
+              </a:rPr>
+              <a:t> 함수를 </a:t>
+            </a:r>
+            <a:r>
+              <a:rPr lang="ko-KR" sz="1800">
+                <a:latin typeface="맑은 고딕" charset="0"/>
+                <a:ea typeface="맑은 고딕" charset="0"/>
+              </a:rPr>
+              <a:t>선언</a:t>
+            </a:r>
+            <a:r>
+              <a:rPr lang="ko-KR" sz="1800">
+                <a:latin typeface="맑은 고딕" charset="0"/>
+                <a:ea typeface="맑은 고딕" charset="0"/>
+              </a:rPr>
+              <a:t>하고 특정한 사운드를 </a:t>
+            </a:r>
+            <a:r>
+              <a:rPr lang="ko-KR" sz="1800">
+                <a:latin typeface="맑은 고딕" charset="0"/>
+                <a:ea typeface="맑은 고딕" charset="0"/>
+              </a:rPr>
+              <a:t>호출하도록 설정합니다.</a:t>
+            </a:r>
+            <a:endParaRPr lang="ko-KR" altLang="en-US" sz="1800">
+              <a:latin typeface="맑은 고딕" charset="0"/>
+              <a:ea typeface="맑은 고딕" charset="0"/>
+            </a:endParaRPr>
+          </a:p>
+        </p:txBody>
+      </p:sp>
+      <p:sp>
+        <p:nvSpPr>
+          <p:cNvPr id="1245" name="Rect 0"/>
+          <p:cNvSpPr txBox="1">
+            <a:spLocks/>
+          </p:cNvSpPr>
+          <p:nvPr/>
+        </p:nvSpPr>
+        <p:spPr>
+          <a:xfrm rot="0">
+            <a:off x="6820535" y="2806065"/>
+            <a:ext cx="4140200" cy="923925"/>
+          </a:xfrm>
+          <a:prstGeom prst="rect"/>
+          <a:noFill/>
+          <a:ln w="0">
+            <a:noFill/>
+            <a:prstDash/>
+          </a:ln>
+        </p:spPr>
+        <p:txBody>
+          <a:bodyPr wrap="square" lIns="89535" tIns="46355" rIns="89535" bIns="46355" numCol="1" vert="horz" anchor="t">
+            <a:spAutoFit/>
+          </a:bodyPr>
+          <a:lstStyle/>
+          <a:p>
+            <a:pPr marL="0" indent="0" rtl="0" algn="l" defTabSz="914400" eaLnBrk="1" latinLnBrk="0" hangingPunct="1">
+              <a:buFontTx/>
+              <a:buNone/>
+            </a:pPr>
+            <a:r>
+              <a:rPr sz="1800" b="1">
+                <a:solidFill>
+                  <a:srgbClr val="0611F2"/>
+                </a:solidFill>
+                <a:latin typeface="맑은 고딕" charset="0"/>
+                <a:ea typeface="맑은 고딕" charset="0"/>
+              </a:rPr>
+              <a:t>5</a:t>
+            </a:r>
+            <a:r>
+              <a:rPr lang="ko-KR" sz="1800" b="1">
+                <a:solidFill>
+                  <a:srgbClr val="0611F2"/>
+                </a:solidFill>
+                <a:latin typeface="맑은 고딕" charset="0"/>
+                <a:ea typeface="맑은 고딕" charset="0"/>
+              </a:rPr>
+              <a:t>5</a:t>
+            </a:r>
+            <a:r>
+              <a:rPr sz="1800" b="1">
+                <a:solidFill>
+                  <a:srgbClr val="0611F2"/>
+                </a:solidFill>
+                <a:latin typeface="맑은 고딕" charset="0"/>
+                <a:ea typeface="맑은 고딕" charset="0"/>
+              </a:rPr>
+              <a:t>.</a:t>
+            </a:r>
+            <a:r>
+              <a:rPr sz="1800">
+                <a:latin typeface="맑은 고딕" charset="0"/>
+                <a:ea typeface="맑은 고딕" charset="0"/>
+              </a:rPr>
+              <a:t> </a:t>
+            </a:r>
+            <a:r>
+              <a:rPr lang="ko-KR" sz="1800">
+                <a:latin typeface="맑은 고딕" charset="0"/>
+                <a:ea typeface="맑은 고딕" charset="0"/>
+              </a:rPr>
+              <a:t>그러고 </a:t>
+            </a:r>
+            <a:r>
+              <a:rPr lang="ko-KR" sz="1800">
+                <a:latin typeface="맑은 고딕" charset="0"/>
+                <a:ea typeface="맑은 고딕" charset="0"/>
+              </a:rPr>
+              <a:t>나서</a:t>
+            </a:r>
+            <a:r>
+              <a:rPr lang="ko-KR" sz="1800">
+                <a:latin typeface="맑은 고딕" charset="0"/>
+                <a:ea typeface="맑은 고딕" charset="0"/>
+              </a:rPr>
+              <a:t> </a:t>
+            </a:r>
+            <a:r>
+              <a:rPr lang="ko-KR" sz="1800">
+                <a:latin typeface="맑은 고딕" charset="0"/>
+                <a:ea typeface="맑은 고딕" charset="0"/>
+              </a:rPr>
+              <a:t>Sig</a:t>
+            </a:r>
+            <a:r>
+              <a:rPr lang="ko-KR" sz="1800">
+                <a:latin typeface="맑은 고딕" charset="0"/>
+                <a:ea typeface="맑은 고딕" charset="0"/>
+              </a:rPr>
+              <a:t>nal Button 오브젝트의 On C</a:t>
+            </a:r>
+            <a:r>
+              <a:rPr lang="ko-KR" sz="1800">
+                <a:latin typeface="맑은 고딕" charset="0"/>
+                <a:ea typeface="맑은 고딕" charset="0"/>
+              </a:rPr>
+              <a:t>l</a:t>
+            </a:r>
+            <a:r>
+              <a:rPr lang="ko-KR" sz="1800">
+                <a:latin typeface="맑은 고딕" charset="0"/>
+                <a:ea typeface="맑은 고딕" charset="0"/>
+              </a:rPr>
+              <a:t>ick (</a:t>
+            </a:r>
+            <a:r>
+              <a:rPr lang="ko-KR" sz="1800">
+                <a:latin typeface="맑은 고딕" charset="0"/>
+                <a:ea typeface="맑은 고딕" charset="0"/>
+              </a:rPr>
+              <a:t> </a:t>
+            </a:r>
+            <a:r>
+              <a:rPr lang="ko-KR" sz="1800">
+                <a:latin typeface="맑은 고딕" charset="0"/>
+                <a:ea typeface="맑은 고딕" charset="0"/>
+              </a:rPr>
+              <a:t>)</a:t>
+            </a:r>
+            <a:r>
+              <a:rPr lang="ko-KR" sz="1800">
+                <a:latin typeface="맑은 고딕" charset="0"/>
+                <a:ea typeface="맑은 고딕" charset="0"/>
+              </a:rPr>
+              <a:t> 함수로 Si</a:t>
+            </a:r>
+            <a:r>
+              <a:rPr lang="ko-KR" sz="1800">
+                <a:latin typeface="맑은 고딕" charset="0"/>
+                <a:ea typeface="맑은 고딕" charset="0"/>
+              </a:rPr>
+              <a:t>gnal</a:t>
+            </a:r>
+            <a:r>
+              <a:rPr lang="ko-KR" sz="1800">
+                <a:latin typeface="맑은 고딕" charset="0"/>
+                <a:ea typeface="맑은 고딕" charset="0"/>
+              </a:rPr>
+              <a:t>( </a:t>
+            </a:r>
+            <a:r>
+              <a:rPr lang="ko-KR" sz="1800">
+                <a:latin typeface="맑은 고딕" charset="0"/>
+                <a:ea typeface="맑은 고딕" charset="0"/>
+              </a:rPr>
+              <a:t>)</a:t>
+            </a:r>
+            <a:r>
+              <a:rPr lang="ko-KR" sz="1800">
+                <a:latin typeface="맑은 고딕" charset="0"/>
+                <a:ea typeface="맑은 고딕" charset="0"/>
+              </a:rPr>
+              <a:t> 함수를 </a:t>
+            </a:r>
+            <a:r>
+              <a:rPr lang="ko-KR" sz="1800">
+                <a:latin typeface="맑은 고딕" charset="0"/>
+                <a:ea typeface="맑은 고딕" charset="0"/>
+              </a:rPr>
+              <a:t>등록합니다.</a:t>
+            </a:r>
+            <a:endParaRPr lang="ko-KR" altLang="en-US" sz="1800">
+              <a:latin typeface="맑은 고딕" charset="0"/>
+              <a:ea typeface="맑은 고딕" charset="0"/>
+            </a:endParaRPr>
+          </a:p>
+        </p:txBody>
+      </p:sp>
+      <p:pic>
+        <p:nvPicPr>
+          <p:cNvPr id="1258" name="그림 41" descr="C:/Users/nwond/AppData/Roaming/PolarisOffice/ETemp/4468_14212112/fImage259083805705.png"/>
+          <p:cNvPicPr>
+            <a:picLocks noChangeAspect="1"/>
+          </p:cNvPicPr>
+          <p:nvPr/>
+        </p:nvPicPr>
+        <p:blipFill rotWithShape="1">
+          <a:blip r:embed="rId2" cstate="print">
+            <a:extLst>
+              <a:ext uri="{28A0092B-C50C-407E-A947-70E740481C1C}">
+                <a14:useLocalDpi xmlns:a14="http://schemas.microsoft.com/office/drawing/2010/main" val="0"/>
+              </a:ext>
+            </a:extLst>
+          </a:blip>
+          <a:stretch>
+            <a:fillRect/>
+          </a:stretch>
+        </p:blipFill>
+        <p:spPr>
+          <a:xfrm rot="0">
+            <a:off x="1235075" y="1427480"/>
+            <a:ext cx="4145915" cy="1242060"/>
+          </a:xfrm>
+          <a:prstGeom prst="roundRect"/>
+          <a:solidFill>
+            <a:srgbClr val="EDEDED"/>
+          </a:solidFill>
+        </p:spPr>
+      </p:pic>
+      <p:pic>
+        <p:nvPicPr>
+          <p:cNvPr id="1259" name="그림 63" descr="C:/Users/nwond/AppData/Roaming/PolarisOffice/ETemp/4468_14212112/fImage79821938145.png"/>
+          <p:cNvPicPr>
+            <a:picLocks noChangeAspect="1"/>
+          </p:cNvPicPr>
+          <p:nvPr/>
+        </p:nvPicPr>
+        <p:blipFill rotWithShape="1">
+          <a:blip r:embed="rId3" cstate="hqprint">
+            <a:extLst>
+              <a:ext uri="{28A0092B-C50C-407E-A947-70E740481C1C}">
+                <a14:useLocalDpi xmlns:a14="http://schemas.microsoft.com/office/drawing/2010/main"/>
+              </a:ext>
+            </a:extLst>
+          </a:blip>
+          <a:stretch>
+            <a:fillRect/>
+          </a:stretch>
+        </p:blipFill>
+        <p:spPr>
+          <a:xfrm rot="0">
+            <a:off x="6820535" y="3887470"/>
+            <a:ext cx="1160780" cy="1283970"/>
+          </a:xfrm>
+          <a:prstGeom prst="roundRect"/>
+          <a:solidFill>
+            <a:srgbClr val="EDEDED"/>
+          </a:solidFill>
+        </p:spPr>
+      </p:pic>
+      <p:pic>
+        <p:nvPicPr>
+          <p:cNvPr id="1260" name="그림 64" descr="C:/Users/nwond/AppData/Roaming/PolarisOffice/ETemp/4468_14212112/fImage156023898145.png"/>
+          <p:cNvPicPr>
+            <a:picLocks noChangeAspect="1"/>
+          </p:cNvPicPr>
+          <p:nvPr/>
+        </p:nvPicPr>
+        <p:blipFill rotWithShape="1">
+          <a:blip r:embed="rId4" cstate="print">
+            <a:extLst>
+              <a:ext uri="{28A0092B-C50C-407E-A947-70E740481C1C}">
+                <a14:useLocalDpi xmlns:a14="http://schemas.microsoft.com/office/drawing/2010/main" val="0"/>
+              </a:ext>
+            </a:extLst>
+          </a:blip>
+          <a:stretch>
+            <a:fillRect/>
+          </a:stretch>
+        </p:blipFill>
+        <p:spPr>
+          <a:xfrm rot="0">
+            <a:off x="8092440" y="3887470"/>
+            <a:ext cx="2855595" cy="1283970"/>
+          </a:xfrm>
+          <a:prstGeom prst="roundRect"/>
+          <a:solidFill>
+            <a:srgbClr val="EDEDED"/>
+          </a:solidFill>
+        </p:spPr>
+      </p:pic>
+      <p:cxnSp>
+        <p:nvCxnSpPr>
+          <p:cNvPr id="1261" name="도형 67"/>
+          <p:cNvCxnSpPr/>
+          <p:nvPr/>
+        </p:nvCxnSpPr>
+        <p:spPr>
+          <a:xfrm rot="0" flipV="1">
+            <a:off x="7776210" y="5033645"/>
+            <a:ext cx="3103880" cy="37465"/>
+          </a:xfrm>
+          <a:prstGeom prst="straightConnector1"/>
+          <a:ln w="6350" cap="flat" cmpd="sng">
+            <a:prstDash/>
+            <a:headEnd type="none" w="med" len="med"/>
+            <a:tailEnd type="triangle" w="med" len="med"/>
+          </a:ln>
+        </p:spPr>
+        <p:style>
+          <a:lnRef idx="1">
+            <a:schemeClr val="accent1"/>
+          </a:lnRef>
+          <a:fillRef idx="0">
+            <a:schemeClr val="accent1"/>
+          </a:fillRef>
+          <a:effectRef idx="0">
+            <a:schemeClr val="accent1"/>
+          </a:effectRef>
+          <a:fontRef idx="minor">
+            <a:schemeClr val="tx1"/>
+          </a:fontRef>
+        </p:style>
+      </p:cxnSp>
+      <p:sp>
+        <p:nvSpPr>
+          <p:cNvPr id="1262" name="텍스트 상자 68"/>
+          <p:cNvSpPr txBox="1">
+            <a:spLocks/>
+          </p:cNvSpPr>
+          <p:nvPr/>
+        </p:nvSpPr>
+        <p:spPr>
+          <a:xfrm rot="0">
+            <a:off x="1245235" y="5293360"/>
+            <a:ext cx="4136390" cy="923925"/>
+          </a:xfrm>
+          <a:prstGeom prst="rect"/>
+          <a:noFill/>
+          <a:ln w="0">
+            <a:noFill/>
+            <a:prstDash/>
+          </a:ln>
+        </p:spPr>
+        <p:txBody>
+          <a:bodyPr wrap="square" lIns="89535" tIns="46355" rIns="89535" bIns="46355" numCol="1" vert="horz" anchor="t">
+            <a:spAutoFit/>
+          </a:bodyPr>
+          <a:lstStyle/>
+          <a:p>
+            <a:pPr marL="0" indent="0" rtl="0" algn="l" defTabSz="914400" eaLnBrk="1" latinLnBrk="0" hangingPunct="1">
+              <a:buFontTx/>
+              <a:buNone/>
+            </a:pPr>
+            <a:r>
+              <a:rPr sz="1800" b="1">
+                <a:solidFill>
+                  <a:srgbClr val="0611F2"/>
+                </a:solidFill>
+                <a:latin typeface="맑은 고딕" charset="0"/>
+                <a:ea typeface="맑은 고딕" charset="0"/>
+              </a:rPr>
+              <a:t>5</a:t>
+            </a:r>
+            <a:r>
+              <a:rPr lang="ko-KR" sz="1800" b="1">
+                <a:solidFill>
+                  <a:srgbClr val="0611F2"/>
+                </a:solidFill>
+                <a:latin typeface="맑은 고딕" charset="0"/>
+                <a:ea typeface="맑은 고딕" charset="0"/>
+              </a:rPr>
+              <a:t>4</a:t>
+            </a:r>
+            <a:r>
+              <a:rPr sz="1800" b="1">
+                <a:solidFill>
+                  <a:srgbClr val="0611F2"/>
+                </a:solidFill>
+                <a:latin typeface="맑은 고딕" charset="0"/>
+                <a:ea typeface="맑은 고딕" charset="0"/>
+              </a:rPr>
+              <a:t>.</a:t>
+            </a:r>
+            <a:r>
+              <a:rPr sz="1800">
+                <a:latin typeface="맑은 고딕" charset="0"/>
+                <a:ea typeface="맑은 고딕" charset="0"/>
+              </a:rPr>
+              <a:t> </a:t>
+            </a:r>
+            <a:r>
+              <a:rPr lang="ko-KR" sz="1800">
+                <a:latin typeface="맑은 고딕" charset="0"/>
+                <a:ea typeface="맑은 고딕" charset="0"/>
+              </a:rPr>
+              <a:t>그다음 S</a:t>
+            </a:r>
+            <a:r>
+              <a:rPr lang="ko-KR" sz="1800">
+                <a:latin typeface="맑은 고딕" charset="0"/>
+                <a:ea typeface="맑은 고딕" charset="0"/>
+              </a:rPr>
+              <a:t>e</a:t>
+            </a:r>
+            <a:r>
+              <a:rPr lang="ko-KR" sz="1800">
+                <a:latin typeface="맑은 고딕" charset="0"/>
+                <a:ea typeface="맑은 고딕" charset="0"/>
+              </a:rPr>
+              <a:t>a</a:t>
+            </a:r>
+            <a:r>
+              <a:rPr lang="ko-KR" sz="1800">
+                <a:latin typeface="맑은 고딕" charset="0"/>
+                <a:ea typeface="맑은 고딕" charset="0"/>
+              </a:rPr>
+              <a:t>rch Button 오브젝트의 On C</a:t>
+            </a:r>
+            <a:r>
+              <a:rPr lang="ko-KR" sz="1800">
+                <a:latin typeface="맑은 고딕" charset="0"/>
+                <a:ea typeface="맑은 고딕" charset="0"/>
+              </a:rPr>
+              <a:t>l</a:t>
+            </a:r>
+            <a:r>
+              <a:rPr lang="ko-KR" sz="1800">
+                <a:latin typeface="맑은 고딕" charset="0"/>
+                <a:ea typeface="맑은 고딕" charset="0"/>
+              </a:rPr>
+              <a:t>ick (</a:t>
+            </a:r>
+            <a:r>
+              <a:rPr lang="ko-KR" sz="1800">
+                <a:latin typeface="맑은 고딕" charset="0"/>
+                <a:ea typeface="맑은 고딕" charset="0"/>
+              </a:rPr>
+              <a:t> </a:t>
+            </a:r>
+            <a:r>
+              <a:rPr lang="ko-KR" sz="1800">
+                <a:latin typeface="맑은 고딕" charset="0"/>
+                <a:ea typeface="맑은 고딕" charset="0"/>
+              </a:rPr>
+              <a:t>)</a:t>
+            </a:r>
+            <a:r>
+              <a:rPr lang="ko-KR" sz="1800">
+                <a:latin typeface="맑은 고딕" charset="0"/>
+                <a:ea typeface="맑은 고딕" charset="0"/>
+              </a:rPr>
+              <a:t> 함수로 S</a:t>
+            </a:r>
+            <a:r>
+              <a:rPr lang="ko-KR" sz="1800">
+                <a:latin typeface="맑은 고딕" charset="0"/>
+                <a:ea typeface="맑은 고딕" charset="0"/>
+              </a:rPr>
+              <a:t>earch</a:t>
+            </a:r>
+            <a:r>
+              <a:rPr lang="ko-KR" sz="1800">
+                <a:latin typeface="맑은 고딕" charset="0"/>
+                <a:ea typeface="맑은 고딕" charset="0"/>
+              </a:rPr>
+              <a:t>( </a:t>
+            </a:r>
+            <a:r>
+              <a:rPr lang="ko-KR" sz="1800">
+                <a:latin typeface="맑은 고딕" charset="0"/>
+                <a:ea typeface="맑은 고딕" charset="0"/>
+              </a:rPr>
+              <a:t>)</a:t>
+            </a:r>
+            <a:r>
+              <a:rPr lang="ko-KR" sz="1800">
+                <a:latin typeface="맑은 고딕" charset="0"/>
+                <a:ea typeface="맑은 고딕" charset="0"/>
+              </a:rPr>
+              <a:t> 함수를 </a:t>
+            </a:r>
+            <a:r>
+              <a:rPr lang="ko-KR" sz="1800">
+                <a:latin typeface="맑은 고딕" charset="0"/>
+                <a:ea typeface="맑은 고딕" charset="0"/>
+              </a:rPr>
+              <a:t>등록합니다.</a:t>
+            </a:r>
+            <a:endParaRPr lang="ko-KR" altLang="en-US" sz="1800">
+              <a:latin typeface="맑은 고딕" charset="0"/>
+              <a:ea typeface="맑은 고딕" charset="0"/>
+            </a:endParaRPr>
+          </a:p>
+        </p:txBody>
+      </p:sp>
+      <p:sp>
+        <p:nvSpPr>
+          <p:cNvPr id="1263" name="텍스트 상자 69"/>
+          <p:cNvSpPr txBox="1">
+            <a:spLocks/>
+          </p:cNvSpPr>
+          <p:nvPr/>
+        </p:nvSpPr>
+        <p:spPr>
+          <a:xfrm rot="0">
+            <a:off x="6820535" y="5295265"/>
+            <a:ext cx="4133850" cy="923925"/>
+          </a:xfrm>
+          <a:prstGeom prst="rect"/>
+          <a:noFill/>
+          <a:ln w="0">
+            <a:noFill/>
+            <a:prstDash/>
+          </a:ln>
+        </p:spPr>
+        <p:txBody>
+          <a:bodyPr wrap="square" lIns="89535" tIns="46355" rIns="89535" bIns="46355" numCol="1" vert="horz" anchor="t">
+            <a:spAutoFit/>
+          </a:bodyPr>
+          <a:lstStyle/>
+          <a:p>
+            <a:pPr marL="0" indent="0" rtl="0" algn="l" defTabSz="914400" eaLnBrk="1" latinLnBrk="0" hangingPunct="1">
+              <a:buFontTx/>
+              <a:buNone/>
+            </a:pPr>
+            <a:r>
+              <a:rPr sz="1800" b="1">
+                <a:solidFill>
+                  <a:srgbClr val="0611F2"/>
+                </a:solidFill>
+                <a:latin typeface="맑은 고딕" charset="0"/>
+                <a:ea typeface="맑은 고딕" charset="0"/>
+              </a:rPr>
+              <a:t>5</a:t>
+            </a:r>
+            <a:r>
+              <a:rPr lang="ko-KR" sz="1800" b="1">
+                <a:solidFill>
+                  <a:srgbClr val="0611F2"/>
+                </a:solidFill>
+                <a:latin typeface="맑은 고딕" charset="0"/>
+                <a:ea typeface="맑은 고딕" charset="0"/>
+              </a:rPr>
+              <a:t>6</a:t>
+            </a:r>
+            <a:r>
+              <a:rPr sz="1800" b="1">
+                <a:solidFill>
+                  <a:srgbClr val="0611F2"/>
+                </a:solidFill>
+                <a:latin typeface="맑은 고딕" charset="0"/>
+                <a:ea typeface="맑은 고딕" charset="0"/>
+              </a:rPr>
+              <a:t>.</a:t>
+            </a:r>
+            <a:r>
+              <a:rPr sz="1800">
+                <a:latin typeface="맑은 고딕" charset="0"/>
+                <a:ea typeface="맑은 고딕" charset="0"/>
+              </a:rPr>
+              <a:t> </a:t>
+            </a:r>
+            <a:r>
+              <a:rPr lang="ko-KR" sz="1800">
+                <a:latin typeface="맑은 고딕" charset="0"/>
+                <a:ea typeface="맑은 고딕" charset="0"/>
+              </a:rPr>
+              <a:t>이제 </a:t>
+            </a:r>
+            <a:r>
+              <a:rPr lang="ko-KR" sz="1800">
+                <a:latin typeface="맑은 고딕" charset="0"/>
+                <a:ea typeface="맑은 고딕" charset="0"/>
+              </a:rPr>
+              <a:t>Audio</a:t>
+            </a:r>
+            <a:r>
+              <a:rPr lang="ko-KR" sz="1800">
+                <a:latin typeface="맑은 고딕" charset="0"/>
+                <a:ea typeface="맑은 고딕" charset="0"/>
+              </a:rPr>
+              <a:t> </a:t>
+            </a:r>
+            <a:r>
+              <a:rPr lang="ko-KR" sz="1800">
+                <a:latin typeface="맑은 고딕" charset="0"/>
+                <a:ea typeface="맑은 고딕" charset="0"/>
+              </a:rPr>
+              <a:t>Manager</a:t>
+            </a:r>
+            <a:r>
+              <a:rPr lang="ko-KR" sz="1800">
+                <a:latin typeface="맑은 고딕" charset="0"/>
+                <a:ea typeface="맑은 고딕" charset="0"/>
+              </a:rPr>
+              <a:t>에서 </a:t>
+            </a:r>
+            <a:r>
+              <a:rPr lang="ko-KR" sz="1800">
+                <a:latin typeface="맑은 고딕" charset="0"/>
+                <a:ea typeface="맑은 고딕" charset="0"/>
+              </a:rPr>
+              <a:t>Audio Clip의 크기를 설정하고 </a:t>
+            </a:r>
+            <a:r>
+              <a:rPr lang="ko-KR" sz="1800">
+                <a:latin typeface="맑은 고딕" charset="0"/>
+                <a:ea typeface="맑은 고딕" charset="0"/>
+              </a:rPr>
+              <a:t>A</a:t>
+            </a:r>
+            <a:r>
+              <a:rPr lang="ko-KR" sz="1800">
+                <a:latin typeface="맑은 고딕" charset="0"/>
+                <a:ea typeface="맑은 고딕" charset="0"/>
+              </a:rPr>
+              <a:t>udi</a:t>
+            </a:r>
+            <a:r>
+              <a:rPr lang="ko-KR" sz="1800">
+                <a:latin typeface="맑은 고딕" charset="0"/>
+                <a:ea typeface="맑은 고딕" charset="0"/>
+              </a:rPr>
+              <a:t>o</a:t>
+            </a:r>
+            <a:r>
+              <a:rPr lang="ko-KR" sz="1800">
+                <a:latin typeface="맑은 고딕" charset="0"/>
+                <a:ea typeface="맑은 고딕" charset="0"/>
+              </a:rPr>
+              <a:t> Sou</a:t>
+            </a:r>
+            <a:r>
+              <a:rPr lang="ko-KR" sz="1800">
+                <a:latin typeface="맑은 고딕" charset="0"/>
+                <a:ea typeface="맑은 고딕" charset="0"/>
+              </a:rPr>
+              <a:t>r</a:t>
+            </a:r>
+            <a:r>
+              <a:rPr lang="ko-KR" sz="1800">
+                <a:latin typeface="맑은 고딕" charset="0"/>
+                <a:ea typeface="맑은 고딕" charset="0"/>
+              </a:rPr>
+              <a:t>ce 변수에 Audio Manager</a:t>
+            </a:r>
+            <a:r>
+              <a:rPr lang="ko-KR" sz="1800">
+                <a:latin typeface="맑은 고딕" charset="0"/>
+                <a:ea typeface="맑은 고딕" charset="0"/>
+              </a:rPr>
+              <a:t>를 </a:t>
+            </a:r>
+            <a:r>
+              <a:rPr lang="ko-KR" sz="1800">
+                <a:latin typeface="맑은 고딕" charset="0"/>
+                <a:ea typeface="맑은 고딕" charset="0"/>
+              </a:rPr>
+              <a:t>넣어줍니다.</a:t>
+            </a:r>
+            <a:endParaRPr lang="ko-KR" altLang="en-US" sz="1800">
+              <a:latin typeface="맑은 고딕" charset="0"/>
+              <a:ea typeface="맑은 고딕" charset="0"/>
+            </a:endParaRPr>
+          </a:p>
+        </p:txBody>
+      </p:sp>
+      <p:pic>
+        <p:nvPicPr>
+          <p:cNvPr id="1264" name="그림 70" descr="C:/Users/nwond/AppData/Roaming/PolarisOffice/ETemp/4468_14212112/fImage67993933281.png"/>
+          <p:cNvPicPr>
+            <a:picLocks noChangeAspect="1"/>
+          </p:cNvPicPr>
+          <p:nvPr/>
+        </p:nvPicPr>
+        <p:blipFill rotWithShape="1">
+          <a:blip r:embed="rId5" cstate="print">
+            <a:extLst>
+              <a:ext uri="{28A0092B-C50C-407E-A947-70E740481C1C}">
+                <a14:useLocalDpi xmlns:a14="http://schemas.microsoft.com/office/drawing/2010/main" val="0"/>
+              </a:ext>
+            </a:extLst>
+          </a:blip>
+          <a:stretch>
+            <a:fillRect/>
+          </a:stretch>
+        </p:blipFill>
+        <p:spPr>
+          <a:xfrm rot="0">
+            <a:off x="1243965" y="3903345"/>
+            <a:ext cx="4143375" cy="1261110"/>
+          </a:xfrm>
+          <a:prstGeom prst="roundRect"/>
+          <a:solidFill>
+            <a:srgbClr val="EDEDED"/>
+          </a:solidFill>
+        </p:spPr>
+      </p:pic>
+      <p:pic>
+        <p:nvPicPr>
+          <p:cNvPr id="1265" name="그림 73" descr="C:/Users/nwond/AppData/Roaming/PolarisOffice/ETemp/4468_14212112/fImage66753946827.png"/>
+          <p:cNvPicPr>
+            <a:picLocks noChangeAspect="1"/>
+          </p:cNvPicPr>
+          <p:nvPr/>
+        </p:nvPicPr>
+        <p:blipFill rotWithShape="1">
+          <a:blip r:embed="rId6" cstate="print">
+            <a:extLst>
+              <a:ext uri="{28A0092B-C50C-407E-A947-70E740481C1C}">
+                <a14:useLocalDpi xmlns:a14="http://schemas.microsoft.com/office/drawing/2010/main" val="0"/>
+              </a:ext>
+            </a:extLst>
+          </a:blip>
+          <a:stretch>
+            <a:fillRect/>
+          </a:stretch>
+        </p:blipFill>
+        <p:spPr>
+          <a:xfrm rot="0">
+            <a:off x="6819265" y="1422400"/>
+            <a:ext cx="4141470" cy="1259205"/>
+          </a:xfrm>
+          <a:prstGeom prst="roundRect"/>
+          <a:solidFill>
+            <a:srgbClr val="EDEDED"/>
+          </a:solidFill>
+        </p:spPr>
+      </p:pic>
     </p:spTree>
   </p:cSld>
   <p:clrMapOvr>

--- a/Assets/Sound/PPT Data/Sound Example.pptx
+++ b/Assets/Sound/PPT Data/Sound Example.pptx
@@ -2,7 +2,7 @@
 <file path=ppt/presentation.xml><?xml version="1.0" encoding="utf-8"?>
 <p:presentation xmlns:a="http://schemas.openxmlformats.org/drawingml/2006/main" xmlns:r="http://schemas.openxmlformats.org/officeDocument/2006/relationships" xmlns:p="http://schemas.openxmlformats.org/presentationml/2006/main" xmlns:p14="http://schemas.microsoft.com/office/powerpoint/2010/main" saveSubsetFonts="1" firstSlideNum="0">
   <p:sldMasterIdLst>
-    <p:sldMasterId id="2147486484" r:id="rId12"/>
+    <p:sldMasterId id="2147486512" r:id="rId12"/>
   </p:sldMasterIdLst>
   <p:notesMasterIdLst>
     <p:notesMasterId r:id="rId14"/>
@@ -27,6 +27,10 @@
     <p:sldId id="320" r:id="rId46"/>
     <p:sldId id="318" r:id="rId47"/>
     <p:sldId id="321" r:id="rId48"/>
+    <p:sldId id="322" r:id="rId49"/>
+    <p:sldId id="323" r:id="rId50"/>
+    <p:sldId id="324" r:id="rId51"/>
+    <p:sldId id="325" r:id="rId52"/>
   </p:sldIdLst>
   <p:sldSz cx="12192000" cy="6858000"/>
   <p:notesSz cx="6858000" cy="9144000"/>
@@ -2189,6 +2193,574 @@
 </p:notes>
 </file>
 
+<file path=ppt/notesSlides/notesSlide20.xml><?xml version="1.0" encoding="utf-8"?>
+<p:notes xmlns:a="http://schemas.openxmlformats.org/drawingml/2006/main" xmlns:r="http://schemas.openxmlformats.org/officeDocument/2006/relationships" xmlns:p="http://schemas.openxmlformats.org/presentationml/2006/main">
+  <p:cSld>
+    <p:spTree>
+      <p:nvGrpSpPr>
+        <p:cNvPr id="1" name=""/>
+        <p:cNvGrpSpPr/>
+        <p:nvPr/>
+      </p:nvGrpSpPr>
+      <p:grpSpPr>
+        <a:xfrm>
+          <a:off x="0" y="0"/>
+          <a:ext cx="0" cy="0"/>
+          <a:chOff x="0" y="0"/>
+          <a:chExt cx="0" cy="0"/>
+        </a:xfrm>
+      </p:grpSpPr>
+      <p:sp>
+        <p:nvSpPr>
+          <p:cNvPr id="2" name="슬라이드 이미지 개체 틀 3"/>
+          <p:cNvSpPr>
+            <a:spLocks noChangeAspect="1"/>
+          </p:cNvSpPr>
+          <p:nvPr>
+            <p:ph type="sldImg" idx="2"/>
+          </p:nvPr>
+        </p:nvSpPr>
+        <p:spPr>
+          <a:xfrm rot="0">
+            <a:off x="685800" y="1143000"/>
+            <a:ext cx="5494655" cy="3094355"/>
+          </a:xfrm>
+          <a:prstGeom prst="rect"/>
+          <a:noFill/>
+          <a:ln w="12700" cap="flat" cmpd="sng">
+            <a:solidFill>
+              <a:srgbClr val="000000">
+                <a:alpha val="100000"/>
+              </a:srgbClr>
+            </a:solidFill>
+            <a:prstDash val="solid"/>
+          </a:ln>
+        </p:spPr>
+        <p:txBody>
+          <a:bodyPr wrap="square" lIns="91440" tIns="45720" rIns="91440" bIns="45720" numCol="1" vert="horz" anchor="ctr">
+            <a:noAutofit/>
+          </a:bodyPr>
+          <a:lstStyle/>
+          <a:p>
+            <a:pPr marL="0" indent="0" latinLnBrk="0">
+              <a:buFontTx/>
+              <a:buNone/>
+            </a:pPr>
+          </a:p>
+        </p:txBody>
+      </p:sp>
+      <p:sp>
+        <p:nvSpPr>
+          <p:cNvPr id="3" name="슬라이드 노트 개체 틀 4"/>
+          <p:cNvSpPr txBox="1">
+            <a:spLocks/>
+          </p:cNvSpPr>
+          <p:nvPr>
+            <p:ph type="body" idx="3"/>
+          </p:nvPr>
+        </p:nvSpPr>
+        <p:spPr>
+          <a:xfrm rot="0">
+            <a:off x="685800" y="4400550"/>
+            <a:ext cx="5494655" cy="3608705"/>
+          </a:xfrm>
+          <a:prstGeom prst="rect"/>
+        </p:spPr>
+        <p:txBody>
+          <a:bodyPr wrap="square" lIns="91440" tIns="45720" rIns="91440" bIns="45720" numCol="1" vert="horz" anchor="t">
+            <a:noAutofit/>
+          </a:bodyPr>
+          <a:lstStyle/>
+          <a:p>
+            <a:pPr marL="0" indent="0" latinLnBrk="0">
+              <a:buFontTx/>
+              <a:buNone/>
+            </a:pPr>
+          </a:p>
+        </p:txBody>
+      </p:sp>
+      <p:sp>
+        <p:nvSpPr>
+          <p:cNvPr id="4" name="슬라이드 번호 개체 틀 6"/>
+          <p:cNvSpPr txBox="1">
+            <a:spLocks/>
+          </p:cNvSpPr>
+          <p:nvPr>
+            <p:ph type="sldNum" idx="5"/>
+          </p:nvPr>
+        </p:nvSpPr>
+        <p:spPr>
+          <a:xfrm rot="0">
+            <a:off x="3884930" y="8685530"/>
+            <a:ext cx="2980055" cy="466725"/>
+          </a:xfrm>
+          <a:prstGeom prst="rect"/>
+        </p:spPr>
+        <p:txBody>
+          <a:bodyPr wrap="square" lIns="91440" tIns="45720" rIns="91440" bIns="45720" numCol="1" vert="horz" anchor="b">
+            <a:noAutofit/>
+          </a:bodyPr>
+          <a:lstStyle>
+            <a:lvl1pPr marL="0" indent="0" algn="r" latinLnBrk="0">
+              <a:buFontTx/>
+              <a:buNone/>
+              <a:defRPr lang="en-GB" altLang="en-US" sz="1200"/>
+            </a:lvl1pPr>
+          </a:lstStyle>
+          <a:p>
+            <a:pPr marL="0" indent="0" latinLnBrk="0">
+              <a:buFontTx/>
+              <a:buNone/>
+            </a:pPr>
+            <a:fld id="{B9320F77-B9A0-41C5-862A-B4B631284C64}" type="slidenum">
+              <a:rPr lang="ko-KR" altLang="en-US"/>
+              <a:t>‹#›</a:t>
+            </a:fld>
+          </a:p>
+        </p:txBody>
+      </p:sp>
+    </p:spTree>
+  </p:cSld>
+  <p:clrMapOvr>
+    <a:masterClrMapping/>
+  </p:clrMapOvr>
+  <mc:AlternateContent xmlns:mc="http://schemas.openxmlformats.org/markup-compatibility/2006">
+    <mc:Choice xmlns:p14="http://schemas.microsoft.com/office/powerpoint/2010/main" Requires="p14">
+      <p:transition spd="slow" p14:dur="0"/>
+    </mc:Choice>
+    <mc:Fallback>
+      <p:transition spd="slow"/>
+    </mc:Fallback>
+  </mc:AlternateContent>
+</p:notes>
+</file>
+
+<file path=ppt/notesSlides/notesSlide21.xml><?xml version="1.0" encoding="utf-8"?>
+<p:notes xmlns:a="http://schemas.openxmlformats.org/drawingml/2006/main" xmlns:r="http://schemas.openxmlformats.org/officeDocument/2006/relationships" xmlns:p="http://schemas.openxmlformats.org/presentationml/2006/main">
+  <p:cSld>
+    <p:spTree>
+      <p:nvGrpSpPr>
+        <p:cNvPr id="1" name=""/>
+        <p:cNvGrpSpPr/>
+        <p:nvPr/>
+      </p:nvGrpSpPr>
+      <p:grpSpPr>
+        <a:xfrm>
+          <a:off x="0" y="0"/>
+          <a:ext cx="0" cy="0"/>
+          <a:chOff x="0" y="0"/>
+          <a:chExt cx="0" cy="0"/>
+        </a:xfrm>
+      </p:grpSpPr>
+      <p:sp>
+        <p:nvSpPr>
+          <p:cNvPr id="2" name="슬라이드 이미지 개체 틀 3"/>
+          <p:cNvSpPr>
+            <a:spLocks noChangeAspect="1"/>
+          </p:cNvSpPr>
+          <p:nvPr>
+            <p:ph type="sldImg" idx="2"/>
+          </p:nvPr>
+        </p:nvSpPr>
+        <p:spPr>
+          <a:xfrm rot="0">
+            <a:off x="685800" y="1143000"/>
+            <a:ext cx="5494655" cy="3094355"/>
+          </a:xfrm>
+          <a:prstGeom prst="rect"/>
+          <a:noFill/>
+          <a:ln w="12700" cap="flat" cmpd="sng">
+            <a:solidFill>
+              <a:srgbClr val="000000">
+                <a:alpha val="100000"/>
+              </a:srgbClr>
+            </a:solidFill>
+            <a:prstDash val="solid"/>
+          </a:ln>
+        </p:spPr>
+        <p:txBody>
+          <a:bodyPr wrap="square" lIns="91440" tIns="45720" rIns="91440" bIns="45720" numCol="1" vert="horz" anchor="ctr">
+            <a:noAutofit/>
+          </a:bodyPr>
+          <a:lstStyle/>
+          <a:p>
+            <a:pPr marL="0" indent="0" latinLnBrk="0">
+              <a:buFontTx/>
+              <a:buNone/>
+            </a:pPr>
+          </a:p>
+        </p:txBody>
+      </p:sp>
+      <p:sp>
+        <p:nvSpPr>
+          <p:cNvPr id="3" name="슬라이드 노트 개체 틀 4"/>
+          <p:cNvSpPr txBox="1">
+            <a:spLocks/>
+          </p:cNvSpPr>
+          <p:nvPr>
+            <p:ph type="body" idx="3"/>
+          </p:nvPr>
+        </p:nvSpPr>
+        <p:spPr>
+          <a:xfrm rot="0">
+            <a:off x="685800" y="4400550"/>
+            <a:ext cx="5494655" cy="3608705"/>
+          </a:xfrm>
+          <a:prstGeom prst="rect"/>
+        </p:spPr>
+        <p:txBody>
+          <a:bodyPr wrap="square" lIns="91440" tIns="45720" rIns="91440" bIns="45720" numCol="1" vert="horz" anchor="t">
+            <a:noAutofit/>
+          </a:bodyPr>
+          <a:lstStyle/>
+          <a:p>
+            <a:pPr marL="0" indent="0" latinLnBrk="0">
+              <a:buFontTx/>
+              <a:buNone/>
+            </a:pPr>
+          </a:p>
+        </p:txBody>
+      </p:sp>
+      <p:sp>
+        <p:nvSpPr>
+          <p:cNvPr id="4" name="슬라이드 번호 개체 틀 6"/>
+          <p:cNvSpPr txBox="1">
+            <a:spLocks/>
+          </p:cNvSpPr>
+          <p:nvPr>
+            <p:ph type="sldNum" idx="5"/>
+          </p:nvPr>
+        </p:nvSpPr>
+        <p:spPr>
+          <a:xfrm rot="0">
+            <a:off x="3884930" y="8685530"/>
+            <a:ext cx="2980055" cy="466725"/>
+          </a:xfrm>
+          <a:prstGeom prst="rect"/>
+        </p:spPr>
+        <p:txBody>
+          <a:bodyPr wrap="square" lIns="91440" tIns="45720" rIns="91440" bIns="45720" numCol="1" vert="horz" anchor="b">
+            <a:noAutofit/>
+          </a:bodyPr>
+          <a:lstStyle>
+            <a:lvl1pPr marL="0" indent="0" algn="r" latinLnBrk="0">
+              <a:buFontTx/>
+              <a:buNone/>
+              <a:defRPr lang="en-GB" altLang="en-US" sz="1200"/>
+            </a:lvl1pPr>
+          </a:lstStyle>
+          <a:p>
+            <a:pPr marL="0" indent="0" latinLnBrk="0">
+              <a:buFontTx/>
+              <a:buNone/>
+            </a:pPr>
+            <a:fld id="{B9320F77-B9A0-41C5-862A-B4B631284C64}" type="slidenum">
+              <a:rPr lang="ko-KR" altLang="en-US"/>
+              <a:t>‹#›</a:t>
+            </a:fld>
+          </a:p>
+        </p:txBody>
+      </p:sp>
+    </p:spTree>
+  </p:cSld>
+  <p:clrMapOvr>
+    <a:masterClrMapping/>
+  </p:clrMapOvr>
+  <mc:AlternateContent xmlns:mc="http://schemas.openxmlformats.org/markup-compatibility/2006">
+    <mc:Choice xmlns:p14="http://schemas.microsoft.com/office/powerpoint/2010/main" Requires="p14">
+      <p:transition spd="slow" p14:dur="0"/>
+    </mc:Choice>
+    <mc:Fallback>
+      <p:transition spd="slow"/>
+    </mc:Fallback>
+  </mc:AlternateContent>
+</p:notes>
+</file>
+
+<file path=ppt/notesSlides/notesSlide22.xml><?xml version="1.0" encoding="utf-8"?>
+<p:notes xmlns:a="http://schemas.openxmlformats.org/drawingml/2006/main" xmlns:r="http://schemas.openxmlformats.org/officeDocument/2006/relationships" xmlns:p="http://schemas.openxmlformats.org/presentationml/2006/main">
+  <p:cSld>
+    <p:spTree>
+      <p:nvGrpSpPr>
+        <p:cNvPr id="1" name=""/>
+        <p:cNvGrpSpPr/>
+        <p:nvPr/>
+      </p:nvGrpSpPr>
+      <p:grpSpPr>
+        <a:xfrm>
+          <a:off x="0" y="0"/>
+          <a:ext cx="0" cy="0"/>
+          <a:chOff x="0" y="0"/>
+          <a:chExt cx="0" cy="0"/>
+        </a:xfrm>
+      </p:grpSpPr>
+      <p:sp>
+        <p:nvSpPr>
+          <p:cNvPr id="2" name="슬라이드 이미지 개체 틀 3"/>
+          <p:cNvSpPr>
+            <a:spLocks noChangeAspect="1"/>
+          </p:cNvSpPr>
+          <p:nvPr>
+            <p:ph type="sldImg" idx="2"/>
+          </p:nvPr>
+        </p:nvSpPr>
+        <p:spPr>
+          <a:xfrm rot="0">
+            <a:off x="685800" y="1143000"/>
+            <a:ext cx="5494655" cy="3094355"/>
+          </a:xfrm>
+          <a:prstGeom prst="rect"/>
+          <a:noFill/>
+          <a:ln w="12700" cap="flat" cmpd="sng">
+            <a:solidFill>
+              <a:srgbClr val="000000">
+                <a:alpha val="100000"/>
+              </a:srgbClr>
+            </a:solidFill>
+            <a:prstDash val="solid"/>
+          </a:ln>
+        </p:spPr>
+        <p:txBody>
+          <a:bodyPr wrap="square" lIns="91440" tIns="45720" rIns="91440" bIns="45720" numCol="1" vert="horz" anchor="ctr">
+            <a:noAutofit/>
+          </a:bodyPr>
+          <a:lstStyle/>
+          <a:p>
+            <a:pPr marL="0" indent="0" latinLnBrk="0">
+              <a:buFontTx/>
+              <a:buNone/>
+            </a:pPr>
+          </a:p>
+        </p:txBody>
+      </p:sp>
+      <p:sp>
+        <p:nvSpPr>
+          <p:cNvPr id="3" name="슬라이드 노트 개체 틀 4"/>
+          <p:cNvSpPr txBox="1">
+            <a:spLocks/>
+          </p:cNvSpPr>
+          <p:nvPr>
+            <p:ph type="body" idx="3"/>
+          </p:nvPr>
+        </p:nvSpPr>
+        <p:spPr>
+          <a:xfrm rot="0">
+            <a:off x="685800" y="4400550"/>
+            <a:ext cx="5494655" cy="3608705"/>
+          </a:xfrm>
+          <a:prstGeom prst="rect"/>
+        </p:spPr>
+        <p:txBody>
+          <a:bodyPr wrap="square" lIns="91440" tIns="45720" rIns="91440" bIns="45720" numCol="1" vert="horz" anchor="t">
+            <a:noAutofit/>
+          </a:bodyPr>
+          <a:lstStyle/>
+          <a:p>
+            <a:pPr marL="0" indent="0" latinLnBrk="0">
+              <a:buFontTx/>
+              <a:buNone/>
+            </a:pPr>
+          </a:p>
+        </p:txBody>
+      </p:sp>
+      <p:sp>
+        <p:nvSpPr>
+          <p:cNvPr id="4" name="슬라이드 번호 개체 틀 6"/>
+          <p:cNvSpPr txBox="1">
+            <a:spLocks/>
+          </p:cNvSpPr>
+          <p:nvPr>
+            <p:ph type="sldNum" idx="5"/>
+          </p:nvPr>
+        </p:nvSpPr>
+        <p:spPr>
+          <a:xfrm rot="0">
+            <a:off x="3884930" y="8685530"/>
+            <a:ext cx="2980055" cy="466725"/>
+          </a:xfrm>
+          <a:prstGeom prst="rect"/>
+        </p:spPr>
+        <p:txBody>
+          <a:bodyPr wrap="square" lIns="91440" tIns="45720" rIns="91440" bIns="45720" numCol="1" vert="horz" anchor="b">
+            <a:noAutofit/>
+          </a:bodyPr>
+          <a:lstStyle>
+            <a:lvl1pPr marL="0" indent="0" algn="r" latinLnBrk="0">
+              <a:buFontTx/>
+              <a:buNone/>
+              <a:defRPr lang="en-GB" altLang="en-US" sz="1200"/>
+            </a:lvl1pPr>
+          </a:lstStyle>
+          <a:p>
+            <a:pPr marL="0" indent="0" latinLnBrk="0">
+              <a:buFontTx/>
+              <a:buNone/>
+            </a:pPr>
+            <a:fld id="{B9320F77-B9A0-41C5-862A-B4B631284C64}" type="slidenum">
+              <a:rPr lang="ko-KR" altLang="en-US"/>
+              <a:t>‹#›</a:t>
+            </a:fld>
+          </a:p>
+        </p:txBody>
+      </p:sp>
+    </p:spTree>
+  </p:cSld>
+  <p:clrMapOvr>
+    <a:masterClrMapping/>
+  </p:clrMapOvr>
+  <mc:AlternateContent xmlns:mc="http://schemas.openxmlformats.org/markup-compatibility/2006">
+    <mc:Choice xmlns:p14="http://schemas.microsoft.com/office/powerpoint/2010/main" Requires="p14">
+      <p:transition spd="slow" p14:dur="0"/>
+    </mc:Choice>
+    <mc:Fallback>
+      <p:transition spd="slow"/>
+    </mc:Fallback>
+  </mc:AlternateContent>
+</p:notes>
+</file>
+
+<file path=ppt/notesSlides/notesSlide23.xml><?xml version="1.0" encoding="utf-8"?>
+<p:notes xmlns:a="http://schemas.openxmlformats.org/drawingml/2006/main" xmlns:r="http://schemas.openxmlformats.org/officeDocument/2006/relationships" xmlns:p="http://schemas.openxmlformats.org/presentationml/2006/main">
+  <p:cSld>
+    <p:spTree>
+      <p:nvGrpSpPr>
+        <p:cNvPr id="1" name=""/>
+        <p:cNvGrpSpPr/>
+        <p:nvPr/>
+      </p:nvGrpSpPr>
+      <p:grpSpPr>
+        <a:xfrm>
+          <a:off x="0" y="0"/>
+          <a:ext cx="0" cy="0"/>
+          <a:chOff x="0" y="0"/>
+          <a:chExt cx="0" cy="0"/>
+        </a:xfrm>
+      </p:grpSpPr>
+      <p:sp>
+        <p:nvSpPr>
+          <p:cNvPr id="2" name="슬라이드 이미지 개체 틀 3"/>
+          <p:cNvSpPr>
+            <a:spLocks noChangeAspect="1"/>
+          </p:cNvSpPr>
+          <p:nvPr>
+            <p:ph type="sldImg" idx="2"/>
+          </p:nvPr>
+        </p:nvSpPr>
+        <p:spPr>
+          <a:xfrm rot="0">
+            <a:off x="685800" y="1143000"/>
+            <a:ext cx="5494655" cy="3094355"/>
+          </a:xfrm>
+          <a:prstGeom prst="rect"/>
+          <a:noFill/>
+          <a:ln w="12700" cap="flat" cmpd="sng">
+            <a:solidFill>
+              <a:srgbClr val="000000">
+                <a:alpha val="100000"/>
+              </a:srgbClr>
+            </a:solidFill>
+            <a:prstDash val="solid"/>
+          </a:ln>
+        </p:spPr>
+        <p:txBody>
+          <a:bodyPr wrap="square" lIns="91440" tIns="45720" rIns="91440" bIns="45720" numCol="1" vert="horz" anchor="ctr">
+            <a:noAutofit/>
+          </a:bodyPr>
+          <a:lstStyle/>
+          <a:p>
+            <a:pPr marL="0" indent="0" latinLnBrk="0">
+              <a:buFontTx/>
+              <a:buNone/>
+            </a:pPr>
+          </a:p>
+        </p:txBody>
+      </p:sp>
+      <p:sp>
+        <p:nvSpPr>
+          <p:cNvPr id="3" name="슬라이드 노트 개체 틀 4"/>
+          <p:cNvSpPr txBox="1">
+            <a:spLocks/>
+          </p:cNvSpPr>
+          <p:nvPr>
+            <p:ph type="body" idx="3"/>
+          </p:nvPr>
+        </p:nvSpPr>
+        <p:spPr>
+          <a:xfrm rot="0">
+            <a:off x="685800" y="4400550"/>
+            <a:ext cx="5494655" cy="3608705"/>
+          </a:xfrm>
+          <a:prstGeom prst="rect"/>
+        </p:spPr>
+        <p:txBody>
+          <a:bodyPr wrap="square" lIns="91440" tIns="45720" rIns="91440" bIns="45720" numCol="1" vert="horz" anchor="t">
+            <a:noAutofit/>
+          </a:bodyPr>
+          <a:lstStyle/>
+          <a:p>
+            <a:pPr marL="0" indent="0" latinLnBrk="0">
+              <a:buFontTx/>
+              <a:buNone/>
+            </a:pPr>
+          </a:p>
+        </p:txBody>
+      </p:sp>
+      <p:sp>
+        <p:nvSpPr>
+          <p:cNvPr id="4" name="슬라이드 번호 개체 틀 6"/>
+          <p:cNvSpPr txBox="1">
+            <a:spLocks/>
+          </p:cNvSpPr>
+          <p:nvPr>
+            <p:ph type="sldNum" idx="5"/>
+          </p:nvPr>
+        </p:nvSpPr>
+        <p:spPr>
+          <a:xfrm rot="0">
+            <a:off x="3884930" y="8685530"/>
+            <a:ext cx="2980055" cy="466725"/>
+          </a:xfrm>
+          <a:prstGeom prst="rect"/>
+        </p:spPr>
+        <p:txBody>
+          <a:bodyPr wrap="square" lIns="91440" tIns="45720" rIns="91440" bIns="45720" numCol="1" vert="horz" anchor="b">
+            <a:noAutofit/>
+          </a:bodyPr>
+          <a:lstStyle>
+            <a:lvl1pPr marL="0" indent="0" algn="r" latinLnBrk="0">
+              <a:buFontTx/>
+              <a:buNone/>
+              <a:defRPr lang="en-GB" altLang="en-US" sz="1200"/>
+            </a:lvl1pPr>
+          </a:lstStyle>
+          <a:p>
+            <a:pPr marL="0" indent="0" latinLnBrk="0">
+              <a:buFontTx/>
+              <a:buNone/>
+            </a:pPr>
+            <a:fld id="{B9320F77-B9A0-41C5-862A-B4B631284C64}" type="slidenum">
+              <a:rPr lang="ko-KR" altLang="en-US"/>
+              <a:t>‹#›</a:t>
+            </a:fld>
+          </a:p>
+        </p:txBody>
+      </p:sp>
+    </p:spTree>
+  </p:cSld>
+  <p:clrMapOvr>
+    <a:masterClrMapping/>
+  </p:clrMapOvr>
+  <mc:AlternateContent xmlns:mc="http://schemas.openxmlformats.org/markup-compatibility/2006">
+    <mc:Choice xmlns:p14="http://schemas.microsoft.com/office/powerpoint/2010/main" Requires="p14">
+      <p:transition spd="slow" p14:dur="0"/>
+    </mc:Choice>
+    <mc:Fallback>
+      <p:transition spd="slow"/>
+    </mc:Fallback>
+  </mc:AlternateContent>
+</p:notes>
+</file>
+
 <file path=ppt/notesSlides/notesSlide3.xml><?xml version="1.0" encoding="utf-8"?>
 <p:notes xmlns:a="http://schemas.openxmlformats.org/drawingml/2006/main" xmlns:r="http://schemas.openxmlformats.org/officeDocument/2006/relationships" xmlns:p="http://schemas.openxmlformats.org/presentationml/2006/main">
   <p:cSld>
@@ -12233,9 +12805,9 @@
           <p:nvPr/>
         </p:nvSpPr>
         <p:spPr>
-          <a:xfrm>
-            <a:off x="4486910" y="354965"/>
-            <a:ext cx="3215005" cy="478155"/>
+          <a:xfrm rot="0">
+            <a:off x="4361815" y="348615"/>
+            <a:ext cx="3464560" cy="478155"/>
           </a:xfrm>
           <a:prstGeom prst="rect"/>
           <a:noFill/>
@@ -12262,27 +12834,7 @@
                 <a:latin typeface="나눔바른고딕" charset="0"/>
                 <a:ea typeface="나눔바른고딕" charset="0"/>
               </a:rPr>
-              <a:t>열</a:t>
-            </a:r>
-            <a:r>
-              <a:rPr lang="ko-KR" altLang="en-US" sz="2500" b="1">
-                <a:solidFill>
-                  <a:schemeClr val="tx1"/>
-                </a:solidFill>
-                <a:latin typeface="나눔바른고딕" charset="0"/>
-                <a:ea typeface="나눔바른고딕" charset="0"/>
-              </a:rPr>
-              <a:t>다섯</a:t>
-            </a:r>
-            <a:r>
-              <a:rPr lang="ko-KR" altLang="en-US" sz="2500" b="1">
-                <a:solidFill>
-                  <a:schemeClr val="tx1"/>
-                </a:solidFill>
-                <a:latin typeface="나눔바른고딕" charset="0"/>
-                <a:ea typeface="나눔바른고딕" charset="0"/>
-              </a:rPr>
-              <a:t>  번째 튜토리얼</a:t>
+              <a:t>열다섯  번째 튜토리얼</a:t>
             </a:r>
             <a:endParaRPr lang="ko-KR" altLang="en-US" sz="2500" b="1">
               <a:solidFill>
@@ -12612,7 +13164,7 @@
       </p:sp>
       <p:pic>
         <p:nvPicPr>
-          <p:cNvPr id="1251" name="그림 1" descr="C:/Users/nwond/AppData/Roaming/PolarisOffice/ETemp/4468_14212112/fImage2831933141.png"/>
+          <p:cNvPr id="1251" name="그림 1"/>
           <p:cNvPicPr>
             <a:picLocks noChangeAspect="1"/>
           </p:cNvPicPr>
@@ -12643,7 +13195,7 @@
       </p:pic>
       <p:pic>
         <p:nvPicPr>
-          <p:cNvPr id="1252" name="그림 4" descr="C:/Users/nwond/AppData/Roaming/PolarisOffice/ETemp/4468_14212112/fImage421643328467.png"/>
+          <p:cNvPr id="1252" name="그림 4"/>
           <p:cNvPicPr>
             <a:picLocks noChangeAspect="1"/>
           </p:cNvPicPr>
@@ -12696,7 +13248,7 @@
 </file>
 
 <file path=ppt/slides/slide16.xml><?xml version="1.0" encoding="utf-8"?>
-<p:sld xmlns:a="http://schemas.openxmlformats.org/drawingml/2006/main" xmlns:r="http://schemas.openxmlformats.org/officeDocument/2006/relationships" xmlns:p="http://schemas.openxmlformats.org/presentationml/2006/main">
+<p:sld xmlns:a="http://schemas.openxmlformats.org/drawingml/2006/main" xmlns:r="http://schemas.openxmlformats.org/officeDocument/2006/relationships" xmlns:p="http://schemas.openxmlformats.org/presentationml/2006/main" xmlns:p14="http://schemas.microsoft.com/office/powerpoint/2010/main">
   <p:cSld>
     <p:spTree>
       <p:nvGrpSpPr>
@@ -12722,8 +13274,8 @@
         </p:nvSpPr>
         <p:spPr>
           <a:xfrm rot="0">
-            <a:off x="4486910" y="354965"/>
-            <a:ext cx="3215005" cy="478155"/>
+            <a:off x="4300855" y="354965"/>
+            <a:ext cx="3594100" cy="478155"/>
           </a:xfrm>
           <a:prstGeom prst="rect"/>
           <a:noFill/>
@@ -12750,27 +13302,7 @@
                 <a:latin typeface="나눔바른고딕" charset="0"/>
                 <a:ea typeface="나눔바른고딕" charset="0"/>
               </a:rPr>
-              <a:t>열</a:t>
-            </a:r>
-            <a:r>
-              <a:rPr lang="ko-KR" altLang="en-US" sz="2500" b="1">
-                <a:solidFill>
-                  <a:schemeClr val="tx1"/>
-                </a:solidFill>
-                <a:latin typeface="나눔바른고딕" charset="0"/>
-                <a:ea typeface="나눔바른고딕" charset="0"/>
-              </a:rPr>
-              <a:t>여섯</a:t>
-            </a:r>
-            <a:r>
-              <a:rPr lang="ko-KR" altLang="en-US" sz="2500" b="1">
-                <a:solidFill>
-                  <a:schemeClr val="tx1"/>
-                </a:solidFill>
-                <a:latin typeface="나눔바른고딕" charset="0"/>
-                <a:ea typeface="나눔바른고딕" charset="0"/>
-              </a:rPr>
-              <a:t>  번째 튜토리얼</a:t>
+              <a:t>열여섯  번째 튜토리얼</a:t>
             </a:r>
             <a:endParaRPr lang="ko-KR" altLang="en-US" sz="2500" b="1">
               <a:solidFill>
@@ -13128,7 +13660,7 @@
       </p:sp>
       <p:pic>
         <p:nvPicPr>
-          <p:cNvPr id="1253" name="그림 7" descr="C:/Users/nwond/AppData/Roaming/PolarisOffice/ETemp/4468_14212112/fImage430153416334.png"/>
+          <p:cNvPr id="1253" name="그림 7"/>
           <p:cNvPicPr>
             <a:picLocks noChangeAspect="1"/>
           </p:cNvPicPr>
@@ -13159,7 +13691,7 @@
       </p:pic>
       <p:pic>
         <p:nvPicPr>
-          <p:cNvPr id="1254" name="그림 10" descr="C:/Users/nwond/AppData/Roaming/PolarisOffice/ETemp/4468_14212112/fImage191583426500.png"/>
+          <p:cNvPr id="1254" name="그림 10"/>
           <p:cNvPicPr>
             <a:picLocks noChangeAspect="1"/>
           </p:cNvPicPr>
@@ -13190,7 +13722,7 @@
       </p:pic>
       <p:pic>
         <p:nvPicPr>
-          <p:cNvPr id="1255" name="그림 11" descr="C:/Users/nwond/AppData/Roaming/PolarisOffice/ETemp/4468_14212112/fImage103323439169.png"/>
+          <p:cNvPr id="1255" name="그림 11"/>
           <p:cNvPicPr>
             <a:picLocks noChangeAspect="1"/>
           </p:cNvPicPr>
@@ -13243,7 +13775,7 @@
 </file>
 
 <file path=ppt/slides/slide17.xml><?xml version="1.0" encoding="utf-8"?>
-<p:sld xmlns:a="http://schemas.openxmlformats.org/drawingml/2006/main" xmlns:r="http://schemas.openxmlformats.org/officeDocument/2006/relationships" xmlns:p="http://schemas.openxmlformats.org/presentationml/2006/main">
+<p:sld xmlns:a="http://schemas.openxmlformats.org/drawingml/2006/main" xmlns:r="http://schemas.openxmlformats.org/officeDocument/2006/relationships" xmlns:p="http://schemas.openxmlformats.org/presentationml/2006/main" xmlns:p14="http://schemas.microsoft.com/office/powerpoint/2010/main">
   <p:cSld>
     <p:spTree>
       <p:nvGrpSpPr>
@@ -13269,8 +13801,8 @@
         </p:nvSpPr>
         <p:spPr>
           <a:xfrm rot="0">
-            <a:off x="4486910" y="354965"/>
-            <a:ext cx="3215005" cy="478155"/>
+            <a:off x="4344670" y="354965"/>
+            <a:ext cx="3507105" cy="478155"/>
           </a:xfrm>
           <a:prstGeom prst="rect"/>
           <a:noFill/>
@@ -13297,27 +13829,7 @@
                 <a:latin typeface="나눔바른고딕" charset="0"/>
                 <a:ea typeface="나눔바른고딕" charset="0"/>
               </a:rPr>
-              <a:t>열</a:t>
-            </a:r>
-            <a:r>
-              <a:rPr lang="ko-KR" altLang="en-US" sz="2500" b="1">
-                <a:solidFill>
-                  <a:schemeClr val="tx1"/>
-                </a:solidFill>
-                <a:latin typeface="나눔바른고딕" charset="0"/>
-                <a:ea typeface="나눔바른고딕" charset="0"/>
-              </a:rPr>
-              <a:t>일곱</a:t>
-            </a:r>
-            <a:r>
-              <a:rPr lang="ko-KR" altLang="en-US" sz="2500" b="1">
-                <a:solidFill>
-                  <a:schemeClr val="tx1"/>
-                </a:solidFill>
-                <a:latin typeface="나눔바른고딕" charset="0"/>
-                <a:ea typeface="나눔바른고딕" charset="0"/>
-              </a:rPr>
-              <a:t>  번째 튜토리얼</a:t>
+              <a:t>열일곱  번째 튜토리얼</a:t>
             </a:r>
             <a:endParaRPr lang="ko-KR" altLang="en-US" sz="2500" b="1">
               <a:solidFill>
@@ -13724,7 +14236,7 @@
       </p:sp>
       <p:pic>
         <p:nvPicPr>
-          <p:cNvPr id="1254" name="그림 17" descr="C:/Users/nwond/AppData/Roaming/PolarisOffice/ETemp/4468_14212112/fImage430293545724.png"/>
+          <p:cNvPr id="1254" name="그림 17"/>
           <p:cNvPicPr>
             <a:picLocks noChangeAspect="1"/>
           </p:cNvPicPr>
@@ -13755,7 +14267,7 @@
       </p:pic>
       <p:pic>
         <p:nvPicPr>
-          <p:cNvPr id="1255" name="그림 27" descr="C:/Users/nwond/AppData/Roaming/PolarisOffice/ETemp/4468_14212112/fImage154523601478.png"/>
+          <p:cNvPr id="1255" name="그림 27"/>
           <p:cNvPicPr>
             <a:picLocks noChangeAspect="1"/>
           </p:cNvPicPr>
@@ -13786,17 +14298,17 @@
       </p:pic>
       <p:pic>
         <p:nvPicPr>
-          <p:cNvPr id="1256" name="그림 30" descr="C:/Users/nwond/AppData/Roaming/PolarisOffice/ETemp/4468_14212112/fImage130563619358.png"/>
+          <p:cNvPr id="1256" name="그림 30" descr="C:/Users/nwond/AppData/Roaming/PolarisOffice/ETemp/20740_14037000/fImage130563619358.png"/>
           <p:cNvPicPr>
             <a:picLocks noChangeAspect="1"/>
           </p:cNvPicPr>
           <p:nvPr/>
         </p:nvPicPr>
         <p:blipFill rotWithShape="1">
-          <a:blip r:embed="rId4" cstate="print">
+          <a:blip r:embed="rId4" cstate="hqprint">
             <a:extLst>
               <a:ext uri="{28A0092B-C50C-407E-A947-70E740481C1C}">
-                <a14:useLocalDpi xmlns:a14="http://schemas.microsoft.com/office/drawing/2010/main" val="0"/>
+                <a14:useLocalDpi xmlns:a14="http://schemas.microsoft.com/office/drawing/2010/main"/>
               </a:ext>
             </a:extLst>
           </a:blip>
@@ -13806,8 +14318,8 @@
         </p:blipFill>
         <p:spPr>
           <a:xfrm rot="0">
-            <a:off x="6807835" y="3885565"/>
-            <a:ext cx="4152900" cy="993140"/>
+            <a:off x="6807835" y="3897630"/>
+            <a:ext cx="4153535" cy="993775"/>
           </a:xfrm>
           <a:prstGeom prst="roundRect"/>
           <a:solidFill>
@@ -13872,7 +14384,7 @@
 </file>
 
 <file path=ppt/slides/slide18.xml><?xml version="1.0" encoding="utf-8"?>
-<p:sld xmlns:a="http://schemas.openxmlformats.org/drawingml/2006/main" xmlns:r="http://schemas.openxmlformats.org/officeDocument/2006/relationships" xmlns:p="http://schemas.openxmlformats.org/presentationml/2006/main">
+<p:sld xmlns:a="http://schemas.openxmlformats.org/drawingml/2006/main" xmlns:r="http://schemas.openxmlformats.org/officeDocument/2006/relationships" xmlns:p="http://schemas.openxmlformats.org/presentationml/2006/main" xmlns:p14="http://schemas.microsoft.com/office/powerpoint/2010/main">
   <p:cSld>
     <p:spTree>
       <p:nvGrpSpPr>
@@ -13898,8 +14410,8 @@
         </p:nvSpPr>
         <p:spPr>
           <a:xfrm rot="0">
-            <a:off x="4486910" y="354965"/>
-            <a:ext cx="3215005" cy="478155"/>
+            <a:off x="4331970" y="354965"/>
+            <a:ext cx="3531870" cy="478155"/>
           </a:xfrm>
           <a:prstGeom prst="rect"/>
           <a:noFill/>
@@ -13926,27 +14438,7 @@
                 <a:latin typeface="나눔바른고딕" charset="0"/>
                 <a:ea typeface="나눔바른고딕" charset="0"/>
               </a:rPr>
-              <a:t>열</a:t>
-            </a:r>
-            <a:r>
-              <a:rPr lang="ko-KR" altLang="en-US" sz="2500" b="1">
-                <a:solidFill>
-                  <a:schemeClr val="tx1"/>
-                </a:solidFill>
-                <a:latin typeface="나눔바른고딕" charset="0"/>
-                <a:ea typeface="나눔바른고딕" charset="0"/>
-              </a:rPr>
-              <a:t>여덟</a:t>
-            </a:r>
-            <a:r>
-              <a:rPr lang="ko-KR" altLang="en-US" sz="2500" b="1">
-                <a:solidFill>
-                  <a:schemeClr val="tx1"/>
-                </a:solidFill>
-                <a:latin typeface="나눔바른고딕" charset="0"/>
-                <a:ea typeface="나눔바른고딕" charset="0"/>
-              </a:rPr>
-              <a:t>  번째 튜토리얼</a:t>
+              <a:t>열여덟  번째 튜토리얼</a:t>
             </a:r>
             <a:endParaRPr lang="ko-KR" altLang="en-US" sz="2500" b="1">
               <a:solidFill>
@@ -14357,7 +14849,7 @@
       </p:sp>
       <p:pic>
         <p:nvPicPr>
-          <p:cNvPr id="1250" name="Picture " descr="C:/Users/nwond/AppData/Roaming/PolarisOffice/ETemp/4468_14212112/fImage534023085724.png"/>
+          <p:cNvPr id="1250" name="Picture "/>
           <p:cNvPicPr>
             <a:picLocks noChangeAspect="1"/>
           </p:cNvPicPr>
@@ -14388,7 +14880,7 @@
       </p:pic>
       <p:pic>
         <p:nvPicPr>
-          <p:cNvPr id="1251" name="Picture " descr="C:/Users/nwond/AppData/Roaming/PolarisOffice/ETemp/4468_14212112/fImage49591925705.png"/>
+          <p:cNvPr id="1251" name="Picture "/>
           <p:cNvPicPr>
             <a:picLocks noChangeAspect="1"/>
           </p:cNvPicPr>
@@ -14419,7 +14911,7 @@
       </p:pic>
       <p:pic>
         <p:nvPicPr>
-          <p:cNvPr id="1252" name="Picture " descr="C:/Users/nwond/AppData/Roaming/PolarisOffice/ETemp/4468_14212112/fImage79821938145.png"/>
+          <p:cNvPr id="1252" name="Picture "/>
           <p:cNvPicPr>
             <a:picLocks noChangeAspect="1"/>
           </p:cNvPicPr>
@@ -14563,7 +15055,7 @@
       </p:cxnSp>
       <p:pic>
         <p:nvPicPr>
-          <p:cNvPr id="1255" name="그림 24" descr="C:/Users/nwond/AppData/Roaming/PolarisOffice/ETemp/4468_14212112/fImage193183596962.png"/>
+          <p:cNvPr id="1255" name="그림 24"/>
           <p:cNvPicPr>
             <a:picLocks noChangeAspect="1"/>
           </p:cNvPicPr>
@@ -14594,7 +15086,7 @@
       </p:pic>
       <p:pic>
         <p:nvPicPr>
-          <p:cNvPr id="1256" name="그림 60" descr="C:/Users/nwond/AppData/Roaming/PolarisOffice/ETemp/4468_14212112/fImage964333874464.png"/>
+          <p:cNvPr id="1256" name="그림 60"/>
           <p:cNvPicPr>
             <a:picLocks noChangeAspect="1"/>
           </p:cNvPicPr>
@@ -14647,7 +15139,7 @@
 </file>
 
 <file path=ppt/slides/slide19.xml><?xml version="1.0" encoding="utf-8"?>
-<p:sld xmlns:a="http://schemas.openxmlformats.org/drawingml/2006/main" xmlns:r="http://schemas.openxmlformats.org/officeDocument/2006/relationships" xmlns:p="http://schemas.openxmlformats.org/presentationml/2006/main">
+<p:sld xmlns:a="http://schemas.openxmlformats.org/drawingml/2006/main" xmlns:r="http://schemas.openxmlformats.org/officeDocument/2006/relationships" xmlns:p="http://schemas.openxmlformats.org/presentationml/2006/main" xmlns:p14="http://schemas.microsoft.com/office/powerpoint/2010/main">
   <p:cSld>
     <p:spTree>
       <p:nvGrpSpPr>
@@ -14673,8 +15165,8 @@
         </p:nvSpPr>
         <p:spPr>
           <a:xfrm rot="0">
-            <a:off x="4486910" y="354965"/>
-            <a:ext cx="3215005" cy="478155"/>
+            <a:off x="4319270" y="354965"/>
+            <a:ext cx="3550920" cy="478155"/>
           </a:xfrm>
           <a:prstGeom prst="rect"/>
           <a:noFill/>
@@ -14701,27 +15193,7 @@
                 <a:latin typeface="나눔바른고딕" charset="0"/>
                 <a:ea typeface="나눔바른고딕" charset="0"/>
               </a:rPr>
-              <a:t>열</a:t>
-            </a:r>
-            <a:r>
-              <a:rPr lang="ko-KR" altLang="en-US" sz="2500" b="1">
-                <a:solidFill>
-                  <a:schemeClr val="tx1"/>
-                </a:solidFill>
-                <a:latin typeface="나눔바른고딕" charset="0"/>
-                <a:ea typeface="나눔바른고딕" charset="0"/>
-              </a:rPr>
-              <a:t>아홉</a:t>
-            </a:r>
-            <a:r>
-              <a:rPr lang="ko-KR" altLang="en-US" sz="2500" b="1">
-                <a:solidFill>
-                  <a:schemeClr val="tx1"/>
-                </a:solidFill>
-                <a:latin typeface="나눔바른고딕" charset="0"/>
-                <a:ea typeface="나눔바른고딕" charset="0"/>
-              </a:rPr>
-              <a:t>  번째 튜토리얼</a:t>
+              <a:t>열아홉  번째 튜토리얼</a:t>
             </a:r>
             <a:endParaRPr lang="ko-KR" altLang="en-US" sz="2500" b="1">
               <a:solidFill>
@@ -15058,17 +15530,17 @@
       </p:sp>
       <p:pic>
         <p:nvPicPr>
-          <p:cNvPr id="1258" name="그림 41" descr="C:/Users/nwond/AppData/Roaming/PolarisOffice/ETemp/4468_14212112/fImage259083805705.png"/>
+          <p:cNvPr id="1258" name="그림 41" descr="C:/Users/nwond/AppData/Roaming/PolarisOffice/ETemp/20740_14037000/fImage259083805705.png"/>
           <p:cNvPicPr>
             <a:picLocks noChangeAspect="1"/>
           </p:cNvPicPr>
           <p:nvPr/>
         </p:nvPicPr>
         <p:blipFill rotWithShape="1">
-          <a:blip r:embed="rId2" cstate="print">
+          <a:blip r:embed="rId2" cstate="hqprint">
             <a:extLst>
               <a:ext uri="{28A0092B-C50C-407E-A947-70E740481C1C}">
-                <a14:useLocalDpi xmlns:a14="http://schemas.microsoft.com/office/drawing/2010/main" val="0"/>
+                <a14:useLocalDpi xmlns:a14="http://schemas.microsoft.com/office/drawing/2010/main"/>
               </a:ext>
             </a:extLst>
           </a:blip>
@@ -15078,8 +15550,8 @@
         </p:blipFill>
         <p:spPr>
           <a:xfrm rot="0">
-            <a:off x="1235075" y="1427480"/>
-            <a:ext cx="4145915" cy="1242060"/>
+            <a:off x="1235075" y="1433830"/>
+            <a:ext cx="4146550" cy="1236345"/>
           </a:xfrm>
           <a:prstGeom prst="roundRect"/>
           <a:solidFill>
@@ -15089,7 +15561,7 @@
       </p:pic>
       <p:pic>
         <p:nvPicPr>
-          <p:cNvPr id="1259" name="그림 63" descr="C:/Users/nwond/AppData/Roaming/PolarisOffice/ETemp/4468_14212112/fImage79821938145.png"/>
+          <p:cNvPr id="1259" name="그림 63" descr="C:/Users/nwond/AppData/Roaming/PolarisOffice/ETemp/20740_14037000/fImage79821938145.png"/>
           <p:cNvPicPr>
             <a:picLocks noChangeAspect="1"/>
           </p:cNvPicPr>
@@ -15109,8 +15581,8 @@
         </p:blipFill>
         <p:spPr>
           <a:xfrm rot="0">
-            <a:off x="6820535" y="3887470"/>
-            <a:ext cx="1160780" cy="1283970"/>
+            <a:off x="6820535" y="3874770"/>
+            <a:ext cx="1161415" cy="1313815"/>
           </a:xfrm>
           <a:prstGeom prst="roundRect"/>
           <a:solidFill>
@@ -15120,17 +15592,17 @@
       </p:pic>
       <p:pic>
         <p:nvPicPr>
-          <p:cNvPr id="1260" name="그림 64" descr="C:/Users/nwond/AppData/Roaming/PolarisOffice/ETemp/4468_14212112/fImage156023898145.png"/>
+          <p:cNvPr id="1260" name="그림 64" descr="C:/Users/nwond/AppData/Roaming/PolarisOffice/ETemp/20740_14037000/fImage156023898145.png"/>
           <p:cNvPicPr>
             <a:picLocks noChangeAspect="1"/>
           </p:cNvPicPr>
           <p:nvPr/>
         </p:nvPicPr>
         <p:blipFill rotWithShape="1">
-          <a:blip r:embed="rId4" cstate="print">
+          <a:blip r:embed="rId4" cstate="hqprint">
             <a:extLst>
               <a:ext uri="{28A0092B-C50C-407E-A947-70E740481C1C}">
-                <a14:useLocalDpi xmlns:a14="http://schemas.microsoft.com/office/drawing/2010/main" val="0"/>
+                <a14:useLocalDpi xmlns:a14="http://schemas.microsoft.com/office/drawing/2010/main"/>
               </a:ext>
             </a:extLst>
           </a:blip>
@@ -15140,8 +15612,8 @@
         </p:blipFill>
         <p:spPr>
           <a:xfrm rot="0">
-            <a:off x="8092440" y="3887470"/>
-            <a:ext cx="2855595" cy="1283970"/>
+            <a:off x="8092440" y="3874770"/>
+            <a:ext cx="2856230" cy="1313815"/>
           </a:xfrm>
           <a:prstGeom prst="roundRect"/>
           <a:solidFill>
@@ -15528,7 +16000,7 @@
       </p:sp>
       <p:pic>
         <p:nvPicPr>
-          <p:cNvPr id="1264" name="그림 70" descr="C:/Users/nwond/AppData/Roaming/PolarisOffice/ETemp/4468_14212112/fImage67993933281.png"/>
+          <p:cNvPr id="1264" name="그림 70"/>
           <p:cNvPicPr>
             <a:picLocks noChangeAspect="1"/>
           </p:cNvPicPr>
@@ -15559,17 +16031,17 @@
       </p:pic>
       <p:pic>
         <p:nvPicPr>
-          <p:cNvPr id="1265" name="그림 73" descr="C:/Users/nwond/AppData/Roaming/PolarisOffice/ETemp/4468_14212112/fImage66753946827.png"/>
+          <p:cNvPr id="1265" name="그림 73" descr="C:/Users/nwond/AppData/Roaming/PolarisOffice/ETemp/20740_14037000/fImage66753946827.png"/>
           <p:cNvPicPr>
             <a:picLocks noChangeAspect="1"/>
           </p:cNvPicPr>
           <p:nvPr/>
         </p:nvPicPr>
         <p:blipFill rotWithShape="1">
-          <a:blip r:embed="rId6" cstate="print">
+          <a:blip r:embed="rId6" cstate="hqprint">
             <a:extLst>
               <a:ext uri="{28A0092B-C50C-407E-A947-70E740481C1C}">
-                <a14:useLocalDpi xmlns:a14="http://schemas.microsoft.com/office/drawing/2010/main" val="0"/>
+                <a14:useLocalDpi xmlns:a14="http://schemas.microsoft.com/office/drawing/2010/main"/>
               </a:ext>
             </a:extLst>
           </a:blip>
@@ -15579,8 +16051,8 @@
         </p:blipFill>
         <p:spPr>
           <a:xfrm rot="0">
-            <a:off x="6819265" y="1422400"/>
-            <a:ext cx="4141470" cy="1259205"/>
+            <a:off x="6819265" y="1427480"/>
+            <a:ext cx="4142105" cy="1254760"/>
           </a:xfrm>
           <a:prstGeom prst="roundRect"/>
           <a:solidFill>
@@ -16190,6 +16662,2552 @@
           </a:solidFill>
         </p:spPr>
       </p:pic>
+    </p:spTree>
+  </p:cSld>
+  <p:clrMapOvr>
+    <a:masterClrMapping/>
+  </p:clrMapOvr>
+  <mc:AlternateContent xmlns:mc="http://schemas.openxmlformats.org/markup-compatibility/2006">
+    <mc:Choice xmlns:p14="http://schemas.microsoft.com/office/powerpoint/2010/main" Requires="p14">
+      <p:transition spd="slow" p14:dur="2000"/>
+    </mc:Choice>
+    <mc:Fallback>
+      <p:transition spd="slow"/>
+    </mc:Fallback>
+  </mc:AlternateContent>
+  <p:timing>
+    <p:tnLst>
+      <p:par>
+        <p:cTn id="1" dur="indefinite" restart="never" nodeType="tmRoot"/>
+      </p:par>
+    </p:tnLst>
+  </p:timing>
+</p:sld>
+</file>
+
+<file path=ppt/slides/slide20.xml><?xml version="1.0" encoding="utf-8"?>
+<p:sld xmlns:a="http://schemas.openxmlformats.org/drawingml/2006/main" xmlns:r="http://schemas.openxmlformats.org/officeDocument/2006/relationships" xmlns:p="http://schemas.openxmlformats.org/presentationml/2006/main">
+  <p:cSld>
+    <p:spTree>
+      <p:nvGrpSpPr>
+        <p:cNvPr id="1" name=""/>
+        <p:cNvGrpSpPr/>
+        <p:nvPr/>
+      </p:nvGrpSpPr>
+      <p:grpSpPr>
+        <a:xfrm>
+          <a:off x="0" y="0"/>
+          <a:ext cx="0" cy="0"/>
+          <a:chOff x="0" y="0"/>
+          <a:chExt cx="0" cy="0"/>
+        </a:xfrm>
+      </p:grpSpPr>
+      <p:sp>
+        <p:nvSpPr>
+          <p:cNvPr id="1031" name="Rect 0"/>
+          <p:cNvSpPr txBox="1">
+            <a:spLocks/>
+          </p:cNvSpPr>
+          <p:nvPr/>
+        </p:nvSpPr>
+        <p:spPr>
+          <a:xfrm rot="0">
+            <a:off x="4319270" y="354965"/>
+            <a:ext cx="3550920" cy="478155"/>
+          </a:xfrm>
+          <a:prstGeom prst="rect"/>
+          <a:noFill/>
+          <a:ln w="0">
+            <a:noFill/>
+            <a:prstDash/>
+          </a:ln>
+        </p:spPr>
+        <p:txBody>
+          <a:bodyPr wrap="square" lIns="89535" tIns="46355" rIns="89535" bIns="46355" numCol="1" vert="horz" anchor="t">
+            <a:spAutoFit/>
+          </a:bodyPr>
+          <a:lstStyle/>
+          <a:p>
+            <a:pPr marL="0" indent="0" algn="ctr" latinLnBrk="0">
+              <a:buFontTx/>
+              <a:buNone/>
+            </a:pPr>
+            <a:r>
+              <a:rPr lang="ko-KR" altLang="en-US" sz="2500" b="1">
+                <a:solidFill>
+                  <a:schemeClr val="tx1"/>
+                </a:solidFill>
+                <a:latin typeface="나눔바른고딕" charset="0"/>
+                <a:ea typeface="나눔바른고딕" charset="0"/>
+              </a:rPr>
+              <a:t>스물</a:t>
+            </a:r>
+            <a:r>
+              <a:rPr lang="ko-KR" altLang="en-US" sz="2500" b="1">
+                <a:solidFill>
+                  <a:schemeClr val="tx1"/>
+                </a:solidFill>
+                <a:latin typeface="나눔바른고딕" charset="0"/>
+                <a:ea typeface="나눔바른고딕" charset="0"/>
+              </a:rPr>
+              <a:t>  번째 튜토리얼</a:t>
+            </a:r>
+            <a:endParaRPr lang="ko-KR" altLang="en-US" sz="2500" b="1">
+              <a:solidFill>
+                <a:schemeClr val="tx1"/>
+              </a:solidFill>
+              <a:latin typeface="나눔바른고딕" charset="0"/>
+              <a:ea typeface="나눔바른고딕" charset="0"/>
+            </a:endParaRPr>
+          </a:p>
+        </p:txBody>
+      </p:sp>
+      <p:sp>
+        <p:nvSpPr>
+          <p:cNvPr id="1262" name="Rect 0"/>
+          <p:cNvSpPr txBox="1">
+            <a:spLocks/>
+          </p:cNvSpPr>
+          <p:nvPr/>
+        </p:nvSpPr>
+        <p:spPr>
+          <a:xfrm rot="0">
+            <a:off x="1245235" y="5020310"/>
+            <a:ext cx="4130040" cy="1200785"/>
+          </a:xfrm>
+          <a:prstGeom prst="rect"/>
+          <a:noFill/>
+          <a:ln w="0">
+            <a:noFill/>
+            <a:prstDash/>
+          </a:ln>
+        </p:spPr>
+        <p:txBody>
+          <a:bodyPr wrap="square" lIns="89535" tIns="46355" rIns="89535" bIns="46355" numCol="1" vert="horz" anchor="t">
+            <a:spAutoFit/>
+          </a:bodyPr>
+          <a:lstStyle/>
+          <a:p>
+            <a:pPr marL="0" indent="0" rtl="0" algn="l" defTabSz="914400" eaLnBrk="1" latinLnBrk="0" hangingPunct="1">
+              <a:buFontTx/>
+              <a:buNone/>
+            </a:pPr>
+            <a:r>
+              <a:rPr sz="1800" b="1">
+                <a:solidFill>
+                  <a:srgbClr val="0611F2"/>
+                </a:solidFill>
+                <a:latin typeface="맑은 고딕" charset="0"/>
+                <a:ea typeface="맑은 고딕" charset="0"/>
+              </a:rPr>
+              <a:t>5</a:t>
+            </a:r>
+            <a:r>
+              <a:rPr lang="ko-KR" sz="1800" b="1">
+                <a:solidFill>
+                  <a:srgbClr val="0611F2"/>
+                </a:solidFill>
+                <a:latin typeface="맑은 고딕" charset="0"/>
+                <a:ea typeface="맑은 고딕" charset="0"/>
+              </a:rPr>
+              <a:t>7</a:t>
+            </a:r>
+            <a:r>
+              <a:rPr sz="1800" b="1">
+                <a:solidFill>
+                  <a:srgbClr val="0611F2"/>
+                </a:solidFill>
+                <a:latin typeface="맑은 고딕" charset="0"/>
+                <a:ea typeface="맑은 고딕" charset="0"/>
+              </a:rPr>
+              <a:t>.</a:t>
+            </a:r>
+            <a:r>
+              <a:rPr sz="1800">
+                <a:latin typeface="맑은 고딕" charset="0"/>
+                <a:ea typeface="맑은 고딕" charset="0"/>
+              </a:rPr>
+              <a:t> </a:t>
+            </a:r>
+            <a:r>
+              <a:rPr lang="ko-KR" sz="1800">
+                <a:latin typeface="맑은 고딕" charset="0"/>
+                <a:ea typeface="맑은 고딕" charset="0"/>
+              </a:rPr>
+              <a:t>그</a:t>
+            </a:r>
+            <a:r>
+              <a:rPr lang="ko-KR" sz="1800">
+                <a:latin typeface="맑은 고딕" charset="0"/>
+                <a:ea typeface="맑은 고딕" charset="0"/>
+              </a:rPr>
+              <a:t>리고</a:t>
+            </a:r>
+            <a:r>
+              <a:rPr lang="ko-KR" sz="1800">
+                <a:latin typeface="맑은 고딕" charset="0"/>
+                <a:ea typeface="맑은 고딕" charset="0"/>
+              </a:rPr>
+              <a:t> </a:t>
+            </a:r>
+            <a:r>
+              <a:rPr lang="ko-KR" sz="1800">
+                <a:latin typeface="맑은 고딕" charset="0"/>
+                <a:ea typeface="맑은 고딕" charset="0"/>
+              </a:rPr>
+              <a:t>P</a:t>
+            </a:r>
+            <a:r>
+              <a:rPr lang="ko-KR" sz="1800">
+                <a:latin typeface="맑은 고딕" charset="0"/>
+                <a:ea typeface="맑은 고딕" charset="0"/>
+              </a:rPr>
+              <a:t>roject 폴더 아</a:t>
+            </a:r>
+            <a:r>
+              <a:rPr lang="ko-KR" sz="1800">
+                <a:latin typeface="맑은 고딕" charset="0"/>
+                <a:ea typeface="맑은 고딕" charset="0"/>
+              </a:rPr>
+              <a:t>래에 </a:t>
+            </a:r>
+            <a:r>
+              <a:rPr lang="ko-KR" sz="1800">
+                <a:latin typeface="맑은 고딕" charset="0"/>
+                <a:ea typeface="맑은 고딕" charset="0"/>
+              </a:rPr>
+              <a:t>있는 Sound 폴더에 D</a:t>
+            </a:r>
+            <a:r>
+              <a:rPr lang="ko-KR" sz="1800">
+                <a:latin typeface="맑은 고딕" charset="0"/>
+                <a:ea typeface="맑은 고딕" charset="0"/>
+              </a:rPr>
+              <a:t>i</a:t>
+            </a:r>
+            <a:r>
+              <a:rPr lang="ko-KR" sz="1800">
+                <a:latin typeface="맑은 고딕" charset="0"/>
+                <a:ea typeface="맑은 고딕" charset="0"/>
+              </a:rPr>
+              <a:t>scovery Sound를 Audio Manager의 Audio Clip</a:t>
+            </a:r>
+            <a:r>
+              <a:rPr lang="ko-KR" sz="1800">
+                <a:latin typeface="맑은 고딕" charset="0"/>
+                <a:ea typeface="맑은 고딕" charset="0"/>
+              </a:rPr>
+              <a:t> </a:t>
+            </a:r>
+            <a:r>
+              <a:rPr lang="ko-KR" sz="1800">
+                <a:latin typeface="맑은 고딕" charset="0"/>
+                <a:ea typeface="맑은 고딕" charset="0"/>
+              </a:rPr>
+              <a:t>속성</a:t>
+            </a:r>
+            <a:r>
+              <a:rPr lang="ko-KR" sz="1800">
+                <a:latin typeface="맑은 고딕" charset="0"/>
+                <a:ea typeface="맑은 고딕" charset="0"/>
+              </a:rPr>
+              <a:t>의</a:t>
+            </a:r>
+            <a:r>
+              <a:rPr lang="ko-KR" sz="1800">
+                <a:latin typeface="맑은 고딕" charset="0"/>
+                <a:ea typeface="맑은 고딕" charset="0"/>
+              </a:rPr>
+              <a:t> Element 0</a:t>
+            </a:r>
+            <a:r>
+              <a:rPr lang="ko-KR" sz="1800">
+                <a:latin typeface="맑은 고딕" charset="0"/>
+                <a:ea typeface="맑은 고딕" charset="0"/>
+              </a:rPr>
+              <a:t>에 </a:t>
+            </a:r>
+            <a:r>
+              <a:rPr lang="ko-KR" sz="1800">
+                <a:latin typeface="맑은 고딕" charset="0"/>
+                <a:ea typeface="맑은 고딕" charset="0"/>
+              </a:rPr>
+              <a:t>넣어줍니다.</a:t>
+            </a:r>
+            <a:endParaRPr lang="ko-KR" altLang="en-US" sz="1800">
+              <a:latin typeface="맑은 고딕" charset="0"/>
+              <a:ea typeface="맑은 고딕" charset="0"/>
+            </a:endParaRPr>
+          </a:p>
+        </p:txBody>
+      </p:sp>
+      <p:sp>
+        <p:nvSpPr>
+          <p:cNvPr id="1263" name="Rect 0"/>
+          <p:cNvSpPr txBox="1">
+            <a:spLocks/>
+          </p:cNvSpPr>
+          <p:nvPr/>
+        </p:nvSpPr>
+        <p:spPr>
+          <a:xfrm rot="0">
+            <a:off x="6820535" y="5022215"/>
+            <a:ext cx="4127500" cy="1200785"/>
+          </a:xfrm>
+          <a:prstGeom prst="rect"/>
+          <a:noFill/>
+          <a:ln w="0">
+            <a:noFill/>
+            <a:prstDash/>
+          </a:ln>
+        </p:spPr>
+        <p:txBody>
+          <a:bodyPr wrap="square" lIns="89535" tIns="46355" rIns="89535" bIns="46355" numCol="1" vert="horz" anchor="t">
+            <a:spAutoFit/>
+          </a:bodyPr>
+          <a:lstStyle/>
+          <a:p>
+            <a:pPr marL="0" indent="0" rtl="0" algn="l" defTabSz="914400" eaLnBrk="1" latinLnBrk="0" hangingPunct="1">
+              <a:buFontTx/>
+              <a:buNone/>
+            </a:pPr>
+            <a:r>
+              <a:rPr sz="1800" b="1">
+                <a:solidFill>
+                  <a:srgbClr val="0611F2"/>
+                </a:solidFill>
+                <a:latin typeface="맑은 고딕" charset="0"/>
+                <a:ea typeface="맑은 고딕" charset="0"/>
+              </a:rPr>
+              <a:t>5</a:t>
+            </a:r>
+            <a:r>
+              <a:rPr lang="ko-KR" sz="1800" b="1">
+                <a:solidFill>
+                  <a:srgbClr val="0611F2"/>
+                </a:solidFill>
+                <a:latin typeface="맑은 고딕" charset="0"/>
+                <a:ea typeface="맑은 고딕" charset="0"/>
+              </a:rPr>
+              <a:t>8</a:t>
+            </a:r>
+            <a:r>
+              <a:rPr sz="1800" b="1">
+                <a:solidFill>
+                  <a:srgbClr val="0611F2"/>
+                </a:solidFill>
+                <a:latin typeface="맑은 고딕" charset="0"/>
+                <a:ea typeface="맑은 고딕" charset="0"/>
+              </a:rPr>
+              <a:t>.</a:t>
+            </a:r>
+            <a:r>
+              <a:rPr sz="1800">
+                <a:latin typeface="맑은 고딕" charset="0"/>
+                <a:ea typeface="맑은 고딕" charset="0"/>
+              </a:rPr>
+              <a:t> </a:t>
+            </a:r>
+            <a:r>
+              <a:rPr lang="ko-KR" sz="1800">
+                <a:latin typeface="맑은 고딕" charset="0"/>
+                <a:ea typeface="맑은 고딕" charset="0"/>
+              </a:rPr>
+              <a:t>그</a:t>
+            </a:r>
+            <a:r>
+              <a:rPr lang="ko-KR" sz="1800">
+                <a:latin typeface="맑은 고딕" charset="0"/>
+                <a:ea typeface="맑은 고딕" charset="0"/>
+              </a:rPr>
+              <a:t>런 </a:t>
+            </a:r>
+            <a:r>
+              <a:rPr lang="ko-KR" sz="1800">
+                <a:latin typeface="맑은 고딕" charset="0"/>
+                <a:ea typeface="맑은 고딕" charset="0"/>
+              </a:rPr>
+              <a:t>다음</a:t>
+            </a:r>
+            <a:r>
+              <a:rPr lang="ko-KR" sz="1800">
+                <a:latin typeface="맑은 고딕" charset="0"/>
+                <a:ea typeface="맑은 고딕" charset="0"/>
+              </a:rPr>
+              <a:t> </a:t>
+            </a:r>
+            <a:r>
+              <a:rPr lang="ko-KR" sz="1800">
+                <a:latin typeface="맑은 고딕" charset="0"/>
+                <a:ea typeface="맑은 고딕" charset="0"/>
+              </a:rPr>
+              <a:t>P</a:t>
+            </a:r>
+            <a:r>
+              <a:rPr lang="ko-KR" sz="1800">
+                <a:latin typeface="맑은 고딕" charset="0"/>
+                <a:ea typeface="맑은 고딕" charset="0"/>
+              </a:rPr>
+              <a:t>roject 폴더 아</a:t>
+            </a:r>
+            <a:r>
+              <a:rPr lang="ko-KR" sz="1800">
+                <a:latin typeface="맑은 고딕" charset="0"/>
+                <a:ea typeface="맑은 고딕" charset="0"/>
+              </a:rPr>
+              <a:t>래에 </a:t>
+            </a:r>
+            <a:r>
+              <a:rPr lang="ko-KR" sz="1800">
+                <a:latin typeface="맑은 고딕" charset="0"/>
+                <a:ea typeface="맑은 고딕" charset="0"/>
+              </a:rPr>
+              <a:t>있는 Sound 폴더에 </a:t>
+            </a:r>
+            <a:r>
+              <a:rPr lang="ko-KR" sz="1800">
+                <a:latin typeface="맑은 고딕" charset="0"/>
+                <a:ea typeface="맑은 고딕" charset="0"/>
+              </a:rPr>
+              <a:t>Si</a:t>
+            </a:r>
+            <a:r>
+              <a:rPr lang="ko-KR" sz="1800">
+                <a:latin typeface="맑은 고딕" charset="0"/>
+                <a:ea typeface="맑은 고딕" charset="0"/>
+              </a:rPr>
+              <a:t>gnal Sound를 Audio Manager의 Audio Clip</a:t>
+            </a:r>
+            <a:r>
+              <a:rPr lang="ko-KR" sz="1800">
+                <a:latin typeface="맑은 고딕" charset="0"/>
+                <a:ea typeface="맑은 고딕" charset="0"/>
+              </a:rPr>
+              <a:t> </a:t>
+            </a:r>
+            <a:r>
+              <a:rPr lang="ko-KR" sz="1800">
+                <a:latin typeface="맑은 고딕" charset="0"/>
+                <a:ea typeface="맑은 고딕" charset="0"/>
+              </a:rPr>
+              <a:t>속성</a:t>
+            </a:r>
+            <a:r>
+              <a:rPr lang="ko-KR" sz="1800">
+                <a:latin typeface="맑은 고딕" charset="0"/>
+                <a:ea typeface="맑은 고딕" charset="0"/>
+              </a:rPr>
+              <a:t>의</a:t>
+            </a:r>
+            <a:r>
+              <a:rPr lang="ko-KR" sz="1800">
+                <a:latin typeface="맑은 고딕" charset="0"/>
+                <a:ea typeface="맑은 고딕" charset="0"/>
+              </a:rPr>
+              <a:t> Element </a:t>
+            </a:r>
+            <a:r>
+              <a:rPr lang="ko-KR" sz="1800">
+                <a:latin typeface="맑은 고딕" charset="0"/>
+                <a:ea typeface="맑은 고딕" charset="0"/>
+              </a:rPr>
+              <a:t>1에 </a:t>
+            </a:r>
+            <a:r>
+              <a:rPr lang="ko-KR" sz="1800">
+                <a:latin typeface="맑은 고딕" charset="0"/>
+                <a:ea typeface="맑은 고딕" charset="0"/>
+              </a:rPr>
+              <a:t>넣어줍니다.</a:t>
+            </a:r>
+            <a:endParaRPr lang="ko-KR" altLang="en-US" sz="1800">
+              <a:latin typeface="맑은 고딕" charset="0"/>
+              <a:ea typeface="맑은 고딕" charset="0"/>
+            </a:endParaRPr>
+          </a:p>
+        </p:txBody>
+      </p:sp>
+      <p:pic>
+        <p:nvPicPr>
+          <p:cNvPr id="1267" name="그림 2" descr="C:/Users/nwond/AppData/Roaming/PolarisOffice/ETemp/20740_14037000/fImage1596638541.png"/>
+          <p:cNvPicPr>
+            <a:picLocks noChangeAspect="1"/>
+          </p:cNvPicPr>
+          <p:nvPr/>
+        </p:nvPicPr>
+        <p:blipFill rotWithShape="1">
+          <a:blip r:embed="rId2" cstate="print">
+            <a:extLst>
+              <a:ext uri="{28A0092B-C50C-407E-A947-70E740481C1C}">
+                <a14:useLocalDpi xmlns:a14="http://schemas.microsoft.com/office/drawing/2010/main" val="0"/>
+              </a:ext>
+            </a:extLst>
+          </a:blip>
+          <a:stretch>
+            <a:fillRect/>
+          </a:stretch>
+        </p:blipFill>
+        <p:spPr>
+          <a:xfrm rot="0">
+            <a:off x="1249045" y="1433830"/>
+            <a:ext cx="4131945" cy="2290445"/>
+          </a:xfrm>
+          <a:prstGeom prst="roundRect"/>
+          <a:solidFill>
+            <a:srgbClr val="EDEDED"/>
+          </a:solidFill>
+        </p:spPr>
+      </p:pic>
+      <p:pic>
+        <p:nvPicPr>
+          <p:cNvPr id="1268" name="그림 6" descr="C:/Users/nwond/AppData/Roaming/PolarisOffice/ETemp/20740_14037000/fImage91203878467.png"/>
+          <p:cNvPicPr>
+            <a:picLocks noChangeAspect="1"/>
+          </p:cNvPicPr>
+          <p:nvPr/>
+        </p:nvPicPr>
+        <p:blipFill rotWithShape="1">
+          <a:blip r:embed="rId3" cstate="print">
+            <a:extLst>
+              <a:ext uri="{28A0092B-C50C-407E-A947-70E740481C1C}">
+                <a14:useLocalDpi xmlns:a14="http://schemas.microsoft.com/office/drawing/2010/main" val="0"/>
+              </a:ext>
+            </a:extLst>
+          </a:blip>
+          <a:stretch>
+            <a:fillRect/>
+          </a:stretch>
+        </p:blipFill>
+        <p:spPr>
+          <a:xfrm rot="0">
+            <a:off x="1247140" y="3910330"/>
+            <a:ext cx="4128135" cy="1012190"/>
+          </a:xfrm>
+          <a:prstGeom prst="roundRect"/>
+          <a:solidFill>
+            <a:srgbClr val="EDEDED"/>
+          </a:solidFill>
+        </p:spPr>
+      </p:pic>
+      <p:cxnSp>
+        <p:nvCxnSpPr>
+          <p:cNvPr id="1269" name="도형 10"/>
+          <p:cNvCxnSpPr/>
+          <p:nvPr/>
+        </p:nvCxnSpPr>
+        <p:spPr>
+          <a:xfrm rot="0" flipV="1">
+            <a:off x="2314575" y="2557145"/>
+            <a:ext cx="2936240" cy="1638935"/>
+          </a:xfrm>
+          <a:prstGeom prst="straightConnector1"/>
+          <a:ln w="6350" cap="flat" cmpd="sng">
+            <a:prstDash/>
+            <a:headEnd type="none" w="med" len="med"/>
+            <a:tailEnd type="triangle" w="med" len="med"/>
+          </a:ln>
+        </p:spPr>
+        <p:style>
+          <a:lnRef idx="1">
+            <a:schemeClr val="accent1"/>
+          </a:lnRef>
+          <a:fillRef idx="0">
+            <a:schemeClr val="accent1"/>
+          </a:fillRef>
+          <a:effectRef idx="0">
+            <a:schemeClr val="accent1"/>
+          </a:effectRef>
+          <a:fontRef idx="minor">
+            <a:schemeClr val="tx1"/>
+          </a:fontRef>
+        </p:style>
+      </p:cxnSp>
+      <p:pic>
+        <p:nvPicPr>
+          <p:cNvPr id="1270" name="그림 11" descr="C:/Users/nwond/AppData/Roaming/PolarisOffice/ETemp/20740_14037000/fImage91953896334.png"/>
+          <p:cNvPicPr>
+            <a:picLocks noChangeAspect="1"/>
+          </p:cNvPicPr>
+          <p:nvPr/>
+        </p:nvPicPr>
+        <p:blipFill rotWithShape="1">
+          <a:blip r:embed="rId4" cstate="print">
+            <a:extLst>
+              <a:ext uri="{28A0092B-C50C-407E-A947-70E740481C1C}">
+                <a14:useLocalDpi xmlns:a14="http://schemas.microsoft.com/office/drawing/2010/main" val="0"/>
+              </a:ext>
+            </a:extLst>
+          </a:blip>
+          <a:stretch>
+            <a:fillRect/>
+          </a:stretch>
+        </p:blipFill>
+        <p:spPr>
+          <a:xfrm rot="0">
+            <a:off x="6814185" y="3910330"/>
+            <a:ext cx="4140200" cy="1005840"/>
+          </a:xfrm>
+          <a:prstGeom prst="roundRect"/>
+          <a:solidFill>
+            <a:srgbClr val="EDEDED"/>
+          </a:solidFill>
+        </p:spPr>
+      </p:pic>
+      <p:pic>
+        <p:nvPicPr>
+          <p:cNvPr id="1271" name="그림 14" descr="C:/Users/nwond/AppData/Roaming/PolarisOffice/ETemp/20740_14037000/fImage158573906500.png"/>
+          <p:cNvPicPr>
+            <a:picLocks noChangeAspect="1"/>
+          </p:cNvPicPr>
+          <p:nvPr/>
+        </p:nvPicPr>
+        <p:blipFill rotWithShape="1">
+          <a:blip r:embed="rId5" cstate="print">
+            <a:extLst>
+              <a:ext uri="{28A0092B-C50C-407E-A947-70E740481C1C}">
+                <a14:useLocalDpi xmlns:a14="http://schemas.microsoft.com/office/drawing/2010/main" val="0"/>
+              </a:ext>
+            </a:extLst>
+          </a:blip>
+          <a:stretch>
+            <a:fillRect/>
+          </a:stretch>
+        </p:blipFill>
+        <p:spPr>
+          <a:xfrm rot="0">
+            <a:off x="6818630" y="1433830"/>
+            <a:ext cx="4135755" cy="2290445"/>
+          </a:xfrm>
+          <a:prstGeom prst="roundRect"/>
+          <a:solidFill>
+            <a:srgbClr val="EDEDED"/>
+          </a:solidFill>
+        </p:spPr>
+      </p:pic>
+      <p:cxnSp>
+        <p:nvCxnSpPr>
+          <p:cNvPr id="1272" name="도형 17"/>
+          <p:cNvCxnSpPr/>
+          <p:nvPr/>
+        </p:nvCxnSpPr>
+        <p:spPr>
+          <a:xfrm rot="0" flipV="1">
+            <a:off x="9507855" y="2842895"/>
+            <a:ext cx="1303655" cy="1334770"/>
+          </a:xfrm>
+          <a:prstGeom prst="straightConnector1"/>
+          <a:ln w="6350" cap="flat" cmpd="sng">
+            <a:prstDash/>
+            <a:headEnd type="none" w="med" len="med"/>
+            <a:tailEnd type="triangle" w="med" len="med"/>
+          </a:ln>
+        </p:spPr>
+        <p:style>
+          <a:lnRef idx="1">
+            <a:schemeClr val="accent1"/>
+          </a:lnRef>
+          <a:fillRef idx="0">
+            <a:schemeClr val="accent1"/>
+          </a:fillRef>
+          <a:effectRef idx="0">
+            <a:schemeClr val="accent1"/>
+          </a:effectRef>
+          <a:fontRef idx="minor">
+            <a:schemeClr val="tx1"/>
+          </a:fontRef>
+        </p:style>
+      </p:cxnSp>
+    </p:spTree>
+  </p:cSld>
+  <p:clrMapOvr>
+    <a:masterClrMapping/>
+  </p:clrMapOvr>
+  <mc:AlternateContent xmlns:mc="http://schemas.openxmlformats.org/markup-compatibility/2006">
+    <mc:Choice xmlns:p14="http://schemas.microsoft.com/office/powerpoint/2010/main" Requires="p14">
+      <p:transition spd="slow" p14:dur="2000"/>
+    </mc:Choice>
+    <mc:Fallback>
+      <p:transition spd="slow"/>
+    </mc:Fallback>
+  </mc:AlternateContent>
+  <p:timing>
+    <p:tnLst>
+      <p:par>
+        <p:cTn id="1" dur="indefinite" restart="never" nodeType="tmRoot"/>
+      </p:par>
+    </p:tnLst>
+  </p:timing>
+</p:sld>
+</file>
+
+<file path=ppt/slides/slide21.xml><?xml version="1.0" encoding="utf-8"?>
+<p:sld xmlns:a="http://schemas.openxmlformats.org/drawingml/2006/main" xmlns:r="http://schemas.openxmlformats.org/officeDocument/2006/relationships" xmlns:p="http://schemas.openxmlformats.org/presentationml/2006/main">
+  <p:cSld>
+    <p:spTree>
+      <p:nvGrpSpPr>
+        <p:cNvPr id="1" name=""/>
+        <p:cNvGrpSpPr/>
+        <p:nvPr/>
+      </p:nvGrpSpPr>
+      <p:grpSpPr>
+        <a:xfrm>
+          <a:off x="0" y="0"/>
+          <a:ext cx="0" cy="0"/>
+          <a:chOff x="0" y="0"/>
+          <a:chExt cx="0" cy="0"/>
+        </a:xfrm>
+      </p:grpSpPr>
+      <p:sp>
+        <p:nvSpPr>
+          <p:cNvPr id="1031" name="Rect 0"/>
+          <p:cNvSpPr txBox="1">
+            <a:spLocks/>
+          </p:cNvSpPr>
+          <p:nvPr/>
+        </p:nvSpPr>
+        <p:spPr>
+          <a:xfrm rot="0">
+            <a:off x="4319270" y="354965"/>
+            <a:ext cx="3550920" cy="478155"/>
+          </a:xfrm>
+          <a:prstGeom prst="rect"/>
+          <a:noFill/>
+          <a:ln w="0">
+            <a:noFill/>
+            <a:prstDash/>
+          </a:ln>
+        </p:spPr>
+        <p:txBody>
+          <a:bodyPr wrap="square" lIns="89535" tIns="46355" rIns="89535" bIns="46355" numCol="1" vert="horz" anchor="t">
+            <a:spAutoFit/>
+          </a:bodyPr>
+          <a:lstStyle/>
+          <a:p>
+            <a:pPr marL="0" indent="0" algn="ctr" latinLnBrk="0">
+              <a:buFontTx/>
+              <a:buNone/>
+            </a:pPr>
+            <a:r>
+              <a:rPr lang="ko-KR" altLang="en-US" sz="2500" b="1">
+                <a:solidFill>
+                  <a:schemeClr val="tx1"/>
+                </a:solidFill>
+                <a:latin typeface="나눔바른고딕" charset="0"/>
+                <a:ea typeface="나눔바른고딕" charset="0"/>
+              </a:rPr>
+              <a:t>스물한</a:t>
+            </a:r>
+            <a:r>
+              <a:rPr lang="ko-KR" altLang="en-US" sz="2500" b="1">
+                <a:solidFill>
+                  <a:schemeClr val="tx1"/>
+                </a:solidFill>
+                <a:latin typeface="나눔바른고딕" charset="0"/>
+                <a:ea typeface="나눔바른고딕" charset="0"/>
+              </a:rPr>
+              <a:t>  번째 튜토리얼</a:t>
+            </a:r>
+            <a:endParaRPr lang="ko-KR" altLang="en-US" sz="2500" b="1">
+              <a:solidFill>
+                <a:schemeClr val="tx1"/>
+              </a:solidFill>
+              <a:latin typeface="나눔바른고딕" charset="0"/>
+              <a:ea typeface="나눔바른고딕" charset="0"/>
+            </a:endParaRPr>
+          </a:p>
+        </p:txBody>
+      </p:sp>
+      <p:sp>
+        <p:nvSpPr>
+          <p:cNvPr id="1262" name="Rect 0"/>
+          <p:cNvSpPr txBox="1">
+            <a:spLocks/>
+          </p:cNvSpPr>
+          <p:nvPr/>
+        </p:nvSpPr>
+        <p:spPr>
+          <a:xfrm rot="0">
+            <a:off x="1245235" y="5299710"/>
+            <a:ext cx="4130040" cy="923925"/>
+          </a:xfrm>
+          <a:prstGeom prst="rect"/>
+          <a:noFill/>
+          <a:ln w="0">
+            <a:noFill/>
+            <a:prstDash/>
+          </a:ln>
+        </p:spPr>
+        <p:txBody>
+          <a:bodyPr wrap="square" lIns="89535" tIns="46355" rIns="89535" bIns="46355" numCol="1" vert="horz" anchor="t">
+            <a:spAutoFit/>
+          </a:bodyPr>
+          <a:lstStyle/>
+          <a:p>
+            <a:pPr marL="0" indent="0" rtl="0" algn="l" defTabSz="914400" eaLnBrk="1" latinLnBrk="0" hangingPunct="1">
+              <a:buFontTx/>
+              <a:buNone/>
+            </a:pPr>
+            <a:r>
+              <a:rPr sz="1800" b="1">
+                <a:solidFill>
+                  <a:srgbClr val="0611F2"/>
+                </a:solidFill>
+                <a:latin typeface="맑은 고딕" charset="0"/>
+                <a:ea typeface="맑은 고딕" charset="0"/>
+              </a:rPr>
+              <a:t>5</a:t>
+            </a:r>
+            <a:r>
+              <a:rPr lang="ko-KR" sz="1800" b="1">
+                <a:solidFill>
+                  <a:srgbClr val="0611F2"/>
+                </a:solidFill>
+                <a:latin typeface="맑은 고딕" charset="0"/>
+                <a:ea typeface="맑은 고딕" charset="0"/>
+              </a:rPr>
+              <a:t>9</a:t>
+            </a:r>
+            <a:r>
+              <a:rPr sz="1800" b="1">
+                <a:solidFill>
+                  <a:srgbClr val="0611F2"/>
+                </a:solidFill>
+                <a:latin typeface="맑은 고딕" charset="0"/>
+                <a:ea typeface="맑은 고딕" charset="0"/>
+              </a:rPr>
+              <a:t>.</a:t>
+            </a:r>
+            <a:r>
+              <a:rPr sz="1800">
+                <a:latin typeface="맑은 고딕" charset="0"/>
+                <a:ea typeface="맑은 고딕" charset="0"/>
+              </a:rPr>
+              <a:t> </a:t>
+            </a:r>
+            <a:r>
+              <a:rPr lang="ko-KR" sz="1800">
+                <a:latin typeface="맑은 고딕" charset="0"/>
+                <a:ea typeface="맑은 고딕" charset="0"/>
+              </a:rPr>
+              <a:t>그</a:t>
+            </a:r>
+            <a:r>
+              <a:rPr lang="ko-KR" sz="1800">
+                <a:latin typeface="맑은 고딕" charset="0"/>
+                <a:ea typeface="맑은 고딕" charset="0"/>
+              </a:rPr>
+              <a:t>다음으로</a:t>
+            </a:r>
+            <a:r>
+              <a:rPr lang="ko-KR" sz="1800">
+                <a:latin typeface="맑은 고딕" charset="0"/>
+                <a:ea typeface="맑은 고딕" charset="0"/>
+              </a:rPr>
+              <a:t> </a:t>
+            </a:r>
+            <a:r>
+              <a:rPr lang="ko-KR" sz="1800">
+                <a:latin typeface="맑은 고딕" charset="0"/>
+                <a:ea typeface="맑은 고딕" charset="0"/>
+              </a:rPr>
+              <a:t>U</a:t>
+            </a:r>
+            <a:r>
+              <a:rPr lang="ko-KR" sz="1800">
+                <a:latin typeface="맑은 고딕" charset="0"/>
+                <a:ea typeface="맑은 고딕" charset="0"/>
+              </a:rPr>
+              <a:t>I에서 Image를 생성하고 Informati</a:t>
+            </a:r>
+            <a:r>
+              <a:rPr lang="ko-KR" sz="1800">
+                <a:latin typeface="맑은 고딕" charset="0"/>
+                <a:ea typeface="맑은 고딕" charset="0"/>
+              </a:rPr>
+              <a:t>o</a:t>
+            </a:r>
+            <a:r>
+              <a:rPr lang="ko-KR" sz="1800">
+                <a:latin typeface="맑은 고딕" charset="0"/>
+                <a:ea typeface="맑은 고딕" charset="0"/>
+              </a:rPr>
+              <a:t>n Window라는 이름으로</a:t>
+            </a:r>
+            <a:r>
+              <a:rPr lang="ko-KR" sz="1800">
+                <a:latin typeface="맑은 고딕" charset="0"/>
+                <a:ea typeface="맑은 고딕" charset="0"/>
+              </a:rPr>
+              <a:t> </a:t>
+            </a:r>
+            <a:r>
+              <a:rPr lang="ko-KR" sz="1800">
+                <a:latin typeface="맑은 고딕" charset="0"/>
+                <a:ea typeface="맑은 고딕" charset="0"/>
+              </a:rPr>
+              <a:t>정의합니다. </a:t>
+            </a:r>
+            <a:endParaRPr lang="ko-KR" altLang="en-US" sz="1800">
+              <a:latin typeface="맑은 고딕" charset="0"/>
+              <a:ea typeface="맑은 고딕" charset="0"/>
+            </a:endParaRPr>
+          </a:p>
+        </p:txBody>
+      </p:sp>
+      <p:sp>
+        <p:nvSpPr>
+          <p:cNvPr id="1263" name="Rect 0"/>
+          <p:cNvSpPr txBox="1">
+            <a:spLocks/>
+          </p:cNvSpPr>
+          <p:nvPr/>
+        </p:nvSpPr>
+        <p:spPr>
+          <a:xfrm rot="0">
+            <a:off x="6822440" y="2825115"/>
+            <a:ext cx="4130040" cy="923925"/>
+          </a:xfrm>
+          <a:prstGeom prst="rect"/>
+          <a:noFill/>
+          <a:ln w="0">
+            <a:noFill/>
+            <a:prstDash/>
+          </a:ln>
+        </p:spPr>
+        <p:txBody>
+          <a:bodyPr wrap="square" lIns="89535" tIns="46355" rIns="89535" bIns="46355" numCol="1" vert="horz" anchor="t">
+            <a:spAutoFit/>
+          </a:bodyPr>
+          <a:lstStyle/>
+          <a:p>
+            <a:pPr marL="0" indent="0" rtl="0" algn="l" defTabSz="914400" eaLnBrk="1" latinLnBrk="0" hangingPunct="1">
+              <a:buFontTx/>
+              <a:buNone/>
+            </a:pPr>
+            <a:r>
+              <a:rPr sz="1800" b="1">
+                <a:solidFill>
+                  <a:srgbClr val="0611F2"/>
+                </a:solidFill>
+                <a:latin typeface="맑은 고딕" charset="0"/>
+                <a:ea typeface="맑은 고딕" charset="0"/>
+              </a:rPr>
+              <a:t>6</a:t>
+            </a:r>
+            <a:r>
+              <a:rPr sz="1800" b="1">
+                <a:solidFill>
+                  <a:srgbClr val="0611F2"/>
+                </a:solidFill>
+                <a:latin typeface="맑은 고딕" charset="0"/>
+                <a:ea typeface="맑은 고딕" charset="0"/>
+              </a:rPr>
+              <a:t>0</a:t>
+            </a:r>
+            <a:r>
+              <a:rPr sz="1800" b="1">
+                <a:solidFill>
+                  <a:srgbClr val="0611F2"/>
+                </a:solidFill>
+                <a:latin typeface="맑은 고딕" charset="0"/>
+                <a:ea typeface="맑은 고딕" charset="0"/>
+              </a:rPr>
+              <a:t>.</a:t>
+            </a:r>
+            <a:r>
+              <a:rPr sz="1800">
+                <a:latin typeface="맑은 고딕" charset="0"/>
+                <a:ea typeface="맑은 고딕" charset="0"/>
+              </a:rPr>
+              <a:t> </a:t>
+            </a:r>
+            <a:r>
+              <a:rPr lang="ko-KR" sz="1800">
+                <a:latin typeface="맑은 고딕" charset="0"/>
+                <a:ea typeface="맑은 고딕" charset="0"/>
+              </a:rPr>
+              <a:t>그</a:t>
+            </a:r>
+            <a:r>
+              <a:rPr lang="ko-KR" sz="1800">
+                <a:latin typeface="맑은 고딕" charset="0"/>
+                <a:ea typeface="맑은 고딕" charset="0"/>
+              </a:rPr>
+              <a:t>러고 </a:t>
+            </a:r>
+            <a:r>
+              <a:rPr lang="ko-KR" sz="1800">
+                <a:latin typeface="맑은 고딕" charset="0"/>
+                <a:ea typeface="맑은 고딕" charset="0"/>
+              </a:rPr>
+              <a:t>나서 </a:t>
+            </a:r>
+            <a:r>
+              <a:rPr lang="ko-KR" sz="1800">
+                <a:latin typeface="맑은 고딕" charset="0"/>
+                <a:ea typeface="맑은 고딕" charset="0"/>
+              </a:rPr>
+              <a:t>I</a:t>
+            </a:r>
+            <a:r>
+              <a:rPr lang="ko-KR" sz="1800">
+                <a:latin typeface="맑은 고딕" charset="0"/>
+                <a:ea typeface="맑은 고딕" charset="0"/>
+              </a:rPr>
+              <a:t>nformation Window 오브젝트에 </a:t>
+            </a:r>
+            <a:r>
+              <a:rPr lang="ko-KR" sz="1800">
+                <a:latin typeface="맑은 고딕" charset="0"/>
+                <a:ea typeface="맑은 고딕" charset="0"/>
+              </a:rPr>
+              <a:t>V</a:t>
+            </a:r>
+            <a:r>
+              <a:rPr lang="ko-KR" sz="1800">
+                <a:latin typeface="맑은 고딕" charset="0"/>
+                <a:ea typeface="맑은 고딕" charset="0"/>
+              </a:rPr>
+              <a:t>ideo Player 컴포넌트를 추가</a:t>
+            </a:r>
+            <a:r>
+              <a:rPr lang="ko-KR" sz="1800">
+                <a:latin typeface="맑은 고딕" charset="0"/>
+                <a:ea typeface="맑은 고딕" charset="0"/>
+              </a:rPr>
+              <a:t>합니다.</a:t>
+            </a:r>
+            <a:endParaRPr lang="ko-KR" altLang="en-US" sz="1800">
+              <a:latin typeface="맑은 고딕" charset="0"/>
+              <a:ea typeface="맑은 고딕" charset="0"/>
+            </a:endParaRPr>
+          </a:p>
+        </p:txBody>
+      </p:sp>
+      <p:pic>
+        <p:nvPicPr>
+          <p:cNvPr id="1273" name="그림 18" descr="C:/Users/nwond/AppData/Roaming/PolarisOffice/ETemp/20740_14037000/fImage185001856334.png"/>
+          <p:cNvPicPr>
+            <a:picLocks noChangeAspect="1"/>
+          </p:cNvPicPr>
+          <p:nvPr/>
+        </p:nvPicPr>
+        <p:blipFill rotWithShape="1">
+          <a:blip r:embed="rId2" cstate="hqprint">
+            <a:extLst>
+              <a:ext uri="{28A0092B-C50C-407E-A947-70E740481C1C}">
+                <a14:useLocalDpi xmlns:a14="http://schemas.microsoft.com/office/drawing/2010/main"/>
+              </a:ext>
+            </a:extLst>
+          </a:blip>
+          <a:stretch>
+            <a:fillRect/>
+          </a:stretch>
+        </p:blipFill>
+        <p:spPr>
+          <a:xfrm rot="0">
+            <a:off x="1250315" y="1464945"/>
+            <a:ext cx="2661285" cy="3612515"/>
+          </a:xfrm>
+          <a:prstGeom prst="roundRect"/>
+          <a:solidFill>
+            <a:srgbClr val="EDEDED"/>
+          </a:solidFill>
+        </p:spPr>
+      </p:pic>
+      <p:pic>
+        <p:nvPicPr>
+          <p:cNvPr id="1274" name="그림 19" descr="C:/Users/nwond/AppData/Roaming/PolarisOffice/ETemp/20740_14037000/fImage117294059169.png"/>
+          <p:cNvPicPr>
+            <a:picLocks noChangeAspect="1"/>
+          </p:cNvPicPr>
+          <p:nvPr/>
+        </p:nvPicPr>
+        <p:blipFill rotWithShape="1">
+          <a:blip r:embed="rId3" cstate="print">
+            <a:extLst>
+              <a:ext uri="{28A0092B-C50C-407E-A947-70E740481C1C}">
+                <a14:useLocalDpi xmlns:a14="http://schemas.microsoft.com/office/drawing/2010/main" val="0"/>
+              </a:ext>
+            </a:extLst>
+          </a:blip>
+          <a:stretch>
+            <a:fillRect/>
+          </a:stretch>
+        </p:blipFill>
+        <p:spPr>
+          <a:xfrm rot="0">
+            <a:off x="4039870" y="2339340"/>
+            <a:ext cx="1340485" cy="1856105"/>
+          </a:xfrm>
+          <a:prstGeom prst="roundRect"/>
+          <a:solidFill>
+            <a:srgbClr val="EDEDED"/>
+          </a:solidFill>
+        </p:spPr>
+      </p:pic>
+      <p:sp>
+        <p:nvSpPr>
+          <p:cNvPr id="1278" name="텍스트 상자 40"/>
+          <p:cNvSpPr txBox="1">
+            <a:spLocks/>
+          </p:cNvSpPr>
+          <p:nvPr/>
+        </p:nvSpPr>
+        <p:spPr>
+          <a:xfrm rot="0">
+            <a:off x="6816090" y="5577205"/>
+            <a:ext cx="4142740" cy="647065"/>
+          </a:xfrm>
+          <a:prstGeom prst="rect"/>
+          <a:noFill/>
+          <a:ln w="0">
+            <a:noFill/>
+            <a:prstDash/>
+          </a:ln>
+        </p:spPr>
+        <p:txBody>
+          <a:bodyPr wrap="square" lIns="89535" tIns="46355" rIns="89535" bIns="46355" numCol="1" vert="horz" anchor="t">
+            <a:spAutoFit/>
+          </a:bodyPr>
+          <a:lstStyle/>
+          <a:p>
+            <a:pPr marL="0" indent="0" rtl="0" algn="l" defTabSz="914400" eaLnBrk="1" latinLnBrk="0" hangingPunct="1">
+              <a:buFontTx/>
+              <a:buNone/>
+            </a:pPr>
+            <a:r>
+              <a:rPr sz="1800" b="1">
+                <a:solidFill>
+                  <a:srgbClr val="0611F2"/>
+                </a:solidFill>
+                <a:latin typeface="맑은 고딕" charset="0"/>
+                <a:ea typeface="맑은 고딕" charset="0"/>
+              </a:rPr>
+              <a:t>6</a:t>
+            </a:r>
+            <a:r>
+              <a:rPr lang="ko-KR" sz="1800" b="1">
+                <a:solidFill>
+                  <a:srgbClr val="0611F2"/>
+                </a:solidFill>
+                <a:latin typeface="맑은 고딕" charset="0"/>
+                <a:ea typeface="맑은 고딕" charset="0"/>
+              </a:rPr>
+              <a:t>1</a:t>
+            </a:r>
+            <a:r>
+              <a:rPr sz="1800" b="1">
+                <a:solidFill>
+                  <a:srgbClr val="0611F2"/>
+                </a:solidFill>
+                <a:latin typeface="맑은 고딕" charset="0"/>
+                <a:ea typeface="맑은 고딕" charset="0"/>
+              </a:rPr>
+              <a:t>.</a:t>
+            </a:r>
+            <a:r>
+              <a:rPr sz="1800">
+                <a:latin typeface="맑은 고딕" charset="0"/>
+                <a:ea typeface="맑은 고딕" charset="0"/>
+              </a:rPr>
+              <a:t> </a:t>
+            </a:r>
+            <a:r>
+              <a:rPr lang="ko-KR" sz="1800">
+                <a:latin typeface="맑은 고딕" charset="0"/>
+                <a:ea typeface="맑은 고딕" charset="0"/>
+              </a:rPr>
+              <a:t>이제</a:t>
+            </a:r>
+            <a:r>
+              <a:rPr lang="ko-KR" sz="1800">
+                <a:latin typeface="맑은 고딕" charset="0"/>
+                <a:ea typeface="맑은 고딕" charset="0"/>
+              </a:rPr>
+              <a:t> </a:t>
+            </a:r>
+            <a:r>
+              <a:rPr lang="ko-KR" sz="1800">
+                <a:latin typeface="맑은 고딕" charset="0"/>
+                <a:ea typeface="맑은 고딕" charset="0"/>
+              </a:rPr>
+              <a:t>Informati</a:t>
+            </a:r>
+            <a:r>
+              <a:rPr lang="ko-KR" sz="1800">
+                <a:latin typeface="맑은 고딕" charset="0"/>
+                <a:ea typeface="맑은 고딕" charset="0"/>
+              </a:rPr>
+              <a:t>o</a:t>
+            </a:r>
+            <a:r>
+              <a:rPr lang="ko-KR" sz="1800">
+                <a:latin typeface="맑은 고딕" charset="0"/>
+                <a:ea typeface="맑은 고딕" charset="0"/>
+              </a:rPr>
+              <a:t>n Window</a:t>
+            </a:r>
+            <a:r>
+              <a:rPr lang="ko-KR" sz="1800">
+                <a:latin typeface="맑은 고딕" charset="0"/>
+                <a:ea typeface="맑은 고딕" charset="0"/>
+              </a:rPr>
+              <a:t> 오브젝트의 위치와 </a:t>
+            </a:r>
+            <a:r>
+              <a:rPr lang="ko-KR" sz="1800">
+                <a:latin typeface="맑은 고딕" charset="0"/>
+                <a:ea typeface="맑은 고딕" charset="0"/>
+              </a:rPr>
+              <a:t>크기를 설정합니다.</a:t>
+            </a:r>
+            <a:endParaRPr lang="ko-KR" altLang="en-US" sz="1800">
+              <a:latin typeface="맑은 고딕" charset="0"/>
+              <a:ea typeface="맑은 고딕" charset="0"/>
+            </a:endParaRPr>
+          </a:p>
+        </p:txBody>
+      </p:sp>
+      <p:pic>
+        <p:nvPicPr>
+          <p:cNvPr id="1279" name="그림 41" descr="C:/Users/nwond/AppData/Roaming/PolarisOffice/ETemp/20740_14037000/fImage188544285724.png"/>
+          <p:cNvPicPr>
+            <a:picLocks noChangeAspect="1"/>
+          </p:cNvPicPr>
+          <p:nvPr/>
+        </p:nvPicPr>
+        <p:blipFill rotWithShape="1">
+          <a:blip r:embed="rId4" cstate="print">
+            <a:extLst>
+              <a:ext uri="{28A0092B-C50C-407E-A947-70E740481C1C}">
+                <a14:useLocalDpi xmlns:a14="http://schemas.microsoft.com/office/drawing/2010/main" val="0"/>
+              </a:ext>
+            </a:extLst>
+          </a:blip>
+          <a:stretch>
+            <a:fillRect/>
+          </a:stretch>
+        </p:blipFill>
+        <p:spPr>
+          <a:xfrm rot="0">
+            <a:off x="6822440" y="3833495"/>
+            <a:ext cx="4130040" cy="1642745"/>
+          </a:xfrm>
+          <a:prstGeom prst="roundRect"/>
+          <a:solidFill>
+            <a:srgbClr val="EDEDED"/>
+          </a:solidFill>
+        </p:spPr>
+      </p:pic>
+      <p:pic>
+        <p:nvPicPr>
+          <p:cNvPr id="1280" name="그림 47" descr="C:/Users/nwond/AppData/Roaming/PolarisOffice/ETemp/20740_14037000/fImage48164301478.png"/>
+          <p:cNvPicPr>
+            <a:picLocks noChangeAspect="1"/>
+          </p:cNvPicPr>
+          <p:nvPr/>
+        </p:nvPicPr>
+        <p:blipFill rotWithShape="1">
+          <a:blip r:embed="rId5" cstate="print">
+            <a:extLst>
+              <a:ext uri="{28A0092B-C50C-407E-A947-70E740481C1C}">
+                <a14:useLocalDpi xmlns:a14="http://schemas.microsoft.com/office/drawing/2010/main" val="0"/>
+              </a:ext>
+            </a:extLst>
+          </a:blip>
+          <a:stretch>
+            <a:fillRect/>
+          </a:stretch>
+        </p:blipFill>
+        <p:spPr>
+          <a:xfrm rot="0">
+            <a:off x="6821170" y="1461135"/>
+            <a:ext cx="4125595" cy="1256665"/>
+          </a:xfrm>
+          <a:prstGeom prst="roundRect"/>
+          <a:solidFill>
+            <a:srgbClr val="EDEDED"/>
+          </a:solidFill>
+        </p:spPr>
+      </p:pic>
+    </p:spTree>
+  </p:cSld>
+  <p:clrMapOvr>
+    <a:masterClrMapping/>
+  </p:clrMapOvr>
+  <mc:AlternateContent xmlns:mc="http://schemas.openxmlformats.org/markup-compatibility/2006">
+    <mc:Choice xmlns:p14="http://schemas.microsoft.com/office/powerpoint/2010/main" Requires="p14">
+      <p:transition spd="slow" p14:dur="2000"/>
+    </mc:Choice>
+    <mc:Fallback>
+      <p:transition spd="slow"/>
+    </mc:Fallback>
+  </mc:AlternateContent>
+  <p:timing>
+    <p:tnLst>
+      <p:par>
+        <p:cTn id="1" dur="indefinite" restart="never" nodeType="tmRoot"/>
+      </p:par>
+    </p:tnLst>
+  </p:timing>
+</p:sld>
+</file>
+
+<file path=ppt/slides/slide22.xml><?xml version="1.0" encoding="utf-8"?>
+<p:sld xmlns:a="http://schemas.openxmlformats.org/drawingml/2006/main" xmlns:r="http://schemas.openxmlformats.org/officeDocument/2006/relationships" xmlns:p="http://schemas.openxmlformats.org/presentationml/2006/main">
+  <p:cSld>
+    <p:spTree>
+      <p:nvGrpSpPr>
+        <p:cNvPr id="1" name=""/>
+        <p:cNvGrpSpPr/>
+        <p:nvPr/>
+      </p:nvGrpSpPr>
+      <p:grpSpPr>
+        <a:xfrm>
+          <a:off x="0" y="0"/>
+          <a:ext cx="0" cy="0"/>
+          <a:chOff x="0" y="0"/>
+          <a:chExt cx="0" cy="0"/>
+        </a:xfrm>
+      </p:grpSpPr>
+      <p:sp>
+        <p:nvSpPr>
+          <p:cNvPr id="1031" name="Rect 0"/>
+          <p:cNvSpPr txBox="1">
+            <a:spLocks/>
+          </p:cNvSpPr>
+          <p:nvPr/>
+        </p:nvSpPr>
+        <p:spPr>
+          <a:xfrm rot="0">
+            <a:off x="4319270" y="354965"/>
+            <a:ext cx="3550920" cy="478155"/>
+          </a:xfrm>
+          <a:prstGeom prst="rect"/>
+          <a:noFill/>
+          <a:ln w="0">
+            <a:noFill/>
+            <a:prstDash/>
+          </a:ln>
+        </p:spPr>
+        <p:txBody>
+          <a:bodyPr wrap="square" lIns="89535" tIns="46355" rIns="89535" bIns="46355" numCol="1" vert="horz" anchor="t">
+            <a:spAutoFit/>
+          </a:bodyPr>
+          <a:lstStyle/>
+          <a:p>
+            <a:pPr marL="0" indent="0" algn="ctr" latinLnBrk="0">
+              <a:buFontTx/>
+              <a:buNone/>
+            </a:pPr>
+            <a:r>
+              <a:rPr lang="ko-KR" altLang="en-US" sz="2500" b="1">
+                <a:solidFill>
+                  <a:schemeClr val="tx1"/>
+                </a:solidFill>
+                <a:latin typeface="나눔바른고딕" charset="0"/>
+                <a:ea typeface="나눔바른고딕" charset="0"/>
+              </a:rPr>
+              <a:t>스물두</a:t>
+            </a:r>
+            <a:r>
+              <a:rPr lang="ko-KR" altLang="en-US" sz="2500" b="1">
+                <a:solidFill>
+                  <a:schemeClr val="tx1"/>
+                </a:solidFill>
+                <a:latin typeface="나눔바른고딕" charset="0"/>
+                <a:ea typeface="나눔바른고딕" charset="0"/>
+              </a:rPr>
+              <a:t>  번째 튜토리얼</a:t>
+            </a:r>
+            <a:endParaRPr lang="ko-KR" altLang="en-US" sz="2500" b="1">
+              <a:solidFill>
+                <a:schemeClr val="tx1"/>
+              </a:solidFill>
+              <a:latin typeface="나눔바른고딕" charset="0"/>
+              <a:ea typeface="나눔바른고딕" charset="0"/>
+            </a:endParaRPr>
+          </a:p>
+        </p:txBody>
+      </p:sp>
+      <p:sp>
+        <p:nvSpPr>
+          <p:cNvPr id="1263" name="Rect 0"/>
+          <p:cNvSpPr txBox="1">
+            <a:spLocks/>
+          </p:cNvSpPr>
+          <p:nvPr/>
+        </p:nvSpPr>
+        <p:spPr>
+          <a:xfrm rot="0">
+            <a:off x="6814185" y="4195445"/>
+            <a:ext cx="4144645" cy="2031365"/>
+          </a:xfrm>
+          <a:prstGeom prst="rect"/>
+          <a:noFill/>
+          <a:ln w="0">
+            <a:noFill/>
+            <a:prstDash/>
+          </a:ln>
+        </p:spPr>
+        <p:txBody>
+          <a:bodyPr wrap="square" lIns="89535" tIns="46355" rIns="89535" bIns="46355" numCol="1" vert="horz" anchor="t">
+            <a:spAutoFit/>
+          </a:bodyPr>
+          <a:lstStyle/>
+          <a:p>
+            <a:pPr marL="0" indent="0" rtl="0" algn="l" defTabSz="914400" eaLnBrk="1" latinLnBrk="0" hangingPunct="1">
+              <a:buFontTx/>
+              <a:buNone/>
+            </a:pPr>
+            <a:r>
+              <a:rPr sz="1800" b="1">
+                <a:solidFill>
+                  <a:srgbClr val="0611F2"/>
+                </a:solidFill>
+                <a:latin typeface="맑은 고딕" charset="0"/>
+                <a:ea typeface="맑은 고딕" charset="0"/>
+              </a:rPr>
+              <a:t>6</a:t>
+            </a:r>
+            <a:r>
+              <a:rPr sz="1800" b="1">
+                <a:solidFill>
+                  <a:srgbClr val="0611F2"/>
+                </a:solidFill>
+                <a:latin typeface="맑은 고딕" charset="0"/>
+                <a:ea typeface="맑은 고딕" charset="0"/>
+              </a:rPr>
+              <a:t>3.</a:t>
+            </a:r>
+            <a:r>
+              <a:rPr sz="1800">
+                <a:latin typeface="맑은 고딕" charset="0"/>
+                <a:ea typeface="맑은 고딕" charset="0"/>
+              </a:rPr>
+              <a:t> </a:t>
+            </a:r>
+            <a:r>
+              <a:rPr lang="ko-KR" sz="1800">
+                <a:latin typeface="맑은 고딕" charset="0"/>
+                <a:ea typeface="맑은 고딕" charset="0"/>
+              </a:rPr>
+              <a:t>그</a:t>
+            </a:r>
+            <a:r>
+              <a:rPr lang="ko-KR" sz="1800">
+                <a:latin typeface="맑은 고딕" charset="0"/>
+                <a:ea typeface="맑은 고딕" charset="0"/>
+              </a:rPr>
+              <a:t>런 다음</a:t>
+            </a:r>
+            <a:r>
+              <a:rPr lang="ko-KR" sz="1800">
+                <a:latin typeface="맑은 고딕" charset="0"/>
+                <a:ea typeface="맑은 고딕" charset="0"/>
+              </a:rPr>
+              <a:t> </a:t>
+            </a:r>
+            <a:r>
+              <a:rPr lang="ko-KR" sz="1800">
+                <a:latin typeface="맑은 고딕" charset="0"/>
+                <a:ea typeface="맑은 고딕" charset="0"/>
+              </a:rPr>
+              <a:t>Informati</a:t>
+            </a:r>
+            <a:r>
+              <a:rPr lang="ko-KR" sz="1800">
+                <a:latin typeface="맑은 고딕" charset="0"/>
+                <a:ea typeface="맑은 고딕" charset="0"/>
+              </a:rPr>
+              <a:t>o</a:t>
+            </a:r>
+            <a:r>
+              <a:rPr lang="ko-KR" sz="1800">
+                <a:latin typeface="맑은 고딕" charset="0"/>
+                <a:ea typeface="맑은 고딕" charset="0"/>
+              </a:rPr>
+              <a:t>n Window</a:t>
+            </a:r>
+            <a:r>
+              <a:rPr lang="ko-KR" sz="1800">
+                <a:latin typeface="맑은 고딕" charset="0"/>
+                <a:ea typeface="맑은 고딕" charset="0"/>
+              </a:rPr>
+              <a:t> 오브젝트의 </a:t>
+            </a:r>
+            <a:r>
+              <a:rPr lang="ko-KR" sz="1800">
+                <a:latin typeface="맑은 고딕" charset="0"/>
+                <a:ea typeface="맑은 고딕" charset="0"/>
+              </a:rPr>
+              <a:t>Video Player 컴포넌트 속성에 Aspect Ratio를 Stretch로 설정합니다.</a:t>
+            </a:r>
+            <a:endParaRPr lang="ko-KR" altLang="en-US" sz="1800">
+              <a:latin typeface="맑은 고딕" charset="0"/>
+              <a:ea typeface="맑은 고딕" charset="0"/>
+            </a:endParaRPr>
+          </a:p>
+          <a:p>
+            <a:pPr marL="0" indent="0" rtl="0" algn="l" defTabSz="914400" eaLnBrk="1" latinLnBrk="0" hangingPunct="1">
+              <a:buFontTx/>
+              <a:buNone/>
+            </a:pPr>
+            <a:endParaRPr lang="ko-KR" altLang="en-US" sz="1800">
+              <a:latin typeface="맑은 고딕" charset="0"/>
+              <a:ea typeface="맑은 고딕" charset="0"/>
+            </a:endParaRPr>
+          </a:p>
+          <a:p>
+            <a:pPr marL="0" indent="0" rtl="0" algn="l" defTabSz="914400" eaLnBrk="1" latinLnBrk="0" hangingPunct="1">
+              <a:buFontTx/>
+              <a:buNone/>
+            </a:pPr>
+            <a:r>
+              <a:rPr lang="ko-KR" sz="1800">
+                <a:latin typeface="맑은 고딕" charset="0"/>
+                <a:ea typeface="맑은 고딕" charset="0"/>
+              </a:rPr>
+              <a:t>그다음</a:t>
+            </a:r>
+            <a:r>
+              <a:rPr lang="ko-KR" sz="1800">
+                <a:latin typeface="맑은 고딕" charset="0"/>
+                <a:ea typeface="맑은 고딕" charset="0"/>
+              </a:rPr>
+              <a:t>으로</a:t>
+            </a:r>
+            <a:r>
+              <a:rPr lang="ko-KR" sz="1800">
+                <a:latin typeface="맑은 고딕" charset="0"/>
+                <a:ea typeface="맑은 고딕" charset="0"/>
+              </a:rPr>
+              <a:t> </a:t>
+            </a:r>
+            <a:r>
+              <a:rPr lang="ko-KR" sz="1800">
+                <a:latin typeface="맑은 고딕" charset="0"/>
+                <a:ea typeface="맑은 고딕" charset="0"/>
+              </a:rPr>
+              <a:t>R</a:t>
+            </a:r>
+            <a:r>
+              <a:rPr lang="ko-KR" sz="1800">
+                <a:latin typeface="맑은 고딕" charset="0"/>
+                <a:ea typeface="맑은 고딕" charset="0"/>
+              </a:rPr>
+              <a:t>ender Mode</a:t>
+            </a:r>
+            <a:r>
+              <a:rPr lang="ko-KR" sz="1800">
+                <a:latin typeface="맑은 고딕" charset="0"/>
+                <a:ea typeface="맑은 고딕" charset="0"/>
+              </a:rPr>
+              <a:t>를 </a:t>
+            </a:r>
+            <a:r>
+              <a:rPr lang="ko-KR" sz="1800">
+                <a:latin typeface="맑은 고딕" charset="0"/>
+                <a:ea typeface="맑은 고딕" charset="0"/>
+              </a:rPr>
+              <a:t>Render Texture로 설정합니다.</a:t>
+            </a:r>
+            <a:r>
+              <a:rPr lang="ko-KR" sz="1800">
+                <a:latin typeface="맑은 고딕" charset="0"/>
+                <a:ea typeface="맑은 고딕" charset="0"/>
+              </a:rPr>
+              <a:t> </a:t>
+            </a:r>
+            <a:endParaRPr lang="ko-KR" altLang="en-US" sz="1800">
+              <a:latin typeface="맑은 고딕" charset="0"/>
+              <a:ea typeface="맑은 고딕" charset="0"/>
+            </a:endParaRPr>
+          </a:p>
+        </p:txBody>
+      </p:sp>
+      <p:pic>
+        <p:nvPicPr>
+          <p:cNvPr id="1275" name="Picture " descr="C:/Users/nwond/AppData/Roaming/PolarisOffice/ETemp/20740_14037000/fImage181764149358.png"/>
+          <p:cNvPicPr>
+            <a:picLocks noChangeAspect="1"/>
+          </p:cNvPicPr>
+          <p:nvPr/>
+        </p:nvPicPr>
+        <p:blipFill rotWithShape="1">
+          <a:blip r:embed="rId2" cstate="print">
+            <a:extLst>
+              <a:ext uri="{28A0092B-C50C-407E-A947-70E740481C1C}">
+                <a14:useLocalDpi xmlns:a14="http://schemas.microsoft.com/office/drawing/2010/main" val="0"/>
+              </a:ext>
+            </a:extLst>
+          </a:blip>
+          <a:stretch>
+            <a:fillRect/>
+          </a:stretch>
+        </p:blipFill>
+        <p:spPr>
+          <a:xfrm rot="0">
+            <a:off x="1243965" y="1454785"/>
+            <a:ext cx="4136390" cy="2240915"/>
+          </a:xfrm>
+          <a:prstGeom prst="roundRect"/>
+          <a:solidFill>
+            <a:srgbClr val="EDEDED"/>
+          </a:solidFill>
+        </p:spPr>
+      </p:pic>
+      <p:pic>
+        <p:nvPicPr>
+          <p:cNvPr id="1276" name="Picture " descr="C:/Users/nwond/AppData/Roaming/PolarisOffice/ETemp/20740_14037000/fImage190964156962.png"/>
+          <p:cNvPicPr>
+            <a:picLocks noChangeAspect="1"/>
+          </p:cNvPicPr>
+          <p:nvPr/>
+        </p:nvPicPr>
+        <p:blipFill rotWithShape="1">
+          <a:blip r:embed="rId3" cstate="print">
+            <a:extLst>
+              <a:ext uri="{28A0092B-C50C-407E-A947-70E740481C1C}">
+                <a14:useLocalDpi xmlns:a14="http://schemas.microsoft.com/office/drawing/2010/main" val="0"/>
+              </a:ext>
+            </a:extLst>
+          </a:blip>
+          <a:stretch>
+            <a:fillRect/>
+          </a:stretch>
+        </p:blipFill>
+        <p:spPr>
+          <a:xfrm rot="0">
+            <a:off x="1245235" y="3857625"/>
+            <a:ext cx="4128770" cy="1050925"/>
+          </a:xfrm>
+          <a:prstGeom prst="roundRect"/>
+          <a:solidFill>
+            <a:srgbClr val="EDEDED"/>
+          </a:solidFill>
+        </p:spPr>
+      </p:pic>
+      <p:sp>
+        <p:nvSpPr>
+          <p:cNvPr id="1277" name="텍스트 상자 29"/>
+          <p:cNvSpPr txBox="1">
+            <a:spLocks/>
+          </p:cNvSpPr>
+          <p:nvPr/>
+        </p:nvSpPr>
+        <p:spPr>
+          <a:xfrm rot="0">
+            <a:off x="1245235" y="5022215"/>
+            <a:ext cx="4128770" cy="1200785"/>
+          </a:xfrm>
+          <a:prstGeom prst="rect"/>
+          <a:noFill/>
+          <a:ln w="0">
+            <a:noFill/>
+            <a:prstDash/>
+          </a:ln>
+        </p:spPr>
+        <p:txBody>
+          <a:bodyPr wrap="square" lIns="89535" tIns="46355" rIns="89535" bIns="46355" numCol="1" vert="horz" anchor="t">
+            <a:spAutoFit/>
+          </a:bodyPr>
+          <a:lstStyle/>
+          <a:p>
+            <a:pPr marL="0" indent="0" rtl="0" algn="l" defTabSz="914400" eaLnBrk="1" latinLnBrk="0" hangingPunct="1">
+              <a:buFontTx/>
+              <a:buNone/>
+            </a:pPr>
+            <a:r>
+              <a:rPr sz="1800" b="1">
+                <a:solidFill>
+                  <a:srgbClr val="0611F2"/>
+                </a:solidFill>
+                <a:latin typeface="맑은 고딕" charset="0"/>
+                <a:ea typeface="맑은 고딕" charset="0"/>
+              </a:rPr>
+              <a:t>6</a:t>
+            </a:r>
+            <a:r>
+              <a:rPr lang="ko-KR" sz="1800" b="1">
+                <a:solidFill>
+                  <a:srgbClr val="0611F2"/>
+                </a:solidFill>
+                <a:latin typeface="맑은 고딕" charset="0"/>
+                <a:ea typeface="맑은 고딕" charset="0"/>
+              </a:rPr>
+              <a:t>2</a:t>
+            </a:r>
+            <a:r>
+              <a:rPr sz="1800" b="1">
+                <a:solidFill>
+                  <a:srgbClr val="0611F2"/>
+                </a:solidFill>
+                <a:latin typeface="맑은 고딕" charset="0"/>
+                <a:ea typeface="맑은 고딕" charset="0"/>
+              </a:rPr>
+              <a:t>.</a:t>
+            </a:r>
+            <a:r>
+              <a:rPr sz="1800">
+                <a:latin typeface="맑은 고딕" charset="0"/>
+                <a:ea typeface="맑은 고딕" charset="0"/>
+              </a:rPr>
+              <a:t> </a:t>
+            </a:r>
+            <a:r>
+              <a:rPr lang="ko-KR" sz="1800">
+                <a:latin typeface="맑은 고딕" charset="0"/>
+                <a:ea typeface="맑은 고딕" charset="0"/>
+              </a:rPr>
+              <a:t>그</a:t>
+            </a:r>
+            <a:r>
+              <a:rPr lang="ko-KR" sz="1800">
+                <a:latin typeface="맑은 고딕" charset="0"/>
+                <a:ea typeface="맑은 고딕" charset="0"/>
+              </a:rPr>
+              <a:t>리고</a:t>
+            </a:r>
+            <a:r>
+              <a:rPr lang="ko-KR" sz="1800">
+                <a:latin typeface="맑은 고딕" charset="0"/>
+                <a:ea typeface="맑은 고딕" charset="0"/>
+              </a:rPr>
+              <a:t> </a:t>
+            </a:r>
+            <a:r>
+              <a:rPr lang="ko-KR" sz="1800">
+                <a:latin typeface="맑은 고딕" charset="0"/>
+                <a:ea typeface="맑은 고딕" charset="0"/>
+              </a:rPr>
+              <a:t>P</a:t>
+            </a:r>
+            <a:r>
+              <a:rPr lang="ko-KR" sz="1800">
+                <a:latin typeface="맑은 고딕" charset="0"/>
+                <a:ea typeface="맑은 고딕" charset="0"/>
+              </a:rPr>
+              <a:t>roject 폴더 아</a:t>
+            </a:r>
+            <a:r>
+              <a:rPr lang="ko-KR" sz="1800">
+                <a:latin typeface="맑은 고딕" charset="0"/>
+                <a:ea typeface="맑은 고딕" charset="0"/>
+              </a:rPr>
+              <a:t>래에 </a:t>
+            </a:r>
+            <a:r>
+              <a:rPr lang="ko-KR" sz="1800">
+                <a:latin typeface="맑은 고딕" charset="0"/>
+                <a:ea typeface="맑은 고딕" charset="0"/>
+              </a:rPr>
+              <a:t>있는 </a:t>
+            </a:r>
+            <a:r>
+              <a:rPr lang="ko-KR" sz="1800">
+                <a:latin typeface="맑은 고딕" charset="0"/>
+                <a:ea typeface="맑은 고딕" charset="0"/>
+              </a:rPr>
+              <a:t>T</a:t>
+            </a:r>
+            <a:r>
+              <a:rPr lang="ko-KR" sz="1800">
+                <a:latin typeface="맑은 고딕" charset="0"/>
+                <a:ea typeface="맑은 고딕" charset="0"/>
+              </a:rPr>
+              <a:t>exture 폴더에 </a:t>
+            </a:r>
+            <a:r>
+              <a:rPr lang="ko-KR" sz="1800">
+                <a:latin typeface="맑은 고딕" charset="0"/>
+                <a:ea typeface="맑은 고딕" charset="0"/>
+              </a:rPr>
+              <a:t>3D</a:t>
+            </a:r>
+            <a:r>
+              <a:rPr lang="ko-KR" sz="1800">
+                <a:latin typeface="맑은 고딕" charset="0"/>
+                <a:ea typeface="맑은 고딕" charset="0"/>
+              </a:rPr>
+              <a:t> </a:t>
+            </a:r>
+            <a:r>
+              <a:rPr lang="ko-KR" sz="1800">
+                <a:latin typeface="맑은 고딕" charset="0"/>
+                <a:ea typeface="맑은 고딕" charset="0"/>
+              </a:rPr>
+              <a:t>W</a:t>
+            </a:r>
+            <a:r>
+              <a:rPr lang="ko-KR" sz="1800">
+                <a:latin typeface="맑은 고딕" charset="0"/>
+                <a:ea typeface="맑은 고딕" charset="0"/>
+              </a:rPr>
+              <a:t>indow</a:t>
+            </a:r>
+            <a:r>
+              <a:rPr lang="ko-KR" sz="1800">
+                <a:latin typeface="맑은 고딕" charset="0"/>
+                <a:ea typeface="맑은 고딕" charset="0"/>
+              </a:rPr>
+              <a:t> 텍스처</a:t>
+            </a:r>
+            <a:r>
+              <a:rPr lang="ko-KR" sz="1800">
+                <a:latin typeface="맑은 고딕" charset="0"/>
+                <a:ea typeface="맑은 고딕" charset="0"/>
+              </a:rPr>
+              <a:t>를 Informati</a:t>
+            </a:r>
+            <a:r>
+              <a:rPr lang="ko-KR" sz="1800">
+                <a:latin typeface="맑은 고딕" charset="0"/>
+                <a:ea typeface="맑은 고딕" charset="0"/>
+              </a:rPr>
+              <a:t>o</a:t>
+            </a:r>
+            <a:r>
+              <a:rPr lang="ko-KR" sz="1800">
+                <a:latin typeface="맑은 고딕" charset="0"/>
+                <a:ea typeface="맑은 고딕" charset="0"/>
+              </a:rPr>
+              <a:t>n Window</a:t>
+            </a:r>
+            <a:r>
+              <a:rPr lang="ko-KR" sz="1800">
+                <a:latin typeface="맑은 고딕" charset="0"/>
+                <a:ea typeface="맑은 고딕" charset="0"/>
+              </a:rPr>
+              <a:t> 오브젝트의 </a:t>
+            </a:r>
+            <a:r>
+              <a:rPr lang="ko-KR" sz="1800">
+                <a:latin typeface="맑은 고딕" charset="0"/>
+                <a:ea typeface="맑은 고딕" charset="0"/>
+              </a:rPr>
+              <a:t>Source </a:t>
+            </a:r>
+            <a:r>
+              <a:rPr lang="ko-KR" sz="1800">
+                <a:latin typeface="맑은 고딕" charset="0"/>
+                <a:ea typeface="맑은 고딕" charset="0"/>
+              </a:rPr>
+              <a:t>I</a:t>
+            </a:r>
+            <a:r>
+              <a:rPr lang="ko-KR" sz="1800">
+                <a:latin typeface="맑은 고딕" charset="0"/>
+                <a:ea typeface="맑은 고딕" charset="0"/>
+              </a:rPr>
+              <a:t>mage에 넣어줍니다. </a:t>
+            </a:r>
+            <a:endParaRPr lang="ko-KR" altLang="en-US" sz="1800">
+              <a:latin typeface="맑은 고딕" charset="0"/>
+              <a:ea typeface="맑은 고딕" charset="0"/>
+            </a:endParaRPr>
+          </a:p>
+        </p:txBody>
+      </p:sp>
+      <p:cxnSp>
+        <p:nvCxnSpPr>
+          <p:cNvPr id="1278" name="도형 32"/>
+          <p:cNvCxnSpPr/>
+          <p:nvPr/>
+        </p:nvCxnSpPr>
+        <p:spPr>
+          <a:xfrm rot="0" flipV="1">
+            <a:off x="3369310" y="1786890"/>
+            <a:ext cx="1920240" cy="2361565"/>
+          </a:xfrm>
+          <a:prstGeom prst="straightConnector1"/>
+          <a:ln w="6350" cap="flat" cmpd="sng">
+            <a:prstDash/>
+            <a:headEnd type="none" w="med" len="med"/>
+            <a:tailEnd type="triangle" w="med" len="med"/>
+          </a:ln>
+        </p:spPr>
+        <p:style>
+          <a:lnRef idx="1">
+            <a:schemeClr val="accent1"/>
+          </a:lnRef>
+          <a:fillRef idx="0">
+            <a:schemeClr val="accent1"/>
+          </a:fillRef>
+          <a:effectRef idx="0">
+            <a:schemeClr val="accent1"/>
+          </a:effectRef>
+          <a:fontRef idx="minor">
+            <a:schemeClr val="tx1"/>
+          </a:fontRef>
+        </p:style>
+      </p:cxnSp>
+      <p:pic>
+        <p:nvPicPr>
+          <p:cNvPr id="1279" name="그림 44" descr="C:/Users/nwond/AppData/Roaming/PolarisOffice/ETemp/20740_14037000/fImage229494294464.png"/>
+          <p:cNvPicPr>
+            <a:picLocks noChangeAspect="1"/>
+          </p:cNvPicPr>
+          <p:nvPr/>
+        </p:nvPicPr>
+        <p:blipFill rotWithShape="1">
+          <a:blip r:embed="rId4" cstate="print">
+            <a:extLst>
+              <a:ext uri="{28A0092B-C50C-407E-A947-70E740481C1C}">
+                <a14:useLocalDpi xmlns:a14="http://schemas.microsoft.com/office/drawing/2010/main" val="0"/>
+              </a:ext>
+            </a:extLst>
+          </a:blip>
+          <a:stretch>
+            <a:fillRect/>
+          </a:stretch>
+        </p:blipFill>
+        <p:spPr>
+          <a:xfrm rot="0">
+            <a:off x="6822440" y="1458595"/>
+            <a:ext cx="4142105" cy="2574925"/>
+          </a:xfrm>
+          <a:prstGeom prst="roundRect"/>
+          <a:solidFill>
+            <a:srgbClr val="EDEDED"/>
+          </a:solidFill>
+        </p:spPr>
+      </p:pic>
+    </p:spTree>
+  </p:cSld>
+  <p:clrMapOvr>
+    <a:masterClrMapping/>
+  </p:clrMapOvr>
+  <mc:AlternateContent xmlns:mc="http://schemas.openxmlformats.org/markup-compatibility/2006">
+    <mc:Choice xmlns:p14="http://schemas.microsoft.com/office/powerpoint/2010/main" Requires="p14">
+      <p:transition spd="slow" p14:dur="2000"/>
+    </mc:Choice>
+    <mc:Fallback>
+      <p:transition spd="slow"/>
+    </mc:Fallback>
+  </mc:AlternateContent>
+  <p:timing>
+    <p:tnLst>
+      <p:par>
+        <p:cTn id="1" dur="indefinite" restart="never" nodeType="tmRoot"/>
+      </p:par>
+    </p:tnLst>
+  </p:timing>
+</p:sld>
+</file>
+
+<file path=ppt/slides/slide23.xml><?xml version="1.0" encoding="utf-8"?>
+<p:sld xmlns:a="http://schemas.openxmlformats.org/drawingml/2006/main" xmlns:r="http://schemas.openxmlformats.org/officeDocument/2006/relationships" xmlns:p="http://schemas.openxmlformats.org/presentationml/2006/main">
+  <p:cSld>
+    <p:spTree>
+      <p:nvGrpSpPr>
+        <p:cNvPr id="1" name=""/>
+        <p:cNvGrpSpPr/>
+        <p:nvPr/>
+      </p:nvGrpSpPr>
+      <p:grpSpPr>
+        <a:xfrm>
+          <a:off x="0" y="0"/>
+          <a:ext cx="0" cy="0"/>
+          <a:chOff x="0" y="0"/>
+          <a:chExt cx="0" cy="0"/>
+        </a:xfrm>
+      </p:grpSpPr>
+      <p:sp>
+        <p:nvSpPr>
+          <p:cNvPr id="1031" name="Rect 0"/>
+          <p:cNvSpPr txBox="1">
+            <a:spLocks/>
+          </p:cNvSpPr>
+          <p:nvPr/>
+        </p:nvSpPr>
+        <p:spPr>
+          <a:xfrm rot="0">
+            <a:off x="4319270" y="354965"/>
+            <a:ext cx="3550920" cy="478155"/>
+          </a:xfrm>
+          <a:prstGeom prst="rect"/>
+          <a:noFill/>
+          <a:ln w="0">
+            <a:noFill/>
+            <a:prstDash/>
+          </a:ln>
+        </p:spPr>
+        <p:txBody>
+          <a:bodyPr wrap="square" lIns="89535" tIns="46355" rIns="89535" bIns="46355" numCol="1" vert="horz" anchor="t">
+            <a:spAutoFit/>
+          </a:bodyPr>
+          <a:lstStyle/>
+          <a:p>
+            <a:pPr marL="0" indent="0" algn="ctr" latinLnBrk="0">
+              <a:buFontTx/>
+              <a:buNone/>
+            </a:pPr>
+            <a:r>
+              <a:rPr lang="ko-KR" altLang="en-US" sz="2500" b="1">
+                <a:solidFill>
+                  <a:schemeClr val="tx1"/>
+                </a:solidFill>
+                <a:latin typeface="나눔바른고딕" charset="0"/>
+                <a:ea typeface="나눔바른고딕" charset="0"/>
+              </a:rPr>
+              <a:t>스물세</a:t>
+            </a:r>
+            <a:r>
+              <a:rPr lang="ko-KR" altLang="en-US" sz="2500" b="1">
+                <a:solidFill>
+                  <a:schemeClr val="tx1"/>
+                </a:solidFill>
+                <a:latin typeface="나눔바른고딕" charset="0"/>
+                <a:ea typeface="나눔바른고딕" charset="0"/>
+              </a:rPr>
+              <a:t>  번째 튜토리얼</a:t>
+            </a:r>
+            <a:endParaRPr lang="ko-KR" altLang="en-US" sz="2500" b="1">
+              <a:solidFill>
+                <a:schemeClr val="tx1"/>
+              </a:solidFill>
+              <a:latin typeface="나눔바른고딕" charset="0"/>
+              <a:ea typeface="나눔바른고딕" charset="0"/>
+            </a:endParaRPr>
+          </a:p>
+        </p:txBody>
+      </p:sp>
+      <p:sp>
+        <p:nvSpPr>
+          <p:cNvPr id="1263" name="Rect 0"/>
+          <p:cNvSpPr txBox="1">
+            <a:spLocks/>
+          </p:cNvSpPr>
+          <p:nvPr/>
+        </p:nvSpPr>
+        <p:spPr>
+          <a:xfrm rot="0">
+            <a:off x="6820535" y="5022850"/>
+            <a:ext cx="4144645" cy="1200785"/>
+          </a:xfrm>
+          <a:prstGeom prst="rect"/>
+          <a:noFill/>
+          <a:ln w="0">
+            <a:noFill/>
+            <a:prstDash/>
+          </a:ln>
+        </p:spPr>
+        <p:txBody>
+          <a:bodyPr wrap="square" lIns="89535" tIns="46355" rIns="89535" bIns="46355" numCol="1" vert="horz" anchor="t">
+            <a:spAutoFit/>
+          </a:bodyPr>
+          <a:lstStyle/>
+          <a:p>
+            <a:pPr marL="0" indent="0" rtl="0" algn="l" defTabSz="914400" eaLnBrk="1" latinLnBrk="0" hangingPunct="1">
+              <a:buFontTx/>
+              <a:buNone/>
+            </a:pPr>
+            <a:r>
+              <a:rPr sz="1800" b="1">
+                <a:solidFill>
+                  <a:srgbClr val="0611F2"/>
+                </a:solidFill>
+                <a:latin typeface="맑은 고딕" charset="0"/>
+                <a:ea typeface="맑은 고딕" charset="0"/>
+              </a:rPr>
+              <a:t>6</a:t>
+            </a:r>
+            <a:r>
+              <a:rPr lang="ko-KR" sz="1800" b="1">
+                <a:solidFill>
+                  <a:srgbClr val="0611F2"/>
+                </a:solidFill>
+                <a:latin typeface="맑은 고딕" charset="0"/>
+                <a:ea typeface="맑은 고딕" charset="0"/>
+              </a:rPr>
+              <a:t>5</a:t>
+            </a:r>
+            <a:r>
+              <a:rPr sz="1800" b="1">
+                <a:solidFill>
+                  <a:srgbClr val="0611F2"/>
+                </a:solidFill>
+                <a:latin typeface="맑은 고딕" charset="0"/>
+                <a:ea typeface="맑은 고딕" charset="0"/>
+              </a:rPr>
+              <a:t>.</a:t>
+            </a:r>
+            <a:r>
+              <a:rPr sz="1800">
+                <a:latin typeface="맑은 고딕" charset="0"/>
+                <a:ea typeface="맑은 고딕" charset="0"/>
+              </a:rPr>
+              <a:t> </a:t>
+            </a:r>
+            <a:r>
+              <a:rPr lang="ko-KR" sz="1800">
+                <a:latin typeface="맑은 고딕" charset="0"/>
+                <a:ea typeface="맑은 고딕" charset="0"/>
+              </a:rPr>
+              <a:t>마지막으로</a:t>
+            </a:r>
+            <a:r>
+              <a:rPr lang="ko-KR" sz="1800">
+                <a:latin typeface="맑은 고딕" charset="0"/>
+                <a:ea typeface="맑은 고딕" charset="0"/>
+              </a:rPr>
+              <a:t> </a:t>
+            </a:r>
+            <a:r>
+              <a:rPr lang="ko-KR" sz="1800">
+                <a:latin typeface="맑은 고딕" charset="0"/>
+                <a:ea typeface="맑은 고딕" charset="0"/>
+              </a:rPr>
+              <a:t>P</a:t>
+            </a:r>
+            <a:r>
+              <a:rPr lang="ko-KR" sz="1800">
+                <a:latin typeface="맑은 고딕" charset="0"/>
+                <a:ea typeface="맑은 고딕" charset="0"/>
+              </a:rPr>
+              <a:t>roject 폴더 아래에 있는 Render Tex</a:t>
+            </a:r>
+            <a:r>
+              <a:rPr lang="ko-KR" sz="1800">
+                <a:latin typeface="맑은 고딕" charset="0"/>
+                <a:ea typeface="맑은 고딕" charset="0"/>
+              </a:rPr>
+              <a:t>t</a:t>
+            </a:r>
+            <a:r>
+              <a:rPr lang="ko-KR" sz="1800">
+                <a:latin typeface="맑은 고딕" charset="0"/>
+                <a:ea typeface="맑은 고딕" charset="0"/>
+              </a:rPr>
+              <a:t>ure 폴더에 Video Texture</a:t>
+            </a:r>
+            <a:r>
+              <a:rPr lang="ko-KR" sz="1800">
+                <a:latin typeface="맑은 고딕" charset="0"/>
+                <a:ea typeface="맑은 고딕" charset="0"/>
+              </a:rPr>
+              <a:t>를 Vi</a:t>
+            </a:r>
+            <a:r>
+              <a:rPr lang="ko-KR" sz="1800">
+                <a:latin typeface="맑은 고딕" charset="0"/>
+                <a:ea typeface="맑은 고딕" charset="0"/>
+              </a:rPr>
+              <a:t>deo Player의 </a:t>
+            </a:r>
+            <a:r>
+              <a:rPr lang="ko-KR" sz="1800">
+                <a:latin typeface="맑은 고딕" charset="0"/>
+                <a:ea typeface="맑은 고딕" charset="0"/>
+              </a:rPr>
+              <a:t>T</a:t>
+            </a:r>
+            <a:r>
+              <a:rPr lang="ko-KR" sz="1800">
+                <a:latin typeface="맑은 고딕" charset="0"/>
+                <a:ea typeface="맑은 고딕" charset="0"/>
+              </a:rPr>
+              <a:t>arget Texture</a:t>
+            </a:r>
+            <a:r>
+              <a:rPr lang="ko-KR" sz="1800">
+                <a:latin typeface="맑은 고딕" charset="0"/>
+                <a:ea typeface="맑은 고딕" charset="0"/>
+              </a:rPr>
+              <a:t>에 </a:t>
+            </a:r>
+            <a:r>
+              <a:rPr lang="ko-KR" sz="1800">
+                <a:latin typeface="맑은 고딕" charset="0"/>
+                <a:ea typeface="맑은 고딕" charset="0"/>
+              </a:rPr>
+              <a:t>넣어줍니다.</a:t>
+            </a:r>
+            <a:endParaRPr lang="ko-KR" altLang="en-US" sz="1800">
+              <a:latin typeface="맑은 고딕" charset="0"/>
+              <a:ea typeface="맑은 고딕" charset="0"/>
+            </a:endParaRPr>
+          </a:p>
+        </p:txBody>
+      </p:sp>
+      <p:sp>
+        <p:nvSpPr>
+          <p:cNvPr id="1277" name="Rect 0"/>
+          <p:cNvSpPr txBox="1">
+            <a:spLocks/>
+          </p:cNvSpPr>
+          <p:nvPr/>
+        </p:nvSpPr>
+        <p:spPr>
+          <a:xfrm rot="0">
+            <a:off x="1245235" y="5022215"/>
+            <a:ext cx="4135120" cy="1200785"/>
+          </a:xfrm>
+          <a:prstGeom prst="rect"/>
+          <a:noFill/>
+          <a:ln w="0">
+            <a:noFill/>
+            <a:prstDash/>
+          </a:ln>
+        </p:spPr>
+        <p:txBody>
+          <a:bodyPr wrap="square" lIns="89535" tIns="46355" rIns="89535" bIns="46355" numCol="1" vert="horz" anchor="t">
+            <a:spAutoFit/>
+          </a:bodyPr>
+          <a:lstStyle/>
+          <a:p>
+            <a:pPr marL="0" indent="0" rtl="0" algn="l" defTabSz="914400" eaLnBrk="1" latinLnBrk="0" hangingPunct="1">
+              <a:buFontTx/>
+              <a:buNone/>
+            </a:pPr>
+            <a:r>
+              <a:rPr sz="1800" b="1">
+                <a:solidFill>
+                  <a:srgbClr val="0611F2"/>
+                </a:solidFill>
+                <a:latin typeface="맑은 고딕" charset="0"/>
+                <a:ea typeface="맑은 고딕" charset="0"/>
+              </a:rPr>
+              <a:t>6</a:t>
+            </a:r>
+            <a:r>
+              <a:rPr lang="ko-KR" sz="1800" b="1">
+                <a:solidFill>
+                  <a:srgbClr val="0611F2"/>
+                </a:solidFill>
+                <a:latin typeface="맑은 고딕" charset="0"/>
+                <a:ea typeface="맑은 고딕" charset="0"/>
+              </a:rPr>
+              <a:t>4</a:t>
+            </a:r>
+            <a:r>
+              <a:rPr sz="1800" b="1">
+                <a:solidFill>
+                  <a:srgbClr val="0611F2"/>
+                </a:solidFill>
+                <a:latin typeface="맑은 고딕" charset="0"/>
+                <a:ea typeface="맑은 고딕" charset="0"/>
+              </a:rPr>
+              <a:t>.</a:t>
+            </a:r>
+            <a:r>
+              <a:rPr sz="1800">
+                <a:latin typeface="맑은 고딕" charset="0"/>
+                <a:ea typeface="맑은 고딕" charset="0"/>
+              </a:rPr>
+              <a:t> </a:t>
+            </a:r>
+            <a:r>
+              <a:rPr lang="ko-KR" sz="1800">
+                <a:latin typeface="맑은 고딕" charset="0"/>
+                <a:ea typeface="맑은 고딕" charset="0"/>
+              </a:rPr>
+              <a:t>그</a:t>
+            </a:r>
+            <a:r>
+              <a:rPr lang="ko-KR" sz="1800">
+                <a:latin typeface="맑은 고딕" charset="0"/>
+                <a:ea typeface="맑은 고딕" charset="0"/>
+              </a:rPr>
+              <a:t>러고 </a:t>
+            </a:r>
+            <a:r>
+              <a:rPr lang="ko-KR" sz="1800">
+                <a:latin typeface="맑은 고딕" charset="0"/>
+                <a:ea typeface="맑은 고딕" charset="0"/>
+              </a:rPr>
+              <a:t>나서</a:t>
+            </a:r>
+            <a:r>
+              <a:rPr lang="ko-KR" sz="1800">
+                <a:latin typeface="맑은 고딕" charset="0"/>
+                <a:ea typeface="맑은 고딕" charset="0"/>
+              </a:rPr>
+              <a:t> </a:t>
+            </a:r>
+            <a:r>
+              <a:rPr lang="ko-KR" sz="1800">
+                <a:latin typeface="맑은 고딕" charset="0"/>
+                <a:ea typeface="맑은 고딕" charset="0"/>
+              </a:rPr>
+              <a:t>P</a:t>
+            </a:r>
+            <a:r>
+              <a:rPr lang="ko-KR" sz="1800">
+                <a:latin typeface="맑은 고딕" charset="0"/>
+                <a:ea typeface="맑은 고딕" charset="0"/>
+              </a:rPr>
+              <a:t>roject 폴더 아</a:t>
+            </a:r>
+            <a:r>
+              <a:rPr lang="ko-KR" sz="1800">
+                <a:latin typeface="맑은 고딕" charset="0"/>
+                <a:ea typeface="맑은 고딕" charset="0"/>
+              </a:rPr>
+              <a:t>래에 </a:t>
+            </a:r>
+            <a:r>
+              <a:rPr lang="ko-KR" sz="1800">
+                <a:latin typeface="맑은 고딕" charset="0"/>
+                <a:ea typeface="맑은 고딕" charset="0"/>
+              </a:rPr>
+              <a:t>있는 </a:t>
+            </a:r>
+            <a:r>
+              <a:rPr lang="ko-KR" sz="1800">
+                <a:latin typeface="맑은 고딕" charset="0"/>
+                <a:ea typeface="맑은 고딕" charset="0"/>
+              </a:rPr>
+              <a:t>V</a:t>
+            </a:r>
+            <a:r>
+              <a:rPr lang="ko-KR" sz="1800">
+                <a:latin typeface="맑은 고딕" charset="0"/>
+                <a:ea typeface="맑은 고딕" charset="0"/>
+              </a:rPr>
+              <a:t>ideo Player 폴더에 </a:t>
+            </a:r>
+            <a:r>
+              <a:rPr lang="ko-KR" sz="1800">
+                <a:latin typeface="맑은 고딕" charset="0"/>
+                <a:ea typeface="맑은 고딕" charset="0"/>
+              </a:rPr>
+              <a:t>Ne</a:t>
+            </a:r>
+            <a:r>
+              <a:rPr lang="ko-KR" sz="1800">
+                <a:latin typeface="맑은 고딕" charset="0"/>
+                <a:ea typeface="맑은 고딕" charset="0"/>
+              </a:rPr>
+              <a:t>ws Video를 Video</a:t>
+            </a:r>
+            <a:r>
+              <a:rPr lang="ko-KR" sz="1800">
+                <a:latin typeface="맑은 고딕" charset="0"/>
+                <a:ea typeface="맑은 고딕" charset="0"/>
+              </a:rPr>
+              <a:t> </a:t>
+            </a:r>
+            <a:r>
+              <a:rPr lang="ko-KR" sz="1800">
+                <a:latin typeface="맑은 고딕" charset="0"/>
+                <a:ea typeface="맑은 고딕" charset="0"/>
+              </a:rPr>
+              <a:t>Pla</a:t>
+            </a:r>
+            <a:r>
+              <a:rPr lang="ko-KR" sz="1800">
+                <a:latin typeface="맑은 고딕" charset="0"/>
+                <a:ea typeface="맑은 고딕" charset="0"/>
+              </a:rPr>
+              <a:t>y</a:t>
+            </a:r>
+            <a:r>
+              <a:rPr lang="ko-KR" sz="1800">
+                <a:latin typeface="맑은 고딕" charset="0"/>
+                <a:ea typeface="맑은 고딕" charset="0"/>
+              </a:rPr>
+              <a:t>er의 Video Clip에 넣어줍니다.</a:t>
+            </a:r>
+            <a:endParaRPr lang="ko-KR" altLang="en-US" sz="1800">
+              <a:latin typeface="맑은 고딕" charset="0"/>
+              <a:ea typeface="맑은 고딕" charset="0"/>
+            </a:endParaRPr>
+          </a:p>
+        </p:txBody>
+      </p:sp>
+      <p:pic>
+        <p:nvPicPr>
+          <p:cNvPr id="1280" name="그림 50" descr="C:/Users/nwond/AppData/Roaming/PolarisOffice/ETemp/20740_14037000/fImage229344415705.png"/>
+          <p:cNvPicPr>
+            <a:picLocks noChangeAspect="1"/>
+          </p:cNvPicPr>
+          <p:nvPr/>
+        </p:nvPicPr>
+        <p:blipFill rotWithShape="1">
+          <a:blip r:embed="rId2" cstate="print">
+            <a:extLst>
+              <a:ext uri="{28A0092B-C50C-407E-A947-70E740481C1C}">
+                <a14:useLocalDpi xmlns:a14="http://schemas.microsoft.com/office/drawing/2010/main" val="0"/>
+              </a:ext>
+            </a:extLst>
+          </a:blip>
+          <a:stretch>
+            <a:fillRect/>
+          </a:stretch>
+        </p:blipFill>
+        <p:spPr>
+          <a:xfrm rot="0">
+            <a:off x="1244600" y="1454785"/>
+            <a:ext cx="4135755" cy="2228215"/>
+          </a:xfrm>
+          <a:prstGeom prst="roundRect"/>
+          <a:solidFill>
+            <a:srgbClr val="EDEDED"/>
+          </a:solidFill>
+        </p:spPr>
+      </p:pic>
+      <p:pic>
+        <p:nvPicPr>
+          <p:cNvPr id="1281" name="그림 53" descr="C:/Users/nwond/AppData/Roaming/PolarisOffice/ETemp/20740_14037000/fImage131144428145.png"/>
+          <p:cNvPicPr>
+            <a:picLocks noChangeAspect="1"/>
+          </p:cNvPicPr>
+          <p:nvPr/>
+        </p:nvPicPr>
+        <p:blipFill rotWithShape="1">
+          <a:blip r:embed="rId3" cstate="print">
+            <a:extLst>
+              <a:ext uri="{28A0092B-C50C-407E-A947-70E740481C1C}">
+                <a14:useLocalDpi xmlns:a14="http://schemas.microsoft.com/office/drawing/2010/main" val="0"/>
+              </a:ext>
+            </a:extLst>
+          </a:blip>
+          <a:stretch>
+            <a:fillRect/>
+          </a:stretch>
+        </p:blipFill>
+        <p:spPr>
+          <a:xfrm rot="0">
+            <a:off x="1247140" y="3869690"/>
+            <a:ext cx="4126865" cy="1027430"/>
+          </a:xfrm>
+          <a:prstGeom prst="roundRect"/>
+          <a:solidFill>
+            <a:srgbClr val="EDEDED"/>
+          </a:solidFill>
+        </p:spPr>
+      </p:pic>
+      <p:cxnSp>
+        <p:nvCxnSpPr>
+          <p:cNvPr id="1278" name="Rect 0"/>
+          <p:cNvCxnSpPr/>
+          <p:nvPr/>
+        </p:nvCxnSpPr>
+        <p:spPr>
+          <a:xfrm rot="0" flipV="1">
+            <a:off x="2958465" y="1786890"/>
+            <a:ext cx="2331085" cy="2451735"/>
+          </a:xfrm>
+          <a:prstGeom prst="straightConnector1"/>
+          <a:ln w="6350" cap="flat" cmpd="sng">
+            <a:prstDash/>
+            <a:headEnd type="none" w="med" len="med"/>
+            <a:tailEnd type="triangle" w="med" len="med"/>
+          </a:ln>
+        </p:spPr>
+        <p:style>
+          <a:lnRef idx="1">
+            <a:schemeClr val="accent1"/>
+          </a:lnRef>
+          <a:fillRef idx="0">
+            <a:schemeClr val="accent1"/>
+          </a:fillRef>
+          <a:effectRef idx="0">
+            <a:schemeClr val="accent1"/>
+          </a:effectRef>
+          <a:fontRef idx="minor">
+            <a:schemeClr val="tx1"/>
+          </a:fontRef>
+        </p:style>
+      </p:cxnSp>
+      <p:pic>
+        <p:nvPicPr>
+          <p:cNvPr id="1282" name="그림 56" descr="C:/Users/nwond/AppData/Roaming/PolarisOffice/ETemp/20740_14037000/fImage229014433281.png"/>
+          <p:cNvPicPr>
+            <a:picLocks noChangeAspect="1"/>
+          </p:cNvPicPr>
+          <p:nvPr/>
+        </p:nvPicPr>
+        <p:blipFill rotWithShape="1">
+          <a:blip r:embed="rId4" cstate="print">
+            <a:extLst>
+              <a:ext uri="{28A0092B-C50C-407E-A947-70E740481C1C}">
+                <a14:useLocalDpi xmlns:a14="http://schemas.microsoft.com/office/drawing/2010/main" val="0"/>
+              </a:ext>
+            </a:extLst>
+          </a:blip>
+          <a:stretch>
+            <a:fillRect/>
+          </a:stretch>
+        </p:blipFill>
+        <p:spPr>
+          <a:xfrm rot="0">
+            <a:off x="6815455" y="1450975"/>
+            <a:ext cx="4149090" cy="2232660"/>
+          </a:xfrm>
+          <a:prstGeom prst="roundRect"/>
+          <a:solidFill>
+            <a:srgbClr val="EDEDED"/>
+          </a:solidFill>
+        </p:spPr>
+      </p:pic>
+      <p:pic>
+        <p:nvPicPr>
+          <p:cNvPr id="1283" name="그림 59" descr="C:/Users/nwond/AppData/Roaming/PolarisOffice/ETemp/20740_14037000/fImage36394446827.png"/>
+          <p:cNvPicPr>
+            <a:picLocks noChangeAspect="1"/>
+          </p:cNvPicPr>
+          <p:nvPr/>
+        </p:nvPicPr>
+        <p:blipFill rotWithShape="1">
+          <a:blip r:embed="rId5" cstate="print">
+            <a:extLst>
+              <a:ext uri="{28A0092B-C50C-407E-A947-70E740481C1C}">
+                <a14:useLocalDpi xmlns:a14="http://schemas.microsoft.com/office/drawing/2010/main" val="0"/>
+              </a:ext>
+            </a:extLst>
+          </a:blip>
+          <a:stretch>
+            <a:fillRect/>
+          </a:stretch>
+        </p:blipFill>
+        <p:spPr>
+          <a:xfrm rot="0">
+            <a:off x="6816725" y="3869690"/>
+            <a:ext cx="4147820" cy="1033780"/>
+          </a:xfrm>
+          <a:prstGeom prst="roundRect"/>
+          <a:solidFill>
+            <a:srgbClr val="EDEDED"/>
+          </a:solidFill>
+        </p:spPr>
+      </p:pic>
+      <p:cxnSp>
+        <p:nvCxnSpPr>
+          <p:cNvPr id="1284" name="도형 62"/>
+          <p:cNvCxnSpPr/>
+          <p:nvPr/>
+        </p:nvCxnSpPr>
+        <p:spPr>
+          <a:xfrm rot="0" flipV="1">
+            <a:off x="8373110" y="3163570"/>
+            <a:ext cx="2470150" cy="990600"/>
+          </a:xfrm>
+          <a:prstGeom prst="straightConnector1"/>
+          <a:ln w="6350" cap="flat" cmpd="sng">
+            <a:prstDash/>
+            <a:headEnd type="none" w="med" len="med"/>
+            <a:tailEnd type="triangle" w="med" len="med"/>
+          </a:ln>
+        </p:spPr>
+        <p:style>
+          <a:lnRef idx="1">
+            <a:schemeClr val="accent1"/>
+          </a:lnRef>
+          <a:fillRef idx="0">
+            <a:schemeClr val="accent1"/>
+          </a:fillRef>
+          <a:effectRef idx="0">
+            <a:schemeClr val="accent1"/>
+          </a:effectRef>
+          <a:fontRef idx="minor">
+            <a:schemeClr val="tx1"/>
+          </a:fontRef>
+        </p:style>
+      </p:cxnSp>
     </p:spTree>
   </p:cSld>
   <p:clrMapOvr>
